--- a/slidedeck/slides.pptx
+++ b/slidedeck/slides.pptx
@@ -8,34 +8,35 @@
     <p:sldMasterId id="2147483690" r:id="rId4"/>
   </p:sldMasterIdLst>
   <p:notesMasterIdLst>
-    <p:notesMasterId r:id="rId30"/>
+    <p:notesMasterId r:id="rId31"/>
   </p:notesMasterIdLst>
   <p:sldIdLst>
     <p:sldId id="256" r:id="rId5"/>
-    <p:sldId id="268" r:id="rId6"/>
-    <p:sldId id="283" r:id="rId7"/>
-    <p:sldId id="286" r:id="rId8"/>
-    <p:sldId id="285" r:id="rId9"/>
-    <p:sldId id="284" r:id="rId10"/>
-    <p:sldId id="275" r:id="rId11"/>
-    <p:sldId id="270" r:id="rId12"/>
-    <p:sldId id="271" r:id="rId13"/>
-    <p:sldId id="272" r:id="rId14"/>
-    <p:sldId id="278" r:id="rId15"/>
-    <p:sldId id="280" r:id="rId16"/>
-    <p:sldId id="267" r:id="rId17"/>
-    <p:sldId id="258" r:id="rId18"/>
-    <p:sldId id="274" r:id="rId19"/>
-    <p:sldId id="273" r:id="rId20"/>
-    <p:sldId id="279" r:id="rId21"/>
-    <p:sldId id="262" r:id="rId22"/>
-    <p:sldId id="263" r:id="rId23"/>
-    <p:sldId id="277" r:id="rId24"/>
-    <p:sldId id="265" r:id="rId25"/>
-    <p:sldId id="264" r:id="rId26"/>
-    <p:sldId id="259" r:id="rId27"/>
-    <p:sldId id="261" r:id="rId28"/>
-    <p:sldId id="276" r:id="rId29"/>
+    <p:sldId id="283" r:id="rId6"/>
+    <p:sldId id="284" r:id="rId7"/>
+    <p:sldId id="285" r:id="rId8"/>
+    <p:sldId id="286" r:id="rId9"/>
+    <p:sldId id="287" r:id="rId10"/>
+    <p:sldId id="270" r:id="rId11"/>
+    <p:sldId id="271" r:id="rId12"/>
+    <p:sldId id="278" r:id="rId13"/>
+    <p:sldId id="282" r:id="rId14"/>
+    <p:sldId id="272" r:id="rId15"/>
+    <p:sldId id="267" r:id="rId16"/>
+    <p:sldId id="279" r:id="rId17"/>
+    <p:sldId id="262" r:id="rId18"/>
+    <p:sldId id="280" r:id="rId19"/>
+    <p:sldId id="281" r:id="rId20"/>
+    <p:sldId id="258" r:id="rId21"/>
+    <p:sldId id="274" r:id="rId22"/>
+    <p:sldId id="273" r:id="rId23"/>
+    <p:sldId id="263" r:id="rId24"/>
+    <p:sldId id="277" r:id="rId25"/>
+    <p:sldId id="265" r:id="rId26"/>
+    <p:sldId id="264" r:id="rId27"/>
+    <p:sldId id="259" r:id="rId28"/>
+    <p:sldId id="261" r:id="rId29"/>
+    <p:sldId id="276" r:id="rId30"/>
   </p:sldIdLst>
   <p:sldSz cx="12192000" cy="6858000"/>
   <p:notesSz cx="6858000" cy="9144000"/>
@@ -579,7 +580,7 @@
     </p:spTree>
     <p:extLst>
       <p:ext uri="{BB962C8B-B14F-4D97-AF65-F5344CB8AC3E}">
-        <p14:creationId xmlns:p14="http://schemas.microsoft.com/office/powerpoint/2010/main" val="1903189216"/>
+        <p14:creationId xmlns:p14="http://schemas.microsoft.com/office/powerpoint/2010/main" val="2231726804"/>
       </p:ext>
     </p:extLst>
   </p:cSld>
@@ -676,7 +677,7 @@
     </p:spTree>
     <p:extLst>
       <p:ext uri="{BB962C8B-B14F-4D97-AF65-F5344CB8AC3E}">
-        <p14:creationId xmlns:p14="http://schemas.microsoft.com/office/powerpoint/2010/main" val="3159770698"/>
+        <p14:creationId xmlns:p14="http://schemas.microsoft.com/office/powerpoint/2010/main" val="2756656890"/>
       </p:ext>
     </p:extLst>
   </p:cSld>
@@ -1249,13 +1250,13 @@
   <p:clrMapOvr>
     <a:masterClrMapping/>
   </p:clrMapOvr>
-  <mc:AlternateContent xmlns:mc="http://schemas.openxmlformats.org/markup-compatibility/2006">
-    <mc:Choice xmlns:p14="http://schemas.microsoft.com/office/powerpoint/2010/main" Requires="p14">
+  <mc:AlternateContent xmlns:mc="http://schemas.openxmlformats.org/markup-compatibility/2006" xmlns:p14="http://schemas.microsoft.com/office/powerpoint/2010/main">
+    <mc:Choice Requires="p14">
       <p:transition spd="slow" p14:dur="3400">
         <p14:reveal/>
       </p:transition>
     </mc:Choice>
-    <mc:Fallback>
+    <mc:Fallback xmlns="">
       <p:transition spd="slow">
         <p:fade/>
       </p:transition>
@@ -1271,7 +1272,7 @@
   <p:extLst mod="1">
     <p:ext uri="{DCECCB84-F9BA-43D5-87BE-67443E8EF086}">
       <p15:sldGuideLst xmlns:p15="http://schemas.microsoft.com/office/powerpoint/2012/main">
-        <p15:guide id="4294967295" orient="horz" pos="4406">
+        <p15:guide id="1" orient="horz" pos="4406">
           <p15:clr>
             <a:srgbClr val="C35EA4"/>
           </p15:clr>
@@ -2483,13 +2484,13 @@
   <p:clrMapOvr>
     <a:masterClrMapping/>
   </p:clrMapOvr>
-  <mc:AlternateContent xmlns:mc="http://schemas.openxmlformats.org/markup-compatibility/2006">
-    <mc:Choice xmlns:p14="http://schemas.microsoft.com/office/powerpoint/2010/main" Requires="p14">
+  <mc:AlternateContent xmlns:mc="http://schemas.openxmlformats.org/markup-compatibility/2006" xmlns:p14="http://schemas.microsoft.com/office/powerpoint/2010/main">
+    <mc:Choice Requires="p14">
       <p:transition spd="slow" p14:dur="3400">
         <p14:reveal/>
       </p:transition>
     </mc:Choice>
-    <mc:Fallback>
+    <mc:Fallback xmlns="">
       <p:transition spd="slow">
         <p:fade/>
       </p:transition>
@@ -2505,7 +2506,7 @@
   <p:extLst mod="1">
     <p:ext uri="{DCECCB84-F9BA-43D5-87BE-67443E8EF086}">
       <p15:sldGuideLst xmlns:p15="http://schemas.microsoft.com/office/powerpoint/2012/main">
-        <p15:guide id="4294967295" orient="horz" pos="4406">
+        <p15:guide id="1" orient="horz" pos="4406">
           <p15:clr>
             <a:srgbClr val="C35EA4"/>
           </p15:clr>
@@ -3461,12 +3462,12 @@
   <p:extLst mod="1">
     <p:ext uri="{DCECCB84-F9BA-43D5-87BE-67443E8EF086}">
       <p15:sldGuideLst xmlns:p15="http://schemas.microsoft.com/office/powerpoint/2012/main">
-        <p15:guide id="4294967295" orient="horz" pos="2203">
+        <p15:guide id="1" orient="horz" pos="2203">
           <p15:clr>
             <a:srgbClr val="FBAE40"/>
           </p15:clr>
         </p15:guide>
-        <p15:guide id="4294967295" pos="3053">
+        <p15:guide id="2" pos="3053">
           <p15:clr>
             <a:srgbClr val="FBAE40"/>
           </p15:clr>
@@ -3888,12 +3889,12 @@
   <p:extLst mod="1">
     <p:ext uri="{DCECCB84-F9BA-43D5-87BE-67443E8EF086}">
       <p15:sldGuideLst xmlns:p15="http://schemas.microsoft.com/office/powerpoint/2012/main">
-        <p15:guide id="4294967295" orient="horz" pos="2203">
+        <p15:guide id="1" orient="horz" pos="2203">
           <p15:clr>
             <a:srgbClr val="FBAE40"/>
           </p15:clr>
         </p15:guide>
-        <p15:guide id="4294967295" pos="3053">
+        <p15:guide id="2" pos="3053">
           <p15:clr>
             <a:srgbClr val="FBAE40"/>
           </p15:clr>
@@ -4501,12 +4502,12 @@
   <p:extLst mod="1">
     <p:ext uri="{DCECCB84-F9BA-43D5-87BE-67443E8EF086}">
       <p15:sldGuideLst xmlns:p15="http://schemas.microsoft.com/office/powerpoint/2012/main">
-        <p15:guide id="4294967295" orient="horz" pos="2203">
+        <p15:guide id="1" orient="horz" pos="2203">
           <p15:clr>
             <a:srgbClr val="FBAE40"/>
           </p15:clr>
         </p15:guide>
-        <p15:guide id="4294967295" pos="3053">
+        <p15:guide id="2" pos="3053">
           <p15:clr>
             <a:srgbClr val="FBAE40"/>
           </p15:clr>
@@ -6914,13 +6915,13 @@
   <p:clrMapOvr>
     <a:masterClrMapping/>
   </p:clrMapOvr>
-  <mc:AlternateContent xmlns:mc="http://schemas.openxmlformats.org/markup-compatibility/2006">
-    <mc:Choice xmlns:p14="http://schemas.microsoft.com/office/powerpoint/2010/main" Requires="p14">
+  <mc:AlternateContent xmlns:mc="http://schemas.openxmlformats.org/markup-compatibility/2006" xmlns:p14="http://schemas.microsoft.com/office/powerpoint/2010/main">
+    <mc:Choice Requires="p14">
       <p:transition spd="slow" p14:dur="3400">
         <p14:reveal/>
       </p:transition>
     </mc:Choice>
-    <mc:Fallback>
+    <mc:Fallback xmlns="">
       <p:transition spd="slow">
         <p:fade/>
       </p:transition>
@@ -6936,7 +6937,7 @@
   <p:extLst mod="1">
     <p:ext uri="{DCECCB84-F9BA-43D5-87BE-67443E8EF086}">
       <p15:sldGuideLst xmlns:p15="http://schemas.microsoft.com/office/powerpoint/2012/main">
-        <p15:guide id="4294967295" orient="horz" pos="4406">
+        <p15:guide id="1" orient="horz" pos="4406">
           <p15:clr>
             <a:srgbClr val="C35EA4"/>
           </p15:clr>
@@ -8148,13 +8149,13 @@
   <p:clrMapOvr>
     <a:masterClrMapping/>
   </p:clrMapOvr>
-  <mc:AlternateContent xmlns:mc="http://schemas.openxmlformats.org/markup-compatibility/2006">
-    <mc:Choice xmlns:p14="http://schemas.microsoft.com/office/powerpoint/2010/main" Requires="p14">
+  <mc:AlternateContent xmlns:mc="http://schemas.openxmlformats.org/markup-compatibility/2006" xmlns:p14="http://schemas.microsoft.com/office/powerpoint/2010/main">
+    <mc:Choice Requires="p14">
       <p:transition spd="slow" p14:dur="3400">
         <p14:reveal/>
       </p:transition>
     </mc:Choice>
-    <mc:Fallback>
+    <mc:Fallback xmlns="">
       <p:transition spd="slow">
         <p:fade/>
       </p:transition>
@@ -8170,7 +8171,7 @@
   <p:extLst mod="1">
     <p:ext uri="{DCECCB84-F9BA-43D5-87BE-67443E8EF086}">
       <p15:sldGuideLst xmlns:p15="http://schemas.microsoft.com/office/powerpoint/2012/main">
-        <p15:guide id="4294967295" orient="horz" pos="4406">
+        <p15:guide id="1" orient="horz" pos="4406">
           <p15:clr>
             <a:srgbClr val="C35EA4"/>
           </p15:clr>
@@ -9372,12 +9373,12 @@
   <p:extLst mod="1">
     <p:ext uri="{DCECCB84-F9BA-43D5-87BE-67443E8EF086}">
       <p15:sldGuideLst xmlns:p15="http://schemas.microsoft.com/office/powerpoint/2012/main">
-        <p15:guide id="4294967295" orient="horz" pos="2203">
+        <p15:guide id="1" orient="horz" pos="2203">
           <p15:clr>
             <a:srgbClr val="FBAE40"/>
           </p15:clr>
         </p15:guide>
-        <p15:guide id="4294967295" pos="3053">
+        <p15:guide id="2" pos="3053">
           <p15:clr>
             <a:srgbClr val="FBAE40"/>
           </p15:clr>
@@ -9799,12 +9800,12 @@
   <p:extLst mod="1">
     <p:ext uri="{DCECCB84-F9BA-43D5-87BE-67443E8EF086}">
       <p15:sldGuideLst xmlns:p15="http://schemas.microsoft.com/office/powerpoint/2012/main">
-        <p15:guide id="4294967295" orient="horz" pos="2203">
+        <p15:guide id="1" orient="horz" pos="2203">
           <p15:clr>
             <a:srgbClr val="FBAE40"/>
           </p15:clr>
         </p15:guide>
-        <p15:guide id="4294967295" pos="3053">
+        <p15:guide id="2" pos="3053">
           <p15:clr>
             <a:srgbClr val="FBAE40"/>
           </p15:clr>
@@ -10242,12 +10243,12 @@
   <p:extLst mod="1">
     <p:ext uri="{DCECCB84-F9BA-43D5-87BE-67443E8EF086}">
       <p15:sldGuideLst xmlns:p15="http://schemas.microsoft.com/office/powerpoint/2012/main">
-        <p15:guide id="4294967295" orient="horz" pos="2203">
+        <p15:guide id="1" orient="horz" pos="2203">
           <p15:clr>
             <a:srgbClr val="FBAE40"/>
           </p15:clr>
         </p15:guide>
-        <p15:guide id="4294967295" pos="3053">
+        <p15:guide id="2" pos="3053">
           <p15:clr>
             <a:srgbClr val="FBAE40"/>
           </p15:clr>
@@ -12887,13 +12888,13 @@
   <p:clrMapOvr>
     <a:masterClrMapping/>
   </p:clrMapOvr>
-  <mc:AlternateContent xmlns:mc="http://schemas.openxmlformats.org/markup-compatibility/2006">
-    <mc:Choice xmlns:p14="http://schemas.microsoft.com/office/powerpoint/2010/main" Requires="p14">
+  <mc:AlternateContent xmlns:mc="http://schemas.openxmlformats.org/markup-compatibility/2006" xmlns:p14="http://schemas.microsoft.com/office/powerpoint/2010/main">
+    <mc:Choice Requires="p14">
       <p:transition spd="slow" p14:dur="3400">
         <p14:reveal/>
       </p:transition>
     </mc:Choice>
-    <mc:Fallback>
+    <mc:Fallback xmlns="">
       <p:transition spd="slow">
         <p:fade/>
       </p:transition>
@@ -12909,7 +12910,7 @@
   <p:extLst mod="1">
     <p:ext uri="{DCECCB84-F9BA-43D5-87BE-67443E8EF086}">
       <p15:sldGuideLst xmlns:p15="http://schemas.microsoft.com/office/powerpoint/2012/main">
-        <p15:guide id="4294967295" orient="horz" pos="4406">
+        <p15:guide id="1" orient="horz" pos="4406">
           <p15:clr>
             <a:srgbClr val="C35EA4"/>
           </p15:clr>
@@ -14121,13 +14122,13 @@
   <p:clrMapOvr>
     <a:masterClrMapping/>
   </p:clrMapOvr>
-  <mc:AlternateContent xmlns:mc="http://schemas.openxmlformats.org/markup-compatibility/2006">
-    <mc:Choice xmlns:p14="http://schemas.microsoft.com/office/powerpoint/2010/main" Requires="p14">
+  <mc:AlternateContent xmlns:mc="http://schemas.openxmlformats.org/markup-compatibility/2006" xmlns:p14="http://schemas.microsoft.com/office/powerpoint/2010/main">
+    <mc:Choice Requires="p14">
       <p:transition spd="slow" p14:dur="3400">
         <p14:reveal/>
       </p:transition>
     </mc:Choice>
-    <mc:Fallback>
+    <mc:Fallback xmlns="">
       <p:transition spd="slow">
         <p:fade/>
       </p:transition>
@@ -14143,7 +14144,7 @@
   <p:extLst mod="1">
     <p:ext uri="{DCECCB84-F9BA-43D5-87BE-67443E8EF086}">
       <p15:sldGuideLst xmlns:p15="http://schemas.microsoft.com/office/powerpoint/2012/main">
-        <p15:guide id="4294967295" orient="horz" pos="4406">
+        <p15:guide id="1" orient="horz" pos="4406">
           <p15:clr>
             <a:srgbClr val="C35EA4"/>
           </p15:clr>
@@ -15099,12 +15100,12 @@
   <p:extLst mod="1">
     <p:ext uri="{DCECCB84-F9BA-43D5-87BE-67443E8EF086}">
       <p15:sldGuideLst xmlns:p15="http://schemas.microsoft.com/office/powerpoint/2012/main">
-        <p15:guide id="4294967295" orient="horz" pos="2203">
+        <p15:guide id="1" orient="horz" pos="2203">
           <p15:clr>
             <a:srgbClr val="FBAE40"/>
           </p15:clr>
         </p15:guide>
-        <p15:guide id="4294967295" pos="3053">
+        <p15:guide id="2" pos="3053">
           <p15:clr>
             <a:srgbClr val="FBAE40"/>
           </p15:clr>
@@ -15526,12 +15527,12 @@
   <p:extLst mod="1">
     <p:ext uri="{DCECCB84-F9BA-43D5-87BE-67443E8EF086}">
       <p15:sldGuideLst xmlns:p15="http://schemas.microsoft.com/office/powerpoint/2012/main">
-        <p15:guide id="4294967295" orient="horz" pos="2203">
+        <p15:guide id="1" orient="horz" pos="2203">
           <p15:clr>
             <a:srgbClr val="FBAE40"/>
           </p15:clr>
         </p15:guide>
-        <p15:guide id="4294967295" pos="3053">
+        <p15:guide id="2" pos="3053">
           <p15:clr>
             <a:srgbClr val="FBAE40"/>
           </p15:clr>
@@ -15969,12 +15970,12 @@
   <p:extLst mod="1">
     <p:ext uri="{DCECCB84-F9BA-43D5-87BE-67443E8EF086}">
       <p15:sldGuideLst xmlns:p15="http://schemas.microsoft.com/office/powerpoint/2012/main">
-        <p15:guide id="4294967295" orient="horz" pos="2203">
+        <p15:guide id="1" orient="horz" pos="2203">
           <p15:clr>
             <a:srgbClr val="FBAE40"/>
           </p15:clr>
         </p15:guide>
-        <p15:guide id="4294967295" pos="3053">
+        <p15:guide id="2" pos="3053">
           <p15:clr>
             <a:srgbClr val="FBAE40"/>
           </p15:clr>
@@ -20384,132 +20385,132 @@
   <p:extLst mod="1">
     <p:ext uri="{27BBF7A9-308A-43DC-89C8-2F10F3537804}">
       <p15:sldGuideLst xmlns:p15="http://schemas.microsoft.com/office/powerpoint/2012/main">
-        <p15:guide id="4294967295" orient="horz" pos="187">
+        <p15:guide id="1" orient="horz" pos="187">
           <p15:clr>
             <a:srgbClr val="5ACBF0"/>
           </p15:clr>
         </p15:guide>
-        <p15:guide id="4294967295" pos="173">
+        <p15:guide id="2" pos="173">
           <p15:clr>
             <a:srgbClr val="5ACBF0"/>
           </p15:clr>
         </p15:guide>
-        <p15:guide id="4294967295" pos="749">
+        <p15:guide id="3" pos="749">
           <p15:clr>
             <a:srgbClr val="5ACBF0"/>
           </p15:clr>
         </p15:guide>
-        <p15:guide id="4294967295" pos="1325">
+        <p15:guide id="4" pos="1325">
           <p15:clr>
             <a:srgbClr val="5ACBF0"/>
           </p15:clr>
         </p15:guide>
-        <p15:guide id="4294967295" pos="1901">
+        <p15:guide id="5" pos="1901">
           <p15:clr>
             <a:srgbClr val="5ACBF0"/>
           </p15:clr>
         </p15:guide>
-        <p15:guide id="4294967295" pos="2477">
+        <p15:guide id="6" pos="2477">
           <p15:clr>
             <a:srgbClr val="5ACBF0"/>
           </p15:clr>
         </p15:guide>
-        <p15:guide id="4294967295" pos="3053">
+        <p15:guide id="7" pos="3053">
           <p15:clr>
             <a:srgbClr val="5ACBF0"/>
           </p15:clr>
         </p15:guide>
-        <p15:guide id="4294967295" pos="3629">
+        <p15:guide id="8" pos="3629">
           <p15:clr>
             <a:srgbClr val="5ACBF0"/>
           </p15:clr>
         </p15:guide>
-        <p15:guide id="4294967295" pos="4205">
+        <p15:guide id="9" pos="4205">
           <p15:clr>
             <a:srgbClr val="5ACBF0"/>
           </p15:clr>
         </p15:guide>
-        <p15:guide id="4294967295" pos="4781">
+        <p15:guide id="10" pos="4781">
           <p15:clr>
             <a:srgbClr val="5ACBF0"/>
           </p15:clr>
         </p15:guide>
-        <p15:guide id="4294967295" pos="5357">
+        <p15:guide id="11" pos="5357">
           <p15:clr>
             <a:srgbClr val="5ACBF0"/>
           </p15:clr>
         </p15:guide>
-        <p15:guide id="4294967295" pos="5933">
+        <p15:guide id="12" pos="5933">
           <p15:clr>
             <a:srgbClr val="5ACBF0"/>
           </p15:clr>
         </p15:guide>
-        <p15:guide id="4294967295" pos="6509">
+        <p15:guide id="13" pos="6509">
           <p15:clr>
             <a:srgbClr val="5ACBF0"/>
           </p15:clr>
         </p15:guide>
-        <p15:guide id="4294967295" pos="7085">
+        <p15:guide id="14" pos="7085">
           <p15:clr>
             <a:srgbClr val="5ACBF0"/>
           </p15:clr>
         </p15:guide>
-        <p15:guide id="4294967295" pos="7661">
+        <p15:guide id="15" pos="7661">
           <p15:clr>
             <a:srgbClr val="5ACBF0"/>
           </p15:clr>
         </p15:guide>
-        <p15:guide id="4294967295" pos="288">
+        <p15:guide id="16" pos="288">
           <p15:clr>
             <a:srgbClr val="C35EA4"/>
           </p15:clr>
         </p15:guide>
-        <p15:guide id="4294967295" pos="7546">
+        <p15:guide id="17" pos="7546">
           <p15:clr>
             <a:srgbClr val="C35EA4"/>
           </p15:clr>
         </p15:guide>
-        <p15:guide id="4294967295" orient="horz" pos="763">
+        <p15:guide id="18" orient="horz" pos="763">
           <p15:clr>
             <a:srgbClr val="5ACBF0"/>
           </p15:clr>
         </p15:guide>
-        <p15:guide id="4294967295" orient="horz" pos="1339">
+        <p15:guide id="19" orient="horz" pos="1339">
           <p15:clr>
             <a:srgbClr val="5ACBF0"/>
           </p15:clr>
         </p15:guide>
-        <p15:guide id="4294967295" orient="horz" pos="1915">
+        <p15:guide id="20" orient="horz" pos="1915">
           <p15:clr>
             <a:srgbClr val="5ACBF0"/>
           </p15:clr>
         </p15:guide>
-        <p15:guide id="4294967295" orient="horz" pos="2491">
+        <p15:guide id="21" orient="horz" pos="2491">
           <p15:clr>
             <a:srgbClr val="5ACBF0"/>
           </p15:clr>
         </p15:guide>
-        <p15:guide id="4294967295" orient="horz" pos="3067">
+        <p15:guide id="22" orient="horz" pos="3067">
           <p15:clr>
             <a:srgbClr val="5ACBF0"/>
           </p15:clr>
         </p15:guide>
-        <p15:guide id="4294967295" orient="horz" pos="3643">
+        <p15:guide id="23" orient="horz" pos="3643">
           <p15:clr>
             <a:srgbClr val="5ACBF0"/>
           </p15:clr>
         </p15:guide>
-        <p15:guide id="4294967295" orient="horz" pos="4219">
+        <p15:guide id="24" orient="horz" pos="4219">
           <p15:clr>
             <a:srgbClr val="5ACBF0"/>
           </p15:clr>
         </p15:guide>
-        <p15:guide id="4294967295" orient="horz" pos="302">
+        <p15:guide id="25" orient="horz" pos="302">
           <p15:clr>
             <a:srgbClr val="C35EA4"/>
           </p15:clr>
         </p15:guide>
-        <p15:guide id="4294967295" orient="horz" pos="4104">
+        <p15:guide id="26" orient="horz" pos="4104">
           <p15:clr>
             <a:srgbClr val="C35EA4"/>
           </p15:clr>
@@ -21048,132 +21049,132 @@
   <p:extLst mod="1">
     <p:ext uri="{27BBF7A9-308A-43DC-89C8-2F10F3537804}">
       <p15:sldGuideLst xmlns:p15="http://schemas.microsoft.com/office/powerpoint/2012/main">
-        <p15:guide id="4294967295" orient="horz" pos="187">
+        <p15:guide id="1" orient="horz" pos="187">
           <p15:clr>
             <a:srgbClr val="5ACBF0"/>
           </p15:clr>
         </p15:guide>
-        <p15:guide id="4294967295" pos="173">
+        <p15:guide id="2" pos="173">
           <p15:clr>
             <a:srgbClr val="5ACBF0"/>
           </p15:clr>
         </p15:guide>
-        <p15:guide id="4294967295" pos="749">
+        <p15:guide id="3" pos="749">
           <p15:clr>
             <a:srgbClr val="5ACBF0"/>
           </p15:clr>
         </p15:guide>
-        <p15:guide id="4294967295" pos="1325">
+        <p15:guide id="4" pos="1325">
           <p15:clr>
             <a:srgbClr val="5ACBF0"/>
           </p15:clr>
         </p15:guide>
-        <p15:guide id="4294967295" pos="1901">
+        <p15:guide id="5" pos="1901">
           <p15:clr>
             <a:srgbClr val="5ACBF0"/>
           </p15:clr>
         </p15:guide>
-        <p15:guide id="4294967295" pos="2477">
+        <p15:guide id="6" pos="2477">
           <p15:clr>
             <a:srgbClr val="5ACBF0"/>
           </p15:clr>
         </p15:guide>
-        <p15:guide id="4294967295" pos="3053">
+        <p15:guide id="7" pos="3053">
           <p15:clr>
             <a:srgbClr val="5ACBF0"/>
           </p15:clr>
         </p15:guide>
-        <p15:guide id="4294967295" pos="3629">
+        <p15:guide id="8" pos="3629">
           <p15:clr>
             <a:srgbClr val="5ACBF0"/>
           </p15:clr>
         </p15:guide>
-        <p15:guide id="4294967295" pos="4205">
+        <p15:guide id="9" pos="4205">
           <p15:clr>
             <a:srgbClr val="5ACBF0"/>
           </p15:clr>
         </p15:guide>
-        <p15:guide id="4294967295" pos="4781">
+        <p15:guide id="10" pos="4781">
           <p15:clr>
             <a:srgbClr val="5ACBF0"/>
           </p15:clr>
         </p15:guide>
-        <p15:guide id="4294967295" pos="5357">
+        <p15:guide id="11" pos="5357">
           <p15:clr>
             <a:srgbClr val="5ACBF0"/>
           </p15:clr>
         </p15:guide>
-        <p15:guide id="4294967295" pos="5933">
+        <p15:guide id="12" pos="5933">
           <p15:clr>
             <a:srgbClr val="5ACBF0"/>
           </p15:clr>
         </p15:guide>
-        <p15:guide id="4294967295" pos="6509">
+        <p15:guide id="13" pos="6509">
           <p15:clr>
             <a:srgbClr val="5ACBF0"/>
           </p15:clr>
         </p15:guide>
-        <p15:guide id="4294967295" pos="7085">
+        <p15:guide id="14" pos="7085">
           <p15:clr>
             <a:srgbClr val="5ACBF0"/>
           </p15:clr>
         </p15:guide>
-        <p15:guide id="4294967295" pos="7661">
+        <p15:guide id="15" pos="7661">
           <p15:clr>
             <a:srgbClr val="5ACBF0"/>
           </p15:clr>
         </p15:guide>
-        <p15:guide id="4294967295" pos="288">
+        <p15:guide id="16" pos="288">
           <p15:clr>
             <a:srgbClr val="C35EA4"/>
           </p15:clr>
         </p15:guide>
-        <p15:guide id="4294967295" pos="7546">
+        <p15:guide id="17" pos="7546">
           <p15:clr>
             <a:srgbClr val="C35EA4"/>
           </p15:clr>
         </p15:guide>
-        <p15:guide id="4294967295" orient="horz" pos="763">
+        <p15:guide id="18" orient="horz" pos="763">
           <p15:clr>
             <a:srgbClr val="5ACBF0"/>
           </p15:clr>
         </p15:guide>
-        <p15:guide id="4294967295" orient="horz" pos="1339">
+        <p15:guide id="19" orient="horz" pos="1339">
           <p15:clr>
             <a:srgbClr val="5ACBF0"/>
           </p15:clr>
         </p15:guide>
-        <p15:guide id="4294967295" orient="horz" pos="1915">
+        <p15:guide id="20" orient="horz" pos="1915">
           <p15:clr>
             <a:srgbClr val="5ACBF0"/>
           </p15:clr>
         </p15:guide>
-        <p15:guide id="4294967295" orient="horz" pos="2491">
+        <p15:guide id="21" orient="horz" pos="2491">
           <p15:clr>
             <a:srgbClr val="5ACBF0"/>
           </p15:clr>
         </p15:guide>
-        <p15:guide id="4294967295" orient="horz" pos="3067">
+        <p15:guide id="22" orient="horz" pos="3067">
           <p15:clr>
             <a:srgbClr val="5ACBF0"/>
           </p15:clr>
         </p15:guide>
-        <p15:guide id="4294967295" orient="horz" pos="3643">
+        <p15:guide id="23" orient="horz" pos="3643">
           <p15:clr>
             <a:srgbClr val="5ACBF0"/>
           </p15:clr>
         </p15:guide>
-        <p15:guide id="4294967295" orient="horz" pos="4219">
+        <p15:guide id="24" orient="horz" pos="4219">
           <p15:clr>
             <a:srgbClr val="5ACBF0"/>
           </p15:clr>
         </p15:guide>
-        <p15:guide id="4294967295" orient="horz" pos="302">
+        <p15:guide id="25" orient="horz" pos="302">
           <p15:clr>
             <a:srgbClr val="C35EA4"/>
           </p15:clr>
         </p15:guide>
-        <p15:guide id="4294967295" orient="horz" pos="4104">
+        <p15:guide id="26" orient="horz" pos="4104">
           <p15:clr>
             <a:srgbClr val="C35EA4"/>
           </p15:clr>
@@ -21712,132 +21713,132 @@
   <p:extLst mod="1">
     <p:ext uri="{27BBF7A9-308A-43DC-89C8-2F10F3537804}">
       <p15:sldGuideLst xmlns:p15="http://schemas.microsoft.com/office/powerpoint/2012/main">
-        <p15:guide id="4294967295" orient="horz" pos="187">
+        <p15:guide id="1" orient="horz" pos="187">
           <p15:clr>
             <a:srgbClr val="5ACBF0"/>
           </p15:clr>
         </p15:guide>
-        <p15:guide id="4294967295" pos="173">
+        <p15:guide id="2" pos="173">
           <p15:clr>
             <a:srgbClr val="5ACBF0"/>
           </p15:clr>
         </p15:guide>
-        <p15:guide id="4294967295" pos="749">
+        <p15:guide id="3" pos="749">
           <p15:clr>
             <a:srgbClr val="5ACBF0"/>
           </p15:clr>
         </p15:guide>
-        <p15:guide id="4294967295" pos="1325">
+        <p15:guide id="4" pos="1325">
           <p15:clr>
             <a:srgbClr val="5ACBF0"/>
           </p15:clr>
         </p15:guide>
-        <p15:guide id="4294967295" pos="1901">
+        <p15:guide id="5" pos="1901">
           <p15:clr>
             <a:srgbClr val="5ACBF0"/>
           </p15:clr>
         </p15:guide>
-        <p15:guide id="4294967295" pos="2477">
+        <p15:guide id="6" pos="2477">
           <p15:clr>
             <a:srgbClr val="5ACBF0"/>
           </p15:clr>
         </p15:guide>
-        <p15:guide id="4294967295" pos="3053">
+        <p15:guide id="7" pos="3053">
           <p15:clr>
             <a:srgbClr val="5ACBF0"/>
           </p15:clr>
         </p15:guide>
-        <p15:guide id="4294967295" pos="3629">
+        <p15:guide id="8" pos="3629">
           <p15:clr>
             <a:srgbClr val="5ACBF0"/>
           </p15:clr>
         </p15:guide>
-        <p15:guide id="4294967295" pos="4205">
+        <p15:guide id="9" pos="4205">
           <p15:clr>
             <a:srgbClr val="5ACBF0"/>
           </p15:clr>
         </p15:guide>
-        <p15:guide id="4294967295" pos="4781">
+        <p15:guide id="10" pos="4781">
           <p15:clr>
             <a:srgbClr val="5ACBF0"/>
           </p15:clr>
         </p15:guide>
-        <p15:guide id="4294967295" pos="5357">
+        <p15:guide id="11" pos="5357">
           <p15:clr>
             <a:srgbClr val="5ACBF0"/>
           </p15:clr>
         </p15:guide>
-        <p15:guide id="4294967295" pos="5933">
+        <p15:guide id="12" pos="5933">
           <p15:clr>
             <a:srgbClr val="5ACBF0"/>
           </p15:clr>
         </p15:guide>
-        <p15:guide id="4294967295" pos="6509">
+        <p15:guide id="13" pos="6509">
           <p15:clr>
             <a:srgbClr val="5ACBF0"/>
           </p15:clr>
         </p15:guide>
-        <p15:guide id="4294967295" pos="7085">
+        <p15:guide id="14" pos="7085">
           <p15:clr>
             <a:srgbClr val="5ACBF0"/>
           </p15:clr>
         </p15:guide>
-        <p15:guide id="4294967295" pos="7661">
+        <p15:guide id="15" pos="7661">
           <p15:clr>
             <a:srgbClr val="5ACBF0"/>
           </p15:clr>
         </p15:guide>
-        <p15:guide id="4294967295" pos="288">
+        <p15:guide id="16" pos="288">
           <p15:clr>
             <a:srgbClr val="C35EA4"/>
           </p15:clr>
         </p15:guide>
-        <p15:guide id="4294967295" pos="7546">
+        <p15:guide id="17" pos="7546">
           <p15:clr>
             <a:srgbClr val="C35EA4"/>
           </p15:clr>
         </p15:guide>
-        <p15:guide id="4294967295" orient="horz" pos="763">
+        <p15:guide id="18" orient="horz" pos="763">
           <p15:clr>
             <a:srgbClr val="5ACBF0"/>
           </p15:clr>
         </p15:guide>
-        <p15:guide id="4294967295" orient="horz" pos="1339">
+        <p15:guide id="19" orient="horz" pos="1339">
           <p15:clr>
             <a:srgbClr val="5ACBF0"/>
           </p15:clr>
         </p15:guide>
-        <p15:guide id="4294967295" orient="horz" pos="1915">
+        <p15:guide id="20" orient="horz" pos="1915">
           <p15:clr>
             <a:srgbClr val="5ACBF0"/>
           </p15:clr>
         </p15:guide>
-        <p15:guide id="4294967295" orient="horz" pos="2491">
+        <p15:guide id="21" orient="horz" pos="2491">
           <p15:clr>
             <a:srgbClr val="5ACBF0"/>
           </p15:clr>
         </p15:guide>
-        <p15:guide id="4294967295" orient="horz" pos="3067">
+        <p15:guide id="22" orient="horz" pos="3067">
           <p15:clr>
             <a:srgbClr val="5ACBF0"/>
           </p15:clr>
         </p15:guide>
-        <p15:guide id="4294967295" orient="horz" pos="3643">
+        <p15:guide id="23" orient="horz" pos="3643">
           <p15:clr>
             <a:srgbClr val="5ACBF0"/>
           </p15:clr>
         </p15:guide>
-        <p15:guide id="4294967295" orient="horz" pos="4219">
+        <p15:guide id="24" orient="horz" pos="4219">
           <p15:clr>
             <a:srgbClr val="5ACBF0"/>
           </p15:clr>
         </p15:guide>
-        <p15:guide id="4294967295" orient="horz" pos="302">
+        <p15:guide id="25" orient="horz" pos="302">
           <p15:clr>
             <a:srgbClr val="C35EA4"/>
           </p15:clr>
         </p15:guide>
-        <p15:guide id="4294967295" orient="horz" pos="4104">
+        <p15:guide id="26" orient="horz" pos="4104">
           <p15:clr>
             <a:srgbClr val="C35EA4"/>
           </p15:clr>
@@ -22082,17 +22083,7 @@
                 <a:latin typeface="Segoe UI" panose="020B0502040204020203" pitchFamily="34" charset="0"/>
                 <a:cs typeface="Segoe UI" panose="020B0502040204020203" pitchFamily="34" charset="0"/>
               </a:rPr>
-              <a:t> </a:t>
-            </a:r>
-            <a:r>
-              <a:rPr lang="en-US" sz="3600" dirty="0" smtClean="0">
-                <a:solidFill>
-                  <a:schemeClr val="bg1"/>
-                </a:solidFill>
-                <a:latin typeface="Segoe UI" panose="020B0502040204020203" pitchFamily="34" charset="0"/>
-                <a:cs typeface="Segoe UI" panose="020B0502040204020203" pitchFamily="34" charset="0"/>
-              </a:rPr>
-              <a:t>III</a:t>
+              <a:t> III</a:t>
             </a:r>
             <a:endParaRPr lang="en-US" sz="3600" dirty="0">
               <a:solidFill>
@@ -22248,6 +22239,216 @@
 </file>
 
 <file path=ppt/slides/slide10.xml><?xml version="1.0" encoding="utf-8"?>
+<p:sld xmlns:a="http://schemas.openxmlformats.org/drawingml/2006/main" xmlns:r="http://schemas.openxmlformats.org/officeDocument/2006/relationships" xmlns:p="http://schemas.openxmlformats.org/presentationml/2006/main">
+  <p:cSld>
+    <p:bg>
+      <p:bgPr>
+        <a:solidFill>
+          <a:schemeClr val="bg1"/>
+        </a:solidFill>
+        <a:effectLst/>
+      </p:bgPr>
+    </p:bg>
+    <p:spTree>
+      <p:nvGrpSpPr>
+        <p:cNvPr id="1" name=""/>
+        <p:cNvGrpSpPr/>
+        <p:nvPr/>
+      </p:nvGrpSpPr>
+      <p:grpSpPr>
+        <a:xfrm>
+          <a:off x="0" y="0"/>
+          <a:ext cx="0" cy="0"/>
+          <a:chOff x="0" y="0"/>
+          <a:chExt cx="0" cy="0"/>
+        </a:xfrm>
+      </p:grpSpPr>
+      <p:pic>
+        <p:nvPicPr>
+          <p:cNvPr id="4" name="Picture 3"/>
+          <p:cNvPicPr>
+            <a:picLocks noChangeAspect="1"/>
+          </p:cNvPicPr>
+          <p:nvPr/>
+        </p:nvPicPr>
+        <p:blipFill>
+          <a:blip r:embed="rId2">
+            <a:extLst>
+              <a:ext uri="{28A0092B-C50C-407E-A947-70E740481C1C}">
+                <a14:useLocalDpi xmlns:a14="http://schemas.microsoft.com/office/drawing/2010/main" val="0"/>
+              </a:ext>
+            </a:extLst>
+          </a:blip>
+          <a:stretch>
+            <a:fillRect/>
+          </a:stretch>
+        </p:blipFill>
+        <p:spPr>
+          <a:xfrm>
+            <a:off x="0" y="0"/>
+            <a:ext cx="12195961" cy="1106905"/>
+          </a:xfrm>
+          <a:prstGeom prst="rect">
+            <a:avLst/>
+          </a:prstGeom>
+        </p:spPr>
+      </p:pic>
+      <p:pic>
+        <p:nvPicPr>
+          <p:cNvPr id="7" name="Picture 6"/>
+          <p:cNvPicPr>
+            <a:picLocks noChangeAspect="1"/>
+          </p:cNvPicPr>
+          <p:nvPr/>
+        </p:nvPicPr>
+        <p:blipFill>
+          <a:blip r:embed="rId3" cstate="print">
+            <a:extLst>
+              <a:ext uri="{28A0092B-C50C-407E-A947-70E740481C1C}">
+                <a14:useLocalDpi xmlns:a14="http://schemas.microsoft.com/office/drawing/2010/main" val="0"/>
+              </a:ext>
+            </a:extLst>
+          </a:blip>
+          <a:stretch>
+            <a:fillRect/>
+          </a:stretch>
+        </p:blipFill>
+        <p:spPr>
+          <a:xfrm>
+            <a:off x="3603371" y="2488183"/>
+            <a:ext cx="4989218" cy="1347217"/>
+          </a:xfrm>
+          <a:prstGeom prst="rect">
+            <a:avLst/>
+          </a:prstGeom>
+        </p:spPr>
+      </p:pic>
+      <p:sp>
+        <p:nvSpPr>
+          <p:cNvPr id="8" name="Rectangle 7"/>
+          <p:cNvSpPr/>
+          <p:nvPr/>
+        </p:nvSpPr>
+        <p:spPr>
+          <a:xfrm>
+            <a:off x="762000" y="4556279"/>
+            <a:ext cx="11137900" cy="1384995"/>
+          </a:xfrm>
+          <a:prstGeom prst="rect">
+            <a:avLst/>
+          </a:prstGeom>
+        </p:spPr>
+        <p:txBody>
+          <a:bodyPr wrap="square">
+            <a:spAutoFit/>
+          </a:bodyPr>
+          <a:lstStyle/>
+          <a:p>
+            <a:r>
+              <a:rPr lang="en-US" sz="2800" dirty="0">
+                <a:solidFill>
+                  <a:srgbClr val="333333"/>
+                </a:solidFill>
+                <a:cs typeface="Segoe UI" panose="020B0502040204020203" pitchFamily="34" charset="0"/>
+              </a:rPr>
+              <a:t>Node.js® is a </a:t>
+            </a:r>
+            <a:r>
+              <a:rPr lang="en-US" sz="2800" dirty="0">
+                <a:cs typeface="Segoe UI" panose="020B0502040204020203" pitchFamily="34" charset="0"/>
+              </a:rPr>
+              <a:t>JavaScript runtime </a:t>
+            </a:r>
+            <a:r>
+              <a:rPr lang="en-US" sz="2800" dirty="0">
+                <a:solidFill>
+                  <a:srgbClr val="333333"/>
+                </a:solidFill>
+                <a:cs typeface="Segoe UI" panose="020B0502040204020203" pitchFamily="34" charset="0"/>
+              </a:rPr>
+              <a:t>built on </a:t>
+            </a:r>
+            <a:r>
+              <a:rPr lang="en-US" sz="2800" dirty="0">
+                <a:solidFill>
+                  <a:srgbClr val="80BD01"/>
+                </a:solidFill>
+                <a:cs typeface="Segoe UI" panose="020B0502040204020203" pitchFamily="34" charset="0"/>
+              </a:rPr>
+              <a:t>Chrome's V8 JavaScript engine</a:t>
+            </a:r>
+            <a:r>
+              <a:rPr lang="en-US" sz="2800" dirty="0">
+                <a:solidFill>
+                  <a:srgbClr val="333333"/>
+                </a:solidFill>
+                <a:cs typeface="Segoe UI" panose="020B0502040204020203" pitchFamily="34" charset="0"/>
+              </a:rPr>
+              <a:t>. Node.js uses an </a:t>
+            </a:r>
+            <a:r>
+              <a:rPr lang="en-US" sz="2800" dirty="0">
+                <a:solidFill>
+                  <a:srgbClr val="00ABEC"/>
+                </a:solidFill>
+                <a:cs typeface="Segoe UI" panose="020B0502040204020203" pitchFamily="34" charset="0"/>
+              </a:rPr>
+              <a:t>event-driven</a:t>
+            </a:r>
+            <a:r>
+              <a:rPr lang="en-US" sz="2800" dirty="0">
+                <a:solidFill>
+                  <a:srgbClr val="333333"/>
+                </a:solidFill>
+                <a:cs typeface="Segoe UI" panose="020B0502040204020203" pitchFamily="34" charset="0"/>
+              </a:rPr>
+              <a:t>, </a:t>
+            </a:r>
+            <a:r>
+              <a:rPr lang="en-US" sz="2800" dirty="0">
+                <a:solidFill>
+                  <a:srgbClr val="00ABEC"/>
+                </a:solidFill>
+                <a:cs typeface="Segoe UI" panose="020B0502040204020203" pitchFamily="34" charset="0"/>
+              </a:rPr>
+              <a:t>non-blocking I/O model </a:t>
+            </a:r>
+            <a:r>
+              <a:rPr lang="en-US" sz="2800" dirty="0">
+                <a:solidFill>
+                  <a:srgbClr val="333333"/>
+                </a:solidFill>
+                <a:cs typeface="Segoe UI" panose="020B0502040204020203" pitchFamily="34" charset="0"/>
+              </a:rPr>
+              <a:t>that makes it lightweight and efficient. </a:t>
+            </a:r>
+            <a:endParaRPr lang="en-US" sz="2800" dirty="0">
+              <a:cs typeface="Segoe UI" panose="020B0502040204020203" pitchFamily="34" charset="0"/>
+            </a:endParaRPr>
+          </a:p>
+        </p:txBody>
+      </p:sp>
+    </p:spTree>
+    <p:extLst>
+      <p:ext uri="{BB962C8B-B14F-4D97-AF65-F5344CB8AC3E}">
+        <p14:creationId xmlns:p14="http://schemas.microsoft.com/office/powerpoint/2010/main" val="2930412488"/>
+      </p:ext>
+    </p:extLst>
+  </p:cSld>
+  <p:clrMapOvr>
+    <a:masterClrMapping/>
+  </p:clrMapOvr>
+  <p:timing>
+    <p:tnLst>
+      <p:par>
+        <p:cTn id="1" dur="indefinite" restart="never" nodeType="tmRoot"/>
+      </p:par>
+    </p:tnLst>
+  </p:timing>
+</p:sld>
+</file>
+
+<file path=ppt/slides/slide11.xml><?xml version="1.0" encoding="utf-8"?>
 <p:sld xmlns:a="http://schemas.openxmlformats.org/drawingml/2006/main" xmlns:r="http://schemas.openxmlformats.org/officeDocument/2006/relationships" xmlns:p="http://schemas.openxmlformats.org/presentationml/2006/main">
   <p:cSld>
     <p:bg>
@@ -22363,1104 +22564,7 @@
 </p:sld>
 </file>
 
-<file path=ppt/slides/slide11.xml><?xml version="1.0" encoding="utf-8"?>
-<p:sld xmlns:a="http://schemas.openxmlformats.org/drawingml/2006/main" xmlns:r="http://schemas.openxmlformats.org/officeDocument/2006/relationships" xmlns:p="http://schemas.openxmlformats.org/presentationml/2006/main">
-  <p:cSld>
-    <p:bg>
-      <p:bgPr>
-        <a:solidFill>
-          <a:schemeClr val="bg1"/>
-        </a:solidFill>
-        <a:effectLst/>
-      </p:bgPr>
-    </p:bg>
-    <p:spTree>
-      <p:nvGrpSpPr>
-        <p:cNvPr id="1" name=""/>
-        <p:cNvGrpSpPr/>
-        <p:nvPr/>
-      </p:nvGrpSpPr>
-      <p:grpSpPr>
-        <a:xfrm>
-          <a:off x="0" y="0"/>
-          <a:ext cx="0" cy="0"/>
-          <a:chOff x="0" y="0"/>
-          <a:chExt cx="0" cy="0"/>
-        </a:xfrm>
-      </p:grpSpPr>
-      <p:pic>
-        <p:nvPicPr>
-          <p:cNvPr id="4" name="Picture 3"/>
-          <p:cNvPicPr>
-            <a:picLocks noChangeAspect="1"/>
-          </p:cNvPicPr>
-          <p:nvPr/>
-        </p:nvPicPr>
-        <p:blipFill>
-          <a:blip r:embed="rId2">
-            <a:extLst>
-              <a:ext uri="{28A0092B-C50C-407E-A947-70E740481C1C}">
-                <a14:useLocalDpi xmlns:a14="http://schemas.microsoft.com/office/drawing/2010/main" val="0"/>
-              </a:ext>
-            </a:extLst>
-          </a:blip>
-          <a:stretch>
-            <a:fillRect/>
-          </a:stretch>
-        </p:blipFill>
-        <p:spPr>
-          <a:xfrm>
-            <a:off x="0" y="0"/>
-            <a:ext cx="12195961" cy="1106905"/>
-          </a:xfrm>
-          <a:prstGeom prst="rect">
-            <a:avLst/>
-          </a:prstGeom>
-        </p:spPr>
-      </p:pic>
-      <p:sp>
-        <p:nvSpPr>
-          <p:cNvPr id="3" name="Rectangle 2"/>
-          <p:cNvSpPr/>
-          <p:nvPr/>
-        </p:nvSpPr>
-        <p:spPr>
-          <a:xfrm>
-            <a:off x="540206" y="2824343"/>
-            <a:ext cx="3208564" cy="522514"/>
-          </a:xfrm>
-          <a:prstGeom prst="rect">
-            <a:avLst/>
-          </a:prstGeom>
-          <a:solidFill>
-            <a:schemeClr val="accent1">
-              <a:lumMod val="75000"/>
-            </a:schemeClr>
-          </a:solidFill>
-          <a:ln w="28575"/>
-        </p:spPr>
-        <p:style>
-          <a:lnRef idx="2">
-            <a:schemeClr val="accent1">
-              <a:shade val="50000"/>
-            </a:schemeClr>
-          </a:lnRef>
-          <a:fillRef idx="1">
-            <a:schemeClr val="accent1"/>
-          </a:fillRef>
-          <a:effectRef idx="0">
-            <a:schemeClr val="accent1"/>
-          </a:effectRef>
-          <a:fontRef idx="minor">
-            <a:schemeClr val="lt1"/>
-          </a:fontRef>
-        </p:style>
-        <p:txBody>
-          <a:bodyPr rtlCol="0" anchor="ctr"/>
-          <a:lstStyle/>
-          <a:p>
-            <a:pPr algn="ctr"/>
-            <a:r>
-              <a:rPr lang="en-US" dirty="0" smtClean="0"/>
-              <a:t>Network call</a:t>
-            </a:r>
-            <a:endParaRPr lang="en-US" dirty="0"/>
-          </a:p>
-        </p:txBody>
-      </p:sp>
-      <p:sp>
-        <p:nvSpPr>
-          <p:cNvPr id="5" name="Rectangle 4"/>
-          <p:cNvSpPr/>
-          <p:nvPr/>
-        </p:nvSpPr>
-        <p:spPr>
-          <a:xfrm>
-            <a:off x="540206" y="2113191"/>
-            <a:ext cx="3208564" cy="522514"/>
-          </a:xfrm>
-          <a:prstGeom prst="rect">
-            <a:avLst/>
-          </a:prstGeom>
-          <a:solidFill>
-            <a:schemeClr val="accent1">
-              <a:lumMod val="75000"/>
-            </a:schemeClr>
-          </a:solidFill>
-          <a:ln w="28575"/>
-        </p:spPr>
-        <p:style>
-          <a:lnRef idx="2">
-            <a:schemeClr val="accent1">
-              <a:shade val="50000"/>
-            </a:schemeClr>
-          </a:lnRef>
-          <a:fillRef idx="1">
-            <a:schemeClr val="accent1"/>
-          </a:fillRef>
-          <a:effectRef idx="0">
-            <a:schemeClr val="accent1"/>
-          </a:effectRef>
-          <a:fontRef idx="minor">
-            <a:schemeClr val="lt1"/>
-          </a:fontRef>
-        </p:style>
-        <p:txBody>
-          <a:bodyPr rtlCol="0" anchor="ctr"/>
-          <a:lstStyle/>
-          <a:p>
-            <a:pPr algn="ctr"/>
-            <a:r>
-              <a:rPr lang="en-US" dirty="0" err="1"/>
-              <a:t>d</a:t>
-            </a:r>
-            <a:r>
-              <a:rPr lang="en-US" dirty="0" err="1" smtClean="0"/>
-              <a:t>b.query</a:t>
-            </a:r>
-            <a:r>
-              <a:rPr lang="en-US" dirty="0" smtClean="0"/>
-              <a:t>(…)</a:t>
-            </a:r>
-            <a:endParaRPr lang="en-US" dirty="0"/>
-          </a:p>
-        </p:txBody>
-      </p:sp>
-      <p:sp>
-        <p:nvSpPr>
-          <p:cNvPr id="6" name="Rectangle 5"/>
-          <p:cNvSpPr/>
-          <p:nvPr/>
-        </p:nvSpPr>
-        <p:spPr>
-          <a:xfrm>
-            <a:off x="540206" y="3520527"/>
-            <a:ext cx="3208564" cy="522514"/>
-          </a:xfrm>
-          <a:prstGeom prst="rect">
-            <a:avLst/>
-          </a:prstGeom>
-          <a:solidFill>
-            <a:schemeClr val="accent1">
-              <a:lumMod val="75000"/>
-            </a:schemeClr>
-          </a:solidFill>
-          <a:ln w="28575"/>
-        </p:spPr>
-        <p:style>
-          <a:lnRef idx="2">
-            <a:schemeClr val="accent1">
-              <a:shade val="50000"/>
-            </a:schemeClr>
-          </a:lnRef>
-          <a:fillRef idx="1">
-            <a:schemeClr val="accent1"/>
-          </a:fillRef>
-          <a:effectRef idx="0">
-            <a:schemeClr val="accent1"/>
-          </a:effectRef>
-          <a:fontRef idx="minor">
-            <a:schemeClr val="lt1"/>
-          </a:fontRef>
-        </p:style>
-        <p:txBody>
-          <a:bodyPr rtlCol="0" anchor="ctr"/>
-          <a:lstStyle/>
-          <a:p>
-            <a:pPr algn="ctr"/>
-            <a:r>
-              <a:rPr lang="en-US" dirty="0" smtClean="0"/>
-              <a:t>Shift array</a:t>
-            </a:r>
-            <a:endParaRPr lang="en-US" dirty="0"/>
-          </a:p>
-        </p:txBody>
-      </p:sp>
-      <p:sp>
-        <p:nvSpPr>
-          <p:cNvPr id="7" name="Rectangle 6"/>
-          <p:cNvSpPr/>
-          <p:nvPr/>
-        </p:nvSpPr>
-        <p:spPr>
-          <a:xfrm>
-            <a:off x="540206" y="4213489"/>
-            <a:ext cx="3208564" cy="522514"/>
-          </a:xfrm>
-          <a:prstGeom prst="rect">
-            <a:avLst/>
-          </a:prstGeom>
-          <a:solidFill>
-            <a:schemeClr val="accent1">
-              <a:lumMod val="75000"/>
-            </a:schemeClr>
-          </a:solidFill>
-          <a:ln w="28575"/>
-        </p:spPr>
-        <p:style>
-          <a:lnRef idx="2">
-            <a:schemeClr val="accent1">
-              <a:shade val="50000"/>
-            </a:schemeClr>
-          </a:lnRef>
-          <a:fillRef idx="1">
-            <a:schemeClr val="accent1"/>
-          </a:fillRef>
-          <a:effectRef idx="0">
-            <a:schemeClr val="accent1"/>
-          </a:effectRef>
-          <a:fontRef idx="minor">
-            <a:schemeClr val="lt1"/>
-          </a:fontRef>
-        </p:style>
-        <p:txBody>
-          <a:bodyPr rtlCol="0" anchor="ctr"/>
-          <a:lstStyle/>
-          <a:p>
-            <a:pPr algn="ctr"/>
-            <a:r>
-              <a:rPr lang="en-US" dirty="0" smtClean="0"/>
-              <a:t>Read from </a:t>
-            </a:r>
-            <a:r>
-              <a:rPr lang="en-US" dirty="0" err="1" smtClean="0"/>
-              <a:t>DIsk</a:t>
-            </a:r>
-            <a:endParaRPr lang="en-US" dirty="0"/>
-          </a:p>
-        </p:txBody>
-      </p:sp>
-      <p:sp>
-        <p:nvSpPr>
-          <p:cNvPr id="8" name="Rectangle 7"/>
-          <p:cNvSpPr/>
-          <p:nvPr/>
-        </p:nvSpPr>
-        <p:spPr>
-          <a:xfrm>
-            <a:off x="552452" y="4912896"/>
-            <a:ext cx="3208564" cy="522514"/>
-          </a:xfrm>
-          <a:prstGeom prst="rect">
-            <a:avLst/>
-          </a:prstGeom>
-          <a:solidFill>
-            <a:schemeClr val="accent1">
-              <a:lumMod val="75000"/>
-            </a:schemeClr>
-          </a:solidFill>
-          <a:ln w="28575"/>
-        </p:spPr>
-        <p:style>
-          <a:lnRef idx="2">
-            <a:schemeClr val="accent1">
-              <a:shade val="50000"/>
-            </a:schemeClr>
-          </a:lnRef>
-          <a:fillRef idx="1">
-            <a:schemeClr val="accent1"/>
-          </a:fillRef>
-          <a:effectRef idx="0">
-            <a:schemeClr val="accent1"/>
-          </a:effectRef>
-          <a:fontRef idx="minor">
-            <a:schemeClr val="lt1"/>
-          </a:fontRef>
-        </p:style>
-        <p:txBody>
-          <a:bodyPr rtlCol="0" anchor="ctr"/>
-          <a:lstStyle/>
-          <a:p>
-            <a:pPr algn="ctr"/>
-            <a:r>
-              <a:rPr lang="en-US" dirty="0" smtClean="0"/>
-              <a:t>console.log()</a:t>
-            </a:r>
-            <a:endParaRPr lang="en-US" dirty="0"/>
-          </a:p>
-        </p:txBody>
-      </p:sp>
-      <p:sp>
-        <p:nvSpPr>
-          <p:cNvPr id="9" name="TextBox 8"/>
-          <p:cNvSpPr txBox="1"/>
-          <p:nvPr/>
-        </p:nvSpPr>
-        <p:spPr>
-          <a:xfrm>
-            <a:off x="440874" y="1298124"/>
-            <a:ext cx="2890157" cy="523220"/>
-          </a:xfrm>
-          <a:prstGeom prst="rect">
-            <a:avLst/>
-          </a:prstGeom>
-          <a:noFill/>
-        </p:spPr>
-        <p:txBody>
-          <a:bodyPr wrap="square" rtlCol="0">
-            <a:spAutoFit/>
-          </a:bodyPr>
-          <a:lstStyle/>
-          <a:p>
-            <a:r>
-              <a:rPr lang="en-US" sz="2800" dirty="0" smtClean="0"/>
-              <a:t>Event Queue</a:t>
-            </a:r>
-            <a:endParaRPr lang="en-US" sz="2800" dirty="0"/>
-          </a:p>
-        </p:txBody>
-      </p:sp>
-      <p:cxnSp>
-        <p:nvCxnSpPr>
-          <p:cNvPr id="11" name="Straight Arrow Connector 10"/>
-          <p:cNvCxnSpPr/>
-          <p:nvPr/>
-        </p:nvCxnSpPr>
-        <p:spPr>
-          <a:xfrm flipV="1">
-            <a:off x="4049487" y="3731080"/>
-            <a:ext cx="718457" cy="1"/>
-          </a:xfrm>
-          <a:prstGeom prst="straightConnector1">
-            <a:avLst/>
-          </a:prstGeom>
-          <a:ln w="38100">
-            <a:tailEnd type="triangle"/>
-          </a:ln>
-        </p:spPr>
-        <p:style>
-          <a:lnRef idx="1">
-            <a:schemeClr val="accent1"/>
-          </a:lnRef>
-          <a:fillRef idx="0">
-            <a:schemeClr val="accent1"/>
-          </a:fillRef>
-          <a:effectRef idx="0">
-            <a:schemeClr val="accent1"/>
-          </a:effectRef>
-          <a:fontRef idx="minor">
-            <a:schemeClr val="tx1"/>
-          </a:fontRef>
-        </p:style>
-      </p:cxnSp>
-      <p:cxnSp>
-        <p:nvCxnSpPr>
-          <p:cNvPr id="19" name="Straight Arrow Connector 18"/>
-          <p:cNvCxnSpPr/>
-          <p:nvPr/>
-        </p:nvCxnSpPr>
-        <p:spPr>
-          <a:xfrm flipV="1">
-            <a:off x="8047269" y="3731080"/>
-            <a:ext cx="718457" cy="1"/>
-          </a:xfrm>
-          <a:prstGeom prst="straightConnector1">
-            <a:avLst/>
-          </a:prstGeom>
-          <a:ln w="38100">
-            <a:tailEnd type="triangle"/>
-          </a:ln>
-        </p:spPr>
-        <p:style>
-          <a:lnRef idx="1">
-            <a:schemeClr val="accent1"/>
-          </a:lnRef>
-          <a:fillRef idx="0">
-            <a:schemeClr val="accent1"/>
-          </a:fillRef>
-          <a:effectRef idx="0">
-            <a:schemeClr val="accent1"/>
-          </a:effectRef>
-          <a:fontRef idx="minor">
-            <a:schemeClr val="tx1"/>
-          </a:fontRef>
-        </p:style>
-      </p:cxnSp>
-      <p:sp>
-        <p:nvSpPr>
-          <p:cNvPr id="21" name="Rectangle 20"/>
-          <p:cNvSpPr/>
-          <p:nvPr/>
-        </p:nvSpPr>
-        <p:spPr>
-          <a:xfrm>
-            <a:off x="9144002" y="3498078"/>
-            <a:ext cx="2132238" cy="464004"/>
-          </a:xfrm>
-          <a:prstGeom prst="rect">
-            <a:avLst/>
-          </a:prstGeom>
-          <a:solidFill>
-            <a:schemeClr val="accent1">
-              <a:lumMod val="75000"/>
-            </a:schemeClr>
-          </a:solidFill>
-          <a:ln w="28575"/>
-        </p:spPr>
-        <p:style>
-          <a:lnRef idx="2">
-            <a:schemeClr val="accent1">
-              <a:shade val="50000"/>
-            </a:schemeClr>
-          </a:lnRef>
-          <a:fillRef idx="1">
-            <a:schemeClr val="accent1"/>
-          </a:fillRef>
-          <a:effectRef idx="0">
-            <a:schemeClr val="accent1"/>
-          </a:effectRef>
-          <a:fontRef idx="minor">
-            <a:schemeClr val="lt1"/>
-          </a:fontRef>
-        </p:style>
-        <p:txBody>
-          <a:bodyPr rtlCol="0" anchor="ctr"/>
-          <a:lstStyle/>
-          <a:p>
-            <a:pPr algn="ctr"/>
-            <a:r>
-              <a:rPr lang="en-US" dirty="0" err="1" smtClean="0"/>
-              <a:t>FIlesystem</a:t>
-            </a:r>
-            <a:endParaRPr lang="en-US" dirty="0"/>
-          </a:p>
-        </p:txBody>
-      </p:sp>
-      <p:sp>
-        <p:nvSpPr>
-          <p:cNvPr id="22" name="Rectangle 21"/>
-          <p:cNvSpPr/>
-          <p:nvPr/>
-        </p:nvSpPr>
-        <p:spPr>
-          <a:xfrm>
-            <a:off x="9144002" y="2824343"/>
-            <a:ext cx="2132238" cy="464004"/>
-          </a:xfrm>
-          <a:prstGeom prst="rect">
-            <a:avLst/>
-          </a:prstGeom>
-          <a:solidFill>
-            <a:schemeClr val="accent1">
-              <a:lumMod val="75000"/>
-            </a:schemeClr>
-          </a:solidFill>
-          <a:ln w="28575"/>
-        </p:spPr>
-        <p:style>
-          <a:lnRef idx="2">
-            <a:schemeClr val="accent1">
-              <a:shade val="50000"/>
-            </a:schemeClr>
-          </a:lnRef>
-          <a:fillRef idx="1">
-            <a:schemeClr val="accent1"/>
-          </a:fillRef>
-          <a:effectRef idx="0">
-            <a:schemeClr val="accent1"/>
-          </a:effectRef>
-          <a:fontRef idx="minor">
-            <a:schemeClr val="lt1"/>
-          </a:fontRef>
-        </p:style>
-        <p:txBody>
-          <a:bodyPr rtlCol="0" anchor="ctr"/>
-          <a:lstStyle/>
-          <a:p>
-            <a:pPr algn="ctr"/>
-            <a:r>
-              <a:rPr lang="en-US" dirty="0" smtClean="0"/>
-              <a:t>Network</a:t>
-            </a:r>
-            <a:endParaRPr lang="en-US" dirty="0"/>
-          </a:p>
-        </p:txBody>
-      </p:sp>
-      <p:sp>
-        <p:nvSpPr>
-          <p:cNvPr id="23" name="Rectangle 22"/>
-          <p:cNvSpPr/>
-          <p:nvPr/>
-        </p:nvSpPr>
-        <p:spPr>
-          <a:xfrm>
-            <a:off x="9144002" y="4161604"/>
-            <a:ext cx="2132238" cy="464004"/>
-          </a:xfrm>
-          <a:prstGeom prst="rect">
-            <a:avLst/>
-          </a:prstGeom>
-          <a:solidFill>
-            <a:schemeClr val="accent1">
-              <a:lumMod val="75000"/>
-            </a:schemeClr>
-          </a:solidFill>
-          <a:ln w="28575"/>
-        </p:spPr>
-        <p:style>
-          <a:lnRef idx="2">
-            <a:schemeClr val="accent1">
-              <a:shade val="50000"/>
-            </a:schemeClr>
-          </a:lnRef>
-          <a:fillRef idx="1">
-            <a:schemeClr val="accent1"/>
-          </a:fillRef>
-          <a:effectRef idx="0">
-            <a:schemeClr val="accent1"/>
-          </a:effectRef>
-          <a:fontRef idx="minor">
-            <a:schemeClr val="lt1"/>
-          </a:fontRef>
-        </p:style>
-        <p:txBody>
-          <a:bodyPr rtlCol="0" anchor="ctr"/>
-          <a:lstStyle/>
-          <a:p>
-            <a:pPr algn="ctr"/>
-            <a:r>
-              <a:rPr lang="en-US" dirty="0" smtClean="0"/>
-              <a:t>…</a:t>
-            </a:r>
-            <a:endParaRPr lang="en-US" dirty="0"/>
-          </a:p>
-        </p:txBody>
-      </p:sp>
-      <p:sp>
-        <p:nvSpPr>
-          <p:cNvPr id="26" name="TextBox 25"/>
-          <p:cNvSpPr txBox="1"/>
-          <p:nvPr/>
-        </p:nvSpPr>
-        <p:spPr>
-          <a:xfrm>
-            <a:off x="8997046" y="2072017"/>
-            <a:ext cx="2122714" cy="523220"/>
-          </a:xfrm>
-          <a:prstGeom prst="rect">
-            <a:avLst/>
-          </a:prstGeom>
-          <a:noFill/>
-        </p:spPr>
-        <p:txBody>
-          <a:bodyPr wrap="square" rtlCol="0">
-            <a:spAutoFit/>
-          </a:bodyPr>
-          <a:lstStyle/>
-          <a:p>
-            <a:r>
-              <a:rPr lang="en-US" sz="2800" dirty="0" smtClean="0"/>
-              <a:t>Thread pool</a:t>
-            </a:r>
-            <a:endParaRPr lang="en-US" sz="2800" dirty="0"/>
-          </a:p>
-        </p:txBody>
-      </p:sp>
-      <p:grpSp>
-        <p:nvGrpSpPr>
-          <p:cNvPr id="28" name="Group 27"/>
-          <p:cNvGrpSpPr/>
-          <p:nvPr/>
-        </p:nvGrpSpPr>
-        <p:grpSpPr>
-          <a:xfrm>
-            <a:off x="5068661" y="2237447"/>
-            <a:ext cx="2718707" cy="2814887"/>
-            <a:chOff x="5280931" y="2792617"/>
-            <a:chExt cx="2718707" cy="2814887"/>
-          </a:xfrm>
-        </p:grpSpPr>
-        <p:sp>
-          <p:nvSpPr>
-            <p:cNvPr id="18" name="Oval 17"/>
-            <p:cNvSpPr/>
-            <p:nvPr/>
-          </p:nvSpPr>
-          <p:spPr>
-            <a:xfrm>
-              <a:off x="5280931" y="2888797"/>
-              <a:ext cx="2718707" cy="2718707"/>
-            </a:xfrm>
-            <a:prstGeom prst="ellipse">
-              <a:avLst/>
-            </a:prstGeom>
-            <a:noFill/>
-            <a:ln w="57150"/>
-          </p:spPr>
-          <p:style>
-            <a:lnRef idx="2">
-              <a:schemeClr val="accent1">
-                <a:shade val="50000"/>
-              </a:schemeClr>
-            </a:lnRef>
-            <a:fillRef idx="1">
-              <a:schemeClr val="accent1"/>
-            </a:fillRef>
-            <a:effectRef idx="0">
-              <a:schemeClr val="accent1"/>
-            </a:effectRef>
-            <a:fontRef idx="minor">
-              <a:schemeClr val="lt1"/>
-            </a:fontRef>
-          </p:style>
-          <p:txBody>
-            <a:bodyPr rtlCol="0" anchor="ctr"/>
-            <a:lstStyle/>
-            <a:p>
-              <a:pPr algn="ctr"/>
-              <a:r>
-                <a:rPr lang="en-US" sz="2800" dirty="0" smtClean="0">
-                  <a:solidFill>
-                    <a:schemeClr val="tx1"/>
-                  </a:solidFill>
-                </a:rPr>
-                <a:t>Event loop</a:t>
-              </a:r>
-              <a:endParaRPr lang="en-US" dirty="0">
-                <a:solidFill>
-                  <a:schemeClr val="tx1"/>
-                </a:solidFill>
-              </a:endParaRPr>
-            </a:p>
-          </p:txBody>
-        </p:sp>
-        <p:sp>
-          <p:nvSpPr>
-            <p:cNvPr id="27" name="Chevron 26"/>
-            <p:cNvSpPr/>
-            <p:nvPr/>
-          </p:nvSpPr>
-          <p:spPr>
-            <a:xfrm rot="2402352">
-              <a:off x="7029813" y="2792617"/>
-              <a:ext cx="587828" cy="553104"/>
-            </a:xfrm>
-            <a:prstGeom prst="chevron">
-              <a:avLst/>
-            </a:prstGeom>
-          </p:spPr>
-          <p:style>
-            <a:lnRef idx="2">
-              <a:schemeClr val="accent1">
-                <a:shade val="50000"/>
-              </a:schemeClr>
-            </a:lnRef>
-            <a:fillRef idx="1">
-              <a:schemeClr val="accent1"/>
-            </a:fillRef>
-            <a:effectRef idx="0">
-              <a:schemeClr val="accent1"/>
-            </a:effectRef>
-            <a:fontRef idx="minor">
-              <a:schemeClr val="lt1"/>
-            </a:fontRef>
-          </p:style>
-          <p:txBody>
-            <a:bodyPr rtlCol="0" anchor="ctr"/>
-            <a:lstStyle/>
-            <a:p>
-              <a:pPr algn="ctr"/>
-              <a:endParaRPr lang="en-US">
-                <a:solidFill>
-                  <a:schemeClr val="tx1"/>
-                </a:solidFill>
-              </a:endParaRPr>
-            </a:p>
-          </p:txBody>
-        </p:sp>
-      </p:grpSp>
-      <p:cxnSp>
-        <p:nvCxnSpPr>
-          <p:cNvPr id="35" name="Straight Arrow Connector 34"/>
-          <p:cNvCxnSpPr/>
-          <p:nvPr/>
-        </p:nvCxnSpPr>
-        <p:spPr>
-          <a:xfrm flipV="1">
-            <a:off x="2136324" y="5624048"/>
-            <a:ext cx="12246" cy="447463"/>
-          </a:xfrm>
-          <a:prstGeom prst="straightConnector1">
-            <a:avLst/>
-          </a:prstGeom>
-          <a:ln w="38100">
-            <a:tailEnd type="triangle"/>
-          </a:ln>
-        </p:spPr>
-        <p:style>
-          <a:lnRef idx="1">
-            <a:schemeClr val="accent1"/>
-          </a:lnRef>
-          <a:fillRef idx="0">
-            <a:schemeClr val="accent1"/>
-          </a:fillRef>
-          <a:effectRef idx="0">
-            <a:schemeClr val="accent1"/>
-          </a:effectRef>
-          <a:fontRef idx="minor">
-            <a:schemeClr val="tx1"/>
-          </a:fontRef>
-        </p:style>
-      </p:cxnSp>
-      <p:cxnSp>
-        <p:nvCxnSpPr>
-          <p:cNvPr id="38" name="Straight Connector 37"/>
-          <p:cNvCxnSpPr/>
-          <p:nvPr/>
-        </p:nvCxnSpPr>
-        <p:spPr>
-          <a:xfrm flipV="1">
-            <a:off x="2122713" y="6055183"/>
-            <a:ext cx="8082643" cy="27211"/>
-          </a:xfrm>
-          <a:prstGeom prst="line">
-            <a:avLst/>
-          </a:prstGeom>
-          <a:ln w="38100"/>
-        </p:spPr>
-        <p:style>
-          <a:lnRef idx="1">
-            <a:schemeClr val="accent1"/>
-          </a:lnRef>
-          <a:fillRef idx="0">
-            <a:schemeClr val="accent1"/>
-          </a:fillRef>
-          <a:effectRef idx="0">
-            <a:schemeClr val="accent1"/>
-          </a:effectRef>
-          <a:fontRef idx="minor">
-            <a:schemeClr val="tx1"/>
-          </a:fontRef>
-        </p:style>
-      </p:cxnSp>
-      <p:sp>
-        <p:nvSpPr>
-          <p:cNvPr id="45" name="TextBox 44"/>
-          <p:cNvSpPr txBox="1"/>
-          <p:nvPr/>
-        </p:nvSpPr>
-        <p:spPr>
-          <a:xfrm>
-            <a:off x="5821138" y="6115049"/>
-            <a:ext cx="3159579" cy="369332"/>
-          </a:xfrm>
-          <a:prstGeom prst="rect">
-            <a:avLst/>
-          </a:prstGeom>
-          <a:noFill/>
-        </p:spPr>
-        <p:txBody>
-          <a:bodyPr wrap="square" rtlCol="0">
-            <a:spAutoFit/>
-          </a:bodyPr>
-          <a:lstStyle/>
-          <a:p>
-            <a:r>
-              <a:rPr lang="en-US" dirty="0" smtClean="0"/>
-              <a:t>Callback</a:t>
-            </a:r>
-            <a:endParaRPr lang="en-US" dirty="0"/>
-          </a:p>
-        </p:txBody>
-      </p:sp>
-      <p:cxnSp>
-        <p:nvCxnSpPr>
-          <p:cNvPr id="47" name="Straight Connector 46"/>
-          <p:cNvCxnSpPr/>
-          <p:nvPr/>
-        </p:nvCxnSpPr>
-        <p:spPr>
-          <a:xfrm flipV="1">
-            <a:off x="10197192" y="4849586"/>
-            <a:ext cx="0" cy="1205597"/>
-          </a:xfrm>
-          <a:prstGeom prst="line">
-            <a:avLst/>
-          </a:prstGeom>
-          <a:ln w="38100"/>
-        </p:spPr>
-        <p:style>
-          <a:lnRef idx="1">
-            <a:schemeClr val="accent1"/>
-          </a:lnRef>
-          <a:fillRef idx="0">
-            <a:schemeClr val="accent1"/>
-          </a:fillRef>
-          <a:effectRef idx="0">
-            <a:schemeClr val="accent1"/>
-          </a:effectRef>
-          <a:fontRef idx="minor">
-            <a:schemeClr val="tx1"/>
-          </a:fontRef>
-        </p:style>
-      </p:cxnSp>
-    </p:spTree>
-    <p:extLst>
-      <p:ext uri="{BB962C8B-B14F-4D97-AF65-F5344CB8AC3E}">
-        <p14:creationId xmlns:p14="http://schemas.microsoft.com/office/powerpoint/2010/main" val="2320371339"/>
-      </p:ext>
-    </p:extLst>
-  </p:cSld>
-  <p:clrMapOvr>
-    <a:masterClrMapping/>
-  </p:clrMapOvr>
-  <p:timing>
-    <p:tnLst>
-      <p:par>
-        <p:cTn id="1" dur="indefinite" restart="never" nodeType="tmRoot">
-          <p:childTnLst>
-            <p:seq concurrent="1" nextAc="seek">
-              <p:cTn id="2" dur="indefinite" nodeType="mainSeq">
-                <p:childTnLst>
-                  <p:par>
-                    <p:cTn id="3" fill="hold">
-                      <p:stCondLst>
-                        <p:cond delay="indefinite"/>
-                      </p:stCondLst>
-                      <p:childTnLst>
-                        <p:par>
-                          <p:cTn id="4" fill="hold">
-                            <p:stCondLst>
-                              <p:cond delay="0"/>
-                            </p:stCondLst>
-                            <p:childTnLst>
-                              <p:par>
-                                <p:cTn id="5" presetID="8" presetClass="emph" presetSubtype="0" fill="hold" nodeType="clickEffect">
-                                  <p:stCondLst>
-                                    <p:cond delay="0"/>
-                                  </p:stCondLst>
-                                  <p:childTnLst>
-                                    <p:animRot by="21600000">
-                                      <p:cBhvr>
-                                        <p:cTn id="6" dur="2000" fill="hold"/>
-                                        <p:tgtEl>
-                                          <p:spTgt spid="28"/>
-                                        </p:tgtEl>
-                                        <p:attrNameLst>
-                                          <p:attrName>r</p:attrName>
-                                        </p:attrNameLst>
-                                      </p:cBhvr>
-                                    </p:animRot>
-                                  </p:childTnLst>
-                                </p:cTn>
-                              </p:par>
-                            </p:childTnLst>
-                          </p:cTn>
-                        </p:par>
-                      </p:childTnLst>
-                    </p:cTn>
-                  </p:par>
-                </p:childTnLst>
-              </p:cTn>
-              <p:prevCondLst>
-                <p:cond evt="onPrev" delay="0">
-                  <p:tgtEl>
-                    <p:sldTgt/>
-                  </p:tgtEl>
-                </p:cond>
-              </p:prevCondLst>
-              <p:nextCondLst>
-                <p:cond evt="onNext" delay="0">
-                  <p:tgtEl>
-                    <p:sldTgt/>
-                  </p:tgtEl>
-                </p:cond>
-              </p:nextCondLst>
-            </p:seq>
-          </p:childTnLst>
-        </p:cTn>
-      </p:par>
-    </p:tnLst>
-  </p:timing>
-</p:sld>
-</file>
-
 <file path=ppt/slides/slide12.xml><?xml version="1.0" encoding="utf-8"?>
-<p:sld xmlns:a="http://schemas.openxmlformats.org/drawingml/2006/main" xmlns:r="http://schemas.openxmlformats.org/officeDocument/2006/relationships" xmlns:p="http://schemas.openxmlformats.org/presentationml/2006/main">
-  <p:cSld>
-    <p:bg>
-      <p:bgPr>
-        <a:solidFill>
-          <a:schemeClr val="bg1"/>
-        </a:solidFill>
-        <a:effectLst/>
-      </p:bgPr>
-    </p:bg>
-    <p:spTree>
-      <p:nvGrpSpPr>
-        <p:cNvPr id="1" name=""/>
-        <p:cNvGrpSpPr/>
-        <p:nvPr/>
-      </p:nvGrpSpPr>
-      <p:grpSpPr>
-        <a:xfrm>
-          <a:off x="0" y="0"/>
-          <a:ext cx="0" cy="0"/>
-          <a:chOff x="0" y="0"/>
-          <a:chExt cx="0" cy="0"/>
-        </a:xfrm>
-      </p:grpSpPr>
-      <p:pic>
-        <p:nvPicPr>
-          <p:cNvPr id="4" name="Picture 3"/>
-          <p:cNvPicPr>
-            <a:picLocks noChangeAspect="1"/>
-          </p:cNvPicPr>
-          <p:nvPr/>
-        </p:nvPicPr>
-        <p:blipFill>
-          <a:blip r:embed="rId2">
-            <a:extLst>
-              <a:ext uri="{28A0092B-C50C-407E-A947-70E740481C1C}">
-                <a14:useLocalDpi xmlns:a14="http://schemas.microsoft.com/office/drawing/2010/main" val="0"/>
-              </a:ext>
-            </a:extLst>
-          </a:blip>
-          <a:stretch>
-            <a:fillRect/>
-          </a:stretch>
-        </p:blipFill>
-        <p:spPr>
-          <a:xfrm>
-            <a:off x="0" y="0"/>
-            <a:ext cx="12195961" cy="1106905"/>
-          </a:xfrm>
-          <a:prstGeom prst="rect">
-            <a:avLst/>
-          </a:prstGeom>
-        </p:spPr>
-      </p:pic>
-      <p:pic>
-        <p:nvPicPr>
-          <p:cNvPr id="2" name="Picture 1"/>
-          <p:cNvPicPr>
-            <a:picLocks noChangeAspect="1"/>
-          </p:cNvPicPr>
-          <p:nvPr/>
-        </p:nvPicPr>
-        <p:blipFill>
-          <a:blip r:embed="rId3"/>
-          <a:stretch>
-            <a:fillRect/>
-          </a:stretch>
-        </p:blipFill>
-        <p:spPr>
-          <a:xfrm>
-            <a:off x="381000" y="1244600"/>
-            <a:ext cx="7513194" cy="4700587"/>
-          </a:xfrm>
-          <a:prstGeom prst="rect">
-            <a:avLst/>
-          </a:prstGeom>
-        </p:spPr>
-      </p:pic>
-      <p:sp>
-        <p:nvSpPr>
-          <p:cNvPr id="10" name="Rectangle 9"/>
-          <p:cNvSpPr/>
-          <p:nvPr/>
-        </p:nvSpPr>
-        <p:spPr>
-          <a:xfrm>
-            <a:off x="5689600" y="1981200"/>
-            <a:ext cx="2070100" cy="431800"/>
-          </a:xfrm>
-          <a:prstGeom prst="rect">
-            <a:avLst/>
-          </a:prstGeom>
-          <a:noFill/>
-          <a:ln w="28575">
-            <a:solidFill>
-              <a:schemeClr val="accent2">
-                <a:lumMod val="75000"/>
-              </a:schemeClr>
-            </a:solidFill>
-          </a:ln>
-        </p:spPr>
-        <p:style>
-          <a:lnRef idx="2">
-            <a:schemeClr val="accent1">
-              <a:shade val="50000"/>
-            </a:schemeClr>
-          </a:lnRef>
-          <a:fillRef idx="1">
-            <a:schemeClr val="accent1"/>
-          </a:fillRef>
-          <a:effectRef idx="0">
-            <a:schemeClr val="accent1"/>
-          </a:effectRef>
-          <a:fontRef idx="minor">
-            <a:schemeClr val="lt1"/>
-          </a:fontRef>
-        </p:style>
-        <p:txBody>
-          <a:bodyPr rtlCol="0" anchor="ctr"/>
-          <a:lstStyle/>
-          <a:p>
-            <a:pPr algn="ctr"/>
-            <a:endParaRPr lang="en-US"/>
-          </a:p>
-        </p:txBody>
-      </p:sp>
-      <p:sp>
-        <p:nvSpPr>
-          <p:cNvPr id="12" name="TextBox 11"/>
-          <p:cNvSpPr txBox="1"/>
-          <p:nvPr/>
-        </p:nvSpPr>
-        <p:spPr>
-          <a:xfrm>
-            <a:off x="381000" y="6032500"/>
-            <a:ext cx="10998200" cy="523220"/>
-          </a:xfrm>
-          <a:prstGeom prst="rect">
-            <a:avLst/>
-          </a:prstGeom>
-          <a:noFill/>
-        </p:spPr>
-        <p:txBody>
-          <a:bodyPr wrap="square" rtlCol="0">
-            <a:spAutoFit/>
-          </a:bodyPr>
-          <a:lstStyle/>
-          <a:p>
-            <a:r>
-              <a:rPr lang="en-US" sz="2800" dirty="0" smtClean="0">
-                <a:solidFill>
-                  <a:srgbClr val="0070C0"/>
-                </a:solidFill>
-              </a:rPr>
-              <a:t>Notify me when something happens on a set of given file descriptors!</a:t>
-            </a:r>
-            <a:endParaRPr lang="en-US" sz="2800" dirty="0">
-              <a:solidFill>
-                <a:srgbClr val="0070C0"/>
-              </a:solidFill>
-            </a:endParaRPr>
-          </a:p>
-        </p:txBody>
-      </p:sp>
-    </p:spTree>
-    <p:extLst>
-      <p:ext uri="{BB962C8B-B14F-4D97-AF65-F5344CB8AC3E}">
-        <p14:creationId xmlns:p14="http://schemas.microsoft.com/office/powerpoint/2010/main" val="2418648465"/>
-      </p:ext>
-    </p:extLst>
-  </p:cSld>
-  <p:clrMapOvr>
-    <a:masterClrMapping/>
-  </p:clrMapOvr>
-  <p:timing>
-    <p:tnLst>
-      <p:par>
-        <p:cTn id="1" dur="indefinite" restart="never" nodeType="tmRoot"/>
-      </p:par>
-    </p:tnLst>
-  </p:timing>
-</p:sld>
-</file>
-
-<file path=ppt/slides/slide13.xml><?xml version="1.0" encoding="utf-8"?>
 <p:sld xmlns:a="http://schemas.openxmlformats.org/drawingml/2006/main" xmlns:r="http://schemas.openxmlformats.org/officeDocument/2006/relationships" xmlns:p="http://schemas.openxmlformats.org/presentationml/2006/main">
   <p:cSld>
     <p:bg>
@@ -24746,7 +23850,2219 @@
 </p:sld>
 </file>
 
+<file path=ppt/slides/slide13.xml><?xml version="1.0" encoding="utf-8"?>
+<p:sld xmlns:a="http://schemas.openxmlformats.org/drawingml/2006/main" xmlns:r="http://schemas.openxmlformats.org/officeDocument/2006/relationships" xmlns:p="http://schemas.openxmlformats.org/presentationml/2006/main">
+  <p:cSld>
+    <p:spTree>
+      <p:nvGrpSpPr>
+        <p:cNvPr id="1" name=""/>
+        <p:cNvGrpSpPr/>
+        <p:nvPr/>
+      </p:nvGrpSpPr>
+      <p:grpSpPr>
+        <a:xfrm>
+          <a:off x="0" y="0"/>
+          <a:ext cx="0" cy="0"/>
+          <a:chOff x="0" y="0"/>
+          <a:chExt cx="0" cy="0"/>
+        </a:xfrm>
+      </p:grpSpPr>
+      <p:pic>
+        <p:nvPicPr>
+          <p:cNvPr id="4" name="Picture 3"/>
+          <p:cNvPicPr>
+            <a:picLocks noChangeAspect="1"/>
+          </p:cNvPicPr>
+          <p:nvPr/>
+        </p:nvPicPr>
+        <p:blipFill>
+          <a:blip r:embed="rId2">
+            <a:extLst>
+              <a:ext uri="{28A0092B-C50C-407E-A947-70E740481C1C}">
+                <a14:useLocalDpi xmlns:a14="http://schemas.microsoft.com/office/drawing/2010/main" val="0"/>
+              </a:ext>
+            </a:extLst>
+          </a:blip>
+          <a:stretch>
+            <a:fillRect/>
+          </a:stretch>
+        </p:blipFill>
+        <p:spPr>
+          <a:xfrm>
+            <a:off x="0" y="0"/>
+            <a:ext cx="12195961" cy="1106905"/>
+          </a:xfrm>
+          <a:prstGeom prst="rect">
+            <a:avLst/>
+          </a:prstGeom>
+        </p:spPr>
+      </p:pic>
+      <p:sp>
+        <p:nvSpPr>
+          <p:cNvPr id="2" name="Rectangle 1"/>
+          <p:cNvSpPr/>
+          <p:nvPr/>
+        </p:nvSpPr>
+        <p:spPr>
+          <a:xfrm>
+            <a:off x="589902" y="1865778"/>
+            <a:ext cx="10871200" cy="3108543"/>
+          </a:xfrm>
+          <a:prstGeom prst="rect">
+            <a:avLst/>
+          </a:prstGeom>
+        </p:spPr>
+        <p:txBody>
+          <a:bodyPr wrap="square">
+            <a:spAutoFit/>
+          </a:bodyPr>
+          <a:lstStyle/>
+          <a:p>
+            <a:r>
+              <a:rPr lang="en-US" sz="2800" dirty="0">
+                <a:solidFill>
+                  <a:srgbClr val="333333"/>
+                </a:solidFill>
+                <a:cs typeface="Segoe UI" panose="020B0502040204020203" pitchFamily="34" charset="0"/>
+              </a:rPr>
+              <a:t>Node.js originally used </a:t>
+            </a:r>
+            <a:r>
+              <a:rPr lang="en-US" sz="2800" dirty="0" err="1">
+                <a:solidFill>
+                  <a:schemeClr val="accent2">
+                    <a:lumMod val="75000"/>
+                  </a:schemeClr>
+                </a:solidFill>
+                <a:latin typeface="Consolas" panose="020B0609020204030204" pitchFamily="49" charset="0"/>
+                <a:cs typeface="Segoe UI" panose="020B0502040204020203" pitchFamily="34" charset="0"/>
+              </a:rPr>
+              <a:t>libev</a:t>
+            </a:r>
+            <a:endParaRPr lang="en-US" sz="2800" dirty="0">
+              <a:solidFill>
+                <a:schemeClr val="accent2">
+                  <a:lumMod val="75000"/>
+                </a:schemeClr>
+              </a:solidFill>
+              <a:latin typeface="Consolas" panose="020B0609020204030204" pitchFamily="49" charset="0"/>
+              <a:cs typeface="Segoe UI" panose="020B0502040204020203" pitchFamily="34" charset="0"/>
+            </a:endParaRPr>
+          </a:p>
+          <a:p>
+            <a:pPr>
+              <a:buFont typeface="Arial" panose="020B0604020202020204" pitchFamily="34" charset="0"/>
+              <a:buChar char="•"/>
+            </a:pPr>
+            <a:endParaRPr lang="en-US" sz="2800" dirty="0" smtClean="0">
+              <a:solidFill>
+                <a:srgbClr val="333333"/>
+              </a:solidFill>
+              <a:cs typeface="Segoe UI" panose="020B0502040204020203" pitchFamily="34" charset="0"/>
+            </a:endParaRPr>
+          </a:p>
+          <a:p>
+            <a:r>
+              <a:rPr lang="en-US" sz="2800" dirty="0" err="1" smtClean="0">
+                <a:solidFill>
+                  <a:schemeClr val="accent2">
+                    <a:lumMod val="75000"/>
+                  </a:schemeClr>
+                </a:solidFill>
+                <a:latin typeface="Consolas" panose="020B0609020204030204" pitchFamily="49" charset="0"/>
+                <a:cs typeface="Segoe UI" panose="020B0502040204020203" pitchFamily="34" charset="0"/>
+              </a:rPr>
+              <a:t>libev</a:t>
+            </a:r>
+            <a:r>
+              <a:rPr lang="en-US" sz="2800" dirty="0" smtClean="0">
+                <a:solidFill>
+                  <a:schemeClr val="accent2">
+                    <a:lumMod val="75000"/>
+                  </a:schemeClr>
+                </a:solidFill>
+                <a:cs typeface="Segoe UI" panose="020B0502040204020203" pitchFamily="34" charset="0"/>
+              </a:rPr>
+              <a:t> </a:t>
+            </a:r>
+            <a:r>
+              <a:rPr lang="en-US" sz="2800" dirty="0">
+                <a:solidFill>
+                  <a:srgbClr val="333333"/>
+                </a:solidFill>
+                <a:cs typeface="Segoe UI" panose="020B0502040204020203" pitchFamily="34" charset="0"/>
+              </a:rPr>
+              <a:t>relies on </a:t>
+            </a:r>
+            <a:r>
+              <a:rPr lang="en-US" sz="2800" dirty="0" err="1">
+                <a:solidFill>
+                  <a:srgbClr val="00B0F0"/>
+                </a:solidFill>
+                <a:latin typeface="Consolas" panose="020B0609020204030204" pitchFamily="49" charset="0"/>
+                <a:cs typeface="Segoe UI" panose="020B0502040204020203" pitchFamily="34" charset="0"/>
+              </a:rPr>
+              <a:t>kqueue</a:t>
+            </a:r>
+            <a:r>
+              <a:rPr lang="en-US" sz="2800" dirty="0">
+                <a:solidFill>
+                  <a:srgbClr val="00B0F0"/>
+                </a:solidFill>
+                <a:cs typeface="Segoe UI" panose="020B0502040204020203" pitchFamily="34" charset="0"/>
+              </a:rPr>
+              <a:t> </a:t>
+            </a:r>
+            <a:r>
+              <a:rPr lang="en-US" sz="2800" dirty="0">
+                <a:solidFill>
+                  <a:srgbClr val="333333"/>
+                </a:solidFill>
+                <a:cs typeface="Segoe UI" panose="020B0502040204020203" pitchFamily="34" charset="0"/>
+              </a:rPr>
+              <a:t>or </a:t>
+            </a:r>
+            <a:r>
+              <a:rPr lang="en-US" sz="2800" dirty="0">
+                <a:solidFill>
+                  <a:srgbClr val="00B0F0"/>
+                </a:solidFill>
+                <a:latin typeface="Consolas" panose="020B0609020204030204" pitchFamily="49" charset="0"/>
+                <a:cs typeface="Segoe UI" panose="020B0502040204020203" pitchFamily="34" charset="0"/>
+              </a:rPr>
+              <a:t>(</a:t>
+            </a:r>
+            <a:r>
+              <a:rPr lang="en-US" sz="2800" dirty="0" smtClean="0">
+                <a:solidFill>
+                  <a:srgbClr val="00B0F0"/>
+                </a:solidFill>
+                <a:latin typeface="Consolas" panose="020B0609020204030204" pitchFamily="49" charset="0"/>
+                <a:cs typeface="Segoe UI" panose="020B0502040204020203" pitchFamily="34" charset="0"/>
+              </a:rPr>
+              <a:t>e)poll </a:t>
+            </a:r>
+            <a:r>
+              <a:rPr lang="en-US" sz="2800" dirty="0" smtClean="0">
+                <a:solidFill>
+                  <a:srgbClr val="333333"/>
+                </a:solidFill>
+                <a:cs typeface="Segoe UI" panose="020B0502040204020203" pitchFamily="34" charset="0"/>
+              </a:rPr>
+              <a:t>only </a:t>
+            </a:r>
+            <a:r>
+              <a:rPr lang="en-US" sz="2800" dirty="0">
+                <a:solidFill>
+                  <a:srgbClr val="333333"/>
+                </a:solidFill>
+                <a:cs typeface="Segoe UI" panose="020B0502040204020203" pitchFamily="34" charset="0"/>
+              </a:rPr>
+              <a:t>supported by </a:t>
+            </a:r>
+            <a:r>
+              <a:rPr lang="en-US" sz="2800" dirty="0" err="1" smtClean="0">
+                <a:solidFill>
+                  <a:srgbClr val="333333"/>
+                </a:solidFill>
+                <a:cs typeface="Segoe UI" panose="020B0502040204020203" pitchFamily="34" charset="0"/>
+              </a:rPr>
+              <a:t>UNIXes</a:t>
+            </a:r>
+            <a:endParaRPr lang="en-US" sz="2800" dirty="0" smtClean="0">
+              <a:solidFill>
+                <a:srgbClr val="333333"/>
+              </a:solidFill>
+              <a:cs typeface="Segoe UI" panose="020B0502040204020203" pitchFamily="34" charset="0"/>
+            </a:endParaRPr>
+          </a:p>
+          <a:p>
+            <a:pPr>
+              <a:buFont typeface="Arial" panose="020B0604020202020204" pitchFamily="34" charset="0"/>
+              <a:buChar char="•"/>
+            </a:pPr>
+            <a:endParaRPr lang="en-US" sz="2800" dirty="0">
+              <a:solidFill>
+                <a:srgbClr val="333333"/>
+              </a:solidFill>
+              <a:cs typeface="Segoe UI" panose="020B0502040204020203" pitchFamily="34" charset="0"/>
+            </a:endParaRPr>
+          </a:p>
+          <a:p>
+            <a:r>
+              <a:rPr lang="en-US" sz="2800" dirty="0" err="1">
+                <a:solidFill>
+                  <a:srgbClr val="7030A0"/>
+                </a:solidFill>
+                <a:latin typeface="Consolas" panose="020B0609020204030204" pitchFamily="49" charset="0"/>
+                <a:cs typeface="Segoe UI" panose="020B0502040204020203" pitchFamily="34" charset="0"/>
+              </a:rPr>
+              <a:t>libuv</a:t>
+            </a:r>
+            <a:r>
+              <a:rPr lang="en-US" sz="2800" dirty="0">
+                <a:solidFill>
+                  <a:srgbClr val="333333"/>
+                </a:solidFill>
+                <a:cs typeface="Segoe UI" panose="020B0502040204020203" pitchFamily="34" charset="0"/>
+              </a:rPr>
+              <a:t> started as </a:t>
+            </a:r>
+            <a:r>
+              <a:rPr lang="en-US" sz="2800" dirty="0" smtClean="0">
+                <a:solidFill>
+                  <a:srgbClr val="333333"/>
+                </a:solidFill>
+                <a:cs typeface="Segoe UI" panose="020B0502040204020203" pitchFamily="34" charset="0"/>
+              </a:rPr>
+              <a:t>abstraction:</a:t>
+            </a:r>
+            <a:endParaRPr lang="en-US" sz="2800" dirty="0">
+              <a:solidFill>
+                <a:srgbClr val="333333"/>
+              </a:solidFill>
+              <a:cs typeface="Segoe UI" panose="020B0502040204020203" pitchFamily="34" charset="0"/>
+            </a:endParaRPr>
+          </a:p>
+          <a:p>
+            <a:pPr marL="742950" lvl="1" indent="-285750">
+              <a:buFont typeface="Arial" panose="020B0604020202020204" pitchFamily="34" charset="0"/>
+              <a:buChar char="•"/>
+            </a:pPr>
+            <a:r>
+              <a:rPr lang="en-US" sz="2800" dirty="0" err="1">
+                <a:solidFill>
+                  <a:srgbClr val="333333"/>
+                </a:solidFill>
+                <a:latin typeface="Consolas" panose="020B0609020204030204" pitchFamily="49" charset="0"/>
+                <a:cs typeface="Segoe UI" panose="020B0502040204020203" pitchFamily="34" charset="0"/>
+              </a:rPr>
+              <a:t>libev</a:t>
+            </a:r>
+            <a:r>
+              <a:rPr lang="en-US" sz="2800" dirty="0">
+                <a:solidFill>
+                  <a:srgbClr val="333333"/>
+                </a:solidFill>
+                <a:cs typeface="Segoe UI" panose="020B0502040204020203" pitchFamily="34" charset="0"/>
+              </a:rPr>
+              <a:t> for UNIX</a:t>
+            </a:r>
+          </a:p>
+          <a:p>
+            <a:pPr marL="742950" lvl="1" indent="-285750">
+              <a:buFont typeface="Arial" panose="020B0604020202020204" pitchFamily="34" charset="0"/>
+              <a:buChar char="•"/>
+            </a:pPr>
+            <a:r>
+              <a:rPr lang="en-US" sz="2800" dirty="0">
+                <a:solidFill>
+                  <a:srgbClr val="333333"/>
+                </a:solidFill>
+                <a:latin typeface="Consolas" panose="020B0609020204030204" pitchFamily="49" charset="0"/>
+                <a:cs typeface="Segoe UI" panose="020B0502040204020203" pitchFamily="34" charset="0"/>
+              </a:rPr>
+              <a:t>IOCP</a:t>
+            </a:r>
+            <a:r>
+              <a:rPr lang="en-US" sz="2800" dirty="0">
+                <a:solidFill>
+                  <a:srgbClr val="333333"/>
+                </a:solidFill>
+                <a:cs typeface="Segoe UI" panose="020B0502040204020203" pitchFamily="34" charset="0"/>
+              </a:rPr>
+              <a:t> for </a:t>
+            </a:r>
+            <a:r>
+              <a:rPr lang="en-US" sz="2800" dirty="0" smtClean="0">
+                <a:solidFill>
+                  <a:srgbClr val="333333"/>
+                </a:solidFill>
+                <a:cs typeface="Segoe UI" panose="020B0502040204020203" pitchFamily="34" charset="0"/>
+              </a:rPr>
+              <a:t>Windows</a:t>
+            </a:r>
+            <a:endParaRPr lang="en-US" sz="2800" dirty="0" smtClean="0">
+              <a:solidFill>
+                <a:srgbClr val="333333"/>
+              </a:solidFill>
+              <a:cs typeface="Segoe UI" panose="020B0502040204020203" pitchFamily="34" charset="0"/>
+            </a:endParaRPr>
+          </a:p>
+        </p:txBody>
+      </p:sp>
+    </p:spTree>
+    <p:extLst>
+      <p:ext uri="{BB962C8B-B14F-4D97-AF65-F5344CB8AC3E}">
+        <p14:creationId xmlns:p14="http://schemas.microsoft.com/office/powerpoint/2010/main" val="2304743161"/>
+      </p:ext>
+    </p:extLst>
+  </p:cSld>
+  <p:clrMapOvr>
+    <a:masterClrMapping/>
+  </p:clrMapOvr>
+  <p:timing>
+    <p:tnLst>
+      <p:par>
+        <p:cTn id="1" dur="indefinite" restart="never" nodeType="tmRoot"/>
+      </p:par>
+    </p:tnLst>
+  </p:timing>
+</p:sld>
+</file>
+
 <file path=ppt/slides/slide14.xml><?xml version="1.0" encoding="utf-8"?>
+<p:sld xmlns:a="http://schemas.openxmlformats.org/drawingml/2006/main" xmlns:r="http://schemas.openxmlformats.org/officeDocument/2006/relationships" xmlns:p="http://schemas.openxmlformats.org/presentationml/2006/main">
+  <p:cSld>
+    <p:bg>
+      <p:bgPr>
+        <a:solidFill>
+          <a:schemeClr val="bg1"/>
+        </a:solidFill>
+        <a:effectLst/>
+      </p:bgPr>
+    </p:bg>
+    <p:spTree>
+      <p:nvGrpSpPr>
+        <p:cNvPr id="1" name=""/>
+        <p:cNvGrpSpPr/>
+        <p:nvPr/>
+      </p:nvGrpSpPr>
+      <p:grpSpPr>
+        <a:xfrm>
+          <a:off x="0" y="0"/>
+          <a:ext cx="0" cy="0"/>
+          <a:chOff x="0" y="0"/>
+          <a:chExt cx="0" cy="0"/>
+        </a:xfrm>
+      </p:grpSpPr>
+      <p:pic>
+        <p:nvPicPr>
+          <p:cNvPr id="4" name="Picture 3"/>
+          <p:cNvPicPr>
+            <a:picLocks noChangeAspect="1"/>
+          </p:cNvPicPr>
+          <p:nvPr/>
+        </p:nvPicPr>
+        <p:blipFill>
+          <a:blip r:embed="rId2">
+            <a:extLst>
+              <a:ext uri="{28A0092B-C50C-407E-A947-70E740481C1C}">
+                <a14:useLocalDpi xmlns:a14="http://schemas.microsoft.com/office/drawing/2010/main" val="0"/>
+              </a:ext>
+            </a:extLst>
+          </a:blip>
+          <a:stretch>
+            <a:fillRect/>
+          </a:stretch>
+        </p:blipFill>
+        <p:spPr>
+          <a:xfrm>
+            <a:off x="0" y="0"/>
+            <a:ext cx="12195961" cy="1106905"/>
+          </a:xfrm>
+          <a:prstGeom prst="rect">
+            <a:avLst/>
+          </a:prstGeom>
+        </p:spPr>
+      </p:pic>
+      <p:sp>
+        <p:nvSpPr>
+          <p:cNvPr id="3" name="Rectangle 2"/>
+          <p:cNvSpPr/>
+          <p:nvPr/>
+        </p:nvSpPr>
+        <p:spPr>
+          <a:xfrm>
+            <a:off x="397068" y="1514901"/>
+            <a:ext cx="11203529" cy="4817663"/>
+          </a:xfrm>
+          <a:prstGeom prst="rect">
+            <a:avLst/>
+          </a:prstGeom>
+          <a:solidFill>
+            <a:schemeClr val="accent1">
+              <a:lumMod val="20000"/>
+              <a:lumOff val="80000"/>
+            </a:schemeClr>
+          </a:solidFill>
+        </p:spPr>
+        <p:style>
+          <a:lnRef idx="2">
+            <a:schemeClr val="accent1"/>
+          </a:lnRef>
+          <a:fillRef idx="1">
+            <a:schemeClr val="lt1"/>
+          </a:fillRef>
+          <a:effectRef idx="0">
+            <a:schemeClr val="accent1"/>
+          </a:effectRef>
+          <a:fontRef idx="minor">
+            <a:schemeClr val="dk1"/>
+          </a:fontRef>
+        </p:style>
+        <p:txBody>
+          <a:bodyPr rtlCol="0" anchor="ctr"/>
+          <a:lstStyle/>
+          <a:p>
+            <a:pPr algn="ctr"/>
+            <a:endParaRPr lang="en-US"/>
+          </a:p>
+        </p:txBody>
+      </p:sp>
+      <p:sp>
+        <p:nvSpPr>
+          <p:cNvPr id="5" name="Rectangle 4"/>
+          <p:cNvSpPr/>
+          <p:nvPr/>
+        </p:nvSpPr>
+        <p:spPr>
+          <a:xfrm>
+            <a:off x="696034" y="2456602"/>
+            <a:ext cx="7537236" cy="1473958"/>
+          </a:xfrm>
+          <a:prstGeom prst="rect">
+            <a:avLst/>
+          </a:prstGeom>
+          <a:solidFill>
+            <a:srgbClr val="00B0F0"/>
+          </a:solidFill>
+          <a:ln>
+            <a:noFill/>
+          </a:ln>
+        </p:spPr>
+        <p:style>
+          <a:lnRef idx="2">
+            <a:schemeClr val="accent3">
+              <a:shade val="50000"/>
+            </a:schemeClr>
+          </a:lnRef>
+          <a:fillRef idx="1">
+            <a:schemeClr val="accent3"/>
+          </a:fillRef>
+          <a:effectRef idx="0">
+            <a:schemeClr val="accent3"/>
+          </a:effectRef>
+          <a:fontRef idx="minor">
+            <a:schemeClr val="lt1"/>
+          </a:fontRef>
+        </p:style>
+        <p:txBody>
+          <a:bodyPr rtlCol="0" anchor="ctr"/>
+          <a:lstStyle/>
+          <a:p>
+            <a:pPr algn="ctr"/>
+            <a:endParaRPr lang="en-US"/>
+          </a:p>
+        </p:txBody>
+      </p:sp>
+      <p:sp>
+        <p:nvSpPr>
+          <p:cNvPr id="6" name="Rectangle 5"/>
+          <p:cNvSpPr/>
+          <p:nvPr/>
+        </p:nvSpPr>
+        <p:spPr>
+          <a:xfrm>
+            <a:off x="8705851" y="2456602"/>
+            <a:ext cx="1120876" cy="1473958"/>
+          </a:xfrm>
+          <a:prstGeom prst="rect">
+            <a:avLst/>
+          </a:prstGeom>
+          <a:solidFill>
+            <a:srgbClr val="00B0F0"/>
+          </a:solidFill>
+          <a:ln>
+            <a:noFill/>
+          </a:ln>
+        </p:spPr>
+        <p:style>
+          <a:lnRef idx="2">
+            <a:schemeClr val="accent3">
+              <a:shade val="50000"/>
+            </a:schemeClr>
+          </a:lnRef>
+          <a:fillRef idx="1">
+            <a:schemeClr val="accent3"/>
+          </a:fillRef>
+          <a:effectRef idx="0">
+            <a:schemeClr val="accent3"/>
+          </a:effectRef>
+          <a:fontRef idx="minor">
+            <a:schemeClr val="lt1"/>
+          </a:fontRef>
+        </p:style>
+        <p:txBody>
+          <a:bodyPr rtlCol="0" anchor="ctr"/>
+          <a:lstStyle/>
+          <a:p>
+            <a:pPr algn="ctr"/>
+            <a:r>
+              <a:rPr lang="en-US" dirty="0" smtClean="0"/>
+              <a:t>File I/O</a:t>
+            </a:r>
+            <a:endParaRPr lang="en-US" dirty="0"/>
+          </a:p>
+        </p:txBody>
+      </p:sp>
+      <p:sp>
+        <p:nvSpPr>
+          <p:cNvPr id="7" name="Rectangle 6"/>
+          <p:cNvSpPr/>
+          <p:nvPr/>
+        </p:nvSpPr>
+        <p:spPr>
+          <a:xfrm>
+            <a:off x="10259549" y="2456602"/>
+            <a:ext cx="1018592" cy="1473958"/>
+          </a:xfrm>
+          <a:prstGeom prst="rect">
+            <a:avLst/>
+          </a:prstGeom>
+          <a:solidFill>
+            <a:srgbClr val="00B0F0"/>
+          </a:solidFill>
+          <a:ln>
+            <a:noFill/>
+          </a:ln>
+        </p:spPr>
+        <p:style>
+          <a:lnRef idx="2">
+            <a:schemeClr val="accent3">
+              <a:shade val="50000"/>
+            </a:schemeClr>
+          </a:lnRef>
+          <a:fillRef idx="1">
+            <a:schemeClr val="accent3"/>
+          </a:fillRef>
+          <a:effectRef idx="0">
+            <a:schemeClr val="accent3"/>
+          </a:effectRef>
+          <a:fontRef idx="minor">
+            <a:schemeClr val="lt1"/>
+          </a:fontRef>
+        </p:style>
+        <p:txBody>
+          <a:bodyPr rtlCol="0" anchor="ctr"/>
+          <a:lstStyle/>
+          <a:p>
+            <a:pPr algn="ctr"/>
+            <a:r>
+              <a:rPr lang="en-US" dirty="0" smtClean="0"/>
+              <a:t>DNS</a:t>
+            </a:r>
+            <a:endParaRPr lang="en-US" dirty="0"/>
+          </a:p>
+        </p:txBody>
+      </p:sp>
+      <p:sp>
+        <p:nvSpPr>
+          <p:cNvPr id="9" name="Rectangle 8"/>
+          <p:cNvSpPr/>
+          <p:nvPr/>
+        </p:nvSpPr>
+        <p:spPr>
+          <a:xfrm>
+            <a:off x="996286" y="3057103"/>
+            <a:ext cx="1364776" cy="723332"/>
+          </a:xfrm>
+          <a:prstGeom prst="rect">
+            <a:avLst/>
+          </a:prstGeom>
+          <a:solidFill>
+            <a:schemeClr val="bg1">
+              <a:lumMod val="95000"/>
+            </a:schemeClr>
+          </a:solidFill>
+          <a:ln>
+            <a:noFill/>
+          </a:ln>
+        </p:spPr>
+        <p:style>
+          <a:lnRef idx="2">
+            <a:schemeClr val="accent1">
+              <a:shade val="50000"/>
+            </a:schemeClr>
+          </a:lnRef>
+          <a:fillRef idx="1">
+            <a:schemeClr val="accent1"/>
+          </a:fillRef>
+          <a:effectRef idx="0">
+            <a:schemeClr val="accent1"/>
+          </a:effectRef>
+          <a:fontRef idx="minor">
+            <a:schemeClr val="lt1"/>
+          </a:fontRef>
+        </p:style>
+        <p:txBody>
+          <a:bodyPr rtlCol="0" anchor="ctr"/>
+          <a:lstStyle/>
+          <a:p>
+            <a:pPr algn="ctr"/>
+            <a:r>
+              <a:rPr lang="en-US" dirty="0" smtClean="0">
+                <a:solidFill>
+                  <a:schemeClr val="tx1"/>
+                </a:solidFill>
+              </a:rPr>
+              <a:t>TCP</a:t>
+            </a:r>
+            <a:endParaRPr lang="en-US" dirty="0">
+              <a:solidFill>
+                <a:schemeClr val="tx1"/>
+              </a:solidFill>
+            </a:endParaRPr>
+          </a:p>
+        </p:txBody>
+      </p:sp>
+      <p:sp>
+        <p:nvSpPr>
+          <p:cNvPr id="10" name="Rectangle 9"/>
+          <p:cNvSpPr/>
+          <p:nvPr/>
+        </p:nvSpPr>
+        <p:spPr>
+          <a:xfrm>
+            <a:off x="2716125" y="3057103"/>
+            <a:ext cx="1364776" cy="723332"/>
+          </a:xfrm>
+          <a:prstGeom prst="rect">
+            <a:avLst/>
+          </a:prstGeom>
+          <a:solidFill>
+            <a:schemeClr val="bg1">
+              <a:lumMod val="95000"/>
+            </a:schemeClr>
+          </a:solidFill>
+          <a:ln>
+            <a:noFill/>
+          </a:ln>
+        </p:spPr>
+        <p:style>
+          <a:lnRef idx="2">
+            <a:schemeClr val="accent1">
+              <a:shade val="50000"/>
+            </a:schemeClr>
+          </a:lnRef>
+          <a:fillRef idx="1">
+            <a:schemeClr val="accent1"/>
+          </a:fillRef>
+          <a:effectRef idx="0">
+            <a:schemeClr val="accent1"/>
+          </a:effectRef>
+          <a:fontRef idx="minor">
+            <a:schemeClr val="lt1"/>
+          </a:fontRef>
+        </p:style>
+        <p:txBody>
+          <a:bodyPr rtlCol="0" anchor="ctr"/>
+          <a:lstStyle/>
+          <a:p>
+            <a:pPr algn="ctr"/>
+            <a:r>
+              <a:rPr lang="en-US" dirty="0" smtClean="0">
+                <a:solidFill>
+                  <a:schemeClr val="tx1"/>
+                </a:solidFill>
+              </a:rPr>
+              <a:t>UDP</a:t>
+            </a:r>
+            <a:endParaRPr lang="en-US" dirty="0">
+              <a:solidFill>
+                <a:schemeClr val="tx1"/>
+              </a:solidFill>
+            </a:endParaRPr>
+          </a:p>
+        </p:txBody>
+      </p:sp>
+      <p:sp>
+        <p:nvSpPr>
+          <p:cNvPr id="11" name="Rectangle 10"/>
+          <p:cNvSpPr/>
+          <p:nvPr/>
+        </p:nvSpPr>
+        <p:spPr>
+          <a:xfrm>
+            <a:off x="4417619" y="3057103"/>
+            <a:ext cx="1364776" cy="723332"/>
+          </a:xfrm>
+          <a:prstGeom prst="rect">
+            <a:avLst/>
+          </a:prstGeom>
+          <a:solidFill>
+            <a:schemeClr val="bg1">
+              <a:lumMod val="95000"/>
+            </a:schemeClr>
+          </a:solidFill>
+          <a:ln>
+            <a:noFill/>
+          </a:ln>
+        </p:spPr>
+        <p:style>
+          <a:lnRef idx="2">
+            <a:schemeClr val="accent1">
+              <a:shade val="50000"/>
+            </a:schemeClr>
+          </a:lnRef>
+          <a:fillRef idx="1">
+            <a:schemeClr val="accent1"/>
+          </a:fillRef>
+          <a:effectRef idx="0">
+            <a:schemeClr val="accent1"/>
+          </a:effectRef>
+          <a:fontRef idx="minor">
+            <a:schemeClr val="lt1"/>
+          </a:fontRef>
+        </p:style>
+        <p:txBody>
+          <a:bodyPr rtlCol="0" anchor="ctr"/>
+          <a:lstStyle/>
+          <a:p>
+            <a:pPr algn="ctr"/>
+            <a:r>
+              <a:rPr lang="en-US" dirty="0" smtClean="0">
+                <a:solidFill>
+                  <a:schemeClr val="tx1"/>
+                </a:solidFill>
+              </a:rPr>
+              <a:t>Pipe</a:t>
+            </a:r>
+            <a:endParaRPr lang="en-US" dirty="0">
+              <a:solidFill>
+                <a:schemeClr val="tx1"/>
+              </a:solidFill>
+            </a:endParaRPr>
+          </a:p>
+        </p:txBody>
+      </p:sp>
+      <p:sp>
+        <p:nvSpPr>
+          <p:cNvPr id="12" name="TextBox 11"/>
+          <p:cNvSpPr txBox="1"/>
+          <p:nvPr/>
+        </p:nvSpPr>
+        <p:spPr>
+          <a:xfrm>
+            <a:off x="940850" y="2592658"/>
+            <a:ext cx="2840423" cy="369332"/>
+          </a:xfrm>
+          <a:prstGeom prst="rect">
+            <a:avLst/>
+          </a:prstGeom>
+          <a:noFill/>
+        </p:spPr>
+        <p:txBody>
+          <a:bodyPr wrap="square" rtlCol="0">
+            <a:spAutoFit/>
+          </a:bodyPr>
+          <a:lstStyle/>
+          <a:p>
+            <a:r>
+              <a:rPr lang="en-US" dirty="0" smtClean="0">
+                <a:solidFill>
+                  <a:schemeClr val="bg1"/>
+                </a:solidFill>
+              </a:rPr>
+              <a:t>Network I/O</a:t>
+            </a:r>
+            <a:endParaRPr lang="en-US" dirty="0">
+              <a:solidFill>
+                <a:schemeClr val="bg1"/>
+              </a:solidFill>
+            </a:endParaRPr>
+          </a:p>
+        </p:txBody>
+      </p:sp>
+      <p:sp>
+        <p:nvSpPr>
+          <p:cNvPr id="14" name="Rectangle 13"/>
+          <p:cNvSpPr/>
+          <p:nvPr/>
+        </p:nvSpPr>
+        <p:spPr>
+          <a:xfrm>
+            <a:off x="696033" y="4319521"/>
+            <a:ext cx="5860945" cy="552735"/>
+          </a:xfrm>
+          <a:prstGeom prst="rect">
+            <a:avLst/>
+          </a:prstGeom>
+          <a:solidFill>
+            <a:srgbClr val="00B050"/>
+          </a:solidFill>
+          <a:ln>
+            <a:noFill/>
+          </a:ln>
+        </p:spPr>
+        <p:style>
+          <a:lnRef idx="2">
+            <a:schemeClr val="accent3">
+              <a:shade val="50000"/>
+            </a:schemeClr>
+          </a:lnRef>
+          <a:fillRef idx="1">
+            <a:schemeClr val="accent3"/>
+          </a:fillRef>
+          <a:effectRef idx="0">
+            <a:schemeClr val="accent3"/>
+          </a:effectRef>
+          <a:fontRef idx="minor">
+            <a:schemeClr val="lt1"/>
+          </a:fontRef>
+        </p:style>
+        <p:txBody>
+          <a:bodyPr rtlCol="0" anchor="ctr"/>
+          <a:lstStyle/>
+          <a:p>
+            <a:pPr algn="ctr"/>
+            <a:r>
+              <a:rPr lang="en-US" dirty="0" err="1" smtClean="0">
+                <a:solidFill>
+                  <a:schemeClr val="bg1"/>
+                </a:solidFill>
+                <a:latin typeface="Consolas" panose="020B0609020204030204" pitchFamily="49" charset="0"/>
+                <a:cs typeface="Consolas" panose="020B0609020204030204" pitchFamily="49" charset="0"/>
+              </a:rPr>
+              <a:t>uv</a:t>
+            </a:r>
+            <a:r>
+              <a:rPr lang="en-US" dirty="0" smtClean="0">
+                <a:solidFill>
+                  <a:schemeClr val="bg1"/>
+                </a:solidFill>
+                <a:latin typeface="Consolas" panose="020B0609020204030204" pitchFamily="49" charset="0"/>
+                <a:cs typeface="Consolas" panose="020B0609020204030204" pitchFamily="49" charset="0"/>
+              </a:rPr>
+              <a:t>__</a:t>
+            </a:r>
+            <a:r>
+              <a:rPr lang="en-US" dirty="0" err="1" smtClean="0">
+                <a:solidFill>
+                  <a:schemeClr val="bg1"/>
+                </a:solidFill>
+                <a:latin typeface="Consolas" panose="020B0609020204030204" pitchFamily="49" charset="0"/>
+                <a:cs typeface="Consolas" panose="020B0609020204030204" pitchFamily="49" charset="0"/>
+              </a:rPr>
+              <a:t>io_t</a:t>
+            </a:r>
+            <a:r>
+              <a:rPr lang="en-US" dirty="0" smtClean="0">
+                <a:solidFill>
+                  <a:schemeClr val="bg1"/>
+                </a:solidFill>
+                <a:latin typeface="Consolas" panose="020B0609020204030204" pitchFamily="49" charset="0"/>
+                <a:cs typeface="Consolas" panose="020B0609020204030204" pitchFamily="49" charset="0"/>
+              </a:rPr>
+              <a:t> </a:t>
+            </a:r>
+            <a:r>
+              <a:rPr lang="en-US" dirty="0" err="1" smtClean="0">
+                <a:solidFill>
+                  <a:schemeClr val="bg1"/>
+                </a:solidFill>
+                <a:latin typeface="Consolas" panose="020B0609020204030204" pitchFamily="49" charset="0"/>
+                <a:cs typeface="Consolas" panose="020B0609020204030204" pitchFamily="49" charset="0"/>
+              </a:rPr>
+              <a:t>io_watcher</a:t>
+            </a:r>
+            <a:r>
+              <a:rPr lang="en-US" dirty="0" smtClean="0">
+                <a:solidFill>
+                  <a:schemeClr val="bg1"/>
+                </a:solidFill>
+                <a:latin typeface="Consolas" panose="020B0609020204030204" pitchFamily="49" charset="0"/>
+                <a:cs typeface="Consolas" panose="020B0609020204030204" pitchFamily="49" charset="0"/>
+              </a:rPr>
+              <a:t>;</a:t>
+            </a:r>
+            <a:endParaRPr lang="en-US" dirty="0">
+              <a:solidFill>
+                <a:schemeClr val="bg1"/>
+              </a:solidFill>
+              <a:latin typeface="Consolas" panose="020B0609020204030204" pitchFamily="49" charset="0"/>
+              <a:cs typeface="Consolas" panose="020B0609020204030204" pitchFamily="49" charset="0"/>
+            </a:endParaRPr>
+          </a:p>
+        </p:txBody>
+      </p:sp>
+      <p:sp>
+        <p:nvSpPr>
+          <p:cNvPr id="17" name="Rectangle 16"/>
+          <p:cNvSpPr/>
+          <p:nvPr/>
+        </p:nvSpPr>
+        <p:spPr>
+          <a:xfrm>
+            <a:off x="696033" y="5076972"/>
+            <a:ext cx="1528551" cy="736979"/>
+          </a:xfrm>
+          <a:prstGeom prst="rect">
+            <a:avLst/>
+          </a:prstGeom>
+          <a:solidFill>
+            <a:srgbClr val="00B050"/>
+          </a:solidFill>
+          <a:ln>
+            <a:noFill/>
+          </a:ln>
+        </p:spPr>
+        <p:style>
+          <a:lnRef idx="2">
+            <a:schemeClr val="accent1">
+              <a:shade val="50000"/>
+            </a:schemeClr>
+          </a:lnRef>
+          <a:fillRef idx="1">
+            <a:schemeClr val="accent1"/>
+          </a:fillRef>
+          <a:effectRef idx="0">
+            <a:schemeClr val="accent1"/>
+          </a:effectRef>
+          <a:fontRef idx="minor">
+            <a:schemeClr val="lt1"/>
+          </a:fontRef>
+        </p:style>
+        <p:txBody>
+          <a:bodyPr rtlCol="0" anchor="ctr"/>
+          <a:lstStyle/>
+          <a:p>
+            <a:pPr algn="ctr"/>
+            <a:r>
+              <a:rPr lang="en-US" dirty="0" err="1" smtClean="0"/>
+              <a:t>epoll</a:t>
+            </a:r>
+            <a:r>
+              <a:rPr lang="en-US" dirty="0" smtClean="0"/>
+              <a:t> (Linux)</a:t>
+            </a:r>
+            <a:endParaRPr lang="en-US" dirty="0"/>
+          </a:p>
+        </p:txBody>
+      </p:sp>
+      <p:sp>
+        <p:nvSpPr>
+          <p:cNvPr id="18" name="Rectangle 17"/>
+          <p:cNvSpPr/>
+          <p:nvPr/>
+        </p:nvSpPr>
+        <p:spPr>
+          <a:xfrm>
+            <a:off x="2418567" y="5076972"/>
+            <a:ext cx="1719840" cy="736979"/>
+          </a:xfrm>
+          <a:prstGeom prst="rect">
+            <a:avLst/>
+          </a:prstGeom>
+          <a:solidFill>
+            <a:srgbClr val="00B050"/>
+          </a:solidFill>
+          <a:ln>
+            <a:noFill/>
+          </a:ln>
+        </p:spPr>
+        <p:style>
+          <a:lnRef idx="2">
+            <a:schemeClr val="accent1">
+              <a:shade val="50000"/>
+            </a:schemeClr>
+          </a:lnRef>
+          <a:fillRef idx="1">
+            <a:schemeClr val="accent1"/>
+          </a:fillRef>
+          <a:effectRef idx="0">
+            <a:schemeClr val="accent1"/>
+          </a:effectRef>
+          <a:fontRef idx="minor">
+            <a:schemeClr val="lt1"/>
+          </a:fontRef>
+        </p:style>
+        <p:txBody>
+          <a:bodyPr rtlCol="0" anchor="ctr"/>
+          <a:lstStyle/>
+          <a:p>
+            <a:pPr algn="ctr"/>
+            <a:r>
+              <a:rPr lang="en-US" dirty="0" err="1"/>
+              <a:t>k</a:t>
+            </a:r>
+            <a:r>
+              <a:rPr lang="en-US" dirty="0" err="1" smtClean="0"/>
+              <a:t>queue</a:t>
+            </a:r>
+            <a:endParaRPr lang="en-US" dirty="0" smtClean="0"/>
+          </a:p>
+          <a:p>
+            <a:pPr algn="ctr"/>
+            <a:r>
+              <a:rPr lang="en-US" dirty="0" smtClean="0"/>
+              <a:t>(OSX &amp; BSD)</a:t>
+            </a:r>
+            <a:endParaRPr lang="en-US" dirty="0"/>
+          </a:p>
+        </p:txBody>
+      </p:sp>
+      <p:sp>
+        <p:nvSpPr>
+          <p:cNvPr id="19" name="Rectangle 18"/>
+          <p:cNvSpPr/>
+          <p:nvPr/>
+        </p:nvSpPr>
+        <p:spPr>
+          <a:xfrm>
+            <a:off x="4332391" y="5076972"/>
+            <a:ext cx="2224587" cy="736979"/>
+          </a:xfrm>
+          <a:prstGeom prst="rect">
+            <a:avLst/>
+          </a:prstGeom>
+          <a:solidFill>
+            <a:srgbClr val="00B050"/>
+          </a:solidFill>
+          <a:ln>
+            <a:noFill/>
+          </a:ln>
+        </p:spPr>
+        <p:style>
+          <a:lnRef idx="2">
+            <a:schemeClr val="accent1">
+              <a:shade val="50000"/>
+            </a:schemeClr>
+          </a:lnRef>
+          <a:fillRef idx="1">
+            <a:schemeClr val="accent1"/>
+          </a:fillRef>
+          <a:effectRef idx="0">
+            <a:schemeClr val="accent1"/>
+          </a:effectRef>
+          <a:fontRef idx="minor">
+            <a:schemeClr val="lt1"/>
+          </a:fontRef>
+        </p:style>
+        <p:txBody>
+          <a:bodyPr rtlCol="0" anchor="ctr"/>
+          <a:lstStyle/>
+          <a:p>
+            <a:pPr algn="ctr"/>
+            <a:r>
+              <a:rPr lang="en-US" dirty="0" smtClean="0"/>
+              <a:t>event ports (Solaris)</a:t>
+            </a:r>
+            <a:endParaRPr lang="en-US" dirty="0"/>
+          </a:p>
+        </p:txBody>
+      </p:sp>
+      <p:sp>
+        <p:nvSpPr>
+          <p:cNvPr id="21" name="Rectangle 20"/>
+          <p:cNvSpPr/>
+          <p:nvPr/>
+        </p:nvSpPr>
+        <p:spPr>
+          <a:xfrm>
+            <a:off x="6855943" y="4319520"/>
+            <a:ext cx="1377327" cy="1494430"/>
+          </a:xfrm>
+          <a:prstGeom prst="rect">
+            <a:avLst/>
+          </a:prstGeom>
+          <a:solidFill>
+            <a:schemeClr val="accent1">
+              <a:lumMod val="50000"/>
+            </a:schemeClr>
+          </a:solidFill>
+          <a:ln>
+            <a:noFill/>
+          </a:ln>
+        </p:spPr>
+        <p:style>
+          <a:lnRef idx="2">
+            <a:schemeClr val="accent1">
+              <a:shade val="50000"/>
+            </a:schemeClr>
+          </a:lnRef>
+          <a:fillRef idx="1">
+            <a:schemeClr val="accent1"/>
+          </a:fillRef>
+          <a:effectRef idx="0">
+            <a:schemeClr val="accent1"/>
+          </a:effectRef>
+          <a:fontRef idx="minor">
+            <a:schemeClr val="lt1"/>
+          </a:fontRef>
+        </p:style>
+        <p:txBody>
+          <a:bodyPr rtlCol="0" anchor="ctr"/>
+          <a:lstStyle/>
+          <a:p>
+            <a:pPr algn="ctr"/>
+            <a:r>
+              <a:rPr lang="en-US" dirty="0" smtClean="0"/>
+              <a:t>IOCP</a:t>
+            </a:r>
+          </a:p>
+          <a:p>
+            <a:pPr algn="ctr"/>
+            <a:r>
+              <a:rPr lang="en-US" dirty="0" smtClean="0"/>
+              <a:t>(Windows)</a:t>
+            </a:r>
+            <a:endParaRPr lang="en-US" dirty="0"/>
+          </a:p>
+        </p:txBody>
+      </p:sp>
+      <p:sp>
+        <p:nvSpPr>
+          <p:cNvPr id="22" name="Rectangle 21"/>
+          <p:cNvSpPr/>
+          <p:nvPr/>
+        </p:nvSpPr>
+        <p:spPr>
+          <a:xfrm>
+            <a:off x="8705851" y="4319520"/>
+            <a:ext cx="2572290" cy="1494430"/>
+          </a:xfrm>
+          <a:prstGeom prst="rect">
+            <a:avLst/>
+          </a:prstGeom>
+          <a:solidFill>
+            <a:srgbClr val="860000"/>
+          </a:solidFill>
+          <a:ln>
+            <a:noFill/>
+          </a:ln>
+        </p:spPr>
+        <p:style>
+          <a:lnRef idx="2">
+            <a:schemeClr val="accent1">
+              <a:shade val="50000"/>
+            </a:schemeClr>
+          </a:lnRef>
+          <a:fillRef idx="1">
+            <a:schemeClr val="accent1"/>
+          </a:fillRef>
+          <a:effectRef idx="0">
+            <a:schemeClr val="accent1"/>
+          </a:effectRef>
+          <a:fontRef idx="minor">
+            <a:schemeClr val="lt1"/>
+          </a:fontRef>
+        </p:style>
+        <p:txBody>
+          <a:bodyPr rtlCol="0" anchor="ctr"/>
+          <a:lstStyle/>
+          <a:p>
+            <a:pPr algn="ctr"/>
+            <a:r>
+              <a:rPr lang="en-US" dirty="0" smtClean="0"/>
+              <a:t>Thread Pool</a:t>
+            </a:r>
+            <a:endParaRPr lang="en-US" dirty="0"/>
+          </a:p>
+        </p:txBody>
+      </p:sp>
+      <p:sp>
+        <p:nvSpPr>
+          <p:cNvPr id="23" name="TextBox 22"/>
+          <p:cNvSpPr txBox="1"/>
+          <p:nvPr/>
+        </p:nvSpPr>
+        <p:spPr>
+          <a:xfrm>
+            <a:off x="668627" y="1705981"/>
+            <a:ext cx="3384868" cy="523220"/>
+          </a:xfrm>
+          <a:prstGeom prst="rect">
+            <a:avLst/>
+          </a:prstGeom>
+          <a:noFill/>
+        </p:spPr>
+        <p:txBody>
+          <a:bodyPr wrap="square" rtlCol="0">
+            <a:spAutoFit/>
+          </a:bodyPr>
+          <a:lstStyle/>
+          <a:p>
+            <a:r>
+              <a:rPr lang="en-US" sz="2800" dirty="0" err="1" smtClean="0">
+                <a:latin typeface="Consolas" panose="020B0609020204030204" pitchFamily="49" charset="0"/>
+                <a:cs typeface="Consolas" panose="020B0609020204030204" pitchFamily="49" charset="0"/>
+              </a:rPr>
+              <a:t>libuv</a:t>
+            </a:r>
+            <a:endParaRPr lang="en-US" sz="2800" dirty="0">
+              <a:latin typeface="Consolas" panose="020B0609020204030204" pitchFamily="49" charset="0"/>
+              <a:cs typeface="Consolas" panose="020B0609020204030204" pitchFamily="49" charset="0"/>
+            </a:endParaRPr>
+          </a:p>
+        </p:txBody>
+      </p:sp>
+      <p:sp>
+        <p:nvSpPr>
+          <p:cNvPr id="24" name="Rectangle 23"/>
+          <p:cNvSpPr/>
+          <p:nvPr/>
+        </p:nvSpPr>
+        <p:spPr>
+          <a:xfrm>
+            <a:off x="6124466" y="3057108"/>
+            <a:ext cx="1364776" cy="723332"/>
+          </a:xfrm>
+          <a:prstGeom prst="rect">
+            <a:avLst/>
+          </a:prstGeom>
+          <a:solidFill>
+            <a:schemeClr val="bg1">
+              <a:lumMod val="95000"/>
+            </a:schemeClr>
+          </a:solidFill>
+          <a:ln>
+            <a:noFill/>
+          </a:ln>
+        </p:spPr>
+        <p:style>
+          <a:lnRef idx="2">
+            <a:schemeClr val="accent1">
+              <a:shade val="50000"/>
+            </a:schemeClr>
+          </a:lnRef>
+          <a:fillRef idx="1">
+            <a:schemeClr val="accent1"/>
+          </a:fillRef>
+          <a:effectRef idx="0">
+            <a:schemeClr val="accent1"/>
+          </a:effectRef>
+          <a:fontRef idx="minor">
+            <a:schemeClr val="lt1"/>
+          </a:fontRef>
+        </p:style>
+        <p:txBody>
+          <a:bodyPr rtlCol="0" anchor="ctr"/>
+          <a:lstStyle/>
+          <a:p>
+            <a:pPr algn="ctr"/>
+            <a:r>
+              <a:rPr lang="en-US" dirty="0" smtClean="0">
+                <a:solidFill>
+                  <a:schemeClr val="tx1"/>
+                </a:solidFill>
+              </a:rPr>
+              <a:t>TTY</a:t>
+            </a:r>
+            <a:endParaRPr lang="en-US" dirty="0">
+              <a:solidFill>
+                <a:schemeClr val="tx1"/>
+              </a:solidFill>
+            </a:endParaRPr>
+          </a:p>
+        </p:txBody>
+      </p:sp>
+      <p:sp>
+        <p:nvSpPr>
+          <p:cNvPr id="2" name="Line Callout 1 1"/>
+          <p:cNvSpPr/>
+          <p:nvPr/>
+        </p:nvSpPr>
+        <p:spPr>
+          <a:xfrm>
+            <a:off x="1789249" y="4646370"/>
+            <a:ext cx="2220686" cy="485192"/>
+          </a:xfrm>
+          <a:prstGeom prst="borderCallout1">
+            <a:avLst>
+              <a:gd name="adj1" fmla="val 53365"/>
+              <a:gd name="adj2" fmla="val 70"/>
+              <a:gd name="adj3" fmla="val 122115"/>
+              <a:gd name="adj4" fmla="val -29510"/>
+            </a:avLst>
+          </a:prstGeom>
+        </p:spPr>
+        <p:style>
+          <a:lnRef idx="2">
+            <a:schemeClr val="dk1">
+              <a:shade val="50000"/>
+            </a:schemeClr>
+          </a:lnRef>
+          <a:fillRef idx="1">
+            <a:schemeClr val="dk1"/>
+          </a:fillRef>
+          <a:effectRef idx="0">
+            <a:schemeClr val="dk1"/>
+          </a:effectRef>
+          <a:fontRef idx="minor">
+            <a:schemeClr val="lt1"/>
+          </a:fontRef>
+        </p:style>
+        <p:txBody>
+          <a:bodyPr rtlCol="0" anchor="ctr"/>
+          <a:lstStyle/>
+          <a:p>
+            <a:pPr algn="ctr"/>
+            <a:r>
+              <a:rPr lang="en-US" dirty="0">
+                <a:solidFill>
+                  <a:schemeClr val="bg1"/>
+                </a:solidFill>
+                <a:latin typeface="Consolas" panose="020B0609020204030204" pitchFamily="49" charset="0"/>
+              </a:rPr>
+              <a:t>s</a:t>
+            </a:r>
+            <a:r>
+              <a:rPr lang="en-US" dirty="0" smtClean="0">
+                <a:solidFill>
+                  <a:schemeClr val="bg1"/>
+                </a:solidFill>
+                <a:latin typeface="Consolas" panose="020B0609020204030204" pitchFamily="49" charset="0"/>
+              </a:rPr>
+              <a:t>elect()</a:t>
+            </a:r>
+            <a:endParaRPr lang="en-US" dirty="0">
+              <a:solidFill>
+                <a:schemeClr val="bg1"/>
+              </a:solidFill>
+              <a:latin typeface="Consolas" panose="020B0609020204030204" pitchFamily="49" charset="0"/>
+            </a:endParaRPr>
+          </a:p>
+        </p:txBody>
+      </p:sp>
+    </p:spTree>
+    <p:extLst>
+      <p:ext uri="{BB962C8B-B14F-4D97-AF65-F5344CB8AC3E}">
+        <p14:creationId xmlns:p14="http://schemas.microsoft.com/office/powerpoint/2010/main" val="2529075337"/>
+      </p:ext>
+    </p:extLst>
+  </p:cSld>
+  <p:clrMapOvr>
+    <a:masterClrMapping/>
+  </p:clrMapOvr>
+  <p:timing>
+    <p:tnLst>
+      <p:par>
+        <p:cTn id="1" dur="indefinite" restart="never" nodeType="tmRoot">
+          <p:childTnLst>
+            <p:seq concurrent="1" nextAc="seek">
+              <p:cTn id="2" dur="indefinite" nodeType="mainSeq">
+                <p:childTnLst>
+                  <p:par>
+                    <p:cTn id="3" fill="hold">
+                      <p:stCondLst>
+                        <p:cond delay="indefinite"/>
+                      </p:stCondLst>
+                      <p:childTnLst>
+                        <p:par>
+                          <p:cTn id="4" fill="hold">
+                            <p:stCondLst>
+                              <p:cond delay="0"/>
+                            </p:stCondLst>
+                            <p:childTnLst>
+                              <p:par>
+                                <p:cTn id="5" presetID="10" presetClass="entr" presetSubtype="0" fill="hold" grpId="0" nodeType="clickEffect">
+                                  <p:stCondLst>
+                                    <p:cond delay="0"/>
+                                  </p:stCondLst>
+                                  <p:childTnLst>
+                                    <p:set>
+                                      <p:cBhvr>
+                                        <p:cTn id="6" dur="1" fill="hold">
+                                          <p:stCondLst>
+                                            <p:cond delay="0"/>
+                                          </p:stCondLst>
+                                        </p:cTn>
+                                        <p:tgtEl>
+                                          <p:spTgt spid="2"/>
+                                        </p:tgtEl>
+                                        <p:attrNameLst>
+                                          <p:attrName>style.visibility</p:attrName>
+                                        </p:attrNameLst>
+                                      </p:cBhvr>
+                                      <p:to>
+                                        <p:strVal val="visible"/>
+                                      </p:to>
+                                    </p:set>
+                                    <p:animEffect transition="in" filter="fade">
+                                      <p:cBhvr>
+                                        <p:cTn id="7" dur="500"/>
+                                        <p:tgtEl>
+                                          <p:spTgt spid="2"/>
+                                        </p:tgtEl>
+                                      </p:cBhvr>
+                                    </p:animEffect>
+                                  </p:childTnLst>
+                                </p:cTn>
+                              </p:par>
+                            </p:childTnLst>
+                          </p:cTn>
+                        </p:par>
+                      </p:childTnLst>
+                    </p:cTn>
+                  </p:par>
+                </p:childTnLst>
+              </p:cTn>
+              <p:prevCondLst>
+                <p:cond evt="onPrev" delay="0">
+                  <p:tgtEl>
+                    <p:sldTgt/>
+                  </p:tgtEl>
+                </p:cond>
+              </p:prevCondLst>
+              <p:nextCondLst>
+                <p:cond evt="onNext" delay="0">
+                  <p:tgtEl>
+                    <p:sldTgt/>
+                  </p:tgtEl>
+                </p:cond>
+              </p:nextCondLst>
+            </p:seq>
+          </p:childTnLst>
+        </p:cTn>
+      </p:par>
+    </p:tnLst>
+    <p:bldLst>
+      <p:bldP spid="2" grpId="0" animBg="1"/>
+    </p:bldLst>
+  </p:timing>
+</p:sld>
+</file>
+
+<file path=ppt/slides/slide15.xml><?xml version="1.0" encoding="utf-8"?>
+<p:sld xmlns:a="http://schemas.openxmlformats.org/drawingml/2006/main" xmlns:r="http://schemas.openxmlformats.org/officeDocument/2006/relationships" xmlns:p="http://schemas.openxmlformats.org/presentationml/2006/main">
+  <p:cSld>
+    <p:bg>
+      <p:bgPr>
+        <a:solidFill>
+          <a:schemeClr val="bg1"/>
+        </a:solidFill>
+        <a:effectLst/>
+      </p:bgPr>
+    </p:bg>
+    <p:spTree>
+      <p:nvGrpSpPr>
+        <p:cNvPr id="1" name=""/>
+        <p:cNvGrpSpPr/>
+        <p:nvPr/>
+      </p:nvGrpSpPr>
+      <p:grpSpPr>
+        <a:xfrm>
+          <a:off x="0" y="0"/>
+          <a:ext cx="0" cy="0"/>
+          <a:chOff x="0" y="0"/>
+          <a:chExt cx="0" cy="0"/>
+        </a:xfrm>
+      </p:grpSpPr>
+      <p:pic>
+        <p:nvPicPr>
+          <p:cNvPr id="4" name="Picture 3"/>
+          <p:cNvPicPr>
+            <a:picLocks noChangeAspect="1"/>
+          </p:cNvPicPr>
+          <p:nvPr/>
+        </p:nvPicPr>
+        <p:blipFill>
+          <a:blip r:embed="rId2">
+            <a:extLst>
+              <a:ext uri="{28A0092B-C50C-407E-A947-70E740481C1C}">
+                <a14:useLocalDpi xmlns:a14="http://schemas.microsoft.com/office/drawing/2010/main" val="0"/>
+              </a:ext>
+            </a:extLst>
+          </a:blip>
+          <a:stretch>
+            <a:fillRect/>
+          </a:stretch>
+        </p:blipFill>
+        <p:spPr>
+          <a:xfrm>
+            <a:off x="0" y="0"/>
+            <a:ext cx="12195961" cy="1106905"/>
+          </a:xfrm>
+          <a:prstGeom prst="rect">
+            <a:avLst/>
+          </a:prstGeom>
+        </p:spPr>
+      </p:pic>
+      <p:sp>
+        <p:nvSpPr>
+          <p:cNvPr id="12" name="TextBox 11"/>
+          <p:cNvSpPr txBox="1"/>
+          <p:nvPr/>
+        </p:nvSpPr>
+        <p:spPr>
+          <a:xfrm>
+            <a:off x="716546" y="5704869"/>
+            <a:ext cx="10998200" cy="523220"/>
+          </a:xfrm>
+          <a:prstGeom prst="rect">
+            <a:avLst/>
+          </a:prstGeom>
+          <a:noFill/>
+        </p:spPr>
+        <p:txBody>
+          <a:bodyPr wrap="square" rtlCol="0">
+            <a:spAutoFit/>
+          </a:bodyPr>
+          <a:lstStyle/>
+          <a:p>
+            <a:r>
+              <a:rPr lang="en-US" sz="2800" dirty="0" smtClean="0">
+                <a:solidFill>
+                  <a:srgbClr val="0070C0"/>
+                </a:solidFill>
+              </a:rPr>
+              <a:t>Notify me when something happens on a set of given file descriptors!</a:t>
+            </a:r>
+            <a:endParaRPr lang="en-US" sz="2800" dirty="0">
+              <a:solidFill>
+                <a:srgbClr val="0070C0"/>
+              </a:solidFill>
+            </a:endParaRPr>
+          </a:p>
+        </p:txBody>
+      </p:sp>
+      <p:pic>
+        <p:nvPicPr>
+          <p:cNvPr id="5" name="Picture 4"/>
+          <p:cNvPicPr>
+            <a:picLocks noChangeAspect="1"/>
+          </p:cNvPicPr>
+          <p:nvPr/>
+        </p:nvPicPr>
+        <p:blipFill>
+          <a:blip r:embed="rId3"/>
+          <a:stretch>
+            <a:fillRect/>
+          </a:stretch>
+        </p:blipFill>
+        <p:spPr>
+          <a:xfrm>
+            <a:off x="1141663" y="3069967"/>
+            <a:ext cx="6810375" cy="933450"/>
+          </a:xfrm>
+          <a:prstGeom prst="rect">
+            <a:avLst/>
+          </a:prstGeom>
+        </p:spPr>
+      </p:pic>
+      <p:sp>
+        <p:nvSpPr>
+          <p:cNvPr id="6" name="Rectangle 5"/>
+          <p:cNvSpPr/>
+          <p:nvPr/>
+        </p:nvSpPr>
+        <p:spPr>
+          <a:xfrm>
+            <a:off x="716546" y="2700635"/>
+            <a:ext cx="3344185" cy="369332"/>
+          </a:xfrm>
+          <a:prstGeom prst="rect">
+            <a:avLst/>
+          </a:prstGeom>
+        </p:spPr>
+        <p:txBody>
+          <a:bodyPr wrap="none">
+            <a:spAutoFit/>
+          </a:bodyPr>
+          <a:lstStyle/>
+          <a:p>
+            <a:r>
+              <a:rPr lang="en-US" altLang="en-US" dirty="0"/>
+              <a:t>The prototype of this system call </a:t>
+            </a:r>
+            <a:r>
+              <a:rPr lang="en-US" altLang="en-US" dirty="0" smtClean="0"/>
+              <a:t>:</a:t>
+            </a:r>
+            <a:endParaRPr lang="en-US" dirty="0"/>
+          </a:p>
+        </p:txBody>
+      </p:sp>
+      <p:sp>
+        <p:nvSpPr>
+          <p:cNvPr id="7" name="Rectangle 6"/>
+          <p:cNvSpPr/>
+          <p:nvPr/>
+        </p:nvSpPr>
+        <p:spPr>
+          <a:xfrm>
+            <a:off x="716546" y="4158417"/>
+            <a:ext cx="7235492" cy="1200329"/>
+          </a:xfrm>
+          <a:prstGeom prst="rect">
+            <a:avLst/>
+          </a:prstGeom>
+        </p:spPr>
+        <p:txBody>
+          <a:bodyPr wrap="square">
+            <a:spAutoFit/>
+          </a:bodyPr>
+          <a:lstStyle/>
+          <a:p>
+            <a:pPr lvl="0" eaLnBrk="0" fontAlgn="base" hangingPunct="0">
+              <a:spcBef>
+                <a:spcPct val="0"/>
+              </a:spcBef>
+              <a:spcAft>
+                <a:spcPct val="0"/>
+              </a:spcAft>
+            </a:pPr>
+            <a:r>
+              <a:rPr lang="en-US" altLang="en-US" dirty="0"/>
+              <a:t>The </a:t>
+            </a:r>
+            <a:r>
+              <a:rPr lang="en-US" altLang="en-US" dirty="0">
+                <a:solidFill>
+                  <a:schemeClr val="accent2">
+                    <a:lumMod val="75000"/>
+                  </a:schemeClr>
+                </a:solidFill>
+                <a:latin typeface="Consolas" panose="020B0609020204030204" pitchFamily="49" charset="0"/>
+              </a:rPr>
+              <a:t>select()</a:t>
+            </a:r>
+            <a:r>
+              <a:rPr lang="en-US" altLang="en-US" dirty="0"/>
+              <a:t> mechanism was introduced in 4.2BSD. </a:t>
+            </a:r>
+            <a:endParaRPr lang="en-US" altLang="en-US" dirty="0" smtClean="0"/>
+          </a:p>
+          <a:p>
+            <a:pPr lvl="0" eaLnBrk="0" fontAlgn="base" hangingPunct="0">
+              <a:spcBef>
+                <a:spcPct val="0"/>
+              </a:spcBef>
+              <a:spcAft>
+                <a:spcPct val="0"/>
+              </a:spcAft>
+            </a:pPr>
+            <a:r>
+              <a:rPr lang="en-US" altLang="en-US" dirty="0" smtClean="0"/>
+              <a:t>It </a:t>
+            </a:r>
+            <a:r>
+              <a:rPr lang="en-US" altLang="en-US" dirty="0"/>
+              <a:t>allows one to specify three sets of file descriptors (as bit masks) and a timeout. </a:t>
+            </a:r>
+            <a:r>
+              <a:rPr lang="en-US" altLang="en-US" dirty="0">
+                <a:solidFill>
+                  <a:srgbClr val="00ABEC"/>
+                </a:solidFill>
+              </a:rPr>
+              <a:t>The call returns when the timeout expires or when one of the file descriptors in </a:t>
+            </a:r>
+            <a:r>
+              <a:rPr lang="en-US" altLang="en-US" dirty="0" err="1">
+                <a:solidFill>
+                  <a:srgbClr val="0070C0"/>
+                </a:solidFill>
+                <a:latin typeface="Consolas" panose="020B0609020204030204" pitchFamily="49" charset="0"/>
+              </a:rPr>
+              <a:t>readfds</a:t>
+            </a:r>
+            <a:r>
+              <a:rPr lang="en-US" altLang="en-US" dirty="0">
+                <a:solidFill>
+                  <a:srgbClr val="00ABEC"/>
+                </a:solidFill>
+              </a:rPr>
+              <a:t> has data available for </a:t>
+            </a:r>
+            <a:r>
+              <a:rPr lang="en-US" altLang="en-US" dirty="0" smtClean="0">
+                <a:solidFill>
+                  <a:srgbClr val="00ABEC"/>
+                </a:solidFill>
+              </a:rPr>
+              <a:t>reading. </a:t>
+            </a:r>
+            <a:endParaRPr lang="en-US" altLang="en-US" dirty="0">
+              <a:solidFill>
+                <a:srgbClr val="00ABEC"/>
+              </a:solidFill>
+            </a:endParaRPr>
+          </a:p>
+        </p:txBody>
+      </p:sp>
+      <p:sp>
+        <p:nvSpPr>
+          <p:cNvPr id="8" name="TextBox 7"/>
+          <p:cNvSpPr txBox="1"/>
+          <p:nvPr/>
+        </p:nvSpPr>
+        <p:spPr>
+          <a:xfrm>
+            <a:off x="716546" y="1565216"/>
+            <a:ext cx="4088065" cy="677108"/>
+          </a:xfrm>
+          <a:prstGeom prst="rect">
+            <a:avLst/>
+          </a:prstGeom>
+          <a:noFill/>
+        </p:spPr>
+        <p:txBody>
+          <a:bodyPr wrap="square" rtlCol="0">
+            <a:spAutoFit/>
+          </a:bodyPr>
+          <a:lstStyle/>
+          <a:p>
+            <a:r>
+              <a:rPr lang="en-US" sz="2400" dirty="0" smtClean="0">
+                <a:solidFill>
+                  <a:schemeClr val="accent2">
+                    <a:lumMod val="75000"/>
+                  </a:schemeClr>
+                </a:solidFill>
+                <a:latin typeface="Consolas" panose="020B0609020204030204" pitchFamily="49" charset="0"/>
+              </a:rPr>
+              <a:t>select() </a:t>
+            </a:r>
+            <a:r>
+              <a:rPr lang="en-US" sz="2400" dirty="0" smtClean="0">
+                <a:solidFill>
+                  <a:schemeClr val="bg2">
+                    <a:lumMod val="25000"/>
+                  </a:schemeClr>
+                </a:solidFill>
+                <a:latin typeface="Consolas" panose="020B0609020204030204" pitchFamily="49" charset="0"/>
+              </a:rPr>
+              <a:t>system call</a:t>
+            </a:r>
+          </a:p>
+          <a:p>
+            <a:r>
+              <a:rPr lang="en-US" sz="1400" dirty="0" smtClean="0"/>
+              <a:t>Available on </a:t>
+            </a:r>
+            <a:r>
+              <a:rPr lang="en-US" sz="1400" dirty="0"/>
+              <a:t>most *NIXES</a:t>
+            </a:r>
+          </a:p>
+        </p:txBody>
+      </p:sp>
+    </p:spTree>
+    <p:extLst>
+      <p:ext uri="{BB962C8B-B14F-4D97-AF65-F5344CB8AC3E}">
+        <p14:creationId xmlns:p14="http://schemas.microsoft.com/office/powerpoint/2010/main" val="2418648465"/>
+      </p:ext>
+    </p:extLst>
+  </p:cSld>
+  <p:clrMapOvr>
+    <a:masterClrMapping/>
+  </p:clrMapOvr>
+  <p:timing>
+    <p:tnLst>
+      <p:par>
+        <p:cTn id="1" dur="indefinite" restart="never" nodeType="tmRoot">
+          <p:childTnLst>
+            <p:seq concurrent="1" nextAc="seek">
+              <p:cTn id="2" dur="indefinite" nodeType="mainSeq">
+                <p:childTnLst>
+                  <p:par>
+                    <p:cTn id="3" fill="hold">
+                      <p:stCondLst>
+                        <p:cond delay="indefinite"/>
+                      </p:stCondLst>
+                      <p:childTnLst>
+                        <p:par>
+                          <p:cTn id="4" fill="hold">
+                            <p:stCondLst>
+                              <p:cond delay="0"/>
+                            </p:stCondLst>
+                            <p:childTnLst>
+                              <p:par>
+                                <p:cTn id="5" presetID="1" presetClass="entr" presetSubtype="0" fill="hold" grpId="0" nodeType="clickEffect">
+                                  <p:stCondLst>
+                                    <p:cond delay="0"/>
+                                  </p:stCondLst>
+                                  <p:childTnLst>
+                                    <p:set>
+                                      <p:cBhvr>
+                                        <p:cTn id="6" dur="1" fill="hold">
+                                          <p:stCondLst>
+                                            <p:cond delay="0"/>
+                                          </p:stCondLst>
+                                        </p:cTn>
+                                        <p:tgtEl>
+                                          <p:spTgt spid="12"/>
+                                        </p:tgtEl>
+                                        <p:attrNameLst>
+                                          <p:attrName>style.visibility</p:attrName>
+                                        </p:attrNameLst>
+                                      </p:cBhvr>
+                                      <p:to>
+                                        <p:strVal val="visible"/>
+                                      </p:to>
+                                    </p:set>
+                                  </p:childTnLst>
+                                </p:cTn>
+                              </p:par>
+                            </p:childTnLst>
+                          </p:cTn>
+                        </p:par>
+                      </p:childTnLst>
+                    </p:cTn>
+                  </p:par>
+                </p:childTnLst>
+              </p:cTn>
+              <p:prevCondLst>
+                <p:cond evt="onPrev" delay="0">
+                  <p:tgtEl>
+                    <p:sldTgt/>
+                  </p:tgtEl>
+                </p:cond>
+              </p:prevCondLst>
+              <p:nextCondLst>
+                <p:cond evt="onNext" delay="0">
+                  <p:tgtEl>
+                    <p:sldTgt/>
+                  </p:tgtEl>
+                </p:cond>
+              </p:nextCondLst>
+            </p:seq>
+          </p:childTnLst>
+        </p:cTn>
+      </p:par>
+    </p:tnLst>
+    <p:bldLst>
+      <p:bldP spid="12" grpId="0"/>
+    </p:bldLst>
+  </p:timing>
+</p:sld>
+</file>
+
+<file path=ppt/slides/slide16.xml><?xml version="1.0" encoding="utf-8"?>
+<p:sld xmlns:a="http://schemas.openxmlformats.org/drawingml/2006/main" xmlns:r="http://schemas.openxmlformats.org/officeDocument/2006/relationships" xmlns:p="http://schemas.openxmlformats.org/presentationml/2006/main">
+  <p:cSld>
+    <p:bg>
+      <p:bgPr>
+        <a:solidFill>
+          <a:schemeClr val="bg1"/>
+        </a:solidFill>
+        <a:effectLst/>
+      </p:bgPr>
+    </p:bg>
+    <p:spTree>
+      <p:nvGrpSpPr>
+        <p:cNvPr id="1" name=""/>
+        <p:cNvGrpSpPr/>
+        <p:nvPr/>
+      </p:nvGrpSpPr>
+      <p:grpSpPr>
+        <a:xfrm>
+          <a:off x="0" y="0"/>
+          <a:ext cx="0" cy="0"/>
+          <a:chOff x="0" y="0"/>
+          <a:chExt cx="0" cy="0"/>
+        </a:xfrm>
+      </p:grpSpPr>
+      <p:pic>
+        <p:nvPicPr>
+          <p:cNvPr id="4" name="Picture 3"/>
+          <p:cNvPicPr>
+            <a:picLocks noChangeAspect="1"/>
+          </p:cNvPicPr>
+          <p:nvPr/>
+        </p:nvPicPr>
+        <p:blipFill>
+          <a:blip r:embed="rId2">
+            <a:extLst>
+              <a:ext uri="{28A0092B-C50C-407E-A947-70E740481C1C}">
+                <a14:useLocalDpi xmlns:a14="http://schemas.microsoft.com/office/drawing/2010/main" val="0"/>
+              </a:ext>
+            </a:extLst>
+          </a:blip>
+          <a:stretch>
+            <a:fillRect/>
+          </a:stretch>
+        </p:blipFill>
+        <p:spPr>
+          <a:xfrm>
+            <a:off x="0" y="0"/>
+            <a:ext cx="12195961" cy="1106905"/>
+          </a:xfrm>
+          <a:prstGeom prst="rect">
+            <a:avLst/>
+          </a:prstGeom>
+          <a:solidFill>
+            <a:srgbClr val="2FC81A"/>
+          </a:solidFill>
+          <a:ln>
+            <a:noFill/>
+          </a:ln>
+        </p:spPr>
+      </p:pic>
+      <p:sp>
+        <p:nvSpPr>
+          <p:cNvPr id="5" name="Rectangle 4"/>
+          <p:cNvSpPr/>
+          <p:nvPr/>
+        </p:nvSpPr>
+        <p:spPr>
+          <a:xfrm>
+            <a:off x="691990" y="3120007"/>
+            <a:ext cx="4989123" cy="400110"/>
+          </a:xfrm>
+          <a:prstGeom prst="rect">
+            <a:avLst/>
+          </a:prstGeom>
+        </p:spPr>
+        <p:txBody>
+          <a:bodyPr wrap="none">
+            <a:spAutoFit/>
+          </a:bodyPr>
+          <a:lstStyle/>
+          <a:p>
+            <a:r>
+              <a:rPr lang="en-US" sz="2000" dirty="0" smtClean="0">
+                <a:solidFill>
+                  <a:srgbClr val="00ABEC"/>
+                </a:solidFill>
+                <a:latin typeface="Segoe UI" panose="020B0502040204020203" pitchFamily="34" charset="0"/>
+                <a:cs typeface="Segoe UI" panose="020B0502040204020203" pitchFamily="34" charset="0"/>
+              </a:rPr>
+              <a:t>event-driven</a:t>
+            </a:r>
+            <a:r>
+              <a:rPr lang="en-US" sz="2000" dirty="0" smtClean="0">
+                <a:solidFill>
+                  <a:srgbClr val="333333"/>
+                </a:solidFill>
+                <a:latin typeface="Segoe UI" panose="020B0502040204020203" pitchFamily="34" charset="0"/>
+                <a:cs typeface="Segoe UI" panose="020B0502040204020203" pitchFamily="34" charset="0"/>
+              </a:rPr>
+              <a:t>        </a:t>
+            </a:r>
+            <a:r>
+              <a:rPr lang="en-US" sz="2000" dirty="0" smtClean="0">
+                <a:solidFill>
+                  <a:srgbClr val="00ABEC"/>
+                </a:solidFill>
+                <a:latin typeface="Segoe UI" panose="020B0502040204020203" pitchFamily="34" charset="0"/>
+                <a:cs typeface="Segoe UI" panose="020B0502040204020203" pitchFamily="34" charset="0"/>
+              </a:rPr>
+              <a:t>non-blocking </a:t>
+            </a:r>
+            <a:r>
+              <a:rPr lang="en-US" sz="2000" dirty="0">
+                <a:solidFill>
+                  <a:srgbClr val="00ABEC"/>
+                </a:solidFill>
+                <a:latin typeface="Segoe UI" panose="020B0502040204020203" pitchFamily="34" charset="0"/>
+                <a:cs typeface="Segoe UI" panose="020B0502040204020203" pitchFamily="34" charset="0"/>
+              </a:rPr>
+              <a:t>I/O model </a:t>
+            </a:r>
+            <a:endParaRPr lang="en-US" sz="2000" dirty="0"/>
+          </a:p>
+        </p:txBody>
+      </p:sp>
+      <p:pic>
+        <p:nvPicPr>
+          <p:cNvPr id="22" name="Picture 21"/>
+          <p:cNvPicPr>
+            <a:picLocks noChangeAspect="1"/>
+          </p:cNvPicPr>
+          <p:nvPr/>
+        </p:nvPicPr>
+        <p:blipFill>
+          <a:blip r:embed="rId3" cstate="print">
+            <a:extLst>
+              <a:ext uri="{28A0092B-C50C-407E-A947-70E740481C1C}">
+                <a14:useLocalDpi xmlns:a14="http://schemas.microsoft.com/office/drawing/2010/main" val="0"/>
+              </a:ext>
+            </a:extLst>
+          </a:blip>
+          <a:stretch>
+            <a:fillRect/>
+          </a:stretch>
+        </p:blipFill>
+        <p:spPr>
+          <a:xfrm>
+            <a:off x="748137" y="1568275"/>
+            <a:ext cx="4989218" cy="1347217"/>
+          </a:xfrm>
+          <a:prstGeom prst="rect">
+            <a:avLst/>
+          </a:prstGeom>
+        </p:spPr>
+      </p:pic>
+      <p:cxnSp>
+        <p:nvCxnSpPr>
+          <p:cNvPr id="9" name="Straight Arrow Connector 8"/>
+          <p:cNvCxnSpPr/>
+          <p:nvPr/>
+        </p:nvCxnSpPr>
+        <p:spPr>
+          <a:xfrm>
+            <a:off x="1435768" y="3520117"/>
+            <a:ext cx="0" cy="1637420"/>
+          </a:xfrm>
+          <a:prstGeom prst="straightConnector1">
+            <a:avLst/>
+          </a:prstGeom>
+          <a:ln w="38100">
+            <a:tailEnd type="triangle"/>
+          </a:ln>
+        </p:spPr>
+        <p:style>
+          <a:lnRef idx="1">
+            <a:schemeClr val="accent1"/>
+          </a:lnRef>
+          <a:fillRef idx="0">
+            <a:schemeClr val="accent1"/>
+          </a:fillRef>
+          <a:effectRef idx="0">
+            <a:schemeClr val="accent1"/>
+          </a:effectRef>
+          <a:fontRef idx="minor">
+            <a:schemeClr val="tx1"/>
+          </a:fontRef>
+        </p:style>
+      </p:cxnSp>
+      <p:cxnSp>
+        <p:nvCxnSpPr>
+          <p:cNvPr id="26" name="Straight Arrow Connector 25"/>
+          <p:cNvCxnSpPr/>
+          <p:nvPr/>
+        </p:nvCxnSpPr>
+        <p:spPr>
+          <a:xfrm>
+            <a:off x="4170947" y="3520117"/>
+            <a:ext cx="0" cy="1637420"/>
+          </a:xfrm>
+          <a:prstGeom prst="straightConnector1">
+            <a:avLst/>
+          </a:prstGeom>
+          <a:ln w="38100">
+            <a:tailEnd type="triangle"/>
+          </a:ln>
+        </p:spPr>
+        <p:style>
+          <a:lnRef idx="1">
+            <a:schemeClr val="accent1"/>
+          </a:lnRef>
+          <a:fillRef idx="0">
+            <a:schemeClr val="accent1"/>
+          </a:fillRef>
+          <a:effectRef idx="0">
+            <a:schemeClr val="accent1"/>
+          </a:effectRef>
+          <a:fontRef idx="minor">
+            <a:schemeClr val="tx1"/>
+          </a:fontRef>
+        </p:style>
+      </p:cxnSp>
+      <p:sp>
+        <p:nvSpPr>
+          <p:cNvPr id="12" name="TextBox 11"/>
+          <p:cNvSpPr txBox="1"/>
+          <p:nvPr/>
+        </p:nvSpPr>
+        <p:spPr>
+          <a:xfrm>
+            <a:off x="900537" y="5339043"/>
+            <a:ext cx="1995063" cy="369332"/>
+          </a:xfrm>
+          <a:prstGeom prst="rect">
+            <a:avLst/>
+          </a:prstGeom>
+          <a:noFill/>
+        </p:spPr>
+        <p:txBody>
+          <a:bodyPr wrap="square" rtlCol="0">
+            <a:spAutoFit/>
+          </a:bodyPr>
+          <a:lstStyle/>
+          <a:p>
+            <a:r>
+              <a:rPr lang="en-US" dirty="0" smtClean="0"/>
+              <a:t>Event Loop</a:t>
+            </a:r>
+            <a:endParaRPr lang="en-US" dirty="0"/>
+          </a:p>
+        </p:txBody>
+      </p:sp>
+      <p:sp>
+        <p:nvSpPr>
+          <p:cNvPr id="28" name="TextBox 27"/>
+          <p:cNvSpPr txBox="1"/>
+          <p:nvPr/>
+        </p:nvSpPr>
+        <p:spPr>
+          <a:xfrm>
+            <a:off x="3611653" y="5348553"/>
+            <a:ext cx="5317743" cy="646331"/>
+          </a:xfrm>
+          <a:prstGeom prst="rect">
+            <a:avLst/>
+          </a:prstGeom>
+          <a:noFill/>
+        </p:spPr>
+        <p:txBody>
+          <a:bodyPr wrap="square" rtlCol="0">
+            <a:spAutoFit/>
+          </a:bodyPr>
+          <a:lstStyle/>
+          <a:p>
+            <a:r>
+              <a:rPr lang="en-US" dirty="0" smtClean="0">
+                <a:latin typeface="Consolas" panose="020B0609020204030204" pitchFamily="49" charset="0"/>
+              </a:rPr>
+              <a:t>Non-blocking</a:t>
+            </a:r>
+          </a:p>
+          <a:p>
+            <a:r>
+              <a:rPr lang="en-US" dirty="0" err="1" smtClean="0">
+                <a:latin typeface="Consolas" panose="020B0609020204030204" pitchFamily="49" charset="0"/>
+              </a:rPr>
+              <a:t>epoll</a:t>
+            </a:r>
+            <a:r>
+              <a:rPr lang="en-US" dirty="0" smtClean="0">
+                <a:latin typeface="Consolas" panose="020B0609020204030204" pitchFamily="49" charset="0"/>
+              </a:rPr>
+              <a:t> </a:t>
+            </a:r>
+            <a:r>
+              <a:rPr lang="en-US" dirty="0" smtClean="0"/>
+              <a:t>on Linux, </a:t>
+            </a:r>
+            <a:r>
+              <a:rPr lang="en-US" dirty="0" smtClean="0">
+                <a:latin typeface="Consolas" panose="020B0609020204030204" pitchFamily="49" charset="0"/>
+              </a:rPr>
+              <a:t>IOCP</a:t>
+            </a:r>
+            <a:r>
+              <a:rPr lang="en-US" dirty="0" smtClean="0"/>
+              <a:t> on Windows</a:t>
+            </a:r>
+            <a:endParaRPr lang="en-US" dirty="0"/>
+          </a:p>
+        </p:txBody>
+      </p:sp>
+    </p:spTree>
+    <p:extLst>
+      <p:ext uri="{BB962C8B-B14F-4D97-AF65-F5344CB8AC3E}">
+        <p14:creationId xmlns:p14="http://schemas.microsoft.com/office/powerpoint/2010/main" val="1395836793"/>
+      </p:ext>
+    </p:extLst>
+  </p:cSld>
+  <p:clrMapOvr>
+    <a:masterClrMapping/>
+  </p:clrMapOvr>
+  <p:timing>
+    <p:tnLst>
+      <p:par>
+        <p:cTn id="1" dur="indefinite" restart="never" nodeType="tmRoot"/>
+      </p:par>
+    </p:tnLst>
+  </p:timing>
+</p:sld>
+</file>
+
+<file path=ppt/slides/slide17.xml><?xml version="1.0" encoding="utf-8"?>
 <p:sld xmlns:a="http://schemas.openxmlformats.org/drawingml/2006/main" xmlns:r="http://schemas.openxmlformats.org/officeDocument/2006/relationships" xmlns:p="http://schemas.openxmlformats.org/presentationml/2006/main">
   <p:cSld>
     <p:bg>
@@ -25494,7 +26810,7 @@
 </p:sld>
 </file>
 
-<file path=ppt/slides/slide15.xml><?xml version="1.0" encoding="utf-8"?>
+<file path=ppt/slides/slide18.xml><?xml version="1.0" encoding="utf-8"?>
 <p:sld xmlns:a="http://schemas.openxmlformats.org/drawingml/2006/main" xmlns:r="http://schemas.openxmlformats.org/officeDocument/2006/relationships" xmlns:p="http://schemas.openxmlformats.org/presentationml/2006/main">
   <p:cSld>
     <p:bg>
@@ -25932,7 +27248,7 @@
 </p:sld>
 </file>
 
-<file path=ppt/slides/slide16.xml><?xml version="1.0" encoding="utf-8"?>
+<file path=ppt/slides/slide19.xml><?xml version="1.0" encoding="utf-8"?>
 <p:sld xmlns:a="http://schemas.openxmlformats.org/drawingml/2006/main" xmlns:r="http://schemas.openxmlformats.org/officeDocument/2006/relationships" xmlns:p="http://schemas.openxmlformats.org/presentationml/2006/main">
   <p:cSld>
     <p:bg>
@@ -26085,406 +27401,8 @@
 </p:sld>
 </file>
 
-<file path=ppt/slides/slide17.xml><?xml version="1.0" encoding="utf-8"?>
-<p:sld xmlns:a="http://schemas.openxmlformats.org/drawingml/2006/main" xmlns:r="http://schemas.openxmlformats.org/officeDocument/2006/relationships" xmlns:p="http://schemas.openxmlformats.org/presentationml/2006/main">
-  <p:cSld>
-    <p:spTree>
-      <p:nvGrpSpPr>
-        <p:cNvPr id="1" name=""/>
-        <p:cNvGrpSpPr/>
-        <p:nvPr/>
-      </p:nvGrpSpPr>
-      <p:grpSpPr>
-        <a:xfrm>
-          <a:off x="0" y="0"/>
-          <a:ext cx="0" cy="0"/>
-          <a:chOff x="0" y="0"/>
-          <a:chExt cx="0" cy="0"/>
-        </a:xfrm>
-      </p:grpSpPr>
-      <p:pic>
-        <p:nvPicPr>
-          <p:cNvPr id="4" name="Picture 3"/>
-          <p:cNvPicPr>
-            <a:picLocks noChangeAspect="1"/>
-          </p:cNvPicPr>
-          <p:nvPr/>
-        </p:nvPicPr>
-        <p:blipFill>
-          <a:blip r:embed="rId2">
-            <a:extLst>
-              <a:ext uri="{28A0092B-C50C-407E-A947-70E740481C1C}">
-                <a14:useLocalDpi xmlns:a14="http://schemas.microsoft.com/office/drawing/2010/main" val="0"/>
-              </a:ext>
-            </a:extLst>
-          </a:blip>
-          <a:stretch>
-            <a:fillRect/>
-          </a:stretch>
-        </p:blipFill>
-        <p:spPr>
-          <a:xfrm>
-            <a:off x="0" y="0"/>
-            <a:ext cx="12195961" cy="1106905"/>
-          </a:xfrm>
-          <a:prstGeom prst="rect">
-            <a:avLst/>
-          </a:prstGeom>
-        </p:spPr>
-      </p:pic>
-      <p:sp>
-        <p:nvSpPr>
-          <p:cNvPr id="2" name="Rectangle 1"/>
-          <p:cNvSpPr/>
-          <p:nvPr/>
-        </p:nvSpPr>
-        <p:spPr>
-          <a:xfrm>
-            <a:off x="711200" y="2005737"/>
-            <a:ext cx="10871200" cy="4154984"/>
-          </a:xfrm>
-          <a:prstGeom prst="rect">
-            <a:avLst/>
-          </a:prstGeom>
-        </p:spPr>
-        <p:txBody>
-          <a:bodyPr wrap="square">
-            <a:spAutoFit/>
-          </a:bodyPr>
-          <a:lstStyle/>
-          <a:p>
-            <a:r>
-              <a:rPr lang="en-US" sz="2400" dirty="0">
-                <a:solidFill>
-                  <a:srgbClr val="333333"/>
-                </a:solidFill>
-                <a:latin typeface="Segoe UI" panose="020B0502040204020203" pitchFamily="34" charset="0"/>
-                <a:cs typeface="Segoe UI" panose="020B0502040204020203" pitchFamily="34" charset="0"/>
-              </a:rPr>
-              <a:t>Node.js originally used </a:t>
-            </a:r>
-            <a:r>
-              <a:rPr lang="en-US" sz="2400" b="1" dirty="0" err="1">
-                <a:solidFill>
-                  <a:srgbClr val="333333"/>
-                </a:solidFill>
-                <a:latin typeface="Segoe UI" panose="020B0502040204020203" pitchFamily="34" charset="0"/>
-                <a:cs typeface="Segoe UI" panose="020B0502040204020203" pitchFamily="34" charset="0"/>
-              </a:rPr>
-              <a:t>libev</a:t>
-            </a:r>
-            <a:endParaRPr lang="en-US" sz="2400" dirty="0">
-              <a:solidFill>
-                <a:srgbClr val="333333"/>
-              </a:solidFill>
-              <a:latin typeface="Segoe UI" panose="020B0502040204020203" pitchFamily="34" charset="0"/>
-              <a:cs typeface="Segoe UI" panose="020B0502040204020203" pitchFamily="34" charset="0"/>
-            </a:endParaRPr>
-          </a:p>
-          <a:p>
-            <a:pPr>
-              <a:buFont typeface="Arial" panose="020B0604020202020204" pitchFamily="34" charset="0"/>
-              <a:buChar char="•"/>
-            </a:pPr>
-            <a:endParaRPr lang="en-US" sz="2400" dirty="0" smtClean="0">
-              <a:solidFill>
-                <a:srgbClr val="333333"/>
-              </a:solidFill>
-              <a:latin typeface="Segoe UI" panose="020B0502040204020203" pitchFamily="34" charset="0"/>
-              <a:cs typeface="Segoe UI" panose="020B0502040204020203" pitchFamily="34" charset="0"/>
-            </a:endParaRPr>
-          </a:p>
-          <a:p>
-            <a:r>
-              <a:rPr lang="en-US" sz="2400" dirty="0" err="1" smtClean="0">
-                <a:solidFill>
-                  <a:srgbClr val="333333"/>
-                </a:solidFill>
-                <a:latin typeface="Segoe UI" panose="020B0502040204020203" pitchFamily="34" charset="0"/>
-                <a:cs typeface="Segoe UI" panose="020B0502040204020203" pitchFamily="34" charset="0"/>
-              </a:rPr>
-              <a:t>libev</a:t>
-            </a:r>
-            <a:r>
-              <a:rPr lang="en-US" sz="2400" dirty="0" smtClean="0">
-                <a:solidFill>
-                  <a:srgbClr val="333333"/>
-                </a:solidFill>
-                <a:latin typeface="Segoe UI" panose="020B0502040204020203" pitchFamily="34" charset="0"/>
-                <a:cs typeface="Segoe UI" panose="020B0502040204020203" pitchFamily="34" charset="0"/>
-              </a:rPr>
-              <a:t> </a:t>
-            </a:r>
-            <a:r>
-              <a:rPr lang="en-US" sz="2400" dirty="0">
-                <a:solidFill>
-                  <a:srgbClr val="333333"/>
-                </a:solidFill>
-                <a:latin typeface="Segoe UI" panose="020B0502040204020203" pitchFamily="34" charset="0"/>
-                <a:cs typeface="Segoe UI" panose="020B0502040204020203" pitchFamily="34" charset="0"/>
-              </a:rPr>
-              <a:t>relies on </a:t>
-            </a:r>
-            <a:r>
-              <a:rPr lang="en-US" sz="2400" dirty="0" err="1">
-                <a:solidFill>
-                  <a:srgbClr val="333333"/>
-                </a:solidFill>
-                <a:latin typeface="Segoe UI" panose="020B0502040204020203" pitchFamily="34" charset="0"/>
-                <a:cs typeface="Segoe UI" panose="020B0502040204020203" pitchFamily="34" charset="0"/>
-              </a:rPr>
-              <a:t>kqueue</a:t>
-            </a:r>
-            <a:r>
-              <a:rPr lang="en-US" sz="2400" dirty="0">
-                <a:solidFill>
-                  <a:srgbClr val="333333"/>
-                </a:solidFill>
-                <a:latin typeface="Segoe UI" panose="020B0502040204020203" pitchFamily="34" charset="0"/>
-                <a:cs typeface="Segoe UI" panose="020B0502040204020203" pitchFamily="34" charset="0"/>
-              </a:rPr>
-              <a:t> or (e)poll only supported by </a:t>
-            </a:r>
-            <a:r>
-              <a:rPr lang="en-US" sz="2400" dirty="0" err="1" smtClean="0">
-                <a:solidFill>
-                  <a:srgbClr val="333333"/>
-                </a:solidFill>
-                <a:latin typeface="Segoe UI" panose="020B0502040204020203" pitchFamily="34" charset="0"/>
-                <a:cs typeface="Segoe UI" panose="020B0502040204020203" pitchFamily="34" charset="0"/>
-              </a:rPr>
-              <a:t>UNIXes</a:t>
-            </a:r>
-            <a:endParaRPr lang="en-US" sz="2400" dirty="0" smtClean="0">
-              <a:solidFill>
-                <a:srgbClr val="333333"/>
-              </a:solidFill>
-              <a:latin typeface="Segoe UI" panose="020B0502040204020203" pitchFamily="34" charset="0"/>
-              <a:cs typeface="Segoe UI" panose="020B0502040204020203" pitchFamily="34" charset="0"/>
-            </a:endParaRPr>
-          </a:p>
-          <a:p>
-            <a:pPr>
-              <a:buFont typeface="Arial" panose="020B0604020202020204" pitchFamily="34" charset="0"/>
-              <a:buChar char="•"/>
-            </a:pPr>
-            <a:endParaRPr lang="en-US" sz="2400" dirty="0">
-              <a:solidFill>
-                <a:srgbClr val="333333"/>
-              </a:solidFill>
-              <a:latin typeface="Segoe UI" panose="020B0502040204020203" pitchFamily="34" charset="0"/>
-              <a:cs typeface="Segoe UI" panose="020B0502040204020203" pitchFamily="34" charset="0"/>
-            </a:endParaRPr>
-          </a:p>
-          <a:p>
-            <a:r>
-              <a:rPr lang="en-US" sz="2400" b="1" dirty="0" err="1">
-                <a:solidFill>
-                  <a:srgbClr val="333333"/>
-                </a:solidFill>
-                <a:latin typeface="Segoe UI" panose="020B0502040204020203" pitchFamily="34" charset="0"/>
-                <a:cs typeface="Segoe UI" panose="020B0502040204020203" pitchFamily="34" charset="0"/>
-              </a:rPr>
-              <a:t>libuv</a:t>
-            </a:r>
-            <a:r>
-              <a:rPr lang="en-US" sz="2400" dirty="0">
-                <a:solidFill>
-                  <a:srgbClr val="333333"/>
-                </a:solidFill>
-                <a:latin typeface="Segoe UI" panose="020B0502040204020203" pitchFamily="34" charset="0"/>
-                <a:cs typeface="Segoe UI" panose="020B0502040204020203" pitchFamily="34" charset="0"/>
-              </a:rPr>
-              <a:t> started as abstraction</a:t>
-            </a:r>
-          </a:p>
-          <a:p>
-            <a:pPr marL="742950" lvl="1" indent="-285750">
-              <a:buFont typeface="Arial" panose="020B0604020202020204" pitchFamily="34" charset="0"/>
-              <a:buChar char="•"/>
-            </a:pPr>
-            <a:r>
-              <a:rPr lang="en-US" sz="2400" dirty="0" err="1">
-                <a:solidFill>
-                  <a:srgbClr val="333333"/>
-                </a:solidFill>
-                <a:latin typeface="Segoe UI" panose="020B0502040204020203" pitchFamily="34" charset="0"/>
-                <a:cs typeface="Segoe UI" panose="020B0502040204020203" pitchFamily="34" charset="0"/>
-              </a:rPr>
-              <a:t>libev</a:t>
-            </a:r>
-            <a:r>
-              <a:rPr lang="en-US" sz="2400" dirty="0">
-                <a:solidFill>
-                  <a:srgbClr val="333333"/>
-                </a:solidFill>
-                <a:latin typeface="Segoe UI" panose="020B0502040204020203" pitchFamily="34" charset="0"/>
-                <a:cs typeface="Segoe UI" panose="020B0502040204020203" pitchFamily="34" charset="0"/>
-              </a:rPr>
-              <a:t> for UNIX</a:t>
-            </a:r>
-          </a:p>
-          <a:p>
-            <a:pPr marL="742950" lvl="1" indent="-285750">
-              <a:buFont typeface="Arial" panose="020B0604020202020204" pitchFamily="34" charset="0"/>
-              <a:buChar char="•"/>
-            </a:pPr>
-            <a:r>
-              <a:rPr lang="en-US" sz="2400" dirty="0">
-                <a:solidFill>
-                  <a:srgbClr val="333333"/>
-                </a:solidFill>
-                <a:latin typeface="Segoe UI" panose="020B0502040204020203" pitchFamily="34" charset="0"/>
-                <a:cs typeface="Segoe UI" panose="020B0502040204020203" pitchFamily="34" charset="0"/>
-              </a:rPr>
-              <a:t>IOCP for </a:t>
-            </a:r>
-            <a:r>
-              <a:rPr lang="en-US" sz="2400" dirty="0" smtClean="0">
-                <a:solidFill>
-                  <a:srgbClr val="333333"/>
-                </a:solidFill>
-                <a:latin typeface="Segoe UI" panose="020B0502040204020203" pitchFamily="34" charset="0"/>
-                <a:cs typeface="Segoe UI" panose="020B0502040204020203" pitchFamily="34" charset="0"/>
-              </a:rPr>
-              <a:t>Windows</a:t>
-            </a:r>
-          </a:p>
-          <a:p>
-            <a:pPr marL="742950" lvl="1" indent="-285750">
-              <a:buFont typeface="Arial" panose="020B0604020202020204" pitchFamily="34" charset="0"/>
-              <a:buChar char="•"/>
-            </a:pPr>
-            <a:endParaRPr lang="en-US" sz="2400" b="0" i="0" dirty="0">
-              <a:solidFill>
-                <a:srgbClr val="333333"/>
-              </a:solidFill>
-              <a:effectLst/>
-              <a:latin typeface="Segoe UI" panose="020B0502040204020203" pitchFamily="34" charset="0"/>
-              <a:cs typeface="Segoe UI" panose="020B0502040204020203" pitchFamily="34" charset="0"/>
-            </a:endParaRPr>
-          </a:p>
-          <a:p>
-            <a:pPr lvl="1"/>
-            <a:r>
-              <a:rPr lang="en-US" sz="2400" dirty="0">
-                <a:solidFill>
-                  <a:srgbClr val="333333"/>
-                </a:solidFill>
-                <a:latin typeface="Segoe UI" panose="020B0502040204020203" pitchFamily="34" charset="0"/>
-                <a:cs typeface="Segoe UI" panose="020B0502040204020203" pitchFamily="34" charset="0"/>
-                <a:hlinkClick r:id="rId3"/>
-              </a:rPr>
-              <a:t>h</a:t>
-            </a:r>
-            <a:r>
-              <a:rPr lang="en-US" sz="2400" dirty="0" smtClean="0">
-                <a:solidFill>
-                  <a:srgbClr val="333333"/>
-                </a:solidFill>
-                <a:latin typeface="Segoe UI" panose="020B0502040204020203" pitchFamily="34" charset="0"/>
-                <a:cs typeface="Segoe UI" panose="020B0502040204020203" pitchFamily="34" charset="0"/>
-                <a:hlinkClick r:id="rId3"/>
-              </a:rPr>
-              <a:t>ttp</a:t>
-            </a:r>
-            <a:r>
-              <a:rPr lang="en-US" sz="2400" dirty="0">
-                <a:solidFill>
-                  <a:srgbClr val="333333"/>
-                </a:solidFill>
-                <a:latin typeface="Segoe UI" panose="020B0502040204020203" pitchFamily="34" charset="0"/>
-                <a:cs typeface="Segoe UI" panose="020B0502040204020203" pitchFamily="34" charset="0"/>
-                <a:hlinkClick r:id="rId3"/>
-              </a:rPr>
-              <a:t>://</a:t>
-            </a:r>
-            <a:r>
-              <a:rPr lang="en-US" sz="2400" dirty="0" smtClean="0">
-                <a:solidFill>
-                  <a:srgbClr val="333333"/>
-                </a:solidFill>
-                <a:latin typeface="Segoe UI" panose="020B0502040204020203" pitchFamily="34" charset="0"/>
-                <a:cs typeface="Segoe UI" panose="020B0502040204020203" pitchFamily="34" charset="0"/>
-                <a:hlinkClick r:id="rId3"/>
-              </a:rPr>
-              <a:t>thlorenz.com/learnuv/book/what_is_libuv/what_is_libuv_0.html</a:t>
-            </a:r>
-            <a:endParaRPr lang="en-US" sz="2400" dirty="0" smtClean="0">
-              <a:solidFill>
-                <a:srgbClr val="333333"/>
-              </a:solidFill>
-              <a:latin typeface="Segoe UI" panose="020B0502040204020203" pitchFamily="34" charset="0"/>
-              <a:cs typeface="Segoe UI" panose="020B0502040204020203" pitchFamily="34" charset="0"/>
-            </a:endParaRPr>
-          </a:p>
-          <a:p>
-            <a:pPr lvl="1"/>
-            <a:r>
-              <a:rPr lang="en-US" sz="2400" dirty="0">
-                <a:solidFill>
-                  <a:srgbClr val="333333"/>
-                </a:solidFill>
-                <a:latin typeface="Segoe UI" panose="020B0502040204020203" pitchFamily="34" charset="0"/>
-                <a:cs typeface="Segoe UI" panose="020B0502040204020203" pitchFamily="34" charset="0"/>
-                <a:hlinkClick r:id="rId4"/>
-              </a:rPr>
-              <a:t>https://</a:t>
-            </a:r>
-            <a:r>
-              <a:rPr lang="en-US" sz="2400" dirty="0" smtClean="0">
-                <a:solidFill>
-                  <a:srgbClr val="333333"/>
-                </a:solidFill>
-                <a:latin typeface="Segoe UI" panose="020B0502040204020203" pitchFamily="34" charset="0"/>
-                <a:cs typeface="Segoe UI" panose="020B0502040204020203" pitchFamily="34" charset="0"/>
-                <a:hlinkClick r:id="rId4"/>
-              </a:rPr>
-              <a:t>www.youtube.com/watch?v=nGn60vDSxQ4</a:t>
-            </a:r>
-            <a:endParaRPr lang="en-US" sz="2400" dirty="0" smtClean="0">
-              <a:solidFill>
-                <a:srgbClr val="333333"/>
-              </a:solidFill>
-              <a:latin typeface="Segoe UI" panose="020B0502040204020203" pitchFamily="34" charset="0"/>
-              <a:cs typeface="Segoe UI" panose="020B0502040204020203" pitchFamily="34" charset="0"/>
-            </a:endParaRPr>
-          </a:p>
-          <a:p>
-            <a:pPr lvl="1"/>
-            <a:endParaRPr lang="en-US" sz="2400" b="0" i="0" dirty="0">
-              <a:solidFill>
-                <a:srgbClr val="333333"/>
-              </a:solidFill>
-              <a:effectLst/>
-              <a:latin typeface="Segoe UI" panose="020B0502040204020203" pitchFamily="34" charset="0"/>
-              <a:cs typeface="Segoe UI" panose="020B0502040204020203" pitchFamily="34" charset="0"/>
-            </a:endParaRPr>
-          </a:p>
-        </p:txBody>
-      </p:sp>
-    </p:spTree>
-    <p:extLst>
-      <p:ext uri="{BB962C8B-B14F-4D97-AF65-F5344CB8AC3E}">
-        <p14:creationId xmlns:p14="http://schemas.microsoft.com/office/powerpoint/2010/main" val="2304743161"/>
-      </p:ext>
-    </p:extLst>
-  </p:cSld>
-  <p:clrMapOvr>
-    <a:masterClrMapping/>
-  </p:clrMapOvr>
-  <p:timing>
-    <p:tnLst>
-      <p:par>
-        <p:cTn id="1" dur="indefinite" restart="never" nodeType="tmRoot"/>
-      </p:par>
-    </p:tnLst>
-  </p:timing>
-</p:sld>
-</file>
-
-<file path=ppt/slides/slide18.xml><?xml version="1.0" encoding="utf-8"?>
-<p:sld xmlns:a="http://schemas.openxmlformats.org/drawingml/2006/main" xmlns:r="http://schemas.openxmlformats.org/officeDocument/2006/relationships" xmlns:p="http://schemas.openxmlformats.org/presentationml/2006/main">
+<file path=ppt/slides/slide2.xml><?xml version="1.0" encoding="utf-8"?>
+<p:sld xmlns:a="http://schemas.openxmlformats.org/drawingml/2006/main" xmlns:r="http://schemas.openxmlformats.org/officeDocument/2006/relationships" xmlns:p="http://schemas.openxmlformats.org/presentationml/2006/main" show="0">
   <p:cSld>
     <p:bg>
       <p:bgPr>
@@ -26540,891 +27458,409 @@
       </p:pic>
       <p:sp>
         <p:nvSpPr>
-          <p:cNvPr id="3" name="Rectangle 2"/>
+          <p:cNvPr id="8" name="Rectangle 7"/>
           <p:cNvSpPr/>
           <p:nvPr/>
         </p:nvSpPr>
         <p:spPr>
           <a:xfrm>
-            <a:off x="397068" y="1514901"/>
-            <a:ext cx="11203529" cy="4817663"/>
+            <a:off x="376238" y="1684491"/>
+            <a:ext cx="11137900" cy="3539430"/>
           </a:xfrm>
           <a:prstGeom prst="rect">
             <a:avLst/>
           </a:prstGeom>
-          <a:solidFill>
-            <a:schemeClr val="accent1">
-              <a:lumMod val="20000"/>
-              <a:lumOff val="80000"/>
-            </a:schemeClr>
-          </a:solidFill>
-        </p:spPr>
-        <p:style>
-          <a:lnRef idx="2">
-            <a:schemeClr val="accent1"/>
-          </a:lnRef>
-          <a:fillRef idx="1">
-            <a:schemeClr val="lt1"/>
-          </a:fillRef>
-          <a:effectRef idx="0">
-            <a:schemeClr val="accent1"/>
-          </a:effectRef>
-          <a:fontRef idx="minor">
-            <a:schemeClr val="dk1"/>
-          </a:fontRef>
-        </p:style>
-        <p:txBody>
-          <a:bodyPr rtlCol="0" anchor="ctr"/>
-          <a:lstStyle/>
-          <a:p>
-            <a:pPr algn="ctr"/>
-            <a:endParaRPr lang="en-US"/>
-          </a:p>
-        </p:txBody>
-      </p:sp>
-      <p:sp>
-        <p:nvSpPr>
-          <p:cNvPr id="5" name="Rectangle 4"/>
-          <p:cNvSpPr/>
-          <p:nvPr/>
-        </p:nvSpPr>
-        <p:spPr>
-          <a:xfrm>
-            <a:off x="696034" y="2456602"/>
-            <a:ext cx="7537236" cy="1473958"/>
-          </a:xfrm>
-          <a:prstGeom prst="rect">
-            <a:avLst/>
-          </a:prstGeom>
-          <a:solidFill>
-            <a:srgbClr val="00B0F0"/>
-          </a:solidFill>
-          <a:ln>
-            <a:noFill/>
-          </a:ln>
-        </p:spPr>
-        <p:style>
-          <a:lnRef idx="2">
-            <a:schemeClr val="accent3">
-              <a:shade val="50000"/>
-            </a:schemeClr>
-          </a:lnRef>
-          <a:fillRef idx="1">
-            <a:schemeClr val="accent3"/>
-          </a:fillRef>
-          <a:effectRef idx="0">
-            <a:schemeClr val="accent3"/>
-          </a:effectRef>
-          <a:fontRef idx="minor">
-            <a:schemeClr val="lt1"/>
-          </a:fontRef>
-        </p:style>
-        <p:txBody>
-          <a:bodyPr rtlCol="0" anchor="ctr"/>
-          <a:lstStyle/>
-          <a:p>
-            <a:pPr algn="ctr"/>
-            <a:endParaRPr lang="en-US"/>
-          </a:p>
-        </p:txBody>
-      </p:sp>
-      <p:sp>
-        <p:nvSpPr>
-          <p:cNvPr id="6" name="Rectangle 5"/>
-          <p:cNvSpPr/>
-          <p:nvPr/>
-        </p:nvSpPr>
-        <p:spPr>
-          <a:xfrm>
-            <a:off x="8705851" y="2456602"/>
-            <a:ext cx="1120876" cy="1473958"/>
-          </a:xfrm>
-          <a:prstGeom prst="rect">
-            <a:avLst/>
-          </a:prstGeom>
-          <a:solidFill>
-            <a:srgbClr val="00B0F0"/>
-          </a:solidFill>
-          <a:ln>
-            <a:noFill/>
-          </a:ln>
-        </p:spPr>
-        <p:style>
-          <a:lnRef idx="2">
-            <a:schemeClr val="accent3">
-              <a:shade val="50000"/>
-            </a:schemeClr>
-          </a:lnRef>
-          <a:fillRef idx="1">
-            <a:schemeClr val="accent3"/>
-          </a:fillRef>
-          <a:effectRef idx="0">
-            <a:schemeClr val="accent3"/>
-          </a:effectRef>
-          <a:fontRef idx="minor">
-            <a:schemeClr val="lt1"/>
-          </a:fontRef>
-        </p:style>
-        <p:txBody>
-          <a:bodyPr rtlCol="0" anchor="ctr"/>
-          <a:lstStyle/>
-          <a:p>
-            <a:pPr algn="ctr"/>
-            <a:r>
-              <a:rPr lang="en-US" dirty="0" smtClean="0"/>
-              <a:t>File I/O</a:t>
-            </a:r>
-            <a:endParaRPr lang="en-US" dirty="0"/>
-          </a:p>
-        </p:txBody>
-      </p:sp>
-      <p:sp>
-        <p:nvSpPr>
-          <p:cNvPr id="7" name="Rectangle 6"/>
-          <p:cNvSpPr/>
-          <p:nvPr/>
-        </p:nvSpPr>
-        <p:spPr>
-          <a:xfrm>
-            <a:off x="10259549" y="2456602"/>
-            <a:ext cx="1018592" cy="1473958"/>
-          </a:xfrm>
-          <a:prstGeom prst="rect">
-            <a:avLst/>
-          </a:prstGeom>
-          <a:solidFill>
-            <a:srgbClr val="00B0F0"/>
-          </a:solidFill>
-          <a:ln>
-            <a:noFill/>
-          </a:ln>
-        </p:spPr>
-        <p:style>
-          <a:lnRef idx="2">
-            <a:schemeClr val="accent3">
-              <a:shade val="50000"/>
-            </a:schemeClr>
-          </a:lnRef>
-          <a:fillRef idx="1">
-            <a:schemeClr val="accent3"/>
-          </a:fillRef>
-          <a:effectRef idx="0">
-            <a:schemeClr val="accent3"/>
-          </a:effectRef>
-          <a:fontRef idx="minor">
-            <a:schemeClr val="lt1"/>
-          </a:fontRef>
-        </p:style>
-        <p:txBody>
-          <a:bodyPr rtlCol="0" anchor="ctr"/>
-          <a:lstStyle/>
-          <a:p>
-            <a:pPr algn="ctr"/>
-            <a:r>
-              <a:rPr lang="en-US" dirty="0" smtClean="0"/>
-              <a:t>DNS</a:t>
-            </a:r>
-            <a:endParaRPr lang="en-US" dirty="0"/>
-          </a:p>
-        </p:txBody>
-      </p:sp>
-      <p:sp>
-        <p:nvSpPr>
-          <p:cNvPr id="9" name="Rectangle 8"/>
-          <p:cNvSpPr/>
-          <p:nvPr/>
-        </p:nvSpPr>
-        <p:spPr>
-          <a:xfrm>
-            <a:off x="996286" y="3057103"/>
-            <a:ext cx="1364776" cy="723332"/>
-          </a:xfrm>
-          <a:prstGeom prst="rect">
-            <a:avLst/>
-          </a:prstGeom>
-          <a:solidFill>
-            <a:schemeClr val="bg1">
-              <a:lumMod val="95000"/>
-            </a:schemeClr>
-          </a:solidFill>
-          <a:ln>
-            <a:noFill/>
-          </a:ln>
-        </p:spPr>
-        <p:style>
-          <a:lnRef idx="2">
-            <a:schemeClr val="accent1">
-              <a:shade val="50000"/>
-            </a:schemeClr>
-          </a:lnRef>
-          <a:fillRef idx="1">
-            <a:schemeClr val="accent1"/>
-          </a:fillRef>
-          <a:effectRef idx="0">
-            <a:schemeClr val="accent1"/>
-          </a:effectRef>
-          <a:fontRef idx="minor">
-            <a:schemeClr val="lt1"/>
-          </a:fontRef>
-        </p:style>
-        <p:txBody>
-          <a:bodyPr rtlCol="0" anchor="ctr"/>
-          <a:lstStyle/>
-          <a:p>
-            <a:pPr algn="ctr"/>
-            <a:r>
-              <a:rPr lang="en-US" dirty="0" smtClean="0">
-                <a:solidFill>
-                  <a:schemeClr val="tx1"/>
-                </a:solidFill>
-              </a:rPr>
-              <a:t>TCP</a:t>
-            </a:r>
-            <a:endParaRPr lang="en-US" dirty="0">
-              <a:solidFill>
-                <a:schemeClr val="tx1"/>
-              </a:solidFill>
-            </a:endParaRPr>
-          </a:p>
-        </p:txBody>
-      </p:sp>
-      <p:sp>
-        <p:nvSpPr>
-          <p:cNvPr id="10" name="Rectangle 9"/>
-          <p:cNvSpPr/>
-          <p:nvPr/>
-        </p:nvSpPr>
-        <p:spPr>
-          <a:xfrm>
-            <a:off x="2716125" y="3057103"/>
-            <a:ext cx="1364776" cy="723332"/>
-          </a:xfrm>
-          <a:prstGeom prst="rect">
-            <a:avLst/>
-          </a:prstGeom>
-          <a:solidFill>
-            <a:schemeClr val="bg1">
-              <a:lumMod val="95000"/>
-            </a:schemeClr>
-          </a:solidFill>
-          <a:ln>
-            <a:noFill/>
-          </a:ln>
-        </p:spPr>
-        <p:style>
-          <a:lnRef idx="2">
-            <a:schemeClr val="accent1">
-              <a:shade val="50000"/>
-            </a:schemeClr>
-          </a:lnRef>
-          <a:fillRef idx="1">
-            <a:schemeClr val="accent1"/>
-          </a:fillRef>
-          <a:effectRef idx="0">
-            <a:schemeClr val="accent1"/>
-          </a:effectRef>
-          <a:fontRef idx="minor">
-            <a:schemeClr val="lt1"/>
-          </a:fontRef>
-        </p:style>
-        <p:txBody>
-          <a:bodyPr rtlCol="0" anchor="ctr"/>
-          <a:lstStyle/>
-          <a:p>
-            <a:pPr algn="ctr"/>
-            <a:r>
-              <a:rPr lang="en-US" dirty="0" smtClean="0">
-                <a:solidFill>
-                  <a:schemeClr val="tx1"/>
-                </a:solidFill>
-              </a:rPr>
-              <a:t>UDP</a:t>
-            </a:r>
-            <a:endParaRPr lang="en-US" dirty="0">
-              <a:solidFill>
-                <a:schemeClr val="tx1"/>
-              </a:solidFill>
-            </a:endParaRPr>
-          </a:p>
-        </p:txBody>
-      </p:sp>
-      <p:sp>
-        <p:nvSpPr>
-          <p:cNvPr id="11" name="Rectangle 10"/>
-          <p:cNvSpPr/>
-          <p:nvPr/>
-        </p:nvSpPr>
-        <p:spPr>
-          <a:xfrm>
-            <a:off x="4417619" y="3057103"/>
-            <a:ext cx="1364776" cy="723332"/>
-          </a:xfrm>
-          <a:prstGeom prst="rect">
-            <a:avLst/>
-          </a:prstGeom>
-          <a:solidFill>
-            <a:schemeClr val="bg1">
-              <a:lumMod val="95000"/>
-            </a:schemeClr>
-          </a:solidFill>
-          <a:ln>
-            <a:noFill/>
-          </a:ln>
-        </p:spPr>
-        <p:style>
-          <a:lnRef idx="2">
-            <a:schemeClr val="accent1">
-              <a:shade val="50000"/>
-            </a:schemeClr>
-          </a:lnRef>
-          <a:fillRef idx="1">
-            <a:schemeClr val="accent1"/>
-          </a:fillRef>
-          <a:effectRef idx="0">
-            <a:schemeClr val="accent1"/>
-          </a:effectRef>
-          <a:fontRef idx="minor">
-            <a:schemeClr val="lt1"/>
-          </a:fontRef>
-        </p:style>
-        <p:txBody>
-          <a:bodyPr rtlCol="0" anchor="ctr"/>
-          <a:lstStyle/>
-          <a:p>
-            <a:pPr algn="ctr"/>
-            <a:r>
-              <a:rPr lang="en-US" dirty="0" smtClean="0">
-                <a:solidFill>
-                  <a:schemeClr val="tx1"/>
-                </a:solidFill>
-              </a:rPr>
-              <a:t>Pipe</a:t>
-            </a:r>
-            <a:endParaRPr lang="en-US" dirty="0">
-              <a:solidFill>
-                <a:schemeClr val="tx1"/>
-              </a:solidFill>
-            </a:endParaRPr>
-          </a:p>
-        </p:txBody>
-      </p:sp>
-      <p:sp>
-        <p:nvSpPr>
-          <p:cNvPr id="12" name="TextBox 11"/>
-          <p:cNvSpPr txBox="1"/>
-          <p:nvPr/>
-        </p:nvSpPr>
-        <p:spPr>
-          <a:xfrm>
-            <a:off x="940850" y="2592658"/>
-            <a:ext cx="2840423" cy="369332"/>
-          </a:xfrm>
-          <a:prstGeom prst="rect">
-            <a:avLst/>
-          </a:prstGeom>
-          <a:noFill/>
         </p:spPr>
         <p:txBody>
-          <a:bodyPr wrap="square" rtlCol="0">
+          <a:bodyPr wrap="square">
             <a:spAutoFit/>
           </a:bodyPr>
           <a:lstStyle/>
           <a:p>
-            <a:r>
-              <a:rPr lang="en-US" dirty="0" smtClean="0">
+            <a:pPr marL="457200" indent="-457200">
+              <a:buFontTx/>
+              <a:buChar char="-"/>
+            </a:pPr>
+            <a:r>
+              <a:rPr lang="en-US" sz="1600" dirty="0" err="1" smtClean="0">
                 <a:solidFill>
-                  <a:schemeClr val="bg1"/>
+                  <a:srgbClr val="333333"/>
                 </a:solidFill>
+                <a:latin typeface="Source Sans Pro"/>
               </a:rPr>
-              <a:t>Network I/O</a:t>
-            </a:r>
-            <a:endParaRPr lang="en-US" dirty="0">
+              <a:t>Plaforma</a:t>
+            </a:r>
+            <a:r>
+              <a:rPr lang="en-US" sz="1600" dirty="0" smtClean="0">
+                <a:solidFill>
+                  <a:srgbClr val="333333"/>
+                </a:solidFill>
+                <a:latin typeface="Source Sans Pro"/>
+              </a:rPr>
+              <a:t> Azure App Services</a:t>
+            </a:r>
+            <a:endParaRPr lang="en-US" sz="1600" dirty="0">
               <a:solidFill>
-                <a:schemeClr val="bg1"/>
+                <a:prstClr val="black"/>
               </a:solidFill>
             </a:endParaRPr>
           </a:p>
-        </p:txBody>
-      </p:sp>
-      <p:sp>
-        <p:nvSpPr>
-          <p:cNvPr id="14" name="Rectangle 13"/>
-          <p:cNvSpPr/>
-          <p:nvPr/>
-        </p:nvSpPr>
-        <p:spPr>
-          <a:xfrm>
-            <a:off x="696033" y="4319521"/>
-            <a:ext cx="5860945" cy="552735"/>
-          </a:xfrm>
-          <a:prstGeom prst="rect">
-            <a:avLst/>
-          </a:prstGeom>
-          <a:solidFill>
-            <a:srgbClr val="00B050"/>
-          </a:solidFill>
-          <a:ln>
-            <a:noFill/>
-          </a:ln>
-        </p:spPr>
-        <p:style>
-          <a:lnRef idx="2">
-            <a:schemeClr val="accent3">
-              <a:shade val="50000"/>
-            </a:schemeClr>
-          </a:lnRef>
-          <a:fillRef idx="1">
-            <a:schemeClr val="accent3"/>
-          </a:fillRef>
-          <a:effectRef idx="0">
-            <a:schemeClr val="accent3"/>
-          </a:effectRef>
-          <a:fontRef idx="minor">
-            <a:schemeClr val="lt1"/>
-          </a:fontRef>
-        </p:style>
-        <p:txBody>
-          <a:bodyPr rtlCol="0" anchor="ctr"/>
-          <a:lstStyle/>
-          <a:p>
-            <a:pPr algn="ctr"/>
-            <a:r>
-              <a:rPr lang="en-US" dirty="0" err="1" smtClean="0">
+          <a:p>
+            <a:pPr marL="914400" lvl="1" indent="-457200">
+              <a:buFontTx/>
+              <a:buChar char="-"/>
+            </a:pPr>
+            <a:r>
+              <a:rPr lang="en-US" sz="1600" dirty="0" smtClean="0">
                 <a:solidFill>
-                  <a:schemeClr val="bg1"/>
+                  <a:srgbClr val="333333"/>
                 </a:solidFill>
-                <a:latin typeface="Consolas" panose="020B0609020204030204" pitchFamily="49" charset="0"/>
-                <a:cs typeface="Consolas" panose="020B0609020204030204" pitchFamily="49" charset="0"/>
+                <a:latin typeface="Source Sans Pro"/>
               </a:rPr>
-              <a:t>uv</a:t>
-            </a:r>
-            <a:r>
-              <a:rPr lang="en-US" dirty="0" smtClean="0">
+              <a:t>Ce </a:t>
+            </a:r>
+            <a:r>
+              <a:rPr lang="en-US" sz="1600" dirty="0" err="1" smtClean="0">
                 <a:solidFill>
-                  <a:schemeClr val="bg1"/>
+                  <a:srgbClr val="333333"/>
                 </a:solidFill>
-                <a:latin typeface="Consolas" panose="020B0609020204030204" pitchFamily="49" charset="0"/>
-                <a:cs typeface="Consolas" panose="020B0609020204030204" pitchFamily="49" charset="0"/>
+                <a:latin typeface="Source Sans Pro"/>
               </a:rPr>
-              <a:t>__</a:t>
-            </a:r>
-            <a:r>
-              <a:rPr lang="en-US" dirty="0" err="1" smtClean="0">
+              <a:t>este</a:t>
+            </a:r>
+            <a:r>
+              <a:rPr lang="en-US" sz="1600" dirty="0" smtClean="0">
                 <a:solidFill>
-                  <a:schemeClr val="bg1"/>
+                  <a:srgbClr val="333333"/>
                 </a:solidFill>
-                <a:latin typeface="Consolas" panose="020B0609020204030204" pitchFamily="49" charset="0"/>
-                <a:cs typeface="Consolas" panose="020B0609020204030204" pitchFamily="49" charset="0"/>
+                <a:latin typeface="Source Sans Pro"/>
               </a:rPr>
-              <a:t>io_t</a:t>
-            </a:r>
-            <a:r>
-              <a:rPr lang="en-US" dirty="0" smtClean="0">
+              <a:t> PaaS?</a:t>
+            </a:r>
+          </a:p>
+          <a:p>
+            <a:pPr marL="914400" lvl="1" indent="-457200">
+              <a:buFontTx/>
+              <a:buChar char="-"/>
+            </a:pPr>
+            <a:r>
+              <a:rPr lang="en-US" sz="1600" dirty="0" err="1" smtClean="0">
                 <a:solidFill>
-                  <a:schemeClr val="bg1"/>
+                  <a:srgbClr val="ED7D31">
+                    <a:lumMod val="75000"/>
+                  </a:srgbClr>
                 </a:solidFill>
-                <a:latin typeface="Consolas" panose="020B0609020204030204" pitchFamily="49" charset="0"/>
-                <a:cs typeface="Consolas" panose="020B0609020204030204" pitchFamily="49" charset="0"/>
+                <a:latin typeface="Source Sans Pro"/>
+              </a:rPr>
+              <a:t>WebDeploy</a:t>
+            </a:r>
+            <a:endParaRPr lang="en-US" sz="1600" dirty="0" smtClean="0">
+              <a:solidFill>
+                <a:srgbClr val="ED7D31">
+                  <a:lumMod val="75000"/>
+                </a:srgbClr>
+              </a:solidFill>
+              <a:latin typeface="Source Sans Pro"/>
+            </a:endParaRPr>
+          </a:p>
+          <a:p>
+            <a:pPr marL="914400" lvl="1" indent="-457200">
+              <a:buFontTx/>
+              <a:buChar char="-"/>
+            </a:pPr>
+            <a:r>
+              <a:rPr lang="en-US" sz="1600" dirty="0" smtClean="0">
+                <a:solidFill>
+                  <a:srgbClr val="333333"/>
+                </a:solidFill>
+                <a:latin typeface="Source Sans Pro"/>
+              </a:rPr>
+              <a:t>Deployment slots</a:t>
+            </a:r>
+          </a:p>
+          <a:p>
+            <a:pPr marL="914400" lvl="1" indent="-457200">
+              <a:buFontTx/>
+              <a:buChar char="-"/>
+            </a:pPr>
+            <a:r>
+              <a:rPr lang="en-US" sz="1600" dirty="0" smtClean="0">
+                <a:solidFill>
+                  <a:srgbClr val="333333"/>
+                </a:solidFill>
+                <a:latin typeface="Source Sans Pro"/>
+              </a:rPr>
+              <a:t>Continuous Integration</a:t>
+            </a:r>
+          </a:p>
+          <a:p>
+            <a:pPr marL="914400" lvl="1" indent="-457200">
+              <a:buFontTx/>
+              <a:buChar char="-"/>
+            </a:pPr>
+            <a:r>
+              <a:rPr lang="en-US" sz="1600" dirty="0" smtClean="0">
+                <a:solidFill>
+                  <a:srgbClr val="333333"/>
+                </a:solidFill>
+                <a:latin typeface="Source Sans Pro"/>
+              </a:rPr>
+              <a:t>Auto healing</a:t>
+            </a:r>
+          </a:p>
+          <a:p>
+            <a:pPr marL="914400" lvl="1" indent="-457200">
+              <a:buFontTx/>
+              <a:buChar char="-"/>
+            </a:pPr>
+            <a:r>
+              <a:rPr lang="en-US" sz="1600" dirty="0" smtClean="0">
+                <a:solidFill>
+                  <a:srgbClr val="333333"/>
+                </a:solidFill>
+                <a:latin typeface="Source Sans Pro"/>
+              </a:rPr>
+              <a:t>Scaling</a:t>
+            </a:r>
+          </a:p>
+          <a:p>
+            <a:pPr marL="914400" lvl="1" indent="-457200">
+              <a:buFontTx/>
+              <a:buChar char="-"/>
+            </a:pPr>
+            <a:r>
+              <a:rPr lang="en-US" sz="1600" dirty="0" smtClean="0">
+                <a:solidFill>
+                  <a:srgbClr val="333333"/>
+                </a:solidFill>
+                <a:latin typeface="Source Sans Pro"/>
+              </a:rPr>
+              <a:t>Traffic Manager</a:t>
+            </a:r>
+          </a:p>
+          <a:p>
+            <a:pPr marL="914400" lvl="1" indent="-457200">
+              <a:buFontTx/>
+              <a:buChar char="-"/>
+            </a:pPr>
+            <a:endParaRPr lang="en-US" sz="1600" dirty="0">
+              <a:solidFill>
+                <a:srgbClr val="333333"/>
+              </a:solidFill>
+              <a:latin typeface="Source Sans Pro"/>
+            </a:endParaRPr>
+          </a:p>
+          <a:p>
+            <a:pPr lvl="1"/>
+            <a:r>
+              <a:rPr lang="en-US" sz="1600" dirty="0" smtClean="0">
+                <a:solidFill>
+                  <a:srgbClr val="333333"/>
+                </a:solidFill>
+                <a:latin typeface="Source Sans Pro"/>
+              </a:rPr>
+              <a:t>NODE</a:t>
+            </a:r>
+          </a:p>
+          <a:p>
+            <a:pPr marL="742950" lvl="1" indent="-285750">
+              <a:buFontTx/>
+              <a:buChar char="-"/>
+            </a:pPr>
+            <a:r>
+              <a:rPr lang="en-US" sz="1600" dirty="0" smtClean="0">
+                <a:solidFill>
+                  <a:srgbClr val="333333"/>
+                </a:solidFill>
+                <a:latin typeface="Source Sans Pro"/>
+              </a:rPr>
+              <a:t>Ce </a:t>
+            </a:r>
+            <a:r>
+              <a:rPr lang="en-US" sz="1600" dirty="0" err="1" smtClean="0">
+                <a:solidFill>
+                  <a:srgbClr val="333333"/>
+                </a:solidFill>
+                <a:latin typeface="Source Sans Pro"/>
+              </a:rPr>
+              <a:t>este</a:t>
+            </a:r>
+            <a:r>
+              <a:rPr lang="en-US" sz="1600" dirty="0" smtClean="0">
+                <a:solidFill>
+                  <a:srgbClr val="333333"/>
+                </a:solidFill>
+                <a:latin typeface="Source Sans Pro"/>
+              </a:rPr>
+              <a:t>?</a:t>
+            </a:r>
+          </a:p>
+          <a:p>
+            <a:pPr marL="742950" lvl="1" indent="-285750">
+              <a:buFontTx/>
+              <a:buChar char="-"/>
+            </a:pPr>
+            <a:r>
+              <a:rPr lang="en-US" sz="1600" dirty="0" smtClean="0">
+                <a:solidFill>
+                  <a:srgbClr val="333333"/>
+                </a:solidFill>
+                <a:latin typeface="Source Sans Pro"/>
+              </a:rPr>
+              <a:t>De </a:t>
+            </a:r>
+            <a:r>
+              <a:rPr lang="en-US" sz="1600" dirty="0" err="1" smtClean="0">
+                <a:solidFill>
+                  <a:srgbClr val="333333"/>
+                </a:solidFill>
+                <a:latin typeface="Source Sans Pro"/>
+              </a:rPr>
+              <a:t>ce</a:t>
+            </a:r>
+            <a:r>
+              <a:rPr lang="en-US" sz="1600" dirty="0" smtClean="0">
+                <a:solidFill>
+                  <a:srgbClr val="333333"/>
+                </a:solidFill>
+                <a:latin typeface="Source Sans Pro"/>
+              </a:rPr>
+              <a:t>, </a:t>
+            </a:r>
+            <a:r>
+              <a:rPr lang="en-US" sz="1600" dirty="0" err="1" smtClean="0">
+                <a:solidFill>
+                  <a:srgbClr val="333333"/>
+                </a:solidFill>
+                <a:latin typeface="Source Sans Pro"/>
+              </a:rPr>
+              <a:t>pentru</a:t>
+            </a:r>
+            <a:r>
+              <a:rPr lang="en-US" sz="1600" dirty="0" smtClean="0">
+                <a:solidFill>
+                  <a:srgbClr val="333333"/>
+                </a:solidFill>
+                <a:latin typeface="Source Sans Pro"/>
               </a:rPr>
               <a:t> </a:t>
             </a:r>
             <a:r>
-              <a:rPr lang="en-US" dirty="0" err="1" smtClean="0">
+              <a:rPr lang="en-US" sz="1600" dirty="0" err="1" smtClean="0">
                 <a:solidFill>
-                  <a:schemeClr val="bg1"/>
+                  <a:srgbClr val="333333"/>
                 </a:solidFill>
-                <a:latin typeface="Consolas" panose="020B0609020204030204" pitchFamily="49" charset="0"/>
-                <a:cs typeface="Consolas" panose="020B0609020204030204" pitchFamily="49" charset="0"/>
+                <a:latin typeface="Source Sans Pro"/>
               </a:rPr>
-              <a:t>io_watcher</a:t>
-            </a:r>
-            <a:r>
-              <a:rPr lang="en-US" dirty="0" smtClean="0">
+              <a:t>ce</a:t>
+            </a:r>
+            <a:r>
+              <a:rPr lang="en-US" sz="1600" dirty="0" smtClean="0">
                 <a:solidFill>
-                  <a:schemeClr val="bg1"/>
+                  <a:srgbClr val="333333"/>
                 </a:solidFill>
-                <a:latin typeface="Consolas" panose="020B0609020204030204" pitchFamily="49" charset="0"/>
-                <a:cs typeface="Consolas" panose="020B0609020204030204" pitchFamily="49" charset="0"/>
+                <a:latin typeface="Source Sans Pro"/>
               </a:rPr>
-              <a:t>;</a:t>
-            </a:r>
-            <a:endParaRPr lang="en-US" dirty="0">
+              <a:t>?</a:t>
+            </a:r>
+          </a:p>
+          <a:p>
+            <a:pPr marL="742950" lvl="1" indent="-285750">
+              <a:buFontTx/>
+              <a:buChar char="-"/>
+            </a:pPr>
+            <a:r>
+              <a:rPr lang="en-US" sz="1600" dirty="0" smtClean="0">
+                <a:solidFill>
+                  <a:srgbClr val="333333"/>
+                </a:solidFill>
+                <a:latin typeface="Source Sans Pro"/>
+              </a:rPr>
+              <a:t>Cross-platform – </a:t>
+            </a:r>
+            <a:r>
+              <a:rPr lang="en-US" sz="1600" dirty="0" err="1" smtClean="0">
+                <a:solidFill>
+                  <a:srgbClr val="333333"/>
+                </a:solidFill>
+                <a:latin typeface="Source Sans Pro"/>
+              </a:rPr>
+              <a:t>diferenta</a:t>
+            </a:r>
+            <a:r>
+              <a:rPr lang="en-US" sz="1600" dirty="0" smtClean="0">
+                <a:solidFill>
+                  <a:srgbClr val="333333"/>
+                </a:solidFill>
+                <a:latin typeface="Source Sans Pro"/>
+              </a:rPr>
+              <a:t> </a:t>
+            </a:r>
+            <a:r>
+              <a:rPr lang="en-US" sz="1600" dirty="0" err="1" smtClean="0">
+                <a:solidFill>
+                  <a:srgbClr val="333333"/>
+                </a:solidFill>
+                <a:latin typeface="Source Sans Pro"/>
+              </a:rPr>
+              <a:t>arhitectura</a:t>
+            </a:r>
+            <a:r>
+              <a:rPr lang="en-US" sz="1600" dirty="0" smtClean="0">
+                <a:solidFill>
+                  <a:srgbClr val="333333"/>
+                </a:solidFill>
+                <a:latin typeface="Source Sans Pro"/>
+              </a:rPr>
+              <a:t> </a:t>
+            </a:r>
+            <a:r>
+              <a:rPr lang="en-US" sz="1600" dirty="0" err="1" smtClean="0">
+                <a:solidFill>
+                  <a:srgbClr val="333333"/>
+                </a:solidFill>
+                <a:latin typeface="Source Sans Pro"/>
+              </a:rPr>
+              <a:t>pe</a:t>
+            </a:r>
+            <a:r>
+              <a:rPr lang="en-US" sz="1600" dirty="0" smtClean="0">
+                <a:solidFill>
+                  <a:srgbClr val="333333"/>
+                </a:solidFill>
+                <a:latin typeface="Source Sans Pro"/>
+              </a:rPr>
+              <a:t> diverse </a:t>
+            </a:r>
+            <a:r>
+              <a:rPr lang="en-US" sz="1600" dirty="0" err="1" smtClean="0">
+                <a:solidFill>
+                  <a:srgbClr val="333333"/>
+                </a:solidFill>
+                <a:latin typeface="Source Sans Pro"/>
+              </a:rPr>
+              <a:t>platforme</a:t>
+            </a:r>
+            <a:r>
+              <a:rPr lang="en-US" sz="1600" dirty="0" smtClean="0">
+                <a:solidFill>
+                  <a:srgbClr val="333333"/>
+                </a:solidFill>
+                <a:latin typeface="Source Sans Pro"/>
+              </a:rPr>
+              <a:t> (Linux, Win32)</a:t>
+            </a:r>
+          </a:p>
+          <a:p>
+            <a:pPr marL="742950" lvl="1" indent="-285750">
+              <a:buFontTx/>
+              <a:buChar char="-"/>
+            </a:pPr>
+            <a:endParaRPr lang="en-US" sz="1600" dirty="0">
               <a:solidFill>
-                <a:schemeClr val="bg1"/>
+                <a:srgbClr val="333333"/>
               </a:solidFill>
-              <a:latin typeface="Consolas" panose="020B0609020204030204" pitchFamily="49" charset="0"/>
-              <a:cs typeface="Consolas" panose="020B0609020204030204" pitchFamily="49" charset="0"/>
-            </a:endParaRPr>
-          </a:p>
-        </p:txBody>
-      </p:sp>
-      <p:sp>
-        <p:nvSpPr>
-          <p:cNvPr id="17" name="Rectangle 16"/>
-          <p:cNvSpPr/>
-          <p:nvPr/>
-        </p:nvSpPr>
-        <p:spPr>
-          <a:xfrm>
-            <a:off x="696033" y="5076972"/>
-            <a:ext cx="1528551" cy="736979"/>
-          </a:xfrm>
-          <a:prstGeom prst="rect">
-            <a:avLst/>
-          </a:prstGeom>
-          <a:solidFill>
-            <a:srgbClr val="00B050"/>
-          </a:solidFill>
-          <a:ln>
-            <a:noFill/>
-          </a:ln>
-        </p:spPr>
-        <p:style>
-          <a:lnRef idx="2">
-            <a:schemeClr val="accent1">
-              <a:shade val="50000"/>
-            </a:schemeClr>
-          </a:lnRef>
-          <a:fillRef idx="1">
-            <a:schemeClr val="accent1"/>
-          </a:fillRef>
-          <a:effectRef idx="0">
-            <a:schemeClr val="accent1"/>
-          </a:effectRef>
-          <a:fontRef idx="minor">
-            <a:schemeClr val="lt1"/>
-          </a:fontRef>
-        </p:style>
-        <p:txBody>
-          <a:bodyPr rtlCol="0" anchor="ctr"/>
-          <a:lstStyle/>
-          <a:p>
-            <a:pPr algn="ctr"/>
-            <a:r>
-              <a:rPr lang="en-US" dirty="0" err="1" smtClean="0"/>
-              <a:t>epoll</a:t>
-            </a:r>
-            <a:r>
-              <a:rPr lang="en-US" dirty="0" smtClean="0"/>
-              <a:t> (Linux)</a:t>
-            </a:r>
-            <a:endParaRPr lang="en-US" dirty="0"/>
-          </a:p>
-        </p:txBody>
-      </p:sp>
-      <p:sp>
-        <p:nvSpPr>
-          <p:cNvPr id="18" name="Rectangle 17"/>
-          <p:cNvSpPr/>
-          <p:nvPr/>
-        </p:nvSpPr>
-        <p:spPr>
-          <a:xfrm>
-            <a:off x="2418567" y="5076972"/>
-            <a:ext cx="1719840" cy="736979"/>
-          </a:xfrm>
-          <a:prstGeom prst="rect">
-            <a:avLst/>
-          </a:prstGeom>
-          <a:solidFill>
-            <a:srgbClr val="00B050"/>
-          </a:solidFill>
-          <a:ln>
-            <a:noFill/>
-          </a:ln>
-        </p:spPr>
-        <p:style>
-          <a:lnRef idx="2">
-            <a:schemeClr val="accent1">
-              <a:shade val="50000"/>
-            </a:schemeClr>
-          </a:lnRef>
-          <a:fillRef idx="1">
-            <a:schemeClr val="accent1"/>
-          </a:fillRef>
-          <a:effectRef idx="0">
-            <a:schemeClr val="accent1"/>
-          </a:effectRef>
-          <a:fontRef idx="minor">
-            <a:schemeClr val="lt1"/>
-          </a:fontRef>
-        </p:style>
-        <p:txBody>
-          <a:bodyPr rtlCol="0" anchor="ctr"/>
-          <a:lstStyle/>
-          <a:p>
-            <a:pPr algn="ctr"/>
-            <a:r>
-              <a:rPr lang="en-US" dirty="0" err="1"/>
-              <a:t>k</a:t>
-            </a:r>
-            <a:r>
-              <a:rPr lang="en-US" dirty="0" err="1" smtClean="0"/>
-              <a:t>queue</a:t>
-            </a:r>
-            <a:endParaRPr lang="en-US" dirty="0" smtClean="0"/>
-          </a:p>
-          <a:p>
-            <a:pPr algn="ctr"/>
-            <a:r>
-              <a:rPr lang="en-US" dirty="0" smtClean="0"/>
-              <a:t>(OSX &amp; BSD)</a:t>
-            </a:r>
-            <a:endParaRPr lang="en-US" dirty="0"/>
-          </a:p>
-        </p:txBody>
-      </p:sp>
-      <p:sp>
-        <p:nvSpPr>
-          <p:cNvPr id="19" name="Rectangle 18"/>
-          <p:cNvSpPr/>
-          <p:nvPr/>
-        </p:nvSpPr>
-        <p:spPr>
-          <a:xfrm>
-            <a:off x="4332391" y="5076972"/>
-            <a:ext cx="2224587" cy="736979"/>
-          </a:xfrm>
-          <a:prstGeom prst="rect">
-            <a:avLst/>
-          </a:prstGeom>
-          <a:solidFill>
-            <a:srgbClr val="00B050"/>
-          </a:solidFill>
-          <a:ln>
-            <a:noFill/>
-          </a:ln>
-        </p:spPr>
-        <p:style>
-          <a:lnRef idx="2">
-            <a:schemeClr val="accent1">
-              <a:shade val="50000"/>
-            </a:schemeClr>
-          </a:lnRef>
-          <a:fillRef idx="1">
-            <a:schemeClr val="accent1"/>
-          </a:fillRef>
-          <a:effectRef idx="0">
-            <a:schemeClr val="accent1"/>
-          </a:effectRef>
-          <a:fontRef idx="minor">
-            <a:schemeClr val="lt1"/>
-          </a:fontRef>
-        </p:style>
-        <p:txBody>
-          <a:bodyPr rtlCol="0" anchor="ctr"/>
-          <a:lstStyle/>
-          <a:p>
-            <a:pPr algn="ctr"/>
-            <a:r>
-              <a:rPr lang="en-US" dirty="0" smtClean="0"/>
-              <a:t>event ports (Solaris)</a:t>
-            </a:r>
-            <a:endParaRPr lang="en-US" dirty="0"/>
-          </a:p>
-        </p:txBody>
-      </p:sp>
-      <p:sp>
-        <p:nvSpPr>
-          <p:cNvPr id="21" name="Rectangle 20"/>
-          <p:cNvSpPr/>
-          <p:nvPr/>
-        </p:nvSpPr>
-        <p:spPr>
-          <a:xfrm>
-            <a:off x="6855943" y="4319520"/>
-            <a:ext cx="1377327" cy="1494430"/>
-          </a:xfrm>
-          <a:prstGeom prst="rect">
-            <a:avLst/>
-          </a:prstGeom>
-          <a:solidFill>
-            <a:schemeClr val="accent1">
-              <a:lumMod val="50000"/>
-            </a:schemeClr>
-          </a:solidFill>
-          <a:ln>
-            <a:noFill/>
-          </a:ln>
-        </p:spPr>
-        <p:style>
-          <a:lnRef idx="2">
-            <a:schemeClr val="accent1">
-              <a:shade val="50000"/>
-            </a:schemeClr>
-          </a:lnRef>
-          <a:fillRef idx="1">
-            <a:schemeClr val="accent1"/>
-          </a:fillRef>
-          <a:effectRef idx="0">
-            <a:schemeClr val="accent1"/>
-          </a:effectRef>
-          <a:fontRef idx="minor">
-            <a:schemeClr val="lt1"/>
-          </a:fontRef>
-        </p:style>
-        <p:txBody>
-          <a:bodyPr rtlCol="0" anchor="ctr"/>
-          <a:lstStyle/>
-          <a:p>
-            <a:pPr algn="ctr"/>
-            <a:r>
-              <a:rPr lang="en-US" dirty="0" smtClean="0"/>
-              <a:t>IOCP</a:t>
-            </a:r>
-          </a:p>
-          <a:p>
-            <a:pPr algn="ctr"/>
-            <a:r>
-              <a:rPr lang="en-US" dirty="0" smtClean="0"/>
-              <a:t>(Windows)</a:t>
-            </a:r>
-            <a:endParaRPr lang="en-US" dirty="0"/>
-          </a:p>
-        </p:txBody>
-      </p:sp>
-      <p:sp>
-        <p:nvSpPr>
-          <p:cNvPr id="22" name="Rectangle 21"/>
-          <p:cNvSpPr/>
-          <p:nvPr/>
-        </p:nvSpPr>
-        <p:spPr>
-          <a:xfrm>
-            <a:off x="8705851" y="4319520"/>
-            <a:ext cx="2572290" cy="1494430"/>
-          </a:xfrm>
-          <a:prstGeom prst="rect">
-            <a:avLst/>
-          </a:prstGeom>
-          <a:solidFill>
-            <a:srgbClr val="860000"/>
-          </a:solidFill>
-          <a:ln>
-            <a:noFill/>
-          </a:ln>
-        </p:spPr>
-        <p:style>
-          <a:lnRef idx="2">
-            <a:schemeClr val="accent1">
-              <a:shade val="50000"/>
-            </a:schemeClr>
-          </a:lnRef>
-          <a:fillRef idx="1">
-            <a:schemeClr val="accent1"/>
-          </a:fillRef>
-          <a:effectRef idx="0">
-            <a:schemeClr val="accent1"/>
-          </a:effectRef>
-          <a:fontRef idx="minor">
-            <a:schemeClr val="lt1"/>
-          </a:fontRef>
-        </p:style>
-        <p:txBody>
-          <a:bodyPr rtlCol="0" anchor="ctr"/>
-          <a:lstStyle/>
-          <a:p>
-            <a:pPr algn="ctr"/>
-            <a:r>
-              <a:rPr lang="en-US" dirty="0" smtClean="0"/>
-              <a:t>Thread Pool</a:t>
-            </a:r>
-            <a:endParaRPr lang="en-US" dirty="0"/>
-          </a:p>
-        </p:txBody>
-      </p:sp>
-      <p:sp>
-        <p:nvSpPr>
-          <p:cNvPr id="23" name="TextBox 22"/>
-          <p:cNvSpPr txBox="1"/>
-          <p:nvPr/>
-        </p:nvSpPr>
-        <p:spPr>
-          <a:xfrm>
-            <a:off x="668627" y="1705981"/>
-            <a:ext cx="3384868" cy="523220"/>
-          </a:xfrm>
-          <a:prstGeom prst="rect">
-            <a:avLst/>
-          </a:prstGeom>
-          <a:noFill/>
-        </p:spPr>
-        <p:txBody>
-          <a:bodyPr wrap="square" rtlCol="0">
-            <a:spAutoFit/>
-          </a:bodyPr>
-          <a:lstStyle/>
-          <a:p>
-            <a:r>
-              <a:rPr lang="en-US" sz="2800" dirty="0" err="1" smtClean="0">
-                <a:latin typeface="Consolas" panose="020B0609020204030204" pitchFamily="49" charset="0"/>
-                <a:cs typeface="Consolas" panose="020B0609020204030204" pitchFamily="49" charset="0"/>
-              </a:rPr>
-              <a:t>libuv</a:t>
-            </a:r>
-            <a:endParaRPr lang="en-US" sz="2800" dirty="0">
-              <a:latin typeface="Consolas" panose="020B0609020204030204" pitchFamily="49" charset="0"/>
-              <a:cs typeface="Consolas" panose="020B0609020204030204" pitchFamily="49" charset="0"/>
-            </a:endParaRPr>
-          </a:p>
-        </p:txBody>
-      </p:sp>
-      <p:sp>
-        <p:nvSpPr>
-          <p:cNvPr id="24" name="Rectangle 23"/>
-          <p:cNvSpPr/>
-          <p:nvPr/>
-        </p:nvSpPr>
-        <p:spPr>
-          <a:xfrm>
-            <a:off x="6124466" y="3057108"/>
-            <a:ext cx="1364776" cy="723332"/>
-          </a:xfrm>
-          <a:prstGeom prst="rect">
-            <a:avLst/>
-          </a:prstGeom>
-          <a:solidFill>
-            <a:schemeClr val="bg1">
-              <a:lumMod val="95000"/>
-            </a:schemeClr>
-          </a:solidFill>
-          <a:ln>
-            <a:noFill/>
-          </a:ln>
-        </p:spPr>
-        <p:style>
-          <a:lnRef idx="2">
-            <a:schemeClr val="accent1">
-              <a:shade val="50000"/>
-            </a:schemeClr>
-          </a:lnRef>
-          <a:fillRef idx="1">
-            <a:schemeClr val="accent1"/>
-          </a:fillRef>
-          <a:effectRef idx="0">
-            <a:schemeClr val="accent1"/>
-          </a:effectRef>
-          <a:fontRef idx="minor">
-            <a:schemeClr val="lt1"/>
-          </a:fontRef>
-        </p:style>
-        <p:txBody>
-          <a:bodyPr rtlCol="0" anchor="ctr"/>
-          <a:lstStyle/>
-          <a:p>
-            <a:pPr algn="ctr"/>
-            <a:r>
-              <a:rPr lang="en-US" dirty="0" smtClean="0">
-                <a:solidFill>
-                  <a:schemeClr val="tx1"/>
-                </a:solidFill>
-              </a:rPr>
-              <a:t>TTY</a:t>
-            </a:r>
-            <a:endParaRPr lang="en-US" dirty="0">
-              <a:solidFill>
-                <a:schemeClr val="tx1"/>
-              </a:solidFill>
+              <a:latin typeface="Source Sans Pro"/>
             </a:endParaRPr>
           </a:p>
         </p:txBody>
@@ -27432,13 +27868,21 @@
     </p:spTree>
     <p:extLst>
       <p:ext uri="{BB962C8B-B14F-4D97-AF65-F5344CB8AC3E}">
-        <p14:creationId xmlns:p14="http://schemas.microsoft.com/office/powerpoint/2010/main" val="2529075337"/>
+        <p14:creationId xmlns:p14="http://schemas.microsoft.com/office/powerpoint/2010/main" val="3967245585"/>
       </p:ext>
     </p:extLst>
   </p:cSld>
   <p:clrMapOvr>
     <a:masterClrMapping/>
   </p:clrMapOvr>
+  <mc:AlternateContent xmlns:mc="http://schemas.openxmlformats.org/markup-compatibility/2006">
+    <mc:Choice xmlns:p14="http://schemas.microsoft.com/office/powerpoint/2010/main" Requires="p14">
+      <p:transition spd="slow" p14:dur="2000"/>
+    </mc:Choice>
+    <mc:Fallback>
+      <p:transition spd="slow"/>
+    </mc:Fallback>
+  </mc:AlternateContent>
   <p:timing>
     <p:tnLst>
       <p:par>
@@ -27449,7 +27893,7 @@
 </p:sld>
 </file>
 
-<file path=ppt/slides/slide19.xml><?xml version="1.0" encoding="utf-8"?>
+<file path=ppt/slides/slide20.xml><?xml version="1.0" encoding="utf-8"?>
 <p:sld xmlns:a="http://schemas.openxmlformats.org/drawingml/2006/main" xmlns:r="http://schemas.openxmlformats.org/officeDocument/2006/relationships" xmlns:p="http://schemas.openxmlformats.org/presentationml/2006/main">
   <p:cSld>
     <p:bg>
@@ -27619,495 +28063,7 @@
 </p:sld>
 </file>
 
-<file path=ppt/slides/slide2.xml><?xml version="1.0" encoding="utf-8"?>
-<p:sld xmlns:a="http://schemas.openxmlformats.org/drawingml/2006/main" xmlns:r="http://schemas.openxmlformats.org/officeDocument/2006/relationships" xmlns:p="http://schemas.openxmlformats.org/presentationml/2006/main" show="0">
-  <p:cSld>
-    <p:bg>
-      <p:bgPr>
-        <a:solidFill>
-          <a:schemeClr val="bg1"/>
-        </a:solidFill>
-        <a:effectLst/>
-      </p:bgPr>
-    </p:bg>
-    <p:spTree>
-      <p:nvGrpSpPr>
-        <p:cNvPr id="1" name=""/>
-        <p:cNvGrpSpPr/>
-        <p:nvPr/>
-      </p:nvGrpSpPr>
-      <p:grpSpPr>
-        <a:xfrm>
-          <a:off x="0" y="0"/>
-          <a:ext cx="0" cy="0"/>
-          <a:chOff x="0" y="0"/>
-          <a:chExt cx="0" cy="0"/>
-        </a:xfrm>
-      </p:grpSpPr>
-      <p:pic>
-        <p:nvPicPr>
-          <p:cNvPr id="4" name="Picture 3"/>
-          <p:cNvPicPr>
-            <a:picLocks noChangeAspect="1"/>
-          </p:cNvPicPr>
-          <p:nvPr/>
-        </p:nvPicPr>
-        <p:blipFill>
-          <a:blip r:embed="rId2">
-            <a:extLst>
-              <a:ext uri="{28A0092B-C50C-407E-A947-70E740481C1C}">
-                <a14:useLocalDpi xmlns:a14="http://schemas.microsoft.com/office/drawing/2010/main" val="0"/>
-              </a:ext>
-            </a:extLst>
-          </a:blip>
-          <a:stretch>
-            <a:fillRect/>
-          </a:stretch>
-        </p:blipFill>
-        <p:spPr>
-          <a:xfrm>
-            <a:off x="0" y="0"/>
-            <a:ext cx="12195961" cy="1106905"/>
-          </a:xfrm>
-          <a:prstGeom prst="rect">
-            <a:avLst/>
-          </a:prstGeom>
-        </p:spPr>
-      </p:pic>
-      <p:sp>
-        <p:nvSpPr>
-          <p:cNvPr id="8" name="Rectangle 7"/>
-          <p:cNvSpPr/>
-          <p:nvPr/>
-        </p:nvSpPr>
-        <p:spPr>
-          <a:xfrm>
-            <a:off x="376238" y="1684491"/>
-            <a:ext cx="11137900" cy="3539430"/>
-          </a:xfrm>
-          <a:prstGeom prst="rect">
-            <a:avLst/>
-          </a:prstGeom>
-        </p:spPr>
-        <p:txBody>
-          <a:bodyPr wrap="square">
-            <a:spAutoFit/>
-          </a:bodyPr>
-          <a:lstStyle/>
-          <a:p>
-            <a:pPr marL="457200" indent="-457200">
-              <a:buFontTx/>
-              <a:buChar char="-"/>
-            </a:pPr>
-            <a:r>
-              <a:rPr lang="en-US" sz="1600" dirty="0" err="1" smtClean="0">
-                <a:solidFill>
-                  <a:srgbClr val="333333"/>
-                </a:solidFill>
-                <a:latin typeface="Source Sans Pro"/>
-              </a:rPr>
-              <a:t>Plaforma</a:t>
-            </a:r>
-            <a:r>
-              <a:rPr lang="en-US" sz="1600" dirty="0" smtClean="0">
-                <a:solidFill>
-                  <a:srgbClr val="333333"/>
-                </a:solidFill>
-                <a:latin typeface="Source Sans Pro"/>
-              </a:rPr>
-              <a:t> Azure App Services</a:t>
-            </a:r>
-            <a:endParaRPr lang="en-US" sz="1600" dirty="0"/>
-          </a:p>
-          <a:p>
-            <a:pPr marL="914400" lvl="1" indent="-457200">
-              <a:buFontTx/>
-              <a:buChar char="-"/>
-            </a:pPr>
-            <a:r>
-              <a:rPr lang="en-US" sz="1600" dirty="0" smtClean="0">
-                <a:solidFill>
-                  <a:srgbClr val="333333"/>
-                </a:solidFill>
-                <a:latin typeface="Source Sans Pro"/>
-              </a:rPr>
-              <a:t>Ce </a:t>
-            </a:r>
-            <a:r>
-              <a:rPr lang="en-US" sz="1600" dirty="0" err="1" smtClean="0">
-                <a:solidFill>
-                  <a:srgbClr val="333333"/>
-                </a:solidFill>
-                <a:latin typeface="Source Sans Pro"/>
-              </a:rPr>
-              <a:t>este</a:t>
-            </a:r>
-            <a:r>
-              <a:rPr lang="en-US" sz="1600" dirty="0" smtClean="0">
-                <a:solidFill>
-                  <a:srgbClr val="333333"/>
-                </a:solidFill>
-                <a:latin typeface="Source Sans Pro"/>
-              </a:rPr>
-              <a:t> PaaS?</a:t>
-            </a:r>
-          </a:p>
-          <a:p>
-            <a:pPr marL="914400" lvl="1" indent="-457200">
-              <a:buFontTx/>
-              <a:buChar char="-"/>
-            </a:pPr>
-            <a:r>
-              <a:rPr lang="en-US" sz="1600" dirty="0" err="1" smtClean="0">
-                <a:solidFill>
-                  <a:schemeClr val="accent2">
-                    <a:lumMod val="75000"/>
-                  </a:schemeClr>
-                </a:solidFill>
-                <a:latin typeface="Source Sans Pro"/>
-              </a:rPr>
-              <a:t>WebDeploy</a:t>
-            </a:r>
-            <a:endParaRPr lang="en-US" sz="1600" dirty="0" smtClean="0">
-              <a:solidFill>
-                <a:schemeClr val="accent2">
-                  <a:lumMod val="75000"/>
-                </a:schemeClr>
-              </a:solidFill>
-              <a:latin typeface="Source Sans Pro"/>
-            </a:endParaRPr>
-          </a:p>
-          <a:p>
-            <a:pPr marL="914400" lvl="1" indent="-457200">
-              <a:buFontTx/>
-              <a:buChar char="-"/>
-            </a:pPr>
-            <a:r>
-              <a:rPr lang="en-US" sz="1600" dirty="0" smtClean="0">
-                <a:solidFill>
-                  <a:srgbClr val="333333"/>
-                </a:solidFill>
-                <a:latin typeface="Source Sans Pro"/>
-              </a:rPr>
-              <a:t>Deployment slots</a:t>
-            </a:r>
-          </a:p>
-          <a:p>
-            <a:pPr marL="914400" lvl="1" indent="-457200">
-              <a:buFontTx/>
-              <a:buChar char="-"/>
-            </a:pPr>
-            <a:r>
-              <a:rPr lang="en-US" sz="1600" dirty="0" smtClean="0">
-                <a:solidFill>
-                  <a:srgbClr val="333333"/>
-                </a:solidFill>
-                <a:latin typeface="Source Sans Pro"/>
-              </a:rPr>
-              <a:t>Continuous Integration</a:t>
-            </a:r>
-          </a:p>
-          <a:p>
-            <a:pPr marL="914400" lvl="1" indent="-457200">
-              <a:buFontTx/>
-              <a:buChar char="-"/>
-            </a:pPr>
-            <a:r>
-              <a:rPr lang="en-US" sz="1600" dirty="0" smtClean="0">
-                <a:solidFill>
-                  <a:srgbClr val="333333"/>
-                </a:solidFill>
-                <a:latin typeface="Source Sans Pro"/>
-              </a:rPr>
-              <a:t>Auto healing</a:t>
-            </a:r>
-          </a:p>
-          <a:p>
-            <a:pPr marL="914400" lvl="1" indent="-457200">
-              <a:buFontTx/>
-              <a:buChar char="-"/>
-            </a:pPr>
-            <a:r>
-              <a:rPr lang="en-US" sz="1600" dirty="0" smtClean="0">
-                <a:solidFill>
-                  <a:srgbClr val="333333"/>
-                </a:solidFill>
-                <a:latin typeface="Source Sans Pro"/>
-              </a:rPr>
-              <a:t>Scaling</a:t>
-            </a:r>
-          </a:p>
-          <a:p>
-            <a:pPr marL="914400" lvl="1" indent="-457200">
-              <a:buFontTx/>
-              <a:buChar char="-"/>
-            </a:pPr>
-            <a:r>
-              <a:rPr lang="en-US" sz="1600" dirty="0" smtClean="0">
-                <a:solidFill>
-                  <a:srgbClr val="333333"/>
-                </a:solidFill>
-                <a:latin typeface="Source Sans Pro"/>
-              </a:rPr>
-              <a:t>Traffic Manager</a:t>
-            </a:r>
-          </a:p>
-          <a:p>
-            <a:pPr marL="914400" lvl="1" indent="-457200">
-              <a:buFontTx/>
-              <a:buChar char="-"/>
-            </a:pPr>
-            <a:endParaRPr lang="en-US" sz="1600" dirty="0">
-              <a:solidFill>
-                <a:srgbClr val="333333"/>
-              </a:solidFill>
-              <a:latin typeface="Source Sans Pro"/>
-            </a:endParaRPr>
-          </a:p>
-          <a:p>
-            <a:pPr lvl="1"/>
-            <a:r>
-              <a:rPr lang="en-US" sz="1600" dirty="0" smtClean="0">
-                <a:solidFill>
-                  <a:srgbClr val="333333"/>
-                </a:solidFill>
-                <a:latin typeface="Source Sans Pro"/>
-              </a:rPr>
-              <a:t>NODE</a:t>
-            </a:r>
-          </a:p>
-          <a:p>
-            <a:pPr marL="742950" lvl="1" indent="-285750">
-              <a:buFontTx/>
-              <a:buChar char="-"/>
-            </a:pPr>
-            <a:r>
-              <a:rPr lang="en-US" sz="1600" dirty="0" smtClean="0">
-                <a:solidFill>
-                  <a:srgbClr val="333333"/>
-                </a:solidFill>
-                <a:latin typeface="Source Sans Pro"/>
-              </a:rPr>
-              <a:t>Ce </a:t>
-            </a:r>
-            <a:r>
-              <a:rPr lang="en-US" sz="1600" dirty="0" err="1" smtClean="0">
-                <a:solidFill>
-                  <a:srgbClr val="333333"/>
-                </a:solidFill>
-                <a:latin typeface="Source Sans Pro"/>
-              </a:rPr>
-              <a:t>este</a:t>
-            </a:r>
-            <a:r>
-              <a:rPr lang="en-US" sz="1600" dirty="0" smtClean="0">
-                <a:solidFill>
-                  <a:srgbClr val="333333"/>
-                </a:solidFill>
-                <a:latin typeface="Source Sans Pro"/>
-              </a:rPr>
-              <a:t>?</a:t>
-            </a:r>
-          </a:p>
-          <a:p>
-            <a:pPr marL="742950" lvl="1" indent="-285750">
-              <a:buFontTx/>
-              <a:buChar char="-"/>
-            </a:pPr>
-            <a:r>
-              <a:rPr lang="en-US" sz="1600" dirty="0" smtClean="0">
-                <a:solidFill>
-                  <a:srgbClr val="333333"/>
-                </a:solidFill>
-                <a:latin typeface="Source Sans Pro"/>
-              </a:rPr>
-              <a:t>De </a:t>
-            </a:r>
-            <a:r>
-              <a:rPr lang="en-US" sz="1600" dirty="0" err="1" smtClean="0">
-                <a:solidFill>
-                  <a:srgbClr val="333333"/>
-                </a:solidFill>
-                <a:latin typeface="Source Sans Pro"/>
-              </a:rPr>
-              <a:t>ce</a:t>
-            </a:r>
-            <a:r>
-              <a:rPr lang="en-US" sz="1600" dirty="0" smtClean="0">
-                <a:solidFill>
-                  <a:srgbClr val="333333"/>
-                </a:solidFill>
-                <a:latin typeface="Source Sans Pro"/>
-              </a:rPr>
-              <a:t>, </a:t>
-            </a:r>
-            <a:r>
-              <a:rPr lang="en-US" sz="1600" dirty="0" err="1" smtClean="0">
-                <a:solidFill>
-                  <a:srgbClr val="333333"/>
-                </a:solidFill>
-                <a:latin typeface="Source Sans Pro"/>
-              </a:rPr>
-              <a:t>pentru</a:t>
-            </a:r>
-            <a:r>
-              <a:rPr lang="en-US" sz="1600" dirty="0" smtClean="0">
-                <a:solidFill>
-                  <a:srgbClr val="333333"/>
-                </a:solidFill>
-                <a:latin typeface="Source Sans Pro"/>
-              </a:rPr>
-              <a:t> </a:t>
-            </a:r>
-            <a:r>
-              <a:rPr lang="en-US" sz="1600" dirty="0" err="1" smtClean="0">
-                <a:solidFill>
-                  <a:srgbClr val="333333"/>
-                </a:solidFill>
-                <a:latin typeface="Source Sans Pro"/>
-              </a:rPr>
-              <a:t>ce</a:t>
-            </a:r>
-            <a:r>
-              <a:rPr lang="en-US" sz="1600" dirty="0" smtClean="0">
-                <a:solidFill>
-                  <a:srgbClr val="333333"/>
-                </a:solidFill>
-                <a:latin typeface="Source Sans Pro"/>
-              </a:rPr>
-              <a:t>?</a:t>
-            </a:r>
-          </a:p>
-          <a:p>
-            <a:pPr marL="742950" lvl="1" indent="-285750">
-              <a:buFontTx/>
-              <a:buChar char="-"/>
-            </a:pPr>
-            <a:r>
-              <a:rPr lang="en-US" sz="1600" dirty="0" smtClean="0">
-                <a:solidFill>
-                  <a:srgbClr val="333333"/>
-                </a:solidFill>
-                <a:latin typeface="Source Sans Pro"/>
-              </a:rPr>
-              <a:t>Cross-platform – </a:t>
-            </a:r>
-            <a:r>
-              <a:rPr lang="en-US" sz="1600" dirty="0" err="1" smtClean="0">
-                <a:solidFill>
-                  <a:srgbClr val="333333"/>
-                </a:solidFill>
-                <a:latin typeface="Source Sans Pro"/>
-              </a:rPr>
-              <a:t>diferenta</a:t>
-            </a:r>
-            <a:r>
-              <a:rPr lang="en-US" sz="1600" dirty="0" smtClean="0">
-                <a:solidFill>
-                  <a:srgbClr val="333333"/>
-                </a:solidFill>
-                <a:latin typeface="Source Sans Pro"/>
-              </a:rPr>
-              <a:t> </a:t>
-            </a:r>
-            <a:r>
-              <a:rPr lang="en-US" sz="1600" dirty="0" err="1" smtClean="0">
-                <a:solidFill>
-                  <a:srgbClr val="333333"/>
-                </a:solidFill>
-                <a:latin typeface="Source Sans Pro"/>
-              </a:rPr>
-              <a:t>arhitectura</a:t>
-            </a:r>
-            <a:r>
-              <a:rPr lang="en-US" sz="1600" dirty="0" smtClean="0">
-                <a:solidFill>
-                  <a:srgbClr val="333333"/>
-                </a:solidFill>
-                <a:latin typeface="Source Sans Pro"/>
-              </a:rPr>
-              <a:t> </a:t>
-            </a:r>
-            <a:r>
-              <a:rPr lang="en-US" sz="1600" dirty="0" err="1" smtClean="0">
-                <a:solidFill>
-                  <a:srgbClr val="333333"/>
-                </a:solidFill>
-                <a:latin typeface="Source Sans Pro"/>
-              </a:rPr>
-              <a:t>pe</a:t>
-            </a:r>
-            <a:r>
-              <a:rPr lang="en-US" sz="1600" dirty="0" smtClean="0">
-                <a:solidFill>
-                  <a:srgbClr val="333333"/>
-                </a:solidFill>
-                <a:latin typeface="Source Sans Pro"/>
-              </a:rPr>
-              <a:t> diverse </a:t>
-            </a:r>
-            <a:r>
-              <a:rPr lang="en-US" sz="1600" dirty="0" err="1" smtClean="0">
-                <a:solidFill>
-                  <a:srgbClr val="333333"/>
-                </a:solidFill>
-                <a:latin typeface="Source Sans Pro"/>
-              </a:rPr>
-              <a:t>platforme</a:t>
-            </a:r>
-            <a:r>
-              <a:rPr lang="en-US" sz="1600" dirty="0" smtClean="0">
-                <a:solidFill>
-                  <a:srgbClr val="333333"/>
-                </a:solidFill>
-                <a:latin typeface="Source Sans Pro"/>
-              </a:rPr>
-              <a:t> (Linux, Win32)</a:t>
-            </a:r>
-          </a:p>
-          <a:p>
-            <a:pPr marL="742950" lvl="1" indent="-285750">
-              <a:buFontTx/>
-              <a:buChar char="-"/>
-            </a:pPr>
-            <a:endParaRPr lang="en-US" sz="1600" dirty="0">
-              <a:solidFill>
-                <a:srgbClr val="333333"/>
-              </a:solidFill>
-              <a:latin typeface="Source Sans Pro"/>
-            </a:endParaRPr>
-          </a:p>
-        </p:txBody>
-      </p:sp>
-    </p:spTree>
-    <p:extLst>
-      <p:ext uri="{BB962C8B-B14F-4D97-AF65-F5344CB8AC3E}">
-        <p14:creationId xmlns:p14="http://schemas.microsoft.com/office/powerpoint/2010/main" val="43838107"/>
-      </p:ext>
-    </p:extLst>
-  </p:cSld>
-  <p:clrMapOvr>
-    <a:masterClrMapping/>
-  </p:clrMapOvr>
-  <mc:AlternateContent xmlns:mc="http://schemas.openxmlformats.org/markup-compatibility/2006">
-    <mc:Choice xmlns:p14="http://schemas.microsoft.com/office/powerpoint/2010/main" Requires="p14">
-      <p:transition spd="slow" p14:dur="2000"/>
-    </mc:Choice>
-    <mc:Fallback>
-      <p:transition spd="slow"/>
-    </mc:Fallback>
-  </mc:AlternateContent>
-  <p:timing>
-    <p:tnLst>
-      <p:par>
-        <p:cTn id="1" dur="indefinite" restart="never" nodeType="tmRoot"/>
-      </p:par>
-    </p:tnLst>
-  </p:timing>
-</p:sld>
-</file>
-
-<file path=ppt/slides/slide20.xml><?xml version="1.0" encoding="utf-8"?>
+<file path=ppt/slides/slide21.xml><?xml version="1.0" encoding="utf-8"?>
 <p:sld xmlns:a="http://schemas.openxmlformats.org/drawingml/2006/main" xmlns:r="http://schemas.openxmlformats.org/officeDocument/2006/relationships" xmlns:p="http://schemas.openxmlformats.org/presentationml/2006/main">
   <p:cSld>
     <p:bg>
@@ -28205,7 +28161,7 @@
 </p:sld>
 </file>
 
-<file path=ppt/slides/slide21.xml><?xml version="1.0" encoding="utf-8"?>
+<file path=ppt/slides/slide22.xml><?xml version="1.0" encoding="utf-8"?>
 <p:sld xmlns:a="http://schemas.openxmlformats.org/drawingml/2006/main" xmlns:r="http://schemas.openxmlformats.org/officeDocument/2006/relationships" xmlns:p="http://schemas.openxmlformats.org/presentationml/2006/main">
   <p:cSld>
     <p:bg>
@@ -28358,7 +28314,7 @@
 </p:sld>
 </file>
 
-<file path=ppt/slides/slide22.xml><?xml version="1.0" encoding="utf-8"?>
+<file path=ppt/slides/slide23.xml><?xml version="1.0" encoding="utf-8"?>
 <p:sld xmlns:a="http://schemas.openxmlformats.org/drawingml/2006/main" xmlns:r="http://schemas.openxmlformats.org/officeDocument/2006/relationships" xmlns:p="http://schemas.openxmlformats.org/presentationml/2006/main">
   <p:cSld>
     <p:bg>
@@ -28892,7 +28848,7 @@
 </p:sld>
 </file>
 
-<file path=ppt/slides/slide23.xml><?xml version="1.0" encoding="utf-8"?>
+<file path=ppt/slides/slide24.xml><?xml version="1.0" encoding="utf-8"?>
 <p:sld xmlns:a="http://schemas.openxmlformats.org/drawingml/2006/main" xmlns:r="http://schemas.openxmlformats.org/officeDocument/2006/relationships" xmlns:p="http://schemas.openxmlformats.org/presentationml/2006/main">
   <p:cSld>
     <p:bg>
@@ -29900,7 +29856,7 @@
 </p:sld>
 </file>
 
-<file path=ppt/slides/slide24.xml><?xml version="1.0" encoding="utf-8"?>
+<file path=ppt/slides/slide25.xml><?xml version="1.0" encoding="utf-8"?>
 <p:sld xmlns:a="http://schemas.openxmlformats.org/drawingml/2006/main" xmlns:r="http://schemas.openxmlformats.org/officeDocument/2006/relationships" xmlns:p="http://schemas.openxmlformats.org/presentationml/2006/main">
   <p:cSld>
     <p:bg>
@@ -30754,7 +30710,7 @@
 </p:sld>
 </file>
 
-<file path=ppt/slides/slide25.xml><?xml version="1.0" encoding="utf-8"?>
+<file path=ppt/slides/slide26.xml><?xml version="1.0" encoding="utf-8"?>
 <p:sld xmlns:a="http://schemas.openxmlformats.org/drawingml/2006/main" xmlns:r="http://schemas.openxmlformats.org/officeDocument/2006/relationships" xmlns:p="http://schemas.openxmlformats.org/presentationml/2006/main">
   <p:cSld>
     <p:bg>
@@ -33509,7 +33465,7 @@
     </p:spTree>
     <p:extLst>
       <p:ext uri="{BB962C8B-B14F-4D97-AF65-F5344CB8AC3E}">
-        <p14:creationId xmlns:p14="http://schemas.microsoft.com/office/powerpoint/2010/main" val="3230775403"/>
+        <p14:creationId xmlns:p14="http://schemas.microsoft.com/office/powerpoint/2010/main" val="3799272462"/>
       </p:ext>
     </p:extLst>
   </p:cSld>
@@ -33572,11 +33528,7 @@
           <a:p>
             <a:r>
               <a:rPr lang="en-US" dirty="0" smtClean="0"/>
-              <a:t>App Service </a:t>
-            </a:r>
-            <a:r>
-              <a:rPr lang="en-US" dirty="0" smtClean="0"/>
-              <a:t>Plan</a:t>
+              <a:t>App Service Plan</a:t>
             </a:r>
             <a:endParaRPr lang="en-US" dirty="0"/>
           </a:p>
@@ -33624,7 +33576,7 @@
     </p:spTree>
     <p:extLst>
       <p:ext uri="{BB962C8B-B14F-4D97-AF65-F5344CB8AC3E}">
-        <p14:creationId xmlns:p14="http://schemas.microsoft.com/office/powerpoint/2010/main" val="1464356762"/>
+        <p14:creationId xmlns:p14="http://schemas.microsoft.com/office/powerpoint/2010/main" val="3944587409"/>
       </p:ext>
     </p:extLst>
   </p:cSld>
@@ -34379,7 +34331,7 @@
     </p:spTree>
     <p:extLst>
       <p:ext uri="{BB962C8B-B14F-4D97-AF65-F5344CB8AC3E}">
-        <p14:creationId xmlns:p14="http://schemas.microsoft.com/office/powerpoint/2010/main" val="1864922774"/>
+        <p14:creationId xmlns:p14="http://schemas.microsoft.com/office/powerpoint/2010/main" val="2523622807"/>
       </p:ext>
     </p:extLst>
   </p:cSld>
@@ -35332,7 +35284,7 @@
     </p:spTree>
     <p:extLst>
       <p:ext uri="{BB962C8B-B14F-4D97-AF65-F5344CB8AC3E}">
-        <p14:creationId xmlns:p14="http://schemas.microsoft.com/office/powerpoint/2010/main" val="4191684083"/>
+        <p14:creationId xmlns:p14="http://schemas.microsoft.com/office/powerpoint/2010/main" val="1622736713"/>
       </p:ext>
     </p:extLst>
   </p:cSld>
@@ -35753,8 +35705,8 @@
         </p:nvSpPr>
         <p:spPr>
           <a:xfrm>
-            <a:off x="762000" y="4556279"/>
-            <a:ext cx="11137900" cy="1384995"/>
+            <a:off x="696686" y="5050801"/>
+            <a:ext cx="11137900" cy="954107"/>
           </a:xfrm>
           <a:prstGeom prst="rect">
             <a:avLst/>
@@ -35767,40 +35719,35 @@
           <a:lstStyle/>
           <a:p>
             <a:r>
-              <a:rPr lang="en-US" sz="2800" dirty="0">
-                <a:solidFill>
-                  <a:srgbClr val="333333"/>
-                </a:solidFill>
-                <a:latin typeface="Source Sans Pro"/>
-              </a:rPr>
-              <a:t>Node.js® is a JavaScript runtime built on </a:t>
-            </a:r>
-            <a:r>
-              <a:rPr lang="en-US" sz="2800" dirty="0">
-                <a:solidFill>
-                  <a:srgbClr val="80BD01"/>
-                </a:solidFill>
-                <a:latin typeface="Source Sans Pro"/>
-              </a:rPr>
-              <a:t>Chrome's V8 JavaScript engine</a:t>
-            </a:r>
-            <a:r>
-              <a:rPr lang="en-US" sz="2800" dirty="0">
-                <a:solidFill>
-                  <a:srgbClr val="333333"/>
-                </a:solidFill>
-                <a:latin typeface="Source Sans Pro"/>
-              </a:rPr>
-              <a:t>. Node.js uses an event-driven, non-blocking I/O model that makes it lightweight and efficient. </a:t>
-            </a:r>
-            <a:endParaRPr lang="en-US" sz="2800" dirty="0"/>
+              <a:rPr lang="en-US" sz="2800" dirty="0"/>
+              <a:t>Node.js was invented in 2009 by Ryan Dahl and other developers working at </a:t>
+            </a:r>
+            <a:r>
+              <a:rPr lang="en-US" sz="2800" dirty="0" err="1" smtClean="0"/>
+              <a:t>Joyent</a:t>
+            </a:r>
+            <a:r>
+              <a:rPr lang="en-US" sz="2800" dirty="0" smtClean="0"/>
+              <a:t>. Node.js </a:t>
+            </a:r>
+            <a:r>
+              <a:rPr lang="en-US" sz="2800" dirty="0"/>
+              <a:t>was created and first published for Linux use in </a:t>
+            </a:r>
+            <a:r>
+              <a:rPr lang="en-US" sz="2800" dirty="0" smtClean="0"/>
+              <a:t>2009.</a:t>
+            </a:r>
+            <a:endParaRPr lang="en-US" sz="2800" dirty="0">
+              <a:cs typeface="Segoe UI" panose="020B0502040204020203" pitchFamily="34" charset="0"/>
+            </a:endParaRPr>
           </a:p>
         </p:txBody>
       </p:sp>
     </p:spTree>
     <p:extLst>
       <p:ext uri="{BB962C8B-B14F-4D97-AF65-F5344CB8AC3E}">
-        <p14:creationId xmlns:p14="http://schemas.microsoft.com/office/powerpoint/2010/main" val="3298442473"/>
+        <p14:creationId xmlns:p14="http://schemas.microsoft.com/office/powerpoint/2010/main" val="3934140040"/>
       </p:ext>
     </p:extLst>
   </p:cSld>
@@ -35904,114 +35851,128 @@
       </p:pic>
       <p:sp>
         <p:nvSpPr>
-          <p:cNvPr id="8" name="Rectangle 7"/>
+          <p:cNvPr id="2" name="Rectangle 1"/>
           <p:cNvSpPr/>
           <p:nvPr/>
         </p:nvSpPr>
         <p:spPr>
           <a:xfrm>
-            <a:off x="762000" y="4556279"/>
-            <a:ext cx="11137900" cy="1384995"/>
+            <a:off x="1123950" y="4517955"/>
+            <a:ext cx="6096000" cy="1200329"/>
           </a:xfrm>
           <a:prstGeom prst="rect">
             <a:avLst/>
           </a:prstGeom>
         </p:spPr>
         <p:txBody>
-          <a:bodyPr wrap="square">
+          <a:bodyPr>
             <a:spAutoFit/>
           </a:bodyPr>
           <a:lstStyle/>
           <a:p>
             <a:r>
-              <a:rPr lang="en-US" sz="2800" dirty="0">
+              <a:rPr lang="en-US" sz="2400" b="1" dirty="0" smtClean="0">
                 <a:solidFill>
-                  <a:srgbClr val="333333"/>
+                  <a:srgbClr val="4C5859"/>
                 </a:solidFill>
-                <a:latin typeface="Source Sans Pro"/>
+                <a:cs typeface="Segoe UI" panose="020B0502040204020203" pitchFamily="34" charset="0"/>
               </a:rPr>
-              <a:t>Node.js® is a </a:t>
-            </a:r>
-            <a:r>
-              <a:rPr lang="en-US" sz="2800" b="1" dirty="0">
+              <a:t>Event-driven </a:t>
+            </a:r>
+            <a:r>
+              <a:rPr lang="en-US" sz="2400" b="1" dirty="0">
+                <a:solidFill>
+                  <a:srgbClr val="4C5859"/>
+                </a:solidFill>
+                <a:cs typeface="Segoe UI" panose="020B0502040204020203" pitchFamily="34" charset="0"/>
+              </a:rPr>
+              <a:t>programming </a:t>
+            </a:r>
+            <a:r>
+              <a:rPr lang="en-US" sz="2400" dirty="0">
+                <a:solidFill>
+                  <a:srgbClr val="4C5859"/>
+                </a:solidFill>
+                <a:cs typeface="Segoe UI" panose="020B0502040204020203" pitchFamily="34" charset="0"/>
+              </a:rPr>
+              <a:t>is application flow control that is determined by events or changes in state.</a:t>
+            </a:r>
+            <a:endParaRPr lang="en-US" sz="2400" dirty="0">
+              <a:cs typeface="Segoe UI" panose="020B0502040204020203" pitchFamily="34" charset="0"/>
+            </a:endParaRPr>
+          </a:p>
+        </p:txBody>
+      </p:sp>
+      <p:sp>
+        <p:nvSpPr>
+          <p:cNvPr id="3" name="Rectangle 2"/>
+          <p:cNvSpPr/>
+          <p:nvPr/>
+        </p:nvSpPr>
+        <p:spPr>
+          <a:xfrm>
+            <a:off x="1123950" y="5718284"/>
+            <a:ext cx="5701561" cy="461665"/>
+          </a:xfrm>
+          <a:prstGeom prst="rect">
+            <a:avLst/>
+          </a:prstGeom>
+        </p:spPr>
+        <p:txBody>
+          <a:bodyPr wrap="none">
+            <a:spAutoFit/>
+          </a:bodyPr>
+          <a:lstStyle/>
+          <a:p>
+            <a:r>
+              <a:rPr lang="en-US" sz="2400" dirty="0">
                 <a:solidFill>
                   <a:srgbClr val="00ABEC"/>
                 </a:solidFill>
-                <a:latin typeface="Source Sans Pro"/>
+                <a:cs typeface="Segoe UI" panose="020B0502040204020203" pitchFamily="34" charset="0"/>
               </a:rPr>
-              <a:t>JavaScript runtime </a:t>
-            </a:r>
-            <a:r>
-              <a:rPr lang="en-US" sz="2800" dirty="0">
-                <a:solidFill>
-                  <a:srgbClr val="333333"/>
-                </a:solidFill>
-                <a:latin typeface="Source Sans Pro"/>
-              </a:rPr>
-              <a:t>built on </a:t>
-            </a:r>
-            <a:r>
-              <a:rPr lang="en-US" sz="2800" dirty="0">
-                <a:solidFill>
-                  <a:srgbClr val="80BD01"/>
-                </a:solidFill>
-                <a:latin typeface="Source Sans Pro"/>
-              </a:rPr>
-              <a:t>Chrome's V8 JavaScript engine</a:t>
-            </a:r>
-            <a:r>
-              <a:rPr lang="en-US" sz="2800" dirty="0">
-                <a:solidFill>
-                  <a:srgbClr val="333333"/>
-                </a:solidFill>
-                <a:latin typeface="Source Sans Pro"/>
-              </a:rPr>
-              <a:t>. Node.js uses an </a:t>
-            </a:r>
-            <a:r>
-              <a:rPr lang="en-US" sz="2800" b="1" dirty="0">
+              <a:t>E</a:t>
+            </a:r>
+            <a:r>
+              <a:rPr lang="en-US" sz="2400" dirty="0" smtClean="0">
                 <a:solidFill>
                   <a:srgbClr val="00ABEC"/>
                 </a:solidFill>
-                <a:latin typeface="Source Sans Pro"/>
+                <a:cs typeface="Segoe UI" panose="020B0502040204020203" pitchFamily="34" charset="0"/>
               </a:rPr>
-              <a:t>event-driven</a:t>
-            </a:r>
-            <a:r>
-              <a:rPr lang="en-US" sz="2800" dirty="0">
-                <a:solidFill>
-                  <a:srgbClr val="333333"/>
-                </a:solidFill>
-                <a:latin typeface="Source Sans Pro"/>
-              </a:rPr>
-              <a:t>, </a:t>
-            </a:r>
-            <a:r>
-              <a:rPr lang="en-US" sz="2800" b="1" dirty="0">
+              <a:t>verything </a:t>
+            </a:r>
+            <a:r>
+              <a:rPr lang="en-US" sz="2400" dirty="0">
                 <a:solidFill>
                   <a:srgbClr val="00ABEC"/>
                 </a:solidFill>
-                <a:latin typeface="Source Sans Pro"/>
+                <a:cs typeface="Segoe UI" panose="020B0502040204020203" pitchFamily="34" charset="0"/>
               </a:rPr>
-              <a:t>non-blocking I/O model </a:t>
-            </a:r>
-            <a:r>
-              <a:rPr lang="en-US" sz="2800" dirty="0">
+              <a:t>runs in parallel except your </a:t>
+            </a:r>
+            <a:r>
+              <a:rPr lang="en-US" sz="2400" dirty="0" smtClean="0">
                 <a:solidFill>
-                  <a:srgbClr val="333333"/>
+                  <a:srgbClr val="00ABEC"/>
                 </a:solidFill>
-                <a:latin typeface="Source Sans Pro"/>
+                <a:cs typeface="Segoe UI" panose="020B0502040204020203" pitchFamily="34" charset="0"/>
               </a:rPr>
-              <a:t>that makes it lightweight and efficient. </a:t>
-            </a:r>
-            <a:endParaRPr lang="en-US" sz="2800" dirty="0"/>
+              <a:t>code.</a:t>
+            </a:r>
+            <a:endParaRPr lang="en-US" sz="2400" dirty="0">
+              <a:solidFill>
+                <a:srgbClr val="00ABEC"/>
+              </a:solidFill>
+              <a:cs typeface="Segoe UI" panose="020B0502040204020203" pitchFamily="34" charset="0"/>
+            </a:endParaRPr>
           </a:p>
         </p:txBody>
       </p:sp>
     </p:spTree>
     <p:extLst>
       <p:ext uri="{BB962C8B-B14F-4D97-AF65-F5344CB8AC3E}">
-        <p14:creationId xmlns:p14="http://schemas.microsoft.com/office/powerpoint/2010/main" val="3934140040"/>
+        <p14:creationId xmlns:p14="http://schemas.microsoft.com/office/powerpoint/2010/main" val="142576634"/>
       </p:ext>
     </p:extLst>
   </p:cSld>
@@ -36083,94 +36044,6 @@
           </a:prstGeom>
         </p:spPr>
       </p:pic>
-      <p:pic>
-        <p:nvPicPr>
-          <p:cNvPr id="7" name="Picture 6"/>
-          <p:cNvPicPr>
-            <a:picLocks noChangeAspect="1"/>
-          </p:cNvPicPr>
-          <p:nvPr/>
-        </p:nvPicPr>
-        <p:blipFill>
-          <a:blip r:embed="rId3" cstate="print">
-            <a:extLst>
-              <a:ext uri="{28A0092B-C50C-407E-A947-70E740481C1C}">
-                <a14:useLocalDpi xmlns:a14="http://schemas.microsoft.com/office/drawing/2010/main" val="0"/>
-              </a:ext>
-            </a:extLst>
-          </a:blip>
-          <a:stretch>
-            <a:fillRect/>
-          </a:stretch>
-        </p:blipFill>
-        <p:spPr>
-          <a:xfrm>
-            <a:off x="3603371" y="2488183"/>
-            <a:ext cx="4989218" cy="1347217"/>
-          </a:xfrm>
-          <a:prstGeom prst="rect">
-            <a:avLst/>
-          </a:prstGeom>
-        </p:spPr>
-      </p:pic>
-      <p:sp>
-        <p:nvSpPr>
-          <p:cNvPr id="2" name="Rectangle 1"/>
-          <p:cNvSpPr/>
-          <p:nvPr/>
-        </p:nvSpPr>
-        <p:spPr>
-          <a:xfrm>
-            <a:off x="1123950" y="4517955"/>
-            <a:ext cx="6096000" cy="1015663"/>
-          </a:xfrm>
-          <a:prstGeom prst="rect">
-            <a:avLst/>
-          </a:prstGeom>
-        </p:spPr>
-        <p:txBody>
-          <a:bodyPr>
-            <a:spAutoFit/>
-          </a:bodyPr>
-          <a:lstStyle/>
-          <a:p>
-            <a:r>
-              <a:rPr lang="en-US" sz="2000" b="1" dirty="0" smtClean="0">
-                <a:solidFill>
-                  <a:srgbClr val="4C5859"/>
-                </a:solidFill>
-                <a:latin typeface="Segoe UI" panose="020B0502040204020203" pitchFamily="34" charset="0"/>
-                <a:cs typeface="Segoe UI" panose="020B0502040204020203" pitchFamily="34" charset="0"/>
-              </a:rPr>
-              <a:t>Event-driven </a:t>
-            </a:r>
-            <a:r>
-              <a:rPr lang="en-US" sz="2000" b="1" dirty="0">
-                <a:solidFill>
-                  <a:srgbClr val="4C5859"/>
-                </a:solidFill>
-                <a:latin typeface="Segoe UI" panose="020B0502040204020203" pitchFamily="34" charset="0"/>
-                <a:cs typeface="Segoe UI" panose="020B0502040204020203" pitchFamily="34" charset="0"/>
-              </a:rPr>
-              <a:t>programming </a:t>
-            </a:r>
-            <a:r>
-              <a:rPr lang="en-US" sz="2000" dirty="0">
-                <a:solidFill>
-                  <a:srgbClr val="4C5859"/>
-                </a:solidFill>
-                <a:latin typeface="Segoe UI" panose="020B0502040204020203" pitchFamily="34" charset="0"/>
-                <a:cs typeface="Segoe UI" panose="020B0502040204020203" pitchFamily="34" charset="0"/>
-              </a:rPr>
-              <a:t>is application flow control that is determined by events or changes in state.</a:t>
-            </a:r>
-            <a:endParaRPr lang="en-US" sz="2000" dirty="0">
-              <a:latin typeface="Segoe UI" panose="020B0502040204020203" pitchFamily="34" charset="0"/>
-              <a:cs typeface="Segoe UI" panose="020B0502040204020203" pitchFamily="34" charset="0"/>
-            </a:endParaRPr>
-          </a:p>
-        </p:txBody>
-      </p:sp>
       <p:sp>
         <p:nvSpPr>
           <p:cNvPr id="3" name="Rectangle 2"/>
@@ -36179,60 +36052,782 @@
         </p:nvSpPr>
         <p:spPr>
           <a:xfrm>
-            <a:off x="1123950" y="5548477"/>
-            <a:ext cx="5131213" cy="400110"/>
+            <a:off x="1107411" y="2841338"/>
+            <a:ext cx="2238989" cy="522514"/>
           </a:xfrm>
           <a:prstGeom prst="rect">
             <a:avLst/>
           </a:prstGeom>
+          <a:solidFill>
+            <a:schemeClr val="accent1">
+              <a:lumMod val="75000"/>
+            </a:schemeClr>
+          </a:solidFill>
+          <a:ln w="28575"/>
+        </p:spPr>
+        <p:style>
+          <a:lnRef idx="2">
+            <a:schemeClr val="accent1">
+              <a:shade val="50000"/>
+            </a:schemeClr>
+          </a:lnRef>
+          <a:fillRef idx="1">
+            <a:schemeClr val="accent1"/>
+          </a:fillRef>
+          <a:effectRef idx="0">
+            <a:schemeClr val="accent1"/>
+          </a:effectRef>
+          <a:fontRef idx="minor">
+            <a:schemeClr val="lt1"/>
+          </a:fontRef>
+        </p:style>
+        <p:txBody>
+          <a:bodyPr rtlCol="0" anchor="ctr"/>
+          <a:lstStyle/>
+          <a:p>
+            <a:pPr algn="ctr"/>
+            <a:r>
+              <a:rPr lang="en-US" dirty="0" smtClean="0"/>
+              <a:t>Network call</a:t>
+            </a:r>
+            <a:endParaRPr lang="en-US" dirty="0"/>
+          </a:p>
+        </p:txBody>
+      </p:sp>
+      <p:sp>
+        <p:nvSpPr>
+          <p:cNvPr id="5" name="Rectangle 4"/>
+          <p:cNvSpPr/>
+          <p:nvPr/>
+        </p:nvSpPr>
+        <p:spPr>
+          <a:xfrm>
+            <a:off x="1107411" y="2130186"/>
+            <a:ext cx="2238989" cy="522514"/>
+          </a:xfrm>
+          <a:prstGeom prst="rect">
+            <a:avLst/>
+          </a:prstGeom>
+          <a:solidFill>
+            <a:schemeClr val="accent1">
+              <a:lumMod val="75000"/>
+            </a:schemeClr>
+          </a:solidFill>
+          <a:ln w="28575"/>
+        </p:spPr>
+        <p:style>
+          <a:lnRef idx="2">
+            <a:schemeClr val="accent1">
+              <a:shade val="50000"/>
+            </a:schemeClr>
+          </a:lnRef>
+          <a:fillRef idx="1">
+            <a:schemeClr val="accent1"/>
+          </a:fillRef>
+          <a:effectRef idx="0">
+            <a:schemeClr val="accent1"/>
+          </a:effectRef>
+          <a:fontRef idx="minor">
+            <a:schemeClr val="lt1"/>
+          </a:fontRef>
+        </p:style>
+        <p:txBody>
+          <a:bodyPr rtlCol="0" anchor="ctr"/>
+          <a:lstStyle/>
+          <a:p>
+            <a:pPr algn="ctr"/>
+            <a:r>
+              <a:rPr lang="en-US" dirty="0" err="1"/>
+              <a:t>d</a:t>
+            </a:r>
+            <a:r>
+              <a:rPr lang="en-US" dirty="0" err="1" smtClean="0"/>
+              <a:t>b.query</a:t>
+            </a:r>
+            <a:r>
+              <a:rPr lang="en-US" dirty="0" smtClean="0"/>
+              <a:t>(…)</a:t>
+            </a:r>
+            <a:endParaRPr lang="en-US" dirty="0"/>
+          </a:p>
+        </p:txBody>
+      </p:sp>
+      <p:sp>
+        <p:nvSpPr>
+          <p:cNvPr id="6" name="Rectangle 5"/>
+          <p:cNvSpPr/>
+          <p:nvPr/>
+        </p:nvSpPr>
+        <p:spPr>
+          <a:xfrm>
+            <a:off x="1107411" y="3537522"/>
+            <a:ext cx="2238989" cy="522514"/>
+          </a:xfrm>
+          <a:prstGeom prst="rect">
+            <a:avLst/>
+          </a:prstGeom>
+          <a:solidFill>
+            <a:schemeClr val="accent1">
+              <a:lumMod val="75000"/>
+            </a:schemeClr>
+          </a:solidFill>
+          <a:ln w="28575"/>
+        </p:spPr>
+        <p:style>
+          <a:lnRef idx="2">
+            <a:schemeClr val="accent1">
+              <a:shade val="50000"/>
+            </a:schemeClr>
+          </a:lnRef>
+          <a:fillRef idx="1">
+            <a:schemeClr val="accent1"/>
+          </a:fillRef>
+          <a:effectRef idx="0">
+            <a:schemeClr val="accent1"/>
+          </a:effectRef>
+          <a:fontRef idx="minor">
+            <a:schemeClr val="lt1"/>
+          </a:fontRef>
+        </p:style>
+        <p:txBody>
+          <a:bodyPr rtlCol="0" anchor="ctr"/>
+          <a:lstStyle/>
+          <a:p>
+            <a:pPr algn="ctr"/>
+            <a:r>
+              <a:rPr lang="en-US" dirty="0" smtClean="0"/>
+              <a:t>Shift array</a:t>
+            </a:r>
+            <a:endParaRPr lang="en-US" dirty="0"/>
+          </a:p>
+        </p:txBody>
+      </p:sp>
+      <p:sp>
+        <p:nvSpPr>
+          <p:cNvPr id="7" name="Rectangle 6"/>
+          <p:cNvSpPr/>
+          <p:nvPr/>
+        </p:nvSpPr>
+        <p:spPr>
+          <a:xfrm>
+            <a:off x="1107411" y="4230484"/>
+            <a:ext cx="2238989" cy="522514"/>
+          </a:xfrm>
+          <a:prstGeom prst="rect">
+            <a:avLst/>
+          </a:prstGeom>
+          <a:solidFill>
+            <a:schemeClr val="accent1">
+              <a:lumMod val="75000"/>
+            </a:schemeClr>
+          </a:solidFill>
+          <a:ln w="28575"/>
+        </p:spPr>
+        <p:style>
+          <a:lnRef idx="2">
+            <a:schemeClr val="accent1">
+              <a:shade val="50000"/>
+            </a:schemeClr>
+          </a:lnRef>
+          <a:fillRef idx="1">
+            <a:schemeClr val="accent1"/>
+          </a:fillRef>
+          <a:effectRef idx="0">
+            <a:schemeClr val="accent1"/>
+          </a:effectRef>
+          <a:fontRef idx="minor">
+            <a:schemeClr val="lt1"/>
+          </a:fontRef>
+        </p:style>
+        <p:txBody>
+          <a:bodyPr rtlCol="0" anchor="ctr"/>
+          <a:lstStyle/>
+          <a:p>
+            <a:pPr algn="ctr"/>
+            <a:r>
+              <a:rPr lang="en-US" dirty="0" smtClean="0"/>
+              <a:t>Read from </a:t>
+            </a:r>
+            <a:r>
+              <a:rPr lang="en-US" dirty="0" smtClean="0"/>
+              <a:t>file</a:t>
+            </a:r>
+            <a:endParaRPr lang="en-US" dirty="0"/>
+          </a:p>
+        </p:txBody>
+      </p:sp>
+      <p:sp>
+        <p:nvSpPr>
+          <p:cNvPr id="8" name="Rectangle 7"/>
+          <p:cNvSpPr/>
+          <p:nvPr/>
+        </p:nvSpPr>
+        <p:spPr>
+          <a:xfrm>
+            <a:off x="1119657" y="4929891"/>
+            <a:ext cx="2238989" cy="522514"/>
+          </a:xfrm>
+          <a:prstGeom prst="rect">
+            <a:avLst/>
+          </a:prstGeom>
+          <a:solidFill>
+            <a:schemeClr val="accent1">
+              <a:lumMod val="75000"/>
+            </a:schemeClr>
+          </a:solidFill>
+          <a:ln w="28575"/>
+        </p:spPr>
+        <p:style>
+          <a:lnRef idx="2">
+            <a:schemeClr val="accent1">
+              <a:shade val="50000"/>
+            </a:schemeClr>
+          </a:lnRef>
+          <a:fillRef idx="1">
+            <a:schemeClr val="accent1"/>
+          </a:fillRef>
+          <a:effectRef idx="0">
+            <a:schemeClr val="accent1"/>
+          </a:effectRef>
+          <a:fontRef idx="minor">
+            <a:schemeClr val="lt1"/>
+          </a:fontRef>
+        </p:style>
+        <p:txBody>
+          <a:bodyPr rtlCol="0" anchor="ctr"/>
+          <a:lstStyle/>
+          <a:p>
+            <a:pPr algn="ctr"/>
+            <a:r>
+              <a:rPr lang="en-US" dirty="0" smtClean="0"/>
+              <a:t>console.log()</a:t>
+            </a:r>
+            <a:endParaRPr lang="en-US" dirty="0"/>
+          </a:p>
+        </p:txBody>
+      </p:sp>
+      <p:sp>
+        <p:nvSpPr>
+          <p:cNvPr id="9" name="TextBox 8"/>
+          <p:cNvSpPr txBox="1"/>
+          <p:nvPr/>
+        </p:nvSpPr>
+        <p:spPr>
+          <a:xfrm>
+            <a:off x="982049" y="1437307"/>
+            <a:ext cx="2890157" cy="523220"/>
+          </a:xfrm>
+          <a:prstGeom prst="rect">
+            <a:avLst/>
+          </a:prstGeom>
+          <a:noFill/>
         </p:spPr>
         <p:txBody>
-          <a:bodyPr wrap="none">
+          <a:bodyPr wrap="square" rtlCol="0">
             <a:spAutoFit/>
           </a:bodyPr>
           <a:lstStyle/>
           <a:p>
             <a:r>
-              <a:rPr lang="en-US" sz="2000" dirty="0">
-                <a:solidFill>
-                  <a:srgbClr val="222222"/>
-                </a:solidFill>
-                <a:latin typeface="Segoe UI" panose="020B0502040204020203" pitchFamily="34" charset="0"/>
-                <a:cs typeface="Segoe UI" panose="020B0502040204020203" pitchFamily="34" charset="0"/>
-              </a:rPr>
-              <a:t>E</a:t>
-            </a:r>
-            <a:r>
-              <a:rPr lang="en-US" sz="2000" dirty="0" smtClean="0">
-                <a:solidFill>
-                  <a:srgbClr val="222222"/>
-                </a:solidFill>
-                <a:latin typeface="Segoe UI" panose="020B0502040204020203" pitchFamily="34" charset="0"/>
-                <a:cs typeface="Segoe UI" panose="020B0502040204020203" pitchFamily="34" charset="0"/>
-              </a:rPr>
-              <a:t>verything </a:t>
-            </a:r>
-            <a:r>
-              <a:rPr lang="en-US" sz="2000" dirty="0">
-                <a:solidFill>
-                  <a:srgbClr val="222222"/>
-                </a:solidFill>
-                <a:latin typeface="Segoe UI" panose="020B0502040204020203" pitchFamily="34" charset="0"/>
-                <a:cs typeface="Segoe UI" panose="020B0502040204020203" pitchFamily="34" charset="0"/>
-              </a:rPr>
-              <a:t>runs in parallel except your code</a:t>
-            </a:r>
-            <a:endParaRPr lang="en-US" sz="2000" dirty="0">
-              <a:latin typeface="Segoe UI" panose="020B0502040204020203" pitchFamily="34" charset="0"/>
-              <a:cs typeface="Segoe UI" panose="020B0502040204020203" pitchFamily="34" charset="0"/>
-            </a:endParaRPr>
+              <a:rPr lang="en-US" sz="2800" dirty="0" smtClean="0"/>
+              <a:t>Event Queue</a:t>
+            </a:r>
+            <a:endParaRPr lang="en-US" sz="2800" dirty="0"/>
           </a:p>
         </p:txBody>
       </p:sp>
+      <p:cxnSp>
+        <p:nvCxnSpPr>
+          <p:cNvPr id="11" name="Straight Arrow Connector 10"/>
+          <p:cNvCxnSpPr/>
+          <p:nvPr/>
+        </p:nvCxnSpPr>
+        <p:spPr>
+          <a:xfrm flipV="1">
+            <a:off x="4049487" y="3731080"/>
+            <a:ext cx="718457" cy="1"/>
+          </a:xfrm>
+          <a:prstGeom prst="straightConnector1">
+            <a:avLst/>
+          </a:prstGeom>
+          <a:ln w="38100">
+            <a:tailEnd type="triangle"/>
+          </a:ln>
+        </p:spPr>
+        <p:style>
+          <a:lnRef idx="1">
+            <a:schemeClr val="accent1"/>
+          </a:lnRef>
+          <a:fillRef idx="0">
+            <a:schemeClr val="accent1"/>
+          </a:fillRef>
+          <a:effectRef idx="0">
+            <a:schemeClr val="accent1"/>
+          </a:effectRef>
+          <a:fontRef idx="minor">
+            <a:schemeClr val="tx1"/>
+          </a:fontRef>
+        </p:style>
+      </p:cxnSp>
+      <p:cxnSp>
+        <p:nvCxnSpPr>
+          <p:cNvPr id="19" name="Straight Arrow Connector 18"/>
+          <p:cNvCxnSpPr/>
+          <p:nvPr/>
+        </p:nvCxnSpPr>
+        <p:spPr>
+          <a:xfrm flipV="1">
+            <a:off x="8047269" y="3731080"/>
+            <a:ext cx="718457" cy="1"/>
+          </a:xfrm>
+          <a:prstGeom prst="straightConnector1">
+            <a:avLst/>
+          </a:prstGeom>
+          <a:ln w="38100">
+            <a:tailEnd type="triangle"/>
+          </a:ln>
+        </p:spPr>
+        <p:style>
+          <a:lnRef idx="1">
+            <a:schemeClr val="accent1"/>
+          </a:lnRef>
+          <a:fillRef idx="0">
+            <a:schemeClr val="accent1"/>
+          </a:fillRef>
+          <a:effectRef idx="0">
+            <a:schemeClr val="accent1"/>
+          </a:effectRef>
+          <a:fontRef idx="minor">
+            <a:schemeClr val="tx1"/>
+          </a:fontRef>
+        </p:style>
+      </p:cxnSp>
+      <p:sp>
+        <p:nvSpPr>
+          <p:cNvPr id="21" name="Rectangle 20"/>
+          <p:cNvSpPr/>
+          <p:nvPr/>
+        </p:nvSpPr>
+        <p:spPr>
+          <a:xfrm>
+            <a:off x="9144002" y="3498078"/>
+            <a:ext cx="2132238" cy="464004"/>
+          </a:xfrm>
+          <a:prstGeom prst="rect">
+            <a:avLst/>
+          </a:prstGeom>
+          <a:solidFill>
+            <a:schemeClr val="accent1">
+              <a:lumMod val="75000"/>
+            </a:schemeClr>
+          </a:solidFill>
+          <a:ln w="28575"/>
+        </p:spPr>
+        <p:style>
+          <a:lnRef idx="2">
+            <a:schemeClr val="accent1">
+              <a:shade val="50000"/>
+            </a:schemeClr>
+          </a:lnRef>
+          <a:fillRef idx="1">
+            <a:schemeClr val="accent1"/>
+          </a:fillRef>
+          <a:effectRef idx="0">
+            <a:schemeClr val="accent1"/>
+          </a:effectRef>
+          <a:fontRef idx="minor">
+            <a:schemeClr val="lt1"/>
+          </a:fontRef>
+        </p:style>
+        <p:txBody>
+          <a:bodyPr rtlCol="0" anchor="ctr"/>
+          <a:lstStyle/>
+          <a:p>
+            <a:pPr algn="ctr"/>
+            <a:r>
+              <a:rPr lang="en-US" dirty="0" err="1" smtClean="0"/>
+              <a:t>FIlesystem</a:t>
+            </a:r>
+            <a:endParaRPr lang="en-US" dirty="0"/>
+          </a:p>
+        </p:txBody>
+      </p:sp>
+      <p:sp>
+        <p:nvSpPr>
+          <p:cNvPr id="22" name="Rectangle 21"/>
+          <p:cNvSpPr/>
+          <p:nvPr/>
+        </p:nvSpPr>
+        <p:spPr>
+          <a:xfrm>
+            <a:off x="9144002" y="2824343"/>
+            <a:ext cx="2132238" cy="464004"/>
+          </a:xfrm>
+          <a:prstGeom prst="rect">
+            <a:avLst/>
+          </a:prstGeom>
+          <a:solidFill>
+            <a:schemeClr val="accent1">
+              <a:lumMod val="75000"/>
+            </a:schemeClr>
+          </a:solidFill>
+          <a:ln w="28575"/>
+        </p:spPr>
+        <p:style>
+          <a:lnRef idx="2">
+            <a:schemeClr val="accent1">
+              <a:shade val="50000"/>
+            </a:schemeClr>
+          </a:lnRef>
+          <a:fillRef idx="1">
+            <a:schemeClr val="accent1"/>
+          </a:fillRef>
+          <a:effectRef idx="0">
+            <a:schemeClr val="accent1"/>
+          </a:effectRef>
+          <a:fontRef idx="minor">
+            <a:schemeClr val="lt1"/>
+          </a:fontRef>
+        </p:style>
+        <p:txBody>
+          <a:bodyPr rtlCol="0" anchor="ctr"/>
+          <a:lstStyle/>
+          <a:p>
+            <a:pPr algn="ctr"/>
+            <a:r>
+              <a:rPr lang="en-US" dirty="0" smtClean="0"/>
+              <a:t>Network</a:t>
+            </a:r>
+            <a:endParaRPr lang="en-US" dirty="0"/>
+          </a:p>
+        </p:txBody>
+      </p:sp>
+      <p:sp>
+        <p:nvSpPr>
+          <p:cNvPr id="23" name="Rectangle 22"/>
+          <p:cNvSpPr/>
+          <p:nvPr/>
+        </p:nvSpPr>
+        <p:spPr>
+          <a:xfrm>
+            <a:off x="9144002" y="4161604"/>
+            <a:ext cx="2132238" cy="464004"/>
+          </a:xfrm>
+          <a:prstGeom prst="rect">
+            <a:avLst/>
+          </a:prstGeom>
+          <a:solidFill>
+            <a:schemeClr val="accent1">
+              <a:lumMod val="75000"/>
+            </a:schemeClr>
+          </a:solidFill>
+          <a:ln w="28575"/>
+        </p:spPr>
+        <p:style>
+          <a:lnRef idx="2">
+            <a:schemeClr val="accent1">
+              <a:shade val="50000"/>
+            </a:schemeClr>
+          </a:lnRef>
+          <a:fillRef idx="1">
+            <a:schemeClr val="accent1"/>
+          </a:fillRef>
+          <a:effectRef idx="0">
+            <a:schemeClr val="accent1"/>
+          </a:effectRef>
+          <a:fontRef idx="minor">
+            <a:schemeClr val="lt1"/>
+          </a:fontRef>
+        </p:style>
+        <p:txBody>
+          <a:bodyPr rtlCol="0" anchor="ctr"/>
+          <a:lstStyle/>
+          <a:p>
+            <a:pPr algn="ctr"/>
+            <a:r>
+              <a:rPr lang="en-US" dirty="0" smtClean="0"/>
+              <a:t>…</a:t>
+            </a:r>
+            <a:endParaRPr lang="en-US" dirty="0"/>
+          </a:p>
+        </p:txBody>
+      </p:sp>
+      <p:sp>
+        <p:nvSpPr>
+          <p:cNvPr id="26" name="TextBox 25"/>
+          <p:cNvSpPr txBox="1"/>
+          <p:nvPr/>
+        </p:nvSpPr>
+        <p:spPr>
+          <a:xfrm>
+            <a:off x="8997046" y="2072017"/>
+            <a:ext cx="2122714" cy="523220"/>
+          </a:xfrm>
+          <a:prstGeom prst="rect">
+            <a:avLst/>
+          </a:prstGeom>
+          <a:noFill/>
+        </p:spPr>
+        <p:txBody>
+          <a:bodyPr wrap="square" rtlCol="0">
+            <a:spAutoFit/>
+          </a:bodyPr>
+          <a:lstStyle/>
+          <a:p>
+            <a:r>
+              <a:rPr lang="en-US" sz="2800" dirty="0" smtClean="0"/>
+              <a:t>Thread pool</a:t>
+            </a:r>
+            <a:endParaRPr lang="en-US" sz="2800" dirty="0"/>
+          </a:p>
+        </p:txBody>
+      </p:sp>
+      <p:grpSp>
+        <p:nvGrpSpPr>
+          <p:cNvPr id="28" name="Group 27"/>
+          <p:cNvGrpSpPr/>
+          <p:nvPr/>
+        </p:nvGrpSpPr>
+        <p:grpSpPr>
+          <a:xfrm>
+            <a:off x="5456805" y="2652700"/>
+            <a:ext cx="1901602" cy="1968875"/>
+            <a:chOff x="5280931" y="2792617"/>
+            <a:chExt cx="2718707" cy="2814887"/>
+          </a:xfrm>
+        </p:grpSpPr>
+        <p:sp>
+          <p:nvSpPr>
+            <p:cNvPr id="18" name="Oval 17"/>
+            <p:cNvSpPr/>
+            <p:nvPr/>
+          </p:nvSpPr>
+          <p:spPr>
+            <a:xfrm>
+              <a:off x="5280931" y="2888797"/>
+              <a:ext cx="2718707" cy="2718707"/>
+            </a:xfrm>
+            <a:prstGeom prst="ellipse">
+              <a:avLst/>
+            </a:prstGeom>
+            <a:noFill/>
+            <a:ln w="57150">
+              <a:solidFill>
+                <a:srgbClr val="FFC000"/>
+              </a:solidFill>
+            </a:ln>
+          </p:spPr>
+          <p:style>
+            <a:lnRef idx="2">
+              <a:schemeClr val="accent1">
+                <a:shade val="50000"/>
+              </a:schemeClr>
+            </a:lnRef>
+            <a:fillRef idx="1">
+              <a:schemeClr val="accent1"/>
+            </a:fillRef>
+            <a:effectRef idx="0">
+              <a:schemeClr val="accent1"/>
+            </a:effectRef>
+            <a:fontRef idx="minor">
+              <a:schemeClr val="lt1"/>
+            </a:fontRef>
+          </p:style>
+          <p:txBody>
+            <a:bodyPr rtlCol="0" anchor="ctr"/>
+            <a:lstStyle/>
+            <a:p>
+              <a:pPr algn="ctr"/>
+              <a:r>
+                <a:rPr lang="en-US" sz="2800" dirty="0" smtClean="0">
+                  <a:solidFill>
+                    <a:schemeClr val="tx1"/>
+                  </a:solidFill>
+                </a:rPr>
+                <a:t>Event loop</a:t>
+              </a:r>
+              <a:endParaRPr lang="en-US" dirty="0">
+                <a:solidFill>
+                  <a:schemeClr val="tx1"/>
+                </a:solidFill>
+              </a:endParaRPr>
+            </a:p>
+          </p:txBody>
+        </p:sp>
+        <p:sp>
+          <p:nvSpPr>
+            <p:cNvPr id="27" name="Chevron 26"/>
+            <p:cNvSpPr/>
+            <p:nvPr/>
+          </p:nvSpPr>
+          <p:spPr>
+            <a:xfrm rot="2402352">
+              <a:off x="7029813" y="2792617"/>
+              <a:ext cx="587828" cy="553104"/>
+            </a:xfrm>
+            <a:prstGeom prst="chevron">
+              <a:avLst/>
+            </a:prstGeom>
+          </p:spPr>
+          <p:style>
+            <a:lnRef idx="2">
+              <a:schemeClr val="accent1">
+                <a:shade val="50000"/>
+              </a:schemeClr>
+            </a:lnRef>
+            <a:fillRef idx="1">
+              <a:schemeClr val="accent1"/>
+            </a:fillRef>
+            <a:effectRef idx="0">
+              <a:schemeClr val="accent1"/>
+            </a:effectRef>
+            <a:fontRef idx="minor">
+              <a:schemeClr val="lt1"/>
+            </a:fontRef>
+          </p:style>
+          <p:txBody>
+            <a:bodyPr rtlCol="0" anchor="ctr"/>
+            <a:lstStyle/>
+            <a:p>
+              <a:pPr algn="ctr"/>
+              <a:endParaRPr lang="en-US">
+                <a:solidFill>
+                  <a:schemeClr val="tx1"/>
+                </a:solidFill>
+              </a:endParaRPr>
+            </a:p>
+          </p:txBody>
+        </p:sp>
+      </p:grpSp>
+      <p:cxnSp>
+        <p:nvCxnSpPr>
+          <p:cNvPr id="35" name="Straight Arrow Connector 34"/>
+          <p:cNvCxnSpPr/>
+          <p:nvPr/>
+        </p:nvCxnSpPr>
+        <p:spPr>
+          <a:xfrm flipV="1">
+            <a:off x="2136324" y="5624048"/>
+            <a:ext cx="12246" cy="447463"/>
+          </a:xfrm>
+          <a:prstGeom prst="straightConnector1">
+            <a:avLst/>
+          </a:prstGeom>
+          <a:ln w="38100">
+            <a:tailEnd type="triangle"/>
+          </a:ln>
+        </p:spPr>
+        <p:style>
+          <a:lnRef idx="1">
+            <a:schemeClr val="accent1"/>
+          </a:lnRef>
+          <a:fillRef idx="0">
+            <a:schemeClr val="accent1"/>
+          </a:fillRef>
+          <a:effectRef idx="0">
+            <a:schemeClr val="accent1"/>
+          </a:effectRef>
+          <a:fontRef idx="minor">
+            <a:schemeClr val="tx1"/>
+          </a:fontRef>
+        </p:style>
+      </p:cxnSp>
+      <p:cxnSp>
+        <p:nvCxnSpPr>
+          <p:cNvPr id="38" name="Straight Connector 37"/>
+          <p:cNvCxnSpPr/>
+          <p:nvPr/>
+        </p:nvCxnSpPr>
+        <p:spPr>
+          <a:xfrm flipV="1">
+            <a:off x="2122713" y="6055183"/>
+            <a:ext cx="8082643" cy="27211"/>
+          </a:xfrm>
+          <a:prstGeom prst="line">
+            <a:avLst/>
+          </a:prstGeom>
+          <a:ln w="38100"/>
+        </p:spPr>
+        <p:style>
+          <a:lnRef idx="1">
+            <a:schemeClr val="accent1"/>
+          </a:lnRef>
+          <a:fillRef idx="0">
+            <a:schemeClr val="accent1"/>
+          </a:fillRef>
+          <a:effectRef idx="0">
+            <a:schemeClr val="accent1"/>
+          </a:effectRef>
+          <a:fontRef idx="minor">
+            <a:schemeClr val="tx1"/>
+          </a:fontRef>
+        </p:style>
+      </p:cxnSp>
+      <p:sp>
+        <p:nvSpPr>
+          <p:cNvPr id="45" name="TextBox 44"/>
+          <p:cNvSpPr txBox="1"/>
+          <p:nvPr/>
+        </p:nvSpPr>
+        <p:spPr>
+          <a:xfrm>
+            <a:off x="5821138" y="6115049"/>
+            <a:ext cx="3159579" cy="369332"/>
+          </a:xfrm>
+          <a:prstGeom prst="rect">
+            <a:avLst/>
+          </a:prstGeom>
+          <a:noFill/>
+        </p:spPr>
+        <p:txBody>
+          <a:bodyPr wrap="square" rtlCol="0">
+            <a:spAutoFit/>
+          </a:bodyPr>
+          <a:lstStyle/>
+          <a:p>
+            <a:r>
+              <a:rPr lang="en-US" dirty="0" smtClean="0"/>
+              <a:t>Callback</a:t>
+            </a:r>
+            <a:endParaRPr lang="en-US" dirty="0"/>
+          </a:p>
+        </p:txBody>
+      </p:sp>
+      <p:cxnSp>
+        <p:nvCxnSpPr>
+          <p:cNvPr id="47" name="Straight Connector 46"/>
+          <p:cNvCxnSpPr/>
+          <p:nvPr/>
+        </p:nvCxnSpPr>
+        <p:spPr>
+          <a:xfrm flipV="1">
+            <a:off x="10197192" y="4849586"/>
+            <a:ext cx="0" cy="1205597"/>
+          </a:xfrm>
+          <a:prstGeom prst="line">
+            <a:avLst/>
+          </a:prstGeom>
+          <a:ln w="38100"/>
+        </p:spPr>
+        <p:style>
+          <a:lnRef idx="1">
+            <a:schemeClr val="accent1"/>
+          </a:lnRef>
+          <a:fillRef idx="0">
+            <a:schemeClr val="accent1"/>
+          </a:fillRef>
+          <a:effectRef idx="0">
+            <a:schemeClr val="accent1"/>
+          </a:effectRef>
+          <a:fontRef idx="minor">
+            <a:schemeClr val="tx1"/>
+          </a:fontRef>
+        </p:style>
+      </p:cxnSp>
     </p:spTree>
     <p:extLst>
       <p:ext uri="{BB962C8B-B14F-4D97-AF65-F5344CB8AC3E}">
-        <p14:creationId xmlns:p14="http://schemas.microsoft.com/office/powerpoint/2010/main" val="142576634"/>
+        <p14:creationId xmlns:p14="http://schemas.microsoft.com/office/powerpoint/2010/main" val="2320371339"/>
       </p:ext>
     </p:extLst>
   </p:cSld>
@@ -36242,9 +36837,346 @@
   <p:timing>
     <p:tnLst>
       <p:par>
-        <p:cTn id="1" dur="indefinite" restart="never" nodeType="tmRoot"/>
+        <p:cTn id="1" dur="indefinite" restart="never" nodeType="tmRoot">
+          <p:childTnLst>
+            <p:seq concurrent="1" nextAc="seek">
+              <p:cTn id="2" dur="indefinite" nodeType="mainSeq">
+                <p:childTnLst>
+                  <p:par>
+                    <p:cTn id="3" fill="hold">
+                      <p:stCondLst>
+                        <p:cond delay="indefinite"/>
+                      </p:stCondLst>
+                      <p:childTnLst>
+                        <p:par>
+                          <p:cTn id="4" fill="hold">
+                            <p:stCondLst>
+                              <p:cond delay="0"/>
+                            </p:stCondLst>
+                            <p:childTnLst>
+                              <p:par>
+                                <p:cTn id="5" presetID="8" presetClass="emph" presetSubtype="0" fill="hold" nodeType="clickEffect">
+                                  <p:stCondLst>
+                                    <p:cond delay="0"/>
+                                  </p:stCondLst>
+                                  <p:childTnLst>
+                                    <p:animRot by="21600000">
+                                      <p:cBhvr>
+                                        <p:cTn id="6" dur="2000" fill="hold"/>
+                                        <p:tgtEl>
+                                          <p:spTgt spid="28"/>
+                                        </p:tgtEl>
+                                        <p:attrNameLst>
+                                          <p:attrName>r</p:attrName>
+                                        </p:attrNameLst>
+                                      </p:cBhvr>
+                                    </p:animRot>
+                                  </p:childTnLst>
+                                </p:cTn>
+                              </p:par>
+                              <p:par>
+                                <p:cTn id="7" presetID="42" presetClass="path" presetSubtype="0" accel="50000" decel="50000" fill="hold" grpId="0" nodeType="withEffect">
+                                  <p:stCondLst>
+                                    <p:cond delay="0"/>
+                                  </p:stCondLst>
+                                  <p:childTnLst>
+                                    <p:animMotion origin="layout" path="M -2.29167E-6 -1.11111E-6 L 0.34232 0.00232 " pathEditMode="relative" rAng="0" ptsTypes="AA">
+                                      <p:cBhvr>
+                                        <p:cTn id="8" dur="2000" fill="hold"/>
+                                        <p:tgtEl>
+                                          <p:spTgt spid="5"/>
+                                        </p:tgtEl>
+                                        <p:attrNameLst>
+                                          <p:attrName>ppt_x</p:attrName>
+                                          <p:attrName>ppt_y</p:attrName>
+                                        </p:attrNameLst>
+                                      </p:cBhvr>
+                                      <p:rCtr x="17109" y="116"/>
+                                    </p:animMotion>
+                                  </p:childTnLst>
+                                </p:cTn>
+                              </p:par>
+                            </p:childTnLst>
+                          </p:cTn>
+                        </p:par>
+                      </p:childTnLst>
+                    </p:cTn>
+                  </p:par>
+                  <p:par>
+                    <p:cTn id="9" fill="hold">
+                      <p:stCondLst>
+                        <p:cond delay="indefinite"/>
+                      </p:stCondLst>
+                      <p:childTnLst>
+                        <p:par>
+                          <p:cTn id="10" fill="hold">
+                            <p:stCondLst>
+                              <p:cond delay="0"/>
+                            </p:stCondLst>
+                            <p:childTnLst>
+                              <p:par>
+                                <p:cTn id="11" presetID="42" presetClass="path" presetSubtype="0" accel="50000" decel="50000" fill="hold" grpId="1" nodeType="clickEffect">
+                                  <p:stCondLst>
+                                    <p:cond delay="0"/>
+                                  </p:stCondLst>
+                                  <p:childTnLst>
+                                    <p:animMotion origin="layout" path="M 0.34232 0.00232 L 0.67071 -0.09421 " pathEditMode="relative" rAng="0" ptsTypes="AA">
+                                      <p:cBhvr>
+                                        <p:cTn id="12" dur="2000" fill="hold"/>
+                                        <p:tgtEl>
+                                          <p:spTgt spid="5"/>
+                                        </p:tgtEl>
+                                        <p:attrNameLst>
+                                          <p:attrName>ppt_x</p:attrName>
+                                          <p:attrName>ppt_y</p:attrName>
+                                        </p:attrNameLst>
+                                      </p:cBhvr>
+                                      <p:rCtr x="16458" y="-4537"/>
+                                    </p:animMotion>
+                                  </p:childTnLst>
+                                </p:cTn>
+                              </p:par>
+                            </p:childTnLst>
+                          </p:cTn>
+                        </p:par>
+                      </p:childTnLst>
+                    </p:cTn>
+                  </p:par>
+                  <p:par>
+                    <p:cTn id="13" fill="hold">
+                      <p:stCondLst>
+                        <p:cond delay="indefinite"/>
+                      </p:stCondLst>
+                      <p:childTnLst>
+                        <p:par>
+                          <p:cTn id="14" fill="hold">
+                            <p:stCondLst>
+                              <p:cond delay="0"/>
+                            </p:stCondLst>
+                            <p:childTnLst>
+                              <p:par>
+                                <p:cTn id="15" presetID="8" presetClass="emph" presetSubtype="0" fill="hold" nodeType="clickEffect">
+                                  <p:stCondLst>
+                                    <p:cond delay="0"/>
+                                  </p:stCondLst>
+                                  <p:childTnLst>
+                                    <p:animRot by="21600000">
+                                      <p:cBhvr>
+                                        <p:cTn id="16" dur="2000" fill="hold"/>
+                                        <p:tgtEl>
+                                          <p:spTgt spid="28"/>
+                                        </p:tgtEl>
+                                        <p:attrNameLst>
+                                          <p:attrName>r</p:attrName>
+                                        </p:attrNameLst>
+                                      </p:cBhvr>
+                                    </p:animRot>
+                                  </p:childTnLst>
+                                </p:cTn>
+                              </p:par>
+                              <p:par>
+                                <p:cTn id="17" presetID="42" presetClass="path" presetSubtype="0" accel="50000" decel="50000" fill="hold" grpId="0" nodeType="withEffect">
+                                  <p:stCondLst>
+                                    <p:cond delay="0"/>
+                                  </p:stCondLst>
+                                  <p:childTnLst>
+                                    <p:animMotion origin="layout" path="M 3.75E-6 2.96296E-6 L 0.34232 -0.10138 " pathEditMode="relative" rAng="0" ptsTypes="AA">
+                                      <p:cBhvr>
+                                        <p:cTn id="18" dur="2000" fill="hold"/>
+                                        <p:tgtEl>
+                                          <p:spTgt spid="3"/>
+                                        </p:tgtEl>
+                                        <p:attrNameLst>
+                                          <p:attrName>ppt_x</p:attrName>
+                                          <p:attrName>ppt_y</p:attrName>
+                                        </p:attrNameLst>
+                                      </p:cBhvr>
+                                      <p:rCtr x="16992" y="-5255"/>
+                                    </p:animMotion>
+                                  </p:childTnLst>
+                                </p:cTn>
+                              </p:par>
+                            </p:childTnLst>
+                          </p:cTn>
+                        </p:par>
+                      </p:childTnLst>
+                    </p:cTn>
+                  </p:par>
+                  <p:par>
+                    <p:cTn id="19" fill="hold">
+                      <p:stCondLst>
+                        <p:cond delay="indefinite"/>
+                      </p:stCondLst>
+                      <p:childTnLst>
+                        <p:par>
+                          <p:cTn id="20" fill="hold">
+                            <p:stCondLst>
+                              <p:cond delay="0"/>
+                            </p:stCondLst>
+                            <p:childTnLst>
+                              <p:par>
+                                <p:cTn id="21" presetID="10" presetClass="exit" presetSubtype="0" fill="hold" grpId="2" nodeType="clickEffect">
+                                  <p:stCondLst>
+                                    <p:cond delay="0"/>
+                                  </p:stCondLst>
+                                  <p:childTnLst>
+                                    <p:animEffect transition="out" filter="fade">
+                                      <p:cBhvr>
+                                        <p:cTn id="22" dur="500"/>
+                                        <p:tgtEl>
+                                          <p:spTgt spid="5"/>
+                                        </p:tgtEl>
+                                      </p:cBhvr>
+                                    </p:animEffect>
+                                    <p:set>
+                                      <p:cBhvr>
+                                        <p:cTn id="23" dur="1" fill="hold">
+                                          <p:stCondLst>
+                                            <p:cond delay="499"/>
+                                          </p:stCondLst>
+                                        </p:cTn>
+                                        <p:tgtEl>
+                                          <p:spTgt spid="5"/>
+                                        </p:tgtEl>
+                                        <p:attrNameLst>
+                                          <p:attrName>style.visibility</p:attrName>
+                                        </p:attrNameLst>
+                                      </p:cBhvr>
+                                      <p:to>
+                                        <p:strVal val="hidden"/>
+                                      </p:to>
+                                    </p:set>
+                                  </p:childTnLst>
+                                </p:cTn>
+                              </p:par>
+                            </p:childTnLst>
+                          </p:cTn>
+                        </p:par>
+                      </p:childTnLst>
+                    </p:cTn>
+                  </p:par>
+                  <p:par>
+                    <p:cTn id="24" fill="hold">
+                      <p:stCondLst>
+                        <p:cond delay="indefinite"/>
+                      </p:stCondLst>
+                      <p:childTnLst>
+                        <p:par>
+                          <p:cTn id="25" fill="hold">
+                            <p:stCondLst>
+                              <p:cond delay="0"/>
+                            </p:stCondLst>
+                            <p:childTnLst>
+                              <p:par>
+                                <p:cTn id="26" presetID="42" presetClass="path" presetSubtype="0" accel="50000" decel="50000" fill="hold" grpId="1" nodeType="clickEffect">
+                                  <p:stCondLst>
+                                    <p:cond delay="0"/>
+                                  </p:stCondLst>
+                                  <p:childTnLst>
+                                    <p:animMotion origin="layout" path="M 0.34232 -0.10139 L 0.66992 -0.19791 " pathEditMode="relative" rAng="0" ptsTypes="AA">
+                                      <p:cBhvr>
+                                        <p:cTn id="27" dur="2000" fill="hold"/>
+                                        <p:tgtEl>
+                                          <p:spTgt spid="3"/>
+                                        </p:tgtEl>
+                                        <p:attrNameLst>
+                                          <p:attrName>ppt_x</p:attrName>
+                                          <p:attrName>ppt_y</p:attrName>
+                                        </p:attrNameLst>
+                                      </p:cBhvr>
+                                      <p:rCtr x="16536" y="-4537"/>
+                                    </p:animMotion>
+                                  </p:childTnLst>
+                                </p:cTn>
+                              </p:par>
+                            </p:childTnLst>
+                          </p:cTn>
+                        </p:par>
+                      </p:childTnLst>
+                    </p:cTn>
+                  </p:par>
+                  <p:par>
+                    <p:cTn id="28" fill="hold">
+                      <p:stCondLst>
+                        <p:cond delay="indefinite"/>
+                      </p:stCondLst>
+                      <p:childTnLst>
+                        <p:par>
+                          <p:cTn id="29" fill="hold">
+                            <p:stCondLst>
+                              <p:cond delay="0"/>
+                            </p:stCondLst>
+                            <p:childTnLst>
+                              <p:par>
+                                <p:cTn id="30" presetID="10" presetClass="exit" presetSubtype="0" fill="hold" grpId="2" nodeType="clickEffect">
+                                  <p:stCondLst>
+                                    <p:cond delay="0"/>
+                                  </p:stCondLst>
+                                  <p:childTnLst>
+                                    <p:animEffect transition="out" filter="fade">
+                                      <p:cBhvr>
+                                        <p:cTn id="31" dur="500"/>
+                                        <p:tgtEl>
+                                          <p:spTgt spid="3"/>
+                                        </p:tgtEl>
+                                      </p:cBhvr>
+                                    </p:animEffect>
+                                    <p:set>
+                                      <p:cBhvr>
+                                        <p:cTn id="32" dur="1" fill="hold">
+                                          <p:stCondLst>
+                                            <p:cond delay="499"/>
+                                          </p:stCondLst>
+                                        </p:cTn>
+                                        <p:tgtEl>
+                                          <p:spTgt spid="3"/>
+                                        </p:tgtEl>
+                                        <p:attrNameLst>
+                                          <p:attrName>style.visibility</p:attrName>
+                                        </p:attrNameLst>
+                                      </p:cBhvr>
+                                      <p:to>
+                                        <p:strVal val="hidden"/>
+                                      </p:to>
+                                    </p:set>
+                                  </p:childTnLst>
+                                </p:cTn>
+                              </p:par>
+                            </p:childTnLst>
+                          </p:cTn>
+                        </p:par>
+                      </p:childTnLst>
+                    </p:cTn>
+                  </p:par>
+                </p:childTnLst>
+              </p:cTn>
+              <p:prevCondLst>
+                <p:cond evt="onPrev" delay="0">
+                  <p:tgtEl>
+                    <p:sldTgt/>
+                  </p:tgtEl>
+                </p:cond>
+              </p:prevCondLst>
+              <p:nextCondLst>
+                <p:cond evt="onNext" delay="0">
+                  <p:tgtEl>
+                    <p:sldTgt/>
+                  </p:tgtEl>
+                </p:cond>
+              </p:nextCondLst>
+            </p:seq>
+          </p:childTnLst>
+        </p:cTn>
       </p:par>
     </p:tnLst>
+    <p:bldLst>
+      <p:bldP spid="3" grpId="0" animBg="1"/>
+      <p:bldP spid="3" grpId="1" animBg="1"/>
+      <p:bldP spid="3" grpId="2" animBg="1"/>
+      <p:bldP spid="5" grpId="0" animBg="1"/>
+      <p:bldP spid="5" grpId="1" animBg="1"/>
+      <p:bldP spid="5" grpId="2" animBg="1"/>
+    </p:bldLst>
   </p:timing>
 </p:sld>
 </file>

--- a/slidedeck/slides.pptx
+++ b/slidedeck/slides.pptx
@@ -8,7 +8,7 @@
     <p:sldMasterId id="2147483690" r:id="rId4"/>
   </p:sldMasterIdLst>
   <p:notesMasterIdLst>
-    <p:notesMasterId r:id="rId31"/>
+    <p:notesMasterId r:id="rId41"/>
   </p:notesMasterIdLst>
   <p:sldIdLst>
     <p:sldId id="256" r:id="rId5"/>
@@ -17,26 +17,36 @@
     <p:sldId id="285" r:id="rId8"/>
     <p:sldId id="286" r:id="rId9"/>
     <p:sldId id="287" r:id="rId10"/>
-    <p:sldId id="270" r:id="rId11"/>
-    <p:sldId id="271" r:id="rId12"/>
-    <p:sldId id="278" r:id="rId13"/>
-    <p:sldId id="282" r:id="rId14"/>
-    <p:sldId id="272" r:id="rId15"/>
-    <p:sldId id="267" r:id="rId16"/>
-    <p:sldId id="279" r:id="rId17"/>
-    <p:sldId id="262" r:id="rId18"/>
-    <p:sldId id="280" r:id="rId19"/>
-    <p:sldId id="281" r:id="rId20"/>
-    <p:sldId id="258" r:id="rId21"/>
-    <p:sldId id="274" r:id="rId22"/>
-    <p:sldId id="273" r:id="rId23"/>
-    <p:sldId id="263" r:id="rId24"/>
-    <p:sldId id="277" r:id="rId25"/>
-    <p:sldId id="265" r:id="rId26"/>
-    <p:sldId id="264" r:id="rId27"/>
-    <p:sldId id="259" r:id="rId28"/>
-    <p:sldId id="261" r:id="rId29"/>
-    <p:sldId id="276" r:id="rId30"/>
+    <p:sldId id="288" r:id="rId11"/>
+    <p:sldId id="289" r:id="rId12"/>
+    <p:sldId id="290" r:id="rId13"/>
+    <p:sldId id="291" r:id="rId14"/>
+    <p:sldId id="292" r:id="rId15"/>
+    <p:sldId id="293" r:id="rId16"/>
+    <p:sldId id="294" r:id="rId17"/>
+    <p:sldId id="295" r:id="rId18"/>
+    <p:sldId id="296" r:id="rId19"/>
+    <p:sldId id="297" r:id="rId20"/>
+    <p:sldId id="270" r:id="rId21"/>
+    <p:sldId id="271" r:id="rId22"/>
+    <p:sldId id="278" r:id="rId23"/>
+    <p:sldId id="282" r:id="rId24"/>
+    <p:sldId id="272" r:id="rId25"/>
+    <p:sldId id="267" r:id="rId26"/>
+    <p:sldId id="279" r:id="rId27"/>
+    <p:sldId id="262" r:id="rId28"/>
+    <p:sldId id="280" r:id="rId29"/>
+    <p:sldId id="281" r:id="rId30"/>
+    <p:sldId id="258" r:id="rId31"/>
+    <p:sldId id="274" r:id="rId32"/>
+    <p:sldId id="273" r:id="rId33"/>
+    <p:sldId id="263" r:id="rId34"/>
+    <p:sldId id="277" r:id="rId35"/>
+    <p:sldId id="265" r:id="rId36"/>
+    <p:sldId id="264" r:id="rId37"/>
+    <p:sldId id="259" r:id="rId38"/>
+    <p:sldId id="261" r:id="rId39"/>
+    <p:sldId id="276" r:id="rId40"/>
   </p:sldIdLst>
   <p:sldSz cx="12192000" cy="6858000"/>
   <p:notesSz cx="6858000" cy="9144000"/>
@@ -567,7 +577,7 @@
                 </a:solidFill>
               </a:rPr>
               <a:pPr/>
-              <a:t>3</a:t>
+              <a:t>5</a:t>
             </a:fld>
             <a:endParaRPr lang="en-US">
               <a:solidFill>
@@ -580,7 +590,7 @@
     </p:spTree>
     <p:extLst>
       <p:ext uri="{BB962C8B-B14F-4D97-AF65-F5344CB8AC3E}">
-        <p14:creationId xmlns:p14="http://schemas.microsoft.com/office/powerpoint/2010/main" val="2231726804"/>
+        <p14:creationId xmlns:p14="http://schemas.microsoft.com/office/powerpoint/2010/main" val="2250770854"/>
       </p:ext>
     </p:extLst>
   </p:cSld>
@@ -664,7 +674,7 @@
                 </a:solidFill>
               </a:rPr>
               <a:pPr/>
-              <a:t>4</a:t>
+              <a:t>6</a:t>
             </a:fld>
             <a:endParaRPr lang="en-US">
               <a:solidFill>
@@ -677,7 +687,7 @@
     </p:spTree>
     <p:extLst>
       <p:ext uri="{BB962C8B-B14F-4D97-AF65-F5344CB8AC3E}">
-        <p14:creationId xmlns:p14="http://schemas.microsoft.com/office/powerpoint/2010/main" val="2756656890"/>
+        <p14:creationId xmlns:p14="http://schemas.microsoft.com/office/powerpoint/2010/main" val="255790095"/>
       </p:ext>
     </p:extLst>
   </p:cSld>
@@ -22293,6 +22303,5266 @@
           </a:prstGeom>
         </p:spPr>
       </p:pic>
+      <p:sp>
+        <p:nvSpPr>
+          <p:cNvPr id="2" name="TextBox 1"/>
+          <p:cNvSpPr txBox="1"/>
+          <p:nvPr/>
+        </p:nvSpPr>
+        <p:spPr>
+          <a:xfrm>
+            <a:off x="669634" y="1595718"/>
+            <a:ext cx="4189095" cy="769441"/>
+          </a:xfrm>
+          <a:prstGeom prst="rect">
+            <a:avLst/>
+          </a:prstGeom>
+          <a:noFill/>
+        </p:spPr>
+        <p:txBody>
+          <a:bodyPr wrap="none" rtlCol="0">
+            <a:spAutoFit/>
+          </a:bodyPr>
+          <a:lstStyle/>
+          <a:p>
+            <a:r>
+              <a:rPr lang="en-US" sz="4400" dirty="0" smtClean="0">
+                <a:solidFill>
+                  <a:prstClr val="black"/>
+                </a:solidFill>
+              </a:rPr>
+              <a:t>Deployment slots</a:t>
+            </a:r>
+            <a:endParaRPr lang="en-US" sz="4400" dirty="0">
+              <a:solidFill>
+                <a:prstClr val="black"/>
+              </a:solidFill>
+            </a:endParaRPr>
+          </a:p>
+        </p:txBody>
+      </p:sp>
+      <p:sp>
+        <p:nvSpPr>
+          <p:cNvPr id="5" name="TextBox 4"/>
+          <p:cNvSpPr txBox="1"/>
+          <p:nvPr/>
+        </p:nvSpPr>
+        <p:spPr>
+          <a:xfrm>
+            <a:off x="669634" y="6024282"/>
+            <a:ext cx="9387757" cy="369332"/>
+          </a:xfrm>
+          <a:prstGeom prst="rect">
+            <a:avLst/>
+          </a:prstGeom>
+          <a:noFill/>
+        </p:spPr>
+        <p:txBody>
+          <a:bodyPr wrap="square" rtlCol="0">
+            <a:spAutoFit/>
+          </a:bodyPr>
+          <a:lstStyle/>
+          <a:p>
+            <a:endParaRPr lang="en-US" dirty="0">
+              <a:solidFill>
+                <a:prstClr val="black"/>
+              </a:solidFill>
+            </a:endParaRPr>
+          </a:p>
+        </p:txBody>
+      </p:sp>
+      <p:sp>
+        <p:nvSpPr>
+          <p:cNvPr id="6" name="TextBox 5"/>
+          <p:cNvSpPr txBox="1"/>
+          <p:nvPr/>
+        </p:nvSpPr>
+        <p:spPr>
+          <a:xfrm>
+            <a:off x="669634" y="2917448"/>
+            <a:ext cx="7685472" cy="2554545"/>
+          </a:xfrm>
+          <a:prstGeom prst="rect">
+            <a:avLst/>
+          </a:prstGeom>
+          <a:noFill/>
+        </p:spPr>
+        <p:txBody>
+          <a:bodyPr wrap="square" rtlCol="0">
+            <a:spAutoFit/>
+          </a:bodyPr>
+          <a:lstStyle/>
+          <a:p>
+            <a:pPr marL="457200" indent="-457200">
+              <a:buFont typeface="Arial" charset="0"/>
+              <a:buChar char="•"/>
+            </a:pPr>
+            <a:r>
+              <a:rPr lang="en-US" sz="3200" dirty="0" smtClean="0">
+                <a:solidFill>
+                  <a:prstClr val="black"/>
+                </a:solidFill>
+              </a:rPr>
+              <a:t>Actual live apps (up to 20 slots available)</a:t>
+            </a:r>
+          </a:p>
+          <a:p>
+            <a:pPr marL="457200" indent="-457200">
+              <a:buFont typeface="Arial" charset="0"/>
+              <a:buChar char="•"/>
+            </a:pPr>
+            <a:r>
+              <a:rPr lang="en-US" sz="3200" dirty="0" smtClean="0">
+                <a:solidFill>
+                  <a:prstClr val="black"/>
+                </a:solidFill>
+              </a:rPr>
+              <a:t>Can swap slots with Production app</a:t>
+            </a:r>
+            <a:endParaRPr lang="en-US" sz="3200" dirty="0">
+              <a:solidFill>
+                <a:prstClr val="black"/>
+              </a:solidFill>
+            </a:endParaRPr>
+          </a:p>
+          <a:p>
+            <a:pPr marL="457200" indent="-457200">
+              <a:buFont typeface="Arial" charset="0"/>
+              <a:buChar char="•"/>
+            </a:pPr>
+            <a:r>
+              <a:rPr lang="en-US" sz="3200" dirty="0" smtClean="0">
+                <a:solidFill>
+                  <a:prstClr val="black"/>
+                </a:solidFill>
+              </a:rPr>
+              <a:t>Great for beta-testing features</a:t>
+            </a:r>
+          </a:p>
+          <a:p>
+            <a:pPr marL="457200" indent="-457200">
+              <a:buFont typeface="Arial" charset="0"/>
+              <a:buChar char="•"/>
+            </a:pPr>
+            <a:r>
+              <a:rPr lang="en-US" sz="3200" dirty="0" smtClean="0">
+                <a:solidFill>
+                  <a:prstClr val="black"/>
+                </a:solidFill>
+              </a:rPr>
+              <a:t>Assures no downtime on deployment</a:t>
+            </a:r>
+          </a:p>
+          <a:p>
+            <a:pPr marL="457200" indent="-457200">
+              <a:buFont typeface="Arial" charset="0"/>
+              <a:buChar char="•"/>
+            </a:pPr>
+            <a:r>
+              <a:rPr lang="en-US" sz="3200" dirty="0" smtClean="0">
+                <a:solidFill>
+                  <a:prstClr val="black"/>
+                </a:solidFill>
+              </a:rPr>
+              <a:t>Can have specific settings for every slot </a:t>
+            </a:r>
+            <a:endParaRPr lang="en-US" sz="3200" dirty="0">
+              <a:solidFill>
+                <a:prstClr val="black"/>
+              </a:solidFill>
+            </a:endParaRPr>
+          </a:p>
+        </p:txBody>
+      </p:sp>
+    </p:spTree>
+    <p:extLst>
+      <p:ext uri="{BB962C8B-B14F-4D97-AF65-F5344CB8AC3E}">
+        <p14:creationId xmlns:p14="http://schemas.microsoft.com/office/powerpoint/2010/main" val="556228850"/>
+      </p:ext>
+    </p:extLst>
+  </p:cSld>
+  <p:clrMapOvr>
+    <a:masterClrMapping/>
+  </p:clrMapOvr>
+  <p:timing>
+    <p:tnLst>
+      <p:par>
+        <p:cTn id="1" dur="indefinite" restart="never" nodeType="tmRoot"/>
+      </p:par>
+    </p:tnLst>
+  </p:timing>
+</p:sld>
+</file>
+
+<file path=ppt/slides/slide11.xml><?xml version="1.0" encoding="utf-8"?>
+<p:sld xmlns:a="http://schemas.openxmlformats.org/drawingml/2006/main" xmlns:r="http://schemas.openxmlformats.org/officeDocument/2006/relationships" xmlns:p="http://schemas.openxmlformats.org/presentationml/2006/main">
+  <p:cSld>
+    <p:spTree>
+      <p:nvGrpSpPr>
+        <p:cNvPr id="1" name=""/>
+        <p:cNvGrpSpPr/>
+        <p:nvPr/>
+      </p:nvGrpSpPr>
+      <p:grpSpPr>
+        <a:xfrm>
+          <a:off x="0" y="0"/>
+          <a:ext cx="0" cy="0"/>
+          <a:chOff x="0" y="0"/>
+          <a:chExt cx="0" cy="0"/>
+        </a:xfrm>
+      </p:grpSpPr>
+      <p:pic>
+        <p:nvPicPr>
+          <p:cNvPr id="37" name="Picture 36"/>
+          <p:cNvPicPr>
+            <a:picLocks noChangeAspect="1"/>
+          </p:cNvPicPr>
+          <p:nvPr/>
+        </p:nvPicPr>
+        <p:blipFill>
+          <a:blip r:embed="rId2"/>
+          <a:stretch>
+            <a:fillRect/>
+          </a:stretch>
+        </p:blipFill>
+        <p:spPr>
+          <a:xfrm>
+            <a:off x="5276829" y="-372994"/>
+            <a:ext cx="7263040" cy="4705631"/>
+          </a:xfrm>
+          <a:prstGeom prst="rect">
+            <a:avLst/>
+          </a:prstGeom>
+        </p:spPr>
+      </p:pic>
+      <p:pic>
+        <p:nvPicPr>
+          <p:cNvPr id="2" name="Picture 1"/>
+          <p:cNvPicPr>
+            <a:picLocks noChangeAspect="1"/>
+          </p:cNvPicPr>
+          <p:nvPr/>
+        </p:nvPicPr>
+        <p:blipFill>
+          <a:blip r:embed="rId3"/>
+          <a:stretch>
+            <a:fillRect/>
+          </a:stretch>
+        </p:blipFill>
+        <p:spPr>
+          <a:xfrm>
+            <a:off x="2010390" y="672463"/>
+            <a:ext cx="9418854" cy="6089435"/>
+          </a:xfrm>
+          <a:prstGeom prst="rect">
+            <a:avLst/>
+          </a:prstGeom>
+        </p:spPr>
+      </p:pic>
+      <p:grpSp>
+        <p:nvGrpSpPr>
+          <p:cNvPr id="56" name="Group 55"/>
+          <p:cNvGrpSpPr/>
+          <p:nvPr/>
+        </p:nvGrpSpPr>
+        <p:grpSpPr>
+          <a:xfrm>
+            <a:off x="3716781" y="-337643"/>
+            <a:ext cx="2775445" cy="4134168"/>
+            <a:chOff x="3719625" y="-351356"/>
+            <a:chExt cx="2775838" cy="4134755"/>
+          </a:xfrm>
+        </p:grpSpPr>
+        <p:pic>
+          <p:nvPicPr>
+            <p:cNvPr id="57" name="Picture 56"/>
+            <p:cNvPicPr>
+              <a:picLocks noChangeAspect="1"/>
+            </p:cNvPicPr>
+            <p:nvPr/>
+          </p:nvPicPr>
+          <p:blipFill>
+            <a:blip r:embed="rId4"/>
+            <a:stretch>
+              <a:fillRect/>
+            </a:stretch>
+          </p:blipFill>
+          <p:spPr>
+            <a:xfrm>
+              <a:off x="3719625" y="-351356"/>
+              <a:ext cx="2775838" cy="4134755"/>
+            </a:xfrm>
+            <a:prstGeom prst="rect">
+              <a:avLst/>
+            </a:prstGeom>
+          </p:spPr>
+        </p:pic>
+        <p:pic>
+          <p:nvPicPr>
+            <p:cNvPr id="58" name="Picture 57"/>
+            <p:cNvPicPr>
+              <a:picLocks noChangeAspect="1"/>
+            </p:cNvPicPr>
+            <p:nvPr/>
+          </p:nvPicPr>
+          <p:blipFill>
+            <a:blip r:embed="rId5"/>
+            <a:stretch>
+              <a:fillRect/>
+            </a:stretch>
+          </p:blipFill>
+          <p:spPr>
+            <a:xfrm>
+              <a:off x="4484016" y="1290841"/>
+              <a:ext cx="979669" cy="1295431"/>
+            </a:xfrm>
+            <a:prstGeom prst="rect">
+              <a:avLst/>
+            </a:prstGeom>
+          </p:spPr>
+        </p:pic>
+      </p:grpSp>
+      <p:pic>
+        <p:nvPicPr>
+          <p:cNvPr id="30" name="Picture 29"/>
+          <p:cNvPicPr>
+            <a:picLocks noChangeAspect="1"/>
+          </p:cNvPicPr>
+          <p:nvPr/>
+        </p:nvPicPr>
+        <p:blipFill>
+          <a:blip r:embed="rId6">
+            <a:lum bright="-40000" contrast="-40000"/>
+          </a:blip>
+          <a:stretch>
+            <a:fillRect/>
+          </a:stretch>
+        </p:blipFill>
+        <p:spPr>
+          <a:xfrm>
+            <a:off x="6609431" y="487"/>
+            <a:ext cx="5581706" cy="3613545"/>
+          </a:xfrm>
+          <a:prstGeom prst="rect">
+            <a:avLst/>
+          </a:prstGeom>
+        </p:spPr>
+      </p:pic>
+      <p:pic>
+        <p:nvPicPr>
+          <p:cNvPr id="3" name="Picture 2"/>
+          <p:cNvPicPr>
+            <a:picLocks noChangeAspect="1"/>
+          </p:cNvPicPr>
+          <p:nvPr/>
+        </p:nvPicPr>
+        <p:blipFill>
+          <a:blip r:embed="rId7"/>
+          <a:stretch>
+            <a:fillRect/>
+          </a:stretch>
+        </p:blipFill>
+        <p:spPr>
+          <a:xfrm>
+            <a:off x="8087206" y="1636456"/>
+            <a:ext cx="1506294" cy="978611"/>
+          </a:xfrm>
+          <a:prstGeom prst="rect">
+            <a:avLst/>
+          </a:prstGeom>
+        </p:spPr>
+      </p:pic>
+      <p:pic>
+        <p:nvPicPr>
+          <p:cNvPr id="50" name="Picture 49"/>
+          <p:cNvPicPr>
+            <a:picLocks noChangeAspect="1"/>
+          </p:cNvPicPr>
+          <p:nvPr/>
+        </p:nvPicPr>
+        <p:blipFill>
+          <a:blip r:embed="rId8"/>
+          <a:stretch>
+            <a:fillRect/>
+          </a:stretch>
+        </p:blipFill>
+        <p:spPr>
+          <a:xfrm>
+            <a:off x="8086936" y="1636456"/>
+            <a:ext cx="1507286" cy="978611"/>
+          </a:xfrm>
+          <a:prstGeom prst="rect">
+            <a:avLst/>
+          </a:prstGeom>
+        </p:spPr>
+      </p:pic>
+      <p:grpSp>
+        <p:nvGrpSpPr>
+          <p:cNvPr id="51" name="Group 50"/>
+          <p:cNvGrpSpPr/>
+          <p:nvPr/>
+        </p:nvGrpSpPr>
+        <p:grpSpPr>
+          <a:xfrm>
+            <a:off x="6607004" y="1610572"/>
+            <a:ext cx="2770894" cy="4119120"/>
+            <a:chOff x="6722970" y="1674257"/>
+            <a:chExt cx="2780259" cy="4133042"/>
+          </a:xfrm>
+        </p:grpSpPr>
+        <p:pic>
+          <p:nvPicPr>
+            <p:cNvPr id="52" name="Picture 51"/>
+            <p:cNvPicPr>
+              <a:picLocks noChangeAspect="1"/>
+            </p:cNvPicPr>
+            <p:nvPr/>
+          </p:nvPicPr>
+          <p:blipFill>
+            <a:blip r:embed="rId9"/>
+            <a:stretch>
+              <a:fillRect/>
+            </a:stretch>
+          </p:blipFill>
+          <p:spPr>
+            <a:xfrm>
+              <a:off x="6722970" y="1674257"/>
+              <a:ext cx="2780259" cy="4133042"/>
+            </a:xfrm>
+            <a:prstGeom prst="rect">
+              <a:avLst/>
+            </a:prstGeom>
+          </p:spPr>
+        </p:pic>
+        <p:pic>
+          <p:nvPicPr>
+            <p:cNvPr id="53" name="Picture 52"/>
+            <p:cNvPicPr>
+              <a:picLocks noChangeAspect="1"/>
+            </p:cNvPicPr>
+            <p:nvPr/>
+          </p:nvPicPr>
+          <p:blipFill>
+            <a:blip r:embed="rId5"/>
+            <a:stretch>
+              <a:fillRect/>
+            </a:stretch>
+          </p:blipFill>
+          <p:spPr>
+            <a:xfrm>
+              <a:off x="7470523" y="3260826"/>
+              <a:ext cx="979669" cy="1295431"/>
+            </a:xfrm>
+            <a:prstGeom prst="rect">
+              <a:avLst/>
+            </a:prstGeom>
+          </p:spPr>
+        </p:pic>
+      </p:grpSp>
+      <p:pic>
+        <p:nvPicPr>
+          <p:cNvPr id="26" name="Picture 25"/>
+          <p:cNvPicPr>
+            <a:picLocks noChangeAspect="1"/>
+          </p:cNvPicPr>
+          <p:nvPr/>
+        </p:nvPicPr>
+        <p:blipFill>
+          <a:blip r:embed="rId10"/>
+          <a:stretch>
+            <a:fillRect/>
+          </a:stretch>
+        </p:blipFill>
+        <p:spPr>
+          <a:xfrm>
+            <a:off x="2845824" y="4756694"/>
+            <a:ext cx="2172488" cy="1399878"/>
+          </a:xfrm>
+          <a:prstGeom prst="rect">
+            <a:avLst/>
+          </a:prstGeom>
+        </p:spPr>
+      </p:pic>
+      <p:pic>
+        <p:nvPicPr>
+          <p:cNvPr id="16" name="Picture 15"/>
+          <p:cNvPicPr>
+            <a:picLocks noChangeAspect="1"/>
+          </p:cNvPicPr>
+          <p:nvPr/>
+        </p:nvPicPr>
+        <p:blipFill>
+          <a:blip r:embed="rId11"/>
+          <a:stretch>
+            <a:fillRect/>
+          </a:stretch>
+        </p:blipFill>
+        <p:spPr>
+          <a:xfrm>
+            <a:off x="10155562" y="2524083"/>
+            <a:ext cx="1468279" cy="948454"/>
+          </a:xfrm>
+          <a:prstGeom prst="rect">
+            <a:avLst/>
+          </a:prstGeom>
+        </p:spPr>
+      </p:pic>
+      <p:pic>
+        <p:nvPicPr>
+          <p:cNvPr id="21" name="Picture 20"/>
+          <p:cNvPicPr>
+            <a:picLocks noChangeAspect="1"/>
+          </p:cNvPicPr>
+          <p:nvPr/>
+        </p:nvPicPr>
+        <p:blipFill>
+          <a:blip r:embed="rId12">
+            <a:lum bright="-40000" contrast="-40000"/>
+          </a:blip>
+          <a:stretch>
+            <a:fillRect/>
+          </a:stretch>
+        </p:blipFill>
+        <p:spPr>
+          <a:xfrm>
+            <a:off x="866" y="3742966"/>
+            <a:ext cx="4821685" cy="3124218"/>
+          </a:xfrm>
+          <a:prstGeom prst="rect">
+            <a:avLst/>
+          </a:prstGeom>
+        </p:spPr>
+      </p:pic>
+      <p:pic>
+        <p:nvPicPr>
+          <p:cNvPr id="22" name="Picture 21"/>
+          <p:cNvPicPr>
+            <a:picLocks noChangeAspect="1"/>
+          </p:cNvPicPr>
+          <p:nvPr/>
+        </p:nvPicPr>
+        <p:blipFill>
+          <a:blip r:embed="rId13"/>
+          <a:stretch>
+            <a:fillRect/>
+          </a:stretch>
+        </p:blipFill>
+        <p:spPr>
+          <a:xfrm>
+            <a:off x="258805" y="5707447"/>
+            <a:ext cx="1481018" cy="956491"/>
+          </a:xfrm>
+          <a:prstGeom prst="rect">
+            <a:avLst/>
+          </a:prstGeom>
+        </p:spPr>
+      </p:pic>
+      <p:grpSp>
+        <p:nvGrpSpPr>
+          <p:cNvPr id="36" name="Group 35"/>
+          <p:cNvGrpSpPr/>
+          <p:nvPr/>
+        </p:nvGrpSpPr>
+        <p:grpSpPr>
+          <a:xfrm>
+            <a:off x="10508942" y="388643"/>
+            <a:ext cx="934656" cy="1104595"/>
+            <a:chOff x="7012021" y="-1253215"/>
+            <a:chExt cx="1237500" cy="1462500"/>
+          </a:xfrm>
+        </p:grpSpPr>
+        <p:pic>
+          <p:nvPicPr>
+            <p:cNvPr id="33" name="Picture 32"/>
+            <p:cNvPicPr>
+              <a:picLocks noChangeAspect="1"/>
+            </p:cNvPicPr>
+            <p:nvPr/>
+          </p:nvPicPr>
+          <p:blipFill>
+            <a:blip r:embed="rId14"/>
+            <a:stretch>
+              <a:fillRect/>
+            </a:stretch>
+          </p:blipFill>
+          <p:spPr>
+            <a:xfrm>
+              <a:off x="7012021" y="-1253215"/>
+              <a:ext cx="1237500" cy="1462500"/>
+            </a:xfrm>
+            <a:prstGeom prst="rect">
+              <a:avLst/>
+            </a:prstGeom>
+          </p:spPr>
+        </p:pic>
+        <p:pic>
+          <p:nvPicPr>
+            <p:cNvPr id="35" name="Picture 34"/>
+            <p:cNvPicPr>
+              <a:picLocks noChangeAspect="1"/>
+            </p:cNvPicPr>
+            <p:nvPr/>
+          </p:nvPicPr>
+          <p:blipFill>
+            <a:blip r:embed="rId15" cstate="print">
+              <a:extLst>
+                <a:ext uri="{28A0092B-C50C-407E-A947-70E740481C1C}">
+                  <a14:useLocalDpi xmlns:a14="http://schemas.microsoft.com/office/drawing/2010/main" val="0"/>
+                </a:ext>
+              </a:extLst>
+            </a:blip>
+            <a:stretch>
+              <a:fillRect/>
+            </a:stretch>
+          </p:blipFill>
+          <p:spPr>
+            <a:xfrm>
+              <a:off x="7703687" y="-912406"/>
+              <a:ext cx="314973" cy="435664"/>
+            </a:xfrm>
+            <a:prstGeom prst="rect">
+              <a:avLst/>
+            </a:prstGeom>
+          </p:spPr>
+        </p:pic>
+      </p:grpSp>
+      <p:sp>
+        <p:nvSpPr>
+          <p:cNvPr id="31" name="TextBox 30"/>
+          <p:cNvSpPr txBox="1"/>
+          <p:nvPr/>
+        </p:nvSpPr>
+        <p:spPr>
+          <a:xfrm>
+            <a:off x="581807" y="457622"/>
+            <a:ext cx="3599940" cy="720095"/>
+          </a:xfrm>
+          <a:prstGeom prst="rect">
+            <a:avLst/>
+          </a:prstGeom>
+          <a:noFill/>
+        </p:spPr>
+        <p:txBody>
+          <a:bodyPr wrap="square" rtlCol="0">
+            <a:spAutoFit/>
+          </a:bodyPr>
+          <a:lstStyle/>
+          <a:p>
+            <a:pPr defTabSz="914367"/>
+            <a:r>
+              <a:rPr lang="en-US" sz="4000" dirty="0">
+                <a:solidFill>
+                  <a:srgbClr val="FFFFFF"/>
+                </a:solidFill>
+                <a:latin typeface="Segoe UI Light" panose="020B0502040204020203" pitchFamily="34" charset="0"/>
+                <a:cs typeface="Segoe UI Light" panose="020B0502040204020203" pitchFamily="34" charset="0"/>
+              </a:rPr>
+              <a:t>Staging</a:t>
+            </a:r>
+          </a:p>
+        </p:txBody>
+      </p:sp>
+      <p:pic>
+        <p:nvPicPr>
+          <p:cNvPr id="27" name="Picture 26"/>
+          <p:cNvPicPr>
+            <a:picLocks noChangeAspect="1"/>
+          </p:cNvPicPr>
+          <p:nvPr/>
+        </p:nvPicPr>
+        <p:blipFill>
+          <a:blip r:embed="rId16"/>
+          <a:stretch>
+            <a:fillRect/>
+          </a:stretch>
+        </p:blipFill>
+        <p:spPr>
+          <a:xfrm>
+            <a:off x="216174" y="3302234"/>
+            <a:ext cx="2092203" cy="2339668"/>
+          </a:xfrm>
+          <a:prstGeom prst="rect">
+            <a:avLst/>
+          </a:prstGeom>
+        </p:spPr>
+      </p:pic>
+      <p:pic>
+        <p:nvPicPr>
+          <p:cNvPr id="28" name="Picture 27"/>
+          <p:cNvPicPr>
+            <a:picLocks noChangeAspect="1"/>
+          </p:cNvPicPr>
+          <p:nvPr/>
+        </p:nvPicPr>
+        <p:blipFill>
+          <a:blip r:embed="rId14"/>
+          <a:stretch>
+            <a:fillRect/>
+          </a:stretch>
+        </p:blipFill>
+        <p:spPr>
+          <a:xfrm>
+            <a:off x="1448271" y="5043532"/>
+            <a:ext cx="1237324" cy="1462293"/>
+          </a:xfrm>
+          <a:prstGeom prst="rect">
+            <a:avLst/>
+          </a:prstGeom>
+        </p:spPr>
+      </p:pic>
+      <p:pic>
+        <p:nvPicPr>
+          <p:cNvPr id="29" name="Picture 28"/>
+          <p:cNvPicPr>
+            <a:picLocks noChangeAspect="1"/>
+          </p:cNvPicPr>
+          <p:nvPr/>
+        </p:nvPicPr>
+        <p:blipFill>
+          <a:blip r:embed="rId17"/>
+          <a:stretch>
+            <a:fillRect/>
+          </a:stretch>
+        </p:blipFill>
+        <p:spPr>
+          <a:xfrm>
+            <a:off x="2789279" y="4960695"/>
+            <a:ext cx="447810" cy="1224016"/>
+          </a:xfrm>
+          <a:prstGeom prst="rect">
+            <a:avLst/>
+          </a:prstGeom>
+        </p:spPr>
+      </p:pic>
+      <p:pic>
+        <p:nvPicPr>
+          <p:cNvPr id="49" name="Picture 48"/>
+          <p:cNvPicPr>
+            <a:picLocks noChangeAspect="1"/>
+          </p:cNvPicPr>
+          <p:nvPr/>
+        </p:nvPicPr>
+        <p:blipFill>
+          <a:blip r:embed="rId18"/>
+          <a:stretch>
+            <a:fillRect/>
+          </a:stretch>
+        </p:blipFill>
+        <p:spPr>
+          <a:xfrm>
+            <a:off x="8313574" y="267195"/>
+            <a:ext cx="3327504" cy="2147950"/>
+          </a:xfrm>
+          <a:prstGeom prst="rect">
+            <a:avLst/>
+          </a:prstGeom>
+        </p:spPr>
+      </p:pic>
+      <p:pic>
+        <p:nvPicPr>
+          <p:cNvPr id="45" name="Picture 44"/>
+          <p:cNvPicPr>
+            <a:picLocks noChangeAspect="1"/>
+          </p:cNvPicPr>
+          <p:nvPr/>
+        </p:nvPicPr>
+        <p:blipFill>
+          <a:blip r:embed="rId19"/>
+          <a:stretch>
+            <a:fillRect/>
+          </a:stretch>
+        </p:blipFill>
+        <p:spPr>
+          <a:xfrm>
+            <a:off x="3958857" y="483765"/>
+            <a:ext cx="899884" cy="707052"/>
+          </a:xfrm>
+          <a:prstGeom prst="rect">
+            <a:avLst/>
+          </a:prstGeom>
+        </p:spPr>
+      </p:pic>
+      <p:pic>
+        <p:nvPicPr>
+          <p:cNvPr id="46" name="Picture 45"/>
+          <p:cNvPicPr>
+            <a:picLocks noChangeAspect="1"/>
+          </p:cNvPicPr>
+          <p:nvPr/>
+        </p:nvPicPr>
+        <p:blipFill>
+          <a:blip r:embed="rId20"/>
+          <a:stretch>
+            <a:fillRect/>
+          </a:stretch>
+        </p:blipFill>
+        <p:spPr>
+          <a:xfrm>
+            <a:off x="6815033" y="2378863"/>
+            <a:ext cx="587679" cy="477489"/>
+          </a:xfrm>
+          <a:prstGeom prst="rect">
+            <a:avLst/>
+          </a:prstGeom>
+        </p:spPr>
+      </p:pic>
+      <p:pic>
+        <p:nvPicPr>
+          <p:cNvPr id="59" name="Picture 58"/>
+          <p:cNvPicPr>
+            <a:picLocks noChangeAspect="1"/>
+          </p:cNvPicPr>
+          <p:nvPr/>
+        </p:nvPicPr>
+        <p:blipFill>
+          <a:blip r:embed="rId21"/>
+          <a:stretch>
+            <a:fillRect/>
+          </a:stretch>
+        </p:blipFill>
+        <p:spPr>
+          <a:xfrm>
+            <a:off x="6616768" y="1625087"/>
+            <a:ext cx="2761129" cy="4104604"/>
+          </a:xfrm>
+          <a:prstGeom prst="rect">
+            <a:avLst/>
+          </a:prstGeom>
+        </p:spPr>
+      </p:pic>
+      <p:pic>
+        <p:nvPicPr>
+          <p:cNvPr id="60" name="Picture 59"/>
+          <p:cNvPicPr>
+            <a:picLocks noChangeAspect="1"/>
+          </p:cNvPicPr>
+          <p:nvPr/>
+        </p:nvPicPr>
+        <p:blipFill>
+          <a:blip r:embed="rId22"/>
+          <a:stretch>
+            <a:fillRect/>
+          </a:stretch>
+        </p:blipFill>
+        <p:spPr>
+          <a:xfrm>
+            <a:off x="4607736" y="3601883"/>
+            <a:ext cx="2339668" cy="1473541"/>
+          </a:xfrm>
+          <a:prstGeom prst="rect">
+            <a:avLst/>
+          </a:prstGeom>
+        </p:spPr>
+      </p:pic>
+      <p:grpSp>
+        <p:nvGrpSpPr>
+          <p:cNvPr id="38" name="Group 37"/>
+          <p:cNvGrpSpPr/>
+          <p:nvPr/>
+        </p:nvGrpSpPr>
+        <p:grpSpPr>
+          <a:xfrm>
+            <a:off x="9787045" y="-79296"/>
+            <a:ext cx="934656" cy="1104595"/>
+            <a:chOff x="9827324" y="-40038"/>
+            <a:chExt cx="934789" cy="1104751"/>
+          </a:xfrm>
+        </p:grpSpPr>
+        <p:pic>
+          <p:nvPicPr>
+            <p:cNvPr id="39" name="Picture 38"/>
+            <p:cNvPicPr>
+              <a:picLocks noChangeAspect="1"/>
+            </p:cNvPicPr>
+            <p:nvPr/>
+          </p:nvPicPr>
+          <p:blipFill>
+            <a:blip r:embed="rId14"/>
+            <a:stretch>
+              <a:fillRect/>
+            </a:stretch>
+          </p:blipFill>
+          <p:spPr>
+            <a:xfrm>
+              <a:off x="9827324" y="-40038"/>
+              <a:ext cx="934789" cy="1104751"/>
+            </a:xfrm>
+            <a:prstGeom prst="rect">
+              <a:avLst/>
+            </a:prstGeom>
+          </p:spPr>
+        </p:pic>
+        <p:pic>
+          <p:nvPicPr>
+            <p:cNvPr id="40" name="Picture 39"/>
+            <p:cNvPicPr>
+              <a:picLocks noChangeAspect="1"/>
+            </p:cNvPicPr>
+            <p:nvPr/>
+          </p:nvPicPr>
+          <p:blipFill>
+            <a:blip r:embed="rId23"/>
+            <a:stretch>
+              <a:fillRect/>
+            </a:stretch>
+          </p:blipFill>
+          <p:spPr>
+            <a:xfrm>
+              <a:off x="10368710" y="254515"/>
+              <a:ext cx="147937" cy="295874"/>
+            </a:xfrm>
+            <a:prstGeom prst="rect">
+              <a:avLst/>
+            </a:prstGeom>
+          </p:spPr>
+        </p:pic>
+      </p:grpSp>
+    </p:spTree>
+    <p:extLst>
+      <p:ext uri="{BB962C8B-B14F-4D97-AF65-F5344CB8AC3E}">
+        <p14:creationId xmlns:p14="http://schemas.microsoft.com/office/powerpoint/2010/main" val="4266341764"/>
+      </p:ext>
+    </p:extLst>
+  </p:cSld>
+  <p:clrMapOvr>
+    <a:masterClrMapping/>
+  </p:clrMapOvr>
+  <mc:AlternateContent xmlns:mc="http://schemas.openxmlformats.org/markup-compatibility/2006">
+    <mc:Choice xmlns:p14="http://schemas.microsoft.com/office/powerpoint/2010/main" Requires="p14">
+      <p:transition spd="med" p14:dur="700">
+        <p:fade/>
+      </p:transition>
+    </mc:Choice>
+    <mc:Fallback>
+      <p:transition spd="med">
+        <p:fade/>
+      </p:transition>
+    </mc:Fallback>
+  </mc:AlternateContent>
+  <p:timing>
+    <p:tnLst>
+      <p:par>
+        <p:cTn id="1" dur="indefinite" restart="never" nodeType="tmRoot">
+          <p:childTnLst>
+            <p:seq concurrent="1" nextAc="seek">
+              <p:cTn id="2" dur="indefinite" nodeType="mainSeq">
+                <p:childTnLst>
+                  <p:par>
+                    <p:cTn id="3" fill="hold">
+                      <p:stCondLst>
+                        <p:cond delay="indefinite"/>
+                        <p:cond evt="onBegin" delay="0">
+                          <p:tn val="2"/>
+                        </p:cond>
+                      </p:stCondLst>
+                      <p:childTnLst>
+                        <p:par>
+                          <p:cTn id="4" fill="hold">
+                            <p:stCondLst>
+                              <p:cond delay="0"/>
+                            </p:stCondLst>
+                            <p:childTnLst>
+                              <p:par>
+                                <p:cTn id="5" presetID="10" presetClass="exit" presetSubtype="0" fill="hold" nodeType="afterEffect">
+                                  <p:stCondLst>
+                                    <p:cond delay="500"/>
+                                  </p:stCondLst>
+                                  <p:childTnLst>
+                                    <p:animEffect transition="out" filter="fade">
+                                      <p:cBhvr>
+                                        <p:cTn id="6" dur="500"/>
+                                        <p:tgtEl>
+                                          <p:spTgt spid="50"/>
+                                        </p:tgtEl>
+                                      </p:cBhvr>
+                                    </p:animEffect>
+                                    <p:set>
+                                      <p:cBhvr>
+                                        <p:cTn id="7" dur="1" fill="hold">
+                                          <p:stCondLst>
+                                            <p:cond delay="499"/>
+                                          </p:stCondLst>
+                                        </p:cTn>
+                                        <p:tgtEl>
+                                          <p:spTgt spid="50"/>
+                                        </p:tgtEl>
+                                        <p:attrNameLst>
+                                          <p:attrName>style.visibility</p:attrName>
+                                        </p:attrNameLst>
+                                      </p:cBhvr>
+                                      <p:to>
+                                        <p:strVal val="hidden"/>
+                                      </p:to>
+                                    </p:set>
+                                  </p:childTnLst>
+                                </p:cTn>
+                              </p:par>
+                            </p:childTnLst>
+                          </p:cTn>
+                        </p:par>
+                        <p:par>
+                          <p:cTn id="8" fill="hold">
+                            <p:stCondLst>
+                              <p:cond delay="1000"/>
+                            </p:stCondLst>
+                            <p:childTnLst>
+                              <p:par>
+                                <p:cTn id="9" presetID="10" presetClass="exit" presetSubtype="0" fill="hold" nodeType="afterEffect">
+                                  <p:stCondLst>
+                                    <p:cond delay="750"/>
+                                  </p:stCondLst>
+                                  <p:childTnLst>
+                                    <p:animEffect transition="out" filter="fade">
+                                      <p:cBhvr>
+                                        <p:cTn id="10" dur="500"/>
+                                        <p:tgtEl>
+                                          <p:spTgt spid="59"/>
+                                        </p:tgtEl>
+                                      </p:cBhvr>
+                                    </p:animEffect>
+                                    <p:set>
+                                      <p:cBhvr>
+                                        <p:cTn id="11" dur="1" fill="hold">
+                                          <p:stCondLst>
+                                            <p:cond delay="499"/>
+                                          </p:stCondLst>
+                                        </p:cTn>
+                                        <p:tgtEl>
+                                          <p:spTgt spid="59"/>
+                                        </p:tgtEl>
+                                        <p:attrNameLst>
+                                          <p:attrName>style.visibility</p:attrName>
+                                        </p:attrNameLst>
+                                      </p:cBhvr>
+                                      <p:to>
+                                        <p:strVal val="hidden"/>
+                                      </p:to>
+                                    </p:set>
+                                  </p:childTnLst>
+                                </p:cTn>
+                              </p:par>
+                              <p:par>
+                                <p:cTn id="12" presetID="10" presetClass="entr" presetSubtype="0" fill="hold" nodeType="withEffect">
+                                  <p:stCondLst>
+                                    <p:cond delay="500"/>
+                                  </p:stCondLst>
+                                  <p:childTnLst>
+                                    <p:set>
+                                      <p:cBhvr>
+                                        <p:cTn id="13" dur="1" fill="hold">
+                                          <p:stCondLst>
+                                            <p:cond delay="0"/>
+                                          </p:stCondLst>
+                                        </p:cTn>
+                                        <p:tgtEl>
+                                          <p:spTgt spid="51"/>
+                                        </p:tgtEl>
+                                        <p:attrNameLst>
+                                          <p:attrName>style.visibility</p:attrName>
+                                        </p:attrNameLst>
+                                      </p:cBhvr>
+                                      <p:to>
+                                        <p:strVal val="visible"/>
+                                      </p:to>
+                                    </p:set>
+                                    <p:animEffect transition="in" filter="fade">
+                                      <p:cBhvr>
+                                        <p:cTn id="14" dur="500"/>
+                                        <p:tgtEl>
+                                          <p:spTgt spid="51"/>
+                                        </p:tgtEl>
+                                      </p:cBhvr>
+                                    </p:animEffect>
+                                  </p:childTnLst>
+                                </p:cTn>
+                              </p:par>
+                            </p:childTnLst>
+                          </p:cTn>
+                        </p:par>
+                        <p:par>
+                          <p:cTn id="15" fill="hold">
+                            <p:stCondLst>
+                              <p:cond delay="2250"/>
+                            </p:stCondLst>
+                            <p:childTnLst>
+                              <p:par>
+                                <p:cTn id="16" presetID="10" presetClass="entr" presetSubtype="0" fill="hold" nodeType="afterEffect">
+                                  <p:stCondLst>
+                                    <p:cond delay="0"/>
+                                  </p:stCondLst>
+                                  <p:childTnLst>
+                                    <p:set>
+                                      <p:cBhvr>
+                                        <p:cTn id="17" dur="1" fill="hold">
+                                          <p:stCondLst>
+                                            <p:cond delay="0"/>
+                                          </p:stCondLst>
+                                        </p:cTn>
+                                        <p:tgtEl>
+                                          <p:spTgt spid="45"/>
+                                        </p:tgtEl>
+                                        <p:attrNameLst>
+                                          <p:attrName>style.visibility</p:attrName>
+                                        </p:attrNameLst>
+                                      </p:cBhvr>
+                                      <p:to>
+                                        <p:strVal val="visible"/>
+                                      </p:to>
+                                    </p:set>
+                                    <p:animEffect transition="in" filter="fade">
+                                      <p:cBhvr>
+                                        <p:cTn id="18" dur="500"/>
+                                        <p:tgtEl>
+                                          <p:spTgt spid="45"/>
+                                        </p:tgtEl>
+                                      </p:cBhvr>
+                                    </p:animEffect>
+                                  </p:childTnLst>
+                                </p:cTn>
+                              </p:par>
+                            </p:childTnLst>
+                          </p:cTn>
+                        </p:par>
+                        <p:par>
+                          <p:cTn id="19" fill="hold">
+                            <p:stCondLst>
+                              <p:cond delay="2750"/>
+                            </p:stCondLst>
+                            <p:childTnLst>
+                              <p:par>
+                                <p:cTn id="20" presetID="10" presetClass="entr" presetSubtype="0" fill="hold" nodeType="afterEffect">
+                                  <p:stCondLst>
+                                    <p:cond delay="0"/>
+                                  </p:stCondLst>
+                                  <p:childTnLst>
+                                    <p:set>
+                                      <p:cBhvr>
+                                        <p:cTn id="21" dur="1" fill="hold">
+                                          <p:stCondLst>
+                                            <p:cond delay="0"/>
+                                          </p:stCondLst>
+                                        </p:cTn>
+                                        <p:tgtEl>
+                                          <p:spTgt spid="46"/>
+                                        </p:tgtEl>
+                                        <p:attrNameLst>
+                                          <p:attrName>style.visibility</p:attrName>
+                                        </p:attrNameLst>
+                                      </p:cBhvr>
+                                      <p:to>
+                                        <p:strVal val="visible"/>
+                                      </p:to>
+                                    </p:set>
+                                    <p:animEffect transition="in" filter="fade">
+                                      <p:cBhvr>
+                                        <p:cTn id="22" dur="500"/>
+                                        <p:tgtEl>
+                                          <p:spTgt spid="46"/>
+                                        </p:tgtEl>
+                                      </p:cBhvr>
+                                    </p:animEffect>
+                                  </p:childTnLst>
+                                </p:cTn>
+                              </p:par>
+                            </p:childTnLst>
+                          </p:cTn>
+                        </p:par>
+                      </p:childTnLst>
+                    </p:cTn>
+                  </p:par>
+                </p:childTnLst>
+              </p:cTn>
+              <p:prevCondLst>
+                <p:cond evt="onPrev" delay="0">
+                  <p:tgtEl>
+                    <p:sldTgt/>
+                  </p:tgtEl>
+                </p:cond>
+              </p:prevCondLst>
+              <p:nextCondLst>
+                <p:cond evt="onNext" delay="0">
+                  <p:tgtEl>
+                    <p:sldTgt/>
+                  </p:tgtEl>
+                </p:cond>
+              </p:nextCondLst>
+            </p:seq>
+          </p:childTnLst>
+        </p:cTn>
+      </p:par>
+    </p:tnLst>
+  </p:timing>
+</p:sld>
+</file>
+
+<file path=ppt/slides/slide12.xml><?xml version="1.0" encoding="utf-8"?>
+<p:sld xmlns:a="http://schemas.openxmlformats.org/drawingml/2006/main" xmlns:r="http://schemas.openxmlformats.org/officeDocument/2006/relationships" xmlns:p="http://schemas.openxmlformats.org/presentationml/2006/main">
+  <p:cSld>
+    <p:spTree>
+      <p:nvGrpSpPr>
+        <p:cNvPr id="1" name=""/>
+        <p:cNvGrpSpPr/>
+        <p:nvPr/>
+      </p:nvGrpSpPr>
+      <p:grpSpPr>
+        <a:xfrm>
+          <a:off x="0" y="0"/>
+          <a:ext cx="0" cy="0"/>
+          <a:chOff x="0" y="0"/>
+          <a:chExt cx="0" cy="0"/>
+        </a:xfrm>
+      </p:grpSpPr>
+      <p:pic>
+        <p:nvPicPr>
+          <p:cNvPr id="37" name="Picture 36"/>
+          <p:cNvPicPr>
+            <a:picLocks noChangeAspect="1"/>
+          </p:cNvPicPr>
+          <p:nvPr/>
+        </p:nvPicPr>
+        <p:blipFill>
+          <a:blip r:embed="rId2"/>
+          <a:stretch>
+            <a:fillRect/>
+          </a:stretch>
+        </p:blipFill>
+        <p:spPr>
+          <a:xfrm>
+            <a:off x="5276829" y="-372994"/>
+            <a:ext cx="7263040" cy="4705631"/>
+          </a:xfrm>
+          <a:prstGeom prst="rect">
+            <a:avLst/>
+          </a:prstGeom>
+        </p:spPr>
+      </p:pic>
+      <p:pic>
+        <p:nvPicPr>
+          <p:cNvPr id="30" name="Picture 29"/>
+          <p:cNvPicPr>
+            <a:picLocks noChangeAspect="1"/>
+          </p:cNvPicPr>
+          <p:nvPr/>
+        </p:nvPicPr>
+        <p:blipFill>
+          <a:blip r:embed="rId3">
+            <a:lum bright="-40000" contrast="-40000"/>
+          </a:blip>
+          <a:stretch>
+            <a:fillRect/>
+          </a:stretch>
+        </p:blipFill>
+        <p:spPr>
+          <a:xfrm>
+            <a:off x="6609431" y="487"/>
+            <a:ext cx="5581706" cy="3613545"/>
+          </a:xfrm>
+          <a:prstGeom prst="rect">
+            <a:avLst/>
+          </a:prstGeom>
+        </p:spPr>
+      </p:pic>
+      <p:pic>
+        <p:nvPicPr>
+          <p:cNvPr id="2" name="Picture 1"/>
+          <p:cNvPicPr>
+            <a:picLocks noChangeAspect="1"/>
+          </p:cNvPicPr>
+          <p:nvPr/>
+        </p:nvPicPr>
+        <p:blipFill>
+          <a:blip r:embed="rId4"/>
+          <a:stretch>
+            <a:fillRect/>
+          </a:stretch>
+        </p:blipFill>
+        <p:spPr>
+          <a:xfrm>
+            <a:off x="2010390" y="672463"/>
+            <a:ext cx="9418854" cy="6089435"/>
+          </a:xfrm>
+          <a:prstGeom prst="rect">
+            <a:avLst/>
+          </a:prstGeom>
+        </p:spPr>
+      </p:pic>
+      <p:pic>
+        <p:nvPicPr>
+          <p:cNvPr id="3" name="Picture 2"/>
+          <p:cNvPicPr>
+            <a:picLocks noChangeAspect="1"/>
+          </p:cNvPicPr>
+          <p:nvPr/>
+        </p:nvPicPr>
+        <p:blipFill>
+          <a:blip r:embed="rId5"/>
+          <a:stretch>
+            <a:fillRect/>
+          </a:stretch>
+        </p:blipFill>
+        <p:spPr>
+          <a:xfrm>
+            <a:off x="8087206" y="1636456"/>
+            <a:ext cx="1506294" cy="978611"/>
+          </a:xfrm>
+          <a:prstGeom prst="rect">
+            <a:avLst/>
+          </a:prstGeom>
+        </p:spPr>
+      </p:pic>
+      <p:grpSp>
+        <p:nvGrpSpPr>
+          <p:cNvPr id="51" name="Group 50"/>
+          <p:cNvGrpSpPr/>
+          <p:nvPr/>
+        </p:nvGrpSpPr>
+        <p:grpSpPr>
+          <a:xfrm>
+            <a:off x="6607004" y="1610572"/>
+            <a:ext cx="2770894" cy="4119120"/>
+            <a:chOff x="6722970" y="1674257"/>
+            <a:chExt cx="2780259" cy="4133042"/>
+          </a:xfrm>
+        </p:grpSpPr>
+        <p:pic>
+          <p:nvPicPr>
+            <p:cNvPr id="52" name="Picture 51"/>
+            <p:cNvPicPr>
+              <a:picLocks noChangeAspect="1"/>
+            </p:cNvPicPr>
+            <p:nvPr/>
+          </p:nvPicPr>
+          <p:blipFill>
+            <a:blip r:embed="rId6"/>
+            <a:stretch>
+              <a:fillRect/>
+            </a:stretch>
+          </p:blipFill>
+          <p:spPr>
+            <a:xfrm>
+              <a:off x="6722970" y="1674257"/>
+              <a:ext cx="2780259" cy="4133042"/>
+            </a:xfrm>
+            <a:prstGeom prst="rect">
+              <a:avLst/>
+            </a:prstGeom>
+          </p:spPr>
+        </p:pic>
+        <p:pic>
+          <p:nvPicPr>
+            <p:cNvPr id="53" name="Picture 52"/>
+            <p:cNvPicPr>
+              <a:picLocks noChangeAspect="1"/>
+            </p:cNvPicPr>
+            <p:nvPr/>
+          </p:nvPicPr>
+          <p:blipFill>
+            <a:blip r:embed="rId7"/>
+            <a:stretch>
+              <a:fillRect/>
+            </a:stretch>
+          </p:blipFill>
+          <p:spPr>
+            <a:xfrm>
+              <a:off x="7470523" y="3260826"/>
+              <a:ext cx="979669" cy="1295431"/>
+            </a:xfrm>
+            <a:prstGeom prst="rect">
+              <a:avLst/>
+            </a:prstGeom>
+          </p:spPr>
+        </p:pic>
+      </p:grpSp>
+      <p:grpSp>
+        <p:nvGrpSpPr>
+          <p:cNvPr id="55" name="Group 54"/>
+          <p:cNvGrpSpPr/>
+          <p:nvPr/>
+        </p:nvGrpSpPr>
+        <p:grpSpPr>
+          <a:xfrm>
+            <a:off x="3716781" y="-337643"/>
+            <a:ext cx="2775445" cy="4134168"/>
+            <a:chOff x="3719625" y="-351356"/>
+            <a:chExt cx="2775838" cy="4134755"/>
+          </a:xfrm>
+        </p:grpSpPr>
+        <p:pic>
+          <p:nvPicPr>
+            <p:cNvPr id="56" name="Picture 55"/>
+            <p:cNvPicPr>
+              <a:picLocks noChangeAspect="1"/>
+            </p:cNvPicPr>
+            <p:nvPr/>
+          </p:nvPicPr>
+          <p:blipFill>
+            <a:blip r:embed="rId8"/>
+            <a:stretch>
+              <a:fillRect/>
+            </a:stretch>
+          </p:blipFill>
+          <p:spPr>
+            <a:xfrm>
+              <a:off x="3719625" y="-351356"/>
+              <a:ext cx="2775838" cy="4134755"/>
+            </a:xfrm>
+            <a:prstGeom prst="rect">
+              <a:avLst/>
+            </a:prstGeom>
+          </p:spPr>
+        </p:pic>
+        <p:pic>
+          <p:nvPicPr>
+            <p:cNvPr id="57" name="Picture 56"/>
+            <p:cNvPicPr>
+              <a:picLocks noChangeAspect="1"/>
+            </p:cNvPicPr>
+            <p:nvPr/>
+          </p:nvPicPr>
+          <p:blipFill>
+            <a:blip r:embed="rId7"/>
+            <a:stretch>
+              <a:fillRect/>
+            </a:stretch>
+          </p:blipFill>
+          <p:spPr>
+            <a:xfrm>
+              <a:off x="4484016" y="1290841"/>
+              <a:ext cx="979669" cy="1295431"/>
+            </a:xfrm>
+            <a:prstGeom prst="rect">
+              <a:avLst/>
+            </a:prstGeom>
+          </p:spPr>
+        </p:pic>
+      </p:grpSp>
+      <p:pic>
+        <p:nvPicPr>
+          <p:cNvPr id="26" name="Picture 25"/>
+          <p:cNvPicPr>
+            <a:picLocks noChangeAspect="1"/>
+          </p:cNvPicPr>
+          <p:nvPr/>
+        </p:nvPicPr>
+        <p:blipFill>
+          <a:blip r:embed="rId9"/>
+          <a:stretch>
+            <a:fillRect/>
+          </a:stretch>
+        </p:blipFill>
+        <p:spPr>
+          <a:xfrm>
+            <a:off x="2845824" y="4756694"/>
+            <a:ext cx="2172488" cy="1399878"/>
+          </a:xfrm>
+          <a:prstGeom prst="rect">
+            <a:avLst/>
+          </a:prstGeom>
+        </p:spPr>
+      </p:pic>
+      <p:pic>
+        <p:nvPicPr>
+          <p:cNvPr id="16" name="Picture 15"/>
+          <p:cNvPicPr>
+            <a:picLocks noChangeAspect="1"/>
+          </p:cNvPicPr>
+          <p:nvPr/>
+        </p:nvPicPr>
+        <p:blipFill>
+          <a:blip r:embed="rId10"/>
+          <a:stretch>
+            <a:fillRect/>
+          </a:stretch>
+        </p:blipFill>
+        <p:spPr>
+          <a:xfrm>
+            <a:off x="10155562" y="2524083"/>
+            <a:ext cx="1468279" cy="948454"/>
+          </a:xfrm>
+          <a:prstGeom prst="rect">
+            <a:avLst/>
+          </a:prstGeom>
+        </p:spPr>
+      </p:pic>
+      <p:pic>
+        <p:nvPicPr>
+          <p:cNvPr id="21" name="Picture 20"/>
+          <p:cNvPicPr>
+            <a:picLocks noChangeAspect="1"/>
+          </p:cNvPicPr>
+          <p:nvPr/>
+        </p:nvPicPr>
+        <p:blipFill>
+          <a:blip r:embed="rId11">
+            <a:lum bright="-40000" contrast="-40000"/>
+          </a:blip>
+          <a:stretch>
+            <a:fillRect/>
+          </a:stretch>
+        </p:blipFill>
+        <p:spPr>
+          <a:xfrm>
+            <a:off x="866" y="3742966"/>
+            <a:ext cx="4821685" cy="3124218"/>
+          </a:xfrm>
+          <a:prstGeom prst="rect">
+            <a:avLst/>
+          </a:prstGeom>
+        </p:spPr>
+      </p:pic>
+      <p:pic>
+        <p:nvPicPr>
+          <p:cNvPr id="22" name="Picture 21"/>
+          <p:cNvPicPr>
+            <a:picLocks noChangeAspect="1"/>
+          </p:cNvPicPr>
+          <p:nvPr/>
+        </p:nvPicPr>
+        <p:blipFill>
+          <a:blip r:embed="rId12"/>
+          <a:stretch>
+            <a:fillRect/>
+          </a:stretch>
+        </p:blipFill>
+        <p:spPr>
+          <a:xfrm>
+            <a:off x="258805" y="5707447"/>
+            <a:ext cx="1481018" cy="956491"/>
+          </a:xfrm>
+          <a:prstGeom prst="rect">
+            <a:avLst/>
+          </a:prstGeom>
+        </p:spPr>
+      </p:pic>
+      <p:grpSp>
+        <p:nvGrpSpPr>
+          <p:cNvPr id="36" name="Group 35"/>
+          <p:cNvGrpSpPr/>
+          <p:nvPr/>
+        </p:nvGrpSpPr>
+        <p:grpSpPr>
+          <a:xfrm>
+            <a:off x="10508942" y="388643"/>
+            <a:ext cx="934656" cy="1104595"/>
+            <a:chOff x="7012021" y="-1253215"/>
+            <a:chExt cx="1237500" cy="1462500"/>
+          </a:xfrm>
+        </p:grpSpPr>
+        <p:pic>
+          <p:nvPicPr>
+            <p:cNvPr id="33" name="Picture 32"/>
+            <p:cNvPicPr>
+              <a:picLocks noChangeAspect="1"/>
+            </p:cNvPicPr>
+            <p:nvPr/>
+          </p:nvPicPr>
+          <p:blipFill>
+            <a:blip r:embed="rId13"/>
+            <a:stretch>
+              <a:fillRect/>
+            </a:stretch>
+          </p:blipFill>
+          <p:spPr>
+            <a:xfrm>
+              <a:off x="7012021" y="-1253215"/>
+              <a:ext cx="1237500" cy="1462500"/>
+            </a:xfrm>
+            <a:prstGeom prst="rect">
+              <a:avLst/>
+            </a:prstGeom>
+          </p:spPr>
+        </p:pic>
+        <p:pic>
+          <p:nvPicPr>
+            <p:cNvPr id="35" name="Picture 34"/>
+            <p:cNvPicPr>
+              <a:picLocks noChangeAspect="1"/>
+            </p:cNvPicPr>
+            <p:nvPr/>
+          </p:nvPicPr>
+          <p:blipFill>
+            <a:blip r:embed="rId14" cstate="print">
+              <a:extLst>
+                <a:ext uri="{28A0092B-C50C-407E-A947-70E740481C1C}">
+                  <a14:useLocalDpi xmlns:a14="http://schemas.microsoft.com/office/drawing/2010/main" val="0"/>
+                </a:ext>
+              </a:extLst>
+            </a:blip>
+            <a:stretch>
+              <a:fillRect/>
+            </a:stretch>
+          </p:blipFill>
+          <p:spPr>
+            <a:xfrm>
+              <a:off x="7703687" y="-912406"/>
+              <a:ext cx="314973" cy="435664"/>
+            </a:xfrm>
+            <a:prstGeom prst="rect">
+              <a:avLst/>
+            </a:prstGeom>
+          </p:spPr>
+        </p:pic>
+      </p:grpSp>
+      <p:sp>
+        <p:nvSpPr>
+          <p:cNvPr id="31" name="TextBox 30"/>
+          <p:cNvSpPr txBox="1"/>
+          <p:nvPr/>
+        </p:nvSpPr>
+        <p:spPr>
+          <a:xfrm>
+            <a:off x="581807" y="457622"/>
+            <a:ext cx="3599940" cy="720095"/>
+          </a:xfrm>
+          <a:prstGeom prst="rect">
+            <a:avLst/>
+          </a:prstGeom>
+          <a:noFill/>
+        </p:spPr>
+        <p:txBody>
+          <a:bodyPr wrap="square" rtlCol="0">
+            <a:spAutoFit/>
+          </a:bodyPr>
+          <a:lstStyle/>
+          <a:p>
+            <a:pPr defTabSz="914367"/>
+            <a:r>
+              <a:rPr lang="en-US" sz="4000" dirty="0">
+                <a:solidFill>
+                  <a:srgbClr val="FFFFFF"/>
+                </a:solidFill>
+                <a:latin typeface="Segoe UI Light" panose="020B0502040204020203" pitchFamily="34" charset="0"/>
+                <a:cs typeface="Segoe UI Light" panose="020B0502040204020203" pitchFamily="34" charset="0"/>
+              </a:rPr>
+              <a:t>Staging</a:t>
+            </a:r>
+          </a:p>
+        </p:txBody>
+      </p:sp>
+      <p:pic>
+        <p:nvPicPr>
+          <p:cNvPr id="27" name="Picture 26"/>
+          <p:cNvPicPr>
+            <a:picLocks noChangeAspect="1"/>
+          </p:cNvPicPr>
+          <p:nvPr/>
+        </p:nvPicPr>
+        <p:blipFill>
+          <a:blip r:embed="rId15"/>
+          <a:stretch>
+            <a:fillRect/>
+          </a:stretch>
+        </p:blipFill>
+        <p:spPr>
+          <a:xfrm>
+            <a:off x="216174" y="3302234"/>
+            <a:ext cx="2092203" cy="2339668"/>
+          </a:xfrm>
+          <a:prstGeom prst="rect">
+            <a:avLst/>
+          </a:prstGeom>
+        </p:spPr>
+      </p:pic>
+      <p:pic>
+        <p:nvPicPr>
+          <p:cNvPr id="28" name="Picture 27"/>
+          <p:cNvPicPr>
+            <a:picLocks noChangeAspect="1"/>
+          </p:cNvPicPr>
+          <p:nvPr/>
+        </p:nvPicPr>
+        <p:blipFill>
+          <a:blip r:embed="rId13"/>
+          <a:stretch>
+            <a:fillRect/>
+          </a:stretch>
+        </p:blipFill>
+        <p:spPr>
+          <a:xfrm>
+            <a:off x="1448271" y="5043532"/>
+            <a:ext cx="1237324" cy="1462293"/>
+          </a:xfrm>
+          <a:prstGeom prst="rect">
+            <a:avLst/>
+          </a:prstGeom>
+        </p:spPr>
+      </p:pic>
+      <p:pic>
+        <p:nvPicPr>
+          <p:cNvPr id="29" name="Picture 28"/>
+          <p:cNvPicPr>
+            <a:picLocks noChangeAspect="1"/>
+          </p:cNvPicPr>
+          <p:nvPr/>
+        </p:nvPicPr>
+        <p:blipFill>
+          <a:blip r:embed="rId16"/>
+          <a:stretch>
+            <a:fillRect/>
+          </a:stretch>
+        </p:blipFill>
+        <p:spPr>
+          <a:xfrm>
+            <a:off x="2789279" y="4960695"/>
+            <a:ext cx="447810" cy="1224016"/>
+          </a:xfrm>
+          <a:prstGeom prst="rect">
+            <a:avLst/>
+          </a:prstGeom>
+        </p:spPr>
+      </p:pic>
+      <p:pic>
+        <p:nvPicPr>
+          <p:cNvPr id="49" name="Picture 48"/>
+          <p:cNvPicPr>
+            <a:picLocks noChangeAspect="1"/>
+          </p:cNvPicPr>
+          <p:nvPr/>
+        </p:nvPicPr>
+        <p:blipFill>
+          <a:blip r:embed="rId17"/>
+          <a:stretch>
+            <a:fillRect/>
+          </a:stretch>
+        </p:blipFill>
+        <p:spPr>
+          <a:xfrm>
+            <a:off x="8313574" y="267195"/>
+            <a:ext cx="3327504" cy="2147950"/>
+          </a:xfrm>
+          <a:prstGeom prst="rect">
+            <a:avLst/>
+          </a:prstGeom>
+        </p:spPr>
+      </p:pic>
+      <p:pic>
+        <p:nvPicPr>
+          <p:cNvPr id="45" name="Picture 44"/>
+          <p:cNvPicPr>
+            <a:picLocks noChangeAspect="1"/>
+          </p:cNvPicPr>
+          <p:nvPr/>
+        </p:nvPicPr>
+        <p:blipFill>
+          <a:blip r:embed="rId18"/>
+          <a:stretch>
+            <a:fillRect/>
+          </a:stretch>
+        </p:blipFill>
+        <p:spPr>
+          <a:xfrm>
+            <a:off x="3958857" y="483765"/>
+            <a:ext cx="899884" cy="707052"/>
+          </a:xfrm>
+          <a:prstGeom prst="rect">
+            <a:avLst/>
+          </a:prstGeom>
+        </p:spPr>
+      </p:pic>
+      <p:pic>
+        <p:nvPicPr>
+          <p:cNvPr id="46" name="Picture 45"/>
+          <p:cNvPicPr>
+            <a:picLocks noChangeAspect="1"/>
+          </p:cNvPicPr>
+          <p:nvPr/>
+        </p:nvPicPr>
+        <p:blipFill>
+          <a:blip r:embed="rId19"/>
+          <a:stretch>
+            <a:fillRect/>
+          </a:stretch>
+        </p:blipFill>
+        <p:spPr>
+          <a:xfrm>
+            <a:off x="6815033" y="2378863"/>
+            <a:ext cx="587679" cy="477489"/>
+          </a:xfrm>
+          <a:prstGeom prst="rect">
+            <a:avLst/>
+          </a:prstGeom>
+        </p:spPr>
+      </p:pic>
+      <p:pic>
+        <p:nvPicPr>
+          <p:cNvPr id="58" name="Picture 57"/>
+          <p:cNvPicPr>
+            <a:picLocks noChangeAspect="1"/>
+          </p:cNvPicPr>
+          <p:nvPr/>
+        </p:nvPicPr>
+        <p:blipFill>
+          <a:blip r:embed="rId20"/>
+          <a:stretch>
+            <a:fillRect/>
+          </a:stretch>
+        </p:blipFill>
+        <p:spPr>
+          <a:xfrm>
+            <a:off x="4607736" y="3601883"/>
+            <a:ext cx="2339668" cy="1473541"/>
+          </a:xfrm>
+          <a:prstGeom prst="rect">
+            <a:avLst/>
+          </a:prstGeom>
+        </p:spPr>
+      </p:pic>
+      <p:grpSp>
+        <p:nvGrpSpPr>
+          <p:cNvPr id="38" name="Group 37"/>
+          <p:cNvGrpSpPr/>
+          <p:nvPr/>
+        </p:nvGrpSpPr>
+        <p:grpSpPr>
+          <a:xfrm>
+            <a:off x="9787045" y="-79296"/>
+            <a:ext cx="934656" cy="1104595"/>
+            <a:chOff x="9827324" y="-40038"/>
+            <a:chExt cx="934789" cy="1104751"/>
+          </a:xfrm>
+        </p:grpSpPr>
+        <p:pic>
+          <p:nvPicPr>
+            <p:cNvPr id="39" name="Picture 38"/>
+            <p:cNvPicPr>
+              <a:picLocks noChangeAspect="1"/>
+            </p:cNvPicPr>
+            <p:nvPr/>
+          </p:nvPicPr>
+          <p:blipFill>
+            <a:blip r:embed="rId13"/>
+            <a:stretch>
+              <a:fillRect/>
+            </a:stretch>
+          </p:blipFill>
+          <p:spPr>
+            <a:xfrm>
+              <a:off x="9827324" y="-40038"/>
+              <a:ext cx="934789" cy="1104751"/>
+            </a:xfrm>
+            <a:prstGeom prst="rect">
+              <a:avLst/>
+            </a:prstGeom>
+          </p:spPr>
+        </p:pic>
+        <p:pic>
+          <p:nvPicPr>
+            <p:cNvPr id="40" name="Picture 39"/>
+            <p:cNvPicPr>
+              <a:picLocks noChangeAspect="1"/>
+            </p:cNvPicPr>
+            <p:nvPr/>
+          </p:nvPicPr>
+          <p:blipFill>
+            <a:blip r:embed="rId21"/>
+            <a:stretch>
+              <a:fillRect/>
+            </a:stretch>
+          </p:blipFill>
+          <p:spPr>
+            <a:xfrm>
+              <a:off x="10368710" y="254515"/>
+              <a:ext cx="147937" cy="295874"/>
+            </a:xfrm>
+            <a:prstGeom prst="rect">
+              <a:avLst/>
+            </a:prstGeom>
+          </p:spPr>
+        </p:pic>
+      </p:grpSp>
+    </p:spTree>
+    <p:extLst>
+      <p:ext uri="{BB962C8B-B14F-4D97-AF65-F5344CB8AC3E}">
+        <p14:creationId xmlns:p14="http://schemas.microsoft.com/office/powerpoint/2010/main" val="622188724"/>
+      </p:ext>
+    </p:extLst>
+  </p:cSld>
+  <p:clrMapOvr>
+    <a:masterClrMapping/>
+  </p:clrMapOvr>
+  <mc:AlternateContent xmlns:mc="http://schemas.openxmlformats.org/markup-compatibility/2006">
+    <mc:Choice xmlns:p14="http://schemas.microsoft.com/office/powerpoint/2010/main" Requires="p14">
+      <p:transition spd="med" p14:dur="700">
+        <p:fade/>
+      </p:transition>
+    </mc:Choice>
+    <mc:Fallback>
+      <p:transition spd="med">
+        <p:fade/>
+      </p:transition>
+    </mc:Fallback>
+  </mc:AlternateContent>
+  <p:timing>
+    <p:tnLst>
+      <p:par>
+        <p:cTn id="1" dur="indefinite" restart="never" nodeType="tmRoot">
+          <p:childTnLst>
+            <p:seq concurrent="1" nextAc="seek">
+              <p:cTn id="2" dur="indefinite" nodeType="mainSeq">
+                <p:childTnLst>
+                  <p:par>
+                    <p:cTn id="3" fill="hold">
+                      <p:stCondLst>
+                        <p:cond delay="indefinite"/>
+                        <p:cond evt="onBegin" delay="0">
+                          <p:tn val="2"/>
+                        </p:cond>
+                      </p:stCondLst>
+                      <p:childTnLst>
+                        <p:par>
+                          <p:cTn id="4" fill="hold">
+                            <p:stCondLst>
+                              <p:cond delay="0"/>
+                            </p:stCondLst>
+                            <p:childTnLst>
+                              <p:par>
+                                <p:cTn id="5" presetID="10" presetClass="exit" presetSubtype="0" fill="hold" nodeType="afterEffect">
+                                  <p:stCondLst>
+                                    <p:cond delay="0"/>
+                                  </p:stCondLst>
+                                  <p:childTnLst>
+                                    <p:animEffect transition="out" filter="fade">
+                                      <p:cBhvr>
+                                        <p:cTn id="6" dur="500"/>
+                                        <p:tgtEl>
+                                          <p:spTgt spid="46"/>
+                                        </p:tgtEl>
+                                      </p:cBhvr>
+                                    </p:animEffect>
+                                    <p:set>
+                                      <p:cBhvr>
+                                        <p:cTn id="7" dur="1" fill="hold">
+                                          <p:stCondLst>
+                                            <p:cond delay="499"/>
+                                          </p:stCondLst>
+                                        </p:cTn>
+                                        <p:tgtEl>
+                                          <p:spTgt spid="46"/>
+                                        </p:tgtEl>
+                                        <p:attrNameLst>
+                                          <p:attrName>style.visibility</p:attrName>
+                                        </p:attrNameLst>
+                                      </p:cBhvr>
+                                      <p:to>
+                                        <p:strVal val="hidden"/>
+                                      </p:to>
+                                    </p:set>
+                                  </p:childTnLst>
+                                </p:cTn>
+                              </p:par>
+                            </p:childTnLst>
+                          </p:cTn>
+                        </p:par>
+                        <p:par>
+                          <p:cTn id="8" fill="hold">
+                            <p:stCondLst>
+                              <p:cond delay="500"/>
+                            </p:stCondLst>
+                            <p:childTnLst>
+                              <p:par>
+                                <p:cTn id="9" presetID="10" presetClass="exit" presetSubtype="0" fill="hold" nodeType="afterEffect">
+                                  <p:stCondLst>
+                                    <p:cond delay="0"/>
+                                  </p:stCondLst>
+                                  <p:childTnLst>
+                                    <p:animEffect transition="out" filter="fade">
+                                      <p:cBhvr>
+                                        <p:cTn id="10" dur="500"/>
+                                        <p:tgtEl>
+                                          <p:spTgt spid="45"/>
+                                        </p:tgtEl>
+                                      </p:cBhvr>
+                                    </p:animEffect>
+                                    <p:set>
+                                      <p:cBhvr>
+                                        <p:cTn id="11" dur="1" fill="hold">
+                                          <p:stCondLst>
+                                            <p:cond delay="499"/>
+                                          </p:stCondLst>
+                                        </p:cTn>
+                                        <p:tgtEl>
+                                          <p:spTgt spid="45"/>
+                                        </p:tgtEl>
+                                        <p:attrNameLst>
+                                          <p:attrName>style.visibility</p:attrName>
+                                        </p:attrNameLst>
+                                      </p:cBhvr>
+                                      <p:to>
+                                        <p:strVal val="hidden"/>
+                                      </p:to>
+                                    </p:set>
+                                  </p:childTnLst>
+                                </p:cTn>
+                              </p:par>
+                            </p:childTnLst>
+                          </p:cTn>
+                        </p:par>
+                        <p:par>
+                          <p:cTn id="12" fill="hold">
+                            <p:stCondLst>
+                              <p:cond delay="1000"/>
+                            </p:stCondLst>
+                            <p:childTnLst>
+                              <p:par>
+                                <p:cTn id="13" presetID="42" presetClass="path" presetSubtype="0" accel="50000" decel="50000" fill="hold" nodeType="afterEffect">
+                                  <p:stCondLst>
+                                    <p:cond delay="0"/>
+                                  </p:stCondLst>
+                                  <p:childTnLst>
+                                    <p:animMotion origin="layout" path="M 1.04167E-6 -3.7037E-6 L 0.04974 -0.05555 " pathEditMode="relative" rAng="0" ptsTypes="AA">
+                                      <p:cBhvr>
+                                        <p:cTn id="14" dur="1000" fill="hold"/>
+                                        <p:tgtEl>
+                                          <p:spTgt spid="51"/>
+                                        </p:tgtEl>
+                                        <p:attrNameLst>
+                                          <p:attrName>ppt_x</p:attrName>
+                                          <p:attrName>ppt_y</p:attrName>
+                                        </p:attrNameLst>
+                                      </p:cBhvr>
+                                      <p:rCtr x="2487" y="-2778"/>
+                                    </p:animMotion>
+                                  </p:childTnLst>
+                                </p:cTn>
+                              </p:par>
+                              <p:par>
+                                <p:cTn id="15" presetID="42" presetClass="path" presetSubtype="0" accel="50000" decel="50000" fill="hold" nodeType="withEffect">
+                                  <p:stCondLst>
+                                    <p:cond delay="750"/>
+                                  </p:stCondLst>
+                                  <p:childTnLst>
+                                    <p:animMotion origin="layout" path="M 2.08333E-7 -3.33333E-6 L 0.23698 0.28287 " pathEditMode="relative" rAng="0" ptsTypes="AA">
+                                      <p:cBhvr>
+                                        <p:cTn id="16" dur="2250" fill="hold"/>
+                                        <p:tgtEl>
+                                          <p:spTgt spid="55"/>
+                                        </p:tgtEl>
+                                        <p:attrNameLst>
+                                          <p:attrName>ppt_x</p:attrName>
+                                          <p:attrName>ppt_y</p:attrName>
+                                        </p:attrNameLst>
+                                      </p:cBhvr>
+                                      <p:rCtr x="11836" y="14051"/>
+                                    </p:animMotion>
+                                  </p:childTnLst>
+                                </p:cTn>
+                              </p:par>
+                              <p:par>
+                                <p:cTn id="17" presetID="42" presetClass="path" presetSubtype="0" accel="50000" decel="50000" fill="hold" nodeType="withEffect">
+                                  <p:stCondLst>
+                                    <p:cond delay="1000"/>
+                                  </p:stCondLst>
+                                  <p:childTnLst>
+                                    <p:animMotion origin="layout" path="M 0.04974 -0.05555 L -0.18893 -0.33333 " pathEditMode="relative" rAng="0" ptsTypes="AA">
+                                      <p:cBhvr>
+                                        <p:cTn id="18" dur="1000" fill="hold"/>
+                                        <p:tgtEl>
+                                          <p:spTgt spid="51"/>
+                                        </p:tgtEl>
+                                        <p:attrNameLst>
+                                          <p:attrName>ppt_x</p:attrName>
+                                          <p:attrName>ppt_y</p:attrName>
+                                        </p:attrNameLst>
+                                      </p:cBhvr>
+                                      <p:rCtr x="-11940" y="-13889"/>
+                                    </p:animMotion>
+                                  </p:childTnLst>
+                                </p:cTn>
+                              </p:par>
+                              <p:par>
+                                <p:cTn id="19" presetID="42" presetClass="path" presetSubtype="0" accel="50000" decel="50000" fill="hold" nodeType="withEffect">
+                                  <p:stCondLst>
+                                    <p:cond delay="2000"/>
+                                  </p:stCondLst>
+                                  <p:childTnLst>
+                                    <p:animMotion origin="layout" path="M -0.18893 -0.33333 L -0.23555 -0.2824 " pathEditMode="relative" rAng="0" ptsTypes="AA">
+                                      <p:cBhvr>
+                                        <p:cTn id="20" dur="1250" fill="hold"/>
+                                        <p:tgtEl>
+                                          <p:spTgt spid="51"/>
+                                        </p:tgtEl>
+                                        <p:attrNameLst>
+                                          <p:attrName>ppt_x</p:attrName>
+                                          <p:attrName>ppt_y</p:attrName>
+                                        </p:attrNameLst>
+                                      </p:cBhvr>
+                                      <p:rCtr x="-2331" y="2546"/>
+                                    </p:animMotion>
+                                  </p:childTnLst>
+                                </p:cTn>
+                              </p:par>
+                            </p:childTnLst>
+                          </p:cTn>
+                        </p:par>
+                        <p:par>
+                          <p:cTn id="21" fill="hold">
+                            <p:stCondLst>
+                              <p:cond delay="4250"/>
+                            </p:stCondLst>
+                            <p:childTnLst>
+                              <p:par>
+                                <p:cTn id="22" presetID="10" presetClass="entr" presetSubtype="0" fill="hold" nodeType="afterEffect">
+                                  <p:stCondLst>
+                                    <p:cond delay="0"/>
+                                  </p:stCondLst>
+                                  <p:childTnLst>
+                                    <p:set>
+                                      <p:cBhvr>
+                                        <p:cTn id="23" dur="1" fill="hold">
+                                          <p:stCondLst>
+                                            <p:cond delay="0"/>
+                                          </p:stCondLst>
+                                        </p:cTn>
+                                        <p:tgtEl>
+                                          <p:spTgt spid="46"/>
+                                        </p:tgtEl>
+                                        <p:attrNameLst>
+                                          <p:attrName>style.visibility</p:attrName>
+                                        </p:attrNameLst>
+                                      </p:cBhvr>
+                                      <p:to>
+                                        <p:strVal val="visible"/>
+                                      </p:to>
+                                    </p:set>
+                                    <p:animEffect transition="in" filter="fade">
+                                      <p:cBhvr>
+                                        <p:cTn id="24" dur="500"/>
+                                        <p:tgtEl>
+                                          <p:spTgt spid="46"/>
+                                        </p:tgtEl>
+                                      </p:cBhvr>
+                                    </p:animEffect>
+                                  </p:childTnLst>
+                                </p:cTn>
+                              </p:par>
+                              <p:par>
+                                <p:cTn id="25" presetID="10" presetClass="entr" presetSubtype="0" fill="hold" nodeType="withEffect">
+                                  <p:stCondLst>
+                                    <p:cond delay="0"/>
+                                  </p:stCondLst>
+                                  <p:childTnLst>
+                                    <p:set>
+                                      <p:cBhvr>
+                                        <p:cTn id="26" dur="1" fill="hold">
+                                          <p:stCondLst>
+                                            <p:cond delay="0"/>
+                                          </p:stCondLst>
+                                        </p:cTn>
+                                        <p:tgtEl>
+                                          <p:spTgt spid="45"/>
+                                        </p:tgtEl>
+                                        <p:attrNameLst>
+                                          <p:attrName>style.visibility</p:attrName>
+                                        </p:attrNameLst>
+                                      </p:cBhvr>
+                                      <p:to>
+                                        <p:strVal val="visible"/>
+                                      </p:to>
+                                    </p:set>
+                                    <p:animEffect transition="in" filter="fade">
+                                      <p:cBhvr>
+                                        <p:cTn id="27" dur="500"/>
+                                        <p:tgtEl>
+                                          <p:spTgt spid="45"/>
+                                        </p:tgtEl>
+                                      </p:cBhvr>
+                                    </p:animEffect>
+                                  </p:childTnLst>
+                                </p:cTn>
+                              </p:par>
+                            </p:childTnLst>
+                          </p:cTn>
+                        </p:par>
+                      </p:childTnLst>
+                    </p:cTn>
+                  </p:par>
+                </p:childTnLst>
+              </p:cTn>
+              <p:prevCondLst>
+                <p:cond evt="onPrev" delay="0">
+                  <p:tgtEl>
+                    <p:sldTgt/>
+                  </p:tgtEl>
+                </p:cond>
+              </p:prevCondLst>
+              <p:nextCondLst>
+                <p:cond evt="onNext" delay="0">
+                  <p:tgtEl>
+                    <p:sldTgt/>
+                  </p:tgtEl>
+                </p:cond>
+              </p:nextCondLst>
+            </p:seq>
+          </p:childTnLst>
+        </p:cTn>
+      </p:par>
+    </p:tnLst>
+  </p:timing>
+</p:sld>
+</file>
+
+<file path=ppt/slides/slide13.xml><?xml version="1.0" encoding="utf-8"?>
+<p:sld xmlns:a="http://schemas.openxmlformats.org/drawingml/2006/main" xmlns:r="http://schemas.openxmlformats.org/officeDocument/2006/relationships" xmlns:p="http://schemas.openxmlformats.org/presentationml/2006/main">
+  <p:cSld>
+    <p:bg>
+      <p:bgPr>
+        <a:solidFill>
+          <a:schemeClr val="bg1"/>
+        </a:solidFill>
+        <a:effectLst/>
+      </p:bgPr>
+    </p:bg>
+    <p:spTree>
+      <p:nvGrpSpPr>
+        <p:cNvPr id="1" name=""/>
+        <p:cNvGrpSpPr/>
+        <p:nvPr/>
+      </p:nvGrpSpPr>
+      <p:grpSpPr>
+        <a:xfrm>
+          <a:off x="0" y="0"/>
+          <a:ext cx="0" cy="0"/>
+          <a:chOff x="0" y="0"/>
+          <a:chExt cx="0" cy="0"/>
+        </a:xfrm>
+      </p:grpSpPr>
+      <p:pic>
+        <p:nvPicPr>
+          <p:cNvPr id="4" name="Picture 3"/>
+          <p:cNvPicPr>
+            <a:picLocks noChangeAspect="1"/>
+          </p:cNvPicPr>
+          <p:nvPr/>
+        </p:nvPicPr>
+        <p:blipFill>
+          <a:blip r:embed="rId2">
+            <a:extLst>
+              <a:ext uri="{28A0092B-C50C-407E-A947-70E740481C1C}">
+                <a14:useLocalDpi xmlns:a14="http://schemas.microsoft.com/office/drawing/2010/main" val="0"/>
+              </a:ext>
+            </a:extLst>
+          </a:blip>
+          <a:stretch>
+            <a:fillRect/>
+          </a:stretch>
+        </p:blipFill>
+        <p:spPr>
+          <a:xfrm>
+            <a:off x="0" y="0"/>
+            <a:ext cx="12195961" cy="1106905"/>
+          </a:xfrm>
+          <a:prstGeom prst="rect">
+            <a:avLst/>
+          </a:prstGeom>
+        </p:spPr>
+      </p:pic>
+      <p:sp>
+        <p:nvSpPr>
+          <p:cNvPr id="2" name="TextBox 1"/>
+          <p:cNvSpPr txBox="1"/>
+          <p:nvPr/>
+        </p:nvSpPr>
+        <p:spPr>
+          <a:xfrm>
+            <a:off x="669634" y="1595718"/>
+            <a:ext cx="5234510" cy="769441"/>
+          </a:xfrm>
+          <a:prstGeom prst="rect">
+            <a:avLst/>
+          </a:prstGeom>
+          <a:noFill/>
+        </p:spPr>
+        <p:txBody>
+          <a:bodyPr wrap="none" rtlCol="0">
+            <a:spAutoFit/>
+          </a:bodyPr>
+          <a:lstStyle/>
+          <a:p>
+            <a:r>
+              <a:rPr lang="en-US" sz="4400" dirty="0" smtClean="0">
+                <a:solidFill>
+                  <a:prstClr val="black"/>
+                </a:solidFill>
+              </a:rPr>
+              <a:t>Scaling &amp; Auto Scaling</a:t>
+            </a:r>
+            <a:endParaRPr lang="en-US" sz="4400" dirty="0">
+              <a:solidFill>
+                <a:prstClr val="black"/>
+              </a:solidFill>
+            </a:endParaRPr>
+          </a:p>
+        </p:txBody>
+      </p:sp>
+      <p:sp>
+        <p:nvSpPr>
+          <p:cNvPr id="5" name="TextBox 4"/>
+          <p:cNvSpPr txBox="1"/>
+          <p:nvPr/>
+        </p:nvSpPr>
+        <p:spPr>
+          <a:xfrm>
+            <a:off x="669634" y="6024282"/>
+            <a:ext cx="9387757" cy="369332"/>
+          </a:xfrm>
+          <a:prstGeom prst="rect">
+            <a:avLst/>
+          </a:prstGeom>
+          <a:noFill/>
+        </p:spPr>
+        <p:txBody>
+          <a:bodyPr wrap="square" rtlCol="0">
+            <a:spAutoFit/>
+          </a:bodyPr>
+          <a:lstStyle/>
+          <a:p>
+            <a:endParaRPr lang="en-US" dirty="0">
+              <a:solidFill>
+                <a:prstClr val="black"/>
+              </a:solidFill>
+            </a:endParaRPr>
+          </a:p>
+        </p:txBody>
+      </p:sp>
+      <p:sp>
+        <p:nvSpPr>
+          <p:cNvPr id="6" name="TextBox 5"/>
+          <p:cNvSpPr txBox="1"/>
+          <p:nvPr/>
+        </p:nvSpPr>
+        <p:spPr>
+          <a:xfrm>
+            <a:off x="669634" y="2917448"/>
+            <a:ext cx="7685472" cy="2554545"/>
+          </a:xfrm>
+          <a:prstGeom prst="rect">
+            <a:avLst/>
+          </a:prstGeom>
+          <a:noFill/>
+        </p:spPr>
+        <p:txBody>
+          <a:bodyPr wrap="square" rtlCol="0">
+            <a:spAutoFit/>
+          </a:bodyPr>
+          <a:lstStyle/>
+          <a:p>
+            <a:pPr marL="457200" indent="-457200">
+              <a:buFont typeface="Arial" charset="0"/>
+              <a:buChar char="•"/>
+            </a:pPr>
+            <a:r>
+              <a:rPr lang="en-US" sz="3200" dirty="0" smtClean="0">
+                <a:solidFill>
+                  <a:prstClr val="black"/>
+                </a:solidFill>
+              </a:rPr>
+              <a:t>Can Scale up &amp; out</a:t>
+            </a:r>
+          </a:p>
+          <a:p>
+            <a:pPr marL="457200" indent="-457200">
+              <a:buFont typeface="Arial" charset="0"/>
+              <a:buChar char="•"/>
+            </a:pPr>
+            <a:r>
+              <a:rPr lang="en-US" sz="3200" dirty="0" smtClean="0">
+                <a:solidFill>
+                  <a:prstClr val="black"/>
+                </a:solidFill>
+              </a:rPr>
+              <a:t>Up to 4 cores &amp; 7 GB RAM per Instance</a:t>
+            </a:r>
+          </a:p>
+          <a:p>
+            <a:pPr marL="457200" indent="-457200">
+              <a:buFont typeface="Arial" charset="0"/>
+              <a:buChar char="•"/>
+            </a:pPr>
+            <a:r>
+              <a:rPr lang="en-US" sz="3200" dirty="0" smtClean="0">
+                <a:solidFill>
+                  <a:prstClr val="black"/>
+                </a:solidFill>
+              </a:rPr>
+              <a:t>Up to 250 GB per Instance</a:t>
+            </a:r>
+            <a:endParaRPr lang="en-US" sz="3200" dirty="0">
+              <a:solidFill>
+                <a:prstClr val="black"/>
+              </a:solidFill>
+            </a:endParaRPr>
+          </a:p>
+          <a:p>
+            <a:pPr marL="457200" indent="-457200">
+              <a:buFont typeface="Arial" charset="0"/>
+              <a:buChar char="•"/>
+            </a:pPr>
+            <a:r>
+              <a:rPr lang="en-US" sz="3200" dirty="0">
+                <a:solidFill>
+                  <a:prstClr val="black"/>
+                </a:solidFill>
+              </a:rPr>
+              <a:t>Up to 20 Instances </a:t>
+            </a:r>
+            <a:r>
+              <a:rPr lang="en-US" sz="3200" dirty="0" smtClean="0">
+                <a:solidFill>
+                  <a:prstClr val="black"/>
+                </a:solidFill>
+              </a:rPr>
+              <a:t>(*50)</a:t>
+            </a:r>
+          </a:p>
+          <a:p>
+            <a:pPr marL="457200" indent="-457200">
+              <a:buFont typeface="Arial" charset="0"/>
+              <a:buChar char="•"/>
+            </a:pPr>
+            <a:endParaRPr lang="en-US" sz="3200" dirty="0">
+              <a:solidFill>
+                <a:prstClr val="black"/>
+              </a:solidFill>
+            </a:endParaRPr>
+          </a:p>
+        </p:txBody>
+      </p:sp>
+    </p:spTree>
+    <p:extLst>
+      <p:ext uri="{BB962C8B-B14F-4D97-AF65-F5344CB8AC3E}">
+        <p14:creationId xmlns:p14="http://schemas.microsoft.com/office/powerpoint/2010/main" val="2064936835"/>
+      </p:ext>
+    </p:extLst>
+  </p:cSld>
+  <p:clrMapOvr>
+    <a:masterClrMapping/>
+  </p:clrMapOvr>
+  <p:timing>
+    <p:tnLst>
+      <p:par>
+        <p:cTn id="1" dur="indefinite" restart="never" nodeType="tmRoot"/>
+      </p:par>
+    </p:tnLst>
+  </p:timing>
+</p:sld>
+</file>
+
+<file path=ppt/slides/slide14.xml><?xml version="1.0" encoding="utf-8"?>
+<p:sld xmlns:a="http://schemas.openxmlformats.org/drawingml/2006/main" xmlns:r="http://schemas.openxmlformats.org/officeDocument/2006/relationships" xmlns:p="http://schemas.openxmlformats.org/presentationml/2006/main">
+  <p:cSld>
+    <p:bg>
+      <p:bgPr>
+        <a:solidFill>
+          <a:schemeClr val="bg1"/>
+        </a:solidFill>
+        <a:effectLst/>
+      </p:bgPr>
+    </p:bg>
+    <p:spTree>
+      <p:nvGrpSpPr>
+        <p:cNvPr id="1" name=""/>
+        <p:cNvGrpSpPr/>
+        <p:nvPr/>
+      </p:nvGrpSpPr>
+      <p:grpSpPr>
+        <a:xfrm>
+          <a:off x="0" y="0"/>
+          <a:ext cx="0" cy="0"/>
+          <a:chOff x="0" y="0"/>
+          <a:chExt cx="0" cy="0"/>
+        </a:xfrm>
+      </p:grpSpPr>
+      <p:pic>
+        <p:nvPicPr>
+          <p:cNvPr id="4" name="Picture 3"/>
+          <p:cNvPicPr>
+            <a:picLocks noChangeAspect="1"/>
+          </p:cNvPicPr>
+          <p:nvPr/>
+        </p:nvPicPr>
+        <p:blipFill>
+          <a:blip r:embed="rId2">
+            <a:extLst>
+              <a:ext uri="{28A0092B-C50C-407E-A947-70E740481C1C}">
+                <a14:useLocalDpi xmlns:a14="http://schemas.microsoft.com/office/drawing/2010/main" val="0"/>
+              </a:ext>
+            </a:extLst>
+          </a:blip>
+          <a:stretch>
+            <a:fillRect/>
+          </a:stretch>
+        </p:blipFill>
+        <p:spPr>
+          <a:xfrm>
+            <a:off x="0" y="0"/>
+            <a:ext cx="12195961" cy="1106905"/>
+          </a:xfrm>
+          <a:prstGeom prst="rect">
+            <a:avLst/>
+          </a:prstGeom>
+        </p:spPr>
+      </p:pic>
+      <p:sp>
+        <p:nvSpPr>
+          <p:cNvPr id="2" name="TextBox 1"/>
+          <p:cNvSpPr txBox="1"/>
+          <p:nvPr/>
+        </p:nvSpPr>
+        <p:spPr>
+          <a:xfrm>
+            <a:off x="669634" y="1595718"/>
+            <a:ext cx="5234510" cy="769441"/>
+          </a:xfrm>
+          <a:prstGeom prst="rect">
+            <a:avLst/>
+          </a:prstGeom>
+          <a:noFill/>
+        </p:spPr>
+        <p:txBody>
+          <a:bodyPr wrap="none" rtlCol="0">
+            <a:spAutoFit/>
+          </a:bodyPr>
+          <a:lstStyle/>
+          <a:p>
+            <a:r>
+              <a:rPr lang="en-US" sz="4400" dirty="0" smtClean="0">
+                <a:solidFill>
+                  <a:prstClr val="black"/>
+                </a:solidFill>
+              </a:rPr>
+              <a:t>Scaling &amp; Auto Scaling</a:t>
+            </a:r>
+            <a:endParaRPr lang="en-US" sz="4400" dirty="0">
+              <a:solidFill>
+                <a:prstClr val="black"/>
+              </a:solidFill>
+            </a:endParaRPr>
+          </a:p>
+        </p:txBody>
+      </p:sp>
+      <p:sp>
+        <p:nvSpPr>
+          <p:cNvPr id="5" name="TextBox 4"/>
+          <p:cNvSpPr txBox="1"/>
+          <p:nvPr/>
+        </p:nvSpPr>
+        <p:spPr>
+          <a:xfrm>
+            <a:off x="669634" y="6024282"/>
+            <a:ext cx="9387757" cy="369332"/>
+          </a:xfrm>
+          <a:prstGeom prst="rect">
+            <a:avLst/>
+          </a:prstGeom>
+          <a:noFill/>
+        </p:spPr>
+        <p:txBody>
+          <a:bodyPr wrap="square" rtlCol="0">
+            <a:spAutoFit/>
+          </a:bodyPr>
+          <a:lstStyle/>
+          <a:p>
+            <a:endParaRPr lang="en-US" dirty="0">
+              <a:solidFill>
+                <a:prstClr val="black"/>
+              </a:solidFill>
+            </a:endParaRPr>
+          </a:p>
+        </p:txBody>
+      </p:sp>
+      <p:sp>
+        <p:nvSpPr>
+          <p:cNvPr id="6" name="TextBox 5"/>
+          <p:cNvSpPr txBox="1"/>
+          <p:nvPr/>
+        </p:nvSpPr>
+        <p:spPr>
+          <a:xfrm>
+            <a:off x="669634" y="3609945"/>
+            <a:ext cx="7685472" cy="584775"/>
+          </a:xfrm>
+          <a:prstGeom prst="rect">
+            <a:avLst/>
+          </a:prstGeom>
+          <a:noFill/>
+        </p:spPr>
+        <p:txBody>
+          <a:bodyPr wrap="square" rtlCol="0">
+            <a:spAutoFit/>
+          </a:bodyPr>
+          <a:lstStyle/>
+          <a:p>
+            <a:r>
+              <a:rPr lang="en-US" sz="3200" dirty="0" smtClean="0">
+                <a:solidFill>
+                  <a:prstClr val="black"/>
+                </a:solidFill>
+              </a:rPr>
+              <a:t>Demo</a:t>
+            </a:r>
+            <a:endParaRPr lang="en-US" sz="3200" dirty="0">
+              <a:solidFill>
+                <a:prstClr val="black"/>
+              </a:solidFill>
+            </a:endParaRPr>
+          </a:p>
+        </p:txBody>
+      </p:sp>
+    </p:spTree>
+    <p:extLst>
+      <p:ext uri="{BB962C8B-B14F-4D97-AF65-F5344CB8AC3E}">
+        <p14:creationId xmlns:p14="http://schemas.microsoft.com/office/powerpoint/2010/main" val="3924400250"/>
+      </p:ext>
+    </p:extLst>
+  </p:cSld>
+  <p:clrMapOvr>
+    <a:masterClrMapping/>
+  </p:clrMapOvr>
+  <p:timing>
+    <p:tnLst>
+      <p:par>
+        <p:cTn id="1" dur="indefinite" restart="never" nodeType="tmRoot"/>
+      </p:par>
+    </p:tnLst>
+  </p:timing>
+</p:sld>
+</file>
+
+<file path=ppt/slides/slide15.xml><?xml version="1.0" encoding="utf-8"?>
+<p:sld xmlns:a="http://schemas.openxmlformats.org/drawingml/2006/main" xmlns:r="http://schemas.openxmlformats.org/officeDocument/2006/relationships" xmlns:p="http://schemas.openxmlformats.org/presentationml/2006/main">
+  <p:cSld>
+    <p:bg>
+      <p:bgPr>
+        <a:solidFill>
+          <a:schemeClr val="bg1"/>
+        </a:solidFill>
+        <a:effectLst/>
+      </p:bgPr>
+    </p:bg>
+    <p:spTree>
+      <p:nvGrpSpPr>
+        <p:cNvPr id="1" name=""/>
+        <p:cNvGrpSpPr/>
+        <p:nvPr/>
+      </p:nvGrpSpPr>
+      <p:grpSpPr>
+        <a:xfrm>
+          <a:off x="0" y="0"/>
+          <a:ext cx="0" cy="0"/>
+          <a:chOff x="0" y="0"/>
+          <a:chExt cx="0" cy="0"/>
+        </a:xfrm>
+      </p:grpSpPr>
+      <p:pic>
+        <p:nvPicPr>
+          <p:cNvPr id="4" name="Picture 3"/>
+          <p:cNvPicPr>
+            <a:picLocks noChangeAspect="1"/>
+          </p:cNvPicPr>
+          <p:nvPr/>
+        </p:nvPicPr>
+        <p:blipFill>
+          <a:blip r:embed="rId2">
+            <a:extLst>
+              <a:ext uri="{28A0092B-C50C-407E-A947-70E740481C1C}">
+                <a14:useLocalDpi xmlns:a14="http://schemas.microsoft.com/office/drawing/2010/main" val="0"/>
+              </a:ext>
+            </a:extLst>
+          </a:blip>
+          <a:stretch>
+            <a:fillRect/>
+          </a:stretch>
+        </p:blipFill>
+        <p:spPr>
+          <a:xfrm>
+            <a:off x="0" y="0"/>
+            <a:ext cx="12195961" cy="1106905"/>
+          </a:xfrm>
+          <a:prstGeom prst="rect">
+            <a:avLst/>
+          </a:prstGeom>
+        </p:spPr>
+      </p:pic>
+      <p:sp>
+        <p:nvSpPr>
+          <p:cNvPr id="2" name="TextBox 1"/>
+          <p:cNvSpPr txBox="1"/>
+          <p:nvPr/>
+        </p:nvSpPr>
+        <p:spPr>
+          <a:xfrm>
+            <a:off x="669634" y="1595718"/>
+            <a:ext cx="1487458" cy="769441"/>
+          </a:xfrm>
+          <a:prstGeom prst="rect">
+            <a:avLst/>
+          </a:prstGeom>
+          <a:noFill/>
+        </p:spPr>
+        <p:txBody>
+          <a:bodyPr wrap="none" rtlCol="0">
+            <a:spAutoFit/>
+          </a:bodyPr>
+          <a:lstStyle/>
+          <a:p>
+            <a:r>
+              <a:rPr lang="en-US" sz="4400" dirty="0" smtClean="0">
+                <a:solidFill>
+                  <a:prstClr val="black"/>
+                </a:solidFill>
+              </a:rPr>
+              <a:t>Kudu </a:t>
+            </a:r>
+            <a:endParaRPr lang="en-US" sz="4400" dirty="0">
+              <a:solidFill>
+                <a:prstClr val="black"/>
+              </a:solidFill>
+            </a:endParaRPr>
+          </a:p>
+        </p:txBody>
+      </p:sp>
+      <p:sp>
+        <p:nvSpPr>
+          <p:cNvPr id="5" name="TextBox 4"/>
+          <p:cNvSpPr txBox="1"/>
+          <p:nvPr/>
+        </p:nvSpPr>
+        <p:spPr>
+          <a:xfrm>
+            <a:off x="669634" y="6024282"/>
+            <a:ext cx="9387757" cy="369332"/>
+          </a:xfrm>
+          <a:prstGeom prst="rect">
+            <a:avLst/>
+          </a:prstGeom>
+          <a:noFill/>
+        </p:spPr>
+        <p:txBody>
+          <a:bodyPr wrap="square" rtlCol="0">
+            <a:spAutoFit/>
+          </a:bodyPr>
+          <a:lstStyle/>
+          <a:p>
+            <a:r>
+              <a:rPr lang="en-US" dirty="0">
+                <a:solidFill>
+                  <a:prstClr val="black"/>
+                </a:solidFill>
+              </a:rPr>
+              <a:t>https://</a:t>
+            </a:r>
+            <a:r>
+              <a:rPr lang="en-US" dirty="0" err="1">
+                <a:solidFill>
+                  <a:prstClr val="black"/>
+                </a:solidFill>
+              </a:rPr>
+              <a:t>github.com</a:t>
+            </a:r>
+            <a:r>
+              <a:rPr lang="en-US" dirty="0">
+                <a:solidFill>
+                  <a:prstClr val="black"/>
+                </a:solidFill>
+              </a:rPr>
+              <a:t>/</a:t>
+            </a:r>
+            <a:r>
+              <a:rPr lang="en-US" dirty="0" err="1">
+                <a:solidFill>
+                  <a:prstClr val="black"/>
+                </a:solidFill>
+              </a:rPr>
+              <a:t>projectkudu</a:t>
+            </a:r>
+            <a:r>
+              <a:rPr lang="en-US" dirty="0">
+                <a:solidFill>
+                  <a:prstClr val="black"/>
+                </a:solidFill>
+              </a:rPr>
+              <a:t>/</a:t>
+            </a:r>
+          </a:p>
+        </p:txBody>
+      </p:sp>
+      <p:sp>
+        <p:nvSpPr>
+          <p:cNvPr id="6" name="TextBox 5"/>
+          <p:cNvSpPr txBox="1"/>
+          <p:nvPr/>
+        </p:nvSpPr>
+        <p:spPr>
+          <a:xfrm>
+            <a:off x="669634" y="2853972"/>
+            <a:ext cx="7685472" cy="2554545"/>
+          </a:xfrm>
+          <a:prstGeom prst="rect">
+            <a:avLst/>
+          </a:prstGeom>
+          <a:noFill/>
+        </p:spPr>
+        <p:txBody>
+          <a:bodyPr wrap="square" rtlCol="0">
+            <a:spAutoFit/>
+          </a:bodyPr>
+          <a:lstStyle/>
+          <a:p>
+            <a:pPr marL="457200" indent="-457200">
+              <a:buFont typeface="Arial" charset="0"/>
+              <a:buChar char="•"/>
+            </a:pPr>
+            <a:r>
+              <a:rPr lang="en-US" sz="3200" dirty="0" smtClean="0">
+                <a:solidFill>
+                  <a:prstClr val="black"/>
+                </a:solidFill>
+              </a:rPr>
+              <a:t>General Environment Info</a:t>
+            </a:r>
+          </a:p>
+          <a:p>
+            <a:pPr marL="457200" indent="-457200">
+              <a:buFont typeface="Arial" charset="0"/>
+              <a:buChar char="•"/>
+            </a:pPr>
+            <a:r>
+              <a:rPr lang="en-US" sz="3200" dirty="0" smtClean="0">
+                <a:solidFill>
+                  <a:prstClr val="black"/>
+                </a:solidFill>
+              </a:rPr>
+              <a:t>Debug Console</a:t>
+            </a:r>
+          </a:p>
+          <a:p>
+            <a:pPr marL="457200" indent="-457200">
+              <a:buFont typeface="Arial" charset="0"/>
+              <a:buChar char="•"/>
+            </a:pPr>
+            <a:r>
+              <a:rPr lang="en-US" sz="3200" dirty="0" smtClean="0">
+                <a:solidFill>
+                  <a:prstClr val="black"/>
+                </a:solidFill>
+              </a:rPr>
+              <a:t>Process Explorer</a:t>
+            </a:r>
+          </a:p>
+          <a:p>
+            <a:pPr marL="457200" indent="-457200">
+              <a:buFont typeface="Arial" charset="0"/>
+              <a:buChar char="•"/>
+            </a:pPr>
+            <a:r>
+              <a:rPr lang="en-US" sz="3200" dirty="0" smtClean="0">
+                <a:solidFill>
+                  <a:prstClr val="black"/>
+                </a:solidFill>
+              </a:rPr>
+              <a:t>File Browser</a:t>
+            </a:r>
+          </a:p>
+          <a:p>
+            <a:pPr marL="457200" indent="-457200">
+              <a:buFont typeface="Arial" charset="0"/>
+              <a:buChar char="•"/>
+            </a:pPr>
+            <a:r>
+              <a:rPr lang="en-US" sz="3200" dirty="0" smtClean="0">
+                <a:solidFill>
+                  <a:prstClr val="black"/>
+                </a:solidFill>
+              </a:rPr>
+              <a:t>Real Time </a:t>
+            </a:r>
+            <a:r>
+              <a:rPr lang="en-US" sz="3200" dirty="0">
+                <a:solidFill>
+                  <a:prstClr val="black"/>
+                </a:solidFill>
+              </a:rPr>
+              <a:t>F</a:t>
+            </a:r>
+            <a:r>
+              <a:rPr lang="en-US" sz="3200" dirty="0" smtClean="0">
+                <a:solidFill>
+                  <a:prstClr val="black"/>
+                </a:solidFill>
+              </a:rPr>
+              <a:t>ile </a:t>
+            </a:r>
+            <a:r>
+              <a:rPr lang="en-US" sz="3200" dirty="0">
+                <a:solidFill>
+                  <a:prstClr val="black"/>
+                </a:solidFill>
+              </a:rPr>
+              <a:t>E</a:t>
+            </a:r>
+            <a:r>
+              <a:rPr lang="en-US" sz="3200" dirty="0" smtClean="0">
+                <a:solidFill>
+                  <a:prstClr val="black"/>
+                </a:solidFill>
+              </a:rPr>
+              <a:t>diting </a:t>
+            </a:r>
+            <a:endParaRPr lang="en-US" sz="3200" dirty="0">
+              <a:solidFill>
+                <a:prstClr val="black"/>
+              </a:solidFill>
+            </a:endParaRPr>
+          </a:p>
+        </p:txBody>
+      </p:sp>
+    </p:spTree>
+    <p:extLst>
+      <p:ext uri="{BB962C8B-B14F-4D97-AF65-F5344CB8AC3E}">
+        <p14:creationId xmlns:p14="http://schemas.microsoft.com/office/powerpoint/2010/main" val="2603976254"/>
+      </p:ext>
+    </p:extLst>
+  </p:cSld>
+  <p:clrMapOvr>
+    <a:masterClrMapping/>
+  </p:clrMapOvr>
+  <p:timing>
+    <p:tnLst>
+      <p:par>
+        <p:cTn id="1" dur="indefinite" restart="never" nodeType="tmRoot"/>
+      </p:par>
+    </p:tnLst>
+  </p:timing>
+</p:sld>
+</file>
+
+<file path=ppt/slides/slide16.xml><?xml version="1.0" encoding="utf-8"?>
+<p:sld xmlns:a="http://schemas.openxmlformats.org/drawingml/2006/main" xmlns:r="http://schemas.openxmlformats.org/officeDocument/2006/relationships" xmlns:p="http://schemas.openxmlformats.org/presentationml/2006/main">
+  <p:cSld>
+    <p:bg>
+      <p:bgPr>
+        <a:solidFill>
+          <a:schemeClr val="bg1"/>
+        </a:solidFill>
+        <a:effectLst/>
+      </p:bgPr>
+    </p:bg>
+    <p:spTree>
+      <p:nvGrpSpPr>
+        <p:cNvPr id="1" name=""/>
+        <p:cNvGrpSpPr/>
+        <p:nvPr/>
+      </p:nvGrpSpPr>
+      <p:grpSpPr>
+        <a:xfrm>
+          <a:off x="0" y="0"/>
+          <a:ext cx="0" cy="0"/>
+          <a:chOff x="0" y="0"/>
+          <a:chExt cx="0" cy="0"/>
+        </a:xfrm>
+      </p:grpSpPr>
+      <p:pic>
+        <p:nvPicPr>
+          <p:cNvPr id="4" name="Picture 3"/>
+          <p:cNvPicPr>
+            <a:picLocks noChangeAspect="1"/>
+          </p:cNvPicPr>
+          <p:nvPr/>
+        </p:nvPicPr>
+        <p:blipFill>
+          <a:blip r:embed="rId2">
+            <a:extLst>
+              <a:ext uri="{28A0092B-C50C-407E-A947-70E740481C1C}">
+                <a14:useLocalDpi xmlns:a14="http://schemas.microsoft.com/office/drawing/2010/main" val="0"/>
+              </a:ext>
+            </a:extLst>
+          </a:blip>
+          <a:stretch>
+            <a:fillRect/>
+          </a:stretch>
+        </p:blipFill>
+        <p:spPr>
+          <a:xfrm>
+            <a:off x="0" y="0"/>
+            <a:ext cx="12195961" cy="1106905"/>
+          </a:xfrm>
+          <a:prstGeom prst="rect">
+            <a:avLst/>
+          </a:prstGeom>
+        </p:spPr>
+      </p:pic>
+      <p:sp>
+        <p:nvSpPr>
+          <p:cNvPr id="2" name="TextBox 1"/>
+          <p:cNvSpPr txBox="1"/>
+          <p:nvPr/>
+        </p:nvSpPr>
+        <p:spPr>
+          <a:xfrm>
+            <a:off x="669634" y="1595718"/>
+            <a:ext cx="3188437" cy="769441"/>
+          </a:xfrm>
+          <a:prstGeom prst="rect">
+            <a:avLst/>
+          </a:prstGeom>
+          <a:noFill/>
+        </p:spPr>
+        <p:txBody>
+          <a:bodyPr wrap="none" rtlCol="0">
+            <a:spAutoFit/>
+          </a:bodyPr>
+          <a:lstStyle/>
+          <a:p>
+            <a:r>
+              <a:rPr lang="en-US" sz="4400" dirty="0" smtClean="0">
+                <a:solidFill>
+                  <a:prstClr val="black"/>
+                </a:solidFill>
+              </a:rPr>
+              <a:t>Auto-Healing</a:t>
+            </a:r>
+            <a:endParaRPr lang="en-US" sz="4400" dirty="0">
+              <a:solidFill>
+                <a:prstClr val="black"/>
+              </a:solidFill>
+            </a:endParaRPr>
+          </a:p>
+        </p:txBody>
+      </p:sp>
+      <p:sp>
+        <p:nvSpPr>
+          <p:cNvPr id="5" name="TextBox 4"/>
+          <p:cNvSpPr txBox="1"/>
+          <p:nvPr/>
+        </p:nvSpPr>
+        <p:spPr>
+          <a:xfrm>
+            <a:off x="669634" y="6024282"/>
+            <a:ext cx="9387757" cy="369332"/>
+          </a:xfrm>
+          <a:prstGeom prst="rect">
+            <a:avLst/>
+          </a:prstGeom>
+          <a:noFill/>
+        </p:spPr>
+        <p:txBody>
+          <a:bodyPr wrap="square" rtlCol="0">
+            <a:spAutoFit/>
+          </a:bodyPr>
+          <a:lstStyle/>
+          <a:p>
+            <a:r>
+              <a:rPr lang="en-US" dirty="0">
+                <a:solidFill>
+                  <a:prstClr val="black"/>
+                </a:solidFill>
+              </a:rPr>
+              <a:t>https://</a:t>
+            </a:r>
+            <a:r>
+              <a:rPr lang="en-US" dirty="0" err="1">
+                <a:solidFill>
+                  <a:prstClr val="black"/>
+                </a:solidFill>
+              </a:rPr>
+              <a:t>github.com</a:t>
+            </a:r>
+            <a:r>
+              <a:rPr lang="en-US" dirty="0">
+                <a:solidFill>
+                  <a:prstClr val="black"/>
+                </a:solidFill>
+              </a:rPr>
+              <a:t>/</a:t>
+            </a:r>
+            <a:r>
+              <a:rPr lang="en-US" dirty="0" err="1">
+                <a:solidFill>
+                  <a:prstClr val="black"/>
+                </a:solidFill>
+              </a:rPr>
+              <a:t>projectkudu</a:t>
+            </a:r>
+            <a:r>
+              <a:rPr lang="en-US" dirty="0">
+                <a:solidFill>
+                  <a:prstClr val="black"/>
+                </a:solidFill>
+              </a:rPr>
+              <a:t>/</a:t>
+            </a:r>
+          </a:p>
+        </p:txBody>
+      </p:sp>
+      <p:sp>
+        <p:nvSpPr>
+          <p:cNvPr id="6" name="TextBox 5"/>
+          <p:cNvSpPr txBox="1"/>
+          <p:nvPr/>
+        </p:nvSpPr>
+        <p:spPr>
+          <a:xfrm>
+            <a:off x="669634" y="2853972"/>
+            <a:ext cx="7685472" cy="1077218"/>
+          </a:xfrm>
+          <a:prstGeom prst="rect">
+            <a:avLst/>
+          </a:prstGeom>
+          <a:noFill/>
+        </p:spPr>
+        <p:txBody>
+          <a:bodyPr wrap="square" rtlCol="0">
+            <a:spAutoFit/>
+          </a:bodyPr>
+          <a:lstStyle/>
+          <a:p>
+            <a:endParaRPr lang="en-US" sz="3200" dirty="0" smtClean="0">
+              <a:solidFill>
+                <a:prstClr val="black"/>
+              </a:solidFill>
+            </a:endParaRPr>
+          </a:p>
+          <a:p>
+            <a:endParaRPr lang="en-US" sz="3200" dirty="0">
+              <a:solidFill>
+                <a:prstClr val="black"/>
+              </a:solidFill>
+            </a:endParaRPr>
+          </a:p>
+        </p:txBody>
+      </p:sp>
+    </p:spTree>
+    <p:extLst>
+      <p:ext uri="{BB962C8B-B14F-4D97-AF65-F5344CB8AC3E}">
+        <p14:creationId xmlns:p14="http://schemas.microsoft.com/office/powerpoint/2010/main" val="160952971"/>
+      </p:ext>
+    </p:extLst>
+  </p:cSld>
+  <p:clrMapOvr>
+    <a:masterClrMapping/>
+  </p:clrMapOvr>
+  <p:timing>
+    <p:tnLst>
+      <p:par>
+        <p:cTn id="1" dur="indefinite" restart="never" nodeType="tmRoot"/>
+      </p:par>
+    </p:tnLst>
+  </p:timing>
+</p:sld>
+</file>
+
+<file path=ppt/slides/slide17.xml><?xml version="1.0" encoding="utf-8"?>
+<p:sld xmlns:a="http://schemas.openxmlformats.org/drawingml/2006/main" xmlns:r="http://schemas.openxmlformats.org/officeDocument/2006/relationships" xmlns:p="http://schemas.openxmlformats.org/presentationml/2006/main">
+  <p:cSld>
+    <p:bg>
+      <p:bgPr>
+        <a:solidFill>
+          <a:schemeClr val="bg1"/>
+        </a:solidFill>
+        <a:effectLst/>
+      </p:bgPr>
+    </p:bg>
+    <p:spTree>
+      <p:nvGrpSpPr>
+        <p:cNvPr id="1" name=""/>
+        <p:cNvGrpSpPr/>
+        <p:nvPr/>
+      </p:nvGrpSpPr>
+      <p:grpSpPr>
+        <a:xfrm>
+          <a:off x="0" y="0"/>
+          <a:ext cx="0" cy="0"/>
+          <a:chOff x="0" y="0"/>
+          <a:chExt cx="0" cy="0"/>
+        </a:xfrm>
+      </p:grpSpPr>
+      <p:pic>
+        <p:nvPicPr>
+          <p:cNvPr id="4" name="Picture 3"/>
+          <p:cNvPicPr>
+            <a:picLocks noChangeAspect="1"/>
+          </p:cNvPicPr>
+          <p:nvPr/>
+        </p:nvPicPr>
+        <p:blipFill>
+          <a:blip r:embed="rId2">
+            <a:extLst>
+              <a:ext uri="{28A0092B-C50C-407E-A947-70E740481C1C}">
+                <a14:useLocalDpi xmlns:a14="http://schemas.microsoft.com/office/drawing/2010/main" val="0"/>
+              </a:ext>
+            </a:extLst>
+          </a:blip>
+          <a:stretch>
+            <a:fillRect/>
+          </a:stretch>
+        </p:blipFill>
+        <p:spPr>
+          <a:xfrm>
+            <a:off x="0" y="0"/>
+            <a:ext cx="12195961" cy="1106905"/>
+          </a:xfrm>
+          <a:prstGeom prst="rect">
+            <a:avLst/>
+          </a:prstGeom>
+        </p:spPr>
+      </p:pic>
+      <p:pic>
+        <p:nvPicPr>
+          <p:cNvPr id="7" name="Picture 6"/>
+          <p:cNvPicPr>
+            <a:picLocks noChangeAspect="1"/>
+          </p:cNvPicPr>
+          <p:nvPr/>
+        </p:nvPicPr>
+        <p:blipFill>
+          <a:blip r:embed="rId3" cstate="print">
+            <a:extLst>
+              <a:ext uri="{28A0092B-C50C-407E-A947-70E740481C1C}">
+                <a14:useLocalDpi xmlns:a14="http://schemas.microsoft.com/office/drawing/2010/main" val="0"/>
+              </a:ext>
+            </a:extLst>
+          </a:blip>
+          <a:stretch>
+            <a:fillRect/>
+          </a:stretch>
+        </p:blipFill>
+        <p:spPr>
+          <a:xfrm>
+            <a:off x="3603371" y="2488183"/>
+            <a:ext cx="4989218" cy="1347217"/>
+          </a:xfrm>
+          <a:prstGeom prst="rect">
+            <a:avLst/>
+          </a:prstGeom>
+        </p:spPr>
+      </p:pic>
+      <p:sp>
+        <p:nvSpPr>
+          <p:cNvPr id="8" name="Rectangle 7"/>
+          <p:cNvSpPr/>
+          <p:nvPr/>
+        </p:nvSpPr>
+        <p:spPr>
+          <a:xfrm>
+            <a:off x="696686" y="5050801"/>
+            <a:ext cx="11137900" cy="954107"/>
+          </a:xfrm>
+          <a:prstGeom prst="rect">
+            <a:avLst/>
+          </a:prstGeom>
+        </p:spPr>
+        <p:txBody>
+          <a:bodyPr wrap="square">
+            <a:spAutoFit/>
+          </a:bodyPr>
+          <a:lstStyle/>
+          <a:p>
+            <a:r>
+              <a:rPr lang="en-US" sz="2800" dirty="0"/>
+              <a:t>Node.js was invented in 2009 by Ryan Dahl and other developers working at </a:t>
+            </a:r>
+            <a:r>
+              <a:rPr lang="en-US" sz="2800" dirty="0" err="1" smtClean="0"/>
+              <a:t>Joyent</a:t>
+            </a:r>
+            <a:r>
+              <a:rPr lang="en-US" sz="2800" dirty="0" smtClean="0"/>
+              <a:t>. Node.js </a:t>
+            </a:r>
+            <a:r>
+              <a:rPr lang="en-US" sz="2800" dirty="0"/>
+              <a:t>was created and first published for Linux use in </a:t>
+            </a:r>
+            <a:r>
+              <a:rPr lang="en-US" sz="2800" dirty="0" smtClean="0"/>
+              <a:t>2009.</a:t>
+            </a:r>
+            <a:endParaRPr lang="en-US" sz="2800" dirty="0">
+              <a:cs typeface="Segoe UI" panose="020B0502040204020203" pitchFamily="34" charset="0"/>
+            </a:endParaRPr>
+          </a:p>
+        </p:txBody>
+      </p:sp>
+    </p:spTree>
+    <p:extLst>
+      <p:ext uri="{BB962C8B-B14F-4D97-AF65-F5344CB8AC3E}">
+        <p14:creationId xmlns:p14="http://schemas.microsoft.com/office/powerpoint/2010/main" val="3934140040"/>
+      </p:ext>
+    </p:extLst>
+  </p:cSld>
+  <p:clrMapOvr>
+    <a:masterClrMapping/>
+  </p:clrMapOvr>
+  <p:timing>
+    <p:tnLst>
+      <p:par>
+        <p:cTn id="1" dur="indefinite" restart="never" nodeType="tmRoot"/>
+      </p:par>
+    </p:tnLst>
+  </p:timing>
+</p:sld>
+</file>
+
+<file path=ppt/slides/slide18.xml><?xml version="1.0" encoding="utf-8"?>
+<p:sld xmlns:a="http://schemas.openxmlformats.org/drawingml/2006/main" xmlns:r="http://schemas.openxmlformats.org/officeDocument/2006/relationships" xmlns:p="http://schemas.openxmlformats.org/presentationml/2006/main">
+  <p:cSld>
+    <p:bg>
+      <p:bgPr>
+        <a:solidFill>
+          <a:schemeClr val="bg1"/>
+        </a:solidFill>
+        <a:effectLst/>
+      </p:bgPr>
+    </p:bg>
+    <p:spTree>
+      <p:nvGrpSpPr>
+        <p:cNvPr id="1" name=""/>
+        <p:cNvGrpSpPr/>
+        <p:nvPr/>
+      </p:nvGrpSpPr>
+      <p:grpSpPr>
+        <a:xfrm>
+          <a:off x="0" y="0"/>
+          <a:ext cx="0" cy="0"/>
+          <a:chOff x="0" y="0"/>
+          <a:chExt cx="0" cy="0"/>
+        </a:xfrm>
+      </p:grpSpPr>
+      <p:pic>
+        <p:nvPicPr>
+          <p:cNvPr id="4" name="Picture 3"/>
+          <p:cNvPicPr>
+            <a:picLocks noChangeAspect="1"/>
+          </p:cNvPicPr>
+          <p:nvPr/>
+        </p:nvPicPr>
+        <p:blipFill>
+          <a:blip r:embed="rId2">
+            <a:extLst>
+              <a:ext uri="{28A0092B-C50C-407E-A947-70E740481C1C}">
+                <a14:useLocalDpi xmlns:a14="http://schemas.microsoft.com/office/drawing/2010/main" val="0"/>
+              </a:ext>
+            </a:extLst>
+          </a:blip>
+          <a:stretch>
+            <a:fillRect/>
+          </a:stretch>
+        </p:blipFill>
+        <p:spPr>
+          <a:xfrm>
+            <a:off x="0" y="0"/>
+            <a:ext cx="12195961" cy="1106905"/>
+          </a:xfrm>
+          <a:prstGeom prst="rect">
+            <a:avLst/>
+          </a:prstGeom>
+        </p:spPr>
+      </p:pic>
+      <p:pic>
+        <p:nvPicPr>
+          <p:cNvPr id="7" name="Picture 6"/>
+          <p:cNvPicPr>
+            <a:picLocks noChangeAspect="1"/>
+          </p:cNvPicPr>
+          <p:nvPr/>
+        </p:nvPicPr>
+        <p:blipFill>
+          <a:blip r:embed="rId3" cstate="print">
+            <a:extLst>
+              <a:ext uri="{28A0092B-C50C-407E-A947-70E740481C1C}">
+                <a14:useLocalDpi xmlns:a14="http://schemas.microsoft.com/office/drawing/2010/main" val="0"/>
+              </a:ext>
+            </a:extLst>
+          </a:blip>
+          <a:stretch>
+            <a:fillRect/>
+          </a:stretch>
+        </p:blipFill>
+        <p:spPr>
+          <a:xfrm>
+            <a:off x="3603371" y="2488183"/>
+            <a:ext cx="4989218" cy="1347217"/>
+          </a:xfrm>
+          <a:prstGeom prst="rect">
+            <a:avLst/>
+          </a:prstGeom>
+        </p:spPr>
+      </p:pic>
+      <p:sp>
+        <p:nvSpPr>
+          <p:cNvPr id="2" name="Rectangle 1"/>
+          <p:cNvSpPr/>
+          <p:nvPr/>
+        </p:nvSpPr>
+        <p:spPr>
+          <a:xfrm>
+            <a:off x="1123950" y="4517955"/>
+            <a:ext cx="6096000" cy="1200329"/>
+          </a:xfrm>
+          <a:prstGeom prst="rect">
+            <a:avLst/>
+          </a:prstGeom>
+        </p:spPr>
+        <p:txBody>
+          <a:bodyPr>
+            <a:spAutoFit/>
+          </a:bodyPr>
+          <a:lstStyle/>
+          <a:p>
+            <a:r>
+              <a:rPr lang="en-US" sz="2400" b="1" dirty="0" smtClean="0">
+                <a:solidFill>
+                  <a:srgbClr val="4C5859"/>
+                </a:solidFill>
+                <a:cs typeface="Segoe UI" panose="020B0502040204020203" pitchFamily="34" charset="0"/>
+              </a:rPr>
+              <a:t>Event-driven </a:t>
+            </a:r>
+            <a:r>
+              <a:rPr lang="en-US" sz="2400" b="1" dirty="0">
+                <a:solidFill>
+                  <a:srgbClr val="4C5859"/>
+                </a:solidFill>
+                <a:cs typeface="Segoe UI" panose="020B0502040204020203" pitchFamily="34" charset="0"/>
+              </a:rPr>
+              <a:t>programming </a:t>
+            </a:r>
+            <a:r>
+              <a:rPr lang="en-US" sz="2400" dirty="0">
+                <a:solidFill>
+                  <a:srgbClr val="4C5859"/>
+                </a:solidFill>
+                <a:cs typeface="Segoe UI" panose="020B0502040204020203" pitchFamily="34" charset="0"/>
+              </a:rPr>
+              <a:t>is application flow control that is determined by events or changes in state.</a:t>
+            </a:r>
+            <a:endParaRPr lang="en-US" sz="2400" dirty="0">
+              <a:cs typeface="Segoe UI" panose="020B0502040204020203" pitchFamily="34" charset="0"/>
+            </a:endParaRPr>
+          </a:p>
+        </p:txBody>
+      </p:sp>
+      <p:sp>
+        <p:nvSpPr>
+          <p:cNvPr id="3" name="Rectangle 2"/>
+          <p:cNvSpPr/>
+          <p:nvPr/>
+        </p:nvSpPr>
+        <p:spPr>
+          <a:xfrm>
+            <a:off x="1123950" y="5718284"/>
+            <a:ext cx="5701561" cy="461665"/>
+          </a:xfrm>
+          <a:prstGeom prst="rect">
+            <a:avLst/>
+          </a:prstGeom>
+        </p:spPr>
+        <p:txBody>
+          <a:bodyPr wrap="none">
+            <a:spAutoFit/>
+          </a:bodyPr>
+          <a:lstStyle/>
+          <a:p>
+            <a:r>
+              <a:rPr lang="en-US" sz="2400" dirty="0">
+                <a:solidFill>
+                  <a:srgbClr val="00ABEC"/>
+                </a:solidFill>
+                <a:cs typeface="Segoe UI" panose="020B0502040204020203" pitchFamily="34" charset="0"/>
+              </a:rPr>
+              <a:t>E</a:t>
+            </a:r>
+            <a:r>
+              <a:rPr lang="en-US" sz="2400" dirty="0" smtClean="0">
+                <a:solidFill>
+                  <a:srgbClr val="00ABEC"/>
+                </a:solidFill>
+                <a:cs typeface="Segoe UI" panose="020B0502040204020203" pitchFamily="34" charset="0"/>
+              </a:rPr>
+              <a:t>verything </a:t>
+            </a:r>
+            <a:r>
+              <a:rPr lang="en-US" sz="2400" dirty="0">
+                <a:solidFill>
+                  <a:srgbClr val="00ABEC"/>
+                </a:solidFill>
+                <a:cs typeface="Segoe UI" panose="020B0502040204020203" pitchFamily="34" charset="0"/>
+              </a:rPr>
+              <a:t>runs in parallel except your </a:t>
+            </a:r>
+            <a:r>
+              <a:rPr lang="en-US" sz="2400" dirty="0" smtClean="0">
+                <a:solidFill>
+                  <a:srgbClr val="00ABEC"/>
+                </a:solidFill>
+                <a:cs typeface="Segoe UI" panose="020B0502040204020203" pitchFamily="34" charset="0"/>
+              </a:rPr>
+              <a:t>code.</a:t>
+            </a:r>
+            <a:endParaRPr lang="en-US" sz="2400" dirty="0">
+              <a:solidFill>
+                <a:srgbClr val="00ABEC"/>
+              </a:solidFill>
+              <a:cs typeface="Segoe UI" panose="020B0502040204020203" pitchFamily="34" charset="0"/>
+            </a:endParaRPr>
+          </a:p>
+        </p:txBody>
+      </p:sp>
+    </p:spTree>
+    <p:extLst>
+      <p:ext uri="{BB962C8B-B14F-4D97-AF65-F5344CB8AC3E}">
+        <p14:creationId xmlns:p14="http://schemas.microsoft.com/office/powerpoint/2010/main" val="142576634"/>
+      </p:ext>
+    </p:extLst>
+  </p:cSld>
+  <p:clrMapOvr>
+    <a:masterClrMapping/>
+  </p:clrMapOvr>
+  <p:timing>
+    <p:tnLst>
+      <p:par>
+        <p:cTn id="1" dur="indefinite" restart="never" nodeType="tmRoot"/>
+      </p:par>
+    </p:tnLst>
+  </p:timing>
+</p:sld>
+</file>
+
+<file path=ppt/slides/slide19.xml><?xml version="1.0" encoding="utf-8"?>
+<p:sld xmlns:a="http://schemas.openxmlformats.org/drawingml/2006/main" xmlns:r="http://schemas.openxmlformats.org/officeDocument/2006/relationships" xmlns:p="http://schemas.openxmlformats.org/presentationml/2006/main">
+  <p:cSld>
+    <p:bg>
+      <p:bgPr>
+        <a:solidFill>
+          <a:schemeClr val="bg1"/>
+        </a:solidFill>
+        <a:effectLst/>
+      </p:bgPr>
+    </p:bg>
+    <p:spTree>
+      <p:nvGrpSpPr>
+        <p:cNvPr id="1" name=""/>
+        <p:cNvGrpSpPr/>
+        <p:nvPr/>
+      </p:nvGrpSpPr>
+      <p:grpSpPr>
+        <a:xfrm>
+          <a:off x="0" y="0"/>
+          <a:ext cx="0" cy="0"/>
+          <a:chOff x="0" y="0"/>
+          <a:chExt cx="0" cy="0"/>
+        </a:xfrm>
+      </p:grpSpPr>
+      <p:pic>
+        <p:nvPicPr>
+          <p:cNvPr id="4" name="Picture 3"/>
+          <p:cNvPicPr>
+            <a:picLocks noChangeAspect="1"/>
+          </p:cNvPicPr>
+          <p:nvPr/>
+        </p:nvPicPr>
+        <p:blipFill>
+          <a:blip r:embed="rId2">
+            <a:extLst>
+              <a:ext uri="{28A0092B-C50C-407E-A947-70E740481C1C}">
+                <a14:useLocalDpi xmlns:a14="http://schemas.microsoft.com/office/drawing/2010/main" val="0"/>
+              </a:ext>
+            </a:extLst>
+          </a:blip>
+          <a:stretch>
+            <a:fillRect/>
+          </a:stretch>
+        </p:blipFill>
+        <p:spPr>
+          <a:xfrm>
+            <a:off x="0" y="0"/>
+            <a:ext cx="12195961" cy="1106905"/>
+          </a:xfrm>
+          <a:prstGeom prst="rect">
+            <a:avLst/>
+          </a:prstGeom>
+        </p:spPr>
+      </p:pic>
+      <p:sp>
+        <p:nvSpPr>
+          <p:cNvPr id="3" name="Rectangle 2"/>
+          <p:cNvSpPr/>
+          <p:nvPr/>
+        </p:nvSpPr>
+        <p:spPr>
+          <a:xfrm>
+            <a:off x="1107411" y="2841338"/>
+            <a:ext cx="2238989" cy="522514"/>
+          </a:xfrm>
+          <a:prstGeom prst="rect">
+            <a:avLst/>
+          </a:prstGeom>
+          <a:solidFill>
+            <a:schemeClr val="accent1">
+              <a:lumMod val="75000"/>
+            </a:schemeClr>
+          </a:solidFill>
+          <a:ln w="28575"/>
+        </p:spPr>
+        <p:style>
+          <a:lnRef idx="2">
+            <a:schemeClr val="accent1">
+              <a:shade val="50000"/>
+            </a:schemeClr>
+          </a:lnRef>
+          <a:fillRef idx="1">
+            <a:schemeClr val="accent1"/>
+          </a:fillRef>
+          <a:effectRef idx="0">
+            <a:schemeClr val="accent1"/>
+          </a:effectRef>
+          <a:fontRef idx="minor">
+            <a:schemeClr val="lt1"/>
+          </a:fontRef>
+        </p:style>
+        <p:txBody>
+          <a:bodyPr rtlCol="0" anchor="ctr"/>
+          <a:lstStyle/>
+          <a:p>
+            <a:pPr algn="ctr"/>
+            <a:r>
+              <a:rPr lang="en-US" dirty="0" smtClean="0"/>
+              <a:t>Network call</a:t>
+            </a:r>
+            <a:endParaRPr lang="en-US" dirty="0"/>
+          </a:p>
+        </p:txBody>
+      </p:sp>
+      <p:sp>
+        <p:nvSpPr>
+          <p:cNvPr id="5" name="Rectangle 4"/>
+          <p:cNvSpPr/>
+          <p:nvPr/>
+        </p:nvSpPr>
+        <p:spPr>
+          <a:xfrm>
+            <a:off x="1107411" y="2130186"/>
+            <a:ext cx="2238989" cy="522514"/>
+          </a:xfrm>
+          <a:prstGeom prst="rect">
+            <a:avLst/>
+          </a:prstGeom>
+          <a:solidFill>
+            <a:schemeClr val="accent1">
+              <a:lumMod val="75000"/>
+            </a:schemeClr>
+          </a:solidFill>
+          <a:ln w="28575"/>
+        </p:spPr>
+        <p:style>
+          <a:lnRef idx="2">
+            <a:schemeClr val="accent1">
+              <a:shade val="50000"/>
+            </a:schemeClr>
+          </a:lnRef>
+          <a:fillRef idx="1">
+            <a:schemeClr val="accent1"/>
+          </a:fillRef>
+          <a:effectRef idx="0">
+            <a:schemeClr val="accent1"/>
+          </a:effectRef>
+          <a:fontRef idx="minor">
+            <a:schemeClr val="lt1"/>
+          </a:fontRef>
+        </p:style>
+        <p:txBody>
+          <a:bodyPr rtlCol="0" anchor="ctr"/>
+          <a:lstStyle/>
+          <a:p>
+            <a:pPr algn="ctr"/>
+            <a:r>
+              <a:rPr lang="en-US" dirty="0" err="1"/>
+              <a:t>d</a:t>
+            </a:r>
+            <a:r>
+              <a:rPr lang="en-US" dirty="0" err="1" smtClean="0"/>
+              <a:t>b.query</a:t>
+            </a:r>
+            <a:r>
+              <a:rPr lang="en-US" dirty="0" smtClean="0"/>
+              <a:t>(…)</a:t>
+            </a:r>
+            <a:endParaRPr lang="en-US" dirty="0"/>
+          </a:p>
+        </p:txBody>
+      </p:sp>
+      <p:sp>
+        <p:nvSpPr>
+          <p:cNvPr id="6" name="Rectangle 5"/>
+          <p:cNvSpPr/>
+          <p:nvPr/>
+        </p:nvSpPr>
+        <p:spPr>
+          <a:xfrm>
+            <a:off x="1107411" y="3537522"/>
+            <a:ext cx="2238989" cy="522514"/>
+          </a:xfrm>
+          <a:prstGeom prst="rect">
+            <a:avLst/>
+          </a:prstGeom>
+          <a:solidFill>
+            <a:schemeClr val="accent1">
+              <a:lumMod val="75000"/>
+            </a:schemeClr>
+          </a:solidFill>
+          <a:ln w="28575"/>
+        </p:spPr>
+        <p:style>
+          <a:lnRef idx="2">
+            <a:schemeClr val="accent1">
+              <a:shade val="50000"/>
+            </a:schemeClr>
+          </a:lnRef>
+          <a:fillRef idx="1">
+            <a:schemeClr val="accent1"/>
+          </a:fillRef>
+          <a:effectRef idx="0">
+            <a:schemeClr val="accent1"/>
+          </a:effectRef>
+          <a:fontRef idx="minor">
+            <a:schemeClr val="lt1"/>
+          </a:fontRef>
+        </p:style>
+        <p:txBody>
+          <a:bodyPr rtlCol="0" anchor="ctr"/>
+          <a:lstStyle/>
+          <a:p>
+            <a:pPr algn="ctr"/>
+            <a:r>
+              <a:rPr lang="en-US" dirty="0" smtClean="0"/>
+              <a:t>Shift array</a:t>
+            </a:r>
+            <a:endParaRPr lang="en-US" dirty="0"/>
+          </a:p>
+        </p:txBody>
+      </p:sp>
+      <p:sp>
+        <p:nvSpPr>
+          <p:cNvPr id="7" name="Rectangle 6"/>
+          <p:cNvSpPr/>
+          <p:nvPr/>
+        </p:nvSpPr>
+        <p:spPr>
+          <a:xfrm>
+            <a:off x="1107411" y="4230484"/>
+            <a:ext cx="2238989" cy="522514"/>
+          </a:xfrm>
+          <a:prstGeom prst="rect">
+            <a:avLst/>
+          </a:prstGeom>
+          <a:solidFill>
+            <a:schemeClr val="accent1">
+              <a:lumMod val="75000"/>
+            </a:schemeClr>
+          </a:solidFill>
+          <a:ln w="28575"/>
+        </p:spPr>
+        <p:style>
+          <a:lnRef idx="2">
+            <a:schemeClr val="accent1">
+              <a:shade val="50000"/>
+            </a:schemeClr>
+          </a:lnRef>
+          <a:fillRef idx="1">
+            <a:schemeClr val="accent1"/>
+          </a:fillRef>
+          <a:effectRef idx="0">
+            <a:schemeClr val="accent1"/>
+          </a:effectRef>
+          <a:fontRef idx="minor">
+            <a:schemeClr val="lt1"/>
+          </a:fontRef>
+        </p:style>
+        <p:txBody>
+          <a:bodyPr rtlCol="0" anchor="ctr"/>
+          <a:lstStyle/>
+          <a:p>
+            <a:pPr algn="ctr"/>
+            <a:r>
+              <a:rPr lang="en-US" dirty="0" smtClean="0"/>
+              <a:t>Read from file</a:t>
+            </a:r>
+            <a:endParaRPr lang="en-US" dirty="0"/>
+          </a:p>
+        </p:txBody>
+      </p:sp>
+      <p:sp>
+        <p:nvSpPr>
+          <p:cNvPr id="8" name="Rectangle 7"/>
+          <p:cNvSpPr/>
+          <p:nvPr/>
+        </p:nvSpPr>
+        <p:spPr>
+          <a:xfrm>
+            <a:off x="1119657" y="4929891"/>
+            <a:ext cx="2238989" cy="522514"/>
+          </a:xfrm>
+          <a:prstGeom prst="rect">
+            <a:avLst/>
+          </a:prstGeom>
+          <a:solidFill>
+            <a:schemeClr val="accent1">
+              <a:lumMod val="75000"/>
+            </a:schemeClr>
+          </a:solidFill>
+          <a:ln w="28575"/>
+        </p:spPr>
+        <p:style>
+          <a:lnRef idx="2">
+            <a:schemeClr val="accent1">
+              <a:shade val="50000"/>
+            </a:schemeClr>
+          </a:lnRef>
+          <a:fillRef idx="1">
+            <a:schemeClr val="accent1"/>
+          </a:fillRef>
+          <a:effectRef idx="0">
+            <a:schemeClr val="accent1"/>
+          </a:effectRef>
+          <a:fontRef idx="minor">
+            <a:schemeClr val="lt1"/>
+          </a:fontRef>
+        </p:style>
+        <p:txBody>
+          <a:bodyPr rtlCol="0" anchor="ctr"/>
+          <a:lstStyle/>
+          <a:p>
+            <a:pPr algn="ctr"/>
+            <a:r>
+              <a:rPr lang="en-US" dirty="0" smtClean="0"/>
+              <a:t>console.log()</a:t>
+            </a:r>
+            <a:endParaRPr lang="en-US" dirty="0"/>
+          </a:p>
+        </p:txBody>
+      </p:sp>
+      <p:sp>
+        <p:nvSpPr>
+          <p:cNvPr id="9" name="TextBox 8"/>
+          <p:cNvSpPr txBox="1"/>
+          <p:nvPr/>
+        </p:nvSpPr>
+        <p:spPr>
+          <a:xfrm>
+            <a:off x="982049" y="1437307"/>
+            <a:ext cx="2890157" cy="523220"/>
+          </a:xfrm>
+          <a:prstGeom prst="rect">
+            <a:avLst/>
+          </a:prstGeom>
+          <a:noFill/>
+        </p:spPr>
+        <p:txBody>
+          <a:bodyPr wrap="square" rtlCol="0">
+            <a:spAutoFit/>
+          </a:bodyPr>
+          <a:lstStyle/>
+          <a:p>
+            <a:r>
+              <a:rPr lang="en-US" sz="2800" dirty="0" smtClean="0"/>
+              <a:t>Event Queue</a:t>
+            </a:r>
+            <a:endParaRPr lang="en-US" sz="2800" dirty="0"/>
+          </a:p>
+        </p:txBody>
+      </p:sp>
+      <p:cxnSp>
+        <p:nvCxnSpPr>
+          <p:cNvPr id="11" name="Straight Arrow Connector 10"/>
+          <p:cNvCxnSpPr/>
+          <p:nvPr/>
+        </p:nvCxnSpPr>
+        <p:spPr>
+          <a:xfrm flipV="1">
+            <a:off x="4049487" y="3731080"/>
+            <a:ext cx="718457" cy="1"/>
+          </a:xfrm>
+          <a:prstGeom prst="straightConnector1">
+            <a:avLst/>
+          </a:prstGeom>
+          <a:ln w="38100">
+            <a:tailEnd type="triangle"/>
+          </a:ln>
+        </p:spPr>
+        <p:style>
+          <a:lnRef idx="1">
+            <a:schemeClr val="accent1"/>
+          </a:lnRef>
+          <a:fillRef idx="0">
+            <a:schemeClr val="accent1"/>
+          </a:fillRef>
+          <a:effectRef idx="0">
+            <a:schemeClr val="accent1"/>
+          </a:effectRef>
+          <a:fontRef idx="minor">
+            <a:schemeClr val="tx1"/>
+          </a:fontRef>
+        </p:style>
+      </p:cxnSp>
+      <p:cxnSp>
+        <p:nvCxnSpPr>
+          <p:cNvPr id="19" name="Straight Arrow Connector 18"/>
+          <p:cNvCxnSpPr/>
+          <p:nvPr/>
+        </p:nvCxnSpPr>
+        <p:spPr>
+          <a:xfrm flipV="1">
+            <a:off x="8047269" y="3731080"/>
+            <a:ext cx="718457" cy="1"/>
+          </a:xfrm>
+          <a:prstGeom prst="straightConnector1">
+            <a:avLst/>
+          </a:prstGeom>
+          <a:ln w="38100">
+            <a:tailEnd type="triangle"/>
+          </a:ln>
+        </p:spPr>
+        <p:style>
+          <a:lnRef idx="1">
+            <a:schemeClr val="accent1"/>
+          </a:lnRef>
+          <a:fillRef idx="0">
+            <a:schemeClr val="accent1"/>
+          </a:fillRef>
+          <a:effectRef idx="0">
+            <a:schemeClr val="accent1"/>
+          </a:effectRef>
+          <a:fontRef idx="minor">
+            <a:schemeClr val="tx1"/>
+          </a:fontRef>
+        </p:style>
+      </p:cxnSp>
+      <p:sp>
+        <p:nvSpPr>
+          <p:cNvPr id="21" name="Rectangle 20"/>
+          <p:cNvSpPr/>
+          <p:nvPr/>
+        </p:nvSpPr>
+        <p:spPr>
+          <a:xfrm>
+            <a:off x="9144002" y="3498078"/>
+            <a:ext cx="2132238" cy="464004"/>
+          </a:xfrm>
+          <a:prstGeom prst="rect">
+            <a:avLst/>
+          </a:prstGeom>
+          <a:solidFill>
+            <a:schemeClr val="accent1">
+              <a:lumMod val="75000"/>
+            </a:schemeClr>
+          </a:solidFill>
+          <a:ln w="28575"/>
+        </p:spPr>
+        <p:style>
+          <a:lnRef idx="2">
+            <a:schemeClr val="accent1">
+              <a:shade val="50000"/>
+            </a:schemeClr>
+          </a:lnRef>
+          <a:fillRef idx="1">
+            <a:schemeClr val="accent1"/>
+          </a:fillRef>
+          <a:effectRef idx="0">
+            <a:schemeClr val="accent1"/>
+          </a:effectRef>
+          <a:fontRef idx="minor">
+            <a:schemeClr val="lt1"/>
+          </a:fontRef>
+        </p:style>
+        <p:txBody>
+          <a:bodyPr rtlCol="0" anchor="ctr"/>
+          <a:lstStyle/>
+          <a:p>
+            <a:pPr algn="ctr"/>
+            <a:r>
+              <a:rPr lang="en-US" dirty="0" err="1" smtClean="0"/>
+              <a:t>FIlesystem</a:t>
+            </a:r>
+            <a:endParaRPr lang="en-US" dirty="0"/>
+          </a:p>
+        </p:txBody>
+      </p:sp>
+      <p:sp>
+        <p:nvSpPr>
+          <p:cNvPr id="22" name="Rectangle 21"/>
+          <p:cNvSpPr/>
+          <p:nvPr/>
+        </p:nvSpPr>
+        <p:spPr>
+          <a:xfrm>
+            <a:off x="9144002" y="2824343"/>
+            <a:ext cx="2132238" cy="464004"/>
+          </a:xfrm>
+          <a:prstGeom prst="rect">
+            <a:avLst/>
+          </a:prstGeom>
+          <a:solidFill>
+            <a:schemeClr val="accent1">
+              <a:lumMod val="75000"/>
+            </a:schemeClr>
+          </a:solidFill>
+          <a:ln w="28575"/>
+        </p:spPr>
+        <p:style>
+          <a:lnRef idx="2">
+            <a:schemeClr val="accent1">
+              <a:shade val="50000"/>
+            </a:schemeClr>
+          </a:lnRef>
+          <a:fillRef idx="1">
+            <a:schemeClr val="accent1"/>
+          </a:fillRef>
+          <a:effectRef idx="0">
+            <a:schemeClr val="accent1"/>
+          </a:effectRef>
+          <a:fontRef idx="minor">
+            <a:schemeClr val="lt1"/>
+          </a:fontRef>
+        </p:style>
+        <p:txBody>
+          <a:bodyPr rtlCol="0" anchor="ctr"/>
+          <a:lstStyle/>
+          <a:p>
+            <a:pPr algn="ctr"/>
+            <a:r>
+              <a:rPr lang="en-US" dirty="0" smtClean="0"/>
+              <a:t>Network</a:t>
+            </a:r>
+            <a:endParaRPr lang="en-US" dirty="0"/>
+          </a:p>
+        </p:txBody>
+      </p:sp>
+      <p:sp>
+        <p:nvSpPr>
+          <p:cNvPr id="23" name="Rectangle 22"/>
+          <p:cNvSpPr/>
+          <p:nvPr/>
+        </p:nvSpPr>
+        <p:spPr>
+          <a:xfrm>
+            <a:off x="9144002" y="4161604"/>
+            <a:ext cx="2132238" cy="464004"/>
+          </a:xfrm>
+          <a:prstGeom prst="rect">
+            <a:avLst/>
+          </a:prstGeom>
+          <a:solidFill>
+            <a:schemeClr val="accent1">
+              <a:lumMod val="75000"/>
+            </a:schemeClr>
+          </a:solidFill>
+          <a:ln w="28575"/>
+        </p:spPr>
+        <p:style>
+          <a:lnRef idx="2">
+            <a:schemeClr val="accent1">
+              <a:shade val="50000"/>
+            </a:schemeClr>
+          </a:lnRef>
+          <a:fillRef idx="1">
+            <a:schemeClr val="accent1"/>
+          </a:fillRef>
+          <a:effectRef idx="0">
+            <a:schemeClr val="accent1"/>
+          </a:effectRef>
+          <a:fontRef idx="minor">
+            <a:schemeClr val="lt1"/>
+          </a:fontRef>
+        </p:style>
+        <p:txBody>
+          <a:bodyPr rtlCol="0" anchor="ctr"/>
+          <a:lstStyle/>
+          <a:p>
+            <a:pPr algn="ctr"/>
+            <a:r>
+              <a:rPr lang="en-US" dirty="0" smtClean="0"/>
+              <a:t>…</a:t>
+            </a:r>
+            <a:endParaRPr lang="en-US" dirty="0"/>
+          </a:p>
+        </p:txBody>
+      </p:sp>
+      <p:sp>
+        <p:nvSpPr>
+          <p:cNvPr id="26" name="TextBox 25"/>
+          <p:cNvSpPr txBox="1"/>
+          <p:nvPr/>
+        </p:nvSpPr>
+        <p:spPr>
+          <a:xfrm>
+            <a:off x="8997046" y="2072017"/>
+            <a:ext cx="2122714" cy="523220"/>
+          </a:xfrm>
+          <a:prstGeom prst="rect">
+            <a:avLst/>
+          </a:prstGeom>
+          <a:noFill/>
+        </p:spPr>
+        <p:txBody>
+          <a:bodyPr wrap="square" rtlCol="0">
+            <a:spAutoFit/>
+          </a:bodyPr>
+          <a:lstStyle/>
+          <a:p>
+            <a:r>
+              <a:rPr lang="en-US" sz="2800" dirty="0" smtClean="0"/>
+              <a:t>Thread pool</a:t>
+            </a:r>
+            <a:endParaRPr lang="en-US" sz="2800" dirty="0"/>
+          </a:p>
+        </p:txBody>
+      </p:sp>
+      <p:grpSp>
+        <p:nvGrpSpPr>
+          <p:cNvPr id="28" name="Group 27"/>
+          <p:cNvGrpSpPr/>
+          <p:nvPr/>
+        </p:nvGrpSpPr>
+        <p:grpSpPr>
+          <a:xfrm>
+            <a:off x="5456805" y="2652700"/>
+            <a:ext cx="1901602" cy="1968875"/>
+            <a:chOff x="5280931" y="2792617"/>
+            <a:chExt cx="2718707" cy="2814887"/>
+          </a:xfrm>
+        </p:grpSpPr>
+        <p:sp>
+          <p:nvSpPr>
+            <p:cNvPr id="18" name="Oval 17"/>
+            <p:cNvSpPr/>
+            <p:nvPr/>
+          </p:nvSpPr>
+          <p:spPr>
+            <a:xfrm>
+              <a:off x="5280931" y="2888797"/>
+              <a:ext cx="2718707" cy="2718707"/>
+            </a:xfrm>
+            <a:prstGeom prst="ellipse">
+              <a:avLst/>
+            </a:prstGeom>
+            <a:noFill/>
+            <a:ln w="57150">
+              <a:solidFill>
+                <a:srgbClr val="FFC000"/>
+              </a:solidFill>
+            </a:ln>
+          </p:spPr>
+          <p:style>
+            <a:lnRef idx="2">
+              <a:schemeClr val="accent1">
+                <a:shade val="50000"/>
+              </a:schemeClr>
+            </a:lnRef>
+            <a:fillRef idx="1">
+              <a:schemeClr val="accent1"/>
+            </a:fillRef>
+            <a:effectRef idx="0">
+              <a:schemeClr val="accent1"/>
+            </a:effectRef>
+            <a:fontRef idx="minor">
+              <a:schemeClr val="lt1"/>
+            </a:fontRef>
+          </p:style>
+          <p:txBody>
+            <a:bodyPr rtlCol="0" anchor="ctr"/>
+            <a:lstStyle/>
+            <a:p>
+              <a:pPr algn="ctr"/>
+              <a:r>
+                <a:rPr lang="en-US" sz="2800" dirty="0" smtClean="0">
+                  <a:solidFill>
+                    <a:schemeClr val="tx1"/>
+                  </a:solidFill>
+                </a:rPr>
+                <a:t>Event loop</a:t>
+              </a:r>
+              <a:endParaRPr lang="en-US" dirty="0">
+                <a:solidFill>
+                  <a:schemeClr val="tx1"/>
+                </a:solidFill>
+              </a:endParaRPr>
+            </a:p>
+          </p:txBody>
+        </p:sp>
+        <p:sp>
+          <p:nvSpPr>
+            <p:cNvPr id="27" name="Chevron 26"/>
+            <p:cNvSpPr/>
+            <p:nvPr/>
+          </p:nvSpPr>
+          <p:spPr>
+            <a:xfrm rot="2402352">
+              <a:off x="7029813" y="2792617"/>
+              <a:ext cx="587828" cy="553104"/>
+            </a:xfrm>
+            <a:prstGeom prst="chevron">
+              <a:avLst/>
+            </a:prstGeom>
+          </p:spPr>
+          <p:style>
+            <a:lnRef idx="2">
+              <a:schemeClr val="accent1">
+                <a:shade val="50000"/>
+              </a:schemeClr>
+            </a:lnRef>
+            <a:fillRef idx="1">
+              <a:schemeClr val="accent1"/>
+            </a:fillRef>
+            <a:effectRef idx="0">
+              <a:schemeClr val="accent1"/>
+            </a:effectRef>
+            <a:fontRef idx="minor">
+              <a:schemeClr val="lt1"/>
+            </a:fontRef>
+          </p:style>
+          <p:txBody>
+            <a:bodyPr rtlCol="0" anchor="ctr"/>
+            <a:lstStyle/>
+            <a:p>
+              <a:pPr algn="ctr"/>
+              <a:endParaRPr lang="en-US">
+                <a:solidFill>
+                  <a:schemeClr val="tx1"/>
+                </a:solidFill>
+              </a:endParaRPr>
+            </a:p>
+          </p:txBody>
+        </p:sp>
+      </p:grpSp>
+      <p:cxnSp>
+        <p:nvCxnSpPr>
+          <p:cNvPr id="35" name="Straight Arrow Connector 34"/>
+          <p:cNvCxnSpPr/>
+          <p:nvPr/>
+        </p:nvCxnSpPr>
+        <p:spPr>
+          <a:xfrm flipV="1">
+            <a:off x="2136324" y="5624048"/>
+            <a:ext cx="12246" cy="447463"/>
+          </a:xfrm>
+          <a:prstGeom prst="straightConnector1">
+            <a:avLst/>
+          </a:prstGeom>
+          <a:ln w="38100">
+            <a:tailEnd type="triangle"/>
+          </a:ln>
+        </p:spPr>
+        <p:style>
+          <a:lnRef idx="1">
+            <a:schemeClr val="accent1"/>
+          </a:lnRef>
+          <a:fillRef idx="0">
+            <a:schemeClr val="accent1"/>
+          </a:fillRef>
+          <a:effectRef idx="0">
+            <a:schemeClr val="accent1"/>
+          </a:effectRef>
+          <a:fontRef idx="minor">
+            <a:schemeClr val="tx1"/>
+          </a:fontRef>
+        </p:style>
+      </p:cxnSp>
+      <p:cxnSp>
+        <p:nvCxnSpPr>
+          <p:cNvPr id="38" name="Straight Connector 37"/>
+          <p:cNvCxnSpPr/>
+          <p:nvPr/>
+        </p:nvCxnSpPr>
+        <p:spPr>
+          <a:xfrm flipV="1">
+            <a:off x="2122713" y="6055183"/>
+            <a:ext cx="8082643" cy="27211"/>
+          </a:xfrm>
+          <a:prstGeom prst="line">
+            <a:avLst/>
+          </a:prstGeom>
+          <a:ln w="38100"/>
+        </p:spPr>
+        <p:style>
+          <a:lnRef idx="1">
+            <a:schemeClr val="accent1"/>
+          </a:lnRef>
+          <a:fillRef idx="0">
+            <a:schemeClr val="accent1"/>
+          </a:fillRef>
+          <a:effectRef idx="0">
+            <a:schemeClr val="accent1"/>
+          </a:effectRef>
+          <a:fontRef idx="minor">
+            <a:schemeClr val="tx1"/>
+          </a:fontRef>
+        </p:style>
+      </p:cxnSp>
+      <p:sp>
+        <p:nvSpPr>
+          <p:cNvPr id="45" name="TextBox 44"/>
+          <p:cNvSpPr txBox="1"/>
+          <p:nvPr/>
+        </p:nvSpPr>
+        <p:spPr>
+          <a:xfrm>
+            <a:off x="5821138" y="6115049"/>
+            <a:ext cx="3159579" cy="369332"/>
+          </a:xfrm>
+          <a:prstGeom prst="rect">
+            <a:avLst/>
+          </a:prstGeom>
+          <a:noFill/>
+        </p:spPr>
+        <p:txBody>
+          <a:bodyPr wrap="square" rtlCol="0">
+            <a:spAutoFit/>
+          </a:bodyPr>
+          <a:lstStyle/>
+          <a:p>
+            <a:r>
+              <a:rPr lang="en-US" dirty="0" smtClean="0"/>
+              <a:t>Callback</a:t>
+            </a:r>
+            <a:endParaRPr lang="en-US" dirty="0"/>
+          </a:p>
+        </p:txBody>
+      </p:sp>
+      <p:cxnSp>
+        <p:nvCxnSpPr>
+          <p:cNvPr id="47" name="Straight Connector 46"/>
+          <p:cNvCxnSpPr/>
+          <p:nvPr/>
+        </p:nvCxnSpPr>
+        <p:spPr>
+          <a:xfrm flipV="1">
+            <a:off x="10197192" y="4849586"/>
+            <a:ext cx="0" cy="1205597"/>
+          </a:xfrm>
+          <a:prstGeom prst="line">
+            <a:avLst/>
+          </a:prstGeom>
+          <a:ln w="38100"/>
+        </p:spPr>
+        <p:style>
+          <a:lnRef idx="1">
+            <a:schemeClr val="accent1"/>
+          </a:lnRef>
+          <a:fillRef idx="0">
+            <a:schemeClr val="accent1"/>
+          </a:fillRef>
+          <a:effectRef idx="0">
+            <a:schemeClr val="accent1"/>
+          </a:effectRef>
+          <a:fontRef idx="minor">
+            <a:schemeClr val="tx1"/>
+          </a:fontRef>
+        </p:style>
+      </p:cxnSp>
+    </p:spTree>
+    <p:extLst>
+      <p:ext uri="{BB962C8B-B14F-4D97-AF65-F5344CB8AC3E}">
+        <p14:creationId xmlns:p14="http://schemas.microsoft.com/office/powerpoint/2010/main" val="2320371339"/>
+      </p:ext>
+    </p:extLst>
+  </p:cSld>
+  <p:clrMapOvr>
+    <a:masterClrMapping/>
+  </p:clrMapOvr>
+  <p:timing>
+    <p:tnLst>
+      <p:par>
+        <p:cTn id="1" dur="indefinite" restart="never" nodeType="tmRoot">
+          <p:childTnLst>
+            <p:seq concurrent="1" nextAc="seek">
+              <p:cTn id="2" dur="indefinite" nodeType="mainSeq">
+                <p:childTnLst>
+                  <p:par>
+                    <p:cTn id="3" fill="hold">
+                      <p:stCondLst>
+                        <p:cond delay="indefinite"/>
+                      </p:stCondLst>
+                      <p:childTnLst>
+                        <p:par>
+                          <p:cTn id="4" fill="hold">
+                            <p:stCondLst>
+                              <p:cond delay="0"/>
+                            </p:stCondLst>
+                            <p:childTnLst>
+                              <p:par>
+                                <p:cTn id="5" presetID="8" presetClass="emph" presetSubtype="0" fill="hold" nodeType="clickEffect">
+                                  <p:stCondLst>
+                                    <p:cond delay="0"/>
+                                  </p:stCondLst>
+                                  <p:childTnLst>
+                                    <p:animRot by="21600000">
+                                      <p:cBhvr>
+                                        <p:cTn id="6" dur="2000" fill="hold"/>
+                                        <p:tgtEl>
+                                          <p:spTgt spid="28"/>
+                                        </p:tgtEl>
+                                        <p:attrNameLst>
+                                          <p:attrName>r</p:attrName>
+                                        </p:attrNameLst>
+                                      </p:cBhvr>
+                                    </p:animRot>
+                                  </p:childTnLst>
+                                </p:cTn>
+                              </p:par>
+                              <p:par>
+                                <p:cTn id="7" presetID="42" presetClass="path" presetSubtype="0" accel="50000" decel="50000" fill="hold" grpId="0" nodeType="withEffect">
+                                  <p:stCondLst>
+                                    <p:cond delay="0"/>
+                                  </p:stCondLst>
+                                  <p:childTnLst>
+                                    <p:animMotion origin="layout" path="M -2.29167E-6 -1.11111E-6 L 0.34232 0.00232 " pathEditMode="relative" rAng="0" ptsTypes="AA">
+                                      <p:cBhvr>
+                                        <p:cTn id="8" dur="2000" fill="hold"/>
+                                        <p:tgtEl>
+                                          <p:spTgt spid="5"/>
+                                        </p:tgtEl>
+                                        <p:attrNameLst>
+                                          <p:attrName>ppt_x</p:attrName>
+                                          <p:attrName>ppt_y</p:attrName>
+                                        </p:attrNameLst>
+                                      </p:cBhvr>
+                                      <p:rCtr x="17109" y="116"/>
+                                    </p:animMotion>
+                                  </p:childTnLst>
+                                </p:cTn>
+                              </p:par>
+                            </p:childTnLst>
+                          </p:cTn>
+                        </p:par>
+                      </p:childTnLst>
+                    </p:cTn>
+                  </p:par>
+                  <p:par>
+                    <p:cTn id="9" fill="hold">
+                      <p:stCondLst>
+                        <p:cond delay="indefinite"/>
+                      </p:stCondLst>
+                      <p:childTnLst>
+                        <p:par>
+                          <p:cTn id="10" fill="hold">
+                            <p:stCondLst>
+                              <p:cond delay="0"/>
+                            </p:stCondLst>
+                            <p:childTnLst>
+                              <p:par>
+                                <p:cTn id="11" presetID="42" presetClass="path" presetSubtype="0" accel="50000" decel="50000" fill="hold" grpId="1" nodeType="clickEffect">
+                                  <p:stCondLst>
+                                    <p:cond delay="0"/>
+                                  </p:stCondLst>
+                                  <p:childTnLst>
+                                    <p:animMotion origin="layout" path="M 0.34232 0.00232 L 0.67071 -0.09421 " pathEditMode="relative" rAng="0" ptsTypes="AA">
+                                      <p:cBhvr>
+                                        <p:cTn id="12" dur="2000" fill="hold"/>
+                                        <p:tgtEl>
+                                          <p:spTgt spid="5"/>
+                                        </p:tgtEl>
+                                        <p:attrNameLst>
+                                          <p:attrName>ppt_x</p:attrName>
+                                          <p:attrName>ppt_y</p:attrName>
+                                        </p:attrNameLst>
+                                      </p:cBhvr>
+                                      <p:rCtr x="16458" y="-4537"/>
+                                    </p:animMotion>
+                                  </p:childTnLst>
+                                </p:cTn>
+                              </p:par>
+                            </p:childTnLst>
+                          </p:cTn>
+                        </p:par>
+                      </p:childTnLst>
+                    </p:cTn>
+                  </p:par>
+                  <p:par>
+                    <p:cTn id="13" fill="hold">
+                      <p:stCondLst>
+                        <p:cond delay="indefinite"/>
+                      </p:stCondLst>
+                      <p:childTnLst>
+                        <p:par>
+                          <p:cTn id="14" fill="hold">
+                            <p:stCondLst>
+                              <p:cond delay="0"/>
+                            </p:stCondLst>
+                            <p:childTnLst>
+                              <p:par>
+                                <p:cTn id="15" presetID="8" presetClass="emph" presetSubtype="0" fill="hold" nodeType="clickEffect">
+                                  <p:stCondLst>
+                                    <p:cond delay="0"/>
+                                  </p:stCondLst>
+                                  <p:childTnLst>
+                                    <p:animRot by="21600000">
+                                      <p:cBhvr>
+                                        <p:cTn id="16" dur="2000" fill="hold"/>
+                                        <p:tgtEl>
+                                          <p:spTgt spid="28"/>
+                                        </p:tgtEl>
+                                        <p:attrNameLst>
+                                          <p:attrName>r</p:attrName>
+                                        </p:attrNameLst>
+                                      </p:cBhvr>
+                                    </p:animRot>
+                                  </p:childTnLst>
+                                </p:cTn>
+                              </p:par>
+                              <p:par>
+                                <p:cTn id="17" presetID="42" presetClass="path" presetSubtype="0" accel="50000" decel="50000" fill="hold" grpId="0" nodeType="withEffect">
+                                  <p:stCondLst>
+                                    <p:cond delay="0"/>
+                                  </p:stCondLst>
+                                  <p:childTnLst>
+                                    <p:animMotion origin="layout" path="M 3.75E-6 2.96296E-6 L 0.34232 -0.10138 " pathEditMode="relative" rAng="0" ptsTypes="AA">
+                                      <p:cBhvr>
+                                        <p:cTn id="18" dur="2000" fill="hold"/>
+                                        <p:tgtEl>
+                                          <p:spTgt spid="3"/>
+                                        </p:tgtEl>
+                                        <p:attrNameLst>
+                                          <p:attrName>ppt_x</p:attrName>
+                                          <p:attrName>ppt_y</p:attrName>
+                                        </p:attrNameLst>
+                                      </p:cBhvr>
+                                      <p:rCtr x="16992" y="-5255"/>
+                                    </p:animMotion>
+                                  </p:childTnLst>
+                                </p:cTn>
+                              </p:par>
+                            </p:childTnLst>
+                          </p:cTn>
+                        </p:par>
+                      </p:childTnLst>
+                    </p:cTn>
+                  </p:par>
+                  <p:par>
+                    <p:cTn id="19" fill="hold">
+                      <p:stCondLst>
+                        <p:cond delay="indefinite"/>
+                      </p:stCondLst>
+                      <p:childTnLst>
+                        <p:par>
+                          <p:cTn id="20" fill="hold">
+                            <p:stCondLst>
+                              <p:cond delay="0"/>
+                            </p:stCondLst>
+                            <p:childTnLst>
+                              <p:par>
+                                <p:cTn id="21" presetID="10" presetClass="exit" presetSubtype="0" fill="hold" grpId="2" nodeType="clickEffect">
+                                  <p:stCondLst>
+                                    <p:cond delay="0"/>
+                                  </p:stCondLst>
+                                  <p:childTnLst>
+                                    <p:animEffect transition="out" filter="fade">
+                                      <p:cBhvr>
+                                        <p:cTn id="22" dur="500"/>
+                                        <p:tgtEl>
+                                          <p:spTgt spid="5"/>
+                                        </p:tgtEl>
+                                      </p:cBhvr>
+                                    </p:animEffect>
+                                    <p:set>
+                                      <p:cBhvr>
+                                        <p:cTn id="23" dur="1" fill="hold">
+                                          <p:stCondLst>
+                                            <p:cond delay="499"/>
+                                          </p:stCondLst>
+                                        </p:cTn>
+                                        <p:tgtEl>
+                                          <p:spTgt spid="5"/>
+                                        </p:tgtEl>
+                                        <p:attrNameLst>
+                                          <p:attrName>style.visibility</p:attrName>
+                                        </p:attrNameLst>
+                                      </p:cBhvr>
+                                      <p:to>
+                                        <p:strVal val="hidden"/>
+                                      </p:to>
+                                    </p:set>
+                                  </p:childTnLst>
+                                </p:cTn>
+                              </p:par>
+                            </p:childTnLst>
+                          </p:cTn>
+                        </p:par>
+                      </p:childTnLst>
+                    </p:cTn>
+                  </p:par>
+                  <p:par>
+                    <p:cTn id="24" fill="hold">
+                      <p:stCondLst>
+                        <p:cond delay="indefinite"/>
+                      </p:stCondLst>
+                      <p:childTnLst>
+                        <p:par>
+                          <p:cTn id="25" fill="hold">
+                            <p:stCondLst>
+                              <p:cond delay="0"/>
+                            </p:stCondLst>
+                            <p:childTnLst>
+                              <p:par>
+                                <p:cTn id="26" presetID="42" presetClass="path" presetSubtype="0" accel="50000" decel="50000" fill="hold" grpId="1" nodeType="clickEffect">
+                                  <p:stCondLst>
+                                    <p:cond delay="0"/>
+                                  </p:stCondLst>
+                                  <p:childTnLst>
+                                    <p:animMotion origin="layout" path="M 0.34232 -0.10139 L 0.66992 -0.19791 " pathEditMode="relative" rAng="0" ptsTypes="AA">
+                                      <p:cBhvr>
+                                        <p:cTn id="27" dur="2000" fill="hold"/>
+                                        <p:tgtEl>
+                                          <p:spTgt spid="3"/>
+                                        </p:tgtEl>
+                                        <p:attrNameLst>
+                                          <p:attrName>ppt_x</p:attrName>
+                                          <p:attrName>ppt_y</p:attrName>
+                                        </p:attrNameLst>
+                                      </p:cBhvr>
+                                      <p:rCtr x="16536" y="-4537"/>
+                                    </p:animMotion>
+                                  </p:childTnLst>
+                                </p:cTn>
+                              </p:par>
+                            </p:childTnLst>
+                          </p:cTn>
+                        </p:par>
+                      </p:childTnLst>
+                    </p:cTn>
+                  </p:par>
+                  <p:par>
+                    <p:cTn id="28" fill="hold">
+                      <p:stCondLst>
+                        <p:cond delay="indefinite"/>
+                      </p:stCondLst>
+                      <p:childTnLst>
+                        <p:par>
+                          <p:cTn id="29" fill="hold">
+                            <p:stCondLst>
+                              <p:cond delay="0"/>
+                            </p:stCondLst>
+                            <p:childTnLst>
+                              <p:par>
+                                <p:cTn id="30" presetID="10" presetClass="exit" presetSubtype="0" fill="hold" grpId="2" nodeType="clickEffect">
+                                  <p:stCondLst>
+                                    <p:cond delay="0"/>
+                                  </p:stCondLst>
+                                  <p:childTnLst>
+                                    <p:animEffect transition="out" filter="fade">
+                                      <p:cBhvr>
+                                        <p:cTn id="31" dur="500"/>
+                                        <p:tgtEl>
+                                          <p:spTgt spid="3"/>
+                                        </p:tgtEl>
+                                      </p:cBhvr>
+                                    </p:animEffect>
+                                    <p:set>
+                                      <p:cBhvr>
+                                        <p:cTn id="32" dur="1" fill="hold">
+                                          <p:stCondLst>
+                                            <p:cond delay="499"/>
+                                          </p:stCondLst>
+                                        </p:cTn>
+                                        <p:tgtEl>
+                                          <p:spTgt spid="3"/>
+                                        </p:tgtEl>
+                                        <p:attrNameLst>
+                                          <p:attrName>style.visibility</p:attrName>
+                                        </p:attrNameLst>
+                                      </p:cBhvr>
+                                      <p:to>
+                                        <p:strVal val="hidden"/>
+                                      </p:to>
+                                    </p:set>
+                                  </p:childTnLst>
+                                </p:cTn>
+                              </p:par>
+                            </p:childTnLst>
+                          </p:cTn>
+                        </p:par>
+                      </p:childTnLst>
+                    </p:cTn>
+                  </p:par>
+                </p:childTnLst>
+              </p:cTn>
+              <p:prevCondLst>
+                <p:cond evt="onPrev" delay="0">
+                  <p:tgtEl>
+                    <p:sldTgt/>
+                  </p:tgtEl>
+                </p:cond>
+              </p:prevCondLst>
+              <p:nextCondLst>
+                <p:cond evt="onNext" delay="0">
+                  <p:tgtEl>
+                    <p:sldTgt/>
+                  </p:tgtEl>
+                </p:cond>
+              </p:nextCondLst>
+            </p:seq>
+          </p:childTnLst>
+        </p:cTn>
+      </p:par>
+    </p:tnLst>
+    <p:bldLst>
+      <p:bldP spid="3" grpId="0" animBg="1"/>
+      <p:bldP spid="3" grpId="1" animBg="1"/>
+      <p:bldP spid="3" grpId="2" animBg="1"/>
+      <p:bldP spid="5" grpId="0" animBg="1"/>
+      <p:bldP spid="5" grpId="1" animBg="1"/>
+      <p:bldP spid="5" grpId="2" animBg="1"/>
+    </p:bldLst>
+  </p:timing>
+</p:sld>
+</file>
+
+<file path=ppt/slides/slide2.xml><?xml version="1.0" encoding="utf-8"?>
+<p:sld xmlns:a="http://schemas.openxmlformats.org/drawingml/2006/main" xmlns:r="http://schemas.openxmlformats.org/officeDocument/2006/relationships" xmlns:p="http://schemas.openxmlformats.org/presentationml/2006/main" show="0">
+  <p:cSld>
+    <p:bg>
+      <p:bgPr>
+        <a:solidFill>
+          <a:schemeClr val="bg1"/>
+        </a:solidFill>
+        <a:effectLst/>
+      </p:bgPr>
+    </p:bg>
+    <p:spTree>
+      <p:nvGrpSpPr>
+        <p:cNvPr id="1" name=""/>
+        <p:cNvGrpSpPr/>
+        <p:nvPr/>
+      </p:nvGrpSpPr>
+      <p:grpSpPr>
+        <a:xfrm>
+          <a:off x="0" y="0"/>
+          <a:ext cx="0" cy="0"/>
+          <a:chOff x="0" y="0"/>
+          <a:chExt cx="0" cy="0"/>
+        </a:xfrm>
+      </p:grpSpPr>
+      <p:pic>
+        <p:nvPicPr>
+          <p:cNvPr id="4" name="Picture 3"/>
+          <p:cNvPicPr>
+            <a:picLocks noChangeAspect="1"/>
+          </p:cNvPicPr>
+          <p:nvPr/>
+        </p:nvPicPr>
+        <p:blipFill>
+          <a:blip r:embed="rId2">
+            <a:extLst>
+              <a:ext uri="{28A0092B-C50C-407E-A947-70E740481C1C}">
+                <a14:useLocalDpi xmlns:a14="http://schemas.microsoft.com/office/drawing/2010/main" val="0"/>
+              </a:ext>
+            </a:extLst>
+          </a:blip>
+          <a:stretch>
+            <a:fillRect/>
+          </a:stretch>
+        </p:blipFill>
+        <p:spPr>
+          <a:xfrm>
+            <a:off x="0" y="0"/>
+            <a:ext cx="12195961" cy="1106905"/>
+          </a:xfrm>
+          <a:prstGeom prst="rect">
+            <a:avLst/>
+          </a:prstGeom>
+        </p:spPr>
+      </p:pic>
+      <p:sp>
+        <p:nvSpPr>
+          <p:cNvPr id="8" name="Rectangle 7"/>
+          <p:cNvSpPr/>
+          <p:nvPr/>
+        </p:nvSpPr>
+        <p:spPr>
+          <a:xfrm>
+            <a:off x="376238" y="1684491"/>
+            <a:ext cx="11137900" cy="3539430"/>
+          </a:xfrm>
+          <a:prstGeom prst="rect">
+            <a:avLst/>
+          </a:prstGeom>
+        </p:spPr>
+        <p:txBody>
+          <a:bodyPr wrap="square">
+            <a:spAutoFit/>
+          </a:bodyPr>
+          <a:lstStyle/>
+          <a:p>
+            <a:pPr marL="457200" indent="-457200">
+              <a:buFontTx/>
+              <a:buChar char="-"/>
+            </a:pPr>
+            <a:r>
+              <a:rPr lang="en-US" sz="1600" dirty="0" err="1" smtClean="0">
+                <a:solidFill>
+                  <a:srgbClr val="333333"/>
+                </a:solidFill>
+                <a:latin typeface="Source Sans Pro"/>
+              </a:rPr>
+              <a:t>Plaforma</a:t>
+            </a:r>
+            <a:r>
+              <a:rPr lang="en-US" sz="1600" dirty="0" smtClean="0">
+                <a:solidFill>
+                  <a:srgbClr val="333333"/>
+                </a:solidFill>
+                <a:latin typeface="Source Sans Pro"/>
+              </a:rPr>
+              <a:t> Azure App Services</a:t>
+            </a:r>
+            <a:endParaRPr lang="en-US" sz="1600" dirty="0">
+              <a:solidFill>
+                <a:prstClr val="black"/>
+              </a:solidFill>
+            </a:endParaRPr>
+          </a:p>
+          <a:p>
+            <a:pPr marL="914400" lvl="1" indent="-457200">
+              <a:buFontTx/>
+              <a:buChar char="-"/>
+            </a:pPr>
+            <a:r>
+              <a:rPr lang="en-US" sz="1600" dirty="0" smtClean="0">
+                <a:solidFill>
+                  <a:srgbClr val="333333"/>
+                </a:solidFill>
+                <a:latin typeface="Source Sans Pro"/>
+              </a:rPr>
+              <a:t>Ce </a:t>
+            </a:r>
+            <a:r>
+              <a:rPr lang="en-US" sz="1600" dirty="0" err="1" smtClean="0">
+                <a:solidFill>
+                  <a:srgbClr val="333333"/>
+                </a:solidFill>
+                <a:latin typeface="Source Sans Pro"/>
+              </a:rPr>
+              <a:t>este</a:t>
+            </a:r>
+            <a:r>
+              <a:rPr lang="en-US" sz="1600" dirty="0" smtClean="0">
+                <a:solidFill>
+                  <a:srgbClr val="333333"/>
+                </a:solidFill>
+                <a:latin typeface="Source Sans Pro"/>
+              </a:rPr>
+              <a:t> PaaS?</a:t>
+            </a:r>
+          </a:p>
+          <a:p>
+            <a:pPr marL="914400" lvl="1" indent="-457200">
+              <a:buFontTx/>
+              <a:buChar char="-"/>
+            </a:pPr>
+            <a:r>
+              <a:rPr lang="en-US" sz="1600" dirty="0" err="1" smtClean="0">
+                <a:solidFill>
+                  <a:srgbClr val="ED7D31">
+                    <a:lumMod val="75000"/>
+                  </a:srgbClr>
+                </a:solidFill>
+                <a:latin typeface="Source Sans Pro"/>
+              </a:rPr>
+              <a:t>WebDeploy</a:t>
+            </a:r>
+            <a:endParaRPr lang="en-US" sz="1600" dirty="0" smtClean="0">
+              <a:solidFill>
+                <a:srgbClr val="ED7D31">
+                  <a:lumMod val="75000"/>
+                </a:srgbClr>
+              </a:solidFill>
+              <a:latin typeface="Source Sans Pro"/>
+            </a:endParaRPr>
+          </a:p>
+          <a:p>
+            <a:pPr marL="914400" lvl="1" indent="-457200">
+              <a:buFontTx/>
+              <a:buChar char="-"/>
+            </a:pPr>
+            <a:r>
+              <a:rPr lang="en-US" sz="1600" dirty="0" smtClean="0">
+                <a:solidFill>
+                  <a:srgbClr val="333333"/>
+                </a:solidFill>
+                <a:latin typeface="Source Sans Pro"/>
+              </a:rPr>
+              <a:t>Deployment slots</a:t>
+            </a:r>
+          </a:p>
+          <a:p>
+            <a:pPr marL="914400" lvl="1" indent="-457200">
+              <a:buFontTx/>
+              <a:buChar char="-"/>
+            </a:pPr>
+            <a:r>
+              <a:rPr lang="en-US" sz="1600" dirty="0" smtClean="0">
+                <a:solidFill>
+                  <a:srgbClr val="333333"/>
+                </a:solidFill>
+                <a:latin typeface="Source Sans Pro"/>
+              </a:rPr>
+              <a:t>Continuous Integration</a:t>
+            </a:r>
+          </a:p>
+          <a:p>
+            <a:pPr marL="914400" lvl="1" indent="-457200">
+              <a:buFontTx/>
+              <a:buChar char="-"/>
+            </a:pPr>
+            <a:r>
+              <a:rPr lang="en-US" sz="1600" dirty="0" smtClean="0">
+                <a:solidFill>
+                  <a:srgbClr val="333333"/>
+                </a:solidFill>
+                <a:latin typeface="Source Sans Pro"/>
+              </a:rPr>
+              <a:t>Auto healing</a:t>
+            </a:r>
+          </a:p>
+          <a:p>
+            <a:pPr marL="914400" lvl="1" indent="-457200">
+              <a:buFontTx/>
+              <a:buChar char="-"/>
+            </a:pPr>
+            <a:r>
+              <a:rPr lang="en-US" sz="1600" dirty="0" smtClean="0">
+                <a:solidFill>
+                  <a:srgbClr val="333333"/>
+                </a:solidFill>
+                <a:latin typeface="Source Sans Pro"/>
+              </a:rPr>
+              <a:t>Scaling</a:t>
+            </a:r>
+          </a:p>
+          <a:p>
+            <a:pPr marL="914400" lvl="1" indent="-457200">
+              <a:buFontTx/>
+              <a:buChar char="-"/>
+            </a:pPr>
+            <a:r>
+              <a:rPr lang="en-US" sz="1600" dirty="0" smtClean="0">
+                <a:solidFill>
+                  <a:srgbClr val="333333"/>
+                </a:solidFill>
+                <a:latin typeface="Source Sans Pro"/>
+              </a:rPr>
+              <a:t>Traffic Manager</a:t>
+            </a:r>
+          </a:p>
+          <a:p>
+            <a:pPr marL="914400" lvl="1" indent="-457200">
+              <a:buFontTx/>
+              <a:buChar char="-"/>
+            </a:pPr>
+            <a:endParaRPr lang="en-US" sz="1600" dirty="0">
+              <a:solidFill>
+                <a:srgbClr val="333333"/>
+              </a:solidFill>
+              <a:latin typeface="Source Sans Pro"/>
+            </a:endParaRPr>
+          </a:p>
+          <a:p>
+            <a:pPr lvl="1"/>
+            <a:r>
+              <a:rPr lang="en-US" sz="1600" dirty="0" smtClean="0">
+                <a:solidFill>
+                  <a:srgbClr val="333333"/>
+                </a:solidFill>
+                <a:latin typeface="Source Sans Pro"/>
+              </a:rPr>
+              <a:t>NODE</a:t>
+            </a:r>
+          </a:p>
+          <a:p>
+            <a:pPr marL="742950" lvl="1" indent="-285750">
+              <a:buFontTx/>
+              <a:buChar char="-"/>
+            </a:pPr>
+            <a:r>
+              <a:rPr lang="en-US" sz="1600" dirty="0" smtClean="0">
+                <a:solidFill>
+                  <a:srgbClr val="333333"/>
+                </a:solidFill>
+                <a:latin typeface="Source Sans Pro"/>
+              </a:rPr>
+              <a:t>Ce </a:t>
+            </a:r>
+            <a:r>
+              <a:rPr lang="en-US" sz="1600" dirty="0" err="1" smtClean="0">
+                <a:solidFill>
+                  <a:srgbClr val="333333"/>
+                </a:solidFill>
+                <a:latin typeface="Source Sans Pro"/>
+              </a:rPr>
+              <a:t>este</a:t>
+            </a:r>
+            <a:r>
+              <a:rPr lang="en-US" sz="1600" dirty="0" smtClean="0">
+                <a:solidFill>
+                  <a:srgbClr val="333333"/>
+                </a:solidFill>
+                <a:latin typeface="Source Sans Pro"/>
+              </a:rPr>
+              <a:t>?</a:t>
+            </a:r>
+          </a:p>
+          <a:p>
+            <a:pPr marL="742950" lvl="1" indent="-285750">
+              <a:buFontTx/>
+              <a:buChar char="-"/>
+            </a:pPr>
+            <a:r>
+              <a:rPr lang="en-US" sz="1600" dirty="0" smtClean="0">
+                <a:solidFill>
+                  <a:srgbClr val="333333"/>
+                </a:solidFill>
+                <a:latin typeface="Source Sans Pro"/>
+              </a:rPr>
+              <a:t>De </a:t>
+            </a:r>
+            <a:r>
+              <a:rPr lang="en-US" sz="1600" dirty="0" err="1" smtClean="0">
+                <a:solidFill>
+                  <a:srgbClr val="333333"/>
+                </a:solidFill>
+                <a:latin typeface="Source Sans Pro"/>
+              </a:rPr>
+              <a:t>ce</a:t>
+            </a:r>
+            <a:r>
+              <a:rPr lang="en-US" sz="1600" dirty="0" smtClean="0">
+                <a:solidFill>
+                  <a:srgbClr val="333333"/>
+                </a:solidFill>
+                <a:latin typeface="Source Sans Pro"/>
+              </a:rPr>
+              <a:t>, </a:t>
+            </a:r>
+            <a:r>
+              <a:rPr lang="en-US" sz="1600" dirty="0" err="1" smtClean="0">
+                <a:solidFill>
+                  <a:srgbClr val="333333"/>
+                </a:solidFill>
+                <a:latin typeface="Source Sans Pro"/>
+              </a:rPr>
+              <a:t>pentru</a:t>
+            </a:r>
+            <a:r>
+              <a:rPr lang="en-US" sz="1600" dirty="0" smtClean="0">
+                <a:solidFill>
+                  <a:srgbClr val="333333"/>
+                </a:solidFill>
+                <a:latin typeface="Source Sans Pro"/>
+              </a:rPr>
+              <a:t> </a:t>
+            </a:r>
+            <a:r>
+              <a:rPr lang="en-US" sz="1600" dirty="0" err="1" smtClean="0">
+                <a:solidFill>
+                  <a:srgbClr val="333333"/>
+                </a:solidFill>
+                <a:latin typeface="Source Sans Pro"/>
+              </a:rPr>
+              <a:t>ce</a:t>
+            </a:r>
+            <a:r>
+              <a:rPr lang="en-US" sz="1600" dirty="0" smtClean="0">
+                <a:solidFill>
+                  <a:srgbClr val="333333"/>
+                </a:solidFill>
+                <a:latin typeface="Source Sans Pro"/>
+              </a:rPr>
+              <a:t>?</a:t>
+            </a:r>
+          </a:p>
+          <a:p>
+            <a:pPr marL="742950" lvl="1" indent="-285750">
+              <a:buFontTx/>
+              <a:buChar char="-"/>
+            </a:pPr>
+            <a:r>
+              <a:rPr lang="en-US" sz="1600" dirty="0" smtClean="0">
+                <a:solidFill>
+                  <a:srgbClr val="333333"/>
+                </a:solidFill>
+                <a:latin typeface="Source Sans Pro"/>
+              </a:rPr>
+              <a:t>Cross-platform – </a:t>
+            </a:r>
+            <a:r>
+              <a:rPr lang="en-US" sz="1600" dirty="0" err="1" smtClean="0">
+                <a:solidFill>
+                  <a:srgbClr val="333333"/>
+                </a:solidFill>
+                <a:latin typeface="Source Sans Pro"/>
+              </a:rPr>
+              <a:t>diferenta</a:t>
+            </a:r>
+            <a:r>
+              <a:rPr lang="en-US" sz="1600" dirty="0" smtClean="0">
+                <a:solidFill>
+                  <a:srgbClr val="333333"/>
+                </a:solidFill>
+                <a:latin typeface="Source Sans Pro"/>
+              </a:rPr>
+              <a:t> </a:t>
+            </a:r>
+            <a:r>
+              <a:rPr lang="en-US" sz="1600" dirty="0" err="1" smtClean="0">
+                <a:solidFill>
+                  <a:srgbClr val="333333"/>
+                </a:solidFill>
+                <a:latin typeface="Source Sans Pro"/>
+              </a:rPr>
+              <a:t>arhitectura</a:t>
+            </a:r>
+            <a:r>
+              <a:rPr lang="en-US" sz="1600" dirty="0" smtClean="0">
+                <a:solidFill>
+                  <a:srgbClr val="333333"/>
+                </a:solidFill>
+                <a:latin typeface="Source Sans Pro"/>
+              </a:rPr>
+              <a:t> </a:t>
+            </a:r>
+            <a:r>
+              <a:rPr lang="en-US" sz="1600" dirty="0" err="1" smtClean="0">
+                <a:solidFill>
+                  <a:srgbClr val="333333"/>
+                </a:solidFill>
+                <a:latin typeface="Source Sans Pro"/>
+              </a:rPr>
+              <a:t>pe</a:t>
+            </a:r>
+            <a:r>
+              <a:rPr lang="en-US" sz="1600" dirty="0" smtClean="0">
+                <a:solidFill>
+                  <a:srgbClr val="333333"/>
+                </a:solidFill>
+                <a:latin typeface="Source Sans Pro"/>
+              </a:rPr>
+              <a:t> diverse </a:t>
+            </a:r>
+            <a:r>
+              <a:rPr lang="en-US" sz="1600" dirty="0" err="1" smtClean="0">
+                <a:solidFill>
+                  <a:srgbClr val="333333"/>
+                </a:solidFill>
+                <a:latin typeface="Source Sans Pro"/>
+              </a:rPr>
+              <a:t>platforme</a:t>
+            </a:r>
+            <a:r>
+              <a:rPr lang="en-US" sz="1600" dirty="0" smtClean="0">
+                <a:solidFill>
+                  <a:srgbClr val="333333"/>
+                </a:solidFill>
+                <a:latin typeface="Source Sans Pro"/>
+              </a:rPr>
+              <a:t> (Linux, Win32)</a:t>
+            </a:r>
+          </a:p>
+          <a:p>
+            <a:pPr marL="742950" lvl="1" indent="-285750">
+              <a:buFontTx/>
+              <a:buChar char="-"/>
+            </a:pPr>
+            <a:endParaRPr lang="en-US" sz="1600" dirty="0">
+              <a:solidFill>
+                <a:srgbClr val="333333"/>
+              </a:solidFill>
+              <a:latin typeface="Source Sans Pro"/>
+            </a:endParaRPr>
+          </a:p>
+        </p:txBody>
+      </p:sp>
+    </p:spTree>
+    <p:extLst>
+      <p:ext uri="{BB962C8B-B14F-4D97-AF65-F5344CB8AC3E}">
+        <p14:creationId xmlns:p14="http://schemas.microsoft.com/office/powerpoint/2010/main" val="11292940"/>
+      </p:ext>
+    </p:extLst>
+  </p:cSld>
+  <p:clrMapOvr>
+    <a:masterClrMapping/>
+  </p:clrMapOvr>
+  <mc:AlternateContent xmlns:mc="http://schemas.openxmlformats.org/markup-compatibility/2006">
+    <mc:Choice xmlns:p14="http://schemas.microsoft.com/office/powerpoint/2010/main" Requires="p14">
+      <p:transition spd="slow" p14:dur="2000"/>
+    </mc:Choice>
+    <mc:Fallback>
+      <p:transition spd="slow"/>
+    </mc:Fallback>
+  </mc:AlternateContent>
+  <p:timing>
+    <p:tnLst>
+      <p:par>
+        <p:cTn id="1" dur="indefinite" restart="never" nodeType="tmRoot"/>
+      </p:par>
+    </p:tnLst>
+  </p:timing>
+</p:sld>
+</file>
+
+<file path=ppt/slides/slide20.xml><?xml version="1.0" encoding="utf-8"?>
+<p:sld xmlns:a="http://schemas.openxmlformats.org/drawingml/2006/main" xmlns:r="http://schemas.openxmlformats.org/officeDocument/2006/relationships" xmlns:p="http://schemas.openxmlformats.org/presentationml/2006/main">
+  <p:cSld>
+    <p:bg>
+      <p:bgPr>
+        <a:solidFill>
+          <a:schemeClr val="bg1"/>
+        </a:solidFill>
+        <a:effectLst/>
+      </p:bgPr>
+    </p:bg>
+    <p:spTree>
+      <p:nvGrpSpPr>
+        <p:cNvPr id="1" name=""/>
+        <p:cNvGrpSpPr/>
+        <p:nvPr/>
+      </p:nvGrpSpPr>
+      <p:grpSpPr>
+        <a:xfrm>
+          <a:off x="0" y="0"/>
+          <a:ext cx="0" cy="0"/>
+          <a:chOff x="0" y="0"/>
+          <a:chExt cx="0" cy="0"/>
+        </a:xfrm>
+      </p:grpSpPr>
+      <p:pic>
+        <p:nvPicPr>
+          <p:cNvPr id="4" name="Picture 3"/>
+          <p:cNvPicPr>
+            <a:picLocks noChangeAspect="1"/>
+          </p:cNvPicPr>
+          <p:nvPr/>
+        </p:nvPicPr>
+        <p:blipFill>
+          <a:blip r:embed="rId2">
+            <a:extLst>
+              <a:ext uri="{28A0092B-C50C-407E-A947-70E740481C1C}">
+                <a14:useLocalDpi xmlns:a14="http://schemas.microsoft.com/office/drawing/2010/main" val="0"/>
+              </a:ext>
+            </a:extLst>
+          </a:blip>
+          <a:stretch>
+            <a:fillRect/>
+          </a:stretch>
+        </p:blipFill>
+        <p:spPr>
+          <a:xfrm>
+            <a:off x="0" y="0"/>
+            <a:ext cx="12195961" cy="1106905"/>
+          </a:xfrm>
+          <a:prstGeom prst="rect">
+            <a:avLst/>
+          </a:prstGeom>
+        </p:spPr>
+      </p:pic>
       <p:pic>
         <p:nvPicPr>
           <p:cNvPr id="7" name="Picture 6"/>
@@ -22448,7 +27718,7 @@
 </p:sld>
 </file>
 
-<file path=ppt/slides/slide11.xml><?xml version="1.0" encoding="utf-8"?>
+<file path=ppt/slides/slide21.xml><?xml version="1.0" encoding="utf-8"?>
 <p:sld xmlns:a="http://schemas.openxmlformats.org/drawingml/2006/main" xmlns:r="http://schemas.openxmlformats.org/officeDocument/2006/relationships" xmlns:p="http://schemas.openxmlformats.org/presentationml/2006/main">
   <p:cSld>
     <p:bg>
@@ -22564,7 +27834,7 @@
 </p:sld>
 </file>
 
-<file path=ppt/slides/slide12.xml><?xml version="1.0" encoding="utf-8"?>
+<file path=ppt/slides/slide22.xml><?xml version="1.0" encoding="utf-8"?>
 <p:sld xmlns:a="http://schemas.openxmlformats.org/drawingml/2006/main" xmlns:r="http://schemas.openxmlformats.org/officeDocument/2006/relationships" xmlns:p="http://schemas.openxmlformats.org/presentationml/2006/main">
   <p:cSld>
     <p:bg>
@@ -23850,7 +29120,7 @@
 </p:sld>
 </file>
 
-<file path=ppt/slides/slide13.xml><?xml version="1.0" encoding="utf-8"?>
+<file path=ppt/slides/slide23.xml><?xml version="1.0" encoding="utf-8"?>
 <p:sld xmlns:a="http://schemas.openxmlformats.org/drawingml/2006/main" xmlns:r="http://schemas.openxmlformats.org/officeDocument/2006/relationships" xmlns:p="http://schemas.openxmlformats.org/presentationml/2006/main">
   <p:cSld>
     <p:spTree>
@@ -24182,12 +29452,6 @@
               </a:rPr>
               <a:t>Windows</a:t>
             </a:r>
-            <a:endParaRPr lang="en-US" sz="2800" dirty="0" smtClean="0">
-              <a:solidFill>
-                <a:srgbClr val="333333"/>
-              </a:solidFill>
-              <a:cs typeface="Segoe UI" panose="020B0502040204020203" pitchFamily="34" charset="0"/>
-            </a:endParaRPr>
           </a:p>
         </p:txBody>
       </p:sp>
@@ -24211,7 +29475,7 @@
 </p:sld>
 </file>
 
-<file path=ppt/slides/slide14.xml><?xml version="1.0" encoding="utf-8"?>
+<file path=ppt/slides/slide24.xml><?xml version="1.0" encoding="utf-8"?>
 <p:sld xmlns:a="http://schemas.openxmlformats.org/drawingml/2006/main" xmlns:r="http://schemas.openxmlformats.org/officeDocument/2006/relationships" xmlns:p="http://schemas.openxmlformats.org/presentationml/2006/main">
   <p:cSld>
     <p:bg>
@@ -25324,7 +30588,7 @@
 </p:sld>
 </file>
 
-<file path=ppt/slides/slide15.xml><?xml version="1.0" encoding="utf-8"?>
+<file path=ppt/slides/slide25.xml><?xml version="1.0" encoding="utf-8"?>
 <p:sld xmlns:a="http://schemas.openxmlformats.org/drawingml/2006/main" xmlns:r="http://schemas.openxmlformats.org/officeDocument/2006/relationships" xmlns:p="http://schemas.openxmlformats.org/presentationml/2006/main">
   <p:cSld>
     <p:bg>
@@ -25730,7 +30994,7 @@
 </p:sld>
 </file>
 
-<file path=ppt/slides/slide16.xml><?xml version="1.0" encoding="utf-8"?>
+<file path=ppt/slides/slide26.xml><?xml version="1.0" encoding="utf-8"?>
 <p:sld xmlns:a="http://schemas.openxmlformats.org/drawingml/2006/main" xmlns:r="http://schemas.openxmlformats.org/officeDocument/2006/relationships" xmlns:p="http://schemas.openxmlformats.org/presentationml/2006/main">
   <p:cSld>
     <p:bg>
@@ -26062,7 +31326,7 @@
 </p:sld>
 </file>
 
-<file path=ppt/slides/slide17.xml><?xml version="1.0" encoding="utf-8"?>
+<file path=ppt/slides/slide27.xml><?xml version="1.0" encoding="utf-8"?>
 <p:sld xmlns:a="http://schemas.openxmlformats.org/drawingml/2006/main" xmlns:r="http://schemas.openxmlformats.org/officeDocument/2006/relationships" xmlns:p="http://schemas.openxmlformats.org/presentationml/2006/main">
   <p:cSld>
     <p:bg>
@@ -26810,7 +32074,7 @@
 </p:sld>
 </file>
 
-<file path=ppt/slides/slide18.xml><?xml version="1.0" encoding="utf-8"?>
+<file path=ppt/slides/slide28.xml><?xml version="1.0" encoding="utf-8"?>
 <p:sld xmlns:a="http://schemas.openxmlformats.org/drawingml/2006/main" xmlns:r="http://schemas.openxmlformats.org/officeDocument/2006/relationships" xmlns:p="http://schemas.openxmlformats.org/presentationml/2006/main">
   <p:cSld>
     <p:bg>
@@ -27248,7 +32512,7 @@
 </p:sld>
 </file>
 
-<file path=ppt/slides/slide19.xml><?xml version="1.0" encoding="utf-8"?>
+<file path=ppt/slides/slide29.xml><?xml version="1.0" encoding="utf-8"?>
 <p:sld xmlns:a="http://schemas.openxmlformats.org/drawingml/2006/main" xmlns:r="http://schemas.openxmlformats.org/officeDocument/2006/relationships" xmlns:p="http://schemas.openxmlformats.org/presentationml/2006/main">
   <p:cSld>
     <p:bg>
@@ -27401,8 +32665,8 @@
 </p:sld>
 </file>
 
-<file path=ppt/slides/slide2.xml><?xml version="1.0" encoding="utf-8"?>
-<p:sld xmlns:a="http://schemas.openxmlformats.org/drawingml/2006/main" xmlns:r="http://schemas.openxmlformats.org/officeDocument/2006/relationships" xmlns:p="http://schemas.openxmlformats.org/presentationml/2006/main" show="0">
+<file path=ppt/slides/slide3.xml><?xml version="1.0" encoding="utf-8"?>
+<p:sld xmlns:a="http://schemas.openxmlformats.org/drawingml/2006/main" xmlns:r="http://schemas.openxmlformats.org/officeDocument/2006/relationships" xmlns:p="http://schemas.openxmlformats.org/presentationml/2006/main">
   <p:cSld>
     <p:bg>
       <p:bgPr>
@@ -27458,409 +32722,126 @@
       </p:pic>
       <p:sp>
         <p:nvSpPr>
-          <p:cNvPr id="8" name="Rectangle 7"/>
-          <p:cNvSpPr/>
+          <p:cNvPr id="2" name="TextBox 1"/>
+          <p:cNvSpPr txBox="1"/>
           <p:nvPr/>
         </p:nvSpPr>
         <p:spPr>
           <a:xfrm>
-            <a:off x="376238" y="1684491"/>
-            <a:ext cx="11137900" cy="3539430"/>
+            <a:off x="669634" y="1595718"/>
+            <a:ext cx="3953262" cy="769441"/>
           </a:xfrm>
           <a:prstGeom prst="rect">
             <a:avLst/>
           </a:prstGeom>
+          <a:noFill/>
         </p:spPr>
         <p:txBody>
-          <a:bodyPr wrap="square">
+          <a:bodyPr wrap="none" rtlCol="0">
             <a:spAutoFit/>
           </a:bodyPr>
           <a:lstStyle/>
           <a:p>
-            <a:pPr marL="457200" indent="-457200">
-              <a:buFontTx/>
-              <a:buChar char="-"/>
-            </a:pPr>
-            <a:r>
-              <a:rPr lang="en-US" sz="1600" dirty="0" err="1" smtClean="0">
+            <a:r>
+              <a:rPr lang="en-US" sz="4400" dirty="0" smtClean="0">
                 <a:solidFill>
-                  <a:srgbClr val="333333"/>
+                  <a:prstClr val="black"/>
                 </a:solidFill>
-                <a:latin typeface="Source Sans Pro"/>
               </a:rPr>
-              <a:t>Plaforma</a:t>
-            </a:r>
-            <a:r>
-              <a:rPr lang="en-US" sz="1600" dirty="0" smtClean="0">
-                <a:solidFill>
-                  <a:srgbClr val="333333"/>
-                </a:solidFill>
-                <a:latin typeface="Source Sans Pro"/>
-              </a:rPr>
-              <a:t> Azure App Services</a:t>
-            </a:r>
-            <a:endParaRPr lang="en-US" sz="1600" dirty="0">
+              <a:t>Azure Web Apps</a:t>
+            </a:r>
+            <a:endParaRPr lang="en-US" sz="4400" dirty="0">
               <a:solidFill>
                 <a:prstClr val="black"/>
               </a:solidFill>
             </a:endParaRPr>
           </a:p>
-          <a:p>
-            <a:pPr marL="914400" lvl="1" indent="-457200">
-              <a:buFontTx/>
-              <a:buChar char="-"/>
+        </p:txBody>
+      </p:sp>
+      <p:sp>
+        <p:nvSpPr>
+          <p:cNvPr id="3" name="TextBox 2"/>
+          <p:cNvSpPr txBox="1"/>
+          <p:nvPr/>
+        </p:nvSpPr>
+        <p:spPr>
+          <a:xfrm>
+            <a:off x="669634" y="3585882"/>
+            <a:ext cx="5964248" cy="1200329"/>
+          </a:xfrm>
+          <a:prstGeom prst="rect">
+            <a:avLst/>
+          </a:prstGeom>
+          <a:noFill/>
+        </p:spPr>
+        <p:txBody>
+          <a:bodyPr wrap="square" rtlCol="0">
+            <a:spAutoFit/>
+          </a:bodyPr>
+          <a:lstStyle/>
+          <a:p>
+            <a:pPr marL="285750" indent="-285750">
+              <a:buFont typeface="Arial" charset="0"/>
+              <a:buChar char="•"/>
             </a:pPr>
             <a:r>
-              <a:rPr lang="en-US" sz="1600" dirty="0" smtClean="0">
+              <a:rPr lang="en-US" sz="3600" dirty="0" smtClean="0">
                 <a:solidFill>
-                  <a:srgbClr val="333333"/>
+                  <a:prstClr val="black"/>
                 </a:solidFill>
-                <a:latin typeface="Source Sans Pro"/>
               </a:rPr>
-              <a:t>Ce </a:t>
-            </a:r>
-            <a:r>
-              <a:rPr lang="en-US" sz="1600" dirty="0" err="1" smtClean="0">
+              <a:t>What is </a:t>
+            </a:r>
+            <a:r>
+              <a:rPr lang="en-US" sz="3600" dirty="0" err="1" smtClean="0">
                 <a:solidFill>
-                  <a:srgbClr val="333333"/>
+                  <a:prstClr val="black"/>
                 </a:solidFill>
-                <a:latin typeface="Source Sans Pro"/>
               </a:rPr>
-              <a:t>este</a:t>
-            </a:r>
-            <a:r>
-              <a:rPr lang="en-US" sz="1600" dirty="0" smtClean="0">
+              <a:t>PaaS</a:t>
+            </a:r>
+            <a:r>
+              <a:rPr lang="en-US" sz="3600" dirty="0" smtClean="0">
                 <a:solidFill>
-                  <a:srgbClr val="333333"/>
+                  <a:prstClr val="black"/>
                 </a:solidFill>
-                <a:latin typeface="Source Sans Pro"/>
-              </a:rPr>
-              <a:t> PaaS?</a:t>
-            </a:r>
-          </a:p>
-          <a:p>
-            <a:pPr marL="914400" lvl="1" indent="-457200">
-              <a:buFontTx/>
-              <a:buChar char="-"/>
-            </a:pPr>
-            <a:r>
-              <a:rPr lang="en-US" sz="1600" dirty="0" err="1" smtClean="0">
-                <a:solidFill>
-                  <a:srgbClr val="ED7D31">
-                    <a:lumMod val="75000"/>
-                  </a:srgbClr>
-                </a:solidFill>
-                <a:latin typeface="Source Sans Pro"/>
-              </a:rPr>
-              <a:t>WebDeploy</a:t>
-            </a:r>
-            <a:endParaRPr lang="en-US" sz="1600" dirty="0" smtClean="0">
-              <a:solidFill>
-                <a:srgbClr val="ED7D31">
-                  <a:lumMod val="75000"/>
-                </a:srgbClr>
-              </a:solidFill>
-              <a:latin typeface="Source Sans Pro"/>
-            </a:endParaRPr>
-          </a:p>
-          <a:p>
-            <a:pPr marL="914400" lvl="1" indent="-457200">
-              <a:buFontTx/>
-              <a:buChar char="-"/>
-            </a:pPr>
-            <a:r>
-              <a:rPr lang="en-US" sz="1600" dirty="0" smtClean="0">
-                <a:solidFill>
-                  <a:srgbClr val="333333"/>
-                </a:solidFill>
-                <a:latin typeface="Source Sans Pro"/>
-              </a:rPr>
-              <a:t>Deployment slots</a:t>
-            </a:r>
-          </a:p>
-          <a:p>
-            <a:pPr marL="914400" lvl="1" indent="-457200">
-              <a:buFontTx/>
-              <a:buChar char="-"/>
-            </a:pPr>
-            <a:r>
-              <a:rPr lang="en-US" sz="1600" dirty="0" smtClean="0">
-                <a:solidFill>
-                  <a:srgbClr val="333333"/>
-                </a:solidFill>
-                <a:latin typeface="Source Sans Pro"/>
-              </a:rPr>
-              <a:t>Continuous Integration</a:t>
-            </a:r>
-          </a:p>
-          <a:p>
-            <a:pPr marL="914400" lvl="1" indent="-457200">
-              <a:buFontTx/>
-              <a:buChar char="-"/>
-            </a:pPr>
-            <a:r>
-              <a:rPr lang="en-US" sz="1600" dirty="0" smtClean="0">
-                <a:solidFill>
-                  <a:srgbClr val="333333"/>
-                </a:solidFill>
-                <a:latin typeface="Source Sans Pro"/>
-              </a:rPr>
-              <a:t>Auto healing</a:t>
-            </a:r>
-          </a:p>
-          <a:p>
-            <a:pPr marL="914400" lvl="1" indent="-457200">
-              <a:buFontTx/>
-              <a:buChar char="-"/>
-            </a:pPr>
-            <a:r>
-              <a:rPr lang="en-US" sz="1600" dirty="0" smtClean="0">
-                <a:solidFill>
-                  <a:srgbClr val="333333"/>
-                </a:solidFill>
-                <a:latin typeface="Source Sans Pro"/>
-              </a:rPr>
-              <a:t>Scaling</a:t>
-            </a:r>
-          </a:p>
-          <a:p>
-            <a:pPr marL="914400" lvl="1" indent="-457200">
-              <a:buFontTx/>
-              <a:buChar char="-"/>
-            </a:pPr>
-            <a:r>
-              <a:rPr lang="en-US" sz="1600" dirty="0" smtClean="0">
-                <a:solidFill>
-                  <a:srgbClr val="333333"/>
-                </a:solidFill>
-                <a:latin typeface="Source Sans Pro"/>
-              </a:rPr>
-              <a:t>Traffic Manager</a:t>
-            </a:r>
-          </a:p>
-          <a:p>
-            <a:pPr marL="914400" lvl="1" indent="-457200">
-              <a:buFontTx/>
-              <a:buChar char="-"/>
-            </a:pPr>
-            <a:endParaRPr lang="en-US" sz="1600" dirty="0">
-              <a:solidFill>
-                <a:srgbClr val="333333"/>
-              </a:solidFill>
-              <a:latin typeface="Source Sans Pro"/>
-            </a:endParaRPr>
-          </a:p>
-          <a:p>
-            <a:pPr lvl="1"/>
-            <a:r>
-              <a:rPr lang="en-US" sz="1600" dirty="0" smtClean="0">
-                <a:solidFill>
-                  <a:srgbClr val="333333"/>
-                </a:solidFill>
-                <a:latin typeface="Source Sans Pro"/>
-              </a:rPr>
-              <a:t>NODE</a:t>
-            </a:r>
-          </a:p>
-          <a:p>
-            <a:pPr marL="742950" lvl="1" indent="-285750">
-              <a:buFontTx/>
-              <a:buChar char="-"/>
-            </a:pPr>
-            <a:r>
-              <a:rPr lang="en-US" sz="1600" dirty="0" smtClean="0">
-                <a:solidFill>
-                  <a:srgbClr val="333333"/>
-                </a:solidFill>
-                <a:latin typeface="Source Sans Pro"/>
-              </a:rPr>
-              <a:t>Ce </a:t>
-            </a:r>
-            <a:r>
-              <a:rPr lang="en-US" sz="1600" dirty="0" err="1" smtClean="0">
-                <a:solidFill>
-                  <a:srgbClr val="333333"/>
-                </a:solidFill>
-                <a:latin typeface="Source Sans Pro"/>
-              </a:rPr>
-              <a:t>este</a:t>
-            </a:r>
-            <a:r>
-              <a:rPr lang="en-US" sz="1600" dirty="0" smtClean="0">
-                <a:solidFill>
-                  <a:srgbClr val="333333"/>
-                </a:solidFill>
-                <a:latin typeface="Source Sans Pro"/>
               </a:rPr>
               <a:t>?</a:t>
             </a:r>
           </a:p>
           <a:p>
-            <a:pPr marL="742950" lvl="1" indent="-285750">
-              <a:buFontTx/>
-              <a:buChar char="-"/>
+            <a:pPr marL="285750" indent="-285750">
+              <a:buFont typeface="Arial" charset="0"/>
+              <a:buChar char="•"/>
             </a:pPr>
             <a:r>
-              <a:rPr lang="en-US" sz="1600" dirty="0" smtClean="0">
+              <a:rPr lang="en-US" sz="3600" dirty="0" smtClean="0">
                 <a:solidFill>
-                  <a:srgbClr val="333333"/>
+                  <a:prstClr val="black"/>
                 </a:solidFill>
-                <a:latin typeface="Source Sans Pro"/>
               </a:rPr>
-              <a:t>De </a:t>
-            </a:r>
-            <a:r>
-              <a:rPr lang="en-US" sz="1600" dirty="0" err="1" smtClean="0">
+              <a:t>Why choose </a:t>
+            </a:r>
+            <a:r>
+              <a:rPr lang="en-US" sz="3600" dirty="0" err="1" smtClean="0">
                 <a:solidFill>
-                  <a:srgbClr val="333333"/>
+                  <a:prstClr val="black"/>
                 </a:solidFill>
-                <a:latin typeface="Source Sans Pro"/>
               </a:rPr>
-              <a:t>ce</a:t>
-            </a:r>
-            <a:r>
-              <a:rPr lang="en-US" sz="1600" dirty="0" smtClean="0">
+              <a:t>PaaS</a:t>
+            </a:r>
+            <a:r>
+              <a:rPr lang="en-US" sz="3600" dirty="0" smtClean="0">
                 <a:solidFill>
-                  <a:srgbClr val="333333"/>
+                  <a:prstClr val="black"/>
                 </a:solidFill>
-                <a:latin typeface="Source Sans Pro"/>
-              </a:rPr>
-              <a:t>, </a:t>
-            </a:r>
-            <a:r>
-              <a:rPr lang="en-US" sz="1600" dirty="0" err="1" smtClean="0">
-                <a:solidFill>
-                  <a:srgbClr val="333333"/>
-                </a:solidFill>
-                <a:latin typeface="Source Sans Pro"/>
-              </a:rPr>
-              <a:t>pentru</a:t>
-            </a:r>
-            <a:r>
-              <a:rPr lang="en-US" sz="1600" dirty="0" smtClean="0">
-                <a:solidFill>
-                  <a:srgbClr val="333333"/>
-                </a:solidFill>
-                <a:latin typeface="Source Sans Pro"/>
-              </a:rPr>
-              <a:t> </a:t>
-            </a:r>
-            <a:r>
-              <a:rPr lang="en-US" sz="1600" dirty="0" err="1" smtClean="0">
-                <a:solidFill>
-                  <a:srgbClr val="333333"/>
-                </a:solidFill>
-                <a:latin typeface="Source Sans Pro"/>
-              </a:rPr>
-              <a:t>ce</a:t>
-            </a:r>
-            <a:r>
-              <a:rPr lang="en-US" sz="1600" dirty="0" smtClean="0">
-                <a:solidFill>
-                  <a:srgbClr val="333333"/>
-                </a:solidFill>
-                <a:latin typeface="Source Sans Pro"/>
               </a:rPr>
               <a:t>?</a:t>
             </a:r>
-          </a:p>
-          <a:p>
-            <a:pPr marL="742950" lvl="1" indent="-285750">
-              <a:buFontTx/>
-              <a:buChar char="-"/>
-            </a:pPr>
-            <a:r>
-              <a:rPr lang="en-US" sz="1600" dirty="0" smtClean="0">
-                <a:solidFill>
-                  <a:srgbClr val="333333"/>
-                </a:solidFill>
-                <a:latin typeface="Source Sans Pro"/>
-              </a:rPr>
-              <a:t>Cross-platform – </a:t>
-            </a:r>
-            <a:r>
-              <a:rPr lang="en-US" sz="1600" dirty="0" err="1" smtClean="0">
-                <a:solidFill>
-                  <a:srgbClr val="333333"/>
-                </a:solidFill>
-                <a:latin typeface="Source Sans Pro"/>
-              </a:rPr>
-              <a:t>diferenta</a:t>
-            </a:r>
-            <a:r>
-              <a:rPr lang="en-US" sz="1600" dirty="0" smtClean="0">
-                <a:solidFill>
-                  <a:srgbClr val="333333"/>
-                </a:solidFill>
-                <a:latin typeface="Source Sans Pro"/>
-              </a:rPr>
-              <a:t> </a:t>
-            </a:r>
-            <a:r>
-              <a:rPr lang="en-US" sz="1600" dirty="0" err="1" smtClean="0">
-                <a:solidFill>
-                  <a:srgbClr val="333333"/>
-                </a:solidFill>
-                <a:latin typeface="Source Sans Pro"/>
-              </a:rPr>
-              <a:t>arhitectura</a:t>
-            </a:r>
-            <a:r>
-              <a:rPr lang="en-US" sz="1600" dirty="0" smtClean="0">
-                <a:solidFill>
-                  <a:srgbClr val="333333"/>
-                </a:solidFill>
-                <a:latin typeface="Source Sans Pro"/>
-              </a:rPr>
-              <a:t> </a:t>
-            </a:r>
-            <a:r>
-              <a:rPr lang="en-US" sz="1600" dirty="0" err="1" smtClean="0">
-                <a:solidFill>
-                  <a:srgbClr val="333333"/>
-                </a:solidFill>
-                <a:latin typeface="Source Sans Pro"/>
-              </a:rPr>
-              <a:t>pe</a:t>
-            </a:r>
-            <a:r>
-              <a:rPr lang="en-US" sz="1600" dirty="0" smtClean="0">
-                <a:solidFill>
-                  <a:srgbClr val="333333"/>
-                </a:solidFill>
-                <a:latin typeface="Source Sans Pro"/>
-              </a:rPr>
-              <a:t> diverse </a:t>
-            </a:r>
-            <a:r>
-              <a:rPr lang="en-US" sz="1600" dirty="0" err="1" smtClean="0">
-                <a:solidFill>
-                  <a:srgbClr val="333333"/>
-                </a:solidFill>
-                <a:latin typeface="Source Sans Pro"/>
-              </a:rPr>
-              <a:t>platforme</a:t>
-            </a:r>
-            <a:r>
-              <a:rPr lang="en-US" sz="1600" dirty="0" smtClean="0">
-                <a:solidFill>
-                  <a:srgbClr val="333333"/>
-                </a:solidFill>
-                <a:latin typeface="Source Sans Pro"/>
-              </a:rPr>
-              <a:t> (Linux, Win32)</a:t>
-            </a:r>
-          </a:p>
-          <a:p>
-            <a:pPr marL="742950" lvl="1" indent="-285750">
-              <a:buFontTx/>
-              <a:buChar char="-"/>
-            </a:pPr>
-            <a:endParaRPr lang="en-US" sz="1600" dirty="0">
+            <a:endParaRPr lang="en-US" sz="3600" dirty="0">
               <a:solidFill>
-                <a:srgbClr val="333333"/>
+                <a:prstClr val="black"/>
               </a:solidFill>
-              <a:latin typeface="Source Sans Pro"/>
             </a:endParaRPr>
           </a:p>
         </p:txBody>
@@ -27868,21 +32849,13 @@
     </p:spTree>
     <p:extLst>
       <p:ext uri="{BB962C8B-B14F-4D97-AF65-F5344CB8AC3E}">
-        <p14:creationId xmlns:p14="http://schemas.microsoft.com/office/powerpoint/2010/main" val="3967245585"/>
+        <p14:creationId xmlns:p14="http://schemas.microsoft.com/office/powerpoint/2010/main" val="145448824"/>
       </p:ext>
     </p:extLst>
   </p:cSld>
   <p:clrMapOvr>
     <a:masterClrMapping/>
   </p:clrMapOvr>
-  <mc:AlternateContent xmlns:mc="http://schemas.openxmlformats.org/markup-compatibility/2006">
-    <mc:Choice xmlns:p14="http://schemas.microsoft.com/office/powerpoint/2010/main" Requires="p14">
-      <p:transition spd="slow" p14:dur="2000"/>
-    </mc:Choice>
-    <mc:Fallback>
-      <p:transition spd="slow"/>
-    </mc:Fallback>
-  </mc:AlternateContent>
   <p:timing>
     <p:tnLst>
       <p:par>
@@ -27893,7 +32866,7 @@
 </p:sld>
 </file>
 
-<file path=ppt/slides/slide20.xml><?xml version="1.0" encoding="utf-8"?>
+<file path=ppt/slides/slide30.xml><?xml version="1.0" encoding="utf-8"?>
 <p:sld xmlns:a="http://schemas.openxmlformats.org/drawingml/2006/main" xmlns:r="http://schemas.openxmlformats.org/officeDocument/2006/relationships" xmlns:p="http://schemas.openxmlformats.org/presentationml/2006/main">
   <p:cSld>
     <p:bg>
@@ -28063,7 +33036,7 @@
 </p:sld>
 </file>
 
-<file path=ppt/slides/slide21.xml><?xml version="1.0" encoding="utf-8"?>
+<file path=ppt/slides/slide31.xml><?xml version="1.0" encoding="utf-8"?>
 <p:sld xmlns:a="http://schemas.openxmlformats.org/drawingml/2006/main" xmlns:r="http://schemas.openxmlformats.org/officeDocument/2006/relationships" xmlns:p="http://schemas.openxmlformats.org/presentationml/2006/main">
   <p:cSld>
     <p:bg>
@@ -28161,7 +33134,7 @@
 </p:sld>
 </file>
 
-<file path=ppt/slides/slide22.xml><?xml version="1.0" encoding="utf-8"?>
+<file path=ppt/slides/slide32.xml><?xml version="1.0" encoding="utf-8"?>
 <p:sld xmlns:a="http://schemas.openxmlformats.org/drawingml/2006/main" xmlns:r="http://schemas.openxmlformats.org/officeDocument/2006/relationships" xmlns:p="http://schemas.openxmlformats.org/presentationml/2006/main">
   <p:cSld>
     <p:bg>
@@ -28314,7 +33287,7 @@
 </p:sld>
 </file>
 
-<file path=ppt/slides/slide23.xml><?xml version="1.0" encoding="utf-8"?>
+<file path=ppt/slides/slide33.xml><?xml version="1.0" encoding="utf-8"?>
 <p:sld xmlns:a="http://schemas.openxmlformats.org/drawingml/2006/main" xmlns:r="http://schemas.openxmlformats.org/officeDocument/2006/relationships" xmlns:p="http://schemas.openxmlformats.org/presentationml/2006/main">
   <p:cSld>
     <p:bg>
@@ -28848,7 +33821,7 @@
 </p:sld>
 </file>
 
-<file path=ppt/slides/slide24.xml><?xml version="1.0" encoding="utf-8"?>
+<file path=ppt/slides/slide34.xml><?xml version="1.0" encoding="utf-8"?>
 <p:sld xmlns:a="http://schemas.openxmlformats.org/drawingml/2006/main" xmlns:r="http://schemas.openxmlformats.org/officeDocument/2006/relationships" xmlns:p="http://schemas.openxmlformats.org/presentationml/2006/main">
   <p:cSld>
     <p:bg>
@@ -29856,7 +34829,7 @@
 </p:sld>
 </file>
 
-<file path=ppt/slides/slide25.xml><?xml version="1.0" encoding="utf-8"?>
+<file path=ppt/slides/slide35.xml><?xml version="1.0" encoding="utf-8"?>
 <p:sld xmlns:a="http://schemas.openxmlformats.org/drawingml/2006/main" xmlns:r="http://schemas.openxmlformats.org/officeDocument/2006/relationships" xmlns:p="http://schemas.openxmlformats.org/presentationml/2006/main">
   <p:cSld>
     <p:bg>
@@ -30710,7 +35683,7 @@
 </p:sld>
 </file>
 
-<file path=ppt/slides/slide26.xml><?xml version="1.0" encoding="utf-8"?>
+<file path=ppt/slides/slide36.xml><?xml version="1.0" encoding="utf-8"?>
 <p:sld xmlns:a="http://schemas.openxmlformats.org/drawingml/2006/main" xmlns:r="http://schemas.openxmlformats.org/officeDocument/2006/relationships" xmlns:p="http://schemas.openxmlformats.org/presentationml/2006/main">
   <p:cSld>
     <p:bg>
@@ -30785,7 +35758,158 @@
 </p:sld>
 </file>
 
-<file path=ppt/slides/slide3.xml><?xml version="1.0" encoding="utf-8"?>
+<file path=ppt/slides/slide4.xml><?xml version="1.0" encoding="utf-8"?>
+<p:sld xmlns:a="http://schemas.openxmlformats.org/drawingml/2006/main" xmlns:r="http://schemas.openxmlformats.org/officeDocument/2006/relationships" xmlns:p="http://schemas.openxmlformats.org/presentationml/2006/main">
+  <p:cSld>
+    <p:bg>
+      <p:bgPr>
+        <a:solidFill>
+          <a:schemeClr val="bg1"/>
+        </a:solidFill>
+        <a:effectLst/>
+      </p:bgPr>
+    </p:bg>
+    <p:spTree>
+      <p:nvGrpSpPr>
+        <p:cNvPr id="1" name=""/>
+        <p:cNvGrpSpPr/>
+        <p:nvPr/>
+      </p:nvGrpSpPr>
+      <p:grpSpPr>
+        <a:xfrm>
+          <a:off x="0" y="0"/>
+          <a:ext cx="0" cy="0"/>
+          <a:chOff x="0" y="0"/>
+          <a:chExt cx="0" cy="0"/>
+        </a:xfrm>
+      </p:grpSpPr>
+      <p:pic>
+        <p:nvPicPr>
+          <p:cNvPr id="4" name="Picture 3"/>
+          <p:cNvPicPr>
+            <a:picLocks noChangeAspect="1"/>
+          </p:cNvPicPr>
+          <p:nvPr/>
+        </p:nvPicPr>
+        <p:blipFill>
+          <a:blip r:embed="rId2">
+            <a:extLst>
+              <a:ext uri="{28A0092B-C50C-407E-A947-70E740481C1C}">
+                <a14:useLocalDpi xmlns:a14="http://schemas.microsoft.com/office/drawing/2010/main" val="0"/>
+              </a:ext>
+            </a:extLst>
+          </a:blip>
+          <a:stretch>
+            <a:fillRect/>
+          </a:stretch>
+        </p:blipFill>
+        <p:spPr>
+          <a:xfrm>
+            <a:off x="0" y="0"/>
+            <a:ext cx="12195961" cy="1106905"/>
+          </a:xfrm>
+          <a:prstGeom prst="rect">
+            <a:avLst/>
+          </a:prstGeom>
+        </p:spPr>
+      </p:pic>
+      <p:sp>
+        <p:nvSpPr>
+          <p:cNvPr id="2" name="TextBox 1"/>
+          <p:cNvSpPr txBox="1"/>
+          <p:nvPr/>
+        </p:nvSpPr>
+        <p:spPr>
+          <a:xfrm>
+            <a:off x="669634" y="1595718"/>
+            <a:ext cx="3953262" cy="769441"/>
+          </a:xfrm>
+          <a:prstGeom prst="rect">
+            <a:avLst/>
+          </a:prstGeom>
+          <a:noFill/>
+        </p:spPr>
+        <p:txBody>
+          <a:bodyPr wrap="none" rtlCol="0">
+            <a:spAutoFit/>
+          </a:bodyPr>
+          <a:lstStyle/>
+          <a:p>
+            <a:r>
+              <a:rPr lang="en-US" sz="4400" dirty="0" smtClean="0">
+                <a:solidFill>
+                  <a:prstClr val="black"/>
+                </a:solidFill>
+              </a:rPr>
+              <a:t>Azure Web Apps</a:t>
+            </a:r>
+            <a:endParaRPr lang="en-US" sz="4400" dirty="0">
+              <a:solidFill>
+                <a:prstClr val="black"/>
+              </a:solidFill>
+            </a:endParaRPr>
+          </a:p>
+        </p:txBody>
+      </p:sp>
+      <p:sp>
+        <p:nvSpPr>
+          <p:cNvPr id="3" name="TextBox 2"/>
+          <p:cNvSpPr txBox="1"/>
+          <p:nvPr/>
+        </p:nvSpPr>
+        <p:spPr>
+          <a:xfrm>
+            <a:off x="669634" y="3585882"/>
+            <a:ext cx="6286977" cy="646331"/>
+          </a:xfrm>
+          <a:prstGeom prst="rect">
+            <a:avLst/>
+          </a:prstGeom>
+          <a:noFill/>
+        </p:spPr>
+        <p:txBody>
+          <a:bodyPr wrap="square" rtlCol="0">
+            <a:spAutoFit/>
+          </a:bodyPr>
+          <a:lstStyle/>
+          <a:p>
+            <a:r>
+              <a:rPr lang="en-US" sz="3600" dirty="0" smtClean="0">
+                <a:solidFill>
+                  <a:prstClr val="black"/>
+                </a:solidFill>
+              </a:rPr>
+              <a:t>Demo</a:t>
+            </a:r>
+            <a:endParaRPr lang="en-US" sz="3600" dirty="0">
+              <a:solidFill>
+                <a:prstClr val="black"/>
+              </a:solidFill>
+            </a:endParaRPr>
+          </a:p>
+        </p:txBody>
+      </p:sp>
+    </p:spTree>
+    <p:extLst>
+      <p:ext uri="{BB962C8B-B14F-4D97-AF65-F5344CB8AC3E}">
+        <p14:creationId xmlns:p14="http://schemas.microsoft.com/office/powerpoint/2010/main" val="4240160399"/>
+      </p:ext>
+    </p:extLst>
+  </p:cSld>
+  <p:clrMapOvr>
+    <a:masterClrMapping/>
+  </p:clrMapOvr>
+  <p:timing>
+    <p:tnLst>
+      <p:par>
+        <p:cTn id="1" dur="indefinite" restart="never" nodeType="tmRoot"/>
+      </p:par>
+    </p:tnLst>
+  </p:timing>
+</p:sld>
+</file>
+
+<file path=ppt/slides/slide5.xml><?xml version="1.0" encoding="utf-8"?>
 <p:sld xmlns:a="http://schemas.openxmlformats.org/drawingml/2006/main" xmlns:r="http://schemas.openxmlformats.org/officeDocument/2006/relationships" xmlns:p="http://schemas.openxmlformats.org/presentationml/2006/main">
   <p:cSld>
     <p:spTree>
@@ -33465,7 +38589,7 @@
     </p:spTree>
     <p:extLst>
       <p:ext uri="{BB962C8B-B14F-4D97-AF65-F5344CB8AC3E}">
-        <p14:creationId xmlns:p14="http://schemas.microsoft.com/office/powerpoint/2010/main" val="3799272462"/>
+        <p14:creationId xmlns:p14="http://schemas.microsoft.com/office/powerpoint/2010/main" val="1383271511"/>
       </p:ext>
     </p:extLst>
   </p:cSld>
@@ -33494,7 +38618,7 @@
 </p:sld>
 </file>
 
-<file path=ppt/slides/slide4.xml><?xml version="1.0" encoding="utf-8"?>
+<file path=ppt/slides/slide6.xml><?xml version="1.0" encoding="utf-8"?>
 <p:sld xmlns:a="http://schemas.openxmlformats.org/drawingml/2006/main" xmlns:r="http://schemas.openxmlformats.org/officeDocument/2006/relationships" xmlns:p="http://schemas.openxmlformats.org/presentationml/2006/main">
   <p:cSld>
     <p:spTree>
@@ -33576,7 +38700,7 @@
     </p:spTree>
     <p:extLst>
       <p:ext uri="{BB962C8B-B14F-4D97-AF65-F5344CB8AC3E}">
-        <p14:creationId xmlns:p14="http://schemas.microsoft.com/office/powerpoint/2010/main" val="3944587409"/>
+        <p14:creationId xmlns:p14="http://schemas.microsoft.com/office/powerpoint/2010/main" val="200230609"/>
       </p:ext>
     </p:extLst>
   </p:cSld>
@@ -33599,2013 +38723,6 @@
     <p:tnLst>
       <p:par>
         <p:cTn id="1" dur="indefinite" restart="never" nodeType="tmRoot"/>
-      </p:par>
-    </p:tnLst>
-  </p:timing>
-</p:sld>
-</file>
-
-<file path=ppt/slides/slide5.xml><?xml version="1.0" encoding="utf-8"?>
-<p:sld xmlns:a="http://schemas.openxmlformats.org/drawingml/2006/main" xmlns:r="http://schemas.openxmlformats.org/officeDocument/2006/relationships" xmlns:p="http://schemas.openxmlformats.org/presentationml/2006/main">
-  <p:cSld>
-    <p:spTree>
-      <p:nvGrpSpPr>
-        <p:cNvPr id="1" name=""/>
-        <p:cNvGrpSpPr/>
-        <p:nvPr/>
-      </p:nvGrpSpPr>
-      <p:grpSpPr>
-        <a:xfrm>
-          <a:off x="0" y="0"/>
-          <a:ext cx="0" cy="0"/>
-          <a:chOff x="0" y="0"/>
-          <a:chExt cx="0" cy="0"/>
-        </a:xfrm>
-      </p:grpSpPr>
-      <p:pic>
-        <p:nvPicPr>
-          <p:cNvPr id="37" name="Picture 36"/>
-          <p:cNvPicPr>
-            <a:picLocks noChangeAspect="1"/>
-          </p:cNvPicPr>
-          <p:nvPr/>
-        </p:nvPicPr>
-        <p:blipFill>
-          <a:blip r:embed="rId2"/>
-          <a:stretch>
-            <a:fillRect/>
-          </a:stretch>
-        </p:blipFill>
-        <p:spPr>
-          <a:xfrm>
-            <a:off x="5276829" y="-372994"/>
-            <a:ext cx="7263040" cy="4705631"/>
-          </a:xfrm>
-          <a:prstGeom prst="rect">
-            <a:avLst/>
-          </a:prstGeom>
-        </p:spPr>
-      </p:pic>
-      <p:pic>
-        <p:nvPicPr>
-          <p:cNvPr id="2" name="Picture 1"/>
-          <p:cNvPicPr>
-            <a:picLocks noChangeAspect="1"/>
-          </p:cNvPicPr>
-          <p:nvPr/>
-        </p:nvPicPr>
-        <p:blipFill>
-          <a:blip r:embed="rId3"/>
-          <a:stretch>
-            <a:fillRect/>
-          </a:stretch>
-        </p:blipFill>
-        <p:spPr>
-          <a:xfrm>
-            <a:off x="2010390" y="672463"/>
-            <a:ext cx="9418854" cy="6089435"/>
-          </a:xfrm>
-          <a:prstGeom prst="rect">
-            <a:avLst/>
-          </a:prstGeom>
-        </p:spPr>
-      </p:pic>
-      <p:grpSp>
-        <p:nvGrpSpPr>
-          <p:cNvPr id="56" name="Group 55"/>
-          <p:cNvGrpSpPr/>
-          <p:nvPr/>
-        </p:nvGrpSpPr>
-        <p:grpSpPr>
-          <a:xfrm>
-            <a:off x="3716781" y="-337643"/>
-            <a:ext cx="2775445" cy="4134168"/>
-            <a:chOff x="3719625" y="-351356"/>
-            <a:chExt cx="2775838" cy="4134755"/>
-          </a:xfrm>
-        </p:grpSpPr>
-        <p:pic>
-          <p:nvPicPr>
-            <p:cNvPr id="57" name="Picture 56"/>
-            <p:cNvPicPr>
-              <a:picLocks noChangeAspect="1"/>
-            </p:cNvPicPr>
-            <p:nvPr/>
-          </p:nvPicPr>
-          <p:blipFill>
-            <a:blip r:embed="rId4"/>
-            <a:stretch>
-              <a:fillRect/>
-            </a:stretch>
-          </p:blipFill>
-          <p:spPr>
-            <a:xfrm>
-              <a:off x="3719625" y="-351356"/>
-              <a:ext cx="2775838" cy="4134755"/>
-            </a:xfrm>
-            <a:prstGeom prst="rect">
-              <a:avLst/>
-            </a:prstGeom>
-          </p:spPr>
-        </p:pic>
-        <p:pic>
-          <p:nvPicPr>
-            <p:cNvPr id="58" name="Picture 57"/>
-            <p:cNvPicPr>
-              <a:picLocks noChangeAspect="1"/>
-            </p:cNvPicPr>
-            <p:nvPr/>
-          </p:nvPicPr>
-          <p:blipFill>
-            <a:blip r:embed="rId5"/>
-            <a:stretch>
-              <a:fillRect/>
-            </a:stretch>
-          </p:blipFill>
-          <p:spPr>
-            <a:xfrm>
-              <a:off x="4484016" y="1290841"/>
-              <a:ext cx="979669" cy="1295431"/>
-            </a:xfrm>
-            <a:prstGeom prst="rect">
-              <a:avLst/>
-            </a:prstGeom>
-          </p:spPr>
-        </p:pic>
-      </p:grpSp>
-      <p:pic>
-        <p:nvPicPr>
-          <p:cNvPr id="30" name="Picture 29"/>
-          <p:cNvPicPr>
-            <a:picLocks noChangeAspect="1"/>
-          </p:cNvPicPr>
-          <p:nvPr/>
-        </p:nvPicPr>
-        <p:blipFill>
-          <a:blip r:embed="rId6">
-            <a:lum bright="-40000" contrast="-40000"/>
-          </a:blip>
-          <a:stretch>
-            <a:fillRect/>
-          </a:stretch>
-        </p:blipFill>
-        <p:spPr>
-          <a:xfrm>
-            <a:off x="6609431" y="487"/>
-            <a:ext cx="5581706" cy="3613545"/>
-          </a:xfrm>
-          <a:prstGeom prst="rect">
-            <a:avLst/>
-          </a:prstGeom>
-        </p:spPr>
-      </p:pic>
-      <p:pic>
-        <p:nvPicPr>
-          <p:cNvPr id="3" name="Picture 2"/>
-          <p:cNvPicPr>
-            <a:picLocks noChangeAspect="1"/>
-          </p:cNvPicPr>
-          <p:nvPr/>
-        </p:nvPicPr>
-        <p:blipFill>
-          <a:blip r:embed="rId7"/>
-          <a:stretch>
-            <a:fillRect/>
-          </a:stretch>
-        </p:blipFill>
-        <p:spPr>
-          <a:xfrm>
-            <a:off x="8087206" y="1636456"/>
-            <a:ext cx="1506294" cy="978611"/>
-          </a:xfrm>
-          <a:prstGeom prst="rect">
-            <a:avLst/>
-          </a:prstGeom>
-        </p:spPr>
-      </p:pic>
-      <p:pic>
-        <p:nvPicPr>
-          <p:cNvPr id="50" name="Picture 49"/>
-          <p:cNvPicPr>
-            <a:picLocks noChangeAspect="1"/>
-          </p:cNvPicPr>
-          <p:nvPr/>
-        </p:nvPicPr>
-        <p:blipFill>
-          <a:blip r:embed="rId8"/>
-          <a:stretch>
-            <a:fillRect/>
-          </a:stretch>
-        </p:blipFill>
-        <p:spPr>
-          <a:xfrm>
-            <a:off x="8086936" y="1636456"/>
-            <a:ext cx="1507286" cy="978611"/>
-          </a:xfrm>
-          <a:prstGeom prst="rect">
-            <a:avLst/>
-          </a:prstGeom>
-        </p:spPr>
-      </p:pic>
-      <p:grpSp>
-        <p:nvGrpSpPr>
-          <p:cNvPr id="51" name="Group 50"/>
-          <p:cNvGrpSpPr/>
-          <p:nvPr/>
-        </p:nvGrpSpPr>
-        <p:grpSpPr>
-          <a:xfrm>
-            <a:off x="6607004" y="1610572"/>
-            <a:ext cx="2770894" cy="4119120"/>
-            <a:chOff x="6722970" y="1674257"/>
-            <a:chExt cx="2780259" cy="4133042"/>
-          </a:xfrm>
-        </p:grpSpPr>
-        <p:pic>
-          <p:nvPicPr>
-            <p:cNvPr id="52" name="Picture 51"/>
-            <p:cNvPicPr>
-              <a:picLocks noChangeAspect="1"/>
-            </p:cNvPicPr>
-            <p:nvPr/>
-          </p:nvPicPr>
-          <p:blipFill>
-            <a:blip r:embed="rId9"/>
-            <a:stretch>
-              <a:fillRect/>
-            </a:stretch>
-          </p:blipFill>
-          <p:spPr>
-            <a:xfrm>
-              <a:off x="6722970" y="1674257"/>
-              <a:ext cx="2780259" cy="4133042"/>
-            </a:xfrm>
-            <a:prstGeom prst="rect">
-              <a:avLst/>
-            </a:prstGeom>
-          </p:spPr>
-        </p:pic>
-        <p:pic>
-          <p:nvPicPr>
-            <p:cNvPr id="53" name="Picture 52"/>
-            <p:cNvPicPr>
-              <a:picLocks noChangeAspect="1"/>
-            </p:cNvPicPr>
-            <p:nvPr/>
-          </p:nvPicPr>
-          <p:blipFill>
-            <a:blip r:embed="rId5"/>
-            <a:stretch>
-              <a:fillRect/>
-            </a:stretch>
-          </p:blipFill>
-          <p:spPr>
-            <a:xfrm>
-              <a:off x="7470523" y="3260826"/>
-              <a:ext cx="979669" cy="1295431"/>
-            </a:xfrm>
-            <a:prstGeom prst="rect">
-              <a:avLst/>
-            </a:prstGeom>
-          </p:spPr>
-        </p:pic>
-      </p:grpSp>
-      <p:pic>
-        <p:nvPicPr>
-          <p:cNvPr id="26" name="Picture 25"/>
-          <p:cNvPicPr>
-            <a:picLocks noChangeAspect="1"/>
-          </p:cNvPicPr>
-          <p:nvPr/>
-        </p:nvPicPr>
-        <p:blipFill>
-          <a:blip r:embed="rId10"/>
-          <a:stretch>
-            <a:fillRect/>
-          </a:stretch>
-        </p:blipFill>
-        <p:spPr>
-          <a:xfrm>
-            <a:off x="2845824" y="4756694"/>
-            <a:ext cx="2172488" cy="1399878"/>
-          </a:xfrm>
-          <a:prstGeom prst="rect">
-            <a:avLst/>
-          </a:prstGeom>
-        </p:spPr>
-      </p:pic>
-      <p:pic>
-        <p:nvPicPr>
-          <p:cNvPr id="16" name="Picture 15"/>
-          <p:cNvPicPr>
-            <a:picLocks noChangeAspect="1"/>
-          </p:cNvPicPr>
-          <p:nvPr/>
-        </p:nvPicPr>
-        <p:blipFill>
-          <a:blip r:embed="rId11"/>
-          <a:stretch>
-            <a:fillRect/>
-          </a:stretch>
-        </p:blipFill>
-        <p:spPr>
-          <a:xfrm>
-            <a:off x="10155562" y="2524083"/>
-            <a:ext cx="1468279" cy="948454"/>
-          </a:xfrm>
-          <a:prstGeom prst="rect">
-            <a:avLst/>
-          </a:prstGeom>
-        </p:spPr>
-      </p:pic>
-      <p:pic>
-        <p:nvPicPr>
-          <p:cNvPr id="21" name="Picture 20"/>
-          <p:cNvPicPr>
-            <a:picLocks noChangeAspect="1"/>
-          </p:cNvPicPr>
-          <p:nvPr/>
-        </p:nvPicPr>
-        <p:blipFill>
-          <a:blip r:embed="rId12">
-            <a:lum bright="-40000" contrast="-40000"/>
-          </a:blip>
-          <a:stretch>
-            <a:fillRect/>
-          </a:stretch>
-        </p:blipFill>
-        <p:spPr>
-          <a:xfrm>
-            <a:off x="866" y="3742966"/>
-            <a:ext cx="4821685" cy="3124218"/>
-          </a:xfrm>
-          <a:prstGeom prst="rect">
-            <a:avLst/>
-          </a:prstGeom>
-        </p:spPr>
-      </p:pic>
-      <p:pic>
-        <p:nvPicPr>
-          <p:cNvPr id="22" name="Picture 21"/>
-          <p:cNvPicPr>
-            <a:picLocks noChangeAspect="1"/>
-          </p:cNvPicPr>
-          <p:nvPr/>
-        </p:nvPicPr>
-        <p:blipFill>
-          <a:blip r:embed="rId13"/>
-          <a:stretch>
-            <a:fillRect/>
-          </a:stretch>
-        </p:blipFill>
-        <p:spPr>
-          <a:xfrm>
-            <a:off x="258805" y="5707447"/>
-            <a:ext cx="1481018" cy="956491"/>
-          </a:xfrm>
-          <a:prstGeom prst="rect">
-            <a:avLst/>
-          </a:prstGeom>
-        </p:spPr>
-      </p:pic>
-      <p:grpSp>
-        <p:nvGrpSpPr>
-          <p:cNvPr id="36" name="Group 35"/>
-          <p:cNvGrpSpPr/>
-          <p:nvPr/>
-        </p:nvGrpSpPr>
-        <p:grpSpPr>
-          <a:xfrm>
-            <a:off x="10508942" y="388643"/>
-            <a:ext cx="934656" cy="1104595"/>
-            <a:chOff x="7012021" y="-1253215"/>
-            <a:chExt cx="1237500" cy="1462500"/>
-          </a:xfrm>
-        </p:grpSpPr>
-        <p:pic>
-          <p:nvPicPr>
-            <p:cNvPr id="33" name="Picture 32"/>
-            <p:cNvPicPr>
-              <a:picLocks noChangeAspect="1"/>
-            </p:cNvPicPr>
-            <p:nvPr/>
-          </p:nvPicPr>
-          <p:blipFill>
-            <a:blip r:embed="rId14"/>
-            <a:stretch>
-              <a:fillRect/>
-            </a:stretch>
-          </p:blipFill>
-          <p:spPr>
-            <a:xfrm>
-              <a:off x="7012021" y="-1253215"/>
-              <a:ext cx="1237500" cy="1462500"/>
-            </a:xfrm>
-            <a:prstGeom prst="rect">
-              <a:avLst/>
-            </a:prstGeom>
-          </p:spPr>
-        </p:pic>
-        <p:pic>
-          <p:nvPicPr>
-            <p:cNvPr id="35" name="Picture 34"/>
-            <p:cNvPicPr>
-              <a:picLocks noChangeAspect="1"/>
-            </p:cNvPicPr>
-            <p:nvPr/>
-          </p:nvPicPr>
-          <p:blipFill>
-            <a:blip r:embed="rId15" cstate="print">
-              <a:extLst>
-                <a:ext uri="{28A0092B-C50C-407E-A947-70E740481C1C}">
-                  <a14:useLocalDpi xmlns:a14="http://schemas.microsoft.com/office/drawing/2010/main" val="0"/>
-                </a:ext>
-              </a:extLst>
-            </a:blip>
-            <a:stretch>
-              <a:fillRect/>
-            </a:stretch>
-          </p:blipFill>
-          <p:spPr>
-            <a:xfrm>
-              <a:off x="7703687" y="-912406"/>
-              <a:ext cx="314973" cy="435664"/>
-            </a:xfrm>
-            <a:prstGeom prst="rect">
-              <a:avLst/>
-            </a:prstGeom>
-          </p:spPr>
-        </p:pic>
-      </p:grpSp>
-      <p:sp>
-        <p:nvSpPr>
-          <p:cNvPr id="31" name="TextBox 30"/>
-          <p:cNvSpPr txBox="1"/>
-          <p:nvPr/>
-        </p:nvSpPr>
-        <p:spPr>
-          <a:xfrm>
-            <a:off x="581807" y="457622"/>
-            <a:ext cx="3599940" cy="720095"/>
-          </a:xfrm>
-          <a:prstGeom prst="rect">
-            <a:avLst/>
-          </a:prstGeom>
-          <a:noFill/>
-        </p:spPr>
-        <p:txBody>
-          <a:bodyPr wrap="square" rtlCol="0">
-            <a:spAutoFit/>
-          </a:bodyPr>
-          <a:lstStyle/>
-          <a:p>
-            <a:pPr defTabSz="914367"/>
-            <a:r>
-              <a:rPr lang="en-US" sz="4000" dirty="0">
-                <a:solidFill>
-                  <a:srgbClr val="FFFFFF"/>
-                </a:solidFill>
-                <a:latin typeface="Segoe UI Light" panose="020B0502040204020203" pitchFamily="34" charset="0"/>
-                <a:cs typeface="Segoe UI Light" panose="020B0502040204020203" pitchFamily="34" charset="0"/>
-              </a:rPr>
-              <a:t>Staging</a:t>
-            </a:r>
-          </a:p>
-        </p:txBody>
-      </p:sp>
-      <p:pic>
-        <p:nvPicPr>
-          <p:cNvPr id="27" name="Picture 26"/>
-          <p:cNvPicPr>
-            <a:picLocks noChangeAspect="1"/>
-          </p:cNvPicPr>
-          <p:nvPr/>
-        </p:nvPicPr>
-        <p:blipFill>
-          <a:blip r:embed="rId16"/>
-          <a:stretch>
-            <a:fillRect/>
-          </a:stretch>
-        </p:blipFill>
-        <p:spPr>
-          <a:xfrm>
-            <a:off x="216174" y="3302234"/>
-            <a:ext cx="2092203" cy="2339668"/>
-          </a:xfrm>
-          <a:prstGeom prst="rect">
-            <a:avLst/>
-          </a:prstGeom>
-        </p:spPr>
-      </p:pic>
-      <p:pic>
-        <p:nvPicPr>
-          <p:cNvPr id="28" name="Picture 27"/>
-          <p:cNvPicPr>
-            <a:picLocks noChangeAspect="1"/>
-          </p:cNvPicPr>
-          <p:nvPr/>
-        </p:nvPicPr>
-        <p:blipFill>
-          <a:blip r:embed="rId14"/>
-          <a:stretch>
-            <a:fillRect/>
-          </a:stretch>
-        </p:blipFill>
-        <p:spPr>
-          <a:xfrm>
-            <a:off x="1448271" y="5043532"/>
-            <a:ext cx="1237324" cy="1462293"/>
-          </a:xfrm>
-          <a:prstGeom prst="rect">
-            <a:avLst/>
-          </a:prstGeom>
-        </p:spPr>
-      </p:pic>
-      <p:pic>
-        <p:nvPicPr>
-          <p:cNvPr id="29" name="Picture 28"/>
-          <p:cNvPicPr>
-            <a:picLocks noChangeAspect="1"/>
-          </p:cNvPicPr>
-          <p:nvPr/>
-        </p:nvPicPr>
-        <p:blipFill>
-          <a:blip r:embed="rId17"/>
-          <a:stretch>
-            <a:fillRect/>
-          </a:stretch>
-        </p:blipFill>
-        <p:spPr>
-          <a:xfrm>
-            <a:off x="2789279" y="4960695"/>
-            <a:ext cx="447810" cy="1224016"/>
-          </a:xfrm>
-          <a:prstGeom prst="rect">
-            <a:avLst/>
-          </a:prstGeom>
-        </p:spPr>
-      </p:pic>
-      <p:pic>
-        <p:nvPicPr>
-          <p:cNvPr id="49" name="Picture 48"/>
-          <p:cNvPicPr>
-            <a:picLocks noChangeAspect="1"/>
-          </p:cNvPicPr>
-          <p:nvPr/>
-        </p:nvPicPr>
-        <p:blipFill>
-          <a:blip r:embed="rId18"/>
-          <a:stretch>
-            <a:fillRect/>
-          </a:stretch>
-        </p:blipFill>
-        <p:spPr>
-          <a:xfrm>
-            <a:off x="8313574" y="267195"/>
-            <a:ext cx="3327504" cy="2147950"/>
-          </a:xfrm>
-          <a:prstGeom prst="rect">
-            <a:avLst/>
-          </a:prstGeom>
-        </p:spPr>
-      </p:pic>
-      <p:pic>
-        <p:nvPicPr>
-          <p:cNvPr id="45" name="Picture 44"/>
-          <p:cNvPicPr>
-            <a:picLocks noChangeAspect="1"/>
-          </p:cNvPicPr>
-          <p:nvPr/>
-        </p:nvPicPr>
-        <p:blipFill>
-          <a:blip r:embed="rId19"/>
-          <a:stretch>
-            <a:fillRect/>
-          </a:stretch>
-        </p:blipFill>
-        <p:spPr>
-          <a:xfrm>
-            <a:off x="3958857" y="483765"/>
-            <a:ext cx="899884" cy="707052"/>
-          </a:xfrm>
-          <a:prstGeom prst="rect">
-            <a:avLst/>
-          </a:prstGeom>
-        </p:spPr>
-      </p:pic>
-      <p:pic>
-        <p:nvPicPr>
-          <p:cNvPr id="46" name="Picture 45"/>
-          <p:cNvPicPr>
-            <a:picLocks noChangeAspect="1"/>
-          </p:cNvPicPr>
-          <p:nvPr/>
-        </p:nvPicPr>
-        <p:blipFill>
-          <a:blip r:embed="rId20"/>
-          <a:stretch>
-            <a:fillRect/>
-          </a:stretch>
-        </p:blipFill>
-        <p:spPr>
-          <a:xfrm>
-            <a:off x="6815033" y="2378863"/>
-            <a:ext cx="587679" cy="477489"/>
-          </a:xfrm>
-          <a:prstGeom prst="rect">
-            <a:avLst/>
-          </a:prstGeom>
-        </p:spPr>
-      </p:pic>
-      <p:pic>
-        <p:nvPicPr>
-          <p:cNvPr id="59" name="Picture 58"/>
-          <p:cNvPicPr>
-            <a:picLocks noChangeAspect="1"/>
-          </p:cNvPicPr>
-          <p:nvPr/>
-        </p:nvPicPr>
-        <p:blipFill>
-          <a:blip r:embed="rId21"/>
-          <a:stretch>
-            <a:fillRect/>
-          </a:stretch>
-        </p:blipFill>
-        <p:spPr>
-          <a:xfrm>
-            <a:off x="6616768" y="1625087"/>
-            <a:ext cx="2761129" cy="4104604"/>
-          </a:xfrm>
-          <a:prstGeom prst="rect">
-            <a:avLst/>
-          </a:prstGeom>
-        </p:spPr>
-      </p:pic>
-      <p:pic>
-        <p:nvPicPr>
-          <p:cNvPr id="60" name="Picture 59"/>
-          <p:cNvPicPr>
-            <a:picLocks noChangeAspect="1"/>
-          </p:cNvPicPr>
-          <p:nvPr/>
-        </p:nvPicPr>
-        <p:blipFill>
-          <a:blip r:embed="rId22"/>
-          <a:stretch>
-            <a:fillRect/>
-          </a:stretch>
-        </p:blipFill>
-        <p:spPr>
-          <a:xfrm>
-            <a:off x="4607736" y="3601883"/>
-            <a:ext cx="2339668" cy="1473541"/>
-          </a:xfrm>
-          <a:prstGeom prst="rect">
-            <a:avLst/>
-          </a:prstGeom>
-        </p:spPr>
-      </p:pic>
-      <p:grpSp>
-        <p:nvGrpSpPr>
-          <p:cNvPr id="38" name="Group 37"/>
-          <p:cNvGrpSpPr/>
-          <p:nvPr/>
-        </p:nvGrpSpPr>
-        <p:grpSpPr>
-          <a:xfrm>
-            <a:off x="9787045" y="-79296"/>
-            <a:ext cx="934656" cy="1104595"/>
-            <a:chOff x="9827324" y="-40038"/>
-            <a:chExt cx="934789" cy="1104751"/>
-          </a:xfrm>
-        </p:grpSpPr>
-        <p:pic>
-          <p:nvPicPr>
-            <p:cNvPr id="39" name="Picture 38"/>
-            <p:cNvPicPr>
-              <a:picLocks noChangeAspect="1"/>
-            </p:cNvPicPr>
-            <p:nvPr/>
-          </p:nvPicPr>
-          <p:blipFill>
-            <a:blip r:embed="rId14"/>
-            <a:stretch>
-              <a:fillRect/>
-            </a:stretch>
-          </p:blipFill>
-          <p:spPr>
-            <a:xfrm>
-              <a:off x="9827324" y="-40038"/>
-              <a:ext cx="934789" cy="1104751"/>
-            </a:xfrm>
-            <a:prstGeom prst="rect">
-              <a:avLst/>
-            </a:prstGeom>
-          </p:spPr>
-        </p:pic>
-        <p:pic>
-          <p:nvPicPr>
-            <p:cNvPr id="40" name="Picture 39"/>
-            <p:cNvPicPr>
-              <a:picLocks noChangeAspect="1"/>
-            </p:cNvPicPr>
-            <p:nvPr/>
-          </p:nvPicPr>
-          <p:blipFill>
-            <a:blip r:embed="rId23"/>
-            <a:stretch>
-              <a:fillRect/>
-            </a:stretch>
-          </p:blipFill>
-          <p:spPr>
-            <a:xfrm>
-              <a:off x="10368710" y="254515"/>
-              <a:ext cx="147937" cy="295874"/>
-            </a:xfrm>
-            <a:prstGeom prst="rect">
-              <a:avLst/>
-            </a:prstGeom>
-          </p:spPr>
-        </p:pic>
-      </p:grpSp>
-    </p:spTree>
-    <p:extLst>
-      <p:ext uri="{BB962C8B-B14F-4D97-AF65-F5344CB8AC3E}">
-        <p14:creationId xmlns:p14="http://schemas.microsoft.com/office/powerpoint/2010/main" val="2523622807"/>
-      </p:ext>
-    </p:extLst>
-  </p:cSld>
-  <p:clrMapOvr>
-    <a:masterClrMapping/>
-  </p:clrMapOvr>
-  <mc:AlternateContent xmlns:mc="http://schemas.openxmlformats.org/markup-compatibility/2006">
-    <mc:Choice xmlns:p14="http://schemas.microsoft.com/office/powerpoint/2010/main" Requires="p14">
-      <p:transition spd="med" p14:dur="700">
-        <p:fade/>
-      </p:transition>
-    </mc:Choice>
-    <mc:Fallback>
-      <p:transition spd="med">
-        <p:fade/>
-      </p:transition>
-    </mc:Fallback>
-  </mc:AlternateContent>
-  <p:timing>
-    <p:tnLst>
-      <p:par>
-        <p:cTn id="1" dur="indefinite" restart="never" nodeType="tmRoot">
-          <p:childTnLst>
-            <p:seq concurrent="1" nextAc="seek">
-              <p:cTn id="2" dur="indefinite" nodeType="mainSeq">
-                <p:childTnLst>
-                  <p:par>
-                    <p:cTn id="3" fill="hold">
-                      <p:stCondLst>
-                        <p:cond delay="indefinite"/>
-                        <p:cond evt="onBegin" delay="0">
-                          <p:tn val="2"/>
-                        </p:cond>
-                      </p:stCondLst>
-                      <p:childTnLst>
-                        <p:par>
-                          <p:cTn id="4" fill="hold">
-                            <p:stCondLst>
-                              <p:cond delay="0"/>
-                            </p:stCondLst>
-                            <p:childTnLst>
-                              <p:par>
-                                <p:cTn id="5" presetID="10" presetClass="exit" presetSubtype="0" fill="hold" nodeType="afterEffect">
-                                  <p:stCondLst>
-                                    <p:cond delay="500"/>
-                                  </p:stCondLst>
-                                  <p:childTnLst>
-                                    <p:animEffect transition="out" filter="fade">
-                                      <p:cBhvr>
-                                        <p:cTn id="6" dur="500"/>
-                                        <p:tgtEl>
-                                          <p:spTgt spid="50"/>
-                                        </p:tgtEl>
-                                      </p:cBhvr>
-                                    </p:animEffect>
-                                    <p:set>
-                                      <p:cBhvr>
-                                        <p:cTn id="7" dur="1" fill="hold">
-                                          <p:stCondLst>
-                                            <p:cond delay="499"/>
-                                          </p:stCondLst>
-                                        </p:cTn>
-                                        <p:tgtEl>
-                                          <p:spTgt spid="50"/>
-                                        </p:tgtEl>
-                                        <p:attrNameLst>
-                                          <p:attrName>style.visibility</p:attrName>
-                                        </p:attrNameLst>
-                                      </p:cBhvr>
-                                      <p:to>
-                                        <p:strVal val="hidden"/>
-                                      </p:to>
-                                    </p:set>
-                                  </p:childTnLst>
-                                </p:cTn>
-                              </p:par>
-                            </p:childTnLst>
-                          </p:cTn>
-                        </p:par>
-                        <p:par>
-                          <p:cTn id="8" fill="hold">
-                            <p:stCondLst>
-                              <p:cond delay="1000"/>
-                            </p:stCondLst>
-                            <p:childTnLst>
-                              <p:par>
-                                <p:cTn id="9" presetID="10" presetClass="exit" presetSubtype="0" fill="hold" nodeType="afterEffect">
-                                  <p:stCondLst>
-                                    <p:cond delay="750"/>
-                                  </p:stCondLst>
-                                  <p:childTnLst>
-                                    <p:animEffect transition="out" filter="fade">
-                                      <p:cBhvr>
-                                        <p:cTn id="10" dur="500"/>
-                                        <p:tgtEl>
-                                          <p:spTgt spid="59"/>
-                                        </p:tgtEl>
-                                      </p:cBhvr>
-                                    </p:animEffect>
-                                    <p:set>
-                                      <p:cBhvr>
-                                        <p:cTn id="11" dur="1" fill="hold">
-                                          <p:stCondLst>
-                                            <p:cond delay="499"/>
-                                          </p:stCondLst>
-                                        </p:cTn>
-                                        <p:tgtEl>
-                                          <p:spTgt spid="59"/>
-                                        </p:tgtEl>
-                                        <p:attrNameLst>
-                                          <p:attrName>style.visibility</p:attrName>
-                                        </p:attrNameLst>
-                                      </p:cBhvr>
-                                      <p:to>
-                                        <p:strVal val="hidden"/>
-                                      </p:to>
-                                    </p:set>
-                                  </p:childTnLst>
-                                </p:cTn>
-                              </p:par>
-                              <p:par>
-                                <p:cTn id="12" presetID="10" presetClass="entr" presetSubtype="0" fill="hold" nodeType="withEffect">
-                                  <p:stCondLst>
-                                    <p:cond delay="500"/>
-                                  </p:stCondLst>
-                                  <p:childTnLst>
-                                    <p:set>
-                                      <p:cBhvr>
-                                        <p:cTn id="13" dur="1" fill="hold">
-                                          <p:stCondLst>
-                                            <p:cond delay="0"/>
-                                          </p:stCondLst>
-                                        </p:cTn>
-                                        <p:tgtEl>
-                                          <p:spTgt spid="51"/>
-                                        </p:tgtEl>
-                                        <p:attrNameLst>
-                                          <p:attrName>style.visibility</p:attrName>
-                                        </p:attrNameLst>
-                                      </p:cBhvr>
-                                      <p:to>
-                                        <p:strVal val="visible"/>
-                                      </p:to>
-                                    </p:set>
-                                    <p:animEffect transition="in" filter="fade">
-                                      <p:cBhvr>
-                                        <p:cTn id="14" dur="500"/>
-                                        <p:tgtEl>
-                                          <p:spTgt spid="51"/>
-                                        </p:tgtEl>
-                                      </p:cBhvr>
-                                    </p:animEffect>
-                                  </p:childTnLst>
-                                </p:cTn>
-                              </p:par>
-                            </p:childTnLst>
-                          </p:cTn>
-                        </p:par>
-                        <p:par>
-                          <p:cTn id="15" fill="hold">
-                            <p:stCondLst>
-                              <p:cond delay="2250"/>
-                            </p:stCondLst>
-                            <p:childTnLst>
-                              <p:par>
-                                <p:cTn id="16" presetID="10" presetClass="entr" presetSubtype="0" fill="hold" nodeType="afterEffect">
-                                  <p:stCondLst>
-                                    <p:cond delay="0"/>
-                                  </p:stCondLst>
-                                  <p:childTnLst>
-                                    <p:set>
-                                      <p:cBhvr>
-                                        <p:cTn id="17" dur="1" fill="hold">
-                                          <p:stCondLst>
-                                            <p:cond delay="0"/>
-                                          </p:stCondLst>
-                                        </p:cTn>
-                                        <p:tgtEl>
-                                          <p:spTgt spid="45"/>
-                                        </p:tgtEl>
-                                        <p:attrNameLst>
-                                          <p:attrName>style.visibility</p:attrName>
-                                        </p:attrNameLst>
-                                      </p:cBhvr>
-                                      <p:to>
-                                        <p:strVal val="visible"/>
-                                      </p:to>
-                                    </p:set>
-                                    <p:animEffect transition="in" filter="fade">
-                                      <p:cBhvr>
-                                        <p:cTn id="18" dur="500"/>
-                                        <p:tgtEl>
-                                          <p:spTgt spid="45"/>
-                                        </p:tgtEl>
-                                      </p:cBhvr>
-                                    </p:animEffect>
-                                  </p:childTnLst>
-                                </p:cTn>
-                              </p:par>
-                            </p:childTnLst>
-                          </p:cTn>
-                        </p:par>
-                        <p:par>
-                          <p:cTn id="19" fill="hold">
-                            <p:stCondLst>
-                              <p:cond delay="2750"/>
-                            </p:stCondLst>
-                            <p:childTnLst>
-                              <p:par>
-                                <p:cTn id="20" presetID="10" presetClass="entr" presetSubtype="0" fill="hold" nodeType="afterEffect">
-                                  <p:stCondLst>
-                                    <p:cond delay="0"/>
-                                  </p:stCondLst>
-                                  <p:childTnLst>
-                                    <p:set>
-                                      <p:cBhvr>
-                                        <p:cTn id="21" dur="1" fill="hold">
-                                          <p:stCondLst>
-                                            <p:cond delay="0"/>
-                                          </p:stCondLst>
-                                        </p:cTn>
-                                        <p:tgtEl>
-                                          <p:spTgt spid="46"/>
-                                        </p:tgtEl>
-                                        <p:attrNameLst>
-                                          <p:attrName>style.visibility</p:attrName>
-                                        </p:attrNameLst>
-                                      </p:cBhvr>
-                                      <p:to>
-                                        <p:strVal val="visible"/>
-                                      </p:to>
-                                    </p:set>
-                                    <p:animEffect transition="in" filter="fade">
-                                      <p:cBhvr>
-                                        <p:cTn id="22" dur="500"/>
-                                        <p:tgtEl>
-                                          <p:spTgt spid="46"/>
-                                        </p:tgtEl>
-                                      </p:cBhvr>
-                                    </p:animEffect>
-                                  </p:childTnLst>
-                                </p:cTn>
-                              </p:par>
-                            </p:childTnLst>
-                          </p:cTn>
-                        </p:par>
-                      </p:childTnLst>
-                    </p:cTn>
-                  </p:par>
-                </p:childTnLst>
-              </p:cTn>
-              <p:prevCondLst>
-                <p:cond evt="onPrev" delay="0">
-                  <p:tgtEl>
-                    <p:sldTgt/>
-                  </p:tgtEl>
-                </p:cond>
-              </p:prevCondLst>
-              <p:nextCondLst>
-                <p:cond evt="onNext" delay="0">
-                  <p:tgtEl>
-                    <p:sldTgt/>
-                  </p:tgtEl>
-                </p:cond>
-              </p:nextCondLst>
-            </p:seq>
-          </p:childTnLst>
-        </p:cTn>
-      </p:par>
-    </p:tnLst>
-  </p:timing>
-</p:sld>
-</file>
-
-<file path=ppt/slides/slide6.xml><?xml version="1.0" encoding="utf-8"?>
-<p:sld xmlns:a="http://schemas.openxmlformats.org/drawingml/2006/main" xmlns:r="http://schemas.openxmlformats.org/officeDocument/2006/relationships" xmlns:p="http://schemas.openxmlformats.org/presentationml/2006/main">
-  <p:cSld>
-    <p:spTree>
-      <p:nvGrpSpPr>
-        <p:cNvPr id="1" name=""/>
-        <p:cNvGrpSpPr/>
-        <p:nvPr/>
-      </p:nvGrpSpPr>
-      <p:grpSpPr>
-        <a:xfrm>
-          <a:off x="0" y="0"/>
-          <a:ext cx="0" cy="0"/>
-          <a:chOff x="0" y="0"/>
-          <a:chExt cx="0" cy="0"/>
-        </a:xfrm>
-      </p:grpSpPr>
-      <p:pic>
-        <p:nvPicPr>
-          <p:cNvPr id="37" name="Picture 36"/>
-          <p:cNvPicPr>
-            <a:picLocks noChangeAspect="1"/>
-          </p:cNvPicPr>
-          <p:nvPr/>
-        </p:nvPicPr>
-        <p:blipFill>
-          <a:blip r:embed="rId2"/>
-          <a:stretch>
-            <a:fillRect/>
-          </a:stretch>
-        </p:blipFill>
-        <p:spPr>
-          <a:xfrm>
-            <a:off x="5276829" y="-372994"/>
-            <a:ext cx="7263040" cy="4705631"/>
-          </a:xfrm>
-          <a:prstGeom prst="rect">
-            <a:avLst/>
-          </a:prstGeom>
-        </p:spPr>
-      </p:pic>
-      <p:pic>
-        <p:nvPicPr>
-          <p:cNvPr id="30" name="Picture 29"/>
-          <p:cNvPicPr>
-            <a:picLocks noChangeAspect="1"/>
-          </p:cNvPicPr>
-          <p:nvPr/>
-        </p:nvPicPr>
-        <p:blipFill>
-          <a:blip r:embed="rId3">
-            <a:lum bright="-40000" contrast="-40000"/>
-          </a:blip>
-          <a:stretch>
-            <a:fillRect/>
-          </a:stretch>
-        </p:blipFill>
-        <p:spPr>
-          <a:xfrm>
-            <a:off x="6609431" y="487"/>
-            <a:ext cx="5581706" cy="3613545"/>
-          </a:xfrm>
-          <a:prstGeom prst="rect">
-            <a:avLst/>
-          </a:prstGeom>
-        </p:spPr>
-      </p:pic>
-      <p:pic>
-        <p:nvPicPr>
-          <p:cNvPr id="2" name="Picture 1"/>
-          <p:cNvPicPr>
-            <a:picLocks noChangeAspect="1"/>
-          </p:cNvPicPr>
-          <p:nvPr/>
-        </p:nvPicPr>
-        <p:blipFill>
-          <a:blip r:embed="rId4"/>
-          <a:stretch>
-            <a:fillRect/>
-          </a:stretch>
-        </p:blipFill>
-        <p:spPr>
-          <a:xfrm>
-            <a:off x="2010390" y="672463"/>
-            <a:ext cx="9418854" cy="6089435"/>
-          </a:xfrm>
-          <a:prstGeom prst="rect">
-            <a:avLst/>
-          </a:prstGeom>
-        </p:spPr>
-      </p:pic>
-      <p:pic>
-        <p:nvPicPr>
-          <p:cNvPr id="3" name="Picture 2"/>
-          <p:cNvPicPr>
-            <a:picLocks noChangeAspect="1"/>
-          </p:cNvPicPr>
-          <p:nvPr/>
-        </p:nvPicPr>
-        <p:blipFill>
-          <a:blip r:embed="rId5"/>
-          <a:stretch>
-            <a:fillRect/>
-          </a:stretch>
-        </p:blipFill>
-        <p:spPr>
-          <a:xfrm>
-            <a:off x="8087206" y="1636456"/>
-            <a:ext cx="1506294" cy="978611"/>
-          </a:xfrm>
-          <a:prstGeom prst="rect">
-            <a:avLst/>
-          </a:prstGeom>
-        </p:spPr>
-      </p:pic>
-      <p:grpSp>
-        <p:nvGrpSpPr>
-          <p:cNvPr id="51" name="Group 50"/>
-          <p:cNvGrpSpPr/>
-          <p:nvPr/>
-        </p:nvGrpSpPr>
-        <p:grpSpPr>
-          <a:xfrm>
-            <a:off x="6607004" y="1610572"/>
-            <a:ext cx="2770894" cy="4119120"/>
-            <a:chOff x="6722970" y="1674257"/>
-            <a:chExt cx="2780259" cy="4133042"/>
-          </a:xfrm>
-        </p:grpSpPr>
-        <p:pic>
-          <p:nvPicPr>
-            <p:cNvPr id="52" name="Picture 51"/>
-            <p:cNvPicPr>
-              <a:picLocks noChangeAspect="1"/>
-            </p:cNvPicPr>
-            <p:nvPr/>
-          </p:nvPicPr>
-          <p:blipFill>
-            <a:blip r:embed="rId6"/>
-            <a:stretch>
-              <a:fillRect/>
-            </a:stretch>
-          </p:blipFill>
-          <p:spPr>
-            <a:xfrm>
-              <a:off x="6722970" y="1674257"/>
-              <a:ext cx="2780259" cy="4133042"/>
-            </a:xfrm>
-            <a:prstGeom prst="rect">
-              <a:avLst/>
-            </a:prstGeom>
-          </p:spPr>
-        </p:pic>
-        <p:pic>
-          <p:nvPicPr>
-            <p:cNvPr id="53" name="Picture 52"/>
-            <p:cNvPicPr>
-              <a:picLocks noChangeAspect="1"/>
-            </p:cNvPicPr>
-            <p:nvPr/>
-          </p:nvPicPr>
-          <p:blipFill>
-            <a:blip r:embed="rId7"/>
-            <a:stretch>
-              <a:fillRect/>
-            </a:stretch>
-          </p:blipFill>
-          <p:spPr>
-            <a:xfrm>
-              <a:off x="7470523" y="3260826"/>
-              <a:ext cx="979669" cy="1295431"/>
-            </a:xfrm>
-            <a:prstGeom prst="rect">
-              <a:avLst/>
-            </a:prstGeom>
-          </p:spPr>
-        </p:pic>
-      </p:grpSp>
-      <p:grpSp>
-        <p:nvGrpSpPr>
-          <p:cNvPr id="55" name="Group 54"/>
-          <p:cNvGrpSpPr/>
-          <p:nvPr/>
-        </p:nvGrpSpPr>
-        <p:grpSpPr>
-          <a:xfrm>
-            <a:off x="3716781" y="-337643"/>
-            <a:ext cx="2775445" cy="4134168"/>
-            <a:chOff x="3719625" y="-351356"/>
-            <a:chExt cx="2775838" cy="4134755"/>
-          </a:xfrm>
-        </p:grpSpPr>
-        <p:pic>
-          <p:nvPicPr>
-            <p:cNvPr id="56" name="Picture 55"/>
-            <p:cNvPicPr>
-              <a:picLocks noChangeAspect="1"/>
-            </p:cNvPicPr>
-            <p:nvPr/>
-          </p:nvPicPr>
-          <p:blipFill>
-            <a:blip r:embed="rId8"/>
-            <a:stretch>
-              <a:fillRect/>
-            </a:stretch>
-          </p:blipFill>
-          <p:spPr>
-            <a:xfrm>
-              <a:off x="3719625" y="-351356"/>
-              <a:ext cx="2775838" cy="4134755"/>
-            </a:xfrm>
-            <a:prstGeom prst="rect">
-              <a:avLst/>
-            </a:prstGeom>
-          </p:spPr>
-        </p:pic>
-        <p:pic>
-          <p:nvPicPr>
-            <p:cNvPr id="57" name="Picture 56"/>
-            <p:cNvPicPr>
-              <a:picLocks noChangeAspect="1"/>
-            </p:cNvPicPr>
-            <p:nvPr/>
-          </p:nvPicPr>
-          <p:blipFill>
-            <a:blip r:embed="rId7"/>
-            <a:stretch>
-              <a:fillRect/>
-            </a:stretch>
-          </p:blipFill>
-          <p:spPr>
-            <a:xfrm>
-              <a:off x="4484016" y="1290841"/>
-              <a:ext cx="979669" cy="1295431"/>
-            </a:xfrm>
-            <a:prstGeom prst="rect">
-              <a:avLst/>
-            </a:prstGeom>
-          </p:spPr>
-        </p:pic>
-      </p:grpSp>
-      <p:pic>
-        <p:nvPicPr>
-          <p:cNvPr id="26" name="Picture 25"/>
-          <p:cNvPicPr>
-            <a:picLocks noChangeAspect="1"/>
-          </p:cNvPicPr>
-          <p:nvPr/>
-        </p:nvPicPr>
-        <p:blipFill>
-          <a:blip r:embed="rId9"/>
-          <a:stretch>
-            <a:fillRect/>
-          </a:stretch>
-        </p:blipFill>
-        <p:spPr>
-          <a:xfrm>
-            <a:off x="2845824" y="4756694"/>
-            <a:ext cx="2172488" cy="1399878"/>
-          </a:xfrm>
-          <a:prstGeom prst="rect">
-            <a:avLst/>
-          </a:prstGeom>
-        </p:spPr>
-      </p:pic>
-      <p:pic>
-        <p:nvPicPr>
-          <p:cNvPr id="16" name="Picture 15"/>
-          <p:cNvPicPr>
-            <a:picLocks noChangeAspect="1"/>
-          </p:cNvPicPr>
-          <p:nvPr/>
-        </p:nvPicPr>
-        <p:blipFill>
-          <a:blip r:embed="rId10"/>
-          <a:stretch>
-            <a:fillRect/>
-          </a:stretch>
-        </p:blipFill>
-        <p:spPr>
-          <a:xfrm>
-            <a:off x="10155562" y="2524083"/>
-            <a:ext cx="1468279" cy="948454"/>
-          </a:xfrm>
-          <a:prstGeom prst="rect">
-            <a:avLst/>
-          </a:prstGeom>
-        </p:spPr>
-      </p:pic>
-      <p:pic>
-        <p:nvPicPr>
-          <p:cNvPr id="21" name="Picture 20"/>
-          <p:cNvPicPr>
-            <a:picLocks noChangeAspect="1"/>
-          </p:cNvPicPr>
-          <p:nvPr/>
-        </p:nvPicPr>
-        <p:blipFill>
-          <a:blip r:embed="rId11">
-            <a:lum bright="-40000" contrast="-40000"/>
-          </a:blip>
-          <a:stretch>
-            <a:fillRect/>
-          </a:stretch>
-        </p:blipFill>
-        <p:spPr>
-          <a:xfrm>
-            <a:off x="866" y="3742966"/>
-            <a:ext cx="4821685" cy="3124218"/>
-          </a:xfrm>
-          <a:prstGeom prst="rect">
-            <a:avLst/>
-          </a:prstGeom>
-        </p:spPr>
-      </p:pic>
-      <p:pic>
-        <p:nvPicPr>
-          <p:cNvPr id="22" name="Picture 21"/>
-          <p:cNvPicPr>
-            <a:picLocks noChangeAspect="1"/>
-          </p:cNvPicPr>
-          <p:nvPr/>
-        </p:nvPicPr>
-        <p:blipFill>
-          <a:blip r:embed="rId12"/>
-          <a:stretch>
-            <a:fillRect/>
-          </a:stretch>
-        </p:blipFill>
-        <p:spPr>
-          <a:xfrm>
-            <a:off x="258805" y="5707447"/>
-            <a:ext cx="1481018" cy="956491"/>
-          </a:xfrm>
-          <a:prstGeom prst="rect">
-            <a:avLst/>
-          </a:prstGeom>
-        </p:spPr>
-      </p:pic>
-      <p:grpSp>
-        <p:nvGrpSpPr>
-          <p:cNvPr id="36" name="Group 35"/>
-          <p:cNvGrpSpPr/>
-          <p:nvPr/>
-        </p:nvGrpSpPr>
-        <p:grpSpPr>
-          <a:xfrm>
-            <a:off x="10508942" y="388643"/>
-            <a:ext cx="934656" cy="1104595"/>
-            <a:chOff x="7012021" y="-1253215"/>
-            <a:chExt cx="1237500" cy="1462500"/>
-          </a:xfrm>
-        </p:grpSpPr>
-        <p:pic>
-          <p:nvPicPr>
-            <p:cNvPr id="33" name="Picture 32"/>
-            <p:cNvPicPr>
-              <a:picLocks noChangeAspect="1"/>
-            </p:cNvPicPr>
-            <p:nvPr/>
-          </p:nvPicPr>
-          <p:blipFill>
-            <a:blip r:embed="rId13"/>
-            <a:stretch>
-              <a:fillRect/>
-            </a:stretch>
-          </p:blipFill>
-          <p:spPr>
-            <a:xfrm>
-              <a:off x="7012021" y="-1253215"/>
-              <a:ext cx="1237500" cy="1462500"/>
-            </a:xfrm>
-            <a:prstGeom prst="rect">
-              <a:avLst/>
-            </a:prstGeom>
-          </p:spPr>
-        </p:pic>
-        <p:pic>
-          <p:nvPicPr>
-            <p:cNvPr id="35" name="Picture 34"/>
-            <p:cNvPicPr>
-              <a:picLocks noChangeAspect="1"/>
-            </p:cNvPicPr>
-            <p:nvPr/>
-          </p:nvPicPr>
-          <p:blipFill>
-            <a:blip r:embed="rId14" cstate="print">
-              <a:extLst>
-                <a:ext uri="{28A0092B-C50C-407E-A947-70E740481C1C}">
-                  <a14:useLocalDpi xmlns:a14="http://schemas.microsoft.com/office/drawing/2010/main" val="0"/>
-                </a:ext>
-              </a:extLst>
-            </a:blip>
-            <a:stretch>
-              <a:fillRect/>
-            </a:stretch>
-          </p:blipFill>
-          <p:spPr>
-            <a:xfrm>
-              <a:off x="7703687" y="-912406"/>
-              <a:ext cx="314973" cy="435664"/>
-            </a:xfrm>
-            <a:prstGeom prst="rect">
-              <a:avLst/>
-            </a:prstGeom>
-          </p:spPr>
-        </p:pic>
-      </p:grpSp>
-      <p:sp>
-        <p:nvSpPr>
-          <p:cNvPr id="31" name="TextBox 30"/>
-          <p:cNvSpPr txBox="1"/>
-          <p:nvPr/>
-        </p:nvSpPr>
-        <p:spPr>
-          <a:xfrm>
-            <a:off x="581807" y="457622"/>
-            <a:ext cx="3599940" cy="720095"/>
-          </a:xfrm>
-          <a:prstGeom prst="rect">
-            <a:avLst/>
-          </a:prstGeom>
-          <a:noFill/>
-        </p:spPr>
-        <p:txBody>
-          <a:bodyPr wrap="square" rtlCol="0">
-            <a:spAutoFit/>
-          </a:bodyPr>
-          <a:lstStyle/>
-          <a:p>
-            <a:pPr defTabSz="914367"/>
-            <a:r>
-              <a:rPr lang="en-US" sz="4000" dirty="0">
-                <a:solidFill>
-                  <a:srgbClr val="FFFFFF"/>
-                </a:solidFill>
-                <a:latin typeface="Segoe UI Light" panose="020B0502040204020203" pitchFamily="34" charset="0"/>
-                <a:cs typeface="Segoe UI Light" panose="020B0502040204020203" pitchFamily="34" charset="0"/>
-              </a:rPr>
-              <a:t>Staging</a:t>
-            </a:r>
-          </a:p>
-        </p:txBody>
-      </p:sp>
-      <p:pic>
-        <p:nvPicPr>
-          <p:cNvPr id="27" name="Picture 26"/>
-          <p:cNvPicPr>
-            <a:picLocks noChangeAspect="1"/>
-          </p:cNvPicPr>
-          <p:nvPr/>
-        </p:nvPicPr>
-        <p:blipFill>
-          <a:blip r:embed="rId15"/>
-          <a:stretch>
-            <a:fillRect/>
-          </a:stretch>
-        </p:blipFill>
-        <p:spPr>
-          <a:xfrm>
-            <a:off x="216174" y="3302234"/>
-            <a:ext cx="2092203" cy="2339668"/>
-          </a:xfrm>
-          <a:prstGeom prst="rect">
-            <a:avLst/>
-          </a:prstGeom>
-        </p:spPr>
-      </p:pic>
-      <p:pic>
-        <p:nvPicPr>
-          <p:cNvPr id="28" name="Picture 27"/>
-          <p:cNvPicPr>
-            <a:picLocks noChangeAspect="1"/>
-          </p:cNvPicPr>
-          <p:nvPr/>
-        </p:nvPicPr>
-        <p:blipFill>
-          <a:blip r:embed="rId13"/>
-          <a:stretch>
-            <a:fillRect/>
-          </a:stretch>
-        </p:blipFill>
-        <p:spPr>
-          <a:xfrm>
-            <a:off x="1448271" y="5043532"/>
-            <a:ext cx="1237324" cy="1462293"/>
-          </a:xfrm>
-          <a:prstGeom prst="rect">
-            <a:avLst/>
-          </a:prstGeom>
-        </p:spPr>
-      </p:pic>
-      <p:pic>
-        <p:nvPicPr>
-          <p:cNvPr id="29" name="Picture 28"/>
-          <p:cNvPicPr>
-            <a:picLocks noChangeAspect="1"/>
-          </p:cNvPicPr>
-          <p:nvPr/>
-        </p:nvPicPr>
-        <p:blipFill>
-          <a:blip r:embed="rId16"/>
-          <a:stretch>
-            <a:fillRect/>
-          </a:stretch>
-        </p:blipFill>
-        <p:spPr>
-          <a:xfrm>
-            <a:off x="2789279" y="4960695"/>
-            <a:ext cx="447810" cy="1224016"/>
-          </a:xfrm>
-          <a:prstGeom prst="rect">
-            <a:avLst/>
-          </a:prstGeom>
-        </p:spPr>
-      </p:pic>
-      <p:pic>
-        <p:nvPicPr>
-          <p:cNvPr id="49" name="Picture 48"/>
-          <p:cNvPicPr>
-            <a:picLocks noChangeAspect="1"/>
-          </p:cNvPicPr>
-          <p:nvPr/>
-        </p:nvPicPr>
-        <p:blipFill>
-          <a:blip r:embed="rId17"/>
-          <a:stretch>
-            <a:fillRect/>
-          </a:stretch>
-        </p:blipFill>
-        <p:spPr>
-          <a:xfrm>
-            <a:off x="8313574" y="267195"/>
-            <a:ext cx="3327504" cy="2147950"/>
-          </a:xfrm>
-          <a:prstGeom prst="rect">
-            <a:avLst/>
-          </a:prstGeom>
-        </p:spPr>
-      </p:pic>
-      <p:pic>
-        <p:nvPicPr>
-          <p:cNvPr id="45" name="Picture 44"/>
-          <p:cNvPicPr>
-            <a:picLocks noChangeAspect="1"/>
-          </p:cNvPicPr>
-          <p:nvPr/>
-        </p:nvPicPr>
-        <p:blipFill>
-          <a:blip r:embed="rId18"/>
-          <a:stretch>
-            <a:fillRect/>
-          </a:stretch>
-        </p:blipFill>
-        <p:spPr>
-          <a:xfrm>
-            <a:off x="3958857" y="483765"/>
-            <a:ext cx="899884" cy="707052"/>
-          </a:xfrm>
-          <a:prstGeom prst="rect">
-            <a:avLst/>
-          </a:prstGeom>
-        </p:spPr>
-      </p:pic>
-      <p:pic>
-        <p:nvPicPr>
-          <p:cNvPr id="46" name="Picture 45"/>
-          <p:cNvPicPr>
-            <a:picLocks noChangeAspect="1"/>
-          </p:cNvPicPr>
-          <p:nvPr/>
-        </p:nvPicPr>
-        <p:blipFill>
-          <a:blip r:embed="rId19"/>
-          <a:stretch>
-            <a:fillRect/>
-          </a:stretch>
-        </p:blipFill>
-        <p:spPr>
-          <a:xfrm>
-            <a:off x="6815033" y="2378863"/>
-            <a:ext cx="587679" cy="477489"/>
-          </a:xfrm>
-          <a:prstGeom prst="rect">
-            <a:avLst/>
-          </a:prstGeom>
-        </p:spPr>
-      </p:pic>
-      <p:pic>
-        <p:nvPicPr>
-          <p:cNvPr id="58" name="Picture 57"/>
-          <p:cNvPicPr>
-            <a:picLocks noChangeAspect="1"/>
-          </p:cNvPicPr>
-          <p:nvPr/>
-        </p:nvPicPr>
-        <p:blipFill>
-          <a:blip r:embed="rId20"/>
-          <a:stretch>
-            <a:fillRect/>
-          </a:stretch>
-        </p:blipFill>
-        <p:spPr>
-          <a:xfrm>
-            <a:off x="4607736" y="3601883"/>
-            <a:ext cx="2339668" cy="1473541"/>
-          </a:xfrm>
-          <a:prstGeom prst="rect">
-            <a:avLst/>
-          </a:prstGeom>
-        </p:spPr>
-      </p:pic>
-      <p:grpSp>
-        <p:nvGrpSpPr>
-          <p:cNvPr id="38" name="Group 37"/>
-          <p:cNvGrpSpPr/>
-          <p:nvPr/>
-        </p:nvGrpSpPr>
-        <p:grpSpPr>
-          <a:xfrm>
-            <a:off x="9787045" y="-79296"/>
-            <a:ext cx="934656" cy="1104595"/>
-            <a:chOff x="9827324" y="-40038"/>
-            <a:chExt cx="934789" cy="1104751"/>
-          </a:xfrm>
-        </p:grpSpPr>
-        <p:pic>
-          <p:nvPicPr>
-            <p:cNvPr id="39" name="Picture 38"/>
-            <p:cNvPicPr>
-              <a:picLocks noChangeAspect="1"/>
-            </p:cNvPicPr>
-            <p:nvPr/>
-          </p:nvPicPr>
-          <p:blipFill>
-            <a:blip r:embed="rId13"/>
-            <a:stretch>
-              <a:fillRect/>
-            </a:stretch>
-          </p:blipFill>
-          <p:spPr>
-            <a:xfrm>
-              <a:off x="9827324" y="-40038"/>
-              <a:ext cx="934789" cy="1104751"/>
-            </a:xfrm>
-            <a:prstGeom prst="rect">
-              <a:avLst/>
-            </a:prstGeom>
-          </p:spPr>
-        </p:pic>
-        <p:pic>
-          <p:nvPicPr>
-            <p:cNvPr id="40" name="Picture 39"/>
-            <p:cNvPicPr>
-              <a:picLocks noChangeAspect="1"/>
-            </p:cNvPicPr>
-            <p:nvPr/>
-          </p:nvPicPr>
-          <p:blipFill>
-            <a:blip r:embed="rId21"/>
-            <a:stretch>
-              <a:fillRect/>
-            </a:stretch>
-          </p:blipFill>
-          <p:spPr>
-            <a:xfrm>
-              <a:off x="10368710" y="254515"/>
-              <a:ext cx="147937" cy="295874"/>
-            </a:xfrm>
-            <a:prstGeom prst="rect">
-              <a:avLst/>
-            </a:prstGeom>
-          </p:spPr>
-        </p:pic>
-      </p:grpSp>
-    </p:spTree>
-    <p:extLst>
-      <p:ext uri="{BB962C8B-B14F-4D97-AF65-F5344CB8AC3E}">
-        <p14:creationId xmlns:p14="http://schemas.microsoft.com/office/powerpoint/2010/main" val="1622736713"/>
-      </p:ext>
-    </p:extLst>
-  </p:cSld>
-  <p:clrMapOvr>
-    <a:masterClrMapping/>
-  </p:clrMapOvr>
-  <mc:AlternateContent xmlns:mc="http://schemas.openxmlformats.org/markup-compatibility/2006">
-    <mc:Choice xmlns:p14="http://schemas.microsoft.com/office/powerpoint/2010/main" Requires="p14">
-      <p:transition spd="med" p14:dur="700">
-        <p:fade/>
-      </p:transition>
-    </mc:Choice>
-    <mc:Fallback>
-      <p:transition spd="med">
-        <p:fade/>
-      </p:transition>
-    </mc:Fallback>
-  </mc:AlternateContent>
-  <p:timing>
-    <p:tnLst>
-      <p:par>
-        <p:cTn id="1" dur="indefinite" restart="never" nodeType="tmRoot">
-          <p:childTnLst>
-            <p:seq concurrent="1" nextAc="seek">
-              <p:cTn id="2" dur="indefinite" nodeType="mainSeq">
-                <p:childTnLst>
-                  <p:par>
-                    <p:cTn id="3" fill="hold">
-                      <p:stCondLst>
-                        <p:cond delay="indefinite"/>
-                        <p:cond evt="onBegin" delay="0">
-                          <p:tn val="2"/>
-                        </p:cond>
-                      </p:stCondLst>
-                      <p:childTnLst>
-                        <p:par>
-                          <p:cTn id="4" fill="hold">
-                            <p:stCondLst>
-                              <p:cond delay="0"/>
-                            </p:stCondLst>
-                            <p:childTnLst>
-                              <p:par>
-                                <p:cTn id="5" presetID="10" presetClass="exit" presetSubtype="0" fill="hold" nodeType="afterEffect">
-                                  <p:stCondLst>
-                                    <p:cond delay="0"/>
-                                  </p:stCondLst>
-                                  <p:childTnLst>
-                                    <p:animEffect transition="out" filter="fade">
-                                      <p:cBhvr>
-                                        <p:cTn id="6" dur="500"/>
-                                        <p:tgtEl>
-                                          <p:spTgt spid="46"/>
-                                        </p:tgtEl>
-                                      </p:cBhvr>
-                                    </p:animEffect>
-                                    <p:set>
-                                      <p:cBhvr>
-                                        <p:cTn id="7" dur="1" fill="hold">
-                                          <p:stCondLst>
-                                            <p:cond delay="499"/>
-                                          </p:stCondLst>
-                                        </p:cTn>
-                                        <p:tgtEl>
-                                          <p:spTgt spid="46"/>
-                                        </p:tgtEl>
-                                        <p:attrNameLst>
-                                          <p:attrName>style.visibility</p:attrName>
-                                        </p:attrNameLst>
-                                      </p:cBhvr>
-                                      <p:to>
-                                        <p:strVal val="hidden"/>
-                                      </p:to>
-                                    </p:set>
-                                  </p:childTnLst>
-                                </p:cTn>
-                              </p:par>
-                            </p:childTnLst>
-                          </p:cTn>
-                        </p:par>
-                        <p:par>
-                          <p:cTn id="8" fill="hold">
-                            <p:stCondLst>
-                              <p:cond delay="500"/>
-                            </p:stCondLst>
-                            <p:childTnLst>
-                              <p:par>
-                                <p:cTn id="9" presetID="10" presetClass="exit" presetSubtype="0" fill="hold" nodeType="afterEffect">
-                                  <p:stCondLst>
-                                    <p:cond delay="0"/>
-                                  </p:stCondLst>
-                                  <p:childTnLst>
-                                    <p:animEffect transition="out" filter="fade">
-                                      <p:cBhvr>
-                                        <p:cTn id="10" dur="500"/>
-                                        <p:tgtEl>
-                                          <p:spTgt spid="45"/>
-                                        </p:tgtEl>
-                                      </p:cBhvr>
-                                    </p:animEffect>
-                                    <p:set>
-                                      <p:cBhvr>
-                                        <p:cTn id="11" dur="1" fill="hold">
-                                          <p:stCondLst>
-                                            <p:cond delay="499"/>
-                                          </p:stCondLst>
-                                        </p:cTn>
-                                        <p:tgtEl>
-                                          <p:spTgt spid="45"/>
-                                        </p:tgtEl>
-                                        <p:attrNameLst>
-                                          <p:attrName>style.visibility</p:attrName>
-                                        </p:attrNameLst>
-                                      </p:cBhvr>
-                                      <p:to>
-                                        <p:strVal val="hidden"/>
-                                      </p:to>
-                                    </p:set>
-                                  </p:childTnLst>
-                                </p:cTn>
-                              </p:par>
-                            </p:childTnLst>
-                          </p:cTn>
-                        </p:par>
-                        <p:par>
-                          <p:cTn id="12" fill="hold">
-                            <p:stCondLst>
-                              <p:cond delay="1000"/>
-                            </p:stCondLst>
-                            <p:childTnLst>
-                              <p:par>
-                                <p:cTn id="13" presetID="42" presetClass="path" presetSubtype="0" accel="50000" decel="50000" fill="hold" nodeType="afterEffect">
-                                  <p:stCondLst>
-                                    <p:cond delay="0"/>
-                                  </p:stCondLst>
-                                  <p:childTnLst>
-                                    <p:animMotion origin="layout" path="M 1.04167E-6 -3.7037E-6 L 0.04974 -0.05555 " pathEditMode="relative" rAng="0" ptsTypes="AA">
-                                      <p:cBhvr>
-                                        <p:cTn id="14" dur="1000" fill="hold"/>
-                                        <p:tgtEl>
-                                          <p:spTgt spid="51"/>
-                                        </p:tgtEl>
-                                        <p:attrNameLst>
-                                          <p:attrName>ppt_x</p:attrName>
-                                          <p:attrName>ppt_y</p:attrName>
-                                        </p:attrNameLst>
-                                      </p:cBhvr>
-                                      <p:rCtr x="2487" y="-2778"/>
-                                    </p:animMotion>
-                                  </p:childTnLst>
-                                </p:cTn>
-                              </p:par>
-                              <p:par>
-                                <p:cTn id="15" presetID="42" presetClass="path" presetSubtype="0" accel="50000" decel="50000" fill="hold" nodeType="withEffect">
-                                  <p:stCondLst>
-                                    <p:cond delay="750"/>
-                                  </p:stCondLst>
-                                  <p:childTnLst>
-                                    <p:animMotion origin="layout" path="M 2.08333E-7 -3.33333E-6 L 0.23698 0.28287 " pathEditMode="relative" rAng="0" ptsTypes="AA">
-                                      <p:cBhvr>
-                                        <p:cTn id="16" dur="2250" fill="hold"/>
-                                        <p:tgtEl>
-                                          <p:spTgt spid="55"/>
-                                        </p:tgtEl>
-                                        <p:attrNameLst>
-                                          <p:attrName>ppt_x</p:attrName>
-                                          <p:attrName>ppt_y</p:attrName>
-                                        </p:attrNameLst>
-                                      </p:cBhvr>
-                                      <p:rCtr x="11836" y="14051"/>
-                                    </p:animMotion>
-                                  </p:childTnLst>
-                                </p:cTn>
-                              </p:par>
-                              <p:par>
-                                <p:cTn id="17" presetID="42" presetClass="path" presetSubtype="0" accel="50000" decel="50000" fill="hold" nodeType="withEffect">
-                                  <p:stCondLst>
-                                    <p:cond delay="1000"/>
-                                  </p:stCondLst>
-                                  <p:childTnLst>
-                                    <p:animMotion origin="layout" path="M 0.04974 -0.05555 L -0.18893 -0.33333 " pathEditMode="relative" rAng="0" ptsTypes="AA">
-                                      <p:cBhvr>
-                                        <p:cTn id="18" dur="1000" fill="hold"/>
-                                        <p:tgtEl>
-                                          <p:spTgt spid="51"/>
-                                        </p:tgtEl>
-                                        <p:attrNameLst>
-                                          <p:attrName>ppt_x</p:attrName>
-                                          <p:attrName>ppt_y</p:attrName>
-                                        </p:attrNameLst>
-                                      </p:cBhvr>
-                                      <p:rCtr x="-11940" y="-13889"/>
-                                    </p:animMotion>
-                                  </p:childTnLst>
-                                </p:cTn>
-                              </p:par>
-                              <p:par>
-                                <p:cTn id="19" presetID="42" presetClass="path" presetSubtype="0" accel="50000" decel="50000" fill="hold" nodeType="withEffect">
-                                  <p:stCondLst>
-                                    <p:cond delay="2000"/>
-                                  </p:stCondLst>
-                                  <p:childTnLst>
-                                    <p:animMotion origin="layout" path="M -0.18893 -0.33333 L -0.23555 -0.2824 " pathEditMode="relative" rAng="0" ptsTypes="AA">
-                                      <p:cBhvr>
-                                        <p:cTn id="20" dur="1250" fill="hold"/>
-                                        <p:tgtEl>
-                                          <p:spTgt spid="51"/>
-                                        </p:tgtEl>
-                                        <p:attrNameLst>
-                                          <p:attrName>ppt_x</p:attrName>
-                                          <p:attrName>ppt_y</p:attrName>
-                                        </p:attrNameLst>
-                                      </p:cBhvr>
-                                      <p:rCtr x="-2331" y="2546"/>
-                                    </p:animMotion>
-                                  </p:childTnLst>
-                                </p:cTn>
-                              </p:par>
-                            </p:childTnLst>
-                          </p:cTn>
-                        </p:par>
-                        <p:par>
-                          <p:cTn id="21" fill="hold">
-                            <p:stCondLst>
-                              <p:cond delay="4250"/>
-                            </p:stCondLst>
-                            <p:childTnLst>
-                              <p:par>
-                                <p:cTn id="22" presetID="10" presetClass="entr" presetSubtype="0" fill="hold" nodeType="afterEffect">
-                                  <p:stCondLst>
-                                    <p:cond delay="0"/>
-                                  </p:stCondLst>
-                                  <p:childTnLst>
-                                    <p:set>
-                                      <p:cBhvr>
-                                        <p:cTn id="23" dur="1" fill="hold">
-                                          <p:stCondLst>
-                                            <p:cond delay="0"/>
-                                          </p:stCondLst>
-                                        </p:cTn>
-                                        <p:tgtEl>
-                                          <p:spTgt spid="46"/>
-                                        </p:tgtEl>
-                                        <p:attrNameLst>
-                                          <p:attrName>style.visibility</p:attrName>
-                                        </p:attrNameLst>
-                                      </p:cBhvr>
-                                      <p:to>
-                                        <p:strVal val="visible"/>
-                                      </p:to>
-                                    </p:set>
-                                    <p:animEffect transition="in" filter="fade">
-                                      <p:cBhvr>
-                                        <p:cTn id="24" dur="500"/>
-                                        <p:tgtEl>
-                                          <p:spTgt spid="46"/>
-                                        </p:tgtEl>
-                                      </p:cBhvr>
-                                    </p:animEffect>
-                                  </p:childTnLst>
-                                </p:cTn>
-                              </p:par>
-                              <p:par>
-                                <p:cTn id="25" presetID="10" presetClass="entr" presetSubtype="0" fill="hold" nodeType="withEffect">
-                                  <p:stCondLst>
-                                    <p:cond delay="0"/>
-                                  </p:stCondLst>
-                                  <p:childTnLst>
-                                    <p:set>
-                                      <p:cBhvr>
-                                        <p:cTn id="26" dur="1" fill="hold">
-                                          <p:stCondLst>
-                                            <p:cond delay="0"/>
-                                          </p:stCondLst>
-                                        </p:cTn>
-                                        <p:tgtEl>
-                                          <p:spTgt spid="45"/>
-                                        </p:tgtEl>
-                                        <p:attrNameLst>
-                                          <p:attrName>style.visibility</p:attrName>
-                                        </p:attrNameLst>
-                                      </p:cBhvr>
-                                      <p:to>
-                                        <p:strVal val="visible"/>
-                                      </p:to>
-                                    </p:set>
-                                    <p:animEffect transition="in" filter="fade">
-                                      <p:cBhvr>
-                                        <p:cTn id="27" dur="500"/>
-                                        <p:tgtEl>
-                                          <p:spTgt spid="45"/>
-                                        </p:tgtEl>
-                                      </p:cBhvr>
-                                    </p:animEffect>
-                                  </p:childTnLst>
-                                </p:cTn>
-                              </p:par>
-                            </p:childTnLst>
-                          </p:cTn>
-                        </p:par>
-                      </p:childTnLst>
-                    </p:cTn>
-                  </p:par>
-                </p:childTnLst>
-              </p:cTn>
-              <p:prevCondLst>
-                <p:cond evt="onPrev" delay="0">
-                  <p:tgtEl>
-                    <p:sldTgt/>
-                  </p:tgtEl>
-                </p:cond>
-              </p:prevCondLst>
-              <p:nextCondLst>
-                <p:cond evt="onNext" delay="0">
-                  <p:tgtEl>
-                    <p:sldTgt/>
-                  </p:tgtEl>
-                </p:cond>
-              </p:nextCondLst>
-            </p:seq>
-          </p:childTnLst>
-        </p:cTn>
       </p:par>
     </p:tnLst>
   </p:timing>
@@ -35667,87 +38784,208 @@
           </a:prstGeom>
         </p:spPr>
       </p:pic>
-      <p:pic>
-        <p:nvPicPr>
-          <p:cNvPr id="7" name="Picture 6"/>
-          <p:cNvPicPr>
-            <a:picLocks noChangeAspect="1"/>
-          </p:cNvPicPr>
+      <p:sp>
+        <p:nvSpPr>
+          <p:cNvPr id="2" name="TextBox 1"/>
+          <p:cNvSpPr txBox="1"/>
           <p:nvPr/>
-        </p:nvPicPr>
-        <p:blipFill>
-          <a:blip r:embed="rId3" cstate="print">
-            <a:extLst>
-              <a:ext uri="{28A0092B-C50C-407E-A947-70E740481C1C}">
-                <a14:useLocalDpi xmlns:a14="http://schemas.microsoft.com/office/drawing/2010/main" val="0"/>
-              </a:ext>
-            </a:extLst>
-          </a:blip>
-          <a:stretch>
-            <a:fillRect/>
-          </a:stretch>
-        </p:blipFill>
+        </p:nvSpPr>
         <p:spPr>
           <a:xfrm>
-            <a:off x="3603371" y="2488183"/>
-            <a:ext cx="4989218" cy="1347217"/>
+            <a:off x="669634" y="1595718"/>
+            <a:ext cx="5461688" cy="769441"/>
           </a:xfrm>
           <a:prstGeom prst="rect">
             <a:avLst/>
           </a:prstGeom>
+          <a:noFill/>
         </p:spPr>
-      </p:pic>
+        <p:txBody>
+          <a:bodyPr wrap="none" rtlCol="0">
+            <a:spAutoFit/>
+          </a:bodyPr>
+          <a:lstStyle/>
+          <a:p>
+            <a:r>
+              <a:rPr lang="en-US" sz="4400" dirty="0" smtClean="0">
+                <a:solidFill>
+                  <a:prstClr val="black"/>
+                </a:solidFill>
+              </a:rPr>
+              <a:t>Continuous Integration</a:t>
+            </a:r>
+            <a:endParaRPr lang="en-US" sz="4400" dirty="0">
+              <a:solidFill>
+                <a:prstClr val="black"/>
+              </a:solidFill>
+            </a:endParaRPr>
+          </a:p>
+        </p:txBody>
+      </p:sp>
       <p:sp>
         <p:nvSpPr>
-          <p:cNvPr id="8" name="Rectangle 7"/>
-          <p:cNvSpPr/>
+          <p:cNvPr id="5" name="TextBox 4"/>
+          <p:cNvSpPr txBox="1"/>
           <p:nvPr/>
         </p:nvSpPr>
         <p:spPr>
           <a:xfrm>
-            <a:off x="696686" y="5050801"/>
-            <a:ext cx="11137900" cy="954107"/>
+            <a:off x="669634" y="6024282"/>
+            <a:ext cx="9387757" cy="369332"/>
           </a:xfrm>
           <a:prstGeom prst="rect">
             <a:avLst/>
           </a:prstGeom>
+          <a:noFill/>
         </p:spPr>
         <p:txBody>
-          <a:bodyPr wrap="square">
+          <a:bodyPr wrap="square" rtlCol="0">
             <a:spAutoFit/>
           </a:bodyPr>
           <a:lstStyle/>
           <a:p>
             <a:r>
-              <a:rPr lang="en-US" sz="2800" dirty="0"/>
-              <a:t>Node.js was invented in 2009 by Ryan Dahl and other developers working at </a:t>
-            </a:r>
-            <a:r>
-              <a:rPr lang="en-US" sz="2800" dirty="0" err="1" smtClean="0"/>
-              <a:t>Joyent</a:t>
-            </a:r>
-            <a:r>
-              <a:rPr lang="en-US" sz="2800" dirty="0" smtClean="0"/>
-              <a:t>. Node.js </a:t>
-            </a:r>
-            <a:r>
-              <a:rPr lang="en-US" sz="2800" dirty="0"/>
-              <a:t>was created and first published for Linux use in </a:t>
-            </a:r>
-            <a:r>
-              <a:rPr lang="en-US" sz="2800" dirty="0" smtClean="0"/>
-              <a:t>2009.</a:t>
-            </a:r>
-            <a:endParaRPr lang="en-US" sz="2800" dirty="0">
-              <a:cs typeface="Segoe UI" panose="020B0502040204020203" pitchFamily="34" charset="0"/>
-            </a:endParaRPr>
+              <a:rPr lang="en-US" dirty="0">
+                <a:solidFill>
+                  <a:prstClr val="black"/>
+                </a:solidFill>
+              </a:rPr>
+              <a:t>https://</a:t>
+            </a:r>
+            <a:r>
+              <a:rPr lang="en-US" dirty="0" err="1">
+                <a:solidFill>
+                  <a:prstClr val="black"/>
+                </a:solidFill>
+              </a:rPr>
+              <a:t>azure.microsoft.com</a:t>
+            </a:r>
+            <a:r>
+              <a:rPr lang="en-US" dirty="0">
+                <a:solidFill>
+                  <a:prstClr val="black"/>
+                </a:solidFill>
+              </a:rPr>
+              <a:t>/en-us/documentation/articles/web-sites-publish-source-control/</a:t>
+            </a:r>
+          </a:p>
+        </p:txBody>
+      </p:sp>
+      <p:sp>
+        <p:nvSpPr>
+          <p:cNvPr id="6" name="TextBox 5"/>
+          <p:cNvSpPr txBox="1"/>
+          <p:nvPr/>
+        </p:nvSpPr>
+        <p:spPr>
+          <a:xfrm>
+            <a:off x="669634" y="2853972"/>
+            <a:ext cx="7685472" cy="1569660"/>
+          </a:xfrm>
+          <a:prstGeom prst="rect">
+            <a:avLst/>
+          </a:prstGeom>
+          <a:noFill/>
+        </p:spPr>
+        <p:txBody>
+          <a:bodyPr wrap="square" rtlCol="0">
+            <a:spAutoFit/>
+          </a:bodyPr>
+          <a:lstStyle/>
+          <a:p>
+            <a:pPr marL="285750" indent="-285750">
+              <a:buFont typeface="Arial" charset="0"/>
+              <a:buChar char="•"/>
+            </a:pPr>
+            <a:r>
+              <a:rPr lang="en-US" sz="2400" dirty="0" smtClean="0">
+                <a:solidFill>
+                  <a:prstClr val="black"/>
+                </a:solidFill>
+              </a:rPr>
+              <a:t>Visual Studio Team Services (ex. VS Online)</a:t>
+            </a:r>
+          </a:p>
+          <a:p>
+            <a:pPr marL="285750" indent="-285750">
+              <a:buFont typeface="Arial" charset="0"/>
+              <a:buChar char="•"/>
+            </a:pPr>
+            <a:r>
+              <a:rPr lang="en-US" sz="2400" dirty="0" smtClean="0">
+                <a:solidFill>
+                  <a:prstClr val="black"/>
+                </a:solidFill>
+              </a:rPr>
+              <a:t>Local </a:t>
+            </a:r>
+            <a:r>
+              <a:rPr lang="en-US" sz="2400" dirty="0" err="1" smtClean="0">
+                <a:solidFill>
+                  <a:prstClr val="black"/>
+                </a:solidFill>
+              </a:rPr>
+              <a:t>Git</a:t>
+            </a:r>
+            <a:r>
+              <a:rPr lang="en-US" sz="2400" dirty="0" smtClean="0">
+                <a:solidFill>
+                  <a:prstClr val="black"/>
+                </a:solidFill>
+              </a:rPr>
+              <a:t> Repository</a:t>
+            </a:r>
+          </a:p>
+          <a:p>
+            <a:pPr marL="285750" indent="-285750">
+              <a:buFont typeface="Arial" charset="0"/>
+              <a:buChar char="•"/>
+            </a:pPr>
+            <a:r>
+              <a:rPr lang="en-US" sz="2400" dirty="0" err="1" smtClean="0">
+                <a:solidFill>
+                  <a:prstClr val="black"/>
+                </a:solidFill>
+              </a:rPr>
+              <a:t>Github</a:t>
+            </a:r>
+            <a:r>
+              <a:rPr lang="en-US" sz="2400" dirty="0" smtClean="0">
+                <a:solidFill>
+                  <a:prstClr val="black"/>
+                </a:solidFill>
+              </a:rPr>
+              <a:t> (hooks)</a:t>
+            </a:r>
+          </a:p>
+          <a:p>
+            <a:pPr marL="285750" indent="-285750">
+              <a:buFont typeface="Arial" charset="0"/>
+              <a:buChar char="•"/>
+            </a:pPr>
+            <a:r>
+              <a:rPr lang="en-US" sz="2400" dirty="0" err="1" smtClean="0">
+                <a:solidFill>
+                  <a:prstClr val="black"/>
+                </a:solidFill>
+              </a:rPr>
+              <a:t>Bitbucket</a:t>
+            </a:r>
+            <a:r>
+              <a:rPr lang="en-US" sz="2400" dirty="0">
+                <a:solidFill>
+                  <a:prstClr val="black"/>
+                </a:solidFill>
+              </a:rPr>
+              <a:t> (hooks)</a:t>
+            </a:r>
           </a:p>
         </p:txBody>
       </p:sp>
     </p:spTree>
     <p:extLst>
       <p:ext uri="{BB962C8B-B14F-4D97-AF65-F5344CB8AC3E}">
-        <p14:creationId xmlns:p14="http://schemas.microsoft.com/office/powerpoint/2010/main" val="3934140040"/>
+        <p14:creationId xmlns:p14="http://schemas.microsoft.com/office/powerpoint/2010/main" val="2165341677"/>
       </p:ext>
     </p:extLst>
   </p:cSld>
@@ -35819,152 +39057,127 @@
           </a:prstGeom>
         </p:spPr>
       </p:pic>
-      <p:pic>
-        <p:nvPicPr>
-          <p:cNvPr id="7" name="Picture 6"/>
-          <p:cNvPicPr>
-            <a:picLocks noChangeAspect="1"/>
-          </p:cNvPicPr>
+      <p:sp>
+        <p:nvSpPr>
+          <p:cNvPr id="2" name="TextBox 1"/>
+          <p:cNvSpPr txBox="1"/>
           <p:nvPr/>
-        </p:nvPicPr>
-        <p:blipFill>
-          <a:blip r:embed="rId3" cstate="print">
-            <a:extLst>
-              <a:ext uri="{28A0092B-C50C-407E-A947-70E740481C1C}">
-                <a14:useLocalDpi xmlns:a14="http://schemas.microsoft.com/office/drawing/2010/main" val="0"/>
-              </a:ext>
-            </a:extLst>
-          </a:blip>
-          <a:stretch>
-            <a:fillRect/>
-          </a:stretch>
-        </p:blipFill>
+        </p:nvSpPr>
         <p:spPr>
           <a:xfrm>
-            <a:off x="3603371" y="2488183"/>
-            <a:ext cx="4989218" cy="1347217"/>
+            <a:off x="669634" y="1595718"/>
+            <a:ext cx="5461688" cy="769441"/>
           </a:xfrm>
           <a:prstGeom prst="rect">
             <a:avLst/>
           </a:prstGeom>
+          <a:noFill/>
         </p:spPr>
-      </p:pic>
+        <p:txBody>
+          <a:bodyPr wrap="none" rtlCol="0">
+            <a:spAutoFit/>
+          </a:bodyPr>
+          <a:lstStyle/>
+          <a:p>
+            <a:r>
+              <a:rPr lang="en-US" sz="4400" dirty="0" smtClean="0">
+                <a:solidFill>
+                  <a:prstClr val="black"/>
+                </a:solidFill>
+              </a:rPr>
+              <a:t>Continuous Integration</a:t>
+            </a:r>
+            <a:endParaRPr lang="en-US" sz="4400" dirty="0">
+              <a:solidFill>
+                <a:prstClr val="black"/>
+              </a:solidFill>
+            </a:endParaRPr>
+          </a:p>
+        </p:txBody>
+      </p:sp>
       <p:sp>
         <p:nvSpPr>
-          <p:cNvPr id="2" name="Rectangle 1"/>
-          <p:cNvSpPr/>
+          <p:cNvPr id="5" name="TextBox 4"/>
+          <p:cNvSpPr txBox="1"/>
           <p:nvPr/>
         </p:nvSpPr>
         <p:spPr>
           <a:xfrm>
-            <a:off x="1123950" y="4517955"/>
-            <a:ext cx="6096000" cy="1200329"/>
+            <a:off x="669634" y="6024282"/>
+            <a:ext cx="9387757" cy="369332"/>
           </a:xfrm>
           <a:prstGeom prst="rect">
             <a:avLst/>
           </a:prstGeom>
+          <a:noFill/>
         </p:spPr>
         <p:txBody>
-          <a:bodyPr>
+          <a:bodyPr wrap="square" rtlCol="0">
             <a:spAutoFit/>
           </a:bodyPr>
           <a:lstStyle/>
           <a:p>
             <a:r>
-              <a:rPr lang="en-US" sz="2400" b="1" dirty="0" smtClean="0">
+              <a:rPr lang="en-US" dirty="0">
                 <a:solidFill>
-                  <a:srgbClr val="4C5859"/>
+                  <a:prstClr val="black"/>
                 </a:solidFill>
-                <a:cs typeface="Segoe UI" panose="020B0502040204020203" pitchFamily="34" charset="0"/>
               </a:rPr>
-              <a:t>Event-driven </a:t>
-            </a:r>
-            <a:r>
-              <a:rPr lang="en-US" sz="2400" b="1" dirty="0">
+              <a:t>https://</a:t>
+            </a:r>
+            <a:r>
+              <a:rPr lang="en-US" dirty="0" err="1">
                 <a:solidFill>
-                  <a:srgbClr val="4C5859"/>
+                  <a:prstClr val="black"/>
                 </a:solidFill>
-                <a:cs typeface="Segoe UI" panose="020B0502040204020203" pitchFamily="34" charset="0"/>
               </a:rPr>
-              <a:t>programming </a:t>
-            </a:r>
-            <a:r>
-              <a:rPr lang="en-US" sz="2400" dirty="0">
+              <a:t>azure.microsoft.com</a:t>
+            </a:r>
+            <a:r>
+              <a:rPr lang="en-US" dirty="0">
                 <a:solidFill>
-                  <a:srgbClr val="4C5859"/>
+                  <a:prstClr val="black"/>
                 </a:solidFill>
-                <a:cs typeface="Segoe UI" panose="020B0502040204020203" pitchFamily="34" charset="0"/>
               </a:rPr>
-              <a:t>is application flow control that is determined by events or changes in state.</a:t>
-            </a:r>
-            <a:endParaRPr lang="en-US" sz="2400" dirty="0">
-              <a:cs typeface="Segoe UI" panose="020B0502040204020203" pitchFamily="34" charset="0"/>
-            </a:endParaRPr>
+              <a:t>/en-us/documentation/articles/web-sites-publish-source-control/</a:t>
+            </a:r>
           </a:p>
         </p:txBody>
       </p:sp>
       <p:sp>
         <p:nvSpPr>
-          <p:cNvPr id="3" name="Rectangle 2"/>
-          <p:cNvSpPr/>
+          <p:cNvPr id="6" name="TextBox 5"/>
+          <p:cNvSpPr txBox="1"/>
           <p:nvPr/>
         </p:nvSpPr>
         <p:spPr>
           <a:xfrm>
-            <a:off x="1123950" y="5718284"/>
-            <a:ext cx="5701561" cy="461665"/>
+            <a:off x="669634" y="3733055"/>
+            <a:ext cx="7685472" cy="584775"/>
           </a:xfrm>
           <a:prstGeom prst="rect">
             <a:avLst/>
           </a:prstGeom>
+          <a:noFill/>
         </p:spPr>
         <p:txBody>
-          <a:bodyPr wrap="none">
+          <a:bodyPr wrap="square" rtlCol="0">
             <a:spAutoFit/>
           </a:bodyPr>
           <a:lstStyle/>
           <a:p>
             <a:r>
-              <a:rPr lang="en-US" sz="2400" dirty="0">
+              <a:rPr lang="en-US" sz="3200" dirty="0" smtClean="0">
                 <a:solidFill>
-                  <a:srgbClr val="00ABEC"/>
+                  <a:prstClr val="black"/>
                 </a:solidFill>
-                <a:cs typeface="Segoe UI" panose="020B0502040204020203" pitchFamily="34" charset="0"/>
               </a:rPr>
-              <a:t>E</a:t>
-            </a:r>
-            <a:r>
-              <a:rPr lang="en-US" sz="2400" dirty="0" smtClean="0">
-                <a:solidFill>
-                  <a:srgbClr val="00ABEC"/>
-                </a:solidFill>
-                <a:cs typeface="Segoe UI" panose="020B0502040204020203" pitchFamily="34" charset="0"/>
-              </a:rPr>
-              <a:t>verything </a:t>
-            </a:r>
-            <a:r>
-              <a:rPr lang="en-US" sz="2400" dirty="0">
-                <a:solidFill>
-                  <a:srgbClr val="00ABEC"/>
-                </a:solidFill>
-                <a:cs typeface="Segoe UI" panose="020B0502040204020203" pitchFamily="34" charset="0"/>
-              </a:rPr>
-              <a:t>runs in parallel except your </a:t>
-            </a:r>
-            <a:r>
-              <a:rPr lang="en-US" sz="2400" dirty="0" smtClean="0">
-                <a:solidFill>
-                  <a:srgbClr val="00ABEC"/>
-                </a:solidFill>
-                <a:cs typeface="Segoe UI" panose="020B0502040204020203" pitchFamily="34" charset="0"/>
-              </a:rPr>
-              <a:t>code.</a:t>
-            </a:r>
-            <a:endParaRPr lang="en-US" sz="2400" dirty="0">
+              <a:t>Demo</a:t>
+            </a:r>
+            <a:endParaRPr lang="en-US" sz="3200" dirty="0">
               <a:solidFill>
-                <a:srgbClr val="00ABEC"/>
+                <a:prstClr val="black"/>
               </a:solidFill>
-              <a:cs typeface="Segoe UI" panose="020B0502040204020203" pitchFamily="34" charset="0"/>
             </a:endParaRPr>
           </a:p>
         </p:txBody>
@@ -35972,7 +39185,7 @@
     </p:spTree>
     <p:extLst>
       <p:ext uri="{BB962C8B-B14F-4D97-AF65-F5344CB8AC3E}">
-        <p14:creationId xmlns:p14="http://schemas.microsoft.com/office/powerpoint/2010/main" val="142576634"/>
+        <p14:creationId xmlns:p14="http://schemas.microsoft.com/office/powerpoint/2010/main" val="1605045967"/>
       </p:ext>
     </p:extLst>
   </p:cSld>
@@ -36046,276 +39259,52 @@
       </p:pic>
       <p:sp>
         <p:nvSpPr>
-          <p:cNvPr id="3" name="Rectangle 2"/>
-          <p:cNvSpPr/>
-          <p:nvPr/>
-        </p:nvSpPr>
-        <p:spPr>
-          <a:xfrm>
-            <a:off x="1107411" y="2841338"/>
-            <a:ext cx="2238989" cy="522514"/>
-          </a:xfrm>
-          <a:prstGeom prst="rect">
-            <a:avLst/>
-          </a:prstGeom>
-          <a:solidFill>
-            <a:schemeClr val="accent1">
-              <a:lumMod val="75000"/>
-            </a:schemeClr>
-          </a:solidFill>
-          <a:ln w="28575"/>
-        </p:spPr>
-        <p:style>
-          <a:lnRef idx="2">
-            <a:schemeClr val="accent1">
-              <a:shade val="50000"/>
-            </a:schemeClr>
-          </a:lnRef>
-          <a:fillRef idx="1">
-            <a:schemeClr val="accent1"/>
-          </a:fillRef>
-          <a:effectRef idx="0">
-            <a:schemeClr val="accent1"/>
-          </a:effectRef>
-          <a:fontRef idx="minor">
-            <a:schemeClr val="lt1"/>
-          </a:fontRef>
-        </p:style>
-        <p:txBody>
-          <a:bodyPr rtlCol="0" anchor="ctr"/>
-          <a:lstStyle/>
-          <a:p>
-            <a:pPr algn="ctr"/>
-            <a:r>
-              <a:rPr lang="en-US" dirty="0" smtClean="0"/>
-              <a:t>Network call</a:t>
-            </a:r>
-            <a:endParaRPr lang="en-US" dirty="0"/>
-          </a:p>
-        </p:txBody>
-      </p:sp>
-      <p:sp>
-        <p:nvSpPr>
-          <p:cNvPr id="5" name="Rectangle 4"/>
-          <p:cNvSpPr/>
-          <p:nvPr/>
-        </p:nvSpPr>
-        <p:spPr>
-          <a:xfrm>
-            <a:off x="1107411" y="2130186"/>
-            <a:ext cx="2238989" cy="522514"/>
-          </a:xfrm>
-          <a:prstGeom prst="rect">
-            <a:avLst/>
-          </a:prstGeom>
-          <a:solidFill>
-            <a:schemeClr val="accent1">
-              <a:lumMod val="75000"/>
-            </a:schemeClr>
-          </a:solidFill>
-          <a:ln w="28575"/>
-        </p:spPr>
-        <p:style>
-          <a:lnRef idx="2">
-            <a:schemeClr val="accent1">
-              <a:shade val="50000"/>
-            </a:schemeClr>
-          </a:lnRef>
-          <a:fillRef idx="1">
-            <a:schemeClr val="accent1"/>
-          </a:fillRef>
-          <a:effectRef idx="0">
-            <a:schemeClr val="accent1"/>
-          </a:effectRef>
-          <a:fontRef idx="minor">
-            <a:schemeClr val="lt1"/>
-          </a:fontRef>
-        </p:style>
-        <p:txBody>
-          <a:bodyPr rtlCol="0" anchor="ctr"/>
-          <a:lstStyle/>
-          <a:p>
-            <a:pPr algn="ctr"/>
-            <a:r>
-              <a:rPr lang="en-US" dirty="0" err="1"/>
-              <a:t>d</a:t>
-            </a:r>
-            <a:r>
-              <a:rPr lang="en-US" dirty="0" err="1" smtClean="0"/>
-              <a:t>b.query</a:t>
-            </a:r>
-            <a:r>
-              <a:rPr lang="en-US" dirty="0" smtClean="0"/>
-              <a:t>(…)</a:t>
-            </a:r>
-            <a:endParaRPr lang="en-US" dirty="0"/>
-          </a:p>
-        </p:txBody>
-      </p:sp>
-      <p:sp>
-        <p:nvSpPr>
-          <p:cNvPr id="6" name="Rectangle 5"/>
-          <p:cNvSpPr/>
-          <p:nvPr/>
-        </p:nvSpPr>
-        <p:spPr>
-          <a:xfrm>
-            <a:off x="1107411" y="3537522"/>
-            <a:ext cx="2238989" cy="522514"/>
-          </a:xfrm>
-          <a:prstGeom prst="rect">
-            <a:avLst/>
-          </a:prstGeom>
-          <a:solidFill>
-            <a:schemeClr val="accent1">
-              <a:lumMod val="75000"/>
-            </a:schemeClr>
-          </a:solidFill>
-          <a:ln w="28575"/>
-        </p:spPr>
-        <p:style>
-          <a:lnRef idx="2">
-            <a:schemeClr val="accent1">
-              <a:shade val="50000"/>
-            </a:schemeClr>
-          </a:lnRef>
-          <a:fillRef idx="1">
-            <a:schemeClr val="accent1"/>
-          </a:fillRef>
-          <a:effectRef idx="0">
-            <a:schemeClr val="accent1"/>
-          </a:effectRef>
-          <a:fontRef idx="minor">
-            <a:schemeClr val="lt1"/>
-          </a:fontRef>
-        </p:style>
-        <p:txBody>
-          <a:bodyPr rtlCol="0" anchor="ctr"/>
-          <a:lstStyle/>
-          <a:p>
-            <a:pPr algn="ctr"/>
-            <a:r>
-              <a:rPr lang="en-US" dirty="0" smtClean="0"/>
-              <a:t>Shift array</a:t>
-            </a:r>
-            <a:endParaRPr lang="en-US" dirty="0"/>
-          </a:p>
-        </p:txBody>
-      </p:sp>
-      <p:sp>
-        <p:nvSpPr>
-          <p:cNvPr id="7" name="Rectangle 6"/>
-          <p:cNvSpPr/>
-          <p:nvPr/>
-        </p:nvSpPr>
-        <p:spPr>
-          <a:xfrm>
-            <a:off x="1107411" y="4230484"/>
-            <a:ext cx="2238989" cy="522514"/>
-          </a:xfrm>
-          <a:prstGeom prst="rect">
-            <a:avLst/>
-          </a:prstGeom>
-          <a:solidFill>
-            <a:schemeClr val="accent1">
-              <a:lumMod val="75000"/>
-            </a:schemeClr>
-          </a:solidFill>
-          <a:ln w="28575"/>
-        </p:spPr>
-        <p:style>
-          <a:lnRef idx="2">
-            <a:schemeClr val="accent1">
-              <a:shade val="50000"/>
-            </a:schemeClr>
-          </a:lnRef>
-          <a:fillRef idx="1">
-            <a:schemeClr val="accent1"/>
-          </a:fillRef>
-          <a:effectRef idx="0">
-            <a:schemeClr val="accent1"/>
-          </a:effectRef>
-          <a:fontRef idx="minor">
-            <a:schemeClr val="lt1"/>
-          </a:fontRef>
-        </p:style>
-        <p:txBody>
-          <a:bodyPr rtlCol="0" anchor="ctr"/>
-          <a:lstStyle/>
-          <a:p>
-            <a:pPr algn="ctr"/>
-            <a:r>
-              <a:rPr lang="en-US" dirty="0" smtClean="0"/>
-              <a:t>Read from </a:t>
-            </a:r>
-            <a:r>
-              <a:rPr lang="en-US" dirty="0" smtClean="0"/>
-              <a:t>file</a:t>
-            </a:r>
-            <a:endParaRPr lang="en-US" dirty="0"/>
-          </a:p>
-        </p:txBody>
-      </p:sp>
-      <p:sp>
-        <p:nvSpPr>
-          <p:cNvPr id="8" name="Rectangle 7"/>
-          <p:cNvSpPr/>
-          <p:nvPr/>
-        </p:nvSpPr>
-        <p:spPr>
-          <a:xfrm>
-            <a:off x="1119657" y="4929891"/>
-            <a:ext cx="2238989" cy="522514"/>
-          </a:xfrm>
-          <a:prstGeom prst="rect">
-            <a:avLst/>
-          </a:prstGeom>
-          <a:solidFill>
-            <a:schemeClr val="accent1">
-              <a:lumMod val="75000"/>
-            </a:schemeClr>
-          </a:solidFill>
-          <a:ln w="28575"/>
-        </p:spPr>
-        <p:style>
-          <a:lnRef idx="2">
-            <a:schemeClr val="accent1">
-              <a:shade val="50000"/>
-            </a:schemeClr>
-          </a:lnRef>
-          <a:fillRef idx="1">
-            <a:schemeClr val="accent1"/>
-          </a:fillRef>
-          <a:effectRef idx="0">
-            <a:schemeClr val="accent1"/>
-          </a:effectRef>
-          <a:fontRef idx="minor">
-            <a:schemeClr val="lt1"/>
-          </a:fontRef>
-        </p:style>
-        <p:txBody>
-          <a:bodyPr rtlCol="0" anchor="ctr"/>
-          <a:lstStyle/>
-          <a:p>
-            <a:pPr algn="ctr"/>
-            <a:r>
-              <a:rPr lang="en-US" dirty="0" smtClean="0"/>
-              <a:t>console.log()</a:t>
-            </a:r>
-            <a:endParaRPr lang="en-US" dirty="0"/>
-          </a:p>
-        </p:txBody>
-      </p:sp>
-      <p:sp>
-        <p:nvSpPr>
-          <p:cNvPr id="9" name="TextBox 8"/>
+          <p:cNvPr id="2" name="TextBox 1"/>
           <p:cNvSpPr txBox="1"/>
           <p:nvPr/>
         </p:nvSpPr>
         <p:spPr>
           <a:xfrm>
-            <a:off x="982049" y="1437307"/>
-            <a:ext cx="2890157" cy="523220"/>
+            <a:off x="669634" y="1595718"/>
+            <a:ext cx="5461688" cy="769441"/>
+          </a:xfrm>
+          <a:prstGeom prst="rect">
+            <a:avLst/>
+          </a:prstGeom>
+          <a:noFill/>
+        </p:spPr>
+        <p:txBody>
+          <a:bodyPr wrap="none" rtlCol="0">
+            <a:spAutoFit/>
+          </a:bodyPr>
+          <a:lstStyle/>
+          <a:p>
+            <a:r>
+              <a:rPr lang="en-US" sz="4400" dirty="0" smtClean="0">
+                <a:solidFill>
+                  <a:prstClr val="black"/>
+                </a:solidFill>
+              </a:rPr>
+              <a:t>Continuous Integration</a:t>
+            </a:r>
+            <a:endParaRPr lang="en-US" sz="4400" dirty="0">
+              <a:solidFill>
+                <a:prstClr val="black"/>
+              </a:solidFill>
+            </a:endParaRPr>
+          </a:p>
+        </p:txBody>
+      </p:sp>
+      <p:sp>
+        <p:nvSpPr>
+          <p:cNvPr id="6" name="TextBox 5"/>
+          <p:cNvSpPr txBox="1"/>
+          <p:nvPr/>
+        </p:nvSpPr>
+        <p:spPr>
+          <a:xfrm>
+            <a:off x="669634" y="3733055"/>
+            <a:ext cx="7685472" cy="584775"/>
           </a:xfrm>
           <a:prstGeom prst="rect">
             <a:avLst/>
@@ -36329,505 +39318,25 @@
           <a:lstStyle/>
           <a:p>
             <a:r>
-              <a:rPr lang="en-US" sz="2800" dirty="0" smtClean="0"/>
-              <a:t>Event Queue</a:t>
-            </a:r>
-            <a:endParaRPr lang="en-US" sz="2800" dirty="0"/>
+              <a:rPr lang="en-US" sz="3200" dirty="0" smtClean="0">
+                <a:solidFill>
+                  <a:prstClr val="black"/>
+                </a:solidFill>
+              </a:rPr>
+              <a:t>Demo</a:t>
+            </a:r>
+            <a:endParaRPr lang="en-US" sz="3200" dirty="0">
+              <a:solidFill>
+                <a:prstClr val="black"/>
+              </a:solidFill>
+            </a:endParaRPr>
           </a:p>
         </p:txBody>
       </p:sp>
-      <p:cxnSp>
-        <p:nvCxnSpPr>
-          <p:cNvPr id="11" name="Straight Arrow Connector 10"/>
-          <p:cNvCxnSpPr/>
-          <p:nvPr/>
-        </p:nvCxnSpPr>
-        <p:spPr>
-          <a:xfrm flipV="1">
-            <a:off x="4049487" y="3731080"/>
-            <a:ext cx="718457" cy="1"/>
-          </a:xfrm>
-          <a:prstGeom prst="straightConnector1">
-            <a:avLst/>
-          </a:prstGeom>
-          <a:ln w="38100">
-            <a:tailEnd type="triangle"/>
-          </a:ln>
-        </p:spPr>
-        <p:style>
-          <a:lnRef idx="1">
-            <a:schemeClr val="accent1"/>
-          </a:lnRef>
-          <a:fillRef idx="0">
-            <a:schemeClr val="accent1"/>
-          </a:fillRef>
-          <a:effectRef idx="0">
-            <a:schemeClr val="accent1"/>
-          </a:effectRef>
-          <a:fontRef idx="minor">
-            <a:schemeClr val="tx1"/>
-          </a:fontRef>
-        </p:style>
-      </p:cxnSp>
-      <p:cxnSp>
-        <p:nvCxnSpPr>
-          <p:cNvPr id="19" name="Straight Arrow Connector 18"/>
-          <p:cNvCxnSpPr/>
-          <p:nvPr/>
-        </p:nvCxnSpPr>
-        <p:spPr>
-          <a:xfrm flipV="1">
-            <a:off x="8047269" y="3731080"/>
-            <a:ext cx="718457" cy="1"/>
-          </a:xfrm>
-          <a:prstGeom prst="straightConnector1">
-            <a:avLst/>
-          </a:prstGeom>
-          <a:ln w="38100">
-            <a:tailEnd type="triangle"/>
-          </a:ln>
-        </p:spPr>
-        <p:style>
-          <a:lnRef idx="1">
-            <a:schemeClr val="accent1"/>
-          </a:lnRef>
-          <a:fillRef idx="0">
-            <a:schemeClr val="accent1"/>
-          </a:fillRef>
-          <a:effectRef idx="0">
-            <a:schemeClr val="accent1"/>
-          </a:effectRef>
-          <a:fontRef idx="minor">
-            <a:schemeClr val="tx1"/>
-          </a:fontRef>
-        </p:style>
-      </p:cxnSp>
-      <p:sp>
-        <p:nvSpPr>
-          <p:cNvPr id="21" name="Rectangle 20"/>
-          <p:cNvSpPr/>
-          <p:nvPr/>
-        </p:nvSpPr>
-        <p:spPr>
-          <a:xfrm>
-            <a:off x="9144002" y="3498078"/>
-            <a:ext cx="2132238" cy="464004"/>
-          </a:xfrm>
-          <a:prstGeom prst="rect">
-            <a:avLst/>
-          </a:prstGeom>
-          <a:solidFill>
-            <a:schemeClr val="accent1">
-              <a:lumMod val="75000"/>
-            </a:schemeClr>
-          </a:solidFill>
-          <a:ln w="28575"/>
-        </p:spPr>
-        <p:style>
-          <a:lnRef idx="2">
-            <a:schemeClr val="accent1">
-              <a:shade val="50000"/>
-            </a:schemeClr>
-          </a:lnRef>
-          <a:fillRef idx="1">
-            <a:schemeClr val="accent1"/>
-          </a:fillRef>
-          <a:effectRef idx="0">
-            <a:schemeClr val="accent1"/>
-          </a:effectRef>
-          <a:fontRef idx="minor">
-            <a:schemeClr val="lt1"/>
-          </a:fontRef>
-        </p:style>
-        <p:txBody>
-          <a:bodyPr rtlCol="0" anchor="ctr"/>
-          <a:lstStyle/>
-          <a:p>
-            <a:pPr algn="ctr"/>
-            <a:r>
-              <a:rPr lang="en-US" dirty="0" err="1" smtClean="0"/>
-              <a:t>FIlesystem</a:t>
-            </a:r>
-            <a:endParaRPr lang="en-US" dirty="0"/>
-          </a:p>
-        </p:txBody>
-      </p:sp>
-      <p:sp>
-        <p:nvSpPr>
-          <p:cNvPr id="22" name="Rectangle 21"/>
-          <p:cNvSpPr/>
-          <p:nvPr/>
-        </p:nvSpPr>
-        <p:spPr>
-          <a:xfrm>
-            <a:off x="9144002" y="2824343"/>
-            <a:ext cx="2132238" cy="464004"/>
-          </a:xfrm>
-          <a:prstGeom prst="rect">
-            <a:avLst/>
-          </a:prstGeom>
-          <a:solidFill>
-            <a:schemeClr val="accent1">
-              <a:lumMod val="75000"/>
-            </a:schemeClr>
-          </a:solidFill>
-          <a:ln w="28575"/>
-        </p:spPr>
-        <p:style>
-          <a:lnRef idx="2">
-            <a:schemeClr val="accent1">
-              <a:shade val="50000"/>
-            </a:schemeClr>
-          </a:lnRef>
-          <a:fillRef idx="1">
-            <a:schemeClr val="accent1"/>
-          </a:fillRef>
-          <a:effectRef idx="0">
-            <a:schemeClr val="accent1"/>
-          </a:effectRef>
-          <a:fontRef idx="minor">
-            <a:schemeClr val="lt1"/>
-          </a:fontRef>
-        </p:style>
-        <p:txBody>
-          <a:bodyPr rtlCol="0" anchor="ctr"/>
-          <a:lstStyle/>
-          <a:p>
-            <a:pPr algn="ctr"/>
-            <a:r>
-              <a:rPr lang="en-US" dirty="0" smtClean="0"/>
-              <a:t>Network</a:t>
-            </a:r>
-            <a:endParaRPr lang="en-US" dirty="0"/>
-          </a:p>
-        </p:txBody>
-      </p:sp>
-      <p:sp>
-        <p:nvSpPr>
-          <p:cNvPr id="23" name="Rectangle 22"/>
-          <p:cNvSpPr/>
-          <p:nvPr/>
-        </p:nvSpPr>
-        <p:spPr>
-          <a:xfrm>
-            <a:off x="9144002" y="4161604"/>
-            <a:ext cx="2132238" cy="464004"/>
-          </a:xfrm>
-          <a:prstGeom prst="rect">
-            <a:avLst/>
-          </a:prstGeom>
-          <a:solidFill>
-            <a:schemeClr val="accent1">
-              <a:lumMod val="75000"/>
-            </a:schemeClr>
-          </a:solidFill>
-          <a:ln w="28575"/>
-        </p:spPr>
-        <p:style>
-          <a:lnRef idx="2">
-            <a:schemeClr val="accent1">
-              <a:shade val="50000"/>
-            </a:schemeClr>
-          </a:lnRef>
-          <a:fillRef idx="1">
-            <a:schemeClr val="accent1"/>
-          </a:fillRef>
-          <a:effectRef idx="0">
-            <a:schemeClr val="accent1"/>
-          </a:effectRef>
-          <a:fontRef idx="minor">
-            <a:schemeClr val="lt1"/>
-          </a:fontRef>
-        </p:style>
-        <p:txBody>
-          <a:bodyPr rtlCol="0" anchor="ctr"/>
-          <a:lstStyle/>
-          <a:p>
-            <a:pPr algn="ctr"/>
-            <a:r>
-              <a:rPr lang="en-US" dirty="0" smtClean="0"/>
-              <a:t>…</a:t>
-            </a:r>
-            <a:endParaRPr lang="en-US" dirty="0"/>
-          </a:p>
-        </p:txBody>
-      </p:sp>
-      <p:sp>
-        <p:nvSpPr>
-          <p:cNvPr id="26" name="TextBox 25"/>
-          <p:cNvSpPr txBox="1"/>
-          <p:nvPr/>
-        </p:nvSpPr>
-        <p:spPr>
-          <a:xfrm>
-            <a:off x="8997046" y="2072017"/>
-            <a:ext cx="2122714" cy="523220"/>
-          </a:xfrm>
-          <a:prstGeom prst="rect">
-            <a:avLst/>
-          </a:prstGeom>
-          <a:noFill/>
-        </p:spPr>
-        <p:txBody>
-          <a:bodyPr wrap="square" rtlCol="0">
-            <a:spAutoFit/>
-          </a:bodyPr>
-          <a:lstStyle/>
-          <a:p>
-            <a:r>
-              <a:rPr lang="en-US" sz="2800" dirty="0" smtClean="0"/>
-              <a:t>Thread pool</a:t>
-            </a:r>
-            <a:endParaRPr lang="en-US" sz="2800" dirty="0"/>
-          </a:p>
-        </p:txBody>
-      </p:sp>
-      <p:grpSp>
-        <p:nvGrpSpPr>
-          <p:cNvPr id="28" name="Group 27"/>
-          <p:cNvGrpSpPr/>
-          <p:nvPr/>
-        </p:nvGrpSpPr>
-        <p:grpSpPr>
-          <a:xfrm>
-            <a:off x="5456805" y="2652700"/>
-            <a:ext cx="1901602" cy="1968875"/>
-            <a:chOff x="5280931" y="2792617"/>
-            <a:chExt cx="2718707" cy="2814887"/>
-          </a:xfrm>
-        </p:grpSpPr>
-        <p:sp>
-          <p:nvSpPr>
-            <p:cNvPr id="18" name="Oval 17"/>
-            <p:cNvSpPr/>
-            <p:nvPr/>
-          </p:nvSpPr>
-          <p:spPr>
-            <a:xfrm>
-              <a:off x="5280931" y="2888797"/>
-              <a:ext cx="2718707" cy="2718707"/>
-            </a:xfrm>
-            <a:prstGeom prst="ellipse">
-              <a:avLst/>
-            </a:prstGeom>
-            <a:noFill/>
-            <a:ln w="57150">
-              <a:solidFill>
-                <a:srgbClr val="FFC000"/>
-              </a:solidFill>
-            </a:ln>
-          </p:spPr>
-          <p:style>
-            <a:lnRef idx="2">
-              <a:schemeClr val="accent1">
-                <a:shade val="50000"/>
-              </a:schemeClr>
-            </a:lnRef>
-            <a:fillRef idx="1">
-              <a:schemeClr val="accent1"/>
-            </a:fillRef>
-            <a:effectRef idx="0">
-              <a:schemeClr val="accent1"/>
-            </a:effectRef>
-            <a:fontRef idx="minor">
-              <a:schemeClr val="lt1"/>
-            </a:fontRef>
-          </p:style>
-          <p:txBody>
-            <a:bodyPr rtlCol="0" anchor="ctr"/>
-            <a:lstStyle/>
-            <a:p>
-              <a:pPr algn="ctr"/>
-              <a:r>
-                <a:rPr lang="en-US" sz="2800" dirty="0" smtClean="0">
-                  <a:solidFill>
-                    <a:schemeClr val="tx1"/>
-                  </a:solidFill>
-                </a:rPr>
-                <a:t>Event loop</a:t>
-              </a:r>
-              <a:endParaRPr lang="en-US" dirty="0">
-                <a:solidFill>
-                  <a:schemeClr val="tx1"/>
-                </a:solidFill>
-              </a:endParaRPr>
-            </a:p>
-          </p:txBody>
-        </p:sp>
-        <p:sp>
-          <p:nvSpPr>
-            <p:cNvPr id="27" name="Chevron 26"/>
-            <p:cNvSpPr/>
-            <p:nvPr/>
-          </p:nvSpPr>
-          <p:spPr>
-            <a:xfrm rot="2402352">
-              <a:off x="7029813" y="2792617"/>
-              <a:ext cx="587828" cy="553104"/>
-            </a:xfrm>
-            <a:prstGeom prst="chevron">
-              <a:avLst/>
-            </a:prstGeom>
-          </p:spPr>
-          <p:style>
-            <a:lnRef idx="2">
-              <a:schemeClr val="accent1">
-                <a:shade val="50000"/>
-              </a:schemeClr>
-            </a:lnRef>
-            <a:fillRef idx="1">
-              <a:schemeClr val="accent1"/>
-            </a:fillRef>
-            <a:effectRef idx="0">
-              <a:schemeClr val="accent1"/>
-            </a:effectRef>
-            <a:fontRef idx="minor">
-              <a:schemeClr val="lt1"/>
-            </a:fontRef>
-          </p:style>
-          <p:txBody>
-            <a:bodyPr rtlCol="0" anchor="ctr"/>
-            <a:lstStyle/>
-            <a:p>
-              <a:pPr algn="ctr"/>
-              <a:endParaRPr lang="en-US">
-                <a:solidFill>
-                  <a:schemeClr val="tx1"/>
-                </a:solidFill>
-              </a:endParaRPr>
-            </a:p>
-          </p:txBody>
-        </p:sp>
-      </p:grpSp>
-      <p:cxnSp>
-        <p:nvCxnSpPr>
-          <p:cNvPr id="35" name="Straight Arrow Connector 34"/>
-          <p:cNvCxnSpPr/>
-          <p:nvPr/>
-        </p:nvCxnSpPr>
-        <p:spPr>
-          <a:xfrm flipV="1">
-            <a:off x="2136324" y="5624048"/>
-            <a:ext cx="12246" cy="447463"/>
-          </a:xfrm>
-          <a:prstGeom prst="straightConnector1">
-            <a:avLst/>
-          </a:prstGeom>
-          <a:ln w="38100">
-            <a:tailEnd type="triangle"/>
-          </a:ln>
-        </p:spPr>
-        <p:style>
-          <a:lnRef idx="1">
-            <a:schemeClr val="accent1"/>
-          </a:lnRef>
-          <a:fillRef idx="0">
-            <a:schemeClr val="accent1"/>
-          </a:fillRef>
-          <a:effectRef idx="0">
-            <a:schemeClr val="accent1"/>
-          </a:effectRef>
-          <a:fontRef idx="minor">
-            <a:schemeClr val="tx1"/>
-          </a:fontRef>
-        </p:style>
-      </p:cxnSp>
-      <p:cxnSp>
-        <p:nvCxnSpPr>
-          <p:cNvPr id="38" name="Straight Connector 37"/>
-          <p:cNvCxnSpPr/>
-          <p:nvPr/>
-        </p:nvCxnSpPr>
-        <p:spPr>
-          <a:xfrm flipV="1">
-            <a:off x="2122713" y="6055183"/>
-            <a:ext cx="8082643" cy="27211"/>
-          </a:xfrm>
-          <a:prstGeom prst="line">
-            <a:avLst/>
-          </a:prstGeom>
-          <a:ln w="38100"/>
-        </p:spPr>
-        <p:style>
-          <a:lnRef idx="1">
-            <a:schemeClr val="accent1"/>
-          </a:lnRef>
-          <a:fillRef idx="0">
-            <a:schemeClr val="accent1"/>
-          </a:fillRef>
-          <a:effectRef idx="0">
-            <a:schemeClr val="accent1"/>
-          </a:effectRef>
-          <a:fontRef idx="minor">
-            <a:schemeClr val="tx1"/>
-          </a:fontRef>
-        </p:style>
-      </p:cxnSp>
-      <p:sp>
-        <p:nvSpPr>
-          <p:cNvPr id="45" name="TextBox 44"/>
-          <p:cNvSpPr txBox="1"/>
-          <p:nvPr/>
-        </p:nvSpPr>
-        <p:spPr>
-          <a:xfrm>
-            <a:off x="5821138" y="6115049"/>
-            <a:ext cx="3159579" cy="369332"/>
-          </a:xfrm>
-          <a:prstGeom prst="rect">
-            <a:avLst/>
-          </a:prstGeom>
-          <a:noFill/>
-        </p:spPr>
-        <p:txBody>
-          <a:bodyPr wrap="square" rtlCol="0">
-            <a:spAutoFit/>
-          </a:bodyPr>
-          <a:lstStyle/>
-          <a:p>
-            <a:r>
-              <a:rPr lang="en-US" dirty="0" smtClean="0"/>
-              <a:t>Callback</a:t>
-            </a:r>
-            <a:endParaRPr lang="en-US" dirty="0"/>
-          </a:p>
-        </p:txBody>
-      </p:sp>
-      <p:cxnSp>
-        <p:nvCxnSpPr>
-          <p:cNvPr id="47" name="Straight Connector 46"/>
-          <p:cNvCxnSpPr/>
-          <p:nvPr/>
-        </p:nvCxnSpPr>
-        <p:spPr>
-          <a:xfrm flipV="1">
-            <a:off x="10197192" y="4849586"/>
-            <a:ext cx="0" cy="1205597"/>
-          </a:xfrm>
-          <a:prstGeom prst="line">
-            <a:avLst/>
-          </a:prstGeom>
-          <a:ln w="38100"/>
-        </p:spPr>
-        <p:style>
-          <a:lnRef idx="1">
-            <a:schemeClr val="accent1"/>
-          </a:lnRef>
-          <a:fillRef idx="0">
-            <a:schemeClr val="accent1"/>
-          </a:fillRef>
-          <a:effectRef idx="0">
-            <a:schemeClr val="accent1"/>
-          </a:effectRef>
-          <a:fontRef idx="minor">
-            <a:schemeClr val="tx1"/>
-          </a:fontRef>
-        </p:style>
-      </p:cxnSp>
     </p:spTree>
     <p:extLst>
       <p:ext uri="{BB962C8B-B14F-4D97-AF65-F5344CB8AC3E}">
-        <p14:creationId xmlns:p14="http://schemas.microsoft.com/office/powerpoint/2010/main" val="2320371339"/>
+        <p14:creationId xmlns:p14="http://schemas.microsoft.com/office/powerpoint/2010/main" val="2290886908"/>
       </p:ext>
     </p:extLst>
   </p:cSld>
@@ -36837,346 +39346,9 @@
   <p:timing>
     <p:tnLst>
       <p:par>
-        <p:cTn id="1" dur="indefinite" restart="never" nodeType="tmRoot">
-          <p:childTnLst>
-            <p:seq concurrent="1" nextAc="seek">
-              <p:cTn id="2" dur="indefinite" nodeType="mainSeq">
-                <p:childTnLst>
-                  <p:par>
-                    <p:cTn id="3" fill="hold">
-                      <p:stCondLst>
-                        <p:cond delay="indefinite"/>
-                      </p:stCondLst>
-                      <p:childTnLst>
-                        <p:par>
-                          <p:cTn id="4" fill="hold">
-                            <p:stCondLst>
-                              <p:cond delay="0"/>
-                            </p:stCondLst>
-                            <p:childTnLst>
-                              <p:par>
-                                <p:cTn id="5" presetID="8" presetClass="emph" presetSubtype="0" fill="hold" nodeType="clickEffect">
-                                  <p:stCondLst>
-                                    <p:cond delay="0"/>
-                                  </p:stCondLst>
-                                  <p:childTnLst>
-                                    <p:animRot by="21600000">
-                                      <p:cBhvr>
-                                        <p:cTn id="6" dur="2000" fill="hold"/>
-                                        <p:tgtEl>
-                                          <p:spTgt spid="28"/>
-                                        </p:tgtEl>
-                                        <p:attrNameLst>
-                                          <p:attrName>r</p:attrName>
-                                        </p:attrNameLst>
-                                      </p:cBhvr>
-                                    </p:animRot>
-                                  </p:childTnLst>
-                                </p:cTn>
-                              </p:par>
-                              <p:par>
-                                <p:cTn id="7" presetID="42" presetClass="path" presetSubtype="0" accel="50000" decel="50000" fill="hold" grpId="0" nodeType="withEffect">
-                                  <p:stCondLst>
-                                    <p:cond delay="0"/>
-                                  </p:stCondLst>
-                                  <p:childTnLst>
-                                    <p:animMotion origin="layout" path="M -2.29167E-6 -1.11111E-6 L 0.34232 0.00232 " pathEditMode="relative" rAng="0" ptsTypes="AA">
-                                      <p:cBhvr>
-                                        <p:cTn id="8" dur="2000" fill="hold"/>
-                                        <p:tgtEl>
-                                          <p:spTgt spid="5"/>
-                                        </p:tgtEl>
-                                        <p:attrNameLst>
-                                          <p:attrName>ppt_x</p:attrName>
-                                          <p:attrName>ppt_y</p:attrName>
-                                        </p:attrNameLst>
-                                      </p:cBhvr>
-                                      <p:rCtr x="17109" y="116"/>
-                                    </p:animMotion>
-                                  </p:childTnLst>
-                                </p:cTn>
-                              </p:par>
-                            </p:childTnLst>
-                          </p:cTn>
-                        </p:par>
-                      </p:childTnLst>
-                    </p:cTn>
-                  </p:par>
-                  <p:par>
-                    <p:cTn id="9" fill="hold">
-                      <p:stCondLst>
-                        <p:cond delay="indefinite"/>
-                      </p:stCondLst>
-                      <p:childTnLst>
-                        <p:par>
-                          <p:cTn id="10" fill="hold">
-                            <p:stCondLst>
-                              <p:cond delay="0"/>
-                            </p:stCondLst>
-                            <p:childTnLst>
-                              <p:par>
-                                <p:cTn id="11" presetID="42" presetClass="path" presetSubtype="0" accel="50000" decel="50000" fill="hold" grpId="1" nodeType="clickEffect">
-                                  <p:stCondLst>
-                                    <p:cond delay="0"/>
-                                  </p:stCondLst>
-                                  <p:childTnLst>
-                                    <p:animMotion origin="layout" path="M 0.34232 0.00232 L 0.67071 -0.09421 " pathEditMode="relative" rAng="0" ptsTypes="AA">
-                                      <p:cBhvr>
-                                        <p:cTn id="12" dur="2000" fill="hold"/>
-                                        <p:tgtEl>
-                                          <p:spTgt spid="5"/>
-                                        </p:tgtEl>
-                                        <p:attrNameLst>
-                                          <p:attrName>ppt_x</p:attrName>
-                                          <p:attrName>ppt_y</p:attrName>
-                                        </p:attrNameLst>
-                                      </p:cBhvr>
-                                      <p:rCtr x="16458" y="-4537"/>
-                                    </p:animMotion>
-                                  </p:childTnLst>
-                                </p:cTn>
-                              </p:par>
-                            </p:childTnLst>
-                          </p:cTn>
-                        </p:par>
-                      </p:childTnLst>
-                    </p:cTn>
-                  </p:par>
-                  <p:par>
-                    <p:cTn id="13" fill="hold">
-                      <p:stCondLst>
-                        <p:cond delay="indefinite"/>
-                      </p:stCondLst>
-                      <p:childTnLst>
-                        <p:par>
-                          <p:cTn id="14" fill="hold">
-                            <p:stCondLst>
-                              <p:cond delay="0"/>
-                            </p:stCondLst>
-                            <p:childTnLst>
-                              <p:par>
-                                <p:cTn id="15" presetID="8" presetClass="emph" presetSubtype="0" fill="hold" nodeType="clickEffect">
-                                  <p:stCondLst>
-                                    <p:cond delay="0"/>
-                                  </p:stCondLst>
-                                  <p:childTnLst>
-                                    <p:animRot by="21600000">
-                                      <p:cBhvr>
-                                        <p:cTn id="16" dur="2000" fill="hold"/>
-                                        <p:tgtEl>
-                                          <p:spTgt spid="28"/>
-                                        </p:tgtEl>
-                                        <p:attrNameLst>
-                                          <p:attrName>r</p:attrName>
-                                        </p:attrNameLst>
-                                      </p:cBhvr>
-                                    </p:animRot>
-                                  </p:childTnLst>
-                                </p:cTn>
-                              </p:par>
-                              <p:par>
-                                <p:cTn id="17" presetID="42" presetClass="path" presetSubtype="0" accel="50000" decel="50000" fill="hold" grpId="0" nodeType="withEffect">
-                                  <p:stCondLst>
-                                    <p:cond delay="0"/>
-                                  </p:stCondLst>
-                                  <p:childTnLst>
-                                    <p:animMotion origin="layout" path="M 3.75E-6 2.96296E-6 L 0.34232 -0.10138 " pathEditMode="relative" rAng="0" ptsTypes="AA">
-                                      <p:cBhvr>
-                                        <p:cTn id="18" dur="2000" fill="hold"/>
-                                        <p:tgtEl>
-                                          <p:spTgt spid="3"/>
-                                        </p:tgtEl>
-                                        <p:attrNameLst>
-                                          <p:attrName>ppt_x</p:attrName>
-                                          <p:attrName>ppt_y</p:attrName>
-                                        </p:attrNameLst>
-                                      </p:cBhvr>
-                                      <p:rCtr x="16992" y="-5255"/>
-                                    </p:animMotion>
-                                  </p:childTnLst>
-                                </p:cTn>
-                              </p:par>
-                            </p:childTnLst>
-                          </p:cTn>
-                        </p:par>
-                      </p:childTnLst>
-                    </p:cTn>
-                  </p:par>
-                  <p:par>
-                    <p:cTn id="19" fill="hold">
-                      <p:stCondLst>
-                        <p:cond delay="indefinite"/>
-                      </p:stCondLst>
-                      <p:childTnLst>
-                        <p:par>
-                          <p:cTn id="20" fill="hold">
-                            <p:stCondLst>
-                              <p:cond delay="0"/>
-                            </p:stCondLst>
-                            <p:childTnLst>
-                              <p:par>
-                                <p:cTn id="21" presetID="10" presetClass="exit" presetSubtype="0" fill="hold" grpId="2" nodeType="clickEffect">
-                                  <p:stCondLst>
-                                    <p:cond delay="0"/>
-                                  </p:stCondLst>
-                                  <p:childTnLst>
-                                    <p:animEffect transition="out" filter="fade">
-                                      <p:cBhvr>
-                                        <p:cTn id="22" dur="500"/>
-                                        <p:tgtEl>
-                                          <p:spTgt spid="5"/>
-                                        </p:tgtEl>
-                                      </p:cBhvr>
-                                    </p:animEffect>
-                                    <p:set>
-                                      <p:cBhvr>
-                                        <p:cTn id="23" dur="1" fill="hold">
-                                          <p:stCondLst>
-                                            <p:cond delay="499"/>
-                                          </p:stCondLst>
-                                        </p:cTn>
-                                        <p:tgtEl>
-                                          <p:spTgt spid="5"/>
-                                        </p:tgtEl>
-                                        <p:attrNameLst>
-                                          <p:attrName>style.visibility</p:attrName>
-                                        </p:attrNameLst>
-                                      </p:cBhvr>
-                                      <p:to>
-                                        <p:strVal val="hidden"/>
-                                      </p:to>
-                                    </p:set>
-                                  </p:childTnLst>
-                                </p:cTn>
-                              </p:par>
-                            </p:childTnLst>
-                          </p:cTn>
-                        </p:par>
-                      </p:childTnLst>
-                    </p:cTn>
-                  </p:par>
-                  <p:par>
-                    <p:cTn id="24" fill="hold">
-                      <p:stCondLst>
-                        <p:cond delay="indefinite"/>
-                      </p:stCondLst>
-                      <p:childTnLst>
-                        <p:par>
-                          <p:cTn id="25" fill="hold">
-                            <p:stCondLst>
-                              <p:cond delay="0"/>
-                            </p:stCondLst>
-                            <p:childTnLst>
-                              <p:par>
-                                <p:cTn id="26" presetID="42" presetClass="path" presetSubtype="0" accel="50000" decel="50000" fill="hold" grpId="1" nodeType="clickEffect">
-                                  <p:stCondLst>
-                                    <p:cond delay="0"/>
-                                  </p:stCondLst>
-                                  <p:childTnLst>
-                                    <p:animMotion origin="layout" path="M 0.34232 -0.10139 L 0.66992 -0.19791 " pathEditMode="relative" rAng="0" ptsTypes="AA">
-                                      <p:cBhvr>
-                                        <p:cTn id="27" dur="2000" fill="hold"/>
-                                        <p:tgtEl>
-                                          <p:spTgt spid="3"/>
-                                        </p:tgtEl>
-                                        <p:attrNameLst>
-                                          <p:attrName>ppt_x</p:attrName>
-                                          <p:attrName>ppt_y</p:attrName>
-                                        </p:attrNameLst>
-                                      </p:cBhvr>
-                                      <p:rCtr x="16536" y="-4537"/>
-                                    </p:animMotion>
-                                  </p:childTnLst>
-                                </p:cTn>
-                              </p:par>
-                            </p:childTnLst>
-                          </p:cTn>
-                        </p:par>
-                      </p:childTnLst>
-                    </p:cTn>
-                  </p:par>
-                  <p:par>
-                    <p:cTn id="28" fill="hold">
-                      <p:stCondLst>
-                        <p:cond delay="indefinite"/>
-                      </p:stCondLst>
-                      <p:childTnLst>
-                        <p:par>
-                          <p:cTn id="29" fill="hold">
-                            <p:stCondLst>
-                              <p:cond delay="0"/>
-                            </p:stCondLst>
-                            <p:childTnLst>
-                              <p:par>
-                                <p:cTn id="30" presetID="10" presetClass="exit" presetSubtype="0" fill="hold" grpId="2" nodeType="clickEffect">
-                                  <p:stCondLst>
-                                    <p:cond delay="0"/>
-                                  </p:stCondLst>
-                                  <p:childTnLst>
-                                    <p:animEffect transition="out" filter="fade">
-                                      <p:cBhvr>
-                                        <p:cTn id="31" dur="500"/>
-                                        <p:tgtEl>
-                                          <p:spTgt spid="3"/>
-                                        </p:tgtEl>
-                                      </p:cBhvr>
-                                    </p:animEffect>
-                                    <p:set>
-                                      <p:cBhvr>
-                                        <p:cTn id="32" dur="1" fill="hold">
-                                          <p:stCondLst>
-                                            <p:cond delay="499"/>
-                                          </p:stCondLst>
-                                        </p:cTn>
-                                        <p:tgtEl>
-                                          <p:spTgt spid="3"/>
-                                        </p:tgtEl>
-                                        <p:attrNameLst>
-                                          <p:attrName>style.visibility</p:attrName>
-                                        </p:attrNameLst>
-                                      </p:cBhvr>
-                                      <p:to>
-                                        <p:strVal val="hidden"/>
-                                      </p:to>
-                                    </p:set>
-                                  </p:childTnLst>
-                                </p:cTn>
-                              </p:par>
-                            </p:childTnLst>
-                          </p:cTn>
-                        </p:par>
-                      </p:childTnLst>
-                    </p:cTn>
-                  </p:par>
-                </p:childTnLst>
-              </p:cTn>
-              <p:prevCondLst>
-                <p:cond evt="onPrev" delay="0">
-                  <p:tgtEl>
-                    <p:sldTgt/>
-                  </p:tgtEl>
-                </p:cond>
-              </p:prevCondLst>
-              <p:nextCondLst>
-                <p:cond evt="onNext" delay="0">
-                  <p:tgtEl>
-                    <p:sldTgt/>
-                  </p:tgtEl>
-                </p:cond>
-              </p:nextCondLst>
-            </p:seq>
-          </p:childTnLst>
-        </p:cTn>
+        <p:cTn id="1" dur="indefinite" restart="never" nodeType="tmRoot"/>
       </p:par>
     </p:tnLst>
-    <p:bldLst>
-      <p:bldP spid="3" grpId="0" animBg="1"/>
-      <p:bldP spid="3" grpId="1" animBg="1"/>
-      <p:bldP spid="3" grpId="2" animBg="1"/>
-      <p:bldP spid="5" grpId="0" animBg="1"/>
-      <p:bldP spid="5" grpId="1" animBg="1"/>
-      <p:bldP spid="5" grpId="2" animBg="1"/>
-    </p:bldLst>
   </p:timing>
 </p:sld>
 </file>

--- a/slidedeck/slides.pptx
+++ b/slidedeck/slides.pptx
@@ -8,7 +8,7 @@
     <p:sldMasterId id="2147483690" r:id="rId4"/>
   </p:sldMasterIdLst>
   <p:notesMasterIdLst>
-    <p:notesMasterId r:id="rId41"/>
+    <p:notesMasterId r:id="rId42"/>
   </p:notesMasterIdLst>
   <p:sldIdLst>
     <p:sldId id="256" r:id="rId5"/>
@@ -30,23 +30,24 @@
     <p:sldId id="270" r:id="rId21"/>
     <p:sldId id="271" r:id="rId22"/>
     <p:sldId id="278" r:id="rId23"/>
-    <p:sldId id="282" r:id="rId24"/>
-    <p:sldId id="272" r:id="rId25"/>
-    <p:sldId id="267" r:id="rId26"/>
-    <p:sldId id="279" r:id="rId27"/>
-    <p:sldId id="262" r:id="rId28"/>
-    <p:sldId id="280" r:id="rId29"/>
-    <p:sldId id="281" r:id="rId30"/>
-    <p:sldId id="258" r:id="rId31"/>
-    <p:sldId id="274" r:id="rId32"/>
-    <p:sldId id="273" r:id="rId33"/>
-    <p:sldId id="263" r:id="rId34"/>
-    <p:sldId id="277" r:id="rId35"/>
-    <p:sldId id="265" r:id="rId36"/>
-    <p:sldId id="264" r:id="rId37"/>
-    <p:sldId id="259" r:id="rId38"/>
-    <p:sldId id="261" r:id="rId39"/>
-    <p:sldId id="276" r:id="rId40"/>
+    <p:sldId id="298" r:id="rId24"/>
+    <p:sldId id="282" r:id="rId25"/>
+    <p:sldId id="272" r:id="rId26"/>
+    <p:sldId id="267" r:id="rId27"/>
+    <p:sldId id="279" r:id="rId28"/>
+    <p:sldId id="262" r:id="rId29"/>
+    <p:sldId id="280" r:id="rId30"/>
+    <p:sldId id="281" r:id="rId31"/>
+    <p:sldId id="258" r:id="rId32"/>
+    <p:sldId id="274" r:id="rId33"/>
+    <p:sldId id="273" r:id="rId34"/>
+    <p:sldId id="263" r:id="rId35"/>
+    <p:sldId id="277" r:id="rId36"/>
+    <p:sldId id="265" r:id="rId37"/>
+    <p:sldId id="264" r:id="rId38"/>
+    <p:sldId id="259" r:id="rId39"/>
+    <p:sldId id="261" r:id="rId40"/>
+    <p:sldId id="276" r:id="rId41"/>
   </p:sldIdLst>
   <p:sldSz cx="12192000" cy="6858000"/>
   <p:notesSz cx="6858000" cy="9144000"/>
@@ -235,7 +236,7 @@
           <a:p>
             <a:fld id="{BB23C597-A124-425E-BDF7-74C551A403AE}" type="datetimeFigureOut">
               <a:rPr lang="en-US" smtClean="0"/>
-              <a:t>12/9/2015</a:t>
+              <a:t>12/10/2015</a:t>
             </a:fld>
             <a:endParaRPr lang="en-US"/>
           </a:p>
@@ -843,7 +844,7 @@
           <a:p>
             <a:fld id="{CC99FAC5-C8AC-4EA7-ACDA-CF3F6756261A}" type="datetimeFigureOut">
               <a:rPr lang="en-US" smtClean="0"/>
-              <a:t>12/9/2015</a:t>
+              <a:t>12/10/2015</a:t>
             </a:fld>
             <a:endParaRPr lang="en-US"/>
           </a:p>
@@ -1023,7 +1024,7 @@
           <a:p>
             <a:fld id="{CC99FAC5-C8AC-4EA7-ACDA-CF3F6756261A}" type="datetimeFigureOut">
               <a:rPr lang="en-US" smtClean="0"/>
-              <a:t>12/9/2015</a:t>
+              <a:t>12/10/2015</a:t>
             </a:fld>
             <a:endParaRPr lang="en-US"/>
           </a:p>
@@ -4024,7 +4025,7 @@
           <a:p>
             <a:fld id="{CC99FAC5-C8AC-4EA7-ACDA-CF3F6756261A}" type="datetimeFigureOut">
               <a:rPr lang="en-US" smtClean="0"/>
-              <a:t>12/9/2015</a:t>
+              <a:t>12/10/2015</a:t>
             </a:fld>
             <a:endParaRPr lang="en-US"/>
           </a:p>
@@ -8711,7 +8712,7 @@
           <a:p>
             <a:fld id="{CC99FAC5-C8AC-4EA7-ACDA-CF3F6756261A}" type="datetimeFigureOut">
               <a:rPr lang="en-US" smtClean="0"/>
-              <a:t>12/9/2015</a:t>
+              <a:t>12/10/2015</a:t>
             </a:fld>
             <a:endParaRPr lang="en-US"/>
           </a:p>
@@ -12661,7 +12662,7 @@
           <a:p>
             <a:fld id="{CC99FAC5-C8AC-4EA7-ACDA-CF3F6756261A}" type="datetimeFigureOut">
               <a:rPr lang="en-US" smtClean="0"/>
-              <a:t>12/9/2015</a:t>
+              <a:t>12/10/2015</a:t>
             </a:fld>
             <a:endParaRPr lang="en-US"/>
           </a:p>
@@ -16523,7 +16524,7 @@
           <a:p>
             <a:fld id="{CC99FAC5-C8AC-4EA7-ACDA-CF3F6756261A}" type="datetimeFigureOut">
               <a:rPr lang="en-US" smtClean="0"/>
-              <a:t>12/9/2015</a:t>
+              <a:t>12/10/2015</a:t>
             </a:fld>
             <a:endParaRPr lang="en-US"/>
           </a:p>
@@ -18641,7 +18642,7 @@
           <a:p>
             <a:fld id="{CC99FAC5-C8AC-4EA7-ACDA-CF3F6756261A}" type="datetimeFigureOut">
               <a:rPr lang="en-US" smtClean="0"/>
-              <a:t>12/9/2015</a:t>
+              <a:t>12/10/2015</a:t>
             </a:fld>
             <a:endParaRPr lang="en-US"/>
           </a:p>
@@ -18736,7 +18737,7 @@
           <a:p>
             <a:fld id="{CC99FAC5-C8AC-4EA7-ACDA-CF3F6756261A}" type="datetimeFigureOut">
               <a:rPr lang="en-US" smtClean="0"/>
-              <a:t>12/9/2015</a:t>
+              <a:t>12/10/2015</a:t>
             </a:fld>
             <a:endParaRPr lang="en-US"/>
           </a:p>
@@ -19013,7 +19014,7 @@
           <a:p>
             <a:fld id="{CC99FAC5-C8AC-4EA7-ACDA-CF3F6756261A}" type="datetimeFigureOut">
               <a:rPr lang="en-US" smtClean="0"/>
-              <a:t>12/9/2015</a:t>
+              <a:t>12/10/2015</a:t>
             </a:fld>
             <a:endParaRPr lang="en-US"/>
           </a:p>
@@ -19266,7 +19267,7 @@
           <a:p>
             <a:fld id="{CC99FAC5-C8AC-4EA7-ACDA-CF3F6756261A}" type="datetimeFigureOut">
               <a:rPr lang="en-US" smtClean="0"/>
-              <a:t>12/9/2015</a:t>
+              <a:t>12/10/2015</a:t>
             </a:fld>
             <a:endParaRPr lang="en-US"/>
           </a:p>
@@ -19479,7 +19480,7 @@
           <a:p>
             <a:fld id="{CC99FAC5-C8AC-4EA7-ACDA-CF3F6756261A}" type="datetimeFigureOut">
               <a:rPr lang="en-US" smtClean="0"/>
-              <a:t>12/9/2015</a:t>
+              <a:t>12/10/2015</a:t>
             </a:fld>
             <a:endParaRPr lang="en-US"/>
           </a:p>
@@ -23227,13 +23228,13 @@
   <p:clrMapOvr>
     <a:masterClrMapping/>
   </p:clrMapOvr>
-  <mc:AlternateContent xmlns:mc="http://schemas.openxmlformats.org/markup-compatibility/2006">
-    <mc:Choice xmlns:p14="http://schemas.microsoft.com/office/powerpoint/2010/main" Requires="p14">
+  <mc:AlternateContent xmlns:mc="http://schemas.openxmlformats.org/markup-compatibility/2006" xmlns:p14="http://schemas.microsoft.com/office/powerpoint/2010/main">
+    <mc:Choice Requires="p14">
       <p:transition spd="med" p14:dur="700">
         <p:fade/>
       </p:transition>
     </mc:Choice>
-    <mc:Fallback>
+    <mc:Fallback xmlns="">
       <p:transition spd="med">
         <p:fade/>
       </p:transition>
@@ -24180,13 +24181,13 @@
   <p:clrMapOvr>
     <a:masterClrMapping/>
   </p:clrMapOvr>
-  <mc:AlternateContent xmlns:mc="http://schemas.openxmlformats.org/markup-compatibility/2006">
-    <mc:Choice xmlns:p14="http://schemas.microsoft.com/office/powerpoint/2010/main" Requires="p14">
+  <mc:AlternateContent xmlns:mc="http://schemas.openxmlformats.org/markup-compatibility/2006" xmlns:p14="http://schemas.microsoft.com/office/powerpoint/2010/main">
+    <mc:Choice Requires="p14">
       <p:transition spd="med" p14:dur="700">
         <p:fade/>
       </p:transition>
     </mc:Choice>
-    <mc:Fallback>
+    <mc:Fallback xmlns="">
       <p:transition spd="med">
         <p:fade/>
       </p:transition>
@@ -27490,11 +27491,11 @@
   <p:clrMapOvr>
     <a:masterClrMapping/>
   </p:clrMapOvr>
-  <mc:AlternateContent xmlns:mc="http://schemas.openxmlformats.org/markup-compatibility/2006">
-    <mc:Choice xmlns:p14="http://schemas.microsoft.com/office/powerpoint/2010/main" Requires="p14">
+  <mc:AlternateContent xmlns:mc="http://schemas.openxmlformats.org/markup-compatibility/2006" xmlns:p14="http://schemas.microsoft.com/office/powerpoint/2010/main">
+    <mc:Choice Requires="p14">
       <p:transition spd="slow" p14:dur="2000"/>
     </mc:Choice>
-    <mc:Fallback>
+    <mc:Fallback xmlns="">
       <p:transition spd="slow"/>
     </mc:Fallback>
   </mc:AlternateContent>
@@ -27509,6 +27510,170 @@
 </file>
 
 <file path=ppt/slides/slide20.xml><?xml version="1.0" encoding="utf-8"?>
+<p:sld xmlns:a="http://schemas.openxmlformats.org/drawingml/2006/main" xmlns:r="http://schemas.openxmlformats.org/officeDocument/2006/relationships" xmlns:p="http://schemas.openxmlformats.org/presentationml/2006/main">
+  <p:cSld>
+    <p:bg>
+      <p:bgPr>
+        <a:solidFill>
+          <a:schemeClr val="bg1"/>
+        </a:solidFill>
+        <a:effectLst/>
+      </p:bgPr>
+    </p:bg>
+    <p:spTree>
+      <p:nvGrpSpPr>
+        <p:cNvPr id="1" name=""/>
+        <p:cNvGrpSpPr/>
+        <p:nvPr/>
+      </p:nvGrpSpPr>
+      <p:grpSpPr>
+        <a:xfrm>
+          <a:off x="0" y="0"/>
+          <a:ext cx="0" cy="0"/>
+          <a:chOff x="0" y="0"/>
+          <a:chExt cx="0" cy="0"/>
+        </a:xfrm>
+      </p:grpSpPr>
+      <p:pic>
+        <p:nvPicPr>
+          <p:cNvPr id="4" name="Picture 3"/>
+          <p:cNvPicPr>
+            <a:picLocks noChangeAspect="1"/>
+          </p:cNvPicPr>
+          <p:nvPr/>
+        </p:nvPicPr>
+        <p:blipFill>
+          <a:blip r:embed="rId2">
+            <a:extLst>
+              <a:ext uri="{28A0092B-C50C-407E-A947-70E740481C1C}">
+                <a14:useLocalDpi xmlns:a14="http://schemas.microsoft.com/office/drawing/2010/main" val="0"/>
+              </a:ext>
+            </a:extLst>
+          </a:blip>
+          <a:stretch>
+            <a:fillRect/>
+          </a:stretch>
+        </p:blipFill>
+        <p:spPr>
+          <a:xfrm>
+            <a:off x="0" y="0"/>
+            <a:ext cx="12195961" cy="1106905"/>
+          </a:xfrm>
+          <a:prstGeom prst="rect">
+            <a:avLst/>
+          </a:prstGeom>
+        </p:spPr>
+      </p:pic>
+      <p:sp>
+        <p:nvSpPr>
+          <p:cNvPr id="2" name="Rectangle 1"/>
+          <p:cNvSpPr/>
+          <p:nvPr/>
+        </p:nvSpPr>
+        <p:spPr>
+          <a:xfrm>
+            <a:off x="228552" y="1154850"/>
+            <a:ext cx="3457073" cy="369332"/>
+          </a:xfrm>
+          <a:prstGeom prst="rect">
+            <a:avLst/>
+          </a:prstGeom>
+        </p:spPr>
+        <p:txBody>
+          <a:bodyPr wrap="square">
+            <a:spAutoFit/>
+          </a:bodyPr>
+          <a:lstStyle/>
+          <a:p>
+            <a:r>
+              <a:rPr lang="en-US" dirty="0" smtClean="0">
+                <a:hlinkClick r:id="rId3"/>
+              </a:rPr>
+              <a:t>http://latentflip.com/loupe/</a:t>
+            </a:r>
+            <a:endParaRPr lang="en-US" dirty="0" smtClean="0"/>
+          </a:p>
+        </p:txBody>
+      </p:sp>
+      <p:pic>
+        <p:nvPicPr>
+          <p:cNvPr id="10" name="Picture 9"/>
+          <p:cNvPicPr>
+            <a:picLocks noChangeAspect="1"/>
+          </p:cNvPicPr>
+          <p:nvPr/>
+        </p:nvPicPr>
+        <p:blipFill>
+          <a:blip r:embed="rId4"/>
+          <a:stretch>
+            <a:fillRect/>
+          </a:stretch>
+        </p:blipFill>
+        <p:spPr>
+          <a:xfrm>
+            <a:off x="297958" y="1572128"/>
+            <a:ext cx="7965260" cy="4942472"/>
+          </a:xfrm>
+          <a:prstGeom prst="rect">
+            <a:avLst/>
+          </a:prstGeom>
+        </p:spPr>
+      </p:pic>
+      <p:sp>
+        <p:nvSpPr>
+          <p:cNvPr id="12" name="Rectangle 11"/>
+          <p:cNvSpPr/>
+          <p:nvPr/>
+        </p:nvSpPr>
+        <p:spPr>
+          <a:xfrm>
+            <a:off x="8738888" y="6164758"/>
+            <a:ext cx="2759243" cy="261610"/>
+          </a:xfrm>
+          <a:prstGeom prst="rect">
+            <a:avLst/>
+          </a:prstGeom>
+        </p:spPr>
+        <p:txBody>
+          <a:bodyPr wrap="square">
+            <a:spAutoFit/>
+          </a:bodyPr>
+          <a:lstStyle/>
+          <a:p>
+            <a:r>
+              <a:rPr lang="en-US" sz="1100" dirty="0">
+                <a:solidFill>
+                  <a:srgbClr val="000000"/>
+                </a:solidFill>
+                <a:latin typeface="Verdana" panose="020B0604030504040204" pitchFamily="34" charset="0"/>
+              </a:rPr>
+              <a:t>http://tinyurl.com/loupedemo</a:t>
+            </a:r>
+            <a:endParaRPr lang="en-US" sz="1100" dirty="0"/>
+          </a:p>
+        </p:txBody>
+      </p:sp>
+    </p:spTree>
+    <p:extLst>
+      <p:ext uri="{BB962C8B-B14F-4D97-AF65-F5344CB8AC3E}">
+        <p14:creationId xmlns:p14="http://schemas.microsoft.com/office/powerpoint/2010/main" val="4147379392"/>
+      </p:ext>
+    </p:extLst>
+  </p:cSld>
+  <p:clrMapOvr>
+    <a:masterClrMapping/>
+  </p:clrMapOvr>
+  <p:timing>
+    <p:tnLst>
+      <p:par>
+        <p:cTn id="1" dur="indefinite" restart="never" nodeType="tmRoot"/>
+      </p:par>
+    </p:tnLst>
+  </p:timing>
+</p:sld>
+</file>
+
+<file path=ppt/slides/slide21.xml><?xml version="1.0" encoding="utf-8"?>
 <p:sld xmlns:a="http://schemas.openxmlformats.org/drawingml/2006/main" xmlns:r="http://schemas.openxmlformats.org/officeDocument/2006/relationships" xmlns:p="http://schemas.openxmlformats.org/presentationml/2006/main">
   <p:cSld>
     <p:bg>
@@ -27718,7 +27883,7 @@
 </p:sld>
 </file>
 
-<file path=ppt/slides/slide21.xml><?xml version="1.0" encoding="utf-8"?>
+<file path=ppt/slides/slide22.xml><?xml version="1.0" encoding="utf-8"?>
 <p:sld xmlns:a="http://schemas.openxmlformats.org/drawingml/2006/main" xmlns:r="http://schemas.openxmlformats.org/officeDocument/2006/relationships" xmlns:p="http://schemas.openxmlformats.org/presentationml/2006/main">
   <p:cSld>
     <p:bg>
@@ -27834,7 +27999,7 @@
 </p:sld>
 </file>
 
-<file path=ppt/slides/slide22.xml><?xml version="1.0" encoding="utf-8"?>
+<file path=ppt/slides/slide23.xml><?xml version="1.0" encoding="utf-8"?>
 <p:sld xmlns:a="http://schemas.openxmlformats.org/drawingml/2006/main" xmlns:r="http://schemas.openxmlformats.org/officeDocument/2006/relationships" xmlns:p="http://schemas.openxmlformats.org/presentationml/2006/main">
   <p:cSld>
     <p:bg>
@@ -29120,7 +29285,7 @@
 </p:sld>
 </file>
 
-<file path=ppt/slides/slide23.xml><?xml version="1.0" encoding="utf-8"?>
+<file path=ppt/slides/slide24.xml><?xml version="1.0" encoding="utf-8"?>
 <p:sld xmlns:a="http://schemas.openxmlformats.org/drawingml/2006/main" xmlns:r="http://schemas.openxmlformats.org/officeDocument/2006/relationships" xmlns:p="http://schemas.openxmlformats.org/presentationml/2006/main">
   <p:cSld>
     <p:spTree>
@@ -29475,7 +29640,7 @@
 </p:sld>
 </file>
 
-<file path=ppt/slides/slide24.xml><?xml version="1.0" encoding="utf-8"?>
+<file path=ppt/slides/slide25.xml><?xml version="1.0" encoding="utf-8"?>
 <p:sld xmlns:a="http://schemas.openxmlformats.org/drawingml/2006/main" xmlns:r="http://schemas.openxmlformats.org/officeDocument/2006/relationships" xmlns:p="http://schemas.openxmlformats.org/presentationml/2006/main">
   <p:cSld>
     <p:bg>
@@ -30588,7 +30753,7 @@
 </p:sld>
 </file>
 
-<file path=ppt/slides/slide25.xml><?xml version="1.0" encoding="utf-8"?>
+<file path=ppt/slides/slide26.xml><?xml version="1.0" encoding="utf-8"?>
 <p:sld xmlns:a="http://schemas.openxmlformats.org/drawingml/2006/main" xmlns:r="http://schemas.openxmlformats.org/officeDocument/2006/relationships" xmlns:p="http://schemas.openxmlformats.org/presentationml/2006/main">
   <p:cSld>
     <p:bg>
@@ -30994,7 +31159,7 @@
 </p:sld>
 </file>
 
-<file path=ppt/slides/slide26.xml><?xml version="1.0" encoding="utf-8"?>
+<file path=ppt/slides/slide27.xml><?xml version="1.0" encoding="utf-8"?>
 <p:sld xmlns:a="http://schemas.openxmlformats.org/drawingml/2006/main" xmlns:r="http://schemas.openxmlformats.org/officeDocument/2006/relationships" xmlns:p="http://schemas.openxmlformats.org/presentationml/2006/main">
   <p:cSld>
     <p:bg>
@@ -31326,7 +31491,7 @@
 </p:sld>
 </file>
 
-<file path=ppt/slides/slide27.xml><?xml version="1.0" encoding="utf-8"?>
+<file path=ppt/slides/slide28.xml><?xml version="1.0" encoding="utf-8"?>
 <p:sld xmlns:a="http://schemas.openxmlformats.org/drawingml/2006/main" xmlns:r="http://schemas.openxmlformats.org/officeDocument/2006/relationships" xmlns:p="http://schemas.openxmlformats.org/presentationml/2006/main">
   <p:cSld>
     <p:bg>
@@ -32074,7 +32239,7 @@
 </p:sld>
 </file>
 
-<file path=ppt/slides/slide28.xml><?xml version="1.0" encoding="utf-8"?>
+<file path=ppt/slides/slide29.xml><?xml version="1.0" encoding="utf-8"?>
 <p:sld xmlns:a="http://schemas.openxmlformats.org/drawingml/2006/main" xmlns:r="http://schemas.openxmlformats.org/officeDocument/2006/relationships" xmlns:p="http://schemas.openxmlformats.org/presentationml/2006/main">
   <p:cSld>
     <p:bg>
@@ -32512,7 +32677,208 @@
 </p:sld>
 </file>
 
-<file path=ppt/slides/slide29.xml><?xml version="1.0" encoding="utf-8"?>
+<file path=ppt/slides/slide3.xml><?xml version="1.0" encoding="utf-8"?>
+<p:sld xmlns:a="http://schemas.openxmlformats.org/drawingml/2006/main" xmlns:r="http://schemas.openxmlformats.org/officeDocument/2006/relationships" xmlns:p="http://schemas.openxmlformats.org/presentationml/2006/main">
+  <p:cSld>
+    <p:bg>
+      <p:bgPr>
+        <a:solidFill>
+          <a:schemeClr val="bg1"/>
+        </a:solidFill>
+        <a:effectLst/>
+      </p:bgPr>
+    </p:bg>
+    <p:spTree>
+      <p:nvGrpSpPr>
+        <p:cNvPr id="1" name=""/>
+        <p:cNvGrpSpPr/>
+        <p:nvPr/>
+      </p:nvGrpSpPr>
+      <p:grpSpPr>
+        <a:xfrm>
+          <a:off x="0" y="0"/>
+          <a:ext cx="0" cy="0"/>
+          <a:chOff x="0" y="0"/>
+          <a:chExt cx="0" cy="0"/>
+        </a:xfrm>
+      </p:grpSpPr>
+      <p:pic>
+        <p:nvPicPr>
+          <p:cNvPr id="4" name="Picture 3"/>
+          <p:cNvPicPr>
+            <a:picLocks noChangeAspect="1"/>
+          </p:cNvPicPr>
+          <p:nvPr/>
+        </p:nvPicPr>
+        <p:blipFill>
+          <a:blip r:embed="rId2">
+            <a:extLst>
+              <a:ext uri="{28A0092B-C50C-407E-A947-70E740481C1C}">
+                <a14:useLocalDpi xmlns:a14="http://schemas.microsoft.com/office/drawing/2010/main" val="0"/>
+              </a:ext>
+            </a:extLst>
+          </a:blip>
+          <a:stretch>
+            <a:fillRect/>
+          </a:stretch>
+        </p:blipFill>
+        <p:spPr>
+          <a:xfrm>
+            <a:off x="0" y="0"/>
+            <a:ext cx="12195961" cy="1106905"/>
+          </a:xfrm>
+          <a:prstGeom prst="rect">
+            <a:avLst/>
+          </a:prstGeom>
+        </p:spPr>
+      </p:pic>
+      <p:sp>
+        <p:nvSpPr>
+          <p:cNvPr id="2" name="TextBox 1"/>
+          <p:cNvSpPr txBox="1"/>
+          <p:nvPr/>
+        </p:nvSpPr>
+        <p:spPr>
+          <a:xfrm>
+            <a:off x="669634" y="1595718"/>
+            <a:ext cx="3953262" cy="769441"/>
+          </a:xfrm>
+          <a:prstGeom prst="rect">
+            <a:avLst/>
+          </a:prstGeom>
+          <a:noFill/>
+        </p:spPr>
+        <p:txBody>
+          <a:bodyPr wrap="none" rtlCol="0">
+            <a:spAutoFit/>
+          </a:bodyPr>
+          <a:lstStyle/>
+          <a:p>
+            <a:r>
+              <a:rPr lang="en-US" sz="4400" dirty="0" smtClean="0">
+                <a:solidFill>
+                  <a:prstClr val="black"/>
+                </a:solidFill>
+              </a:rPr>
+              <a:t>Azure Web Apps</a:t>
+            </a:r>
+            <a:endParaRPr lang="en-US" sz="4400" dirty="0">
+              <a:solidFill>
+                <a:prstClr val="black"/>
+              </a:solidFill>
+            </a:endParaRPr>
+          </a:p>
+        </p:txBody>
+      </p:sp>
+      <p:sp>
+        <p:nvSpPr>
+          <p:cNvPr id="3" name="TextBox 2"/>
+          <p:cNvSpPr txBox="1"/>
+          <p:nvPr/>
+        </p:nvSpPr>
+        <p:spPr>
+          <a:xfrm>
+            <a:off x="669634" y="3585882"/>
+            <a:ext cx="5964248" cy="1200329"/>
+          </a:xfrm>
+          <a:prstGeom prst="rect">
+            <a:avLst/>
+          </a:prstGeom>
+          <a:noFill/>
+        </p:spPr>
+        <p:txBody>
+          <a:bodyPr wrap="square" rtlCol="0">
+            <a:spAutoFit/>
+          </a:bodyPr>
+          <a:lstStyle/>
+          <a:p>
+            <a:pPr marL="285750" indent="-285750">
+              <a:buFont typeface="Arial" charset="0"/>
+              <a:buChar char="•"/>
+            </a:pPr>
+            <a:r>
+              <a:rPr lang="en-US" sz="3600" dirty="0" smtClean="0">
+                <a:solidFill>
+                  <a:prstClr val="black"/>
+                </a:solidFill>
+              </a:rPr>
+              <a:t>What is </a:t>
+            </a:r>
+            <a:r>
+              <a:rPr lang="en-US" sz="3600" dirty="0" err="1" smtClean="0">
+                <a:solidFill>
+                  <a:prstClr val="black"/>
+                </a:solidFill>
+              </a:rPr>
+              <a:t>PaaS</a:t>
+            </a:r>
+            <a:r>
+              <a:rPr lang="en-US" sz="3600" dirty="0" smtClean="0">
+                <a:solidFill>
+                  <a:prstClr val="black"/>
+                </a:solidFill>
+              </a:rPr>
+              <a:t>?</a:t>
+            </a:r>
+          </a:p>
+          <a:p>
+            <a:pPr marL="285750" indent="-285750">
+              <a:buFont typeface="Arial" charset="0"/>
+              <a:buChar char="•"/>
+            </a:pPr>
+            <a:r>
+              <a:rPr lang="en-US" sz="3600" dirty="0" smtClean="0">
+                <a:solidFill>
+                  <a:prstClr val="black"/>
+                </a:solidFill>
+              </a:rPr>
+              <a:t>Why choose </a:t>
+            </a:r>
+            <a:r>
+              <a:rPr lang="en-US" sz="3600" dirty="0" err="1" smtClean="0">
+                <a:solidFill>
+                  <a:prstClr val="black"/>
+                </a:solidFill>
+              </a:rPr>
+              <a:t>PaaS</a:t>
+            </a:r>
+            <a:r>
+              <a:rPr lang="en-US" sz="3600" dirty="0" smtClean="0">
+                <a:solidFill>
+                  <a:prstClr val="black"/>
+                </a:solidFill>
+              </a:rPr>
+              <a:t>?</a:t>
+            </a:r>
+            <a:endParaRPr lang="en-US" sz="3600" dirty="0">
+              <a:solidFill>
+                <a:prstClr val="black"/>
+              </a:solidFill>
+            </a:endParaRPr>
+          </a:p>
+        </p:txBody>
+      </p:sp>
+    </p:spTree>
+    <p:extLst>
+      <p:ext uri="{BB962C8B-B14F-4D97-AF65-F5344CB8AC3E}">
+        <p14:creationId xmlns:p14="http://schemas.microsoft.com/office/powerpoint/2010/main" val="145448824"/>
+      </p:ext>
+    </p:extLst>
+  </p:cSld>
+  <p:clrMapOvr>
+    <a:masterClrMapping/>
+  </p:clrMapOvr>
+  <p:timing>
+    <p:tnLst>
+      <p:par>
+        <p:cTn id="1" dur="indefinite" restart="never" nodeType="tmRoot"/>
+      </p:par>
+    </p:tnLst>
+  </p:timing>
+</p:sld>
+</file>
+
+<file path=ppt/slides/slide30.xml><?xml version="1.0" encoding="utf-8"?>
 <p:sld xmlns:a="http://schemas.openxmlformats.org/drawingml/2006/main" xmlns:r="http://schemas.openxmlformats.org/officeDocument/2006/relationships" xmlns:p="http://schemas.openxmlformats.org/presentationml/2006/main">
   <p:cSld>
     <p:bg>
@@ -32665,208 +33031,7 @@
 </p:sld>
 </file>
 
-<file path=ppt/slides/slide3.xml><?xml version="1.0" encoding="utf-8"?>
-<p:sld xmlns:a="http://schemas.openxmlformats.org/drawingml/2006/main" xmlns:r="http://schemas.openxmlformats.org/officeDocument/2006/relationships" xmlns:p="http://schemas.openxmlformats.org/presentationml/2006/main">
-  <p:cSld>
-    <p:bg>
-      <p:bgPr>
-        <a:solidFill>
-          <a:schemeClr val="bg1"/>
-        </a:solidFill>
-        <a:effectLst/>
-      </p:bgPr>
-    </p:bg>
-    <p:spTree>
-      <p:nvGrpSpPr>
-        <p:cNvPr id="1" name=""/>
-        <p:cNvGrpSpPr/>
-        <p:nvPr/>
-      </p:nvGrpSpPr>
-      <p:grpSpPr>
-        <a:xfrm>
-          <a:off x="0" y="0"/>
-          <a:ext cx="0" cy="0"/>
-          <a:chOff x="0" y="0"/>
-          <a:chExt cx="0" cy="0"/>
-        </a:xfrm>
-      </p:grpSpPr>
-      <p:pic>
-        <p:nvPicPr>
-          <p:cNvPr id="4" name="Picture 3"/>
-          <p:cNvPicPr>
-            <a:picLocks noChangeAspect="1"/>
-          </p:cNvPicPr>
-          <p:nvPr/>
-        </p:nvPicPr>
-        <p:blipFill>
-          <a:blip r:embed="rId2">
-            <a:extLst>
-              <a:ext uri="{28A0092B-C50C-407E-A947-70E740481C1C}">
-                <a14:useLocalDpi xmlns:a14="http://schemas.microsoft.com/office/drawing/2010/main" val="0"/>
-              </a:ext>
-            </a:extLst>
-          </a:blip>
-          <a:stretch>
-            <a:fillRect/>
-          </a:stretch>
-        </p:blipFill>
-        <p:spPr>
-          <a:xfrm>
-            <a:off x="0" y="0"/>
-            <a:ext cx="12195961" cy="1106905"/>
-          </a:xfrm>
-          <a:prstGeom prst="rect">
-            <a:avLst/>
-          </a:prstGeom>
-        </p:spPr>
-      </p:pic>
-      <p:sp>
-        <p:nvSpPr>
-          <p:cNvPr id="2" name="TextBox 1"/>
-          <p:cNvSpPr txBox="1"/>
-          <p:nvPr/>
-        </p:nvSpPr>
-        <p:spPr>
-          <a:xfrm>
-            <a:off x="669634" y="1595718"/>
-            <a:ext cx="3953262" cy="769441"/>
-          </a:xfrm>
-          <a:prstGeom prst="rect">
-            <a:avLst/>
-          </a:prstGeom>
-          <a:noFill/>
-        </p:spPr>
-        <p:txBody>
-          <a:bodyPr wrap="none" rtlCol="0">
-            <a:spAutoFit/>
-          </a:bodyPr>
-          <a:lstStyle/>
-          <a:p>
-            <a:r>
-              <a:rPr lang="en-US" sz="4400" dirty="0" smtClean="0">
-                <a:solidFill>
-                  <a:prstClr val="black"/>
-                </a:solidFill>
-              </a:rPr>
-              <a:t>Azure Web Apps</a:t>
-            </a:r>
-            <a:endParaRPr lang="en-US" sz="4400" dirty="0">
-              <a:solidFill>
-                <a:prstClr val="black"/>
-              </a:solidFill>
-            </a:endParaRPr>
-          </a:p>
-        </p:txBody>
-      </p:sp>
-      <p:sp>
-        <p:nvSpPr>
-          <p:cNvPr id="3" name="TextBox 2"/>
-          <p:cNvSpPr txBox="1"/>
-          <p:nvPr/>
-        </p:nvSpPr>
-        <p:spPr>
-          <a:xfrm>
-            <a:off x="669634" y="3585882"/>
-            <a:ext cx="5964248" cy="1200329"/>
-          </a:xfrm>
-          <a:prstGeom prst="rect">
-            <a:avLst/>
-          </a:prstGeom>
-          <a:noFill/>
-        </p:spPr>
-        <p:txBody>
-          <a:bodyPr wrap="square" rtlCol="0">
-            <a:spAutoFit/>
-          </a:bodyPr>
-          <a:lstStyle/>
-          <a:p>
-            <a:pPr marL="285750" indent="-285750">
-              <a:buFont typeface="Arial" charset="0"/>
-              <a:buChar char="•"/>
-            </a:pPr>
-            <a:r>
-              <a:rPr lang="en-US" sz="3600" dirty="0" smtClean="0">
-                <a:solidFill>
-                  <a:prstClr val="black"/>
-                </a:solidFill>
-              </a:rPr>
-              <a:t>What is </a:t>
-            </a:r>
-            <a:r>
-              <a:rPr lang="en-US" sz="3600" dirty="0" err="1" smtClean="0">
-                <a:solidFill>
-                  <a:prstClr val="black"/>
-                </a:solidFill>
-              </a:rPr>
-              <a:t>PaaS</a:t>
-            </a:r>
-            <a:r>
-              <a:rPr lang="en-US" sz="3600" dirty="0" smtClean="0">
-                <a:solidFill>
-                  <a:prstClr val="black"/>
-                </a:solidFill>
-              </a:rPr>
-              <a:t>?</a:t>
-            </a:r>
-          </a:p>
-          <a:p>
-            <a:pPr marL="285750" indent="-285750">
-              <a:buFont typeface="Arial" charset="0"/>
-              <a:buChar char="•"/>
-            </a:pPr>
-            <a:r>
-              <a:rPr lang="en-US" sz="3600" dirty="0" smtClean="0">
-                <a:solidFill>
-                  <a:prstClr val="black"/>
-                </a:solidFill>
-              </a:rPr>
-              <a:t>Why choose </a:t>
-            </a:r>
-            <a:r>
-              <a:rPr lang="en-US" sz="3600" dirty="0" err="1" smtClean="0">
-                <a:solidFill>
-                  <a:prstClr val="black"/>
-                </a:solidFill>
-              </a:rPr>
-              <a:t>PaaS</a:t>
-            </a:r>
-            <a:r>
-              <a:rPr lang="en-US" sz="3600" dirty="0" smtClean="0">
-                <a:solidFill>
-                  <a:prstClr val="black"/>
-                </a:solidFill>
-              </a:rPr>
-              <a:t>?</a:t>
-            </a:r>
-            <a:endParaRPr lang="en-US" sz="3600" dirty="0">
-              <a:solidFill>
-                <a:prstClr val="black"/>
-              </a:solidFill>
-            </a:endParaRPr>
-          </a:p>
-        </p:txBody>
-      </p:sp>
-    </p:spTree>
-    <p:extLst>
-      <p:ext uri="{BB962C8B-B14F-4D97-AF65-F5344CB8AC3E}">
-        <p14:creationId xmlns:p14="http://schemas.microsoft.com/office/powerpoint/2010/main" val="145448824"/>
-      </p:ext>
-    </p:extLst>
-  </p:cSld>
-  <p:clrMapOvr>
-    <a:masterClrMapping/>
-  </p:clrMapOvr>
-  <p:timing>
-    <p:tnLst>
-      <p:par>
-        <p:cTn id="1" dur="indefinite" restart="never" nodeType="tmRoot"/>
-      </p:par>
-    </p:tnLst>
-  </p:timing>
-</p:sld>
-</file>
-
-<file path=ppt/slides/slide30.xml><?xml version="1.0" encoding="utf-8"?>
+<file path=ppt/slides/slide31.xml><?xml version="1.0" encoding="utf-8"?>
 <p:sld xmlns:a="http://schemas.openxmlformats.org/drawingml/2006/main" xmlns:r="http://schemas.openxmlformats.org/officeDocument/2006/relationships" xmlns:p="http://schemas.openxmlformats.org/presentationml/2006/main">
   <p:cSld>
     <p:bg>
@@ -33036,7 +33201,7 @@
 </p:sld>
 </file>
 
-<file path=ppt/slides/slide31.xml><?xml version="1.0" encoding="utf-8"?>
+<file path=ppt/slides/slide32.xml><?xml version="1.0" encoding="utf-8"?>
 <p:sld xmlns:a="http://schemas.openxmlformats.org/drawingml/2006/main" xmlns:r="http://schemas.openxmlformats.org/officeDocument/2006/relationships" xmlns:p="http://schemas.openxmlformats.org/presentationml/2006/main">
   <p:cSld>
     <p:bg>
@@ -33134,7 +33299,7 @@
 </p:sld>
 </file>
 
-<file path=ppt/slides/slide32.xml><?xml version="1.0" encoding="utf-8"?>
+<file path=ppt/slides/slide33.xml><?xml version="1.0" encoding="utf-8"?>
 <p:sld xmlns:a="http://schemas.openxmlformats.org/drawingml/2006/main" xmlns:r="http://schemas.openxmlformats.org/officeDocument/2006/relationships" xmlns:p="http://schemas.openxmlformats.org/presentationml/2006/main">
   <p:cSld>
     <p:bg>
@@ -33287,7 +33452,7 @@
 </p:sld>
 </file>
 
-<file path=ppt/slides/slide33.xml><?xml version="1.0" encoding="utf-8"?>
+<file path=ppt/slides/slide34.xml><?xml version="1.0" encoding="utf-8"?>
 <p:sld xmlns:a="http://schemas.openxmlformats.org/drawingml/2006/main" xmlns:r="http://schemas.openxmlformats.org/officeDocument/2006/relationships" xmlns:p="http://schemas.openxmlformats.org/presentationml/2006/main">
   <p:cSld>
     <p:bg>
@@ -33821,7 +33986,7 @@
 </p:sld>
 </file>
 
-<file path=ppt/slides/slide34.xml><?xml version="1.0" encoding="utf-8"?>
+<file path=ppt/slides/slide35.xml><?xml version="1.0" encoding="utf-8"?>
 <p:sld xmlns:a="http://schemas.openxmlformats.org/drawingml/2006/main" xmlns:r="http://schemas.openxmlformats.org/officeDocument/2006/relationships" xmlns:p="http://schemas.openxmlformats.org/presentationml/2006/main">
   <p:cSld>
     <p:bg>
@@ -34829,7 +34994,7 @@
 </p:sld>
 </file>
 
-<file path=ppt/slides/slide35.xml><?xml version="1.0" encoding="utf-8"?>
+<file path=ppt/slides/slide36.xml><?xml version="1.0" encoding="utf-8"?>
 <p:sld xmlns:a="http://schemas.openxmlformats.org/drawingml/2006/main" xmlns:r="http://schemas.openxmlformats.org/officeDocument/2006/relationships" xmlns:p="http://schemas.openxmlformats.org/presentationml/2006/main">
   <p:cSld>
     <p:bg>
@@ -35683,7 +35848,7 @@
 </p:sld>
 </file>
 
-<file path=ppt/slides/slide36.xml><?xml version="1.0" encoding="utf-8"?>
+<file path=ppt/slides/slide37.xml><?xml version="1.0" encoding="utf-8"?>
 <p:sld xmlns:a="http://schemas.openxmlformats.org/drawingml/2006/main" xmlns:r="http://schemas.openxmlformats.org/officeDocument/2006/relationships" xmlns:p="http://schemas.openxmlformats.org/presentationml/2006/main">
   <p:cSld>
     <p:bg>
@@ -38596,13 +38761,13 @@
   <p:clrMapOvr>
     <a:masterClrMapping/>
   </p:clrMapOvr>
-  <mc:AlternateContent xmlns:mc="http://schemas.openxmlformats.org/markup-compatibility/2006">
-    <mc:Choice xmlns:p14="http://schemas.microsoft.com/office/powerpoint/2010/main" Requires="p14">
+  <mc:AlternateContent xmlns:mc="http://schemas.openxmlformats.org/markup-compatibility/2006" xmlns:p14="http://schemas.microsoft.com/office/powerpoint/2010/main">
+    <mc:Choice Requires="p14">
       <p:transition spd="med" p14:dur="700">
         <p:fade/>
       </p:transition>
     </mc:Choice>
-    <mc:Fallback>
+    <mc:Fallback xmlns="">
       <p:transition spd="med">
         <p:fade/>
       </p:transition>
@@ -38707,13 +38872,13 @@
   <p:clrMapOvr>
     <a:masterClrMapping/>
   </p:clrMapOvr>
-  <mc:AlternateContent xmlns:mc="http://schemas.openxmlformats.org/markup-compatibility/2006">
-    <mc:Choice xmlns:p14="http://schemas.microsoft.com/office/powerpoint/2010/main" Requires="p14">
+  <mc:AlternateContent xmlns:mc="http://schemas.openxmlformats.org/markup-compatibility/2006" xmlns:p14="http://schemas.microsoft.com/office/powerpoint/2010/main">
+    <mc:Choice Requires="p14">
       <p:transition spd="med" p14:dur="700">
         <p:fade/>
       </p:transition>
     </mc:Choice>
-    <mc:Fallback>
+    <mc:Fallback xmlns="">
       <p:transition spd="med">
         <p:fade/>
       </p:transition>

--- a/slidedeck/slides.pptx
+++ b/slidedeck/slides.pptx
@@ -8,7 +8,7 @@
     <p:sldMasterId id="2147483690" r:id="rId4"/>
   </p:sldMasterIdLst>
   <p:notesMasterIdLst>
-    <p:notesMasterId r:id="rId42"/>
+    <p:notesMasterId r:id="rId43"/>
   </p:notesMasterIdLst>
   <p:sldIdLst>
     <p:sldId id="256" r:id="rId5"/>
@@ -38,16 +38,17 @@
     <p:sldId id="262" r:id="rId29"/>
     <p:sldId id="280" r:id="rId30"/>
     <p:sldId id="281" r:id="rId31"/>
-    <p:sldId id="258" r:id="rId32"/>
-    <p:sldId id="274" r:id="rId33"/>
-    <p:sldId id="273" r:id="rId34"/>
-    <p:sldId id="263" r:id="rId35"/>
-    <p:sldId id="277" r:id="rId36"/>
-    <p:sldId id="265" r:id="rId37"/>
-    <p:sldId id="264" r:id="rId38"/>
-    <p:sldId id="259" r:id="rId39"/>
-    <p:sldId id="261" r:id="rId40"/>
-    <p:sldId id="276" r:id="rId41"/>
+    <p:sldId id="299" r:id="rId32"/>
+    <p:sldId id="258" r:id="rId33"/>
+    <p:sldId id="274" r:id="rId34"/>
+    <p:sldId id="273" r:id="rId35"/>
+    <p:sldId id="263" r:id="rId36"/>
+    <p:sldId id="277" r:id="rId37"/>
+    <p:sldId id="265" r:id="rId38"/>
+    <p:sldId id="264" r:id="rId39"/>
+    <p:sldId id="259" r:id="rId40"/>
+    <p:sldId id="261" r:id="rId41"/>
+    <p:sldId id="276" r:id="rId42"/>
   </p:sldIdLst>
   <p:sldSz cx="12192000" cy="6858000"/>
   <p:notesSz cx="6858000" cy="9144000"/>
@@ -31544,572 +31545,154 @@
           <a:prstGeom prst="rect">
             <a:avLst/>
           </a:prstGeom>
-        </p:spPr>
-      </p:pic>
-      <p:sp>
-        <p:nvSpPr>
-          <p:cNvPr id="3" name="Rectangle 2"/>
-          <p:cNvSpPr/>
-          <p:nvPr/>
-        </p:nvSpPr>
-        <p:spPr>
-          <a:xfrm>
-            <a:off x="7229475" y="2238375"/>
-            <a:ext cx="3028951" cy="352425"/>
-          </a:xfrm>
-          <a:prstGeom prst="rect">
-            <a:avLst/>
-          </a:prstGeom>
           <a:solidFill>
-            <a:srgbClr val="00ABEC"/>
+            <a:srgbClr val="2FC81A"/>
           </a:solidFill>
           <a:ln>
             <a:noFill/>
           </a:ln>
         </p:spPr>
+      </p:pic>
+      <p:pic>
+        <p:nvPicPr>
+          <p:cNvPr id="1026" name="Picture 2" descr="http://img09.deviantart.net/269d/i/2013/338/e/2/blue_dragon_by_deskridge-d6wq8tk.jpg"/>
+          <p:cNvPicPr>
+            <a:picLocks noChangeAspect="1" noChangeArrowheads="1"/>
+          </p:cNvPicPr>
+          <p:nvPr/>
+        </p:nvPicPr>
+        <p:blipFill rotWithShape="1">
+          <a:blip r:embed="rId3">
+            <a:extLst>
+              <a:ext uri="{28A0092B-C50C-407E-A947-70E740481C1C}">
+                <a14:useLocalDpi xmlns:a14="http://schemas.microsoft.com/office/drawing/2010/main" val="0"/>
+              </a:ext>
+            </a:extLst>
+          </a:blip>
+          <a:srcRect b="23596"/>
+          <a:stretch/>
+        </p:blipFill>
+        <p:spPr bwMode="auto">
+          <a:xfrm flipH="1">
+            <a:off x="0" y="1"/>
+            <a:ext cx="12192000" cy="6883400"/>
+          </a:xfrm>
+          <a:prstGeom prst="rect">
+            <a:avLst/>
+          </a:prstGeom>
+          <a:noFill/>
+          <a:extLst>
+            <a:ext uri="{909E8E84-426E-40DD-AFC4-6F175D3DCCD1}">
+              <a14:hiddenFill xmlns:a14="http://schemas.microsoft.com/office/drawing/2010/main">
+                <a:solidFill>
+                  <a:srgbClr val="FFFFFF"/>
+                </a:solidFill>
+              </a14:hiddenFill>
+            </a:ext>
+          </a:extLst>
+        </p:spPr>
+      </p:pic>
+      <p:sp>
+        <p:nvSpPr>
+          <p:cNvPr id="2" name="TextBox 1"/>
+          <p:cNvSpPr txBox="1"/>
+          <p:nvPr/>
+        </p:nvSpPr>
+        <p:spPr>
+          <a:xfrm>
+            <a:off x="5803900" y="6438900"/>
+            <a:ext cx="3124200" cy="307777"/>
+          </a:xfrm>
+          <a:prstGeom prst="rect">
+            <a:avLst/>
+          </a:prstGeom>
+        </p:spPr>
         <p:style>
           <a:lnRef idx="2">
-            <a:schemeClr val="accent1">
+            <a:schemeClr val="dk1">
               <a:shade val="50000"/>
             </a:schemeClr>
           </a:lnRef>
           <a:fillRef idx="1">
-            <a:schemeClr val="accent1"/>
+            <a:schemeClr val="dk1"/>
           </a:fillRef>
           <a:effectRef idx="0">
-            <a:schemeClr val="accent1"/>
+            <a:schemeClr val="dk1"/>
           </a:effectRef>
           <a:fontRef idx="minor">
             <a:schemeClr val="lt1"/>
           </a:fontRef>
         </p:style>
         <p:txBody>
-          <a:bodyPr rtlCol="0" anchor="ctr"/>
+          <a:bodyPr wrap="square" rtlCol="0">
+            <a:spAutoFit/>
+          </a:bodyPr>
           <a:lstStyle/>
           <a:p>
             <a:pPr algn="ctr"/>
             <a:r>
-              <a:rPr lang="en-US" dirty="0" smtClean="0"/>
-              <a:t>application</a:t>
-            </a:r>
-            <a:endParaRPr lang="en-US" dirty="0"/>
+              <a:rPr lang="en-US" sz="1400" dirty="0" err="1" smtClean="0"/>
+              <a:t>blue_dragon_by_deskridge</a:t>
+            </a:r>
+            <a:r>
+              <a:rPr lang="en-US" sz="1400" dirty="0" smtClean="0"/>
+              <a:t> [</a:t>
+            </a:r>
+            <a:r>
+              <a:rPr lang="en-US" sz="1400" dirty="0" err="1" smtClean="0"/>
+              <a:t>deviantart</a:t>
+            </a:r>
+            <a:r>
+              <a:rPr lang="en-US" sz="1400" dirty="0" smtClean="0"/>
+              <a:t>]</a:t>
+            </a:r>
+            <a:endParaRPr lang="en-US" sz="1400" dirty="0"/>
           </a:p>
         </p:txBody>
       </p:sp>
-      <p:sp>
-        <p:nvSpPr>
-          <p:cNvPr id="5" name="Rectangle 4"/>
-          <p:cNvSpPr/>
+      <p:cxnSp>
+        <p:nvCxnSpPr>
+          <p:cNvPr id="6" name="Straight Arrow Connector 5"/>
+          <p:cNvCxnSpPr/>
           <p:nvPr/>
-        </p:nvSpPr>
+        </p:nvCxnSpPr>
         <p:spPr>
-          <a:xfrm>
-            <a:off x="7229474" y="2724150"/>
-            <a:ext cx="3028951" cy="352425"/>
+          <a:xfrm flipV="1">
+            <a:off x="2336800" y="4356100"/>
+            <a:ext cx="1536700" cy="25400"/>
           </a:xfrm>
-          <a:prstGeom prst="rect">
+          <a:prstGeom prst="straightConnector1">
             <a:avLst/>
           </a:prstGeom>
-          <a:solidFill>
-            <a:srgbClr val="00ABEC"/>
-          </a:solidFill>
-          <a:ln>
-            <a:noFill/>
+          <a:ln w="76200">
+            <a:tailEnd type="triangle"/>
           </a:ln>
         </p:spPr>
         <p:style>
-          <a:lnRef idx="2">
-            <a:schemeClr val="accent1">
-              <a:shade val="50000"/>
-            </a:schemeClr>
+          <a:lnRef idx="1">
+            <a:schemeClr val="accent4"/>
           </a:lnRef>
-          <a:fillRef idx="1">
-            <a:schemeClr val="accent1"/>
+          <a:fillRef idx="0">
+            <a:schemeClr val="accent4"/>
           </a:fillRef>
           <a:effectRef idx="0">
-            <a:schemeClr val="accent1"/>
+            <a:schemeClr val="accent4"/>
           </a:effectRef>
           <a:fontRef idx="minor">
-            <a:schemeClr val="lt1"/>
+            <a:schemeClr val="tx1"/>
           </a:fontRef>
         </p:style>
-        <p:txBody>
-          <a:bodyPr rtlCol="0" anchor="ctr"/>
-          <a:lstStyle/>
-          <a:p>
-            <a:pPr algn="ctr"/>
-            <a:r>
-              <a:rPr lang="en-US" dirty="0" smtClean="0"/>
-              <a:t>http</a:t>
-            </a:r>
-            <a:endParaRPr lang="en-US" dirty="0"/>
-          </a:p>
-        </p:txBody>
-      </p:sp>
+      </p:cxnSp>
       <p:sp>
         <p:nvSpPr>
-          <p:cNvPr id="6" name="Rectangle 5"/>
-          <p:cNvSpPr/>
-          <p:nvPr/>
-        </p:nvSpPr>
-        <p:spPr>
-          <a:xfrm>
-            <a:off x="7229473" y="3209925"/>
-            <a:ext cx="3028951" cy="352425"/>
-          </a:xfrm>
-          <a:prstGeom prst="rect">
-            <a:avLst/>
-          </a:prstGeom>
-          <a:solidFill>
-            <a:srgbClr val="00ABEC"/>
-          </a:solidFill>
-          <a:ln>
-            <a:noFill/>
-          </a:ln>
-        </p:spPr>
-        <p:style>
-          <a:lnRef idx="2">
-            <a:schemeClr val="accent1">
-              <a:shade val="50000"/>
-            </a:schemeClr>
-          </a:lnRef>
-          <a:fillRef idx="1">
-            <a:schemeClr val="accent1"/>
-          </a:fillRef>
-          <a:effectRef idx="0">
-            <a:schemeClr val="accent1"/>
-          </a:effectRef>
-          <a:fontRef idx="minor">
-            <a:schemeClr val="lt1"/>
-          </a:fontRef>
-        </p:style>
-        <p:txBody>
-          <a:bodyPr rtlCol="0" anchor="ctr"/>
-          <a:lstStyle/>
-          <a:p>
-            <a:pPr algn="ctr"/>
-            <a:r>
-              <a:rPr lang="en-US" dirty="0" err="1" smtClean="0"/>
-              <a:t>libuv</a:t>
-            </a:r>
-            <a:endParaRPr lang="en-US" dirty="0"/>
-          </a:p>
-        </p:txBody>
-      </p:sp>
-      <p:sp>
-        <p:nvSpPr>
-          <p:cNvPr id="7" name="Rectangle 6"/>
-          <p:cNvSpPr/>
-          <p:nvPr/>
-        </p:nvSpPr>
-        <p:spPr>
-          <a:xfrm>
-            <a:off x="7229472" y="3695700"/>
-            <a:ext cx="3028951" cy="352425"/>
-          </a:xfrm>
-          <a:prstGeom prst="rect">
-            <a:avLst/>
-          </a:prstGeom>
-          <a:solidFill>
-            <a:srgbClr val="00ABEC"/>
-          </a:solidFill>
-          <a:ln>
-            <a:noFill/>
-          </a:ln>
-        </p:spPr>
-        <p:style>
-          <a:lnRef idx="2">
-            <a:schemeClr val="accent1">
-              <a:shade val="50000"/>
-            </a:schemeClr>
-          </a:lnRef>
-          <a:fillRef idx="1">
-            <a:schemeClr val="accent1"/>
-          </a:fillRef>
-          <a:effectRef idx="0">
-            <a:schemeClr val="accent1"/>
-          </a:effectRef>
-          <a:fontRef idx="minor">
-            <a:schemeClr val="lt1"/>
-          </a:fontRef>
-        </p:style>
-        <p:txBody>
-          <a:bodyPr rtlCol="0" anchor="ctr"/>
-          <a:lstStyle/>
-          <a:p>
-            <a:pPr algn="ctr"/>
-            <a:r>
-              <a:rPr lang="en-US" dirty="0"/>
-              <a:t>n</a:t>
-            </a:r>
-            <a:r>
-              <a:rPr lang="en-US" dirty="0" smtClean="0"/>
-              <a:t>amed pipes</a:t>
-            </a:r>
-            <a:endParaRPr lang="en-US" dirty="0"/>
-          </a:p>
-        </p:txBody>
-      </p:sp>
-      <p:sp>
-        <p:nvSpPr>
-          <p:cNvPr id="8" name="Rectangle 7"/>
-          <p:cNvSpPr/>
-          <p:nvPr/>
-        </p:nvSpPr>
-        <p:spPr>
-          <a:xfrm>
-            <a:off x="7229471" y="4181475"/>
-            <a:ext cx="3028951" cy="352425"/>
-          </a:xfrm>
-          <a:prstGeom prst="rect">
-            <a:avLst/>
-          </a:prstGeom>
-          <a:solidFill>
-            <a:srgbClr val="00ABEC"/>
-          </a:solidFill>
-          <a:ln>
-            <a:noFill/>
-          </a:ln>
-        </p:spPr>
-        <p:style>
-          <a:lnRef idx="2">
-            <a:schemeClr val="accent1">
-              <a:shade val="50000"/>
-            </a:schemeClr>
-          </a:lnRef>
-          <a:fillRef idx="1">
-            <a:schemeClr val="accent1"/>
-          </a:fillRef>
-          <a:effectRef idx="0">
-            <a:schemeClr val="accent1"/>
-          </a:effectRef>
-          <a:fontRef idx="minor">
-            <a:schemeClr val="lt1"/>
-          </a:fontRef>
-        </p:style>
-        <p:txBody>
-          <a:bodyPr rtlCol="0" anchor="ctr"/>
-          <a:lstStyle/>
-          <a:p>
-            <a:pPr algn="ctr"/>
-            <a:r>
-              <a:rPr lang="en-US" dirty="0" err="1" smtClean="0"/>
-              <a:t>iisnode</a:t>
-            </a:r>
-            <a:endParaRPr lang="en-US" dirty="0"/>
-          </a:p>
-        </p:txBody>
-      </p:sp>
-      <p:sp>
-        <p:nvSpPr>
-          <p:cNvPr id="9" name="Rectangle 8"/>
-          <p:cNvSpPr/>
-          <p:nvPr/>
-        </p:nvSpPr>
-        <p:spPr>
-          <a:xfrm>
-            <a:off x="7229470" y="4667250"/>
-            <a:ext cx="3028951" cy="352425"/>
-          </a:xfrm>
-          <a:prstGeom prst="rect">
-            <a:avLst/>
-          </a:prstGeom>
-          <a:solidFill>
-            <a:srgbClr val="00ABEC"/>
-          </a:solidFill>
-          <a:ln>
-            <a:noFill/>
-          </a:ln>
-        </p:spPr>
-        <p:style>
-          <a:lnRef idx="2">
-            <a:schemeClr val="accent1">
-              <a:shade val="50000"/>
-            </a:schemeClr>
-          </a:lnRef>
-          <a:fillRef idx="1">
-            <a:schemeClr val="accent1"/>
-          </a:fillRef>
-          <a:effectRef idx="0">
-            <a:schemeClr val="accent1"/>
-          </a:effectRef>
-          <a:fontRef idx="minor">
-            <a:schemeClr val="lt1"/>
-          </a:fontRef>
-        </p:style>
-        <p:txBody>
-          <a:bodyPr rtlCol="0" anchor="ctr"/>
-          <a:lstStyle/>
-          <a:p>
-            <a:pPr algn="ctr"/>
-            <a:r>
-              <a:rPr lang="en-US" dirty="0" smtClean="0"/>
-              <a:t>IIS</a:t>
-            </a:r>
-            <a:endParaRPr lang="en-US" dirty="0"/>
-          </a:p>
-        </p:txBody>
-      </p:sp>
-      <p:sp>
-        <p:nvSpPr>
-          <p:cNvPr id="10" name="Rectangle 9"/>
-          <p:cNvSpPr/>
-          <p:nvPr/>
-        </p:nvSpPr>
-        <p:spPr>
-          <a:xfrm>
-            <a:off x="7229470" y="5153025"/>
-            <a:ext cx="3028951" cy="352425"/>
-          </a:xfrm>
-          <a:prstGeom prst="rect">
-            <a:avLst/>
-          </a:prstGeom>
-          <a:solidFill>
-            <a:srgbClr val="00ABEC"/>
-          </a:solidFill>
-          <a:ln>
-            <a:noFill/>
-          </a:ln>
-        </p:spPr>
-        <p:style>
-          <a:lnRef idx="2">
-            <a:schemeClr val="accent1">
-              <a:shade val="50000"/>
-            </a:schemeClr>
-          </a:lnRef>
-          <a:fillRef idx="1">
-            <a:schemeClr val="accent1"/>
-          </a:fillRef>
-          <a:effectRef idx="0">
-            <a:schemeClr val="accent1"/>
-          </a:effectRef>
-          <a:fontRef idx="minor">
-            <a:schemeClr val="lt1"/>
-          </a:fontRef>
-        </p:style>
-        <p:txBody>
-          <a:bodyPr rtlCol="0" anchor="ctr"/>
-          <a:lstStyle/>
-          <a:p>
-            <a:pPr algn="ctr"/>
-            <a:r>
-              <a:rPr lang="en-US" dirty="0" smtClean="0"/>
-              <a:t>HTTP.SYS</a:t>
-            </a:r>
-            <a:endParaRPr lang="en-US" dirty="0"/>
-          </a:p>
-        </p:txBody>
-      </p:sp>
-      <p:sp>
-        <p:nvSpPr>
-          <p:cNvPr id="11" name="Rectangle 10"/>
-          <p:cNvSpPr/>
-          <p:nvPr/>
-        </p:nvSpPr>
-        <p:spPr>
-          <a:xfrm>
-            <a:off x="7229470" y="5638800"/>
-            <a:ext cx="3028951" cy="352425"/>
-          </a:xfrm>
-          <a:prstGeom prst="rect">
-            <a:avLst/>
-          </a:prstGeom>
-          <a:solidFill>
-            <a:srgbClr val="00ABEC"/>
-          </a:solidFill>
-          <a:ln>
-            <a:noFill/>
-          </a:ln>
-        </p:spPr>
-        <p:style>
-          <a:lnRef idx="2">
-            <a:schemeClr val="accent1">
-              <a:shade val="50000"/>
-            </a:schemeClr>
-          </a:lnRef>
-          <a:fillRef idx="1">
-            <a:schemeClr val="accent1"/>
-          </a:fillRef>
-          <a:effectRef idx="0">
-            <a:schemeClr val="accent1"/>
-          </a:effectRef>
-          <a:fontRef idx="minor">
-            <a:schemeClr val="lt1"/>
-          </a:fontRef>
-        </p:style>
-        <p:txBody>
-          <a:bodyPr rtlCol="0" anchor="ctr"/>
-          <a:lstStyle/>
-          <a:p>
-            <a:pPr algn="ctr"/>
-            <a:r>
-              <a:rPr lang="en-US" dirty="0" smtClean="0"/>
-              <a:t>TCP</a:t>
-            </a:r>
-            <a:endParaRPr lang="en-US" dirty="0"/>
-          </a:p>
-        </p:txBody>
-      </p:sp>
-      <p:sp>
-        <p:nvSpPr>
-          <p:cNvPr id="12" name="Rectangle 11"/>
-          <p:cNvSpPr/>
-          <p:nvPr/>
-        </p:nvSpPr>
-        <p:spPr>
-          <a:xfrm>
-            <a:off x="1581150" y="2238375"/>
-            <a:ext cx="3028951" cy="352425"/>
-          </a:xfrm>
-          <a:prstGeom prst="rect">
-            <a:avLst/>
-          </a:prstGeom>
-          <a:solidFill>
-            <a:srgbClr val="00ABEC"/>
-          </a:solidFill>
-          <a:ln>
-            <a:noFill/>
-          </a:ln>
-        </p:spPr>
-        <p:style>
-          <a:lnRef idx="2">
-            <a:schemeClr val="accent1">
-              <a:shade val="50000"/>
-            </a:schemeClr>
-          </a:lnRef>
-          <a:fillRef idx="1">
-            <a:schemeClr val="accent1"/>
-          </a:fillRef>
-          <a:effectRef idx="0">
-            <a:schemeClr val="accent1"/>
-          </a:effectRef>
-          <a:fontRef idx="minor">
-            <a:schemeClr val="lt1"/>
-          </a:fontRef>
-        </p:style>
-        <p:txBody>
-          <a:bodyPr rtlCol="0" anchor="ctr"/>
-          <a:lstStyle/>
-          <a:p>
-            <a:pPr algn="ctr"/>
-            <a:r>
-              <a:rPr lang="en-US" dirty="0" smtClean="0"/>
-              <a:t>application</a:t>
-            </a:r>
-            <a:endParaRPr lang="en-US" dirty="0"/>
-          </a:p>
-        </p:txBody>
-      </p:sp>
-      <p:sp>
-        <p:nvSpPr>
-          <p:cNvPr id="13" name="Rectangle 12"/>
-          <p:cNvSpPr/>
-          <p:nvPr/>
-        </p:nvSpPr>
-        <p:spPr>
-          <a:xfrm>
-            <a:off x="1581149" y="2724150"/>
-            <a:ext cx="3028951" cy="352425"/>
-          </a:xfrm>
-          <a:prstGeom prst="rect">
-            <a:avLst/>
-          </a:prstGeom>
-          <a:solidFill>
-            <a:srgbClr val="00ABEC"/>
-          </a:solidFill>
-          <a:ln>
-            <a:noFill/>
-          </a:ln>
-        </p:spPr>
-        <p:style>
-          <a:lnRef idx="2">
-            <a:schemeClr val="accent1">
-              <a:shade val="50000"/>
-            </a:schemeClr>
-          </a:lnRef>
-          <a:fillRef idx="1">
-            <a:schemeClr val="accent1"/>
-          </a:fillRef>
-          <a:effectRef idx="0">
-            <a:schemeClr val="accent1"/>
-          </a:effectRef>
-          <a:fontRef idx="minor">
-            <a:schemeClr val="lt1"/>
-          </a:fontRef>
-        </p:style>
-        <p:txBody>
-          <a:bodyPr rtlCol="0" anchor="ctr"/>
-          <a:lstStyle/>
-          <a:p>
-            <a:pPr algn="ctr"/>
-            <a:r>
-              <a:rPr lang="en-US" dirty="0" smtClean="0"/>
-              <a:t>http</a:t>
-            </a:r>
-            <a:endParaRPr lang="en-US" dirty="0"/>
-          </a:p>
-        </p:txBody>
-      </p:sp>
-      <p:sp>
-        <p:nvSpPr>
-          <p:cNvPr id="14" name="Rectangle 13"/>
-          <p:cNvSpPr/>
-          <p:nvPr/>
-        </p:nvSpPr>
-        <p:spPr>
-          <a:xfrm>
-            <a:off x="1581148" y="3209925"/>
-            <a:ext cx="3028951" cy="352425"/>
-          </a:xfrm>
-          <a:prstGeom prst="rect">
-            <a:avLst/>
-          </a:prstGeom>
-          <a:solidFill>
-            <a:srgbClr val="00ABEC"/>
-          </a:solidFill>
-          <a:ln>
-            <a:noFill/>
-          </a:ln>
-        </p:spPr>
-        <p:style>
-          <a:lnRef idx="2">
-            <a:schemeClr val="accent1">
-              <a:shade val="50000"/>
-            </a:schemeClr>
-          </a:lnRef>
-          <a:fillRef idx="1">
-            <a:schemeClr val="accent1"/>
-          </a:fillRef>
-          <a:effectRef idx="0">
-            <a:schemeClr val="accent1"/>
-          </a:effectRef>
-          <a:fontRef idx="minor">
-            <a:schemeClr val="lt1"/>
-          </a:fontRef>
-        </p:style>
-        <p:txBody>
-          <a:bodyPr rtlCol="0" anchor="ctr"/>
-          <a:lstStyle/>
-          <a:p>
-            <a:pPr algn="ctr"/>
-            <a:r>
-              <a:rPr lang="en-US" dirty="0" err="1" smtClean="0"/>
-              <a:t>libuv</a:t>
-            </a:r>
-            <a:endParaRPr lang="en-US" dirty="0"/>
-          </a:p>
-        </p:txBody>
-      </p:sp>
-      <p:sp>
-        <p:nvSpPr>
-          <p:cNvPr id="15" name="TextBox 14"/>
+          <p:cNvPr id="7" name="TextBox 6"/>
           <p:cNvSpPr txBox="1"/>
           <p:nvPr/>
         </p:nvSpPr>
         <p:spPr>
           <a:xfrm>
-            <a:off x="1581146" y="1458694"/>
-            <a:ext cx="3028951" cy="646331"/>
+            <a:off x="1574800" y="3764320"/>
+            <a:ext cx="1138966" cy="461665"/>
           </a:xfrm>
           <a:prstGeom prst="rect">
             <a:avLst/>
@@ -32117,37 +31700,73 @@
           <a:noFill/>
         </p:spPr>
         <p:txBody>
-          <a:bodyPr wrap="square" rtlCol="0">
+          <a:bodyPr wrap="none" rtlCol="0">
             <a:spAutoFit/>
           </a:bodyPr>
           <a:lstStyle/>
           <a:p>
-            <a:pPr algn="ctr"/>
-            <a:r>
-              <a:rPr lang="en-US" dirty="0" smtClean="0"/>
-              <a:t>vanilla node.exe</a:t>
-            </a:r>
-          </a:p>
-          <a:p>
-            <a:pPr algn="ctr"/>
-            <a:r>
-              <a:rPr lang="en-US" dirty="0" smtClean="0"/>
-              <a:t>(*NIXES and Windows)</a:t>
-            </a:r>
-            <a:endParaRPr lang="en-US" dirty="0"/>
+            <a:r>
+              <a:rPr lang="en-US" sz="2400" dirty="0" smtClean="0">
+                <a:solidFill>
+                  <a:srgbClr val="FFC000"/>
+                </a:solidFill>
+              </a:rPr>
+              <a:t>request</a:t>
+            </a:r>
+            <a:endParaRPr lang="en-US" sz="2400" dirty="0">
+              <a:solidFill>
+                <a:srgbClr val="FFC000"/>
+              </a:solidFill>
+            </a:endParaRPr>
           </a:p>
         </p:txBody>
       </p:sp>
+      <p:cxnSp>
+        <p:nvCxnSpPr>
+          <p:cNvPr id="14" name="Straight Arrow Connector 13"/>
+          <p:cNvCxnSpPr/>
+          <p:nvPr/>
+        </p:nvCxnSpPr>
+        <p:spPr>
+          <a:xfrm flipV="1">
+            <a:off x="8928100" y="4381500"/>
+            <a:ext cx="1536700" cy="25400"/>
+          </a:xfrm>
+          <a:prstGeom prst="straightConnector1">
+            <a:avLst/>
+          </a:prstGeom>
+          <a:ln w="76200">
+            <a:solidFill>
+              <a:schemeClr val="bg1"/>
+            </a:solidFill>
+            <a:tailEnd type="triangle"/>
+          </a:ln>
+        </p:spPr>
+        <p:style>
+          <a:lnRef idx="1">
+            <a:schemeClr val="accent4"/>
+          </a:lnRef>
+          <a:fillRef idx="0">
+            <a:schemeClr val="accent4"/>
+          </a:fillRef>
+          <a:effectRef idx="0">
+            <a:schemeClr val="accent4"/>
+          </a:effectRef>
+          <a:fontRef idx="minor">
+            <a:schemeClr val="tx1"/>
+          </a:fontRef>
+        </p:style>
+      </p:cxnSp>
       <p:sp>
         <p:nvSpPr>
-          <p:cNvPr id="16" name="TextBox 15"/>
+          <p:cNvPr id="8" name="TextBox 7"/>
           <p:cNvSpPr txBox="1"/>
           <p:nvPr/>
         </p:nvSpPr>
         <p:spPr>
           <a:xfrm>
-            <a:off x="7229470" y="1735693"/>
-            <a:ext cx="3028951" cy="369332"/>
+            <a:off x="10045700" y="4508500"/>
+            <a:ext cx="1321965" cy="461665"/>
           </a:xfrm>
           <a:prstGeom prst="rect">
             <a:avLst/>
@@ -32155,74 +31774,79 @@
           <a:noFill/>
         </p:spPr>
         <p:txBody>
-          <a:bodyPr wrap="square" rtlCol="0">
+          <a:bodyPr wrap="none" rtlCol="0">
             <a:spAutoFit/>
           </a:bodyPr>
           <a:lstStyle/>
           <a:p>
-            <a:pPr algn="ctr"/>
-            <a:r>
-              <a:rPr lang="en-US" dirty="0" err="1" smtClean="0"/>
-              <a:t>iisnode</a:t>
-            </a:r>
-            <a:endParaRPr lang="en-US" dirty="0"/>
+            <a:r>
+              <a:rPr lang="en-US" sz="2400" dirty="0" smtClean="0">
+                <a:solidFill>
+                  <a:schemeClr val="tx1">
+                    <a:lumMod val="95000"/>
+                    <a:lumOff val="5000"/>
+                  </a:schemeClr>
+                </a:solidFill>
+              </a:rPr>
+              <a:t>response</a:t>
+            </a:r>
+            <a:endParaRPr lang="en-US" sz="2400" dirty="0">
+              <a:solidFill>
+                <a:schemeClr val="tx1">
+                  <a:lumMod val="95000"/>
+                  <a:lumOff val="5000"/>
+                </a:schemeClr>
+              </a:solidFill>
+            </a:endParaRPr>
           </a:p>
         </p:txBody>
       </p:sp>
-      <p:sp>
-        <p:nvSpPr>
-          <p:cNvPr id="17" name="Rectangle 16"/>
-          <p:cNvSpPr/>
+      <p:pic>
+        <p:nvPicPr>
+          <p:cNvPr id="1028" name="Picture 4" descr="http://images.clipartpanda.com/clouds-background-png-cloud-edition.png"/>
+          <p:cNvPicPr>
+            <a:picLocks noChangeAspect="1" noChangeArrowheads="1"/>
+          </p:cNvPicPr>
           <p:nvPr/>
-        </p:nvSpPr>
-        <p:spPr>
+        </p:nvPicPr>
+        <p:blipFill>
+          <a:blip r:embed="rId4">
+            <a:lum bright="70000" contrast="-70000"/>
+            <a:extLst>
+              <a:ext uri="{28A0092B-C50C-407E-A947-70E740481C1C}">
+                <a14:useLocalDpi xmlns:a14="http://schemas.microsoft.com/office/drawing/2010/main" val="0"/>
+              </a:ext>
+            </a:extLst>
+          </a:blip>
+          <a:srcRect/>
+          <a:stretch>
+            <a:fillRect/>
+          </a:stretch>
+        </p:blipFill>
+        <p:spPr bwMode="auto">
           <a:xfrm>
-            <a:off x="1581147" y="3695700"/>
-            <a:ext cx="3028951" cy="352425"/>
+            <a:off x="5475258" y="3138905"/>
+            <a:ext cx="3871942" cy="2750891"/>
           </a:xfrm>
           <a:prstGeom prst="rect">
             <a:avLst/>
           </a:prstGeom>
-          <a:solidFill>
-            <a:srgbClr val="00ABEC"/>
-          </a:solidFill>
-          <a:ln>
-            <a:noFill/>
-          </a:ln>
+          <a:noFill/>
+          <a:extLst>
+            <a:ext uri="{909E8E84-426E-40DD-AFC4-6F175D3DCCD1}">
+              <a14:hiddenFill xmlns:a14="http://schemas.microsoft.com/office/drawing/2010/main">
+                <a:solidFill>
+                  <a:srgbClr val="FFFFFF"/>
+                </a:solidFill>
+              </a14:hiddenFill>
+            </a:ext>
+          </a:extLst>
         </p:spPr>
-        <p:style>
-          <a:lnRef idx="2">
-            <a:schemeClr val="accent1">
-              <a:shade val="50000"/>
-            </a:schemeClr>
-          </a:lnRef>
-          <a:fillRef idx="1">
-            <a:schemeClr val="accent1"/>
-          </a:fillRef>
-          <a:effectRef idx="0">
-            <a:schemeClr val="accent1"/>
-          </a:effectRef>
-          <a:fontRef idx="minor">
-            <a:schemeClr val="lt1"/>
-          </a:fontRef>
-        </p:style>
-        <p:txBody>
-          <a:bodyPr rtlCol="0" anchor="ctr"/>
-          <a:lstStyle/>
-          <a:p>
-            <a:pPr algn="ctr"/>
-            <a:r>
-              <a:rPr lang="en-US" dirty="0" smtClean="0"/>
-              <a:t>TCP</a:t>
-            </a:r>
-            <a:endParaRPr lang="en-US" dirty="0"/>
-          </a:p>
-        </p:txBody>
-      </p:sp>
+      </p:pic>
     </p:spTree>
     <p:extLst>
       <p:ext uri="{BB962C8B-B14F-4D97-AF65-F5344CB8AC3E}">
-        <p14:creationId xmlns:p14="http://schemas.microsoft.com/office/powerpoint/2010/main" val="1845839191"/>
+        <p14:creationId xmlns:p14="http://schemas.microsoft.com/office/powerpoint/2010/main" val="1713881467"/>
       </p:ext>
     </p:extLst>
   </p:cSld>
@@ -32232,9 +31856,225 @@
   <p:timing>
     <p:tnLst>
       <p:par>
-        <p:cTn id="1" dur="indefinite" restart="never" nodeType="tmRoot"/>
+        <p:cTn id="1" dur="indefinite" restart="never" nodeType="tmRoot">
+          <p:childTnLst>
+            <p:seq concurrent="1" nextAc="seek">
+              <p:cTn id="2" dur="indefinite" nodeType="mainSeq">
+                <p:childTnLst>
+                  <p:par>
+                    <p:cTn id="3" fill="hold">
+                      <p:stCondLst>
+                        <p:cond delay="indefinite"/>
+                      </p:stCondLst>
+                      <p:childTnLst>
+                        <p:par>
+                          <p:cTn id="4" fill="hold">
+                            <p:stCondLst>
+                              <p:cond delay="0"/>
+                            </p:stCondLst>
+                            <p:childTnLst>
+                              <p:par>
+                                <p:cTn id="5" presetID="1" presetClass="entr" presetSubtype="0" fill="hold" nodeType="clickEffect">
+                                  <p:stCondLst>
+                                    <p:cond delay="0"/>
+                                  </p:stCondLst>
+                                  <p:childTnLst>
+                                    <p:set>
+                                      <p:cBhvr>
+                                        <p:cTn id="6" dur="1" fill="hold">
+                                          <p:stCondLst>
+                                            <p:cond delay="0"/>
+                                          </p:stCondLst>
+                                        </p:cTn>
+                                        <p:tgtEl>
+                                          <p:spTgt spid="1028"/>
+                                        </p:tgtEl>
+                                        <p:attrNameLst>
+                                          <p:attrName>style.visibility</p:attrName>
+                                        </p:attrNameLst>
+                                      </p:cBhvr>
+                                      <p:to>
+                                        <p:strVal val="visible"/>
+                                      </p:to>
+                                    </p:set>
+                                  </p:childTnLst>
+                                </p:cTn>
+                              </p:par>
+                            </p:childTnLst>
+                          </p:cTn>
+                        </p:par>
+                      </p:childTnLst>
+                    </p:cTn>
+                  </p:par>
+                  <p:par>
+                    <p:cTn id="7" fill="hold">
+                      <p:stCondLst>
+                        <p:cond delay="indefinite"/>
+                      </p:stCondLst>
+                      <p:childTnLst>
+                        <p:par>
+                          <p:cTn id="8" fill="hold">
+                            <p:stCondLst>
+                              <p:cond delay="0"/>
+                            </p:stCondLst>
+                            <p:childTnLst>
+                              <p:par>
+                                <p:cTn id="9" presetID="1" presetClass="entr" presetSubtype="0" fill="hold" grpId="0" nodeType="clickEffect">
+                                  <p:stCondLst>
+                                    <p:cond delay="0"/>
+                                  </p:stCondLst>
+                                  <p:childTnLst>
+                                    <p:set>
+                                      <p:cBhvr>
+                                        <p:cTn id="10" dur="1" fill="hold">
+                                          <p:stCondLst>
+                                            <p:cond delay="0"/>
+                                          </p:stCondLst>
+                                        </p:cTn>
+                                        <p:tgtEl>
+                                          <p:spTgt spid="7"/>
+                                        </p:tgtEl>
+                                        <p:attrNameLst>
+                                          <p:attrName>style.visibility</p:attrName>
+                                        </p:attrNameLst>
+                                      </p:cBhvr>
+                                      <p:to>
+                                        <p:strVal val="visible"/>
+                                      </p:to>
+                                    </p:set>
+                                  </p:childTnLst>
+                                </p:cTn>
+                              </p:par>
+                              <p:par>
+                                <p:cTn id="11" presetID="1" presetClass="entr" presetSubtype="0" fill="hold" nodeType="withEffect">
+                                  <p:stCondLst>
+                                    <p:cond delay="0"/>
+                                  </p:stCondLst>
+                                  <p:childTnLst>
+                                    <p:set>
+                                      <p:cBhvr>
+                                        <p:cTn id="12" dur="1" fill="hold">
+                                          <p:stCondLst>
+                                            <p:cond delay="0"/>
+                                          </p:stCondLst>
+                                        </p:cTn>
+                                        <p:tgtEl>
+                                          <p:spTgt spid="6"/>
+                                        </p:tgtEl>
+                                        <p:attrNameLst>
+                                          <p:attrName>style.visibility</p:attrName>
+                                        </p:attrNameLst>
+                                      </p:cBhvr>
+                                      <p:to>
+                                        <p:strVal val="visible"/>
+                                      </p:to>
+                                    </p:set>
+                                  </p:childTnLst>
+                                </p:cTn>
+                              </p:par>
+                            </p:childTnLst>
+                          </p:cTn>
+                        </p:par>
+                      </p:childTnLst>
+                    </p:cTn>
+                  </p:par>
+                  <p:par>
+                    <p:cTn id="13" fill="hold">
+                      <p:stCondLst>
+                        <p:cond delay="indefinite"/>
+                      </p:stCondLst>
+                      <p:childTnLst>
+                        <p:par>
+                          <p:cTn id="14" fill="hold">
+                            <p:stCondLst>
+                              <p:cond delay="0"/>
+                            </p:stCondLst>
+                            <p:childTnLst>
+                              <p:par>
+                                <p:cTn id="15" presetID="1" presetClass="entr" presetSubtype="0" fill="hold" grpId="0" nodeType="clickEffect">
+                                  <p:stCondLst>
+                                    <p:cond delay="0"/>
+                                  </p:stCondLst>
+                                  <p:childTnLst>
+                                    <p:set>
+                                      <p:cBhvr>
+                                        <p:cTn id="16" dur="1" fill="hold">
+                                          <p:stCondLst>
+                                            <p:cond delay="0"/>
+                                          </p:stCondLst>
+                                        </p:cTn>
+                                        <p:tgtEl>
+                                          <p:spTgt spid="8"/>
+                                        </p:tgtEl>
+                                        <p:attrNameLst>
+                                          <p:attrName>style.visibility</p:attrName>
+                                        </p:attrNameLst>
+                                      </p:cBhvr>
+                                      <p:to>
+                                        <p:strVal val="visible"/>
+                                      </p:to>
+                                    </p:set>
+                                  </p:childTnLst>
+                                </p:cTn>
+                              </p:par>
+                              <p:par>
+                                <p:cTn id="17" presetID="1" presetClass="entr" presetSubtype="0" fill="hold" nodeType="withEffect">
+                                  <p:stCondLst>
+                                    <p:cond delay="0"/>
+                                  </p:stCondLst>
+                                  <p:childTnLst>
+                                    <p:set>
+                                      <p:cBhvr>
+                                        <p:cTn id="18" dur="1" fill="hold">
+                                          <p:stCondLst>
+                                            <p:cond delay="0"/>
+                                          </p:stCondLst>
+                                        </p:cTn>
+                                        <p:tgtEl>
+                                          <p:spTgt spid="14"/>
+                                        </p:tgtEl>
+                                        <p:attrNameLst>
+                                          <p:attrName>style.visibility</p:attrName>
+                                        </p:attrNameLst>
+                                      </p:cBhvr>
+                                      <p:to>
+                                        <p:strVal val="visible"/>
+                                      </p:to>
+                                    </p:set>
+                                  </p:childTnLst>
+                                </p:cTn>
+                              </p:par>
+                            </p:childTnLst>
+                          </p:cTn>
+                        </p:par>
+                      </p:childTnLst>
+                    </p:cTn>
+                  </p:par>
+                </p:childTnLst>
+              </p:cTn>
+              <p:prevCondLst>
+                <p:cond evt="onPrev" delay="0">
+                  <p:tgtEl>
+                    <p:sldTgt/>
+                  </p:tgtEl>
+                </p:cond>
+              </p:prevCondLst>
+              <p:nextCondLst>
+                <p:cond evt="onNext" delay="0">
+                  <p:tgtEl>
+                    <p:sldTgt/>
+                  </p:tgtEl>
+                </p:cond>
+              </p:nextCondLst>
+            </p:seq>
+          </p:childTnLst>
+        </p:cTn>
       </p:par>
     </p:tnLst>
+    <p:bldLst>
+      <p:bldP spid="7" grpId="0"/>
+      <p:bldP spid="8" grpId="0"/>
+    </p:bldLst>
   </p:timing>
 </p:sld>
 </file>
@@ -32296,14 +32136,568 @@
       </p:pic>
       <p:sp>
         <p:nvSpPr>
-          <p:cNvPr id="2" name="TextBox 1"/>
+          <p:cNvPr id="3" name="Rectangle 2"/>
+          <p:cNvSpPr/>
+          <p:nvPr/>
+        </p:nvSpPr>
+        <p:spPr>
+          <a:xfrm>
+            <a:off x="7229475" y="2238375"/>
+            <a:ext cx="3028951" cy="352425"/>
+          </a:xfrm>
+          <a:prstGeom prst="rect">
+            <a:avLst/>
+          </a:prstGeom>
+          <a:solidFill>
+            <a:srgbClr val="00ABEC"/>
+          </a:solidFill>
+          <a:ln>
+            <a:noFill/>
+          </a:ln>
+        </p:spPr>
+        <p:style>
+          <a:lnRef idx="2">
+            <a:schemeClr val="accent1">
+              <a:shade val="50000"/>
+            </a:schemeClr>
+          </a:lnRef>
+          <a:fillRef idx="1">
+            <a:schemeClr val="accent1"/>
+          </a:fillRef>
+          <a:effectRef idx="0">
+            <a:schemeClr val="accent1"/>
+          </a:effectRef>
+          <a:fontRef idx="minor">
+            <a:schemeClr val="lt1"/>
+          </a:fontRef>
+        </p:style>
+        <p:txBody>
+          <a:bodyPr rtlCol="0" anchor="ctr"/>
+          <a:lstStyle/>
+          <a:p>
+            <a:pPr algn="ctr"/>
+            <a:r>
+              <a:rPr lang="en-US" dirty="0" smtClean="0"/>
+              <a:t>application</a:t>
+            </a:r>
+            <a:endParaRPr lang="en-US" dirty="0"/>
+          </a:p>
+        </p:txBody>
+      </p:sp>
+      <p:sp>
+        <p:nvSpPr>
+          <p:cNvPr id="5" name="Rectangle 4"/>
+          <p:cNvSpPr/>
+          <p:nvPr/>
+        </p:nvSpPr>
+        <p:spPr>
+          <a:xfrm>
+            <a:off x="7229474" y="2724150"/>
+            <a:ext cx="3028951" cy="352425"/>
+          </a:xfrm>
+          <a:prstGeom prst="rect">
+            <a:avLst/>
+          </a:prstGeom>
+          <a:solidFill>
+            <a:srgbClr val="00ABEC"/>
+          </a:solidFill>
+          <a:ln>
+            <a:noFill/>
+          </a:ln>
+        </p:spPr>
+        <p:style>
+          <a:lnRef idx="2">
+            <a:schemeClr val="accent1">
+              <a:shade val="50000"/>
+            </a:schemeClr>
+          </a:lnRef>
+          <a:fillRef idx="1">
+            <a:schemeClr val="accent1"/>
+          </a:fillRef>
+          <a:effectRef idx="0">
+            <a:schemeClr val="accent1"/>
+          </a:effectRef>
+          <a:fontRef idx="minor">
+            <a:schemeClr val="lt1"/>
+          </a:fontRef>
+        </p:style>
+        <p:txBody>
+          <a:bodyPr rtlCol="0" anchor="ctr"/>
+          <a:lstStyle/>
+          <a:p>
+            <a:pPr algn="ctr"/>
+            <a:r>
+              <a:rPr lang="en-US" dirty="0" smtClean="0"/>
+              <a:t>http</a:t>
+            </a:r>
+            <a:endParaRPr lang="en-US" dirty="0"/>
+          </a:p>
+        </p:txBody>
+      </p:sp>
+      <p:sp>
+        <p:nvSpPr>
+          <p:cNvPr id="6" name="Rectangle 5"/>
+          <p:cNvSpPr/>
+          <p:nvPr/>
+        </p:nvSpPr>
+        <p:spPr>
+          <a:xfrm>
+            <a:off x="7229473" y="3209925"/>
+            <a:ext cx="3028951" cy="352425"/>
+          </a:xfrm>
+          <a:prstGeom prst="rect">
+            <a:avLst/>
+          </a:prstGeom>
+          <a:solidFill>
+            <a:srgbClr val="00ABEC"/>
+          </a:solidFill>
+          <a:ln>
+            <a:noFill/>
+          </a:ln>
+        </p:spPr>
+        <p:style>
+          <a:lnRef idx="2">
+            <a:schemeClr val="accent1">
+              <a:shade val="50000"/>
+            </a:schemeClr>
+          </a:lnRef>
+          <a:fillRef idx="1">
+            <a:schemeClr val="accent1"/>
+          </a:fillRef>
+          <a:effectRef idx="0">
+            <a:schemeClr val="accent1"/>
+          </a:effectRef>
+          <a:fontRef idx="minor">
+            <a:schemeClr val="lt1"/>
+          </a:fontRef>
+        </p:style>
+        <p:txBody>
+          <a:bodyPr rtlCol="0" anchor="ctr"/>
+          <a:lstStyle/>
+          <a:p>
+            <a:pPr algn="ctr"/>
+            <a:r>
+              <a:rPr lang="en-US" dirty="0" err="1" smtClean="0"/>
+              <a:t>libuv</a:t>
+            </a:r>
+            <a:endParaRPr lang="en-US" dirty="0"/>
+          </a:p>
+        </p:txBody>
+      </p:sp>
+      <p:sp>
+        <p:nvSpPr>
+          <p:cNvPr id="7" name="Rectangle 6"/>
+          <p:cNvSpPr/>
+          <p:nvPr/>
+        </p:nvSpPr>
+        <p:spPr>
+          <a:xfrm>
+            <a:off x="7229472" y="3695700"/>
+            <a:ext cx="3028951" cy="352425"/>
+          </a:xfrm>
+          <a:prstGeom prst="rect">
+            <a:avLst/>
+          </a:prstGeom>
+          <a:solidFill>
+            <a:srgbClr val="00ABEC"/>
+          </a:solidFill>
+          <a:ln>
+            <a:noFill/>
+          </a:ln>
+        </p:spPr>
+        <p:style>
+          <a:lnRef idx="2">
+            <a:schemeClr val="accent1">
+              <a:shade val="50000"/>
+            </a:schemeClr>
+          </a:lnRef>
+          <a:fillRef idx="1">
+            <a:schemeClr val="accent1"/>
+          </a:fillRef>
+          <a:effectRef idx="0">
+            <a:schemeClr val="accent1"/>
+          </a:effectRef>
+          <a:fontRef idx="minor">
+            <a:schemeClr val="lt1"/>
+          </a:fontRef>
+        </p:style>
+        <p:txBody>
+          <a:bodyPr rtlCol="0" anchor="ctr"/>
+          <a:lstStyle/>
+          <a:p>
+            <a:pPr algn="ctr"/>
+            <a:r>
+              <a:rPr lang="en-US" dirty="0"/>
+              <a:t>n</a:t>
+            </a:r>
+            <a:r>
+              <a:rPr lang="en-US" dirty="0" smtClean="0"/>
+              <a:t>amed pipes</a:t>
+            </a:r>
+            <a:endParaRPr lang="en-US" dirty="0"/>
+          </a:p>
+        </p:txBody>
+      </p:sp>
+      <p:sp>
+        <p:nvSpPr>
+          <p:cNvPr id="8" name="Rectangle 7"/>
+          <p:cNvSpPr/>
+          <p:nvPr/>
+        </p:nvSpPr>
+        <p:spPr>
+          <a:xfrm>
+            <a:off x="7229471" y="4181475"/>
+            <a:ext cx="3028951" cy="352425"/>
+          </a:xfrm>
+          <a:prstGeom prst="rect">
+            <a:avLst/>
+          </a:prstGeom>
+          <a:solidFill>
+            <a:srgbClr val="00ABEC"/>
+          </a:solidFill>
+          <a:ln>
+            <a:noFill/>
+          </a:ln>
+        </p:spPr>
+        <p:style>
+          <a:lnRef idx="2">
+            <a:schemeClr val="accent1">
+              <a:shade val="50000"/>
+            </a:schemeClr>
+          </a:lnRef>
+          <a:fillRef idx="1">
+            <a:schemeClr val="accent1"/>
+          </a:fillRef>
+          <a:effectRef idx="0">
+            <a:schemeClr val="accent1"/>
+          </a:effectRef>
+          <a:fontRef idx="minor">
+            <a:schemeClr val="lt1"/>
+          </a:fontRef>
+        </p:style>
+        <p:txBody>
+          <a:bodyPr rtlCol="0" anchor="ctr"/>
+          <a:lstStyle/>
+          <a:p>
+            <a:pPr algn="ctr"/>
+            <a:r>
+              <a:rPr lang="en-US" dirty="0" err="1" smtClean="0"/>
+              <a:t>iisnode</a:t>
+            </a:r>
+            <a:endParaRPr lang="en-US" dirty="0"/>
+          </a:p>
+        </p:txBody>
+      </p:sp>
+      <p:sp>
+        <p:nvSpPr>
+          <p:cNvPr id="9" name="Rectangle 8"/>
+          <p:cNvSpPr/>
+          <p:nvPr/>
+        </p:nvSpPr>
+        <p:spPr>
+          <a:xfrm>
+            <a:off x="7229470" y="4667250"/>
+            <a:ext cx="3028951" cy="352425"/>
+          </a:xfrm>
+          <a:prstGeom prst="rect">
+            <a:avLst/>
+          </a:prstGeom>
+          <a:solidFill>
+            <a:srgbClr val="00ABEC"/>
+          </a:solidFill>
+          <a:ln>
+            <a:noFill/>
+          </a:ln>
+        </p:spPr>
+        <p:style>
+          <a:lnRef idx="2">
+            <a:schemeClr val="accent1">
+              <a:shade val="50000"/>
+            </a:schemeClr>
+          </a:lnRef>
+          <a:fillRef idx="1">
+            <a:schemeClr val="accent1"/>
+          </a:fillRef>
+          <a:effectRef idx="0">
+            <a:schemeClr val="accent1"/>
+          </a:effectRef>
+          <a:fontRef idx="minor">
+            <a:schemeClr val="lt1"/>
+          </a:fontRef>
+        </p:style>
+        <p:txBody>
+          <a:bodyPr rtlCol="0" anchor="ctr"/>
+          <a:lstStyle/>
+          <a:p>
+            <a:pPr algn="ctr"/>
+            <a:r>
+              <a:rPr lang="en-US" dirty="0" smtClean="0"/>
+              <a:t>IIS</a:t>
+            </a:r>
+            <a:endParaRPr lang="en-US" dirty="0"/>
+          </a:p>
+        </p:txBody>
+      </p:sp>
+      <p:sp>
+        <p:nvSpPr>
+          <p:cNvPr id="10" name="Rectangle 9"/>
+          <p:cNvSpPr/>
+          <p:nvPr/>
+        </p:nvSpPr>
+        <p:spPr>
+          <a:xfrm>
+            <a:off x="7229470" y="5153025"/>
+            <a:ext cx="3028951" cy="352425"/>
+          </a:xfrm>
+          <a:prstGeom prst="rect">
+            <a:avLst/>
+          </a:prstGeom>
+          <a:solidFill>
+            <a:srgbClr val="00ABEC"/>
+          </a:solidFill>
+          <a:ln>
+            <a:noFill/>
+          </a:ln>
+        </p:spPr>
+        <p:style>
+          <a:lnRef idx="2">
+            <a:schemeClr val="accent1">
+              <a:shade val="50000"/>
+            </a:schemeClr>
+          </a:lnRef>
+          <a:fillRef idx="1">
+            <a:schemeClr val="accent1"/>
+          </a:fillRef>
+          <a:effectRef idx="0">
+            <a:schemeClr val="accent1"/>
+          </a:effectRef>
+          <a:fontRef idx="minor">
+            <a:schemeClr val="lt1"/>
+          </a:fontRef>
+        </p:style>
+        <p:txBody>
+          <a:bodyPr rtlCol="0" anchor="ctr"/>
+          <a:lstStyle/>
+          <a:p>
+            <a:pPr algn="ctr"/>
+            <a:r>
+              <a:rPr lang="en-US" dirty="0" smtClean="0"/>
+              <a:t>HTTP.SYS</a:t>
+            </a:r>
+            <a:endParaRPr lang="en-US" dirty="0"/>
+          </a:p>
+        </p:txBody>
+      </p:sp>
+      <p:sp>
+        <p:nvSpPr>
+          <p:cNvPr id="11" name="Rectangle 10"/>
+          <p:cNvSpPr/>
+          <p:nvPr/>
+        </p:nvSpPr>
+        <p:spPr>
+          <a:xfrm>
+            <a:off x="7229470" y="5638800"/>
+            <a:ext cx="3028951" cy="352425"/>
+          </a:xfrm>
+          <a:prstGeom prst="rect">
+            <a:avLst/>
+          </a:prstGeom>
+          <a:solidFill>
+            <a:srgbClr val="00ABEC"/>
+          </a:solidFill>
+          <a:ln>
+            <a:noFill/>
+          </a:ln>
+        </p:spPr>
+        <p:style>
+          <a:lnRef idx="2">
+            <a:schemeClr val="accent1">
+              <a:shade val="50000"/>
+            </a:schemeClr>
+          </a:lnRef>
+          <a:fillRef idx="1">
+            <a:schemeClr val="accent1"/>
+          </a:fillRef>
+          <a:effectRef idx="0">
+            <a:schemeClr val="accent1"/>
+          </a:effectRef>
+          <a:fontRef idx="minor">
+            <a:schemeClr val="lt1"/>
+          </a:fontRef>
+        </p:style>
+        <p:txBody>
+          <a:bodyPr rtlCol="0" anchor="ctr"/>
+          <a:lstStyle/>
+          <a:p>
+            <a:pPr algn="ctr"/>
+            <a:r>
+              <a:rPr lang="en-US" dirty="0" smtClean="0"/>
+              <a:t>TCP</a:t>
+            </a:r>
+            <a:endParaRPr lang="en-US" dirty="0"/>
+          </a:p>
+        </p:txBody>
+      </p:sp>
+      <p:sp>
+        <p:nvSpPr>
+          <p:cNvPr id="12" name="Rectangle 11"/>
+          <p:cNvSpPr/>
+          <p:nvPr/>
+        </p:nvSpPr>
+        <p:spPr>
+          <a:xfrm>
+            <a:off x="1581150" y="2238375"/>
+            <a:ext cx="3028951" cy="352425"/>
+          </a:xfrm>
+          <a:prstGeom prst="rect">
+            <a:avLst/>
+          </a:prstGeom>
+          <a:solidFill>
+            <a:srgbClr val="00ABEC"/>
+          </a:solidFill>
+          <a:ln>
+            <a:noFill/>
+          </a:ln>
+        </p:spPr>
+        <p:style>
+          <a:lnRef idx="2">
+            <a:schemeClr val="accent1">
+              <a:shade val="50000"/>
+            </a:schemeClr>
+          </a:lnRef>
+          <a:fillRef idx="1">
+            <a:schemeClr val="accent1"/>
+          </a:fillRef>
+          <a:effectRef idx="0">
+            <a:schemeClr val="accent1"/>
+          </a:effectRef>
+          <a:fontRef idx="minor">
+            <a:schemeClr val="lt1"/>
+          </a:fontRef>
+        </p:style>
+        <p:txBody>
+          <a:bodyPr rtlCol="0" anchor="ctr"/>
+          <a:lstStyle/>
+          <a:p>
+            <a:pPr algn="ctr"/>
+            <a:r>
+              <a:rPr lang="en-US" dirty="0" smtClean="0"/>
+              <a:t>application</a:t>
+            </a:r>
+            <a:endParaRPr lang="en-US" dirty="0"/>
+          </a:p>
+        </p:txBody>
+      </p:sp>
+      <p:sp>
+        <p:nvSpPr>
+          <p:cNvPr id="13" name="Rectangle 12"/>
+          <p:cNvSpPr/>
+          <p:nvPr/>
+        </p:nvSpPr>
+        <p:spPr>
+          <a:xfrm>
+            <a:off x="1581149" y="2724150"/>
+            <a:ext cx="3028951" cy="352425"/>
+          </a:xfrm>
+          <a:prstGeom prst="rect">
+            <a:avLst/>
+          </a:prstGeom>
+          <a:solidFill>
+            <a:srgbClr val="00ABEC"/>
+          </a:solidFill>
+          <a:ln>
+            <a:noFill/>
+          </a:ln>
+        </p:spPr>
+        <p:style>
+          <a:lnRef idx="2">
+            <a:schemeClr val="accent1">
+              <a:shade val="50000"/>
+            </a:schemeClr>
+          </a:lnRef>
+          <a:fillRef idx="1">
+            <a:schemeClr val="accent1"/>
+          </a:fillRef>
+          <a:effectRef idx="0">
+            <a:schemeClr val="accent1"/>
+          </a:effectRef>
+          <a:fontRef idx="minor">
+            <a:schemeClr val="lt1"/>
+          </a:fontRef>
+        </p:style>
+        <p:txBody>
+          <a:bodyPr rtlCol="0" anchor="ctr"/>
+          <a:lstStyle/>
+          <a:p>
+            <a:pPr algn="ctr"/>
+            <a:r>
+              <a:rPr lang="en-US" dirty="0" smtClean="0"/>
+              <a:t>http</a:t>
+            </a:r>
+            <a:endParaRPr lang="en-US" dirty="0"/>
+          </a:p>
+        </p:txBody>
+      </p:sp>
+      <p:sp>
+        <p:nvSpPr>
+          <p:cNvPr id="14" name="Rectangle 13"/>
+          <p:cNvSpPr/>
+          <p:nvPr/>
+        </p:nvSpPr>
+        <p:spPr>
+          <a:xfrm>
+            <a:off x="1581148" y="3209925"/>
+            <a:ext cx="3028951" cy="352425"/>
+          </a:xfrm>
+          <a:prstGeom prst="rect">
+            <a:avLst/>
+          </a:prstGeom>
+          <a:solidFill>
+            <a:srgbClr val="00ABEC"/>
+          </a:solidFill>
+          <a:ln>
+            <a:noFill/>
+          </a:ln>
+        </p:spPr>
+        <p:style>
+          <a:lnRef idx="2">
+            <a:schemeClr val="accent1">
+              <a:shade val="50000"/>
+            </a:schemeClr>
+          </a:lnRef>
+          <a:fillRef idx="1">
+            <a:schemeClr val="accent1"/>
+          </a:fillRef>
+          <a:effectRef idx="0">
+            <a:schemeClr val="accent1"/>
+          </a:effectRef>
+          <a:fontRef idx="minor">
+            <a:schemeClr val="lt1"/>
+          </a:fontRef>
+        </p:style>
+        <p:txBody>
+          <a:bodyPr rtlCol="0" anchor="ctr"/>
+          <a:lstStyle/>
+          <a:p>
+            <a:pPr algn="ctr"/>
+            <a:r>
+              <a:rPr lang="en-US" dirty="0" err="1" smtClean="0"/>
+              <a:t>libuv</a:t>
+            </a:r>
+            <a:endParaRPr lang="en-US" dirty="0"/>
+          </a:p>
+        </p:txBody>
+      </p:sp>
+      <p:sp>
+        <p:nvSpPr>
+          <p:cNvPr id="15" name="TextBox 14"/>
           <p:cNvSpPr txBox="1"/>
           <p:nvPr/>
         </p:nvSpPr>
         <p:spPr>
           <a:xfrm>
-            <a:off x="714375" y="1543050"/>
-            <a:ext cx="10572750" cy="5016758"/>
+            <a:off x="1581146" y="1458694"/>
+            <a:ext cx="3028951" cy="646331"/>
           </a:xfrm>
           <a:prstGeom prst="rect">
             <a:avLst/>
@@ -32316,351 +32710,107 @@
           </a:bodyPr>
           <a:lstStyle/>
           <a:p>
-            <a:pPr marL="285750" indent="-285750">
-              <a:buBlip>
-                <a:blip r:embed="rId3"/>
-              </a:buBlip>
-            </a:pPr>
-            <a:r>
-              <a:rPr lang="en-US" sz="2000" dirty="0">
-                <a:latin typeface="Segoe UI" panose="020B0502040204020203" pitchFamily="34" charset="0"/>
-                <a:cs typeface="Segoe UI" panose="020B0502040204020203" pitchFamily="34" charset="0"/>
-              </a:rPr>
-              <a:t>Process management</a:t>
-            </a:r>
-            <a:r>
-              <a:rPr lang="en-US" sz="2000" dirty="0" smtClean="0">
-                <a:latin typeface="Segoe UI" panose="020B0502040204020203" pitchFamily="34" charset="0"/>
-                <a:cs typeface="Segoe UI" panose="020B0502040204020203" pitchFamily="34" charset="0"/>
-              </a:rPr>
-              <a:t>.</a:t>
-            </a:r>
-            <a:br>
-              <a:rPr lang="en-US" sz="2000" dirty="0" smtClean="0">
-                <a:latin typeface="Segoe UI" panose="020B0502040204020203" pitchFamily="34" charset="0"/>
-                <a:cs typeface="Segoe UI" panose="020B0502040204020203" pitchFamily="34" charset="0"/>
-              </a:rPr>
-            </a:br>
-            <a:endParaRPr lang="en-US" sz="2000" dirty="0" smtClean="0">
-              <a:latin typeface="Segoe UI" panose="020B0502040204020203" pitchFamily="34" charset="0"/>
-              <a:cs typeface="Segoe UI" panose="020B0502040204020203" pitchFamily="34" charset="0"/>
-            </a:endParaRPr>
-          </a:p>
-          <a:p>
-            <a:pPr marL="285750" indent="-285750">
-              <a:buBlip>
-                <a:blip r:embed="rId3"/>
-              </a:buBlip>
-            </a:pPr>
-            <a:r>
-              <a:rPr lang="en-US" sz="2000" b="1" dirty="0" smtClean="0">
-                <a:latin typeface="Segoe UI" panose="020B0502040204020203" pitchFamily="34" charset="0"/>
-                <a:cs typeface="Segoe UI" panose="020B0502040204020203" pitchFamily="34" charset="0"/>
-              </a:rPr>
-              <a:t>Side </a:t>
-            </a:r>
-            <a:r>
-              <a:rPr lang="en-US" sz="2000" b="1" dirty="0">
-                <a:latin typeface="Segoe UI" panose="020B0502040204020203" pitchFamily="34" charset="0"/>
-                <a:cs typeface="Segoe UI" panose="020B0502040204020203" pitchFamily="34" charset="0"/>
-              </a:rPr>
-              <a:t>by side with other content types</a:t>
-            </a:r>
-            <a:r>
-              <a:rPr lang="en-US" sz="2000" b="1" dirty="0" smtClean="0">
-                <a:latin typeface="Segoe UI" panose="020B0502040204020203" pitchFamily="34" charset="0"/>
-                <a:cs typeface="Segoe UI" panose="020B0502040204020203" pitchFamily="34" charset="0"/>
-              </a:rPr>
-              <a:t>.</a:t>
-            </a:r>
-            <a:r>
-              <a:rPr lang="en-US" sz="2000" dirty="0" smtClean="0">
-                <a:latin typeface="Segoe UI" panose="020B0502040204020203" pitchFamily="34" charset="0"/>
-                <a:cs typeface="Segoe UI" panose="020B0502040204020203" pitchFamily="34" charset="0"/>
-              </a:rPr>
-              <a:t/>
-            </a:r>
-            <a:br>
-              <a:rPr lang="en-US" sz="2000" dirty="0" smtClean="0">
-                <a:latin typeface="Segoe UI" panose="020B0502040204020203" pitchFamily="34" charset="0"/>
-                <a:cs typeface="Segoe UI" panose="020B0502040204020203" pitchFamily="34" charset="0"/>
-              </a:rPr>
-            </a:br>
-            <a:endParaRPr lang="en-US" sz="2000" dirty="0">
-              <a:latin typeface="Segoe UI" panose="020B0502040204020203" pitchFamily="34" charset="0"/>
-              <a:cs typeface="Segoe UI" panose="020B0502040204020203" pitchFamily="34" charset="0"/>
-            </a:endParaRPr>
-          </a:p>
-          <a:p>
-            <a:pPr marL="285750" indent="-285750">
-              <a:buBlip>
-                <a:blip r:embed="rId3"/>
-              </a:buBlip>
-            </a:pPr>
-            <a:r>
-              <a:rPr lang="en-US" sz="2000" dirty="0">
-                <a:latin typeface="Segoe UI" panose="020B0502040204020203" pitchFamily="34" charset="0"/>
-                <a:cs typeface="Segoe UI" panose="020B0502040204020203" pitchFamily="34" charset="0"/>
-              </a:rPr>
-              <a:t>Scalability on multi-core servers</a:t>
-            </a:r>
-            <a:r>
-              <a:rPr lang="en-US" sz="2000" dirty="0" smtClean="0">
-                <a:latin typeface="Segoe UI" panose="020B0502040204020203" pitchFamily="34" charset="0"/>
-                <a:cs typeface="Segoe UI" panose="020B0502040204020203" pitchFamily="34" charset="0"/>
-              </a:rPr>
-              <a:t>.</a:t>
-            </a:r>
-            <a:br>
-              <a:rPr lang="en-US" sz="2000" dirty="0" smtClean="0">
-                <a:latin typeface="Segoe UI" panose="020B0502040204020203" pitchFamily="34" charset="0"/>
-                <a:cs typeface="Segoe UI" panose="020B0502040204020203" pitchFamily="34" charset="0"/>
-              </a:rPr>
-            </a:br>
-            <a:endParaRPr lang="en-US" sz="2000" dirty="0">
-              <a:latin typeface="Segoe UI" panose="020B0502040204020203" pitchFamily="34" charset="0"/>
-              <a:cs typeface="Segoe UI" panose="020B0502040204020203" pitchFamily="34" charset="0"/>
-            </a:endParaRPr>
-          </a:p>
-          <a:p>
-            <a:pPr marL="285750" indent="-285750">
-              <a:buBlip>
-                <a:blip r:embed="rId3"/>
-              </a:buBlip>
-            </a:pPr>
-            <a:r>
-              <a:rPr lang="en-US" sz="2000" dirty="0">
-                <a:latin typeface="Segoe UI" panose="020B0502040204020203" pitchFamily="34" charset="0"/>
-                <a:cs typeface="Segoe UI" panose="020B0502040204020203" pitchFamily="34" charset="0"/>
-              </a:rPr>
-              <a:t>Integrated </a:t>
-            </a:r>
-            <a:r>
-              <a:rPr lang="en-US" sz="2000" dirty="0" smtClean="0">
-                <a:latin typeface="Segoe UI" panose="020B0502040204020203" pitchFamily="34" charset="0"/>
-                <a:cs typeface="Segoe UI" panose="020B0502040204020203" pitchFamily="34" charset="0"/>
-              </a:rPr>
-              <a:t>debugging (with node-inspector)</a:t>
-            </a:r>
-            <a:br>
-              <a:rPr lang="en-US" sz="2000" dirty="0" smtClean="0">
-                <a:latin typeface="Segoe UI" panose="020B0502040204020203" pitchFamily="34" charset="0"/>
-                <a:cs typeface="Segoe UI" panose="020B0502040204020203" pitchFamily="34" charset="0"/>
-              </a:rPr>
-            </a:br>
-            <a:endParaRPr lang="en-US" sz="2000" dirty="0" smtClean="0">
-              <a:latin typeface="Segoe UI" panose="020B0502040204020203" pitchFamily="34" charset="0"/>
-              <a:cs typeface="Segoe UI" panose="020B0502040204020203" pitchFamily="34" charset="0"/>
-            </a:endParaRPr>
-          </a:p>
-          <a:p>
-            <a:pPr marL="285750" indent="-285750">
-              <a:buBlip>
-                <a:blip r:embed="rId3"/>
-              </a:buBlip>
-            </a:pPr>
-            <a:r>
-              <a:rPr lang="en-US" sz="2000" dirty="0" smtClean="0">
-                <a:latin typeface="Segoe UI" panose="020B0502040204020203" pitchFamily="34" charset="0"/>
-                <a:cs typeface="Segoe UI" panose="020B0502040204020203" pitchFamily="34" charset="0"/>
-              </a:rPr>
-              <a:t>Auto-update</a:t>
-            </a:r>
-            <a:r>
-              <a:rPr lang="en-US" sz="2000" dirty="0">
-                <a:latin typeface="Segoe UI" panose="020B0502040204020203" pitchFamily="34" charset="0"/>
-                <a:cs typeface="Segoe UI" panose="020B0502040204020203" pitchFamily="34" charset="0"/>
-              </a:rPr>
-              <a:t> </a:t>
-            </a:r>
-            <a:r>
-              <a:rPr lang="en-US" sz="2000" dirty="0" smtClean="0">
-                <a:latin typeface="Segoe UI" panose="020B0502040204020203" pitchFamily="34" charset="0"/>
-                <a:cs typeface="Segoe UI" panose="020B0502040204020203" pitchFamily="34" charset="0"/>
-              </a:rPr>
-              <a:t>when your application changes</a:t>
-            </a:r>
-            <a:br>
-              <a:rPr lang="en-US" sz="2000" dirty="0" smtClean="0">
-                <a:latin typeface="Segoe UI" panose="020B0502040204020203" pitchFamily="34" charset="0"/>
-                <a:cs typeface="Segoe UI" panose="020B0502040204020203" pitchFamily="34" charset="0"/>
-              </a:rPr>
-            </a:br>
-            <a:endParaRPr lang="en-US" sz="2000" dirty="0" smtClean="0">
-              <a:latin typeface="Segoe UI" panose="020B0502040204020203" pitchFamily="34" charset="0"/>
-              <a:cs typeface="Segoe UI" panose="020B0502040204020203" pitchFamily="34" charset="0"/>
-            </a:endParaRPr>
-          </a:p>
-          <a:p>
-            <a:pPr marL="285750" indent="-285750">
-              <a:buBlip>
-                <a:blip r:embed="rId3"/>
-              </a:buBlip>
-            </a:pPr>
-            <a:r>
-              <a:rPr lang="en-US" sz="2000" dirty="0" smtClean="0">
-                <a:latin typeface="Segoe UI" panose="020B0502040204020203" pitchFamily="34" charset="0"/>
-                <a:cs typeface="Segoe UI" panose="020B0502040204020203" pitchFamily="34" charset="0"/>
-              </a:rPr>
-              <a:t>Access </a:t>
-            </a:r>
-            <a:r>
-              <a:rPr lang="en-US" sz="2000" dirty="0">
-                <a:latin typeface="Segoe UI" panose="020B0502040204020203" pitchFamily="34" charset="0"/>
-                <a:cs typeface="Segoe UI" panose="020B0502040204020203" pitchFamily="34" charset="0"/>
-              </a:rPr>
-              <a:t>to logs over </a:t>
-            </a:r>
-            <a:r>
-              <a:rPr lang="en-US" sz="2000" dirty="0" smtClean="0">
-                <a:latin typeface="Segoe UI" panose="020B0502040204020203" pitchFamily="34" charset="0"/>
-                <a:cs typeface="Segoe UI" panose="020B0502040204020203" pitchFamily="34" charset="0"/>
-              </a:rPr>
-              <a:t>HTTP</a:t>
-            </a:r>
-            <a:br>
-              <a:rPr lang="en-US" sz="2000" dirty="0" smtClean="0">
-                <a:latin typeface="Segoe UI" panose="020B0502040204020203" pitchFamily="34" charset="0"/>
-                <a:cs typeface="Segoe UI" panose="020B0502040204020203" pitchFamily="34" charset="0"/>
-              </a:rPr>
-            </a:br>
-            <a:endParaRPr lang="en-US" sz="2000" dirty="0" smtClean="0">
-              <a:latin typeface="Segoe UI" panose="020B0502040204020203" pitchFamily="34" charset="0"/>
-              <a:cs typeface="Segoe UI" panose="020B0502040204020203" pitchFamily="34" charset="0"/>
-            </a:endParaRPr>
-          </a:p>
-          <a:p>
-            <a:pPr marL="285750" indent="-285750">
-              <a:buBlip>
-                <a:blip r:embed="rId3"/>
-              </a:buBlip>
-            </a:pPr>
-            <a:r>
-              <a:rPr lang="en-US" sz="2000" b="1" dirty="0" smtClean="0">
-                <a:latin typeface="Segoe UI" panose="020B0502040204020203" pitchFamily="34" charset="0"/>
-                <a:cs typeface="Segoe UI" panose="020B0502040204020203" pitchFamily="34" charset="0"/>
-              </a:rPr>
-              <a:t>Minimal </a:t>
-            </a:r>
-            <a:r>
-              <a:rPr lang="en-US" sz="2000" b="1" dirty="0">
-                <a:latin typeface="Segoe UI" panose="020B0502040204020203" pitchFamily="34" charset="0"/>
-                <a:cs typeface="Segoe UI" panose="020B0502040204020203" pitchFamily="34" charset="0"/>
-              </a:rPr>
-              <a:t>changes to node.js application </a:t>
-            </a:r>
-            <a:r>
-              <a:rPr lang="en-US" sz="2000" b="1" dirty="0" smtClean="0">
-                <a:latin typeface="Segoe UI" panose="020B0502040204020203" pitchFamily="34" charset="0"/>
-                <a:cs typeface="Segoe UI" panose="020B0502040204020203" pitchFamily="34" charset="0"/>
-              </a:rPr>
-              <a:t>code</a:t>
-            </a:r>
-            <a:r>
-              <a:rPr lang="en-US" sz="2000" b="1" dirty="0">
-                <a:latin typeface="Segoe UI" panose="020B0502040204020203" pitchFamily="34" charset="0"/>
-                <a:cs typeface="Segoe UI" panose="020B0502040204020203" pitchFamily="34" charset="0"/>
-              </a:rPr>
-              <a:t> </a:t>
-            </a:r>
-            <a:r>
-              <a:rPr lang="en-US" sz="2000" b="1" dirty="0" smtClean="0">
-                <a:latin typeface="Segoe UI" panose="020B0502040204020203" pitchFamily="34" charset="0"/>
-                <a:cs typeface="Segoe UI" panose="020B0502040204020203" pitchFamily="34" charset="0"/>
-              </a:rPr>
-              <a:t>(</a:t>
-            </a:r>
-            <a:r>
-              <a:rPr lang="en-US" sz="2000" b="1" dirty="0" err="1" smtClean="0">
-                <a:latin typeface="Consolas" panose="020B0609020204030204" pitchFamily="49" charset="0"/>
-                <a:cs typeface="Consolas" panose="020B0609020204030204" pitchFamily="49" charset="0"/>
-              </a:rPr>
-              <a:t>process.env.PORT</a:t>
-            </a:r>
-            <a:r>
-              <a:rPr lang="en-US" sz="2000" b="1" dirty="0" smtClean="0">
-                <a:latin typeface="Segoe UI" panose="020B0502040204020203" pitchFamily="34" charset="0"/>
-                <a:cs typeface="Segoe UI" panose="020B0502040204020203" pitchFamily="34" charset="0"/>
-              </a:rPr>
-              <a:t>) </a:t>
-            </a:r>
-            <a:r>
-              <a:rPr lang="en-US" sz="2000" dirty="0" smtClean="0">
-                <a:latin typeface="Segoe UI" panose="020B0502040204020203" pitchFamily="34" charset="0"/>
-                <a:cs typeface="Segoe UI" panose="020B0502040204020203" pitchFamily="34" charset="0"/>
-              </a:rPr>
-              <a:t/>
-            </a:r>
-            <a:br>
-              <a:rPr lang="en-US" sz="2000" dirty="0" smtClean="0">
-                <a:latin typeface="Segoe UI" panose="020B0502040204020203" pitchFamily="34" charset="0"/>
-                <a:cs typeface="Segoe UI" panose="020B0502040204020203" pitchFamily="34" charset="0"/>
-              </a:rPr>
-            </a:br>
-            <a:endParaRPr lang="en-US" sz="2000" dirty="0">
-              <a:latin typeface="Segoe UI" panose="020B0502040204020203" pitchFamily="34" charset="0"/>
-              <a:cs typeface="Segoe UI" panose="020B0502040204020203" pitchFamily="34" charset="0"/>
-            </a:endParaRPr>
-          </a:p>
-          <a:p>
-            <a:pPr marL="285750" indent="-285750">
-              <a:buBlip>
-                <a:blip r:embed="rId3"/>
-              </a:buBlip>
-            </a:pPr>
-            <a:r>
-              <a:rPr lang="en-US" sz="2000" b="1" dirty="0">
-                <a:latin typeface="Segoe UI" panose="020B0502040204020203" pitchFamily="34" charset="0"/>
-                <a:cs typeface="Segoe UI" panose="020B0502040204020203" pitchFamily="34" charset="0"/>
-              </a:rPr>
-              <a:t>Other IIS </a:t>
-            </a:r>
-            <a:r>
-              <a:rPr lang="en-US" sz="2000" b="1" dirty="0" smtClean="0">
-                <a:latin typeface="Segoe UI" panose="020B0502040204020203" pitchFamily="34" charset="0"/>
-                <a:cs typeface="Segoe UI" panose="020B0502040204020203" pitchFamily="34" charset="0"/>
-              </a:rPr>
-              <a:t>benefits</a:t>
-            </a:r>
-            <a:r>
-              <a:rPr lang="en-US" sz="2000" b="1" dirty="0">
-                <a:latin typeface="Segoe UI" panose="020B0502040204020203" pitchFamily="34" charset="0"/>
-                <a:cs typeface="Segoe UI" panose="020B0502040204020203" pitchFamily="34" charset="0"/>
-              </a:rPr>
-              <a:t> </a:t>
-            </a:r>
-            <a:r>
-              <a:rPr lang="en-US" sz="2000" b="1" dirty="0" smtClean="0">
-                <a:latin typeface="Segoe UI" panose="020B0502040204020203" pitchFamily="34" charset="0"/>
-                <a:cs typeface="Segoe UI" panose="020B0502040204020203" pitchFamily="34" charset="0"/>
-              </a:rPr>
-              <a:t>(Port </a:t>
-            </a:r>
-            <a:r>
-              <a:rPr lang="en-US" sz="2000" b="1" dirty="0">
-                <a:latin typeface="Segoe UI" panose="020B0502040204020203" pitchFamily="34" charset="0"/>
-                <a:cs typeface="Segoe UI" panose="020B0502040204020203" pitchFamily="34" charset="0"/>
-              </a:rPr>
-              <a:t>sharing, security, URL rewriting, compression, caching, </a:t>
-            </a:r>
-            <a:r>
-              <a:rPr lang="en-US" sz="2000" b="1" dirty="0" smtClean="0">
-                <a:latin typeface="Segoe UI" panose="020B0502040204020203" pitchFamily="34" charset="0"/>
-                <a:cs typeface="Segoe UI" panose="020B0502040204020203" pitchFamily="34" charset="0"/>
-              </a:rPr>
-              <a:t>logging)</a:t>
-            </a:r>
-            <a:endParaRPr lang="en-US" sz="2000" b="1" dirty="0">
-              <a:latin typeface="Segoe UI" panose="020B0502040204020203" pitchFamily="34" charset="0"/>
-              <a:cs typeface="Segoe UI" panose="020B0502040204020203" pitchFamily="34" charset="0"/>
-            </a:endParaRPr>
+            <a:pPr algn="ctr"/>
+            <a:r>
+              <a:rPr lang="en-US" dirty="0" smtClean="0"/>
+              <a:t>vanilla node.exe</a:t>
+            </a:r>
+          </a:p>
+          <a:p>
+            <a:pPr algn="ctr"/>
+            <a:r>
+              <a:rPr lang="en-US" dirty="0" smtClean="0"/>
+              <a:t>(*NIXES and Windows)</a:t>
+            </a:r>
+            <a:endParaRPr lang="en-US" dirty="0"/>
+          </a:p>
+        </p:txBody>
+      </p:sp>
+      <p:sp>
+        <p:nvSpPr>
+          <p:cNvPr id="16" name="TextBox 15"/>
+          <p:cNvSpPr txBox="1"/>
+          <p:nvPr/>
+        </p:nvSpPr>
+        <p:spPr>
+          <a:xfrm>
+            <a:off x="7229470" y="1735693"/>
+            <a:ext cx="3028951" cy="369332"/>
+          </a:xfrm>
+          <a:prstGeom prst="rect">
+            <a:avLst/>
+          </a:prstGeom>
+          <a:noFill/>
+        </p:spPr>
+        <p:txBody>
+          <a:bodyPr wrap="square" rtlCol="0">
+            <a:spAutoFit/>
+          </a:bodyPr>
+          <a:lstStyle/>
+          <a:p>
+            <a:pPr algn="ctr"/>
+            <a:r>
+              <a:rPr lang="en-US" dirty="0" err="1" smtClean="0"/>
+              <a:t>iisnode</a:t>
+            </a:r>
+            <a:endParaRPr lang="en-US" dirty="0"/>
+          </a:p>
+        </p:txBody>
+      </p:sp>
+      <p:sp>
+        <p:nvSpPr>
+          <p:cNvPr id="17" name="Rectangle 16"/>
+          <p:cNvSpPr/>
+          <p:nvPr/>
+        </p:nvSpPr>
+        <p:spPr>
+          <a:xfrm>
+            <a:off x="1581147" y="3695700"/>
+            <a:ext cx="3028951" cy="352425"/>
+          </a:xfrm>
+          <a:prstGeom prst="rect">
+            <a:avLst/>
+          </a:prstGeom>
+          <a:solidFill>
+            <a:srgbClr val="00ABEC"/>
+          </a:solidFill>
+          <a:ln>
+            <a:noFill/>
+          </a:ln>
+        </p:spPr>
+        <p:style>
+          <a:lnRef idx="2">
+            <a:schemeClr val="accent1">
+              <a:shade val="50000"/>
+            </a:schemeClr>
+          </a:lnRef>
+          <a:fillRef idx="1">
+            <a:schemeClr val="accent1"/>
+          </a:fillRef>
+          <a:effectRef idx="0">
+            <a:schemeClr val="accent1"/>
+          </a:effectRef>
+          <a:fontRef idx="minor">
+            <a:schemeClr val="lt1"/>
+          </a:fontRef>
+        </p:style>
+        <p:txBody>
+          <a:bodyPr rtlCol="0" anchor="ctr"/>
+          <a:lstStyle/>
+          <a:p>
+            <a:pPr algn="ctr"/>
+            <a:r>
+              <a:rPr lang="en-US" dirty="0" smtClean="0"/>
+              <a:t>TCP</a:t>
+            </a:r>
+            <a:endParaRPr lang="en-US" dirty="0"/>
           </a:p>
         </p:txBody>
       </p:sp>
     </p:spTree>
     <p:extLst>
       <p:ext uri="{BB962C8B-B14F-4D97-AF65-F5344CB8AC3E}">
-        <p14:creationId xmlns:p14="http://schemas.microsoft.com/office/powerpoint/2010/main" val="4060809581"/>
+        <p14:creationId xmlns:p14="http://schemas.microsoft.com/office/powerpoint/2010/main" val="1845839191"/>
       </p:ext>
     </p:extLst>
   </p:cSld>
@@ -32879,6 +33029,444 @@
 </file>
 
 <file path=ppt/slides/slide30.xml><?xml version="1.0" encoding="utf-8"?>
+<p:sld xmlns:a="http://schemas.openxmlformats.org/drawingml/2006/main" xmlns:r="http://schemas.openxmlformats.org/officeDocument/2006/relationships" xmlns:p="http://schemas.openxmlformats.org/presentationml/2006/main">
+  <p:cSld>
+    <p:bg>
+      <p:bgPr>
+        <a:solidFill>
+          <a:schemeClr val="bg1"/>
+        </a:solidFill>
+        <a:effectLst/>
+      </p:bgPr>
+    </p:bg>
+    <p:spTree>
+      <p:nvGrpSpPr>
+        <p:cNvPr id="1" name=""/>
+        <p:cNvGrpSpPr/>
+        <p:nvPr/>
+      </p:nvGrpSpPr>
+      <p:grpSpPr>
+        <a:xfrm>
+          <a:off x="0" y="0"/>
+          <a:ext cx="0" cy="0"/>
+          <a:chOff x="0" y="0"/>
+          <a:chExt cx="0" cy="0"/>
+        </a:xfrm>
+      </p:grpSpPr>
+      <p:pic>
+        <p:nvPicPr>
+          <p:cNvPr id="4" name="Picture 3"/>
+          <p:cNvPicPr>
+            <a:picLocks noChangeAspect="1"/>
+          </p:cNvPicPr>
+          <p:nvPr/>
+        </p:nvPicPr>
+        <p:blipFill>
+          <a:blip r:embed="rId2">
+            <a:extLst>
+              <a:ext uri="{28A0092B-C50C-407E-A947-70E740481C1C}">
+                <a14:useLocalDpi xmlns:a14="http://schemas.microsoft.com/office/drawing/2010/main" val="0"/>
+              </a:ext>
+            </a:extLst>
+          </a:blip>
+          <a:stretch>
+            <a:fillRect/>
+          </a:stretch>
+        </p:blipFill>
+        <p:spPr>
+          <a:xfrm>
+            <a:off x="0" y="0"/>
+            <a:ext cx="12195961" cy="1106905"/>
+          </a:xfrm>
+          <a:prstGeom prst="rect">
+            <a:avLst/>
+          </a:prstGeom>
+        </p:spPr>
+      </p:pic>
+      <p:sp>
+        <p:nvSpPr>
+          <p:cNvPr id="2" name="TextBox 1"/>
+          <p:cNvSpPr txBox="1"/>
+          <p:nvPr/>
+        </p:nvSpPr>
+        <p:spPr>
+          <a:xfrm>
+            <a:off x="714375" y="1543050"/>
+            <a:ext cx="10572750" cy="5016758"/>
+          </a:xfrm>
+          <a:prstGeom prst="rect">
+            <a:avLst/>
+          </a:prstGeom>
+          <a:noFill/>
+        </p:spPr>
+        <p:txBody>
+          <a:bodyPr wrap="square" rtlCol="0">
+            <a:spAutoFit/>
+          </a:bodyPr>
+          <a:lstStyle/>
+          <a:p>
+            <a:pPr marL="285750" indent="-285750">
+              <a:buBlip>
+                <a:blip r:embed="rId3"/>
+              </a:buBlip>
+            </a:pPr>
+            <a:r>
+              <a:rPr lang="en-US" sz="2000" dirty="0">
+                <a:latin typeface="Segoe UI" panose="020B0502040204020203" pitchFamily="34" charset="0"/>
+                <a:cs typeface="Segoe UI" panose="020B0502040204020203" pitchFamily="34" charset="0"/>
+              </a:rPr>
+              <a:t>Process management</a:t>
+            </a:r>
+            <a:r>
+              <a:rPr lang="en-US" sz="2000" dirty="0" smtClean="0">
+                <a:latin typeface="Segoe UI" panose="020B0502040204020203" pitchFamily="34" charset="0"/>
+                <a:cs typeface="Segoe UI" panose="020B0502040204020203" pitchFamily="34" charset="0"/>
+              </a:rPr>
+              <a:t>.</a:t>
+            </a:r>
+            <a:br>
+              <a:rPr lang="en-US" sz="2000" dirty="0" smtClean="0">
+                <a:latin typeface="Segoe UI" panose="020B0502040204020203" pitchFamily="34" charset="0"/>
+                <a:cs typeface="Segoe UI" panose="020B0502040204020203" pitchFamily="34" charset="0"/>
+              </a:rPr>
+            </a:br>
+            <a:endParaRPr lang="en-US" sz="2000" dirty="0" smtClean="0">
+              <a:latin typeface="Segoe UI" panose="020B0502040204020203" pitchFamily="34" charset="0"/>
+              <a:cs typeface="Segoe UI" panose="020B0502040204020203" pitchFamily="34" charset="0"/>
+            </a:endParaRPr>
+          </a:p>
+          <a:p>
+            <a:pPr marL="285750" indent="-285750">
+              <a:buBlip>
+                <a:blip r:embed="rId3"/>
+              </a:buBlip>
+            </a:pPr>
+            <a:r>
+              <a:rPr lang="en-US" sz="2000" b="1" dirty="0" smtClean="0">
+                <a:latin typeface="Segoe UI" panose="020B0502040204020203" pitchFamily="34" charset="0"/>
+                <a:cs typeface="Segoe UI" panose="020B0502040204020203" pitchFamily="34" charset="0"/>
+              </a:rPr>
+              <a:t>Side </a:t>
+            </a:r>
+            <a:r>
+              <a:rPr lang="en-US" sz="2000" b="1" dirty="0">
+                <a:latin typeface="Segoe UI" panose="020B0502040204020203" pitchFamily="34" charset="0"/>
+                <a:cs typeface="Segoe UI" panose="020B0502040204020203" pitchFamily="34" charset="0"/>
+              </a:rPr>
+              <a:t>by side with other content types</a:t>
+            </a:r>
+            <a:r>
+              <a:rPr lang="en-US" sz="2000" b="1" dirty="0" smtClean="0">
+                <a:latin typeface="Segoe UI" panose="020B0502040204020203" pitchFamily="34" charset="0"/>
+                <a:cs typeface="Segoe UI" panose="020B0502040204020203" pitchFamily="34" charset="0"/>
+              </a:rPr>
+              <a:t>.</a:t>
+            </a:r>
+            <a:r>
+              <a:rPr lang="en-US" sz="2000" dirty="0" smtClean="0">
+                <a:latin typeface="Segoe UI" panose="020B0502040204020203" pitchFamily="34" charset="0"/>
+                <a:cs typeface="Segoe UI" panose="020B0502040204020203" pitchFamily="34" charset="0"/>
+              </a:rPr>
+              <a:t/>
+            </a:r>
+            <a:br>
+              <a:rPr lang="en-US" sz="2000" dirty="0" smtClean="0">
+                <a:latin typeface="Segoe UI" panose="020B0502040204020203" pitchFamily="34" charset="0"/>
+                <a:cs typeface="Segoe UI" panose="020B0502040204020203" pitchFamily="34" charset="0"/>
+              </a:rPr>
+            </a:br>
+            <a:endParaRPr lang="en-US" sz="2000" dirty="0">
+              <a:latin typeface="Segoe UI" panose="020B0502040204020203" pitchFamily="34" charset="0"/>
+              <a:cs typeface="Segoe UI" panose="020B0502040204020203" pitchFamily="34" charset="0"/>
+            </a:endParaRPr>
+          </a:p>
+          <a:p>
+            <a:pPr marL="285750" indent="-285750">
+              <a:buBlip>
+                <a:blip r:embed="rId3"/>
+              </a:buBlip>
+            </a:pPr>
+            <a:r>
+              <a:rPr lang="en-US" sz="2000" dirty="0">
+                <a:latin typeface="Segoe UI" panose="020B0502040204020203" pitchFamily="34" charset="0"/>
+                <a:cs typeface="Segoe UI" panose="020B0502040204020203" pitchFamily="34" charset="0"/>
+              </a:rPr>
+              <a:t>Scalability on multi-core servers</a:t>
+            </a:r>
+            <a:r>
+              <a:rPr lang="en-US" sz="2000" dirty="0" smtClean="0">
+                <a:latin typeface="Segoe UI" panose="020B0502040204020203" pitchFamily="34" charset="0"/>
+                <a:cs typeface="Segoe UI" panose="020B0502040204020203" pitchFamily="34" charset="0"/>
+              </a:rPr>
+              <a:t>.</a:t>
+            </a:r>
+            <a:br>
+              <a:rPr lang="en-US" sz="2000" dirty="0" smtClean="0">
+                <a:latin typeface="Segoe UI" panose="020B0502040204020203" pitchFamily="34" charset="0"/>
+                <a:cs typeface="Segoe UI" panose="020B0502040204020203" pitchFamily="34" charset="0"/>
+              </a:rPr>
+            </a:br>
+            <a:endParaRPr lang="en-US" sz="2000" dirty="0">
+              <a:latin typeface="Segoe UI" panose="020B0502040204020203" pitchFamily="34" charset="0"/>
+              <a:cs typeface="Segoe UI" panose="020B0502040204020203" pitchFamily="34" charset="0"/>
+            </a:endParaRPr>
+          </a:p>
+          <a:p>
+            <a:pPr marL="285750" indent="-285750">
+              <a:buBlip>
+                <a:blip r:embed="rId3"/>
+              </a:buBlip>
+            </a:pPr>
+            <a:r>
+              <a:rPr lang="en-US" sz="2000" dirty="0">
+                <a:latin typeface="Segoe UI" panose="020B0502040204020203" pitchFamily="34" charset="0"/>
+                <a:cs typeface="Segoe UI" panose="020B0502040204020203" pitchFamily="34" charset="0"/>
+              </a:rPr>
+              <a:t>Integrated </a:t>
+            </a:r>
+            <a:r>
+              <a:rPr lang="en-US" sz="2000" dirty="0" smtClean="0">
+                <a:latin typeface="Segoe UI" panose="020B0502040204020203" pitchFamily="34" charset="0"/>
+                <a:cs typeface="Segoe UI" panose="020B0502040204020203" pitchFamily="34" charset="0"/>
+              </a:rPr>
+              <a:t>debugging (with node-inspector)</a:t>
+            </a:r>
+            <a:br>
+              <a:rPr lang="en-US" sz="2000" dirty="0" smtClean="0">
+                <a:latin typeface="Segoe UI" panose="020B0502040204020203" pitchFamily="34" charset="0"/>
+                <a:cs typeface="Segoe UI" panose="020B0502040204020203" pitchFamily="34" charset="0"/>
+              </a:rPr>
+            </a:br>
+            <a:endParaRPr lang="en-US" sz="2000" dirty="0" smtClean="0">
+              <a:latin typeface="Segoe UI" panose="020B0502040204020203" pitchFamily="34" charset="0"/>
+              <a:cs typeface="Segoe UI" panose="020B0502040204020203" pitchFamily="34" charset="0"/>
+            </a:endParaRPr>
+          </a:p>
+          <a:p>
+            <a:pPr marL="285750" indent="-285750">
+              <a:buBlip>
+                <a:blip r:embed="rId3"/>
+              </a:buBlip>
+            </a:pPr>
+            <a:r>
+              <a:rPr lang="en-US" sz="2000" dirty="0" smtClean="0">
+                <a:latin typeface="Segoe UI" panose="020B0502040204020203" pitchFamily="34" charset="0"/>
+                <a:cs typeface="Segoe UI" panose="020B0502040204020203" pitchFamily="34" charset="0"/>
+              </a:rPr>
+              <a:t>Auto-update</a:t>
+            </a:r>
+            <a:r>
+              <a:rPr lang="en-US" sz="2000" dirty="0">
+                <a:latin typeface="Segoe UI" panose="020B0502040204020203" pitchFamily="34" charset="0"/>
+                <a:cs typeface="Segoe UI" panose="020B0502040204020203" pitchFamily="34" charset="0"/>
+              </a:rPr>
+              <a:t> </a:t>
+            </a:r>
+            <a:r>
+              <a:rPr lang="en-US" sz="2000" dirty="0" smtClean="0">
+                <a:latin typeface="Segoe UI" panose="020B0502040204020203" pitchFamily="34" charset="0"/>
+                <a:cs typeface="Segoe UI" panose="020B0502040204020203" pitchFamily="34" charset="0"/>
+              </a:rPr>
+              <a:t>when your application changes</a:t>
+            </a:r>
+            <a:br>
+              <a:rPr lang="en-US" sz="2000" dirty="0" smtClean="0">
+                <a:latin typeface="Segoe UI" panose="020B0502040204020203" pitchFamily="34" charset="0"/>
+                <a:cs typeface="Segoe UI" panose="020B0502040204020203" pitchFamily="34" charset="0"/>
+              </a:rPr>
+            </a:br>
+            <a:endParaRPr lang="en-US" sz="2000" dirty="0" smtClean="0">
+              <a:latin typeface="Segoe UI" panose="020B0502040204020203" pitchFamily="34" charset="0"/>
+              <a:cs typeface="Segoe UI" panose="020B0502040204020203" pitchFamily="34" charset="0"/>
+            </a:endParaRPr>
+          </a:p>
+          <a:p>
+            <a:pPr marL="285750" indent="-285750">
+              <a:buBlip>
+                <a:blip r:embed="rId3"/>
+              </a:buBlip>
+            </a:pPr>
+            <a:r>
+              <a:rPr lang="en-US" sz="2000" dirty="0" smtClean="0">
+                <a:latin typeface="Segoe UI" panose="020B0502040204020203" pitchFamily="34" charset="0"/>
+                <a:cs typeface="Segoe UI" panose="020B0502040204020203" pitchFamily="34" charset="0"/>
+              </a:rPr>
+              <a:t>Access </a:t>
+            </a:r>
+            <a:r>
+              <a:rPr lang="en-US" sz="2000" dirty="0">
+                <a:latin typeface="Segoe UI" panose="020B0502040204020203" pitchFamily="34" charset="0"/>
+                <a:cs typeface="Segoe UI" panose="020B0502040204020203" pitchFamily="34" charset="0"/>
+              </a:rPr>
+              <a:t>to logs over </a:t>
+            </a:r>
+            <a:r>
+              <a:rPr lang="en-US" sz="2000" dirty="0" smtClean="0">
+                <a:latin typeface="Segoe UI" panose="020B0502040204020203" pitchFamily="34" charset="0"/>
+                <a:cs typeface="Segoe UI" panose="020B0502040204020203" pitchFamily="34" charset="0"/>
+              </a:rPr>
+              <a:t>HTTP</a:t>
+            </a:r>
+            <a:br>
+              <a:rPr lang="en-US" sz="2000" dirty="0" smtClean="0">
+                <a:latin typeface="Segoe UI" panose="020B0502040204020203" pitchFamily="34" charset="0"/>
+                <a:cs typeface="Segoe UI" panose="020B0502040204020203" pitchFamily="34" charset="0"/>
+              </a:rPr>
+            </a:br>
+            <a:endParaRPr lang="en-US" sz="2000" dirty="0" smtClean="0">
+              <a:latin typeface="Segoe UI" panose="020B0502040204020203" pitchFamily="34" charset="0"/>
+              <a:cs typeface="Segoe UI" panose="020B0502040204020203" pitchFamily="34" charset="0"/>
+            </a:endParaRPr>
+          </a:p>
+          <a:p>
+            <a:pPr marL="285750" indent="-285750">
+              <a:buBlip>
+                <a:blip r:embed="rId3"/>
+              </a:buBlip>
+            </a:pPr>
+            <a:r>
+              <a:rPr lang="en-US" sz="2000" b="1" dirty="0" smtClean="0">
+                <a:latin typeface="Segoe UI" panose="020B0502040204020203" pitchFamily="34" charset="0"/>
+                <a:cs typeface="Segoe UI" panose="020B0502040204020203" pitchFamily="34" charset="0"/>
+              </a:rPr>
+              <a:t>Minimal </a:t>
+            </a:r>
+            <a:r>
+              <a:rPr lang="en-US" sz="2000" b="1" dirty="0">
+                <a:latin typeface="Segoe UI" panose="020B0502040204020203" pitchFamily="34" charset="0"/>
+                <a:cs typeface="Segoe UI" panose="020B0502040204020203" pitchFamily="34" charset="0"/>
+              </a:rPr>
+              <a:t>changes to node.js application </a:t>
+            </a:r>
+            <a:r>
+              <a:rPr lang="en-US" sz="2000" b="1" dirty="0" smtClean="0">
+                <a:latin typeface="Segoe UI" panose="020B0502040204020203" pitchFamily="34" charset="0"/>
+                <a:cs typeface="Segoe UI" panose="020B0502040204020203" pitchFamily="34" charset="0"/>
+              </a:rPr>
+              <a:t>code</a:t>
+            </a:r>
+            <a:r>
+              <a:rPr lang="en-US" sz="2000" b="1" dirty="0">
+                <a:latin typeface="Segoe UI" panose="020B0502040204020203" pitchFamily="34" charset="0"/>
+                <a:cs typeface="Segoe UI" panose="020B0502040204020203" pitchFamily="34" charset="0"/>
+              </a:rPr>
+              <a:t> </a:t>
+            </a:r>
+            <a:r>
+              <a:rPr lang="en-US" sz="2000" b="1" dirty="0" smtClean="0">
+                <a:latin typeface="Segoe UI" panose="020B0502040204020203" pitchFamily="34" charset="0"/>
+                <a:cs typeface="Segoe UI" panose="020B0502040204020203" pitchFamily="34" charset="0"/>
+              </a:rPr>
+              <a:t>(</a:t>
+            </a:r>
+            <a:r>
+              <a:rPr lang="en-US" sz="2000" b="1" dirty="0" err="1" smtClean="0">
+                <a:latin typeface="Consolas" panose="020B0609020204030204" pitchFamily="49" charset="0"/>
+                <a:cs typeface="Consolas" panose="020B0609020204030204" pitchFamily="49" charset="0"/>
+              </a:rPr>
+              <a:t>process.env.PORT</a:t>
+            </a:r>
+            <a:r>
+              <a:rPr lang="en-US" sz="2000" b="1" dirty="0" smtClean="0">
+                <a:latin typeface="Segoe UI" panose="020B0502040204020203" pitchFamily="34" charset="0"/>
+                <a:cs typeface="Segoe UI" panose="020B0502040204020203" pitchFamily="34" charset="0"/>
+              </a:rPr>
+              <a:t>) </a:t>
+            </a:r>
+            <a:r>
+              <a:rPr lang="en-US" sz="2000" dirty="0" smtClean="0">
+                <a:latin typeface="Segoe UI" panose="020B0502040204020203" pitchFamily="34" charset="0"/>
+                <a:cs typeface="Segoe UI" panose="020B0502040204020203" pitchFamily="34" charset="0"/>
+              </a:rPr>
+              <a:t/>
+            </a:r>
+            <a:br>
+              <a:rPr lang="en-US" sz="2000" dirty="0" smtClean="0">
+                <a:latin typeface="Segoe UI" panose="020B0502040204020203" pitchFamily="34" charset="0"/>
+                <a:cs typeface="Segoe UI" panose="020B0502040204020203" pitchFamily="34" charset="0"/>
+              </a:rPr>
+            </a:br>
+            <a:endParaRPr lang="en-US" sz="2000" dirty="0">
+              <a:latin typeface="Segoe UI" panose="020B0502040204020203" pitchFamily="34" charset="0"/>
+              <a:cs typeface="Segoe UI" panose="020B0502040204020203" pitchFamily="34" charset="0"/>
+            </a:endParaRPr>
+          </a:p>
+          <a:p>
+            <a:pPr marL="285750" indent="-285750">
+              <a:buBlip>
+                <a:blip r:embed="rId3"/>
+              </a:buBlip>
+            </a:pPr>
+            <a:r>
+              <a:rPr lang="en-US" sz="2000" b="1" dirty="0">
+                <a:latin typeface="Segoe UI" panose="020B0502040204020203" pitchFamily="34" charset="0"/>
+                <a:cs typeface="Segoe UI" panose="020B0502040204020203" pitchFamily="34" charset="0"/>
+              </a:rPr>
+              <a:t>Other IIS </a:t>
+            </a:r>
+            <a:r>
+              <a:rPr lang="en-US" sz="2000" b="1" dirty="0" smtClean="0">
+                <a:latin typeface="Segoe UI" panose="020B0502040204020203" pitchFamily="34" charset="0"/>
+                <a:cs typeface="Segoe UI" panose="020B0502040204020203" pitchFamily="34" charset="0"/>
+              </a:rPr>
+              <a:t>benefits</a:t>
+            </a:r>
+            <a:r>
+              <a:rPr lang="en-US" sz="2000" b="1" dirty="0">
+                <a:latin typeface="Segoe UI" panose="020B0502040204020203" pitchFamily="34" charset="0"/>
+                <a:cs typeface="Segoe UI" panose="020B0502040204020203" pitchFamily="34" charset="0"/>
+              </a:rPr>
+              <a:t> </a:t>
+            </a:r>
+            <a:r>
+              <a:rPr lang="en-US" sz="2000" b="1" dirty="0" smtClean="0">
+                <a:latin typeface="Segoe UI" panose="020B0502040204020203" pitchFamily="34" charset="0"/>
+                <a:cs typeface="Segoe UI" panose="020B0502040204020203" pitchFamily="34" charset="0"/>
+              </a:rPr>
+              <a:t>(Port </a:t>
+            </a:r>
+            <a:r>
+              <a:rPr lang="en-US" sz="2000" b="1" dirty="0">
+                <a:latin typeface="Segoe UI" panose="020B0502040204020203" pitchFamily="34" charset="0"/>
+                <a:cs typeface="Segoe UI" panose="020B0502040204020203" pitchFamily="34" charset="0"/>
+              </a:rPr>
+              <a:t>sharing, security, URL rewriting, compression, caching, </a:t>
+            </a:r>
+            <a:r>
+              <a:rPr lang="en-US" sz="2000" b="1" dirty="0" smtClean="0">
+                <a:latin typeface="Segoe UI" panose="020B0502040204020203" pitchFamily="34" charset="0"/>
+                <a:cs typeface="Segoe UI" panose="020B0502040204020203" pitchFamily="34" charset="0"/>
+              </a:rPr>
+              <a:t>logging)</a:t>
+            </a:r>
+            <a:endParaRPr lang="en-US" sz="2000" b="1" dirty="0">
+              <a:latin typeface="Segoe UI" panose="020B0502040204020203" pitchFamily="34" charset="0"/>
+              <a:cs typeface="Segoe UI" panose="020B0502040204020203" pitchFamily="34" charset="0"/>
+            </a:endParaRPr>
+          </a:p>
+        </p:txBody>
+      </p:sp>
+    </p:spTree>
+    <p:extLst>
+      <p:ext uri="{BB962C8B-B14F-4D97-AF65-F5344CB8AC3E}">
+        <p14:creationId xmlns:p14="http://schemas.microsoft.com/office/powerpoint/2010/main" val="4060809581"/>
+      </p:ext>
+    </p:extLst>
+  </p:cSld>
+  <p:clrMapOvr>
+    <a:masterClrMapping/>
+  </p:clrMapOvr>
+  <p:timing>
+    <p:tnLst>
+      <p:par>
+        <p:cTn id="1" dur="indefinite" restart="never" nodeType="tmRoot"/>
+      </p:par>
+    </p:tnLst>
+  </p:timing>
+</p:sld>
+</file>
+
+<file path=ppt/slides/slide31.xml><?xml version="1.0" encoding="utf-8"?>
 <p:sld xmlns:a="http://schemas.openxmlformats.org/drawingml/2006/main" xmlns:r="http://schemas.openxmlformats.org/officeDocument/2006/relationships" xmlns:p="http://schemas.openxmlformats.org/presentationml/2006/main">
   <p:cSld>
     <p:bg>
@@ -33031,7 +33619,7 @@
 </p:sld>
 </file>
 
-<file path=ppt/slides/slide31.xml><?xml version="1.0" encoding="utf-8"?>
+<file path=ppt/slides/slide32.xml><?xml version="1.0" encoding="utf-8"?>
 <p:sld xmlns:a="http://schemas.openxmlformats.org/drawingml/2006/main" xmlns:r="http://schemas.openxmlformats.org/officeDocument/2006/relationships" xmlns:p="http://schemas.openxmlformats.org/presentationml/2006/main">
   <p:cSld>
     <p:bg>
@@ -33201,7 +33789,7 @@
 </p:sld>
 </file>
 
-<file path=ppt/slides/slide32.xml><?xml version="1.0" encoding="utf-8"?>
+<file path=ppt/slides/slide33.xml><?xml version="1.0" encoding="utf-8"?>
 <p:sld xmlns:a="http://schemas.openxmlformats.org/drawingml/2006/main" xmlns:r="http://schemas.openxmlformats.org/officeDocument/2006/relationships" xmlns:p="http://schemas.openxmlformats.org/presentationml/2006/main">
   <p:cSld>
     <p:bg>
@@ -33299,7 +33887,7 @@
 </p:sld>
 </file>
 
-<file path=ppt/slides/slide33.xml><?xml version="1.0" encoding="utf-8"?>
+<file path=ppt/slides/slide34.xml><?xml version="1.0" encoding="utf-8"?>
 <p:sld xmlns:a="http://schemas.openxmlformats.org/drawingml/2006/main" xmlns:r="http://schemas.openxmlformats.org/officeDocument/2006/relationships" xmlns:p="http://schemas.openxmlformats.org/presentationml/2006/main">
   <p:cSld>
     <p:bg>
@@ -33452,7 +34040,7 @@
 </p:sld>
 </file>
 
-<file path=ppt/slides/slide34.xml><?xml version="1.0" encoding="utf-8"?>
+<file path=ppt/slides/slide35.xml><?xml version="1.0" encoding="utf-8"?>
 <p:sld xmlns:a="http://schemas.openxmlformats.org/drawingml/2006/main" xmlns:r="http://schemas.openxmlformats.org/officeDocument/2006/relationships" xmlns:p="http://schemas.openxmlformats.org/presentationml/2006/main">
   <p:cSld>
     <p:bg>
@@ -33986,7 +34574,7 @@
 </p:sld>
 </file>
 
-<file path=ppt/slides/slide35.xml><?xml version="1.0" encoding="utf-8"?>
+<file path=ppt/slides/slide36.xml><?xml version="1.0" encoding="utf-8"?>
 <p:sld xmlns:a="http://schemas.openxmlformats.org/drawingml/2006/main" xmlns:r="http://schemas.openxmlformats.org/officeDocument/2006/relationships" xmlns:p="http://schemas.openxmlformats.org/presentationml/2006/main">
   <p:cSld>
     <p:bg>
@@ -34994,7 +35582,7 @@
 </p:sld>
 </file>
 
-<file path=ppt/slides/slide36.xml><?xml version="1.0" encoding="utf-8"?>
+<file path=ppt/slides/slide37.xml><?xml version="1.0" encoding="utf-8"?>
 <p:sld xmlns:a="http://schemas.openxmlformats.org/drawingml/2006/main" xmlns:r="http://schemas.openxmlformats.org/officeDocument/2006/relationships" xmlns:p="http://schemas.openxmlformats.org/presentationml/2006/main">
   <p:cSld>
     <p:bg>
@@ -35848,7 +36436,7 @@
 </p:sld>
 </file>
 
-<file path=ppt/slides/slide37.xml><?xml version="1.0" encoding="utf-8"?>
+<file path=ppt/slides/slide38.xml><?xml version="1.0" encoding="utf-8"?>
 <p:sld xmlns:a="http://schemas.openxmlformats.org/drawingml/2006/main" xmlns:r="http://schemas.openxmlformats.org/officeDocument/2006/relationships" xmlns:p="http://schemas.openxmlformats.org/presentationml/2006/main">
   <p:cSld>
     <p:bg>

--- a/slidedeck/slides.pptx
+++ b/slidedeck/slides.pptx
@@ -8,7 +8,7 @@
     <p:sldMasterId id="2147483690" r:id="rId4"/>
   </p:sldMasterIdLst>
   <p:notesMasterIdLst>
-    <p:notesMasterId r:id="rId43"/>
+    <p:notesMasterId r:id="rId46"/>
   </p:notesMasterIdLst>
   <p:sldIdLst>
     <p:sldId id="256" r:id="rId5"/>
@@ -33,22 +33,25 @@
     <p:sldId id="298" r:id="rId24"/>
     <p:sldId id="282" r:id="rId25"/>
     <p:sldId id="272" r:id="rId26"/>
-    <p:sldId id="267" r:id="rId27"/>
-    <p:sldId id="279" r:id="rId28"/>
-    <p:sldId id="262" r:id="rId29"/>
-    <p:sldId id="280" r:id="rId30"/>
-    <p:sldId id="281" r:id="rId31"/>
-    <p:sldId id="299" r:id="rId32"/>
-    <p:sldId id="258" r:id="rId33"/>
-    <p:sldId id="274" r:id="rId34"/>
-    <p:sldId id="273" r:id="rId35"/>
-    <p:sldId id="263" r:id="rId36"/>
-    <p:sldId id="277" r:id="rId37"/>
-    <p:sldId id="265" r:id="rId38"/>
-    <p:sldId id="264" r:id="rId39"/>
-    <p:sldId id="259" r:id="rId40"/>
-    <p:sldId id="261" r:id="rId41"/>
-    <p:sldId id="276" r:id="rId42"/>
+    <p:sldId id="302" r:id="rId27"/>
+    <p:sldId id="267" r:id="rId28"/>
+    <p:sldId id="279" r:id="rId29"/>
+    <p:sldId id="262" r:id="rId30"/>
+    <p:sldId id="280" r:id="rId31"/>
+    <p:sldId id="281" r:id="rId32"/>
+    <p:sldId id="299" r:id="rId33"/>
+    <p:sldId id="258" r:id="rId34"/>
+    <p:sldId id="274" r:id="rId35"/>
+    <p:sldId id="273" r:id="rId36"/>
+    <p:sldId id="263" r:id="rId37"/>
+    <p:sldId id="277" r:id="rId38"/>
+    <p:sldId id="265" r:id="rId39"/>
+    <p:sldId id="264" r:id="rId40"/>
+    <p:sldId id="259" r:id="rId41"/>
+    <p:sldId id="261" r:id="rId42"/>
+    <p:sldId id="300" r:id="rId43"/>
+    <p:sldId id="276" r:id="rId44"/>
+    <p:sldId id="301" r:id="rId45"/>
   </p:sldIdLst>
   <p:sldSz cx="12192000" cy="6858000"/>
   <p:notesSz cx="6858000" cy="9144000"/>
@@ -28006,6 +28009,136 @@
     <p:bg>
       <p:bgPr>
         <a:solidFill>
+          <a:srgbClr val="000000"/>
+        </a:solidFill>
+        <a:effectLst/>
+      </p:bgPr>
+    </p:bg>
+    <p:spTree>
+      <p:nvGrpSpPr>
+        <p:cNvPr id="1" name=""/>
+        <p:cNvGrpSpPr/>
+        <p:nvPr/>
+      </p:nvGrpSpPr>
+      <p:grpSpPr>
+        <a:xfrm>
+          <a:off x="0" y="0"/>
+          <a:ext cx="0" cy="0"/>
+          <a:chOff x="0" y="0"/>
+          <a:chExt cx="0" cy="0"/>
+        </a:xfrm>
+      </p:grpSpPr>
+      <p:pic>
+        <p:nvPicPr>
+          <p:cNvPr id="4" name="Picture 3"/>
+          <p:cNvPicPr>
+            <a:picLocks noChangeAspect="1"/>
+          </p:cNvPicPr>
+          <p:nvPr/>
+        </p:nvPicPr>
+        <p:blipFill>
+          <a:blip r:embed="rId2">
+            <a:extLst>
+              <a:ext uri="{28A0092B-C50C-407E-A947-70E740481C1C}">
+                <a14:useLocalDpi xmlns:a14="http://schemas.microsoft.com/office/drawing/2010/main" val="0"/>
+              </a:ext>
+            </a:extLst>
+          </a:blip>
+          <a:stretch>
+            <a:fillRect/>
+          </a:stretch>
+        </p:blipFill>
+        <p:spPr>
+          <a:xfrm>
+            <a:off x="0" y="0"/>
+            <a:ext cx="12195961" cy="1106905"/>
+          </a:xfrm>
+          <a:prstGeom prst="rect">
+            <a:avLst/>
+          </a:prstGeom>
+        </p:spPr>
+      </p:pic>
+      <p:sp>
+        <p:nvSpPr>
+          <p:cNvPr id="2" name="TextBox 1"/>
+          <p:cNvSpPr txBox="1"/>
+          <p:nvPr/>
+        </p:nvSpPr>
+        <p:spPr>
+          <a:xfrm>
+            <a:off x="924560" y="3042920"/>
+            <a:ext cx="6664960" cy="1754326"/>
+          </a:xfrm>
+          <a:prstGeom prst="rect">
+            <a:avLst/>
+          </a:prstGeom>
+          <a:noFill/>
+        </p:spPr>
+        <p:txBody>
+          <a:bodyPr wrap="square" rtlCol="0">
+            <a:spAutoFit/>
+          </a:bodyPr>
+          <a:lstStyle/>
+          <a:p>
+            <a:r>
+              <a:rPr lang="en-US" sz="3600" dirty="0" smtClean="0">
+                <a:solidFill>
+                  <a:schemeClr val="bg1"/>
+                </a:solidFill>
+              </a:rPr>
+              <a:t>Blocking = Network, Disk</a:t>
+            </a:r>
+          </a:p>
+          <a:p>
+            <a:endParaRPr lang="en-US" sz="3600" kern="1200" dirty="0">
+              <a:solidFill>
+                <a:schemeClr val="bg1"/>
+              </a:solidFill>
+            </a:endParaRPr>
+          </a:p>
+          <a:p>
+            <a:r>
+              <a:rPr lang="en-US" sz="3600" dirty="0" smtClean="0">
+                <a:solidFill>
+                  <a:schemeClr val="bg1"/>
+                </a:solidFill>
+              </a:rPr>
+              <a:t>Non-blocking = L1, L2, RAM</a:t>
+            </a:r>
+            <a:endParaRPr lang="en-US" sz="3600" kern="1200" dirty="0">
+              <a:solidFill>
+                <a:schemeClr val="bg1"/>
+              </a:solidFill>
+            </a:endParaRPr>
+          </a:p>
+        </p:txBody>
+      </p:sp>
+    </p:spTree>
+    <p:extLst>
+      <p:ext uri="{BB962C8B-B14F-4D97-AF65-F5344CB8AC3E}">
+        <p14:creationId xmlns:p14="http://schemas.microsoft.com/office/powerpoint/2010/main" val="2805081414"/>
+      </p:ext>
+    </p:extLst>
+  </p:cSld>
+  <p:clrMapOvr>
+    <a:masterClrMapping/>
+  </p:clrMapOvr>
+  <p:timing>
+    <p:tnLst>
+      <p:par>
+        <p:cTn id="1" dur="indefinite" restart="never" nodeType="tmRoot"/>
+      </p:par>
+    </p:tnLst>
+  </p:timing>
+</p:sld>
+</file>
+
+<file path=ppt/slides/slide24.xml><?xml version="1.0" encoding="utf-8"?>
+<p:sld xmlns:a="http://schemas.openxmlformats.org/drawingml/2006/main" xmlns:r="http://schemas.openxmlformats.org/officeDocument/2006/relationships" xmlns:p="http://schemas.openxmlformats.org/presentationml/2006/main">
+  <p:cSld>
+    <p:bg>
+      <p:bgPr>
+        <a:solidFill>
           <a:schemeClr val="bg1"/>
         </a:solidFill>
         <a:effectLst/>
@@ -29286,7 +29419,7 @@
 </p:sld>
 </file>
 
-<file path=ppt/slides/slide24.xml><?xml version="1.0" encoding="utf-8"?>
+<file path=ppt/slides/slide25.xml><?xml version="1.0" encoding="utf-8"?>
 <p:sld xmlns:a="http://schemas.openxmlformats.org/drawingml/2006/main" xmlns:r="http://schemas.openxmlformats.org/officeDocument/2006/relationships" xmlns:p="http://schemas.openxmlformats.org/presentationml/2006/main">
   <p:cSld>
     <p:spTree>
@@ -29641,7 +29774,7 @@
 </p:sld>
 </file>
 
-<file path=ppt/slides/slide25.xml><?xml version="1.0" encoding="utf-8"?>
+<file path=ppt/slides/slide26.xml><?xml version="1.0" encoding="utf-8"?>
 <p:sld xmlns:a="http://schemas.openxmlformats.org/drawingml/2006/main" xmlns:r="http://schemas.openxmlformats.org/officeDocument/2006/relationships" xmlns:p="http://schemas.openxmlformats.org/presentationml/2006/main">
   <p:cSld>
     <p:bg>
@@ -30754,7 +30887,7 @@
 </p:sld>
 </file>
 
-<file path=ppt/slides/slide26.xml><?xml version="1.0" encoding="utf-8"?>
+<file path=ppt/slides/slide27.xml><?xml version="1.0" encoding="utf-8"?>
 <p:sld xmlns:a="http://schemas.openxmlformats.org/drawingml/2006/main" xmlns:r="http://schemas.openxmlformats.org/officeDocument/2006/relationships" xmlns:p="http://schemas.openxmlformats.org/presentationml/2006/main">
   <p:cSld>
     <p:bg>
@@ -31160,7 +31293,7 @@
 </p:sld>
 </file>
 
-<file path=ppt/slides/slide27.xml><?xml version="1.0" encoding="utf-8"?>
+<file path=ppt/slides/slide28.xml><?xml version="1.0" encoding="utf-8"?>
 <p:sld xmlns:a="http://schemas.openxmlformats.org/drawingml/2006/main" xmlns:r="http://schemas.openxmlformats.org/officeDocument/2006/relationships" xmlns:p="http://schemas.openxmlformats.org/presentationml/2006/main">
   <p:cSld>
     <p:bg>
@@ -31492,7 +31625,7 @@
 </p:sld>
 </file>
 
-<file path=ppt/slides/slide28.xml><?xml version="1.0" encoding="utf-8"?>
+<file path=ppt/slides/slide29.xml><?xml version="1.0" encoding="utf-8"?>
 <p:sld xmlns:a="http://schemas.openxmlformats.org/drawingml/2006/main" xmlns:r="http://schemas.openxmlformats.org/officeDocument/2006/relationships" xmlns:p="http://schemas.openxmlformats.org/presentationml/2006/main">
   <p:cSld>
     <p:bg>
@@ -32079,7 +32212,208 @@
 </p:sld>
 </file>
 
-<file path=ppt/slides/slide29.xml><?xml version="1.0" encoding="utf-8"?>
+<file path=ppt/slides/slide3.xml><?xml version="1.0" encoding="utf-8"?>
+<p:sld xmlns:a="http://schemas.openxmlformats.org/drawingml/2006/main" xmlns:r="http://schemas.openxmlformats.org/officeDocument/2006/relationships" xmlns:p="http://schemas.openxmlformats.org/presentationml/2006/main">
+  <p:cSld>
+    <p:bg>
+      <p:bgPr>
+        <a:solidFill>
+          <a:schemeClr val="bg1"/>
+        </a:solidFill>
+        <a:effectLst/>
+      </p:bgPr>
+    </p:bg>
+    <p:spTree>
+      <p:nvGrpSpPr>
+        <p:cNvPr id="1" name=""/>
+        <p:cNvGrpSpPr/>
+        <p:nvPr/>
+      </p:nvGrpSpPr>
+      <p:grpSpPr>
+        <a:xfrm>
+          <a:off x="0" y="0"/>
+          <a:ext cx="0" cy="0"/>
+          <a:chOff x="0" y="0"/>
+          <a:chExt cx="0" cy="0"/>
+        </a:xfrm>
+      </p:grpSpPr>
+      <p:pic>
+        <p:nvPicPr>
+          <p:cNvPr id="4" name="Picture 3"/>
+          <p:cNvPicPr>
+            <a:picLocks noChangeAspect="1"/>
+          </p:cNvPicPr>
+          <p:nvPr/>
+        </p:nvPicPr>
+        <p:blipFill>
+          <a:blip r:embed="rId2">
+            <a:extLst>
+              <a:ext uri="{28A0092B-C50C-407E-A947-70E740481C1C}">
+                <a14:useLocalDpi xmlns:a14="http://schemas.microsoft.com/office/drawing/2010/main" val="0"/>
+              </a:ext>
+            </a:extLst>
+          </a:blip>
+          <a:stretch>
+            <a:fillRect/>
+          </a:stretch>
+        </p:blipFill>
+        <p:spPr>
+          <a:xfrm>
+            <a:off x="0" y="0"/>
+            <a:ext cx="12195961" cy="1106905"/>
+          </a:xfrm>
+          <a:prstGeom prst="rect">
+            <a:avLst/>
+          </a:prstGeom>
+        </p:spPr>
+      </p:pic>
+      <p:sp>
+        <p:nvSpPr>
+          <p:cNvPr id="2" name="TextBox 1"/>
+          <p:cNvSpPr txBox="1"/>
+          <p:nvPr/>
+        </p:nvSpPr>
+        <p:spPr>
+          <a:xfrm>
+            <a:off x="669634" y="1595718"/>
+            <a:ext cx="3953262" cy="769441"/>
+          </a:xfrm>
+          <a:prstGeom prst="rect">
+            <a:avLst/>
+          </a:prstGeom>
+          <a:noFill/>
+        </p:spPr>
+        <p:txBody>
+          <a:bodyPr wrap="none" rtlCol="0">
+            <a:spAutoFit/>
+          </a:bodyPr>
+          <a:lstStyle/>
+          <a:p>
+            <a:r>
+              <a:rPr lang="en-US" sz="4400" dirty="0" smtClean="0">
+                <a:solidFill>
+                  <a:prstClr val="black"/>
+                </a:solidFill>
+              </a:rPr>
+              <a:t>Azure Web Apps</a:t>
+            </a:r>
+            <a:endParaRPr lang="en-US" sz="4400" dirty="0">
+              <a:solidFill>
+                <a:prstClr val="black"/>
+              </a:solidFill>
+            </a:endParaRPr>
+          </a:p>
+        </p:txBody>
+      </p:sp>
+      <p:sp>
+        <p:nvSpPr>
+          <p:cNvPr id="3" name="TextBox 2"/>
+          <p:cNvSpPr txBox="1"/>
+          <p:nvPr/>
+        </p:nvSpPr>
+        <p:spPr>
+          <a:xfrm>
+            <a:off x="669634" y="3585882"/>
+            <a:ext cx="5964248" cy="1200329"/>
+          </a:xfrm>
+          <a:prstGeom prst="rect">
+            <a:avLst/>
+          </a:prstGeom>
+          <a:noFill/>
+        </p:spPr>
+        <p:txBody>
+          <a:bodyPr wrap="square" rtlCol="0">
+            <a:spAutoFit/>
+          </a:bodyPr>
+          <a:lstStyle/>
+          <a:p>
+            <a:pPr marL="285750" indent="-285750">
+              <a:buFont typeface="Arial" charset="0"/>
+              <a:buChar char="•"/>
+            </a:pPr>
+            <a:r>
+              <a:rPr lang="en-US" sz="3600" dirty="0" smtClean="0">
+                <a:solidFill>
+                  <a:prstClr val="black"/>
+                </a:solidFill>
+              </a:rPr>
+              <a:t>What is </a:t>
+            </a:r>
+            <a:r>
+              <a:rPr lang="en-US" sz="3600" dirty="0" err="1" smtClean="0">
+                <a:solidFill>
+                  <a:prstClr val="black"/>
+                </a:solidFill>
+              </a:rPr>
+              <a:t>PaaS</a:t>
+            </a:r>
+            <a:r>
+              <a:rPr lang="en-US" sz="3600" dirty="0" smtClean="0">
+                <a:solidFill>
+                  <a:prstClr val="black"/>
+                </a:solidFill>
+              </a:rPr>
+              <a:t>?</a:t>
+            </a:r>
+          </a:p>
+          <a:p>
+            <a:pPr marL="285750" indent="-285750">
+              <a:buFont typeface="Arial" charset="0"/>
+              <a:buChar char="•"/>
+            </a:pPr>
+            <a:r>
+              <a:rPr lang="en-US" sz="3600" dirty="0" smtClean="0">
+                <a:solidFill>
+                  <a:prstClr val="black"/>
+                </a:solidFill>
+              </a:rPr>
+              <a:t>Why choose </a:t>
+            </a:r>
+            <a:r>
+              <a:rPr lang="en-US" sz="3600" dirty="0" err="1" smtClean="0">
+                <a:solidFill>
+                  <a:prstClr val="black"/>
+                </a:solidFill>
+              </a:rPr>
+              <a:t>PaaS</a:t>
+            </a:r>
+            <a:r>
+              <a:rPr lang="en-US" sz="3600" dirty="0" smtClean="0">
+                <a:solidFill>
+                  <a:prstClr val="black"/>
+                </a:solidFill>
+              </a:rPr>
+              <a:t>?</a:t>
+            </a:r>
+            <a:endParaRPr lang="en-US" sz="3600" dirty="0">
+              <a:solidFill>
+                <a:prstClr val="black"/>
+              </a:solidFill>
+            </a:endParaRPr>
+          </a:p>
+        </p:txBody>
+      </p:sp>
+    </p:spTree>
+    <p:extLst>
+      <p:ext uri="{BB962C8B-B14F-4D97-AF65-F5344CB8AC3E}">
+        <p14:creationId xmlns:p14="http://schemas.microsoft.com/office/powerpoint/2010/main" val="145448824"/>
+      </p:ext>
+    </p:extLst>
+  </p:cSld>
+  <p:clrMapOvr>
+    <a:masterClrMapping/>
+  </p:clrMapOvr>
+  <p:timing>
+    <p:tnLst>
+      <p:par>
+        <p:cTn id="1" dur="indefinite" restart="never" nodeType="tmRoot"/>
+      </p:par>
+    </p:tnLst>
+  </p:timing>
+</p:sld>
+</file>
+
+<file path=ppt/slides/slide30.xml><?xml version="1.0" encoding="utf-8"?>
 <p:sld xmlns:a="http://schemas.openxmlformats.org/drawingml/2006/main" xmlns:r="http://schemas.openxmlformats.org/officeDocument/2006/relationships" xmlns:p="http://schemas.openxmlformats.org/presentationml/2006/main">
   <p:cSld>
     <p:bg>
@@ -32827,208 +33161,7 @@
 </p:sld>
 </file>
 
-<file path=ppt/slides/slide3.xml><?xml version="1.0" encoding="utf-8"?>
-<p:sld xmlns:a="http://schemas.openxmlformats.org/drawingml/2006/main" xmlns:r="http://schemas.openxmlformats.org/officeDocument/2006/relationships" xmlns:p="http://schemas.openxmlformats.org/presentationml/2006/main">
-  <p:cSld>
-    <p:bg>
-      <p:bgPr>
-        <a:solidFill>
-          <a:schemeClr val="bg1"/>
-        </a:solidFill>
-        <a:effectLst/>
-      </p:bgPr>
-    </p:bg>
-    <p:spTree>
-      <p:nvGrpSpPr>
-        <p:cNvPr id="1" name=""/>
-        <p:cNvGrpSpPr/>
-        <p:nvPr/>
-      </p:nvGrpSpPr>
-      <p:grpSpPr>
-        <a:xfrm>
-          <a:off x="0" y="0"/>
-          <a:ext cx="0" cy="0"/>
-          <a:chOff x="0" y="0"/>
-          <a:chExt cx="0" cy="0"/>
-        </a:xfrm>
-      </p:grpSpPr>
-      <p:pic>
-        <p:nvPicPr>
-          <p:cNvPr id="4" name="Picture 3"/>
-          <p:cNvPicPr>
-            <a:picLocks noChangeAspect="1"/>
-          </p:cNvPicPr>
-          <p:nvPr/>
-        </p:nvPicPr>
-        <p:blipFill>
-          <a:blip r:embed="rId2">
-            <a:extLst>
-              <a:ext uri="{28A0092B-C50C-407E-A947-70E740481C1C}">
-                <a14:useLocalDpi xmlns:a14="http://schemas.microsoft.com/office/drawing/2010/main" val="0"/>
-              </a:ext>
-            </a:extLst>
-          </a:blip>
-          <a:stretch>
-            <a:fillRect/>
-          </a:stretch>
-        </p:blipFill>
-        <p:spPr>
-          <a:xfrm>
-            <a:off x="0" y="0"/>
-            <a:ext cx="12195961" cy="1106905"/>
-          </a:xfrm>
-          <a:prstGeom prst="rect">
-            <a:avLst/>
-          </a:prstGeom>
-        </p:spPr>
-      </p:pic>
-      <p:sp>
-        <p:nvSpPr>
-          <p:cNvPr id="2" name="TextBox 1"/>
-          <p:cNvSpPr txBox="1"/>
-          <p:nvPr/>
-        </p:nvSpPr>
-        <p:spPr>
-          <a:xfrm>
-            <a:off x="669634" y="1595718"/>
-            <a:ext cx="3953262" cy="769441"/>
-          </a:xfrm>
-          <a:prstGeom prst="rect">
-            <a:avLst/>
-          </a:prstGeom>
-          <a:noFill/>
-        </p:spPr>
-        <p:txBody>
-          <a:bodyPr wrap="none" rtlCol="0">
-            <a:spAutoFit/>
-          </a:bodyPr>
-          <a:lstStyle/>
-          <a:p>
-            <a:r>
-              <a:rPr lang="en-US" sz="4400" dirty="0" smtClean="0">
-                <a:solidFill>
-                  <a:prstClr val="black"/>
-                </a:solidFill>
-              </a:rPr>
-              <a:t>Azure Web Apps</a:t>
-            </a:r>
-            <a:endParaRPr lang="en-US" sz="4400" dirty="0">
-              <a:solidFill>
-                <a:prstClr val="black"/>
-              </a:solidFill>
-            </a:endParaRPr>
-          </a:p>
-        </p:txBody>
-      </p:sp>
-      <p:sp>
-        <p:nvSpPr>
-          <p:cNvPr id="3" name="TextBox 2"/>
-          <p:cNvSpPr txBox="1"/>
-          <p:nvPr/>
-        </p:nvSpPr>
-        <p:spPr>
-          <a:xfrm>
-            <a:off x="669634" y="3585882"/>
-            <a:ext cx="5964248" cy="1200329"/>
-          </a:xfrm>
-          <a:prstGeom prst="rect">
-            <a:avLst/>
-          </a:prstGeom>
-          <a:noFill/>
-        </p:spPr>
-        <p:txBody>
-          <a:bodyPr wrap="square" rtlCol="0">
-            <a:spAutoFit/>
-          </a:bodyPr>
-          <a:lstStyle/>
-          <a:p>
-            <a:pPr marL="285750" indent="-285750">
-              <a:buFont typeface="Arial" charset="0"/>
-              <a:buChar char="•"/>
-            </a:pPr>
-            <a:r>
-              <a:rPr lang="en-US" sz="3600" dirty="0" smtClean="0">
-                <a:solidFill>
-                  <a:prstClr val="black"/>
-                </a:solidFill>
-              </a:rPr>
-              <a:t>What is </a:t>
-            </a:r>
-            <a:r>
-              <a:rPr lang="en-US" sz="3600" dirty="0" err="1" smtClean="0">
-                <a:solidFill>
-                  <a:prstClr val="black"/>
-                </a:solidFill>
-              </a:rPr>
-              <a:t>PaaS</a:t>
-            </a:r>
-            <a:r>
-              <a:rPr lang="en-US" sz="3600" dirty="0" smtClean="0">
-                <a:solidFill>
-                  <a:prstClr val="black"/>
-                </a:solidFill>
-              </a:rPr>
-              <a:t>?</a:t>
-            </a:r>
-          </a:p>
-          <a:p>
-            <a:pPr marL="285750" indent="-285750">
-              <a:buFont typeface="Arial" charset="0"/>
-              <a:buChar char="•"/>
-            </a:pPr>
-            <a:r>
-              <a:rPr lang="en-US" sz="3600" dirty="0" smtClean="0">
-                <a:solidFill>
-                  <a:prstClr val="black"/>
-                </a:solidFill>
-              </a:rPr>
-              <a:t>Why choose </a:t>
-            </a:r>
-            <a:r>
-              <a:rPr lang="en-US" sz="3600" dirty="0" err="1" smtClean="0">
-                <a:solidFill>
-                  <a:prstClr val="black"/>
-                </a:solidFill>
-              </a:rPr>
-              <a:t>PaaS</a:t>
-            </a:r>
-            <a:r>
-              <a:rPr lang="en-US" sz="3600" dirty="0" smtClean="0">
-                <a:solidFill>
-                  <a:prstClr val="black"/>
-                </a:solidFill>
-              </a:rPr>
-              <a:t>?</a:t>
-            </a:r>
-            <a:endParaRPr lang="en-US" sz="3600" dirty="0">
-              <a:solidFill>
-                <a:prstClr val="black"/>
-              </a:solidFill>
-            </a:endParaRPr>
-          </a:p>
-        </p:txBody>
-      </p:sp>
-    </p:spTree>
-    <p:extLst>
-      <p:ext uri="{BB962C8B-B14F-4D97-AF65-F5344CB8AC3E}">
-        <p14:creationId xmlns:p14="http://schemas.microsoft.com/office/powerpoint/2010/main" val="145448824"/>
-      </p:ext>
-    </p:extLst>
-  </p:cSld>
-  <p:clrMapOvr>
-    <a:masterClrMapping/>
-  </p:clrMapOvr>
-  <p:timing>
-    <p:tnLst>
-      <p:par>
-        <p:cTn id="1" dur="indefinite" restart="never" nodeType="tmRoot"/>
-      </p:par>
-    </p:tnLst>
-  </p:timing>
-</p:sld>
-</file>
-
-<file path=ppt/slides/slide30.xml><?xml version="1.0" encoding="utf-8"?>
+<file path=ppt/slides/slide31.xml><?xml version="1.0" encoding="utf-8"?>
 <p:sld xmlns:a="http://schemas.openxmlformats.org/drawingml/2006/main" xmlns:r="http://schemas.openxmlformats.org/officeDocument/2006/relationships" xmlns:p="http://schemas.openxmlformats.org/presentationml/2006/main">
   <p:cSld>
     <p:bg>
@@ -33466,7 +33599,7 @@
 </p:sld>
 </file>
 
-<file path=ppt/slides/slide31.xml><?xml version="1.0" encoding="utf-8"?>
+<file path=ppt/slides/slide32.xml><?xml version="1.0" encoding="utf-8"?>
 <p:sld xmlns:a="http://schemas.openxmlformats.org/drawingml/2006/main" xmlns:r="http://schemas.openxmlformats.org/officeDocument/2006/relationships" xmlns:p="http://schemas.openxmlformats.org/presentationml/2006/main">
   <p:cSld>
     <p:bg>
@@ -33619,7 +33752,7 @@
 </p:sld>
 </file>
 
-<file path=ppt/slides/slide32.xml><?xml version="1.0" encoding="utf-8"?>
+<file path=ppt/slides/slide33.xml><?xml version="1.0" encoding="utf-8"?>
 <p:sld xmlns:a="http://schemas.openxmlformats.org/drawingml/2006/main" xmlns:r="http://schemas.openxmlformats.org/officeDocument/2006/relationships" xmlns:p="http://schemas.openxmlformats.org/presentationml/2006/main">
   <p:cSld>
     <p:bg>
@@ -33789,7 +33922,7 @@
 </p:sld>
 </file>
 
-<file path=ppt/slides/slide33.xml><?xml version="1.0" encoding="utf-8"?>
+<file path=ppt/slides/slide34.xml><?xml version="1.0" encoding="utf-8"?>
 <p:sld xmlns:a="http://schemas.openxmlformats.org/drawingml/2006/main" xmlns:r="http://schemas.openxmlformats.org/officeDocument/2006/relationships" xmlns:p="http://schemas.openxmlformats.org/presentationml/2006/main">
   <p:cSld>
     <p:bg>
@@ -33887,7 +34020,7 @@
 </p:sld>
 </file>
 
-<file path=ppt/slides/slide34.xml><?xml version="1.0" encoding="utf-8"?>
+<file path=ppt/slides/slide35.xml><?xml version="1.0" encoding="utf-8"?>
 <p:sld xmlns:a="http://schemas.openxmlformats.org/drawingml/2006/main" xmlns:r="http://schemas.openxmlformats.org/officeDocument/2006/relationships" xmlns:p="http://schemas.openxmlformats.org/presentationml/2006/main">
   <p:cSld>
     <p:bg>
@@ -34040,7 +34173,7 @@
 </p:sld>
 </file>
 
-<file path=ppt/slides/slide35.xml><?xml version="1.0" encoding="utf-8"?>
+<file path=ppt/slides/slide36.xml><?xml version="1.0" encoding="utf-8"?>
 <p:sld xmlns:a="http://schemas.openxmlformats.org/drawingml/2006/main" xmlns:r="http://schemas.openxmlformats.org/officeDocument/2006/relationships" xmlns:p="http://schemas.openxmlformats.org/presentationml/2006/main">
   <p:cSld>
     <p:bg>
@@ -34574,7 +34707,7 @@
 </p:sld>
 </file>
 
-<file path=ppt/slides/slide36.xml><?xml version="1.0" encoding="utf-8"?>
+<file path=ppt/slides/slide37.xml><?xml version="1.0" encoding="utf-8"?>
 <p:sld xmlns:a="http://schemas.openxmlformats.org/drawingml/2006/main" xmlns:r="http://schemas.openxmlformats.org/officeDocument/2006/relationships" xmlns:p="http://schemas.openxmlformats.org/presentationml/2006/main">
   <p:cSld>
     <p:bg>
@@ -35582,7 +35715,7 @@
 </p:sld>
 </file>
 
-<file path=ppt/slides/slide37.xml><?xml version="1.0" encoding="utf-8"?>
+<file path=ppt/slides/slide38.xml><?xml version="1.0" encoding="utf-8"?>
 <p:sld xmlns:a="http://schemas.openxmlformats.org/drawingml/2006/main" xmlns:r="http://schemas.openxmlformats.org/officeDocument/2006/relationships" xmlns:p="http://schemas.openxmlformats.org/presentationml/2006/main">
   <p:cSld>
     <p:bg>
@@ -36436,7 +36569,7 @@
 </p:sld>
 </file>
 
-<file path=ppt/slides/slide38.xml><?xml version="1.0" encoding="utf-8"?>
+<file path=ppt/slides/slide39.xml><?xml version="1.0" encoding="utf-8"?>
 <p:sld xmlns:a="http://schemas.openxmlformats.org/drawingml/2006/main" xmlns:r="http://schemas.openxmlformats.org/officeDocument/2006/relationships" xmlns:p="http://schemas.openxmlformats.org/presentationml/2006/main">
   <p:cSld>
     <p:bg>
@@ -36463,38 +36596,169 @@
       </p:grpSpPr>
       <p:pic>
         <p:nvPicPr>
-          <p:cNvPr id="3" name="Picture 2"/>
+          <p:cNvPr id="1026" name="Picture 2" descr="http://img.lum.dolimg.com/v1/images/sebulba_1f3fe180.jpeg?region=0%2C0%2C2763%2C1380"/>
           <p:cNvPicPr>
-            <a:picLocks noChangeAspect="1"/>
+            <a:picLocks noChangeAspect="1" noChangeArrowheads="1"/>
           </p:cNvPicPr>
           <p:nvPr/>
         </p:nvPicPr>
         <p:blipFill>
-          <a:blip r:embed="rId2" cstate="print">
+          <a:blip r:embed="rId2">
             <a:extLst>
               <a:ext uri="{28A0092B-C50C-407E-A947-70E740481C1C}">
                 <a14:useLocalDpi xmlns:a14="http://schemas.microsoft.com/office/drawing/2010/main" val="0"/>
               </a:ext>
             </a:extLst>
           </a:blip>
+          <a:srcRect/>
           <a:stretch>
             <a:fillRect/>
           </a:stretch>
         </p:blipFill>
-        <p:spPr>
+        <p:spPr bwMode="auto">
           <a:xfrm>
-            <a:off x="3660348" y="2563569"/>
-            <a:ext cx="4702269" cy="1729699"/>
+            <a:off x="0" y="0"/>
+            <a:ext cx="13507642" cy="6858000"/>
           </a:xfrm>
           <a:prstGeom prst="rect">
             <a:avLst/>
           </a:prstGeom>
         </p:spPr>
+        <p:style>
+          <a:lnRef idx="2">
+            <a:schemeClr val="dk1">
+              <a:shade val="50000"/>
+            </a:schemeClr>
+          </a:lnRef>
+          <a:fillRef idx="1">
+            <a:schemeClr val="dk1"/>
+          </a:fillRef>
+          <a:effectRef idx="0">
+            <a:schemeClr val="dk1"/>
+          </a:effectRef>
+          <a:fontRef idx="minor">
+            <a:schemeClr val="lt1"/>
+          </a:fontRef>
+        </p:style>
       </p:pic>
+      <p:sp>
+        <p:nvSpPr>
+          <p:cNvPr id="6" name="TextBox 5"/>
+          <p:cNvSpPr txBox="1"/>
+          <p:nvPr/>
+        </p:nvSpPr>
+        <p:spPr>
+          <a:xfrm>
+            <a:off x="401320" y="6223000"/>
+            <a:ext cx="3123374" cy="369332"/>
+          </a:xfrm>
+          <a:prstGeom prst="rect">
+            <a:avLst/>
+          </a:prstGeom>
+        </p:spPr>
+        <p:style>
+          <a:lnRef idx="2">
+            <a:schemeClr val="dk1">
+              <a:shade val="50000"/>
+            </a:schemeClr>
+          </a:lnRef>
+          <a:fillRef idx="1">
+            <a:schemeClr val="dk1"/>
+          </a:fillRef>
+          <a:effectRef idx="0">
+            <a:schemeClr val="dk1"/>
+          </a:effectRef>
+          <a:fontRef idx="minor">
+            <a:schemeClr val="lt1"/>
+          </a:fontRef>
+        </p:style>
+        <p:txBody>
+          <a:bodyPr wrap="square" rtlCol="0">
+            <a:spAutoFit/>
+          </a:bodyPr>
+          <a:lstStyle/>
+          <a:p>
+            <a:pPr algn="ctr"/>
+            <a:r>
+              <a:rPr lang="en-US" dirty="0" smtClean="0"/>
+              <a:t>Image Copyright </a:t>
+            </a:r>
+            <a:r>
+              <a:rPr lang="en-US" dirty="0" err="1" smtClean="0"/>
+              <a:t>Lucasfilm</a:t>
+            </a:r>
+            <a:r>
+              <a:rPr lang="en-US" dirty="0" smtClean="0"/>
+              <a:t> LTD</a:t>
+            </a:r>
+            <a:endParaRPr lang="en-US" sz="1800" kern="1200" dirty="0">
+              <a:solidFill>
+                <a:schemeClr val="tx1"/>
+              </a:solidFill>
+              <a:latin typeface="+mn-lt"/>
+              <a:ea typeface="+mn-ea"/>
+              <a:cs typeface="+mn-cs"/>
+            </a:endParaRPr>
+          </a:p>
+        </p:txBody>
+      </p:sp>
+      <p:sp>
+        <p:nvSpPr>
+          <p:cNvPr id="7" name="TextBox 6"/>
+          <p:cNvSpPr txBox="1"/>
+          <p:nvPr/>
+        </p:nvSpPr>
+        <p:spPr>
+          <a:xfrm>
+            <a:off x="6593840" y="3251200"/>
+            <a:ext cx="6913802" cy="1015663"/>
+          </a:xfrm>
+          <a:prstGeom prst="rect">
+            <a:avLst/>
+          </a:prstGeom>
+        </p:spPr>
+        <p:style>
+          <a:lnRef idx="2">
+            <a:schemeClr val="dk1">
+              <a:shade val="50000"/>
+            </a:schemeClr>
+          </a:lnRef>
+          <a:fillRef idx="1">
+            <a:schemeClr val="dk1"/>
+          </a:fillRef>
+          <a:effectRef idx="0">
+            <a:schemeClr val="dk1"/>
+          </a:effectRef>
+          <a:fontRef idx="minor">
+            <a:schemeClr val="lt1"/>
+          </a:fontRef>
+        </p:style>
+        <p:txBody>
+          <a:bodyPr wrap="square" rtlCol="0">
+            <a:spAutoFit/>
+          </a:bodyPr>
+          <a:lstStyle/>
+          <a:p>
+            <a:r>
+              <a:rPr lang="en-US" sz="6000" dirty="0" smtClean="0">
+                <a:solidFill>
+                  <a:srgbClr val="DBE8CA"/>
+                </a:solidFill>
+              </a:rPr>
+              <a:t>    LIVE DEMO</a:t>
+            </a:r>
+            <a:endParaRPr lang="en-US" sz="6000" dirty="0">
+              <a:solidFill>
+                <a:srgbClr val="DBE8CA"/>
+              </a:solidFill>
+            </a:endParaRPr>
+          </a:p>
+        </p:txBody>
+      </p:sp>
     </p:spTree>
     <p:extLst>
       <p:ext uri="{BB962C8B-B14F-4D97-AF65-F5344CB8AC3E}">
-        <p14:creationId xmlns:p14="http://schemas.microsoft.com/office/powerpoint/2010/main" val="647369093"/>
+        <p14:creationId xmlns:p14="http://schemas.microsoft.com/office/powerpoint/2010/main" val="2755014547"/>
       </p:ext>
     </p:extLst>
   </p:cSld>
@@ -36646,6 +36910,205 @@
     <p:extLst>
       <p:ext uri="{BB962C8B-B14F-4D97-AF65-F5344CB8AC3E}">
         <p14:creationId xmlns:p14="http://schemas.microsoft.com/office/powerpoint/2010/main" val="4240160399"/>
+      </p:ext>
+    </p:extLst>
+  </p:cSld>
+  <p:clrMapOvr>
+    <a:masterClrMapping/>
+  </p:clrMapOvr>
+  <p:timing>
+    <p:tnLst>
+      <p:par>
+        <p:cTn id="1" dur="indefinite" restart="never" nodeType="tmRoot"/>
+      </p:par>
+    </p:tnLst>
+  </p:timing>
+</p:sld>
+</file>
+
+<file path=ppt/slides/slide40.xml><?xml version="1.0" encoding="utf-8"?>
+<p:sld xmlns:a="http://schemas.openxmlformats.org/drawingml/2006/main" xmlns:r="http://schemas.openxmlformats.org/officeDocument/2006/relationships" xmlns:p="http://schemas.openxmlformats.org/presentationml/2006/main">
+  <p:cSld>
+    <p:bg>
+      <p:bgPr>
+        <a:solidFill>
+          <a:schemeClr val="bg1"/>
+        </a:solidFill>
+        <a:effectLst/>
+      </p:bgPr>
+    </p:bg>
+    <p:spTree>
+      <p:nvGrpSpPr>
+        <p:cNvPr id="1" name=""/>
+        <p:cNvGrpSpPr/>
+        <p:nvPr/>
+      </p:nvGrpSpPr>
+      <p:grpSpPr>
+        <a:xfrm>
+          <a:off x="0" y="0"/>
+          <a:ext cx="0" cy="0"/>
+          <a:chOff x="0" y="0"/>
+          <a:chExt cx="0" cy="0"/>
+        </a:xfrm>
+      </p:grpSpPr>
+      <p:pic>
+        <p:nvPicPr>
+          <p:cNvPr id="2050" name="Picture 2" descr="http://i.imgur.com/zSQhG4d.png"/>
+          <p:cNvPicPr>
+            <a:picLocks noChangeAspect="1" noChangeArrowheads="1"/>
+          </p:cNvPicPr>
+          <p:nvPr/>
+        </p:nvPicPr>
+        <p:blipFill>
+          <a:blip r:embed="rId2">
+            <a:extLst>
+              <a:ext uri="{28A0092B-C50C-407E-A947-70E740481C1C}">
+                <a14:useLocalDpi xmlns:a14="http://schemas.microsoft.com/office/drawing/2010/main" val="0"/>
+              </a:ext>
+            </a:extLst>
+          </a:blip>
+          <a:srcRect/>
+          <a:stretch>
+            <a:fillRect/>
+          </a:stretch>
+        </p:blipFill>
+        <p:spPr bwMode="auto">
+          <a:xfrm>
+            <a:off x="1323975" y="1170940"/>
+            <a:ext cx="9753600" cy="5486400"/>
+          </a:xfrm>
+          <a:prstGeom prst="rect">
+            <a:avLst/>
+          </a:prstGeom>
+          <a:noFill/>
+          <a:extLst>
+            <a:ext uri="{909E8E84-426E-40DD-AFC4-6F175D3DCCD1}">
+              <a14:hiddenFill xmlns:a14="http://schemas.microsoft.com/office/drawing/2010/main">
+                <a:solidFill>
+                  <a:srgbClr val="FFFFFF"/>
+                </a:solidFill>
+              </a14:hiddenFill>
+            </a:ext>
+          </a:extLst>
+        </p:spPr>
+      </p:pic>
+      <p:sp>
+        <p:nvSpPr>
+          <p:cNvPr id="4" name="TextBox 3"/>
+          <p:cNvSpPr txBox="1"/>
+          <p:nvPr/>
+        </p:nvSpPr>
+        <p:spPr>
+          <a:xfrm>
+            <a:off x="467360" y="416560"/>
+            <a:ext cx="5577840" cy="461665"/>
+          </a:xfrm>
+          <a:prstGeom prst="rect">
+            <a:avLst/>
+          </a:prstGeom>
+          <a:noFill/>
+        </p:spPr>
+        <p:txBody>
+          <a:bodyPr wrap="square" rtlCol="0">
+            <a:spAutoFit/>
+          </a:bodyPr>
+          <a:lstStyle/>
+          <a:p>
+            <a:r>
+              <a:rPr lang="en-US" sz="2400" dirty="0" smtClean="0"/>
+              <a:t>1</a:t>
+            </a:r>
+            <a:r>
+              <a:rPr lang="en-US" sz="2400" baseline="30000" dirty="0" smtClean="0"/>
+              <a:t>st</a:t>
+            </a:r>
+            <a:r>
+              <a:rPr lang="en-US" sz="2400" dirty="0" smtClean="0"/>
+              <a:t> draft (AKA all we had one week ago):</a:t>
+            </a:r>
+            <a:endParaRPr lang="en-US" sz="2400" dirty="0"/>
+          </a:p>
+        </p:txBody>
+      </p:sp>
+    </p:spTree>
+    <p:extLst>
+      <p:ext uri="{BB962C8B-B14F-4D97-AF65-F5344CB8AC3E}">
+        <p14:creationId xmlns:p14="http://schemas.microsoft.com/office/powerpoint/2010/main" val="647369093"/>
+      </p:ext>
+    </p:extLst>
+  </p:cSld>
+  <p:clrMapOvr>
+    <a:masterClrMapping/>
+  </p:clrMapOvr>
+  <p:timing>
+    <p:tnLst>
+      <p:par>
+        <p:cTn id="1" dur="indefinite" restart="never" nodeType="tmRoot"/>
+      </p:par>
+    </p:tnLst>
+  </p:timing>
+</p:sld>
+</file>
+
+<file path=ppt/slides/slide41.xml><?xml version="1.0" encoding="utf-8"?>
+<p:sld xmlns:a="http://schemas.openxmlformats.org/drawingml/2006/main" xmlns:r="http://schemas.openxmlformats.org/officeDocument/2006/relationships" xmlns:p="http://schemas.openxmlformats.org/presentationml/2006/main">
+  <p:cSld>
+    <p:bg>
+      <p:bgPr>
+        <a:solidFill>
+          <a:schemeClr val="bg1"/>
+        </a:solidFill>
+        <a:effectLst/>
+      </p:bgPr>
+    </p:bg>
+    <p:spTree>
+      <p:nvGrpSpPr>
+        <p:cNvPr id="1" name=""/>
+        <p:cNvGrpSpPr/>
+        <p:nvPr/>
+      </p:nvGrpSpPr>
+      <p:grpSpPr>
+        <a:xfrm>
+          <a:off x="0" y="0"/>
+          <a:ext cx="0" cy="0"/>
+          <a:chOff x="0" y="0"/>
+          <a:chExt cx="0" cy="0"/>
+        </a:xfrm>
+      </p:grpSpPr>
+      <p:pic>
+        <p:nvPicPr>
+          <p:cNvPr id="3" name="Picture 2"/>
+          <p:cNvPicPr>
+            <a:picLocks noChangeAspect="1"/>
+          </p:cNvPicPr>
+          <p:nvPr/>
+        </p:nvPicPr>
+        <p:blipFill>
+          <a:blip r:embed="rId2" cstate="print">
+            <a:extLst>
+              <a:ext uri="{28A0092B-C50C-407E-A947-70E740481C1C}">
+                <a14:useLocalDpi xmlns:a14="http://schemas.microsoft.com/office/drawing/2010/main" val="0"/>
+              </a:ext>
+            </a:extLst>
+          </a:blip>
+          <a:stretch>
+            <a:fillRect/>
+          </a:stretch>
+        </p:blipFill>
+        <p:spPr>
+          <a:xfrm>
+            <a:off x="3660348" y="2563569"/>
+            <a:ext cx="4702269" cy="1729699"/>
+          </a:xfrm>
+          <a:prstGeom prst="rect">
+            <a:avLst/>
+          </a:prstGeom>
+        </p:spPr>
+      </p:pic>
+    </p:spTree>
+    <p:extLst>
+      <p:ext uri="{BB962C8B-B14F-4D97-AF65-F5344CB8AC3E}">
+        <p14:creationId xmlns:p14="http://schemas.microsoft.com/office/powerpoint/2010/main" val="2089736766"/>
       </p:ext>
     </p:extLst>
   </p:cSld>
